--- a/trabalho_av2/Vuejs_Apresentacao.pptx
+++ b/trabalho_av2/Vuejs_Apresentacao.pptx
@@ -7,10 +7,12 @@
   <p:sldIdLst>
     <p:sldId id="258" r:id="rId5"/>
     <p:sldId id="259" r:id="rId6"/>
-    <p:sldId id="260" r:id="rId7"/>
-    <p:sldId id="262" r:id="rId8"/>
-    <p:sldId id="263" r:id="rId9"/>
-    <p:sldId id="261" r:id="rId10"/>
+    <p:sldId id="264" r:id="rId7"/>
+    <p:sldId id="265" r:id="rId8"/>
+    <p:sldId id="260" r:id="rId9"/>
+    <p:sldId id="262" r:id="rId10"/>
+    <p:sldId id="263" r:id="rId11"/>
+    <p:sldId id="261" r:id="rId12"/>
   </p:sldIdLst>
   <p:sldSz cx="9144000" cy="6858000" type="screen4x3"/>
   <p:notesSz cx="6858000" cy="9144000"/>
@@ -3213,10 +3215,36 @@
           </a:xfrm>
         </p:spPr>
         <p:txBody>
-          <a:bodyPr/>
-          <a:lstStyle/>
-          <a:p>
-            <a:pPr algn="l"/>
+          <a:bodyPr>
+            <a:normAutofit lnSpcReduction="10000"/>
+          </a:bodyPr>
+          <a:lstStyle/>
+          <a:p>
+            <a:pPr algn="just"/>
+            <a:r>
+              <a:rPr lang="pt-BR" dirty="0" smtClean="0">
+                <a:solidFill>
+                  <a:schemeClr val="tx1"/>
+                </a:solidFill>
+              </a:rPr>
+              <a:t>	Geralmente quando usa-se uma expressão simples em um </a:t>
+            </a:r>
+            <a:r>
+              <a:rPr lang="pt-BR" dirty="0" err="1" smtClean="0">
+                <a:solidFill>
+                  <a:schemeClr val="tx1"/>
+                </a:solidFill>
+              </a:rPr>
+              <a:t>template</a:t>
+            </a:r>
+            <a:r>
+              <a:rPr lang="pt-BR" dirty="0" smtClean="0">
+                <a:solidFill>
+                  <a:schemeClr val="tx1"/>
+                </a:solidFill>
+              </a:rPr>
+              <a:t>, é utilizado um método, porém quando a complexidade da lógica aumenta é necessário economizar tempo para que a manutenção do código seja produtiva.</a:t>
+            </a:r>
             <a:endParaRPr lang="pt-BR" dirty="0" smtClean="0">
               <a:solidFill>
                 <a:schemeClr val="tx1"/>
@@ -3392,6 +3420,70 @@
           </a:prstGeom>
         </p:spPr>
       </p:pic>
+      <p:sp>
+        <p:nvSpPr>
+          <p:cNvPr id="10" name="Subtítulo 2"/>
+          <p:cNvSpPr txBox="1">
+            <a:spLocks/>
+          </p:cNvSpPr>
+          <p:nvPr/>
+        </p:nvSpPr>
+        <p:spPr>
+          <a:xfrm>
+            <a:off x="1214414" y="4429132"/>
+            <a:ext cx="6500858" cy="1571636"/>
+          </a:xfrm>
+          <a:prstGeom prst="rect">
+            <a:avLst/>
+          </a:prstGeom>
+        </p:spPr>
+        <p:txBody>
+          <a:bodyPr vert="horz" lIns="91440" tIns="45720" rIns="91440" bIns="45720" rtlCol="0">
+            <a:noAutofit/>
+          </a:bodyPr>
+          <a:lstStyle/>
+          <a:p>
+            <a:pPr marL="0" marR="0" lvl="0" indent="0" algn="just" defTabSz="914400" rtl="0" eaLnBrk="1" fontAlgn="auto" latinLnBrk="0" hangingPunct="1">
+              <a:lnSpc>
+                <a:spcPct val="100000"/>
+              </a:lnSpc>
+              <a:spcBef>
+                <a:spcPct val="20000"/>
+              </a:spcBef>
+              <a:spcAft>
+                <a:spcPts val="0"/>
+              </a:spcAft>
+              <a:buClrTx/>
+              <a:buSzTx/>
+              <a:buFont typeface="Arial" pitchFamily="34" charset="0"/>
+              <a:buNone/>
+              <a:tabLst/>
+              <a:defRPr/>
+            </a:pPr>
+            <a:r>
+              <a:rPr lang="pt-BR" sz="3200" dirty="0" smtClean="0"/>
+              <a:t>I</a:t>
+            </a:r>
+            <a:r>
+              <a:rPr kumimoji="0" lang="pt-BR" sz="3200" b="0" i="0" u="none" strike="noStrike" kern="1200" cap="none" spc="0" normalizeH="0" baseline="0" noProof="0" dirty="0" smtClean="0">
+                <a:ln>
+                  <a:noFill/>
+                </a:ln>
+                <a:solidFill>
+                  <a:schemeClr val="tx1"/>
+                </a:solidFill>
+                <a:effectLst/>
+                <a:uLnTx/>
+                <a:uFillTx/>
+                <a:latin typeface="+mn-lt"/>
+                <a:ea typeface="+mn-ea"/>
+                <a:cs typeface="+mn-cs"/>
+              </a:rPr>
+              <a:t>remos abordar hoje alguns conceitos sobre dados computados e observadores.</a:t>
+            </a:r>
+          </a:p>
+        </p:txBody>
+      </p:sp>
     </p:spTree>
   </p:cSld>
   <p:clrMapOvr>
@@ -3661,7 +3753,7 @@
         </p:spPr>
         <p:txBody>
           <a:bodyPr vert="horz" lIns="91440" tIns="45720" rIns="91440" bIns="45720" rtlCol="0" anchor="ctr">
-            <a:normAutofit fontScale="62500" lnSpcReduction="20000"/>
+            <a:normAutofit fontScale="92500" lnSpcReduction="10000"/>
           </a:bodyPr>
           <a:lstStyle/>
           <a:p>
@@ -3697,7 +3789,24 @@
                 <a:ea typeface="+mj-ea"/>
                 <a:cs typeface="Times New Roman" pitchFamily="18" charset="0"/>
               </a:rPr>
-              <a:t>Dados Computados e Observadores</a:t>
+              <a:t>Dados </a:t>
+            </a:r>
+            <a:r>
+              <a:rPr kumimoji="0" lang="pt-BR" sz="4400" b="1" i="0" u="none" strike="noStrike" kern="1200" cap="none" spc="0" normalizeH="0" baseline="0" noProof="0" dirty="0" smtClean="0">
+                <a:ln>
+                  <a:noFill/>
+                </a:ln>
+                <a:solidFill>
+                  <a:schemeClr val="tx1"/>
+                </a:solidFill>
+                <a:effectLst/>
+                <a:uLnTx/>
+                <a:uFillTx/>
+                <a:latin typeface="Times New Roman" pitchFamily="18" charset="0"/>
+                <a:ea typeface="+mj-ea"/>
+                <a:cs typeface="Times New Roman" pitchFamily="18" charset="0"/>
+              </a:rPr>
+              <a:t>Computados</a:t>
             </a:r>
             <a:endParaRPr kumimoji="0" lang="pt-BR" sz="4400" b="1" i="0" u="none" strike="noStrike" kern="1200" cap="none" spc="0" normalizeH="0" baseline="0" noProof="0" dirty="0">
               <a:ln>
@@ -4010,7 +4119,7 @@
         </p:spPr>
         <p:txBody>
           <a:bodyPr vert="horz" lIns="91440" tIns="45720" rIns="91440" bIns="45720" rtlCol="0" anchor="ctr">
-            <a:normAutofit lnSpcReduction="10000"/>
+            <a:normAutofit fontScale="92500" lnSpcReduction="10000"/>
           </a:bodyPr>
           <a:lstStyle/>
           <a:p>
@@ -4032,12 +4141,21 @@
               <a:defRPr/>
             </a:pPr>
             <a:r>
-              <a:rPr lang="pt-BR" sz="4400" b="1" dirty="0" smtClean="0">
+              <a:rPr kumimoji="0" lang="pt-BR" sz="4400" b="1" i="0" u="none" strike="noStrike" kern="1200" cap="none" spc="0" normalizeH="0" baseline="0" noProof="0" dirty="0" smtClean="0">
+                <a:ln>
+                  <a:noFill/>
+                </a:ln>
+                <a:solidFill>
+                  <a:schemeClr val="tx1"/>
+                </a:solidFill>
+                <a:effectLst/>
+                <a:uLnTx/>
+                <a:uFillTx/>
                 <a:latin typeface="Times New Roman" pitchFamily="18" charset="0"/>
                 <a:ea typeface="+mj-ea"/>
                 <a:cs typeface="Times New Roman" pitchFamily="18" charset="0"/>
               </a:rPr>
-              <a:t>Desafio</a:t>
+              <a:t>Observadores</a:t>
             </a:r>
             <a:endParaRPr kumimoji="0" lang="pt-BR" sz="4400" b="1" i="0" u="none" strike="noStrike" kern="1200" cap="none" spc="0" normalizeH="0" baseline="0" noProof="0" dirty="0">
               <a:ln>
@@ -4255,6 +4373,62 @@
           <a:lstStyle/>
           <a:p>
             <a:pPr algn="l"/>
+            <a:r>
+              <a:rPr lang="pt-BR" dirty="0" smtClean="0">
+                <a:solidFill>
+                  <a:schemeClr val="tx1"/>
+                </a:solidFill>
+              </a:rPr>
+              <a:t>	O </a:t>
+            </a:r>
+            <a:r>
+              <a:rPr lang="pt-BR" dirty="0" err="1" smtClean="0">
+                <a:solidFill>
+                  <a:schemeClr val="tx1"/>
+                </a:solidFill>
+              </a:rPr>
+              <a:t>computer</a:t>
+            </a:r>
+            <a:r>
+              <a:rPr lang="pt-BR" dirty="0" smtClean="0">
+                <a:solidFill>
+                  <a:schemeClr val="tx1"/>
+                </a:solidFill>
+              </a:rPr>
+              <a:t> </a:t>
+            </a:r>
+            <a:r>
+              <a:rPr lang="pt-BR" dirty="0" err="1" smtClean="0">
+                <a:solidFill>
+                  <a:schemeClr val="tx1"/>
+                </a:solidFill>
+              </a:rPr>
+              <a:t>properties</a:t>
+            </a:r>
+            <a:r>
+              <a:rPr lang="pt-BR" dirty="0" smtClean="0">
+                <a:solidFill>
+                  <a:schemeClr val="tx1"/>
+                </a:solidFill>
+              </a:rPr>
+              <a:t> e o </a:t>
+            </a:r>
+            <a:r>
+              <a:rPr lang="pt-BR" dirty="0" err="1" smtClean="0">
+                <a:solidFill>
+                  <a:schemeClr val="tx1"/>
+                </a:solidFill>
+              </a:rPr>
+              <a:t>watchers</a:t>
+            </a:r>
+            <a:r>
+              <a:rPr lang="pt-BR" dirty="0" smtClean="0">
+                <a:solidFill>
+                  <a:schemeClr val="tx1"/>
+                </a:solidFill>
+              </a:rPr>
+              <a:t> são diferentes mesmo trazendo o mesmo resultado. </a:t>
+            </a:r>
             <a:endParaRPr lang="pt-BR" dirty="0" smtClean="0">
               <a:solidFill>
                 <a:schemeClr val="tx1"/>
@@ -4350,7 +4524,7 @@
         </p:spPr>
         <p:txBody>
           <a:bodyPr vert="horz" lIns="91440" tIns="45720" rIns="91440" bIns="45720" rtlCol="0" anchor="ctr">
-            <a:normAutofit lnSpcReduction="10000"/>
+            <a:normAutofit fontScale="92500" lnSpcReduction="10000"/>
           </a:bodyPr>
           <a:lstStyle/>
           <a:p>
@@ -4386,7 +4560,7 @@
                 <a:ea typeface="+mj-ea"/>
                 <a:cs typeface="Times New Roman" pitchFamily="18" charset="0"/>
               </a:rPr>
-              <a:t>Resposta</a:t>
+              <a:t>Comparando...</a:t>
             </a:r>
             <a:endParaRPr kumimoji="0" lang="pt-BR" sz="4400" b="1" i="0" u="none" strike="noStrike" kern="1200" cap="none" spc="0" normalizeH="0" baseline="0" noProof="0" dirty="0">
               <a:ln>
@@ -4721,21 +4895,12 @@
               <a:defRPr/>
             </a:pPr>
             <a:r>
-              <a:rPr kumimoji="0" lang="pt-BR" sz="4400" b="1" i="0" u="none" strike="noStrike" kern="1200" cap="none" spc="0" normalizeH="0" baseline="0" noProof="0" dirty="0" smtClean="0">
-                <a:ln>
-                  <a:noFill/>
-                </a:ln>
-                <a:solidFill>
-                  <a:schemeClr val="tx1"/>
-                </a:solidFill>
-                <a:effectLst/>
-                <a:uLnTx/>
-                <a:uFillTx/>
+              <a:rPr lang="pt-BR" sz="4400" b="1" dirty="0" smtClean="0">
                 <a:latin typeface="Times New Roman" pitchFamily="18" charset="0"/>
                 <a:ea typeface="+mj-ea"/>
                 <a:cs typeface="Times New Roman" pitchFamily="18" charset="0"/>
               </a:rPr>
-              <a:t>Referências</a:t>
+              <a:t>Desafio</a:t>
             </a:r>
             <a:endParaRPr kumimoji="0" lang="pt-BR" sz="4400" b="1" i="0" u="none" strike="noStrike" kern="1200" cap="none" spc="0" normalizeH="0" baseline="0" noProof="0" dirty="0">
               <a:ln>
@@ -4959,6 +5124,752 @@
               </a:solidFill>
             </a:endParaRPr>
           </a:p>
+        </p:txBody>
+      </p:sp>
+      <p:sp>
+        <p:nvSpPr>
+          <p:cNvPr id="12" name="Pentágono 11"/>
+          <p:cNvSpPr/>
+          <p:nvPr/>
+        </p:nvSpPr>
+        <p:spPr>
+          <a:xfrm>
+            <a:off x="100640" y="285729"/>
+            <a:ext cx="7400318" cy="1000132"/>
+          </a:xfrm>
+          <a:prstGeom prst="homePlate">
+            <a:avLst/>
+          </a:prstGeom>
+          <a:solidFill>
+            <a:srgbClr val="06BA8F"/>
+          </a:solidFill>
+        </p:spPr>
+        <p:style>
+          <a:lnRef idx="2">
+            <a:schemeClr val="accent1">
+              <a:shade val="50000"/>
+            </a:schemeClr>
+          </a:lnRef>
+          <a:fillRef idx="1">
+            <a:schemeClr val="accent1"/>
+          </a:fillRef>
+          <a:effectRef idx="0">
+            <a:schemeClr val="accent1"/>
+          </a:effectRef>
+          <a:fontRef idx="minor">
+            <a:schemeClr val="lt1"/>
+          </a:fontRef>
+        </p:style>
+        <p:txBody>
+          <a:bodyPr rtlCol="0" anchor="ctr"/>
+          <a:lstStyle/>
+          <a:p>
+            <a:pPr algn="ctr"/>
+            <a:endParaRPr lang="pt-BR"/>
+          </a:p>
+        </p:txBody>
+      </p:sp>
+      <p:pic>
+        <p:nvPicPr>
+          <p:cNvPr id="9" name="Imagem 8" descr="vuejs.png"/>
+          <p:cNvPicPr>
+            <a:picLocks noChangeAspect="1"/>
+          </p:cNvPicPr>
+          <p:nvPr/>
+        </p:nvPicPr>
+        <p:blipFill>
+          <a:blip r:embed="rId4"/>
+          <a:srcRect l="6875" r="6875"/>
+          <a:stretch>
+            <a:fillRect/>
+          </a:stretch>
+        </p:blipFill>
+        <p:spPr>
+          <a:xfrm>
+            <a:off x="122989" y="142853"/>
+            <a:ext cx="1520053" cy="1285883"/>
+          </a:xfrm>
+          <a:prstGeom prst="rect">
+            <a:avLst/>
+          </a:prstGeom>
+        </p:spPr>
+      </p:pic>
+      <p:sp>
+        <p:nvSpPr>
+          <p:cNvPr id="16" name="Título 1"/>
+          <p:cNvSpPr txBox="1">
+            <a:spLocks/>
+          </p:cNvSpPr>
+          <p:nvPr/>
+        </p:nvSpPr>
+        <p:spPr>
+          <a:xfrm>
+            <a:off x="1428728" y="428605"/>
+            <a:ext cx="5643602" cy="714380"/>
+          </a:xfrm>
+          <a:prstGeom prst="rect">
+            <a:avLst/>
+          </a:prstGeom>
+        </p:spPr>
+        <p:txBody>
+          <a:bodyPr vert="horz" lIns="91440" tIns="45720" rIns="91440" bIns="45720" rtlCol="0" anchor="ctr">
+            <a:normAutofit lnSpcReduction="10000"/>
+          </a:bodyPr>
+          <a:lstStyle/>
+          <a:p>
+            <a:pPr marL="0" marR="0" lvl="0" indent="0" defTabSz="914400" rtl="0" eaLnBrk="1" fontAlgn="auto" latinLnBrk="0" hangingPunct="1">
+              <a:lnSpc>
+                <a:spcPct val="100000"/>
+              </a:lnSpc>
+              <a:spcBef>
+                <a:spcPct val="0"/>
+              </a:spcBef>
+              <a:spcAft>
+                <a:spcPts val="0"/>
+              </a:spcAft>
+              <a:buClrTx/>
+              <a:buSzTx/>
+              <a:buFontTx/>
+              <a:buNone/>
+              <a:tabLst/>
+              <a:defRPr/>
+            </a:pPr>
+            <a:r>
+              <a:rPr kumimoji="0" lang="pt-BR" sz="4400" b="1" i="0" u="none" strike="noStrike" kern="1200" cap="none" spc="0" normalizeH="0" baseline="0" noProof="0" dirty="0" smtClean="0">
+                <a:ln>
+                  <a:noFill/>
+                </a:ln>
+                <a:solidFill>
+                  <a:schemeClr val="tx1"/>
+                </a:solidFill>
+                <a:effectLst/>
+                <a:uLnTx/>
+                <a:uFillTx/>
+                <a:latin typeface="Times New Roman" pitchFamily="18" charset="0"/>
+                <a:ea typeface="+mj-ea"/>
+                <a:cs typeface="Times New Roman" pitchFamily="18" charset="0"/>
+              </a:rPr>
+              <a:t>Resposta</a:t>
+            </a:r>
+            <a:endParaRPr kumimoji="0" lang="pt-BR" sz="4400" b="1" i="0" u="none" strike="noStrike" kern="1200" cap="none" spc="0" normalizeH="0" baseline="0" noProof="0" dirty="0">
+              <a:ln>
+                <a:noFill/>
+              </a:ln>
+              <a:solidFill>
+                <a:schemeClr val="tx1"/>
+              </a:solidFill>
+              <a:effectLst/>
+              <a:uLnTx/>
+              <a:uFillTx/>
+              <a:latin typeface="Times New Roman" pitchFamily="18" charset="0"/>
+              <a:ea typeface="+mj-ea"/>
+              <a:cs typeface="Times New Roman" pitchFamily="18" charset="0"/>
+            </a:endParaRPr>
+          </a:p>
+        </p:txBody>
+      </p:sp>
+      <p:pic>
+        <p:nvPicPr>
+          <p:cNvPr id="17" name="Imagem 16" descr="vuesplash.3e416f3.png"/>
+          <p:cNvPicPr>
+            <a:picLocks noChangeAspect="1"/>
+          </p:cNvPicPr>
+          <p:nvPr/>
+        </p:nvPicPr>
+        <p:blipFill>
+          <a:blip r:embed="rId5"/>
+          <a:srcRect l="3125" t="69612" r="3125" b="8993"/>
+          <a:stretch>
+            <a:fillRect/>
+          </a:stretch>
+        </p:blipFill>
+        <p:spPr>
+          <a:xfrm>
+            <a:off x="1571604" y="5929330"/>
+            <a:ext cx="7515058" cy="857256"/>
+          </a:xfrm>
+          <a:prstGeom prst="rect">
+            <a:avLst/>
+          </a:prstGeom>
+        </p:spPr>
+      </p:pic>
+    </p:spTree>
+  </p:cSld>
+  <p:clrMapOvr>
+    <a:masterClrMapping/>
+  </p:clrMapOvr>
+</p:sld>
+</file>
+
+<file path=ppt/slides/slide7.xml><?xml version="1.0" encoding="utf-8"?>
+<p:sld xmlns:a="http://schemas.openxmlformats.org/drawingml/2006/main" xmlns:r="http://schemas.openxmlformats.org/officeDocument/2006/relationships" xmlns:p="http://schemas.openxmlformats.org/presentationml/2006/main">
+  <p:cSld>
+    <p:spTree>
+      <p:nvGrpSpPr>
+        <p:cNvPr id="1" name=""/>
+        <p:cNvGrpSpPr/>
+        <p:nvPr/>
+      </p:nvGrpSpPr>
+      <p:grpSpPr>
+        <a:xfrm>
+          <a:off x="0" y="0"/>
+          <a:ext cx="0" cy="0"/>
+          <a:chOff x="0" y="0"/>
+          <a:chExt cx="0" cy="0"/>
+        </a:xfrm>
+      </p:grpSpPr>
+      <p:pic>
+        <p:nvPicPr>
+          <p:cNvPr id="5" name="Picture 9"/>
+          <p:cNvPicPr>
+            <a:picLocks noChangeAspect="1" noChangeArrowheads="1"/>
+          </p:cNvPicPr>
+          <p:nvPr/>
+        </p:nvPicPr>
+        <p:blipFill>
+          <a:blip r:embed="rId2" cstate="print"/>
+          <a:srcRect/>
+          <a:stretch>
+            <a:fillRect/>
+          </a:stretch>
+        </p:blipFill>
+        <p:spPr bwMode="auto">
+          <a:xfrm>
+            <a:off x="7215188" y="0"/>
+            <a:ext cx="1928812" cy="2525713"/>
+          </a:xfrm>
+          <a:prstGeom prst="rect">
+            <a:avLst/>
+          </a:prstGeom>
+          <a:noFill/>
+          <a:ln w="9525">
+            <a:noFill/>
+            <a:miter lim="800000"/>
+            <a:headEnd/>
+            <a:tailEnd/>
+          </a:ln>
+        </p:spPr>
+      </p:pic>
+      <p:pic>
+        <p:nvPicPr>
+          <p:cNvPr id="6" name="Picture 9"/>
+          <p:cNvPicPr>
+            <a:picLocks noChangeAspect="1" noChangeArrowheads="1"/>
+          </p:cNvPicPr>
+          <p:nvPr/>
+        </p:nvPicPr>
+        <p:blipFill>
+          <a:blip r:embed="rId3" cstate="print"/>
+          <a:srcRect/>
+          <a:stretch>
+            <a:fillRect/>
+          </a:stretch>
+        </p:blipFill>
+        <p:spPr bwMode="auto">
+          <a:xfrm>
+            <a:off x="0" y="4786313"/>
+            <a:ext cx="1571625" cy="2057400"/>
+          </a:xfrm>
+          <a:prstGeom prst="rect">
+            <a:avLst/>
+          </a:prstGeom>
+          <a:noFill/>
+          <a:ln w="9525">
+            <a:noFill/>
+            <a:miter lim="800000"/>
+            <a:headEnd/>
+            <a:tailEnd/>
+          </a:ln>
+        </p:spPr>
+      </p:pic>
+      <p:sp>
+        <p:nvSpPr>
+          <p:cNvPr id="7" name="Retângulo 6"/>
+          <p:cNvSpPr/>
+          <p:nvPr/>
+        </p:nvSpPr>
+        <p:spPr>
+          <a:xfrm>
+            <a:off x="0" y="0"/>
+            <a:ext cx="9144000" cy="6858000"/>
+          </a:xfrm>
+          <a:prstGeom prst="rect">
+            <a:avLst/>
+          </a:prstGeom>
+          <a:solidFill>
+            <a:schemeClr val="accent1">
+              <a:alpha val="0"/>
+            </a:schemeClr>
+          </a:solidFill>
+          <a:ln w="69850">
+            <a:solidFill>
+              <a:schemeClr val="tx2">
+                <a:lumMod val="75000"/>
+              </a:schemeClr>
+            </a:solidFill>
+          </a:ln>
+        </p:spPr>
+        <p:style>
+          <a:lnRef idx="2">
+            <a:schemeClr val="accent1">
+              <a:shade val="50000"/>
+            </a:schemeClr>
+          </a:lnRef>
+          <a:fillRef idx="1">
+            <a:schemeClr val="accent1"/>
+          </a:fillRef>
+          <a:effectRef idx="0">
+            <a:schemeClr val="accent1"/>
+          </a:effectRef>
+          <a:fontRef idx="minor">
+            <a:schemeClr val="lt1"/>
+          </a:fontRef>
+        </p:style>
+        <p:txBody>
+          <a:bodyPr anchor="ctr"/>
+          <a:lstStyle/>
+          <a:p>
+            <a:pPr>
+              <a:lnSpc>
+                <a:spcPct val="80000"/>
+              </a:lnSpc>
+              <a:spcBef>
+                <a:spcPct val="20000"/>
+              </a:spcBef>
+              <a:defRPr/>
+            </a:pPr>
+            <a:endParaRPr lang="pt-BR" b="1" dirty="0">
+              <a:solidFill>
+                <a:schemeClr val="accent1"/>
+              </a:solidFill>
+            </a:endParaRPr>
+          </a:p>
+        </p:txBody>
+      </p:sp>
+      <p:sp>
+        <p:nvSpPr>
+          <p:cNvPr id="3" name="Subtítulo 2"/>
+          <p:cNvSpPr>
+            <a:spLocks noGrp="1"/>
+          </p:cNvSpPr>
+          <p:nvPr>
+            <p:ph type="subTitle" idx="1"/>
+          </p:nvPr>
+        </p:nvSpPr>
+        <p:spPr>
+          <a:xfrm>
+            <a:off x="142844" y="1785926"/>
+            <a:ext cx="7572428" cy="2928958"/>
+          </a:xfrm>
+        </p:spPr>
+        <p:txBody>
+          <a:bodyPr>
+            <a:normAutofit/>
+          </a:bodyPr>
+          <a:lstStyle/>
+          <a:p>
+            <a:pPr algn="l">
+              <a:buFontTx/>
+              <a:buChar char="-"/>
+            </a:pPr>
+            <a:r>
+              <a:rPr lang="pt-BR" sz="2400" dirty="0" smtClean="0">
+                <a:solidFill>
+                  <a:schemeClr val="tx1"/>
+                </a:solidFill>
+                <a:hlinkClick r:id="rId4"/>
+              </a:rPr>
+              <a:t>https</a:t>
+            </a:r>
+            <a:r>
+              <a:rPr lang="pt-BR" sz="2400" dirty="0" smtClean="0">
+                <a:solidFill>
+                  <a:schemeClr val="tx1"/>
+                </a:solidFill>
+                <a:hlinkClick r:id="rId4"/>
+              </a:rPr>
+              <a:t>://</a:t>
+            </a:r>
+            <a:r>
+              <a:rPr lang="pt-BR" sz="2400" dirty="0" smtClean="0">
+                <a:solidFill>
+                  <a:schemeClr val="tx1"/>
+                </a:solidFill>
+                <a:hlinkClick r:id="rId4"/>
+              </a:rPr>
+              <a:t>br.vuejs.org/v2/guide/computed.html</a:t>
+            </a:r>
+            <a:endParaRPr lang="pt-BR" sz="2400" dirty="0" smtClean="0">
+              <a:solidFill>
+                <a:schemeClr val="tx1"/>
+              </a:solidFill>
+            </a:endParaRPr>
+          </a:p>
+          <a:p>
+            <a:pPr algn="l"/>
+            <a:r>
+              <a:rPr lang="pt-BR" sz="2400" dirty="0" smtClean="0">
+                <a:solidFill>
+                  <a:schemeClr val="tx1"/>
+                </a:solidFill>
+              </a:rPr>
+              <a:t>- </a:t>
+            </a:r>
+            <a:endParaRPr lang="pt-BR" sz="2400" dirty="0" smtClean="0">
+              <a:solidFill>
+                <a:schemeClr val="tx1"/>
+              </a:solidFill>
+            </a:endParaRPr>
+          </a:p>
+        </p:txBody>
+      </p:sp>
+      <p:sp>
+        <p:nvSpPr>
+          <p:cNvPr id="12" name="Pentágono 11"/>
+          <p:cNvSpPr/>
+          <p:nvPr/>
+        </p:nvSpPr>
+        <p:spPr>
+          <a:xfrm>
+            <a:off x="100640" y="285729"/>
+            <a:ext cx="7400318" cy="1000132"/>
+          </a:xfrm>
+          <a:prstGeom prst="homePlate">
+            <a:avLst/>
+          </a:prstGeom>
+          <a:solidFill>
+            <a:srgbClr val="06BA8F"/>
+          </a:solidFill>
+        </p:spPr>
+        <p:style>
+          <a:lnRef idx="2">
+            <a:schemeClr val="accent1">
+              <a:shade val="50000"/>
+            </a:schemeClr>
+          </a:lnRef>
+          <a:fillRef idx="1">
+            <a:schemeClr val="accent1"/>
+          </a:fillRef>
+          <a:effectRef idx="0">
+            <a:schemeClr val="accent1"/>
+          </a:effectRef>
+          <a:fontRef idx="minor">
+            <a:schemeClr val="lt1"/>
+          </a:fontRef>
+        </p:style>
+        <p:txBody>
+          <a:bodyPr rtlCol="0" anchor="ctr"/>
+          <a:lstStyle/>
+          <a:p>
+            <a:pPr algn="ctr"/>
+            <a:endParaRPr lang="pt-BR"/>
+          </a:p>
+        </p:txBody>
+      </p:sp>
+      <p:pic>
+        <p:nvPicPr>
+          <p:cNvPr id="9" name="Imagem 8" descr="vuejs.png"/>
+          <p:cNvPicPr>
+            <a:picLocks noChangeAspect="1"/>
+          </p:cNvPicPr>
+          <p:nvPr/>
+        </p:nvPicPr>
+        <p:blipFill>
+          <a:blip r:embed="rId5"/>
+          <a:srcRect l="6875" r="6875"/>
+          <a:stretch>
+            <a:fillRect/>
+          </a:stretch>
+        </p:blipFill>
+        <p:spPr>
+          <a:xfrm>
+            <a:off x="122989" y="142853"/>
+            <a:ext cx="1520053" cy="1285883"/>
+          </a:xfrm>
+          <a:prstGeom prst="rect">
+            <a:avLst/>
+          </a:prstGeom>
+        </p:spPr>
+      </p:pic>
+      <p:sp>
+        <p:nvSpPr>
+          <p:cNvPr id="16" name="Título 1"/>
+          <p:cNvSpPr txBox="1">
+            <a:spLocks/>
+          </p:cNvSpPr>
+          <p:nvPr/>
+        </p:nvSpPr>
+        <p:spPr>
+          <a:xfrm>
+            <a:off x="1428728" y="428605"/>
+            <a:ext cx="5643602" cy="714380"/>
+          </a:xfrm>
+          <a:prstGeom prst="rect">
+            <a:avLst/>
+          </a:prstGeom>
+        </p:spPr>
+        <p:txBody>
+          <a:bodyPr vert="horz" lIns="91440" tIns="45720" rIns="91440" bIns="45720" rtlCol="0" anchor="ctr">
+            <a:normAutofit lnSpcReduction="10000"/>
+          </a:bodyPr>
+          <a:lstStyle/>
+          <a:p>
+            <a:pPr marL="0" marR="0" lvl="0" indent="0" defTabSz="914400" rtl="0" eaLnBrk="1" fontAlgn="auto" latinLnBrk="0" hangingPunct="1">
+              <a:lnSpc>
+                <a:spcPct val="100000"/>
+              </a:lnSpc>
+              <a:spcBef>
+                <a:spcPct val="0"/>
+              </a:spcBef>
+              <a:spcAft>
+                <a:spcPts val="0"/>
+              </a:spcAft>
+              <a:buClrTx/>
+              <a:buSzTx/>
+              <a:buFontTx/>
+              <a:buNone/>
+              <a:tabLst/>
+              <a:defRPr/>
+            </a:pPr>
+            <a:r>
+              <a:rPr kumimoji="0" lang="pt-BR" sz="4400" b="1" i="0" u="none" strike="noStrike" kern="1200" cap="none" spc="0" normalizeH="0" baseline="0" noProof="0" dirty="0" smtClean="0">
+                <a:ln>
+                  <a:noFill/>
+                </a:ln>
+                <a:solidFill>
+                  <a:schemeClr val="tx1"/>
+                </a:solidFill>
+                <a:effectLst/>
+                <a:uLnTx/>
+                <a:uFillTx/>
+                <a:latin typeface="Times New Roman" pitchFamily="18" charset="0"/>
+                <a:ea typeface="+mj-ea"/>
+                <a:cs typeface="Times New Roman" pitchFamily="18" charset="0"/>
+              </a:rPr>
+              <a:t>Referências</a:t>
+            </a:r>
+            <a:endParaRPr kumimoji="0" lang="pt-BR" sz="4400" b="1" i="0" u="none" strike="noStrike" kern="1200" cap="none" spc="0" normalizeH="0" baseline="0" noProof="0" dirty="0">
+              <a:ln>
+                <a:noFill/>
+              </a:ln>
+              <a:solidFill>
+                <a:schemeClr val="tx1"/>
+              </a:solidFill>
+              <a:effectLst/>
+              <a:uLnTx/>
+              <a:uFillTx/>
+              <a:latin typeface="Times New Roman" pitchFamily="18" charset="0"/>
+              <a:ea typeface="+mj-ea"/>
+              <a:cs typeface="Times New Roman" pitchFamily="18" charset="0"/>
+            </a:endParaRPr>
+          </a:p>
+        </p:txBody>
+      </p:sp>
+      <p:pic>
+        <p:nvPicPr>
+          <p:cNvPr id="17" name="Imagem 16" descr="vuesplash.3e416f3.png"/>
+          <p:cNvPicPr>
+            <a:picLocks noChangeAspect="1"/>
+          </p:cNvPicPr>
+          <p:nvPr/>
+        </p:nvPicPr>
+        <p:blipFill>
+          <a:blip r:embed="rId6"/>
+          <a:srcRect l="3125" t="69612" r="3125" b="8993"/>
+          <a:stretch>
+            <a:fillRect/>
+          </a:stretch>
+        </p:blipFill>
+        <p:spPr>
+          <a:xfrm>
+            <a:off x="1571604" y="5929330"/>
+            <a:ext cx="7515058" cy="857256"/>
+          </a:xfrm>
+          <a:prstGeom prst="rect">
+            <a:avLst/>
+          </a:prstGeom>
+        </p:spPr>
+      </p:pic>
+    </p:spTree>
+  </p:cSld>
+  <p:clrMapOvr>
+    <a:masterClrMapping/>
+  </p:clrMapOvr>
+</p:sld>
+</file>
+
+<file path=ppt/slides/slide8.xml><?xml version="1.0" encoding="utf-8"?>
+<p:sld xmlns:a="http://schemas.openxmlformats.org/drawingml/2006/main" xmlns:r="http://schemas.openxmlformats.org/officeDocument/2006/relationships" xmlns:p="http://schemas.openxmlformats.org/presentationml/2006/main">
+  <p:cSld>
+    <p:spTree>
+      <p:nvGrpSpPr>
+        <p:cNvPr id="1" name=""/>
+        <p:cNvGrpSpPr/>
+        <p:nvPr/>
+      </p:nvGrpSpPr>
+      <p:grpSpPr>
+        <a:xfrm>
+          <a:off x="0" y="0"/>
+          <a:ext cx="0" cy="0"/>
+          <a:chOff x="0" y="0"/>
+          <a:chExt cx="0" cy="0"/>
+        </a:xfrm>
+      </p:grpSpPr>
+      <p:pic>
+        <p:nvPicPr>
+          <p:cNvPr id="5" name="Picture 9"/>
+          <p:cNvPicPr>
+            <a:picLocks noChangeAspect="1" noChangeArrowheads="1"/>
+          </p:cNvPicPr>
+          <p:nvPr/>
+        </p:nvPicPr>
+        <p:blipFill>
+          <a:blip r:embed="rId2" cstate="print"/>
+          <a:srcRect/>
+          <a:stretch>
+            <a:fillRect/>
+          </a:stretch>
+        </p:blipFill>
+        <p:spPr bwMode="auto">
+          <a:xfrm>
+            <a:off x="7215188" y="0"/>
+            <a:ext cx="1928812" cy="2525713"/>
+          </a:xfrm>
+          <a:prstGeom prst="rect">
+            <a:avLst/>
+          </a:prstGeom>
+          <a:noFill/>
+          <a:ln w="9525">
+            <a:noFill/>
+            <a:miter lim="800000"/>
+            <a:headEnd/>
+            <a:tailEnd/>
+          </a:ln>
+        </p:spPr>
+      </p:pic>
+      <p:pic>
+        <p:nvPicPr>
+          <p:cNvPr id="6" name="Picture 9"/>
+          <p:cNvPicPr>
+            <a:picLocks noChangeAspect="1" noChangeArrowheads="1"/>
+          </p:cNvPicPr>
+          <p:nvPr/>
+        </p:nvPicPr>
+        <p:blipFill>
+          <a:blip r:embed="rId3" cstate="print"/>
+          <a:srcRect/>
+          <a:stretch>
+            <a:fillRect/>
+          </a:stretch>
+        </p:blipFill>
+        <p:spPr bwMode="auto">
+          <a:xfrm>
+            <a:off x="0" y="4786313"/>
+            <a:ext cx="1571625" cy="2057400"/>
+          </a:xfrm>
+          <a:prstGeom prst="rect">
+            <a:avLst/>
+          </a:prstGeom>
+          <a:noFill/>
+          <a:ln w="9525">
+            <a:noFill/>
+            <a:miter lim="800000"/>
+            <a:headEnd/>
+            <a:tailEnd/>
+          </a:ln>
+        </p:spPr>
+      </p:pic>
+      <p:sp>
+        <p:nvSpPr>
+          <p:cNvPr id="7" name="Retângulo 6"/>
+          <p:cNvSpPr/>
+          <p:nvPr/>
+        </p:nvSpPr>
+        <p:spPr>
+          <a:xfrm>
+            <a:off x="0" y="0"/>
+            <a:ext cx="9144000" cy="6858000"/>
+          </a:xfrm>
+          <a:prstGeom prst="rect">
+            <a:avLst/>
+          </a:prstGeom>
+          <a:solidFill>
+            <a:schemeClr val="accent1">
+              <a:alpha val="0"/>
+            </a:schemeClr>
+          </a:solidFill>
+          <a:ln w="69850">
+            <a:solidFill>
+              <a:schemeClr val="tx2">
+                <a:lumMod val="75000"/>
+              </a:schemeClr>
+            </a:solidFill>
+          </a:ln>
+        </p:spPr>
+        <p:style>
+          <a:lnRef idx="2">
+            <a:schemeClr val="accent1">
+              <a:shade val="50000"/>
+            </a:schemeClr>
+          </a:lnRef>
+          <a:fillRef idx="1">
+            <a:schemeClr val="accent1"/>
+          </a:fillRef>
+          <a:effectRef idx="0">
+            <a:schemeClr val="accent1"/>
+          </a:effectRef>
+          <a:fontRef idx="minor">
+            <a:schemeClr val="lt1"/>
+          </a:fontRef>
+        </p:style>
+        <p:txBody>
+          <a:bodyPr anchor="ctr"/>
+          <a:lstStyle/>
+          <a:p>
+            <a:pPr>
+              <a:lnSpc>
+                <a:spcPct val="80000"/>
+              </a:lnSpc>
+              <a:spcBef>
+                <a:spcPct val="20000"/>
+              </a:spcBef>
+              <a:defRPr/>
+            </a:pPr>
+            <a:endParaRPr lang="pt-BR" b="1" dirty="0">
+              <a:solidFill>
+                <a:schemeClr val="accent1"/>
+              </a:solidFill>
+            </a:endParaRPr>
+          </a:p>
+        </p:txBody>
+      </p:sp>
+      <p:sp>
+        <p:nvSpPr>
+          <p:cNvPr id="3" name="Subtítulo 2"/>
+          <p:cNvSpPr>
+            <a:spLocks noGrp="1"/>
+          </p:cNvSpPr>
+          <p:nvPr>
+            <p:ph type="subTitle" idx="1"/>
+          </p:nvPr>
+        </p:nvSpPr>
+        <p:spPr>
+          <a:xfrm>
+            <a:off x="142844" y="1785926"/>
+            <a:ext cx="7572428" cy="2928958"/>
+          </a:xfrm>
+        </p:spPr>
+        <p:txBody>
+          <a:bodyPr/>
+          <a:lstStyle/>
+          <a:p>
+            <a:pPr algn="l"/>
+            <a:endParaRPr lang="pt-BR" dirty="0" smtClean="0">
+              <a:solidFill>
+                <a:schemeClr val="tx1"/>
+              </a:solidFill>
+            </a:endParaRPr>
+          </a:p>
           <a:p>
             <a:pPr algn="l">
               <a:buFontTx/>
@@ -4970,59 +5881,22 @@
                   <a:schemeClr val="tx1"/>
                 </a:solidFill>
               </a:rPr>
-              <a:t> Fernando </a:t>
-            </a:r>
+              <a:t> Fernando Rodrigues (1613240)</a:t>
+            </a:r>
+          </a:p>
+          <a:p>
+            <a:pPr algn="l">
+              <a:buFontTx/>
+              <a:buChar char="-"/>
+            </a:pPr>
             <a:r>
               <a:rPr lang="pt-BR" dirty="0" smtClean="0">
                 <a:solidFill>
                   <a:schemeClr val="tx1"/>
                 </a:solidFill>
               </a:rPr>
-              <a:t>Rodrigues (1613240</a:t>
-            </a:r>
-            <a:r>
-              <a:rPr lang="pt-BR" dirty="0" smtClean="0">
-                <a:solidFill>
-                  <a:schemeClr val="tx1"/>
-                </a:solidFill>
-              </a:rPr>
-              <a:t>)</a:t>
-            </a:r>
-          </a:p>
-          <a:p>
-            <a:pPr algn="l">
-              <a:buFontTx/>
-              <a:buChar char="-"/>
-            </a:pPr>
-            <a:r>
-              <a:rPr lang="pt-BR" dirty="0" smtClean="0">
-                <a:solidFill>
-                  <a:schemeClr val="tx1"/>
-                </a:solidFill>
-              </a:rPr>
-              <a:t> Isaura </a:t>
-            </a:r>
-            <a:r>
-              <a:rPr lang="pt-BR" dirty="0" smtClean="0">
-                <a:solidFill>
-                  <a:schemeClr val="tx1"/>
-                </a:solidFill>
-              </a:rPr>
-              <a:t>Martins (1413544</a:t>
-            </a:r>
-            <a:r>
-              <a:rPr lang="pt-BR" dirty="0" smtClean="0">
-                <a:solidFill>
-                  <a:schemeClr val="tx1"/>
-                </a:solidFill>
-              </a:rPr>
-              <a:t>)</a:t>
-            </a:r>
-            <a:endParaRPr lang="pt-BR" dirty="0" smtClean="0">
-              <a:solidFill>
-                <a:schemeClr val="tx1"/>
-              </a:solidFill>
-            </a:endParaRPr>
+              <a:t> Isaura Martins (1413544)</a:t>
+            </a:r>
           </a:p>
         </p:txBody>
       </p:sp>
@@ -5485,144 +6359,6 @@
 </file>
 
 <file path=customXml/item1.xml><?xml version="1.0" encoding="utf-8"?>
-<?mso-contentType ?>
-<FormTemplates xmlns="http://schemas.microsoft.com/sharepoint/v3/contenttype/forms">
-  <Display>DocumentLibraryForm</Display>
-  <Edit>AssetEditForm</Edit>
-  <New>DocumentLibraryForm</New>
-</FormTemplates>
-</file>
-
-<file path=customXml/item2.xml><?xml version="1.0" encoding="utf-8"?>
-<p:properties xmlns:p="http://schemas.microsoft.com/office/2006/metadata/properties" xmlns:xsi="http://www.w3.org/2001/XMLSchema-instance" xmlns:pc="http://schemas.microsoft.com/office/infopath/2007/PartnerControls">
-  <documentManagement>
-    <TPCommandLine xmlns="e5d022ff-4ce9-4922-b5a4-f245e35e2aac">{PP} /n {FilePath}</TPCommandLine>
-    <UACurrentWords xmlns="e5d022ff-4ce9-4922-b5a4-f245e35e2aac" xsi:nil="true"/>
-    <TPApplication xmlns="e5d022ff-4ce9-4922-b5a4-f245e35e2aac">PowerPoint</TPApplication>
-    <AssetId xmlns="e5d022ff-4ce9-4922-b5a4-f245e35e2aac">TP030007750</AssetId>
-    <DirectSourceMarket xmlns="e5d022ff-4ce9-4922-b5a4-f245e35e2aac">english</DirectSourceMarket>
-    <NumericId xmlns="e5d022ff-4ce9-4922-b5a4-f245e35e2aac">-1</NumericId>
-    <OOCacheId xmlns="e5d022ff-4ce9-4922-b5a4-f245e35e2aac" xsi:nil="true"/>
-    <AcquiredFrom xmlns="e5d022ff-4ce9-4922-b5a4-f245e35e2aac" xsi:nil="true"/>
-    <IsSearchable xmlns="e5d022ff-4ce9-4922-b5a4-f245e35e2aac">true</IsSearchable>
-    <Downloads xmlns="e5d022ff-4ce9-4922-b5a4-f245e35e2aac">0</Downloads>
-    <ApprovalStatus xmlns="e5d022ff-4ce9-4922-b5a4-f245e35e2aac">InProgress</ApprovalStatus>
-    <AssetStart xmlns="e5d022ff-4ce9-4922-b5a4-f245e35e2aac">2010-04-16T15:37:35+00:00</AssetStart>
-    <CrawlForDependencies xmlns="e5d022ff-4ce9-4922-b5a4-f245e35e2aac">false</CrawlForDependencies>
-    <EditorialTags xmlns="e5d022ff-4ce9-4922-b5a4-f245e35e2aac" xsi:nil="true"/>
-    <TPExecutable xmlns="e5d022ff-4ce9-4922-b5a4-f245e35e2aac" xsi:nil="true"/>
-    <LastHandOff xmlns="e5d022ff-4ce9-4922-b5a4-f245e35e2aac" xsi:nil="true"/>
-    <LastModifiedDateTime xmlns="e5d022ff-4ce9-4922-b5a4-f245e35e2aac" xsi:nil="true"/>
-    <LastPublishResultLookup xmlns="e5d022ff-4ce9-4922-b5a4-f245e35e2aac" xsi:nil="true"/>
-    <VoteCount xmlns="e5d022ff-4ce9-4922-b5a4-f245e35e2aac" xsi:nil="true"/>
-    <CSXUpdate xmlns="e5d022ff-4ce9-4922-b5a4-f245e35e2aac">false</CSXUpdate>
-    <AssetExpire xmlns="e5d022ff-4ce9-4922-b5a4-f245e35e2aac">2100-01-01T00:00:00+00:00</AssetExpire>
-    <APEditor xmlns="e5d022ff-4ce9-4922-b5a4-f245e35e2aac">
-      <UserInfo>
-        <DisplayName>_o14migrate</DisplayName>
-        <AccountId>171</AccountId>
-        <AccountType/>
-      </UserInfo>
-    </APEditor>
-    <MachineTranslated xmlns="e5d022ff-4ce9-4922-b5a4-f245e35e2aac">false</MachineTranslated>
-    <Manager xmlns="e5d022ff-4ce9-4922-b5a4-f245e35e2aac" xsi:nil="true"/>
-    <OriginAsset xmlns="e5d022ff-4ce9-4922-b5a4-f245e35e2aac" xsi:nil="true"/>
-    <ArtSampleDocs xmlns="e5d022ff-4ce9-4922-b5a4-f245e35e2aac" xsi:nil="true"/>
-    <ThumbnailAssetId xmlns="e5d022ff-4ce9-4922-b5a4-f245e35e2aac" xsi:nil="true"/>
-    <TrustLevel xmlns="e5d022ff-4ce9-4922-b5a4-f245e35e2aac">3 Community New</TrustLevel>
-    <UALocComments xmlns="e5d022ff-4ce9-4922-b5a4-f245e35e2aac" xsi:nil="true"/>
-    <BugNumber xmlns="e5d022ff-4ce9-4922-b5a4-f245e35e2aac" xsi:nil="true"/>
-    <TPNamespace xmlns="e5d022ff-4ce9-4922-b5a4-f245e35e2aac" xsi:nil="true"/>
-    <BusinessGroup xmlns="e5d022ff-4ce9-4922-b5a4-f245e35e2aac" xsi:nil="true"/>
-    <TimesCloned xmlns="e5d022ff-4ce9-4922-b5a4-f245e35e2aac" xsi:nil="true"/>
-    <TPAppVersion xmlns="e5d022ff-4ce9-4922-b5a4-f245e35e2aac">12</TPAppVersion>
-    <OpenTemplate xmlns="e5d022ff-4ce9-4922-b5a4-f245e35e2aac">true</OpenTemplate>
-    <CSXSubmissionDate xmlns="e5d022ff-4ce9-4922-b5a4-f245e35e2aac">2009-11-08T08:00:00+00:00</CSXSubmissionDate>
-    <CSXHash xmlns="e5d022ff-4ce9-4922-b5a4-f245e35e2aac">z/lwBGvBEu5Sk2Gf1PVAqBsAnXw=</CSXHash>
-    <DSATActionTaken xmlns="e5d022ff-4ce9-4922-b5a4-f245e35e2aac" xsi:nil="true"/>
-    <ParentAssetId xmlns="e5d022ff-4ce9-4922-b5a4-f245e35e2aac" xsi:nil="true"/>
-    <OriginalSourceMarket xmlns="e5d022ff-4ce9-4922-b5a4-f245e35e2aac">english</OriginalSourceMarket>
-    <MarketSpecific xmlns="e5d022ff-4ce9-4922-b5a4-f245e35e2aac">true</MarketSpecific>
-    <SourceTitle xmlns="e5d022ff-4ce9-4922-b5a4-f245e35e2aac">Moderno</SourceTitle>
-    <UANotes xmlns="e5d022ff-4ce9-4922-b5a4-f245e35e2aac" xsi:nil="true"/>
-    <ClipArtFilename xmlns="e5d022ff-4ce9-4922-b5a4-f245e35e2aac" xsi:nil="true"/>
-    <IntlLocPriority xmlns="e5d022ff-4ce9-4922-b5a4-f245e35e2aac" xsi:nil="true"/>
-    <Provider xmlns="e5d022ff-4ce9-4922-b5a4-f245e35e2aac" xsi:nil="true"/>
-    <TPClientViewer xmlns="e5d022ff-4ce9-4922-b5a4-f245e35e2aac" xsi:nil="true"/>
-    <IntlLangReview xmlns="e5d022ff-4ce9-4922-b5a4-f245e35e2aac" xsi:nil="true"/>
-    <OutputCachingOn xmlns="e5d022ff-4ce9-4922-b5a4-f245e35e2aac">false</OutputCachingOn>
-    <ContentItem xmlns="e5d022ff-4ce9-4922-b5a4-f245e35e2aac" xsi:nil="true"/>
-    <IsDeleted xmlns="e5d022ff-4ce9-4922-b5a4-f245e35e2aac">false</IsDeleted>
-    <EditorialStatus xmlns="e5d022ff-4ce9-4922-b5a4-f245e35e2aac">Complete</EditorialStatus>
-    <HandoffToMSDN xmlns="e5d022ff-4ce9-4922-b5a4-f245e35e2aac" xsi:nil="true"/>
-    <ShowIn xmlns="e5d022ff-4ce9-4922-b5a4-f245e35e2aac">Show everywhere</ShowIn>
-    <UALocRecommendation xmlns="e5d022ff-4ce9-4922-b5a4-f245e35e2aac">Localize</UALocRecommendation>
-    <LegacyData xmlns="e5d022ff-4ce9-4922-b5a4-f245e35e2aac">ListingID:;Manager:;BuildStatus:Publish Passed;MockupPath:</LegacyData>
-    <TPLaunchHelpLink xmlns="e5d022ff-4ce9-4922-b5a4-f245e35e2aac" xsi:nil="true"/>
-    <Milestone xmlns="e5d022ff-4ce9-4922-b5a4-f245e35e2aac" xsi:nil="true"/>
-    <Providers xmlns="e5d022ff-4ce9-4922-b5a4-f245e35e2aac" xsi:nil="true"/>
-    <PublishStatusLookup xmlns="e5d022ff-4ce9-4922-b5a4-f245e35e2aac">
-      <Value>239407</Value>
-      <Value>456041</Value>
-    </PublishStatusLookup>
-    <APAuthor xmlns="e5d022ff-4ce9-4922-b5a4-f245e35e2aac">
-      <UserInfo>
-        <DisplayName>_o14migrate</DisplayName>
-        <AccountId>171</AccountId>
-        <AccountType/>
-      </UserInfo>
-    </APAuthor>
-    <APDescription xmlns="e5d022ff-4ce9-4922-b5a4-f245e35e2aac" xsi:nil="true"/>
-    <IntlLangReviewer xmlns="e5d022ff-4ce9-4922-b5a4-f245e35e2aac" xsi:nil="true"/>
-    <UAProjectedTotalWords xmlns="e5d022ff-4ce9-4922-b5a4-f245e35e2aac" xsi:nil="true"/>
-    <AssetType xmlns="e5d022ff-4ce9-4922-b5a4-f245e35e2aac">TP</AssetType>
-    <IntlLangReviewDate xmlns="e5d022ff-4ce9-4922-b5a4-f245e35e2aac" xsi:nil="true"/>
-    <TPFriendlyName xmlns="e5d022ff-4ce9-4922-b5a4-f245e35e2aac">Moderno</TPFriendlyName>
-    <PrimaryImageGen xmlns="e5d022ff-4ce9-4922-b5a4-f245e35e2aac">true</PrimaryImageGen>
-    <TPInstallLocation xmlns="e5d022ff-4ce9-4922-b5a4-f245e35e2aac">{My Templates}</TPInstallLocation>
-    <PlannedPubDate xmlns="e5d022ff-4ce9-4922-b5a4-f245e35e2aac" xsi:nil="true"/>
-    <PolicheckWords xmlns="e5d022ff-4ce9-4922-b5a4-f245e35e2aac" xsi:nil="true"/>
-    <SubmitterId xmlns="e5d022ff-4ce9-4922-b5a4-f245e35e2aac">e1dc14b7-49a1-4bad-83d5-899a714d5543</SubmitterId>
-    <TemplateStatus xmlns="e5d022ff-4ce9-4922-b5a4-f245e35e2aac">Complete</TemplateStatus>
-    <CSXSubmissionMarket xmlns="e5d022ff-4ce9-4922-b5a4-f245e35e2aac" xsi:nil="true"/>
-    <Markets xmlns="e5d022ff-4ce9-4922-b5a4-f245e35e2aac">
-      <Value>2</Value>
-    </Markets>
-    <PublishTargets xmlns="e5d022ff-4ce9-4922-b5a4-f245e35e2aac">OfficeOnline</PublishTargets>
-    <ApprovalLog xmlns="e5d022ff-4ce9-4922-b5a4-f245e35e2aac" xsi:nil="true"/>
-    <TPComponent xmlns="e5d022ff-4ce9-4922-b5a4-f245e35e2aac">PPTFiles</TPComponent>
-    <FriendlyTitle xmlns="e5d022ff-4ce9-4922-b5a4-f245e35e2aac" xsi:nil="true"/>
-    <TPLaunchHelpLinkType xmlns="e5d022ff-4ce9-4922-b5a4-f245e35e2aac" xsi:nil="true"/>
-    <TemplateTemplateType xmlns="e5d022ff-4ce9-4922-b5a4-f245e35e2aac">PowerPoint 12 Default</TemplateTemplateType>
-    <InternalTagsTaxHTField0 xmlns="e5d022ff-4ce9-4922-b5a4-f245e35e2aac">
-      <Terms xmlns="http://schemas.microsoft.com/office/infopath/2007/PartnerControls"/>
-    </InternalTagsTaxHTField0>
-    <LocComments xmlns="e5d022ff-4ce9-4922-b5a4-f245e35e2aac" xsi:nil="true"/>
-    <RecommendationsModifier xmlns="e5d022ff-4ce9-4922-b5a4-f245e35e2aac" xsi:nil="true"/>
-    <LocLastLocAttemptVersionLookup xmlns="e5d022ff-4ce9-4922-b5a4-f245e35e2aac">222604</LocLastLocAttemptVersionLookup>
-    <LocManualTestRequired xmlns="e5d022ff-4ce9-4922-b5a4-f245e35e2aac">false</LocManualTestRequired>
-    <LocalizationTagsTaxHTField0 xmlns="e5d022ff-4ce9-4922-b5a4-f245e35e2aac">
-      <Terms xmlns="http://schemas.microsoft.com/office/infopath/2007/PartnerControls"/>
-    </LocalizationTagsTaxHTField0>
-    <ScenarioTagsTaxHTField0 xmlns="e5d022ff-4ce9-4922-b5a4-f245e35e2aac">
-      <Terms xmlns="http://schemas.microsoft.com/office/infopath/2007/PartnerControls"/>
-    </ScenarioTagsTaxHTField0>
-    <LocRecommendedHandoff xmlns="e5d022ff-4ce9-4922-b5a4-f245e35e2aac" xsi:nil="true"/>
-    <OriginalRelease xmlns="e5d022ff-4ce9-4922-b5a4-f245e35e2aac">14</OriginalRelease>
-    <FeatureTagsTaxHTField0 xmlns="e5d022ff-4ce9-4922-b5a4-f245e35e2aac">
-      <Terms xmlns="http://schemas.microsoft.com/office/infopath/2007/PartnerControls"/>
-    </FeatureTagsTaxHTField0>
-    <TaxCatchAll xmlns="e5d022ff-4ce9-4922-b5a4-f245e35e2aac"/>
-    <CampaignTagsTaxHTField0 xmlns="e5d022ff-4ce9-4922-b5a4-f245e35e2aac">
-      <Terms xmlns="http://schemas.microsoft.com/office/infopath/2007/PartnerControls"/>
-    </CampaignTagsTaxHTField0>
-    <BlockPublish xmlns="e5d022ff-4ce9-4922-b5a4-f245e35e2aac">false</BlockPublish>
-    <LocMarketGroupTiers2 xmlns="e5d022ff-4ce9-4922-b5a4-f245e35e2aac" xsi:nil="true"/>
-  </documentManagement>
-</p:properties>
-</file>
-
-<file path=customXml/item3.xml><?xml version="1.0" encoding="utf-8"?>
 <ct:contentTypeSchema xmlns:ct="http://schemas.microsoft.com/office/2006/metadata/contentType" xmlns:ma="http://schemas.microsoft.com/office/2006/metadata/properties/metaAttributes" ct:_="" ma:_="" ma:contentTypeName="TemplateFile" ma:contentTypeID="0x01010062057737089D604C8995D725789FFFFD0400C05BDBFCDB0BE84BA6AEC1D1A4F5E4CE" ma:contentTypeVersion="56" ma:contentTypeDescription="Create a new document." ma:contentTypeScope="" ma:versionID="c5c786f17e9890b7d2875e0bb647f603">
   <xsd:schema xmlns:xsd="http://www.w3.org/2001/XMLSchema" xmlns:xs="http://www.w3.org/2001/XMLSchema" xmlns:p="http://schemas.microsoft.com/office/2006/metadata/properties" xmlns:ns2="e5d022ff-4ce9-4922-b5a4-f245e35e2aac" targetNamespace="http://schemas.microsoft.com/office/2006/metadata/properties" ma:root="true" ma:fieldsID="3dddc4782ba87b44f6678511fd2b89e9" ns2:_="">
     <xsd:import namespace="e5d022ff-4ce9-4922-b5a4-f245e35e2aac"/>
@@ -6656,10 +7392,158 @@
 </ct:contentTypeSchema>
 </file>
 
+<file path=customXml/item2.xml><?xml version="1.0" encoding="utf-8"?>
+<p:properties xmlns:p="http://schemas.microsoft.com/office/2006/metadata/properties" xmlns:xsi="http://www.w3.org/2001/XMLSchema-instance" xmlns:pc="http://schemas.microsoft.com/office/infopath/2007/PartnerControls">
+  <documentManagement>
+    <TPCommandLine xmlns="e5d022ff-4ce9-4922-b5a4-f245e35e2aac">{PP} /n {FilePath}</TPCommandLine>
+    <UACurrentWords xmlns="e5d022ff-4ce9-4922-b5a4-f245e35e2aac" xsi:nil="true"/>
+    <TPApplication xmlns="e5d022ff-4ce9-4922-b5a4-f245e35e2aac">PowerPoint</TPApplication>
+    <AssetId xmlns="e5d022ff-4ce9-4922-b5a4-f245e35e2aac">TP030007750</AssetId>
+    <DirectSourceMarket xmlns="e5d022ff-4ce9-4922-b5a4-f245e35e2aac">english</DirectSourceMarket>
+    <NumericId xmlns="e5d022ff-4ce9-4922-b5a4-f245e35e2aac">-1</NumericId>
+    <OOCacheId xmlns="e5d022ff-4ce9-4922-b5a4-f245e35e2aac" xsi:nil="true"/>
+    <AcquiredFrom xmlns="e5d022ff-4ce9-4922-b5a4-f245e35e2aac" xsi:nil="true"/>
+    <IsSearchable xmlns="e5d022ff-4ce9-4922-b5a4-f245e35e2aac">true</IsSearchable>
+    <Downloads xmlns="e5d022ff-4ce9-4922-b5a4-f245e35e2aac">0</Downloads>
+    <ApprovalStatus xmlns="e5d022ff-4ce9-4922-b5a4-f245e35e2aac">InProgress</ApprovalStatus>
+    <AssetStart xmlns="e5d022ff-4ce9-4922-b5a4-f245e35e2aac">2010-04-16T15:37:35+00:00</AssetStart>
+    <CrawlForDependencies xmlns="e5d022ff-4ce9-4922-b5a4-f245e35e2aac">false</CrawlForDependencies>
+    <EditorialTags xmlns="e5d022ff-4ce9-4922-b5a4-f245e35e2aac" xsi:nil="true"/>
+    <TPExecutable xmlns="e5d022ff-4ce9-4922-b5a4-f245e35e2aac" xsi:nil="true"/>
+    <LastHandOff xmlns="e5d022ff-4ce9-4922-b5a4-f245e35e2aac" xsi:nil="true"/>
+    <LastModifiedDateTime xmlns="e5d022ff-4ce9-4922-b5a4-f245e35e2aac" xsi:nil="true"/>
+    <LastPublishResultLookup xmlns="e5d022ff-4ce9-4922-b5a4-f245e35e2aac" xsi:nil="true"/>
+    <VoteCount xmlns="e5d022ff-4ce9-4922-b5a4-f245e35e2aac" xsi:nil="true"/>
+    <CSXUpdate xmlns="e5d022ff-4ce9-4922-b5a4-f245e35e2aac">false</CSXUpdate>
+    <AssetExpire xmlns="e5d022ff-4ce9-4922-b5a4-f245e35e2aac">2100-01-01T00:00:00+00:00</AssetExpire>
+    <APEditor xmlns="e5d022ff-4ce9-4922-b5a4-f245e35e2aac">
+      <UserInfo>
+        <DisplayName>_o14migrate</DisplayName>
+        <AccountId>171</AccountId>
+        <AccountType/>
+      </UserInfo>
+    </APEditor>
+    <MachineTranslated xmlns="e5d022ff-4ce9-4922-b5a4-f245e35e2aac">false</MachineTranslated>
+    <Manager xmlns="e5d022ff-4ce9-4922-b5a4-f245e35e2aac" xsi:nil="true"/>
+    <OriginAsset xmlns="e5d022ff-4ce9-4922-b5a4-f245e35e2aac" xsi:nil="true"/>
+    <ArtSampleDocs xmlns="e5d022ff-4ce9-4922-b5a4-f245e35e2aac" xsi:nil="true"/>
+    <ThumbnailAssetId xmlns="e5d022ff-4ce9-4922-b5a4-f245e35e2aac" xsi:nil="true"/>
+    <TrustLevel xmlns="e5d022ff-4ce9-4922-b5a4-f245e35e2aac">3 Community New</TrustLevel>
+    <UALocComments xmlns="e5d022ff-4ce9-4922-b5a4-f245e35e2aac" xsi:nil="true"/>
+    <BugNumber xmlns="e5d022ff-4ce9-4922-b5a4-f245e35e2aac" xsi:nil="true"/>
+    <TPNamespace xmlns="e5d022ff-4ce9-4922-b5a4-f245e35e2aac" xsi:nil="true"/>
+    <BusinessGroup xmlns="e5d022ff-4ce9-4922-b5a4-f245e35e2aac" xsi:nil="true"/>
+    <TimesCloned xmlns="e5d022ff-4ce9-4922-b5a4-f245e35e2aac" xsi:nil="true"/>
+    <TPAppVersion xmlns="e5d022ff-4ce9-4922-b5a4-f245e35e2aac">12</TPAppVersion>
+    <OpenTemplate xmlns="e5d022ff-4ce9-4922-b5a4-f245e35e2aac">true</OpenTemplate>
+    <CSXSubmissionDate xmlns="e5d022ff-4ce9-4922-b5a4-f245e35e2aac">2009-11-08T08:00:00+00:00</CSXSubmissionDate>
+    <CSXHash xmlns="e5d022ff-4ce9-4922-b5a4-f245e35e2aac">z/lwBGvBEu5Sk2Gf1PVAqBsAnXw=</CSXHash>
+    <DSATActionTaken xmlns="e5d022ff-4ce9-4922-b5a4-f245e35e2aac" xsi:nil="true"/>
+    <ParentAssetId xmlns="e5d022ff-4ce9-4922-b5a4-f245e35e2aac" xsi:nil="true"/>
+    <OriginalSourceMarket xmlns="e5d022ff-4ce9-4922-b5a4-f245e35e2aac">english</OriginalSourceMarket>
+    <MarketSpecific xmlns="e5d022ff-4ce9-4922-b5a4-f245e35e2aac">true</MarketSpecific>
+    <SourceTitle xmlns="e5d022ff-4ce9-4922-b5a4-f245e35e2aac">Moderno</SourceTitle>
+    <UANotes xmlns="e5d022ff-4ce9-4922-b5a4-f245e35e2aac" xsi:nil="true"/>
+    <ClipArtFilename xmlns="e5d022ff-4ce9-4922-b5a4-f245e35e2aac" xsi:nil="true"/>
+    <IntlLocPriority xmlns="e5d022ff-4ce9-4922-b5a4-f245e35e2aac" xsi:nil="true"/>
+    <Provider xmlns="e5d022ff-4ce9-4922-b5a4-f245e35e2aac" xsi:nil="true"/>
+    <TPClientViewer xmlns="e5d022ff-4ce9-4922-b5a4-f245e35e2aac" xsi:nil="true"/>
+    <IntlLangReview xmlns="e5d022ff-4ce9-4922-b5a4-f245e35e2aac" xsi:nil="true"/>
+    <OutputCachingOn xmlns="e5d022ff-4ce9-4922-b5a4-f245e35e2aac">false</OutputCachingOn>
+    <ContentItem xmlns="e5d022ff-4ce9-4922-b5a4-f245e35e2aac" xsi:nil="true"/>
+    <IsDeleted xmlns="e5d022ff-4ce9-4922-b5a4-f245e35e2aac">false</IsDeleted>
+    <EditorialStatus xmlns="e5d022ff-4ce9-4922-b5a4-f245e35e2aac">Complete</EditorialStatus>
+    <HandoffToMSDN xmlns="e5d022ff-4ce9-4922-b5a4-f245e35e2aac" xsi:nil="true"/>
+    <ShowIn xmlns="e5d022ff-4ce9-4922-b5a4-f245e35e2aac">Show everywhere</ShowIn>
+    <UALocRecommendation xmlns="e5d022ff-4ce9-4922-b5a4-f245e35e2aac">Localize</UALocRecommendation>
+    <LegacyData xmlns="e5d022ff-4ce9-4922-b5a4-f245e35e2aac">ListingID:;Manager:;BuildStatus:Publish Passed;MockupPath:</LegacyData>
+    <TPLaunchHelpLink xmlns="e5d022ff-4ce9-4922-b5a4-f245e35e2aac" xsi:nil="true"/>
+    <Milestone xmlns="e5d022ff-4ce9-4922-b5a4-f245e35e2aac" xsi:nil="true"/>
+    <Providers xmlns="e5d022ff-4ce9-4922-b5a4-f245e35e2aac" xsi:nil="true"/>
+    <PublishStatusLookup xmlns="e5d022ff-4ce9-4922-b5a4-f245e35e2aac">
+      <Value>239407</Value>
+      <Value>456041</Value>
+    </PublishStatusLookup>
+    <APAuthor xmlns="e5d022ff-4ce9-4922-b5a4-f245e35e2aac">
+      <UserInfo>
+        <DisplayName>_o14migrate</DisplayName>
+        <AccountId>171</AccountId>
+        <AccountType/>
+      </UserInfo>
+    </APAuthor>
+    <APDescription xmlns="e5d022ff-4ce9-4922-b5a4-f245e35e2aac" xsi:nil="true"/>
+    <IntlLangReviewer xmlns="e5d022ff-4ce9-4922-b5a4-f245e35e2aac" xsi:nil="true"/>
+    <UAProjectedTotalWords xmlns="e5d022ff-4ce9-4922-b5a4-f245e35e2aac" xsi:nil="true"/>
+    <AssetType xmlns="e5d022ff-4ce9-4922-b5a4-f245e35e2aac">TP</AssetType>
+    <IntlLangReviewDate xmlns="e5d022ff-4ce9-4922-b5a4-f245e35e2aac" xsi:nil="true"/>
+    <TPFriendlyName xmlns="e5d022ff-4ce9-4922-b5a4-f245e35e2aac">Moderno</TPFriendlyName>
+    <PrimaryImageGen xmlns="e5d022ff-4ce9-4922-b5a4-f245e35e2aac">true</PrimaryImageGen>
+    <TPInstallLocation xmlns="e5d022ff-4ce9-4922-b5a4-f245e35e2aac">{My Templates}</TPInstallLocation>
+    <PlannedPubDate xmlns="e5d022ff-4ce9-4922-b5a4-f245e35e2aac" xsi:nil="true"/>
+    <PolicheckWords xmlns="e5d022ff-4ce9-4922-b5a4-f245e35e2aac" xsi:nil="true"/>
+    <SubmitterId xmlns="e5d022ff-4ce9-4922-b5a4-f245e35e2aac">e1dc14b7-49a1-4bad-83d5-899a714d5543</SubmitterId>
+    <TemplateStatus xmlns="e5d022ff-4ce9-4922-b5a4-f245e35e2aac">Complete</TemplateStatus>
+    <CSXSubmissionMarket xmlns="e5d022ff-4ce9-4922-b5a4-f245e35e2aac" xsi:nil="true"/>
+    <Markets xmlns="e5d022ff-4ce9-4922-b5a4-f245e35e2aac">
+      <Value>2</Value>
+    </Markets>
+    <PublishTargets xmlns="e5d022ff-4ce9-4922-b5a4-f245e35e2aac">OfficeOnline</PublishTargets>
+    <ApprovalLog xmlns="e5d022ff-4ce9-4922-b5a4-f245e35e2aac" xsi:nil="true"/>
+    <TPComponent xmlns="e5d022ff-4ce9-4922-b5a4-f245e35e2aac">PPTFiles</TPComponent>
+    <FriendlyTitle xmlns="e5d022ff-4ce9-4922-b5a4-f245e35e2aac" xsi:nil="true"/>
+    <TPLaunchHelpLinkType xmlns="e5d022ff-4ce9-4922-b5a4-f245e35e2aac" xsi:nil="true"/>
+    <TemplateTemplateType xmlns="e5d022ff-4ce9-4922-b5a4-f245e35e2aac">PowerPoint 12 Default</TemplateTemplateType>
+    <InternalTagsTaxHTField0 xmlns="e5d022ff-4ce9-4922-b5a4-f245e35e2aac">
+      <Terms xmlns="http://schemas.microsoft.com/office/infopath/2007/PartnerControls"/>
+    </InternalTagsTaxHTField0>
+    <LocComments xmlns="e5d022ff-4ce9-4922-b5a4-f245e35e2aac" xsi:nil="true"/>
+    <RecommendationsModifier xmlns="e5d022ff-4ce9-4922-b5a4-f245e35e2aac" xsi:nil="true"/>
+    <LocLastLocAttemptVersionLookup xmlns="e5d022ff-4ce9-4922-b5a4-f245e35e2aac">222604</LocLastLocAttemptVersionLookup>
+    <LocManualTestRequired xmlns="e5d022ff-4ce9-4922-b5a4-f245e35e2aac">false</LocManualTestRequired>
+    <LocalizationTagsTaxHTField0 xmlns="e5d022ff-4ce9-4922-b5a4-f245e35e2aac">
+      <Terms xmlns="http://schemas.microsoft.com/office/infopath/2007/PartnerControls"/>
+    </LocalizationTagsTaxHTField0>
+    <ScenarioTagsTaxHTField0 xmlns="e5d022ff-4ce9-4922-b5a4-f245e35e2aac">
+      <Terms xmlns="http://schemas.microsoft.com/office/infopath/2007/PartnerControls"/>
+    </ScenarioTagsTaxHTField0>
+    <LocRecommendedHandoff xmlns="e5d022ff-4ce9-4922-b5a4-f245e35e2aac" xsi:nil="true"/>
+    <OriginalRelease xmlns="e5d022ff-4ce9-4922-b5a4-f245e35e2aac">14</OriginalRelease>
+    <FeatureTagsTaxHTField0 xmlns="e5d022ff-4ce9-4922-b5a4-f245e35e2aac">
+      <Terms xmlns="http://schemas.microsoft.com/office/infopath/2007/PartnerControls"/>
+    </FeatureTagsTaxHTField0>
+    <TaxCatchAll xmlns="e5d022ff-4ce9-4922-b5a4-f245e35e2aac"/>
+    <CampaignTagsTaxHTField0 xmlns="e5d022ff-4ce9-4922-b5a4-f245e35e2aac">
+      <Terms xmlns="http://schemas.microsoft.com/office/infopath/2007/PartnerControls"/>
+    </CampaignTagsTaxHTField0>
+    <BlockPublish xmlns="e5d022ff-4ce9-4922-b5a4-f245e35e2aac">false</BlockPublish>
+    <LocMarketGroupTiers2 xmlns="e5d022ff-4ce9-4922-b5a4-f245e35e2aac" xsi:nil="true"/>
+  </documentManagement>
+</p:properties>
+</file>
+
+<file path=customXml/item3.xml><?xml version="1.0" encoding="utf-8"?>
+<?mso-contentType ?>
+<FormTemplates xmlns="http://schemas.microsoft.com/sharepoint/v3/contenttype/forms">
+  <Display>DocumentLibraryForm</Display>
+  <Edit>AssetEditForm</Edit>
+  <New>DocumentLibraryForm</New>
+</FormTemplates>
+</file>
+
 <file path=customXml/itemProps1.xml><?xml version="1.0" encoding="utf-8"?>
-<ds:datastoreItem xmlns:ds="http://schemas.openxmlformats.org/officeDocument/2006/customXml" ds:itemID="{1013D895-FF10-4664-9690-6CD5480E41FD}">
+<ds:datastoreItem xmlns:ds="http://schemas.openxmlformats.org/officeDocument/2006/customXml" ds:itemID="{CF0FC355-2077-4933-B48E-EA0B341E576B}">
   <ds:schemaRefs>
-    <ds:schemaRef ds:uri="http://schemas.microsoft.com/sharepoint/v3/contenttype/forms"/>
+    <ds:schemaRef ds:uri="http://schemas.microsoft.com/office/2006/metadata/contentType"/>
+    <ds:schemaRef ds:uri="http://schemas.microsoft.com/office/2006/metadata/properties/metaAttributes"/>
+    <ds:schemaRef ds:uri="http://www.w3.org/2001/XMLSchema"/>
+    <ds:schemaRef ds:uri="http://schemas.microsoft.com/office/2006/metadata/properties"/>
+    <ds:schemaRef ds:uri="e5d022ff-4ce9-4922-b5a4-f245e35e2aac"/>
+    <ds:schemaRef ds:uri="http://schemas.microsoft.com/office/2006/documentManagement/types"/>
+    <ds:schemaRef ds:uri="http://schemas.microsoft.com/office/infopath/2007/PartnerControls"/>
+    <ds:schemaRef ds:uri="http://schemas.openxmlformats.org/package/2006/metadata/core-properties"/>
+    <ds:schemaRef ds:uri="http://purl.org/dc/elements/1.1/"/>
+    <ds:schemaRef ds:uri="http://purl.org/dc/terms/"/>
+    <ds:schemaRef ds:uri="http://schemas.microsoft.com/internal/obd"/>
   </ds:schemaRefs>
 </ds:datastoreItem>
 </file>
@@ -6675,19 +7559,9 @@
 </file>
 
 <file path=customXml/itemProps3.xml><?xml version="1.0" encoding="utf-8"?>
-<ds:datastoreItem xmlns:ds="http://schemas.openxmlformats.org/officeDocument/2006/customXml" ds:itemID="{CF0FC355-2077-4933-B48E-EA0B341E576B}">
+<ds:datastoreItem xmlns:ds="http://schemas.openxmlformats.org/officeDocument/2006/customXml" ds:itemID="{1013D895-FF10-4664-9690-6CD5480E41FD}">
   <ds:schemaRefs>
-    <ds:schemaRef ds:uri="http://schemas.microsoft.com/office/2006/metadata/contentType"/>
-    <ds:schemaRef ds:uri="http://schemas.microsoft.com/office/2006/metadata/properties/metaAttributes"/>
-    <ds:schemaRef ds:uri="http://www.w3.org/2001/XMLSchema"/>
-    <ds:schemaRef ds:uri="http://schemas.microsoft.com/office/2006/metadata/properties"/>
-    <ds:schemaRef ds:uri="e5d022ff-4ce9-4922-b5a4-f245e35e2aac"/>
-    <ds:schemaRef ds:uri="http://schemas.microsoft.com/office/2006/documentManagement/types"/>
-    <ds:schemaRef ds:uri="http://schemas.microsoft.com/office/infopath/2007/PartnerControls"/>
-    <ds:schemaRef ds:uri="http://schemas.openxmlformats.org/package/2006/metadata/core-properties"/>
-    <ds:schemaRef ds:uri="http://purl.org/dc/elements/1.1/"/>
-    <ds:schemaRef ds:uri="http://purl.org/dc/terms/"/>
-    <ds:schemaRef ds:uri="http://schemas.microsoft.com/internal/obd"/>
+    <ds:schemaRef ds:uri="http://schemas.microsoft.com/sharepoint/v3/contenttype/forms"/>
   </ds:schemaRefs>
 </ds:datastoreItem>
 </file>
--- a/trabalho_av2/Vuejs_Apresentacao.pptx
+++ b/trabalho_av2/Vuejs_Apresentacao.pptx
@@ -1,30 +1,129 @@
 
 <file path=ppt/presentation.xml><?xml version="1.0" encoding="utf-8"?>
-<p:presentation xmlns:a="http://schemas.openxmlformats.org/drawingml/2006/main" xmlns:p="http://schemas.openxmlformats.org/presentationml/2006/main" xmlns:r="http://schemas.openxmlformats.org/officeDocument/2006/relationships" xmlns:p14="http://schemas.microsoft.com/office/powerpoint/2010/main" xmlns:p15="http://schemas.microsoft.com/office/powerpoint/2012/main" xmlns:mc="http://schemas.openxmlformats.org/markup-compatibility/2006">
+<p:presentation xmlns:a="http://schemas.openxmlformats.org/drawingml/2006/main" xmlns:r="http://schemas.openxmlformats.org/officeDocument/2006/relationships" xmlns:p="http://schemas.openxmlformats.org/presentationml/2006/main">
   <p:sldMasterIdLst>
-    <p:sldMasterId id="2147483648" r:id="rId2"/>
+    <p:sldMasterId id="2147483648" r:id="rId1"/>
   </p:sldMasterIdLst>
   <p:sldIdLst>
-    <p:sldId id="256" r:id="rId3"/>
-    <p:sldId id="257" r:id="rId4"/>
-    <p:sldId id="258" r:id="rId5"/>
-    <p:sldId id="259" r:id="rId6"/>
-    <p:sldId id="260" r:id="rId7"/>
-    <p:sldId id="261" r:id="rId8"/>
-    <p:sldId id="262" r:id="rId9"/>
-    <p:sldId id="263" r:id="rId10"/>
-    <p:sldId id="264" r:id="rId11"/>
-    <p:sldId id="265" r:id="rId12"/>
-    <p:sldId id="266" r:id="rId13"/>
-    <p:sldId id="267" r:id="rId14"/>
+    <p:sldId id="256" r:id="rId2"/>
+    <p:sldId id="257" r:id="rId3"/>
+    <p:sldId id="258" r:id="rId4"/>
+    <p:sldId id="259" r:id="rId5"/>
+    <p:sldId id="260" r:id="rId6"/>
+    <p:sldId id="261" r:id="rId7"/>
+    <p:sldId id="262" r:id="rId8"/>
+    <p:sldId id="268" r:id="rId9"/>
+    <p:sldId id="269" r:id="rId10"/>
+    <p:sldId id="270" r:id="rId11"/>
+    <p:sldId id="263" r:id="rId12"/>
+    <p:sldId id="271" r:id="rId13"/>
+    <p:sldId id="264" r:id="rId14"/>
+    <p:sldId id="265" r:id="rId15"/>
+    <p:sldId id="266" r:id="rId16"/>
+    <p:sldId id="267" r:id="rId17"/>
   </p:sldIdLst>
-  <p:sldSz cx="9144000" cy="6858000"/>
-  <p:notesSz cx="7559675" cy="10691812"/>
+  <p:sldSz cx="9144000" cy="6858000" type="screen4x3"/>
+  <p:notesSz cx="7559675" cy="10691813"/>
+  <p:defaultTextStyle>
+    <a:defPPr>
+      <a:defRPr lang="pt-BR"/>
+    </a:defPPr>
+    <a:lvl1pPr marL="0" algn="l" defTabSz="914400" rtl="0" eaLnBrk="1" latinLnBrk="0" hangingPunct="1">
+      <a:defRPr sz="1800" kern="1200">
+        <a:solidFill>
+          <a:schemeClr val="tx1"/>
+        </a:solidFill>
+        <a:latin typeface="+mn-lt"/>
+        <a:ea typeface="+mn-ea"/>
+        <a:cs typeface="+mn-cs"/>
+      </a:defRPr>
+    </a:lvl1pPr>
+    <a:lvl2pPr marL="457200" algn="l" defTabSz="914400" rtl="0" eaLnBrk="1" latinLnBrk="0" hangingPunct="1">
+      <a:defRPr sz="1800" kern="1200">
+        <a:solidFill>
+          <a:schemeClr val="tx1"/>
+        </a:solidFill>
+        <a:latin typeface="+mn-lt"/>
+        <a:ea typeface="+mn-ea"/>
+        <a:cs typeface="+mn-cs"/>
+      </a:defRPr>
+    </a:lvl2pPr>
+    <a:lvl3pPr marL="914400" algn="l" defTabSz="914400" rtl="0" eaLnBrk="1" latinLnBrk="0" hangingPunct="1">
+      <a:defRPr sz="1800" kern="1200">
+        <a:solidFill>
+          <a:schemeClr val="tx1"/>
+        </a:solidFill>
+        <a:latin typeface="+mn-lt"/>
+        <a:ea typeface="+mn-ea"/>
+        <a:cs typeface="+mn-cs"/>
+      </a:defRPr>
+    </a:lvl3pPr>
+    <a:lvl4pPr marL="1371600" algn="l" defTabSz="914400" rtl="0" eaLnBrk="1" latinLnBrk="0" hangingPunct="1">
+      <a:defRPr sz="1800" kern="1200">
+        <a:solidFill>
+          <a:schemeClr val="tx1"/>
+        </a:solidFill>
+        <a:latin typeface="+mn-lt"/>
+        <a:ea typeface="+mn-ea"/>
+        <a:cs typeface="+mn-cs"/>
+      </a:defRPr>
+    </a:lvl4pPr>
+    <a:lvl5pPr marL="1828800" algn="l" defTabSz="914400" rtl="0" eaLnBrk="1" latinLnBrk="0" hangingPunct="1">
+      <a:defRPr sz="1800" kern="1200">
+        <a:solidFill>
+          <a:schemeClr val="tx1"/>
+        </a:solidFill>
+        <a:latin typeface="+mn-lt"/>
+        <a:ea typeface="+mn-ea"/>
+        <a:cs typeface="+mn-cs"/>
+      </a:defRPr>
+    </a:lvl5pPr>
+    <a:lvl6pPr marL="2286000" algn="l" defTabSz="914400" rtl="0" eaLnBrk="1" latinLnBrk="0" hangingPunct="1">
+      <a:defRPr sz="1800" kern="1200">
+        <a:solidFill>
+          <a:schemeClr val="tx1"/>
+        </a:solidFill>
+        <a:latin typeface="+mn-lt"/>
+        <a:ea typeface="+mn-ea"/>
+        <a:cs typeface="+mn-cs"/>
+      </a:defRPr>
+    </a:lvl6pPr>
+    <a:lvl7pPr marL="2743200" algn="l" defTabSz="914400" rtl="0" eaLnBrk="1" latinLnBrk="0" hangingPunct="1">
+      <a:defRPr sz="1800" kern="1200">
+        <a:solidFill>
+          <a:schemeClr val="tx1"/>
+        </a:solidFill>
+        <a:latin typeface="+mn-lt"/>
+        <a:ea typeface="+mn-ea"/>
+        <a:cs typeface="+mn-cs"/>
+      </a:defRPr>
+    </a:lvl7pPr>
+    <a:lvl8pPr marL="3200400" algn="l" defTabSz="914400" rtl="0" eaLnBrk="1" latinLnBrk="0" hangingPunct="1">
+      <a:defRPr sz="1800" kern="1200">
+        <a:solidFill>
+          <a:schemeClr val="tx1"/>
+        </a:solidFill>
+        <a:latin typeface="+mn-lt"/>
+        <a:ea typeface="+mn-ea"/>
+        <a:cs typeface="+mn-cs"/>
+      </a:defRPr>
+    </a:lvl8pPr>
+    <a:lvl9pPr marL="3657600" algn="l" defTabSz="914400" rtl="0" eaLnBrk="1" latinLnBrk="0" hangingPunct="1">
+      <a:defRPr sz="1800" kern="1200">
+        <a:solidFill>
+          <a:schemeClr val="tx1"/>
+        </a:solidFill>
+        <a:latin typeface="+mn-lt"/>
+        <a:ea typeface="+mn-ea"/>
+        <a:cs typeface="+mn-cs"/>
+      </a:defRPr>
+    </a:lvl9pPr>
+  </p:defaultTextStyle>
 </p:presentation>
 </file>
 
 <file path=ppt/slideLayouts/slideLayout1.xml><?xml version="1.0" encoding="utf-8"?>
-<p:sldLayout xmlns:a="http://schemas.openxmlformats.org/drawingml/2006/main" xmlns:p="http://schemas.openxmlformats.org/presentationml/2006/main" xmlns:r="http://schemas.openxmlformats.org/officeDocument/2006/relationships" xmlns:p14="http://schemas.microsoft.com/office/powerpoint/2010/main" xmlns:p15="http://schemas.microsoft.com/office/powerpoint/2012/main" xmlns:mc="http://schemas.openxmlformats.org/markup-compatibility/2006" type="blank" preserve="1">
+<p:sldLayout xmlns:a="http://schemas.openxmlformats.org/drawingml/2006/main" xmlns:r="http://schemas.openxmlformats.org/officeDocument/2006/relationships" xmlns:p="http://schemas.openxmlformats.org/presentationml/2006/main" type="blank" preserve="1">
   <p:cSld name="Blank Slide">
     <p:spTree>
       <p:nvGrpSpPr>
@@ -42,11 +141,14 @@
       </p:grpSpPr>
     </p:spTree>
   </p:cSld>
+  <p:clrMapOvr>
+    <a:masterClrMapping/>
+  </p:clrMapOvr>
 </p:sldLayout>
 </file>
 
 <file path=ppt/slideLayouts/slideLayout10.xml><?xml version="1.0" encoding="utf-8"?>
-<p:sldLayout xmlns:a="http://schemas.openxmlformats.org/drawingml/2006/main" xmlns:p="http://schemas.openxmlformats.org/presentationml/2006/main" xmlns:r="http://schemas.openxmlformats.org/officeDocument/2006/relationships" xmlns:p14="http://schemas.microsoft.com/office/powerpoint/2010/main" xmlns:p15="http://schemas.microsoft.com/office/powerpoint/2012/main" xmlns:mc="http://schemas.openxmlformats.org/markup-compatibility/2006" type="objOverTx" preserve="1">
+<p:sldLayout xmlns:a="http://schemas.openxmlformats.org/drawingml/2006/main" xmlns:r="http://schemas.openxmlformats.org/officeDocument/2006/relationships" xmlns:p="http://schemas.openxmlformats.org/presentationml/2006/main" type="objOverTx" preserve="1">
   <p:cSld name="Title, Content over Content">
     <p:spTree>
       <p:nvGrpSpPr>
@@ -82,15 +184,16 @@
           </a:prstGeom>
         </p:spPr>
         <p:txBody>
-          <a:bodyPr lIns="0" rIns="0" tIns="0" bIns="0" anchor="ctr"/>
-          <a:p>
-            <a:endParaRPr b="0" lang="pt-BR" sz="1800" spc="-1" strike="noStrike">
+          <a:bodyPr lIns="0" tIns="0" rIns="0" bIns="0" anchor="ctr"/>
+          <a:lstStyle/>
+          <a:p>
+            <a:endParaRPr lang="pt-BR" sz="1800" b="0" strike="noStrike" spc="-1">
               <a:solidFill>
                 <a:srgbClr val="000000"/>
               </a:solidFill>
               <a:uFill>
                 <a:solidFill>
-                  <a:srgbClr val="ffffff"/>
+                  <a:srgbClr val="FFFFFF"/>
                 </a:solidFill>
               </a:uFill>
               <a:latin typeface="Calibri"/>
@@ -118,17 +221,18 @@
           </a:prstGeom>
         </p:spPr>
         <p:txBody>
-          <a:bodyPr lIns="0" rIns="0" tIns="0" bIns="0">
+          <a:bodyPr lIns="0" tIns="0" rIns="0" bIns="0">
             <a:normAutofit/>
           </a:bodyPr>
-          <a:p>
-            <a:endParaRPr b="0" lang="pt-BR" sz="3200" spc="-1" strike="noStrike">
+          <a:lstStyle/>
+          <a:p>
+            <a:endParaRPr lang="pt-BR" sz="3200" b="0" strike="noStrike" spc="-1">
               <a:solidFill>
                 <a:srgbClr val="000000"/>
               </a:solidFill>
               <a:uFill>
                 <a:solidFill>
-                  <a:srgbClr val="ffffff"/>
+                  <a:srgbClr val="FFFFFF"/>
                 </a:solidFill>
               </a:uFill>
               <a:latin typeface="Calibri"/>
@@ -156,17 +260,18 @@
           </a:prstGeom>
         </p:spPr>
         <p:txBody>
-          <a:bodyPr lIns="0" rIns="0" tIns="0" bIns="0">
+          <a:bodyPr lIns="0" tIns="0" rIns="0" bIns="0">
             <a:normAutofit/>
           </a:bodyPr>
-          <a:p>
-            <a:endParaRPr b="0" lang="pt-BR" sz="3200" spc="-1" strike="noStrike">
+          <a:lstStyle/>
+          <a:p>
+            <a:endParaRPr lang="pt-BR" sz="3200" b="0" strike="noStrike" spc="-1">
               <a:solidFill>
                 <a:srgbClr val="000000"/>
               </a:solidFill>
               <a:uFill>
                 <a:solidFill>
-                  <a:srgbClr val="ffffff"/>
+                  <a:srgbClr val="FFFFFF"/>
                 </a:solidFill>
               </a:uFill>
               <a:latin typeface="Calibri"/>
@@ -176,11 +281,14 @@
       </p:sp>
     </p:spTree>
   </p:cSld>
+  <p:clrMapOvr>
+    <a:masterClrMapping/>
+  </p:clrMapOvr>
 </p:sldLayout>
 </file>
 
 <file path=ppt/slideLayouts/slideLayout11.xml><?xml version="1.0" encoding="utf-8"?>
-<p:sldLayout xmlns:a="http://schemas.openxmlformats.org/drawingml/2006/main" xmlns:p="http://schemas.openxmlformats.org/presentationml/2006/main" xmlns:r="http://schemas.openxmlformats.org/officeDocument/2006/relationships" xmlns:p14="http://schemas.microsoft.com/office/powerpoint/2010/main" xmlns:p15="http://schemas.microsoft.com/office/powerpoint/2012/main" xmlns:mc="http://schemas.openxmlformats.org/markup-compatibility/2006" type="fourObj" preserve="1">
+<p:sldLayout xmlns:a="http://schemas.openxmlformats.org/drawingml/2006/main" xmlns:r="http://schemas.openxmlformats.org/officeDocument/2006/relationships" xmlns:p="http://schemas.openxmlformats.org/presentationml/2006/main" type="fourObj" preserve="1">
   <p:cSld name="Title, 4 Content">
     <p:spTree>
       <p:nvGrpSpPr>
@@ -216,15 +324,16 @@
           </a:prstGeom>
         </p:spPr>
         <p:txBody>
-          <a:bodyPr lIns="0" rIns="0" tIns="0" bIns="0" anchor="ctr"/>
-          <a:p>
-            <a:endParaRPr b="0" lang="pt-BR" sz="1800" spc="-1" strike="noStrike">
+          <a:bodyPr lIns="0" tIns="0" rIns="0" bIns="0" anchor="ctr"/>
+          <a:lstStyle/>
+          <a:p>
+            <a:endParaRPr lang="pt-BR" sz="1800" b="0" strike="noStrike" spc="-1">
               <a:solidFill>
                 <a:srgbClr val="000000"/>
               </a:solidFill>
               <a:uFill>
                 <a:solidFill>
-                  <a:srgbClr val="ffffff"/>
+                  <a:srgbClr val="FFFFFF"/>
                 </a:solidFill>
               </a:uFill>
               <a:latin typeface="Calibri"/>
@@ -252,17 +361,18 @@
           </a:prstGeom>
         </p:spPr>
         <p:txBody>
-          <a:bodyPr lIns="0" rIns="0" tIns="0" bIns="0">
+          <a:bodyPr lIns="0" tIns="0" rIns="0" bIns="0">
             <a:normAutofit/>
           </a:bodyPr>
-          <a:p>
-            <a:endParaRPr b="0" lang="pt-BR" sz="3200" spc="-1" strike="noStrike">
+          <a:lstStyle/>
+          <a:p>
+            <a:endParaRPr lang="pt-BR" sz="3200" b="0" strike="noStrike" spc="-1">
               <a:solidFill>
                 <a:srgbClr val="000000"/>
               </a:solidFill>
               <a:uFill>
                 <a:solidFill>
-                  <a:srgbClr val="ffffff"/>
+                  <a:srgbClr val="FFFFFF"/>
                 </a:solidFill>
               </a:uFill>
               <a:latin typeface="Calibri"/>
@@ -290,17 +400,18 @@
           </a:prstGeom>
         </p:spPr>
         <p:txBody>
-          <a:bodyPr lIns="0" rIns="0" tIns="0" bIns="0">
+          <a:bodyPr lIns="0" tIns="0" rIns="0" bIns="0">
             <a:normAutofit/>
           </a:bodyPr>
-          <a:p>
-            <a:endParaRPr b="0" lang="pt-BR" sz="3200" spc="-1" strike="noStrike">
+          <a:lstStyle/>
+          <a:p>
+            <a:endParaRPr lang="pt-BR" sz="3200" b="0" strike="noStrike" spc="-1">
               <a:solidFill>
                 <a:srgbClr val="000000"/>
               </a:solidFill>
               <a:uFill>
                 <a:solidFill>
-                  <a:srgbClr val="ffffff"/>
+                  <a:srgbClr val="FFFFFF"/>
                 </a:solidFill>
               </a:uFill>
               <a:latin typeface="Calibri"/>
@@ -328,17 +439,18 @@
           </a:prstGeom>
         </p:spPr>
         <p:txBody>
-          <a:bodyPr lIns="0" rIns="0" tIns="0" bIns="0">
+          <a:bodyPr lIns="0" tIns="0" rIns="0" bIns="0">
             <a:normAutofit/>
           </a:bodyPr>
-          <a:p>
-            <a:endParaRPr b="0" lang="pt-BR" sz="3200" spc="-1" strike="noStrike">
+          <a:lstStyle/>
+          <a:p>
+            <a:endParaRPr lang="pt-BR" sz="3200" b="0" strike="noStrike" spc="-1">
               <a:solidFill>
                 <a:srgbClr val="000000"/>
               </a:solidFill>
               <a:uFill>
                 <a:solidFill>
-                  <a:srgbClr val="ffffff"/>
+                  <a:srgbClr val="FFFFFF"/>
                 </a:solidFill>
               </a:uFill>
               <a:latin typeface="Calibri"/>
@@ -366,17 +478,18 @@
           </a:prstGeom>
         </p:spPr>
         <p:txBody>
-          <a:bodyPr lIns="0" rIns="0" tIns="0" bIns="0">
+          <a:bodyPr lIns="0" tIns="0" rIns="0" bIns="0">
             <a:normAutofit/>
           </a:bodyPr>
-          <a:p>
-            <a:endParaRPr b="0" lang="pt-BR" sz="3200" spc="-1" strike="noStrike">
+          <a:lstStyle/>
+          <a:p>
+            <a:endParaRPr lang="pt-BR" sz="3200" b="0" strike="noStrike" spc="-1">
               <a:solidFill>
                 <a:srgbClr val="000000"/>
               </a:solidFill>
               <a:uFill>
                 <a:solidFill>
-                  <a:srgbClr val="ffffff"/>
+                  <a:srgbClr val="FFFFFF"/>
                 </a:solidFill>
               </a:uFill>
               <a:latin typeface="Calibri"/>
@@ -386,11 +499,14 @@
       </p:sp>
     </p:spTree>
   </p:cSld>
+  <p:clrMapOvr>
+    <a:masterClrMapping/>
+  </p:clrMapOvr>
 </p:sldLayout>
 </file>
 
 <file path=ppt/slideLayouts/slideLayout12.xml><?xml version="1.0" encoding="utf-8"?>
-<p:sldLayout xmlns:a="http://schemas.openxmlformats.org/drawingml/2006/main" xmlns:p="http://schemas.openxmlformats.org/presentationml/2006/main" xmlns:r="http://schemas.openxmlformats.org/officeDocument/2006/relationships" xmlns:p14="http://schemas.microsoft.com/office/powerpoint/2010/main" xmlns:p15="http://schemas.microsoft.com/office/powerpoint/2012/main" xmlns:mc="http://schemas.openxmlformats.org/markup-compatibility/2006" type="blank" preserve="1">
+<p:sldLayout xmlns:a="http://schemas.openxmlformats.org/drawingml/2006/main" xmlns:r="http://schemas.openxmlformats.org/officeDocument/2006/relationships" xmlns:p="http://schemas.openxmlformats.org/presentationml/2006/main" type="blank" preserve="1">
   <p:cSld name="Title, 6 Content">
     <p:spTree>
       <p:nvGrpSpPr>
@@ -426,15 +542,16 @@
           </a:prstGeom>
         </p:spPr>
         <p:txBody>
-          <a:bodyPr lIns="0" rIns="0" tIns="0" bIns="0" anchor="ctr"/>
-          <a:p>
-            <a:endParaRPr b="0" lang="pt-BR" sz="1800" spc="-1" strike="noStrike">
+          <a:bodyPr lIns="0" tIns="0" rIns="0" bIns="0" anchor="ctr"/>
+          <a:lstStyle/>
+          <a:p>
+            <a:endParaRPr lang="pt-BR" sz="1800" b="0" strike="noStrike" spc="-1">
               <a:solidFill>
                 <a:srgbClr val="000000"/>
               </a:solidFill>
               <a:uFill>
                 <a:solidFill>
-                  <a:srgbClr val="ffffff"/>
+                  <a:srgbClr val="FFFFFF"/>
                 </a:solidFill>
               </a:uFill>
               <a:latin typeface="Calibri"/>
@@ -462,17 +579,18 @@
           </a:prstGeom>
         </p:spPr>
         <p:txBody>
-          <a:bodyPr lIns="0" rIns="0" tIns="0" bIns="0">
+          <a:bodyPr lIns="0" tIns="0" rIns="0" bIns="0">
             <a:normAutofit/>
           </a:bodyPr>
-          <a:p>
-            <a:endParaRPr b="0" lang="pt-BR" sz="3200" spc="-1" strike="noStrike">
+          <a:lstStyle/>
+          <a:p>
+            <a:endParaRPr lang="pt-BR" sz="3200" b="0" strike="noStrike" spc="-1">
               <a:solidFill>
                 <a:srgbClr val="000000"/>
               </a:solidFill>
               <a:uFill>
                 <a:solidFill>
-                  <a:srgbClr val="ffffff"/>
+                  <a:srgbClr val="FFFFFF"/>
                 </a:solidFill>
               </a:uFill>
               <a:latin typeface="Calibri"/>
@@ -500,17 +618,18 @@
           </a:prstGeom>
         </p:spPr>
         <p:txBody>
-          <a:bodyPr lIns="0" rIns="0" tIns="0" bIns="0">
+          <a:bodyPr lIns="0" tIns="0" rIns="0" bIns="0">
             <a:normAutofit/>
           </a:bodyPr>
-          <a:p>
-            <a:endParaRPr b="0" lang="pt-BR" sz="3200" spc="-1" strike="noStrike">
+          <a:lstStyle/>
+          <a:p>
+            <a:endParaRPr lang="pt-BR" sz="3200" b="0" strike="noStrike" spc="-1">
               <a:solidFill>
                 <a:srgbClr val="000000"/>
               </a:solidFill>
               <a:uFill>
                 <a:solidFill>
-                  <a:srgbClr val="ffffff"/>
+                  <a:srgbClr val="FFFFFF"/>
                 </a:solidFill>
               </a:uFill>
               <a:latin typeface="Calibri"/>
@@ -538,17 +657,18 @@
           </a:prstGeom>
         </p:spPr>
         <p:txBody>
-          <a:bodyPr lIns="0" rIns="0" tIns="0" bIns="0">
+          <a:bodyPr lIns="0" tIns="0" rIns="0" bIns="0">
             <a:normAutofit/>
           </a:bodyPr>
-          <a:p>
-            <a:endParaRPr b="0" lang="pt-BR" sz="3200" spc="-1" strike="noStrike">
+          <a:lstStyle/>
+          <a:p>
+            <a:endParaRPr lang="pt-BR" sz="3200" b="0" strike="noStrike" spc="-1">
               <a:solidFill>
                 <a:srgbClr val="000000"/>
               </a:solidFill>
               <a:uFill>
                 <a:solidFill>
-                  <a:srgbClr val="ffffff"/>
+                  <a:srgbClr val="FFFFFF"/>
                 </a:solidFill>
               </a:uFill>
               <a:latin typeface="Calibri"/>
@@ -576,17 +696,18 @@
           </a:prstGeom>
         </p:spPr>
         <p:txBody>
-          <a:bodyPr lIns="0" rIns="0" tIns="0" bIns="0">
+          <a:bodyPr lIns="0" tIns="0" rIns="0" bIns="0">
             <a:normAutofit/>
           </a:bodyPr>
-          <a:p>
-            <a:endParaRPr b="0" lang="pt-BR" sz="3200" spc="-1" strike="noStrike">
+          <a:lstStyle/>
+          <a:p>
+            <a:endParaRPr lang="pt-BR" sz="3200" b="0" strike="noStrike" spc="-1">
               <a:solidFill>
                 <a:srgbClr val="000000"/>
               </a:solidFill>
               <a:uFill>
                 <a:solidFill>
-                  <a:srgbClr val="ffffff"/>
+                  <a:srgbClr val="FFFFFF"/>
                 </a:solidFill>
               </a:uFill>
               <a:latin typeface="Calibri"/>
@@ -614,17 +735,18 @@
           </a:prstGeom>
         </p:spPr>
         <p:txBody>
-          <a:bodyPr lIns="0" rIns="0" tIns="0" bIns="0">
+          <a:bodyPr lIns="0" tIns="0" rIns="0" bIns="0">
             <a:normAutofit/>
           </a:bodyPr>
-          <a:p>
-            <a:endParaRPr b="0" lang="pt-BR" sz="3200" spc="-1" strike="noStrike">
+          <a:lstStyle/>
+          <a:p>
+            <a:endParaRPr lang="pt-BR" sz="3200" b="0" strike="noStrike" spc="-1">
               <a:solidFill>
                 <a:srgbClr val="000000"/>
               </a:solidFill>
               <a:uFill>
                 <a:solidFill>
-                  <a:srgbClr val="ffffff"/>
+                  <a:srgbClr val="FFFFFF"/>
                 </a:solidFill>
               </a:uFill>
               <a:latin typeface="Calibri"/>
@@ -652,17 +774,18 @@
           </a:prstGeom>
         </p:spPr>
         <p:txBody>
-          <a:bodyPr lIns="0" rIns="0" tIns="0" bIns="0">
+          <a:bodyPr lIns="0" tIns="0" rIns="0" bIns="0">
             <a:normAutofit/>
           </a:bodyPr>
-          <a:p>
-            <a:endParaRPr b="0" lang="pt-BR" sz="3200" spc="-1" strike="noStrike">
+          <a:lstStyle/>
+          <a:p>
+            <a:endParaRPr lang="pt-BR" sz="3200" b="0" strike="noStrike" spc="-1">
               <a:solidFill>
                 <a:srgbClr val="000000"/>
               </a:solidFill>
               <a:uFill>
                 <a:solidFill>
-                  <a:srgbClr val="ffffff"/>
+                  <a:srgbClr val="FFFFFF"/>
                 </a:solidFill>
               </a:uFill>
               <a:latin typeface="Calibri"/>
@@ -672,11 +795,14 @@
       </p:sp>
     </p:spTree>
   </p:cSld>
+  <p:clrMapOvr>
+    <a:masterClrMapping/>
+  </p:clrMapOvr>
 </p:sldLayout>
 </file>
 
 <file path=ppt/slideLayouts/slideLayout2.xml><?xml version="1.0" encoding="utf-8"?>
-<p:sldLayout xmlns:a="http://schemas.openxmlformats.org/drawingml/2006/main" xmlns:p="http://schemas.openxmlformats.org/presentationml/2006/main" xmlns:r="http://schemas.openxmlformats.org/officeDocument/2006/relationships" xmlns:p14="http://schemas.microsoft.com/office/powerpoint/2010/main" xmlns:p15="http://schemas.microsoft.com/office/powerpoint/2012/main" xmlns:mc="http://schemas.openxmlformats.org/markup-compatibility/2006" type="tx" preserve="1">
+<p:sldLayout xmlns:a="http://schemas.openxmlformats.org/drawingml/2006/main" xmlns:r="http://schemas.openxmlformats.org/officeDocument/2006/relationships" xmlns:p="http://schemas.openxmlformats.org/presentationml/2006/main" type="tx" preserve="1">
   <p:cSld name="Title Slide">
     <p:spTree>
       <p:nvGrpSpPr>
@@ -712,15 +838,16 @@
           </a:prstGeom>
         </p:spPr>
         <p:txBody>
-          <a:bodyPr lIns="0" rIns="0" tIns="0" bIns="0" anchor="ctr"/>
-          <a:p>
-            <a:endParaRPr b="0" lang="pt-BR" sz="1800" spc="-1" strike="noStrike">
+          <a:bodyPr lIns="0" tIns="0" rIns="0" bIns="0" anchor="ctr"/>
+          <a:lstStyle/>
+          <a:p>
+            <a:endParaRPr lang="pt-BR" sz="1800" b="0" strike="noStrike" spc="-1">
               <a:solidFill>
                 <a:srgbClr val="000000"/>
               </a:solidFill>
               <a:uFill>
                 <a:solidFill>
-                  <a:srgbClr val="ffffff"/>
+                  <a:srgbClr val="FFFFFF"/>
                 </a:solidFill>
               </a:uFill>
               <a:latin typeface="Calibri"/>
@@ -748,16 +875,17 @@
           </a:prstGeom>
         </p:spPr>
         <p:txBody>
-          <a:bodyPr lIns="0" rIns="0" tIns="0" bIns="0" anchor="ctr"/>
+          <a:bodyPr lIns="0" tIns="0" rIns="0" bIns="0" anchor="ctr"/>
+          <a:lstStyle/>
           <a:p>
             <a:pPr algn="ctr"/>
-            <a:endParaRPr b="0" lang="pt-BR" sz="3200" spc="-1" strike="noStrike">
+            <a:endParaRPr lang="pt-BR" sz="3200" b="0" strike="noStrike" spc="-1">
               <a:solidFill>
                 <a:srgbClr val="000000"/>
               </a:solidFill>
               <a:uFill>
                 <a:solidFill>
-                  <a:srgbClr val="ffffff"/>
+                  <a:srgbClr val="FFFFFF"/>
                 </a:solidFill>
               </a:uFill>
               <a:latin typeface="Arial"/>
@@ -767,11 +895,14 @@
       </p:sp>
     </p:spTree>
   </p:cSld>
+  <p:clrMapOvr>
+    <a:masterClrMapping/>
+  </p:clrMapOvr>
 </p:sldLayout>
 </file>
 
 <file path=ppt/slideLayouts/slideLayout3.xml><?xml version="1.0" encoding="utf-8"?>
-<p:sldLayout xmlns:a="http://schemas.openxmlformats.org/drawingml/2006/main" xmlns:p="http://schemas.openxmlformats.org/presentationml/2006/main" xmlns:r="http://schemas.openxmlformats.org/officeDocument/2006/relationships" xmlns:p14="http://schemas.microsoft.com/office/powerpoint/2010/main" xmlns:p15="http://schemas.microsoft.com/office/powerpoint/2012/main" xmlns:mc="http://schemas.openxmlformats.org/markup-compatibility/2006" type="obj" preserve="1">
+<p:sldLayout xmlns:a="http://schemas.openxmlformats.org/drawingml/2006/main" xmlns:r="http://schemas.openxmlformats.org/officeDocument/2006/relationships" xmlns:p="http://schemas.openxmlformats.org/presentationml/2006/main" type="obj" preserve="1">
   <p:cSld name="Title, Content">
     <p:spTree>
       <p:nvGrpSpPr>
@@ -807,15 +938,16 @@
           </a:prstGeom>
         </p:spPr>
         <p:txBody>
-          <a:bodyPr lIns="0" rIns="0" tIns="0" bIns="0" anchor="ctr"/>
-          <a:p>
-            <a:endParaRPr b="0" lang="pt-BR" sz="1800" spc="-1" strike="noStrike">
+          <a:bodyPr lIns="0" tIns="0" rIns="0" bIns="0" anchor="ctr"/>
+          <a:lstStyle/>
+          <a:p>
+            <a:endParaRPr lang="pt-BR" sz="1800" b="0" strike="noStrike" spc="-1">
               <a:solidFill>
                 <a:srgbClr val="000000"/>
               </a:solidFill>
               <a:uFill>
                 <a:solidFill>
-                  <a:srgbClr val="ffffff"/>
+                  <a:srgbClr val="FFFFFF"/>
                 </a:solidFill>
               </a:uFill>
               <a:latin typeface="Calibri"/>
@@ -843,17 +975,18 @@
           </a:prstGeom>
         </p:spPr>
         <p:txBody>
-          <a:bodyPr lIns="0" rIns="0" tIns="0" bIns="0">
+          <a:bodyPr lIns="0" tIns="0" rIns="0" bIns="0">
             <a:normAutofit/>
           </a:bodyPr>
-          <a:p>
-            <a:endParaRPr b="0" lang="pt-BR" sz="3200" spc="-1" strike="noStrike">
+          <a:lstStyle/>
+          <a:p>
+            <a:endParaRPr lang="pt-BR" sz="3200" b="0" strike="noStrike" spc="-1">
               <a:solidFill>
                 <a:srgbClr val="000000"/>
               </a:solidFill>
               <a:uFill>
                 <a:solidFill>
-                  <a:srgbClr val="ffffff"/>
+                  <a:srgbClr val="FFFFFF"/>
                 </a:solidFill>
               </a:uFill>
               <a:latin typeface="Calibri"/>
@@ -863,11 +996,14 @@
       </p:sp>
     </p:spTree>
   </p:cSld>
+  <p:clrMapOvr>
+    <a:masterClrMapping/>
+  </p:clrMapOvr>
 </p:sldLayout>
 </file>
 
 <file path=ppt/slideLayouts/slideLayout4.xml><?xml version="1.0" encoding="utf-8"?>
-<p:sldLayout xmlns:a="http://schemas.openxmlformats.org/drawingml/2006/main" xmlns:p="http://schemas.openxmlformats.org/presentationml/2006/main" xmlns:r="http://schemas.openxmlformats.org/officeDocument/2006/relationships" xmlns:p14="http://schemas.microsoft.com/office/powerpoint/2010/main" xmlns:p15="http://schemas.microsoft.com/office/powerpoint/2012/main" xmlns:mc="http://schemas.openxmlformats.org/markup-compatibility/2006" type="twoObj" preserve="1">
+<p:sldLayout xmlns:a="http://schemas.openxmlformats.org/drawingml/2006/main" xmlns:r="http://schemas.openxmlformats.org/officeDocument/2006/relationships" xmlns:p="http://schemas.openxmlformats.org/presentationml/2006/main" type="twoObj" preserve="1">
   <p:cSld name="Title, 2 Content">
     <p:spTree>
       <p:nvGrpSpPr>
@@ -903,15 +1039,16 @@
           </a:prstGeom>
         </p:spPr>
         <p:txBody>
-          <a:bodyPr lIns="0" rIns="0" tIns="0" bIns="0" anchor="ctr"/>
-          <a:p>
-            <a:endParaRPr b="0" lang="pt-BR" sz="1800" spc="-1" strike="noStrike">
+          <a:bodyPr lIns="0" tIns="0" rIns="0" bIns="0" anchor="ctr"/>
+          <a:lstStyle/>
+          <a:p>
+            <a:endParaRPr lang="pt-BR" sz="1800" b="0" strike="noStrike" spc="-1">
               <a:solidFill>
                 <a:srgbClr val="000000"/>
               </a:solidFill>
               <a:uFill>
                 <a:solidFill>
-                  <a:srgbClr val="ffffff"/>
+                  <a:srgbClr val="FFFFFF"/>
                 </a:solidFill>
               </a:uFill>
               <a:latin typeface="Calibri"/>
@@ -939,17 +1076,18 @@
           </a:prstGeom>
         </p:spPr>
         <p:txBody>
-          <a:bodyPr lIns="0" rIns="0" tIns="0" bIns="0">
+          <a:bodyPr lIns="0" tIns="0" rIns="0" bIns="0">
             <a:normAutofit/>
           </a:bodyPr>
-          <a:p>
-            <a:endParaRPr b="0" lang="pt-BR" sz="3200" spc="-1" strike="noStrike">
+          <a:lstStyle/>
+          <a:p>
+            <a:endParaRPr lang="pt-BR" sz="3200" b="0" strike="noStrike" spc="-1">
               <a:solidFill>
                 <a:srgbClr val="000000"/>
               </a:solidFill>
               <a:uFill>
                 <a:solidFill>
-                  <a:srgbClr val="ffffff"/>
+                  <a:srgbClr val="FFFFFF"/>
                 </a:solidFill>
               </a:uFill>
               <a:latin typeface="Calibri"/>
@@ -977,17 +1115,18 @@
           </a:prstGeom>
         </p:spPr>
         <p:txBody>
-          <a:bodyPr lIns="0" rIns="0" tIns="0" bIns="0">
+          <a:bodyPr lIns="0" tIns="0" rIns="0" bIns="0">
             <a:normAutofit/>
           </a:bodyPr>
-          <a:p>
-            <a:endParaRPr b="0" lang="pt-BR" sz="3200" spc="-1" strike="noStrike">
+          <a:lstStyle/>
+          <a:p>
+            <a:endParaRPr lang="pt-BR" sz="3200" b="0" strike="noStrike" spc="-1">
               <a:solidFill>
                 <a:srgbClr val="000000"/>
               </a:solidFill>
               <a:uFill>
                 <a:solidFill>
-                  <a:srgbClr val="ffffff"/>
+                  <a:srgbClr val="FFFFFF"/>
                 </a:solidFill>
               </a:uFill>
               <a:latin typeface="Calibri"/>
@@ -997,11 +1136,14 @@
       </p:sp>
     </p:spTree>
   </p:cSld>
+  <p:clrMapOvr>
+    <a:masterClrMapping/>
+  </p:clrMapOvr>
 </p:sldLayout>
 </file>
 
 <file path=ppt/slideLayouts/slideLayout5.xml><?xml version="1.0" encoding="utf-8"?>
-<p:sldLayout xmlns:a="http://schemas.openxmlformats.org/drawingml/2006/main" xmlns:p="http://schemas.openxmlformats.org/presentationml/2006/main" xmlns:r="http://schemas.openxmlformats.org/officeDocument/2006/relationships" xmlns:p14="http://schemas.microsoft.com/office/powerpoint/2010/main" xmlns:p15="http://schemas.microsoft.com/office/powerpoint/2012/main" xmlns:mc="http://schemas.openxmlformats.org/markup-compatibility/2006" type="titleOnly" preserve="1">
+<p:sldLayout xmlns:a="http://schemas.openxmlformats.org/drawingml/2006/main" xmlns:r="http://schemas.openxmlformats.org/officeDocument/2006/relationships" xmlns:p="http://schemas.openxmlformats.org/presentationml/2006/main" type="titleOnly" preserve="1">
   <p:cSld name="Title Only">
     <p:spTree>
       <p:nvGrpSpPr>
@@ -1037,15 +1179,16 @@
           </a:prstGeom>
         </p:spPr>
         <p:txBody>
-          <a:bodyPr lIns="0" rIns="0" tIns="0" bIns="0" anchor="ctr"/>
-          <a:p>
-            <a:endParaRPr b="0" lang="pt-BR" sz="1800" spc="-1" strike="noStrike">
+          <a:bodyPr lIns="0" tIns="0" rIns="0" bIns="0" anchor="ctr"/>
+          <a:lstStyle/>
+          <a:p>
+            <a:endParaRPr lang="pt-BR" sz="1800" b="0" strike="noStrike" spc="-1">
               <a:solidFill>
                 <a:srgbClr val="000000"/>
               </a:solidFill>
               <a:uFill>
                 <a:solidFill>
-                  <a:srgbClr val="ffffff"/>
+                  <a:srgbClr val="FFFFFF"/>
                 </a:solidFill>
               </a:uFill>
               <a:latin typeface="Calibri"/>
@@ -1055,11 +1198,14 @@
       </p:sp>
     </p:spTree>
   </p:cSld>
+  <p:clrMapOvr>
+    <a:masterClrMapping/>
+  </p:clrMapOvr>
 </p:sldLayout>
 </file>
 
 <file path=ppt/slideLayouts/slideLayout6.xml><?xml version="1.0" encoding="utf-8"?>
-<p:sldLayout xmlns:a="http://schemas.openxmlformats.org/drawingml/2006/main" xmlns:p="http://schemas.openxmlformats.org/presentationml/2006/main" xmlns:r="http://schemas.openxmlformats.org/officeDocument/2006/relationships" xmlns:p14="http://schemas.microsoft.com/office/powerpoint/2010/main" xmlns:p15="http://schemas.microsoft.com/office/powerpoint/2012/main" xmlns:mc="http://schemas.openxmlformats.org/markup-compatibility/2006" type="objOnly" preserve="1">
+<p:sldLayout xmlns:a="http://schemas.openxmlformats.org/drawingml/2006/main" xmlns:r="http://schemas.openxmlformats.org/officeDocument/2006/relationships" xmlns:p="http://schemas.openxmlformats.org/presentationml/2006/main" type="objOnly" preserve="1">
   <p:cSld name="Centered Text">
     <p:spTree>
       <p:nvGrpSpPr>
@@ -1095,16 +1241,17 @@
           </a:prstGeom>
         </p:spPr>
         <p:txBody>
-          <a:bodyPr lIns="0" rIns="0" tIns="0" bIns="0" anchor="ctr"/>
+          <a:bodyPr lIns="0" tIns="0" rIns="0" bIns="0" anchor="ctr"/>
+          <a:lstStyle/>
           <a:p>
             <a:pPr algn="ctr"/>
-            <a:endParaRPr b="0" lang="pt-BR" sz="3200" spc="-1" strike="noStrike">
+            <a:endParaRPr lang="pt-BR" sz="3200" b="0" strike="noStrike" spc="-1">
               <a:solidFill>
                 <a:srgbClr val="000000"/>
               </a:solidFill>
               <a:uFill>
                 <a:solidFill>
-                  <a:srgbClr val="ffffff"/>
+                  <a:srgbClr val="FFFFFF"/>
                 </a:solidFill>
               </a:uFill>
               <a:latin typeface="Arial"/>
@@ -1114,11 +1261,14 @@
       </p:sp>
     </p:spTree>
   </p:cSld>
+  <p:clrMapOvr>
+    <a:masterClrMapping/>
+  </p:clrMapOvr>
 </p:sldLayout>
 </file>
 
 <file path=ppt/slideLayouts/slideLayout7.xml><?xml version="1.0" encoding="utf-8"?>
-<p:sldLayout xmlns:a="http://schemas.openxmlformats.org/drawingml/2006/main" xmlns:p="http://schemas.openxmlformats.org/presentationml/2006/main" xmlns:r="http://schemas.openxmlformats.org/officeDocument/2006/relationships" xmlns:p14="http://schemas.microsoft.com/office/powerpoint/2010/main" xmlns:p15="http://schemas.microsoft.com/office/powerpoint/2012/main" xmlns:mc="http://schemas.openxmlformats.org/markup-compatibility/2006" type="twoObjAndObj" preserve="1">
+<p:sldLayout xmlns:a="http://schemas.openxmlformats.org/drawingml/2006/main" xmlns:r="http://schemas.openxmlformats.org/officeDocument/2006/relationships" xmlns:p="http://schemas.openxmlformats.org/presentationml/2006/main" type="twoObjAndObj" preserve="1">
   <p:cSld name="Title, 2 Content and Content">
     <p:spTree>
       <p:nvGrpSpPr>
@@ -1154,15 +1304,16 @@
           </a:prstGeom>
         </p:spPr>
         <p:txBody>
-          <a:bodyPr lIns="0" rIns="0" tIns="0" bIns="0" anchor="ctr"/>
-          <a:p>
-            <a:endParaRPr b="0" lang="pt-BR" sz="1800" spc="-1" strike="noStrike">
+          <a:bodyPr lIns="0" tIns="0" rIns="0" bIns="0" anchor="ctr"/>
+          <a:lstStyle/>
+          <a:p>
+            <a:endParaRPr lang="pt-BR" sz="1800" b="0" strike="noStrike" spc="-1">
               <a:solidFill>
                 <a:srgbClr val="000000"/>
               </a:solidFill>
               <a:uFill>
                 <a:solidFill>
-                  <a:srgbClr val="ffffff"/>
+                  <a:srgbClr val="FFFFFF"/>
                 </a:solidFill>
               </a:uFill>
               <a:latin typeface="Calibri"/>
@@ -1190,17 +1341,18 @@
           </a:prstGeom>
         </p:spPr>
         <p:txBody>
-          <a:bodyPr lIns="0" rIns="0" tIns="0" bIns="0">
+          <a:bodyPr lIns="0" tIns="0" rIns="0" bIns="0">
             <a:normAutofit/>
           </a:bodyPr>
-          <a:p>
-            <a:endParaRPr b="0" lang="pt-BR" sz="3200" spc="-1" strike="noStrike">
+          <a:lstStyle/>
+          <a:p>
+            <a:endParaRPr lang="pt-BR" sz="3200" b="0" strike="noStrike" spc="-1">
               <a:solidFill>
                 <a:srgbClr val="000000"/>
               </a:solidFill>
               <a:uFill>
                 <a:solidFill>
-                  <a:srgbClr val="ffffff"/>
+                  <a:srgbClr val="FFFFFF"/>
                 </a:solidFill>
               </a:uFill>
               <a:latin typeface="Calibri"/>
@@ -1228,17 +1380,18 @@
           </a:prstGeom>
         </p:spPr>
         <p:txBody>
-          <a:bodyPr lIns="0" rIns="0" tIns="0" bIns="0">
+          <a:bodyPr lIns="0" tIns="0" rIns="0" bIns="0">
             <a:normAutofit/>
           </a:bodyPr>
-          <a:p>
-            <a:endParaRPr b="0" lang="pt-BR" sz="3200" spc="-1" strike="noStrike">
+          <a:lstStyle/>
+          <a:p>
+            <a:endParaRPr lang="pt-BR" sz="3200" b="0" strike="noStrike" spc="-1">
               <a:solidFill>
                 <a:srgbClr val="000000"/>
               </a:solidFill>
               <a:uFill>
                 <a:solidFill>
-                  <a:srgbClr val="ffffff"/>
+                  <a:srgbClr val="FFFFFF"/>
                 </a:solidFill>
               </a:uFill>
               <a:latin typeface="Calibri"/>
@@ -1266,17 +1419,18 @@
           </a:prstGeom>
         </p:spPr>
         <p:txBody>
-          <a:bodyPr lIns="0" rIns="0" tIns="0" bIns="0">
+          <a:bodyPr lIns="0" tIns="0" rIns="0" bIns="0">
             <a:normAutofit/>
           </a:bodyPr>
-          <a:p>
-            <a:endParaRPr b="0" lang="pt-BR" sz="3200" spc="-1" strike="noStrike">
+          <a:lstStyle/>
+          <a:p>
+            <a:endParaRPr lang="pt-BR" sz="3200" b="0" strike="noStrike" spc="-1">
               <a:solidFill>
                 <a:srgbClr val="000000"/>
               </a:solidFill>
               <a:uFill>
                 <a:solidFill>
-                  <a:srgbClr val="ffffff"/>
+                  <a:srgbClr val="FFFFFF"/>
                 </a:solidFill>
               </a:uFill>
               <a:latin typeface="Calibri"/>
@@ -1286,11 +1440,14 @@
       </p:sp>
     </p:spTree>
   </p:cSld>
+  <p:clrMapOvr>
+    <a:masterClrMapping/>
+  </p:clrMapOvr>
 </p:sldLayout>
 </file>
 
 <file path=ppt/slideLayouts/slideLayout8.xml><?xml version="1.0" encoding="utf-8"?>
-<p:sldLayout xmlns:a="http://schemas.openxmlformats.org/drawingml/2006/main" xmlns:p="http://schemas.openxmlformats.org/presentationml/2006/main" xmlns:r="http://schemas.openxmlformats.org/officeDocument/2006/relationships" xmlns:p14="http://schemas.microsoft.com/office/powerpoint/2010/main" xmlns:p15="http://schemas.microsoft.com/office/powerpoint/2012/main" xmlns:mc="http://schemas.openxmlformats.org/markup-compatibility/2006" type="objAndTwoObj" preserve="1">
+<p:sldLayout xmlns:a="http://schemas.openxmlformats.org/drawingml/2006/main" xmlns:r="http://schemas.openxmlformats.org/officeDocument/2006/relationships" xmlns:p="http://schemas.openxmlformats.org/presentationml/2006/main" type="objAndTwoObj" preserve="1">
   <p:cSld name="Title Content and 2 Content">
     <p:spTree>
       <p:nvGrpSpPr>
@@ -1326,15 +1483,16 @@
           </a:prstGeom>
         </p:spPr>
         <p:txBody>
-          <a:bodyPr lIns="0" rIns="0" tIns="0" bIns="0" anchor="ctr"/>
-          <a:p>
-            <a:endParaRPr b="0" lang="pt-BR" sz="1800" spc="-1" strike="noStrike">
+          <a:bodyPr lIns="0" tIns="0" rIns="0" bIns="0" anchor="ctr"/>
+          <a:lstStyle/>
+          <a:p>
+            <a:endParaRPr lang="pt-BR" sz="1800" b="0" strike="noStrike" spc="-1">
               <a:solidFill>
                 <a:srgbClr val="000000"/>
               </a:solidFill>
               <a:uFill>
                 <a:solidFill>
-                  <a:srgbClr val="ffffff"/>
+                  <a:srgbClr val="FFFFFF"/>
                 </a:solidFill>
               </a:uFill>
               <a:latin typeface="Calibri"/>
@@ -1362,17 +1520,18 @@
           </a:prstGeom>
         </p:spPr>
         <p:txBody>
-          <a:bodyPr lIns="0" rIns="0" tIns="0" bIns="0">
+          <a:bodyPr lIns="0" tIns="0" rIns="0" bIns="0">
             <a:normAutofit/>
           </a:bodyPr>
-          <a:p>
-            <a:endParaRPr b="0" lang="pt-BR" sz="3200" spc="-1" strike="noStrike">
+          <a:lstStyle/>
+          <a:p>
+            <a:endParaRPr lang="pt-BR" sz="3200" b="0" strike="noStrike" spc="-1">
               <a:solidFill>
                 <a:srgbClr val="000000"/>
               </a:solidFill>
               <a:uFill>
                 <a:solidFill>
-                  <a:srgbClr val="ffffff"/>
+                  <a:srgbClr val="FFFFFF"/>
                 </a:solidFill>
               </a:uFill>
               <a:latin typeface="Calibri"/>
@@ -1400,17 +1559,18 @@
           </a:prstGeom>
         </p:spPr>
         <p:txBody>
-          <a:bodyPr lIns="0" rIns="0" tIns="0" bIns="0">
+          <a:bodyPr lIns="0" tIns="0" rIns="0" bIns="0">
             <a:normAutofit/>
           </a:bodyPr>
-          <a:p>
-            <a:endParaRPr b="0" lang="pt-BR" sz="3200" spc="-1" strike="noStrike">
+          <a:lstStyle/>
+          <a:p>
+            <a:endParaRPr lang="pt-BR" sz="3200" b="0" strike="noStrike" spc="-1">
               <a:solidFill>
                 <a:srgbClr val="000000"/>
               </a:solidFill>
               <a:uFill>
                 <a:solidFill>
-                  <a:srgbClr val="ffffff"/>
+                  <a:srgbClr val="FFFFFF"/>
                 </a:solidFill>
               </a:uFill>
               <a:latin typeface="Calibri"/>
@@ -1438,17 +1598,18 @@
           </a:prstGeom>
         </p:spPr>
         <p:txBody>
-          <a:bodyPr lIns="0" rIns="0" tIns="0" bIns="0">
+          <a:bodyPr lIns="0" tIns="0" rIns="0" bIns="0">
             <a:normAutofit/>
           </a:bodyPr>
-          <a:p>
-            <a:endParaRPr b="0" lang="pt-BR" sz="3200" spc="-1" strike="noStrike">
+          <a:lstStyle/>
+          <a:p>
+            <a:endParaRPr lang="pt-BR" sz="3200" b="0" strike="noStrike" spc="-1">
               <a:solidFill>
                 <a:srgbClr val="000000"/>
               </a:solidFill>
               <a:uFill>
                 <a:solidFill>
-                  <a:srgbClr val="ffffff"/>
+                  <a:srgbClr val="FFFFFF"/>
                 </a:solidFill>
               </a:uFill>
               <a:latin typeface="Calibri"/>
@@ -1458,11 +1619,14 @@
       </p:sp>
     </p:spTree>
   </p:cSld>
+  <p:clrMapOvr>
+    <a:masterClrMapping/>
+  </p:clrMapOvr>
 </p:sldLayout>
 </file>
 
 <file path=ppt/slideLayouts/slideLayout9.xml><?xml version="1.0" encoding="utf-8"?>
-<p:sldLayout xmlns:a="http://schemas.openxmlformats.org/drawingml/2006/main" xmlns:p="http://schemas.openxmlformats.org/presentationml/2006/main" xmlns:r="http://schemas.openxmlformats.org/officeDocument/2006/relationships" xmlns:p14="http://schemas.microsoft.com/office/powerpoint/2010/main" xmlns:p15="http://schemas.microsoft.com/office/powerpoint/2012/main" xmlns:mc="http://schemas.openxmlformats.org/markup-compatibility/2006" type="twoObjOverTx" preserve="1">
+<p:sldLayout xmlns:a="http://schemas.openxmlformats.org/drawingml/2006/main" xmlns:r="http://schemas.openxmlformats.org/officeDocument/2006/relationships" xmlns:p="http://schemas.openxmlformats.org/presentationml/2006/main" type="twoObjOverTx" preserve="1">
   <p:cSld name="Title, 2 Content over Content">
     <p:spTree>
       <p:nvGrpSpPr>
@@ -1498,15 +1662,16 @@
           </a:prstGeom>
         </p:spPr>
         <p:txBody>
-          <a:bodyPr lIns="0" rIns="0" tIns="0" bIns="0" anchor="ctr"/>
-          <a:p>
-            <a:endParaRPr b="0" lang="pt-BR" sz="1800" spc="-1" strike="noStrike">
+          <a:bodyPr lIns="0" tIns="0" rIns="0" bIns="0" anchor="ctr"/>
+          <a:lstStyle/>
+          <a:p>
+            <a:endParaRPr lang="pt-BR" sz="1800" b="0" strike="noStrike" spc="-1">
               <a:solidFill>
                 <a:srgbClr val="000000"/>
               </a:solidFill>
               <a:uFill>
                 <a:solidFill>
-                  <a:srgbClr val="ffffff"/>
+                  <a:srgbClr val="FFFFFF"/>
                 </a:solidFill>
               </a:uFill>
               <a:latin typeface="Calibri"/>
@@ -1534,17 +1699,18 @@
           </a:prstGeom>
         </p:spPr>
         <p:txBody>
-          <a:bodyPr lIns="0" rIns="0" tIns="0" bIns="0">
+          <a:bodyPr lIns="0" tIns="0" rIns="0" bIns="0">
             <a:normAutofit/>
           </a:bodyPr>
-          <a:p>
-            <a:endParaRPr b="0" lang="pt-BR" sz="3200" spc="-1" strike="noStrike">
+          <a:lstStyle/>
+          <a:p>
+            <a:endParaRPr lang="pt-BR" sz="3200" b="0" strike="noStrike" spc="-1">
               <a:solidFill>
                 <a:srgbClr val="000000"/>
               </a:solidFill>
               <a:uFill>
                 <a:solidFill>
-                  <a:srgbClr val="ffffff"/>
+                  <a:srgbClr val="FFFFFF"/>
                 </a:solidFill>
               </a:uFill>
               <a:latin typeface="Calibri"/>
@@ -1572,17 +1738,18 @@
           </a:prstGeom>
         </p:spPr>
         <p:txBody>
-          <a:bodyPr lIns="0" rIns="0" tIns="0" bIns="0">
+          <a:bodyPr lIns="0" tIns="0" rIns="0" bIns="0">
             <a:normAutofit/>
           </a:bodyPr>
-          <a:p>
-            <a:endParaRPr b="0" lang="pt-BR" sz="3200" spc="-1" strike="noStrike">
+          <a:lstStyle/>
+          <a:p>
+            <a:endParaRPr lang="pt-BR" sz="3200" b="0" strike="noStrike" spc="-1">
               <a:solidFill>
                 <a:srgbClr val="000000"/>
               </a:solidFill>
               <a:uFill>
                 <a:solidFill>
-                  <a:srgbClr val="ffffff"/>
+                  <a:srgbClr val="FFFFFF"/>
                 </a:solidFill>
               </a:uFill>
               <a:latin typeface="Calibri"/>
@@ -1610,17 +1777,18 @@
           </a:prstGeom>
         </p:spPr>
         <p:txBody>
-          <a:bodyPr lIns="0" rIns="0" tIns="0" bIns="0">
+          <a:bodyPr lIns="0" tIns="0" rIns="0" bIns="0">
             <a:normAutofit/>
           </a:bodyPr>
-          <a:p>
-            <a:endParaRPr b="0" lang="pt-BR" sz="3200" spc="-1" strike="noStrike">
+          <a:lstStyle/>
+          <a:p>
+            <a:endParaRPr lang="pt-BR" sz="3200" b="0" strike="noStrike" spc="-1">
               <a:solidFill>
                 <a:srgbClr val="000000"/>
               </a:solidFill>
               <a:uFill>
                 <a:solidFill>
-                  <a:srgbClr val="ffffff"/>
+                  <a:srgbClr val="FFFFFF"/>
                 </a:solidFill>
               </a:uFill>
               <a:latin typeface="Calibri"/>
@@ -1630,17 +1798,21 @@
       </p:sp>
     </p:spTree>
   </p:cSld>
+  <p:clrMapOvr>
+    <a:masterClrMapping/>
+  </p:clrMapOvr>
 </p:sldLayout>
 </file>
 
 <file path=ppt/slideMasters/slideMaster1.xml><?xml version="1.0" encoding="utf-8"?>
-<p:sldMaster xmlns:a="http://schemas.openxmlformats.org/drawingml/2006/main" xmlns:p="http://schemas.openxmlformats.org/presentationml/2006/main" xmlns:r="http://schemas.openxmlformats.org/officeDocument/2006/relationships" xmlns:p14="http://schemas.microsoft.com/office/powerpoint/2010/main" xmlns:p15="http://schemas.microsoft.com/office/powerpoint/2012/main" xmlns:mc="http://schemas.openxmlformats.org/markup-compatibility/2006">
+<p:sldMaster xmlns:a="http://schemas.openxmlformats.org/drawingml/2006/main" xmlns:r="http://schemas.openxmlformats.org/officeDocument/2006/relationships" xmlns:p="http://schemas.openxmlformats.org/presentationml/2006/main">
   <p:cSld>
     <p:bg>
       <p:bgPr>
         <a:solidFill>
-          <a:srgbClr val="ffffff"/>
+          <a:srgbClr val="FFFFFF"/>
         </a:solidFill>
+        <a:effectLst/>
       </p:bgPr>
     </p:bg>
     <p:spTree>
@@ -1659,7 +1831,7 @@
       </p:grpSpPr>
       <p:sp>
         <p:nvSpPr>
-          <p:cNvPr id="0" name="PlaceHolder 1"/>
+          <p:cNvPr id="5" name="PlaceHolder 1"/>
           <p:cNvSpPr>
             <a:spLocks noGrp="1"/>
           </p:cNvSpPr>
@@ -1678,6 +1850,7 @@
         </p:spPr>
         <p:txBody>
           <a:bodyPr anchor="ctr"/>
+          <a:lstStyle/>
           <a:p>
             <a:pPr algn="ctr">
               <a:lnSpc>
@@ -1685,36 +1858,25 @@
               </a:lnSpc>
             </a:pPr>
             <a:r>
-              <a:rPr b="0" lang="pt-BR" sz="4400" spc="-1" strike="noStrike">
+              <a:rPr lang="pt-BR" sz="4400" b="0" strike="noStrike" spc="-1">
                 <a:solidFill>
                   <a:srgbClr val="000000"/>
                 </a:solidFill>
                 <a:uFill>
                   <a:solidFill>
-                    <a:srgbClr val="ffffff"/>
+                    <a:srgbClr val="FFFFFF"/>
                   </a:solidFill>
                 </a:uFill>
                 <a:latin typeface="Calibri"/>
               </a:rPr>
               <a:t>Clique para editar o estilo do título mestre</a:t>
             </a:r>
-            <a:endParaRPr b="0" lang="pt-BR" sz="4400" spc="-1" strike="noStrike">
-              <a:solidFill>
-                <a:srgbClr val="000000"/>
-              </a:solidFill>
-              <a:uFill>
-                <a:solidFill>
-                  <a:srgbClr val="ffffff"/>
-                </a:solidFill>
-              </a:uFill>
-              <a:latin typeface="Calibri"/>
-            </a:endParaRPr>
           </a:p>
         </p:txBody>
       </p:sp>
       <p:sp>
         <p:nvSpPr>
-          <p:cNvPr id="1" name="PlaceHolder 2"/>
+          <p:cNvPr id="6" name="PlaceHolder 2"/>
           <p:cNvSpPr>
             <a:spLocks noGrp="1"/>
           </p:cNvSpPr>
@@ -1733,6 +1895,7 @@
         </p:spPr>
         <p:txBody>
           <a:bodyPr anchor="ctr"/>
+          <a:lstStyle/>
           <a:p>
             <a:pPr>
               <a:lnSpc>
@@ -1740,26 +1903,31 @@
               </a:lnSpc>
             </a:pPr>
             <a:fld id="{EBBD938E-437C-4B71-A38C-995DB3DA0CCC}" type="datetime">
-              <a:rPr b="0" lang="pt-BR" sz="1200" spc="-1" strike="noStrike">
-                <a:solidFill>
-                  <a:srgbClr val="8b8b8b"/>
+              <a:rPr lang="pt-BR" sz="1200" b="0" strike="noStrike" spc="-1">
+                <a:solidFill>
+                  <a:srgbClr val="8B8B8B"/>
                 </a:solidFill>
                 <a:uFill>
                   <a:solidFill>
-                    <a:srgbClr val="ffffff"/>
+                    <a:srgbClr val="FFFFFF"/>
                   </a:solidFill>
                 </a:uFill>
                 <a:latin typeface="Calibri"/>
               </a:rPr>
-              <a:t>18/04/18</a:t>
+              <a:pPr>
+                <a:lnSpc>
+                  <a:spcPct val="100000"/>
+                </a:lnSpc>
+              </a:pPr>
+              <a:t>18/04/2018</a:t>
             </a:fld>
-            <a:endParaRPr b="0" lang="pt-BR" sz="1200" spc="-1" strike="noStrike">
+            <a:endParaRPr lang="pt-BR" sz="1200" b="0" strike="noStrike" spc="-1">
               <a:solidFill>
                 <a:srgbClr val="000000"/>
               </a:solidFill>
               <a:uFill>
                 <a:solidFill>
-                  <a:srgbClr val="ffffff"/>
+                  <a:srgbClr val="FFFFFF"/>
                 </a:solidFill>
               </a:uFill>
               <a:latin typeface="Times New Roman"/>
@@ -1788,14 +1956,15 @@
         </p:spPr>
         <p:txBody>
           <a:bodyPr anchor="ctr"/>
-          <a:p>
-            <a:endParaRPr b="0" lang="pt-BR" sz="2400" spc="-1" strike="noStrike">
+          <a:lstStyle/>
+          <a:p>
+            <a:endParaRPr lang="pt-BR" sz="2400" b="0" strike="noStrike" spc="-1">
               <a:solidFill>
                 <a:srgbClr val="000000"/>
               </a:solidFill>
               <a:uFill>
                 <a:solidFill>
-                  <a:srgbClr val="ffffff"/>
+                  <a:srgbClr val="FFFFFF"/>
                 </a:solidFill>
               </a:uFill>
               <a:latin typeface="Times New Roman"/>
@@ -1824,6 +1993,7 @@
         </p:spPr>
         <p:txBody>
           <a:bodyPr anchor="ctr"/>
+          <a:lstStyle/>
           <a:p>
             <a:pPr algn="r">
               <a:lnSpc>
@@ -1831,26 +2001,31 @@
               </a:lnSpc>
             </a:pPr>
             <a:fld id="{B011B00F-105E-4551-9E27-58FE4CC761B9}" type="slidenum">
-              <a:rPr b="0" lang="pt-BR" sz="1200" spc="-1" strike="noStrike">
-                <a:solidFill>
-                  <a:srgbClr val="8b8b8b"/>
+              <a:rPr lang="pt-BR" sz="1200" b="0" strike="noStrike" spc="-1">
+                <a:solidFill>
+                  <a:srgbClr val="8B8B8B"/>
                 </a:solidFill>
                 <a:uFill>
                   <a:solidFill>
-                    <a:srgbClr val="ffffff"/>
+                    <a:srgbClr val="FFFFFF"/>
                   </a:solidFill>
                 </a:uFill>
                 <a:latin typeface="Calibri"/>
               </a:rPr>
-              <a:t>&lt;número&gt;</a:t>
+              <a:pPr algn="r">
+                <a:lnSpc>
+                  <a:spcPct val="100000"/>
+                </a:lnSpc>
+              </a:pPr>
+              <a:t>‹nº›</a:t>
             </a:fld>
-            <a:endParaRPr b="0" lang="pt-BR" sz="1200" spc="-1" strike="noStrike">
+            <a:endParaRPr lang="pt-BR" sz="1200" b="0" strike="noStrike" spc="-1">
               <a:solidFill>
                 <a:srgbClr val="000000"/>
               </a:solidFill>
               <a:uFill>
                 <a:solidFill>
-                  <a:srgbClr val="ffffff"/>
+                  <a:srgbClr val="FFFFFF"/>
                 </a:solidFill>
               </a:uFill>
               <a:latin typeface="Times New Roman"/>
@@ -1878,9 +2053,10 @@
           </a:prstGeom>
         </p:spPr>
         <p:txBody>
-          <a:bodyPr lIns="0" rIns="0" tIns="0" bIns="0">
+          <a:bodyPr lIns="0" tIns="0" rIns="0" bIns="0">
             <a:normAutofit/>
           </a:bodyPr>
+          <a:lstStyle/>
           <a:p>
             <a:pPr marL="432000" indent="-324000">
               <a:spcBef>
@@ -1894,33 +2070,22 @@
               <a:buChar char=""/>
             </a:pPr>
             <a:r>
-              <a:rPr b="0" lang="pt-BR" sz="3200" spc="-1" strike="noStrike">
+              <a:rPr lang="pt-BR" sz="3200" b="0" strike="noStrike" spc="-1">
                 <a:solidFill>
                   <a:srgbClr val="000000"/>
                 </a:solidFill>
                 <a:uFill>
                   <a:solidFill>
-                    <a:srgbClr val="ffffff"/>
+                    <a:srgbClr val="FFFFFF"/>
                   </a:solidFill>
                 </a:uFill>
                 <a:latin typeface="Calibri"/>
               </a:rPr>
               <a:t>Clique para editar o formato do texto da estrutura de tópicos</a:t>
             </a:r>
-            <a:endParaRPr b="0" lang="pt-BR" sz="3200" spc="-1" strike="noStrike">
-              <a:solidFill>
-                <a:srgbClr val="000000"/>
-              </a:solidFill>
-              <a:uFill>
-                <a:solidFill>
-                  <a:srgbClr val="ffffff"/>
-                </a:solidFill>
-              </a:uFill>
-              <a:latin typeface="Calibri"/>
-            </a:endParaRPr>
-          </a:p>
-          <a:p>
-            <a:pPr lvl="1" marL="864000" indent="-324000">
+          </a:p>
+          <a:p>
+            <a:pPr marL="864000" lvl="1" indent="-324000">
               <a:spcBef>
                 <a:spcPts val="1134"/>
               </a:spcBef>
@@ -1932,33 +2097,22 @@
               <a:buChar char=""/>
             </a:pPr>
             <a:r>
-              <a:rPr b="0" lang="pt-BR" sz="2400" spc="-1" strike="noStrike">
+              <a:rPr lang="pt-BR" sz="2400" b="0" strike="noStrike" spc="-1">
                 <a:solidFill>
                   <a:srgbClr val="000000"/>
                 </a:solidFill>
                 <a:uFill>
                   <a:solidFill>
-                    <a:srgbClr val="ffffff"/>
+                    <a:srgbClr val="FFFFFF"/>
                   </a:solidFill>
                 </a:uFill>
                 <a:latin typeface="Calibri"/>
               </a:rPr>
               <a:t>2.º nível da estrutura de tópicos</a:t>
             </a:r>
-            <a:endParaRPr b="0" lang="pt-BR" sz="2400" spc="-1" strike="noStrike">
-              <a:solidFill>
-                <a:srgbClr val="000000"/>
-              </a:solidFill>
-              <a:uFill>
-                <a:solidFill>
-                  <a:srgbClr val="ffffff"/>
-                </a:solidFill>
-              </a:uFill>
-              <a:latin typeface="Calibri"/>
-            </a:endParaRPr>
-          </a:p>
-          <a:p>
-            <a:pPr lvl="2" marL="1296000" indent="-288000">
+          </a:p>
+          <a:p>
+            <a:pPr marL="1296000" lvl="2" indent="-288000">
               <a:spcBef>
                 <a:spcPts val="850"/>
               </a:spcBef>
@@ -1970,33 +2124,22 @@
               <a:buChar char=""/>
             </a:pPr>
             <a:r>
-              <a:rPr b="0" lang="pt-BR" sz="2000" spc="-1" strike="noStrike">
+              <a:rPr lang="pt-BR" sz="2000" b="0" strike="noStrike" spc="-1">
                 <a:solidFill>
                   <a:srgbClr val="000000"/>
                 </a:solidFill>
                 <a:uFill>
                   <a:solidFill>
-                    <a:srgbClr val="ffffff"/>
+                    <a:srgbClr val="FFFFFF"/>
                   </a:solidFill>
                 </a:uFill>
                 <a:latin typeface="Calibri"/>
               </a:rPr>
               <a:t>3.º nível da estrutura de tópicos</a:t>
             </a:r>
-            <a:endParaRPr b="0" lang="pt-BR" sz="2000" spc="-1" strike="noStrike">
-              <a:solidFill>
-                <a:srgbClr val="000000"/>
-              </a:solidFill>
-              <a:uFill>
-                <a:solidFill>
-                  <a:srgbClr val="ffffff"/>
-                </a:solidFill>
-              </a:uFill>
-              <a:latin typeface="Calibri"/>
-            </a:endParaRPr>
-          </a:p>
-          <a:p>
-            <a:pPr lvl="3" marL="1728000" indent="-216000">
+          </a:p>
+          <a:p>
+            <a:pPr marL="1728000" lvl="3" indent="-216000">
               <a:spcBef>
                 <a:spcPts val="567"/>
               </a:spcBef>
@@ -2008,33 +2151,22 @@
               <a:buChar char=""/>
             </a:pPr>
             <a:r>
-              <a:rPr b="0" lang="pt-BR" sz="2000" spc="-1" strike="noStrike">
+              <a:rPr lang="pt-BR" sz="2000" b="0" strike="noStrike" spc="-1">
                 <a:solidFill>
                   <a:srgbClr val="000000"/>
                 </a:solidFill>
                 <a:uFill>
                   <a:solidFill>
-                    <a:srgbClr val="ffffff"/>
+                    <a:srgbClr val="FFFFFF"/>
                   </a:solidFill>
                 </a:uFill>
                 <a:latin typeface="Calibri"/>
               </a:rPr>
               <a:t>4.º nível da estrutura de tópicos</a:t>
             </a:r>
-            <a:endParaRPr b="0" lang="pt-BR" sz="2000" spc="-1" strike="noStrike">
-              <a:solidFill>
-                <a:srgbClr val="000000"/>
-              </a:solidFill>
-              <a:uFill>
-                <a:solidFill>
-                  <a:srgbClr val="ffffff"/>
-                </a:solidFill>
-              </a:uFill>
-              <a:latin typeface="Calibri"/>
-            </a:endParaRPr>
-          </a:p>
-          <a:p>
-            <a:pPr lvl="4" marL="2160000" indent="-216000">
+          </a:p>
+          <a:p>
+            <a:pPr marL="2160000" lvl="4" indent="-216000">
               <a:spcBef>
                 <a:spcPts val="283"/>
               </a:spcBef>
@@ -2046,33 +2178,22 @@
               <a:buChar char=""/>
             </a:pPr>
             <a:r>
-              <a:rPr b="0" lang="pt-BR" sz="2000" spc="-1" strike="noStrike">
+              <a:rPr lang="pt-BR" sz="2000" b="0" strike="noStrike" spc="-1">
                 <a:solidFill>
                   <a:srgbClr val="000000"/>
                 </a:solidFill>
                 <a:uFill>
                   <a:solidFill>
-                    <a:srgbClr val="ffffff"/>
+                    <a:srgbClr val="FFFFFF"/>
                   </a:solidFill>
                 </a:uFill>
                 <a:latin typeface="Calibri"/>
               </a:rPr>
               <a:t>5.º nível da estrutura de tópicos</a:t>
             </a:r>
-            <a:endParaRPr b="0" lang="pt-BR" sz="2000" spc="-1" strike="noStrike">
-              <a:solidFill>
-                <a:srgbClr val="000000"/>
-              </a:solidFill>
-              <a:uFill>
-                <a:solidFill>
-                  <a:srgbClr val="ffffff"/>
-                </a:solidFill>
-              </a:uFill>
-              <a:latin typeface="Calibri"/>
-            </a:endParaRPr>
-          </a:p>
-          <a:p>
-            <a:pPr lvl="5" marL="2592000" indent="-216000">
+          </a:p>
+          <a:p>
+            <a:pPr marL="2592000" lvl="5" indent="-216000">
               <a:spcBef>
                 <a:spcPts val="283"/>
               </a:spcBef>
@@ -2084,33 +2205,22 @@
               <a:buChar char=""/>
             </a:pPr>
             <a:r>
-              <a:rPr b="0" lang="pt-BR" sz="2000" spc="-1" strike="noStrike">
+              <a:rPr lang="pt-BR" sz="2000" b="0" strike="noStrike" spc="-1">
                 <a:solidFill>
                   <a:srgbClr val="000000"/>
                 </a:solidFill>
                 <a:uFill>
                   <a:solidFill>
-                    <a:srgbClr val="ffffff"/>
+                    <a:srgbClr val="FFFFFF"/>
                   </a:solidFill>
                 </a:uFill>
                 <a:latin typeface="Calibri"/>
               </a:rPr>
               <a:t>6.º nível da estrutura de tópicos</a:t>
             </a:r>
-            <a:endParaRPr b="0" lang="pt-BR" sz="2000" spc="-1" strike="noStrike">
-              <a:solidFill>
-                <a:srgbClr val="000000"/>
-              </a:solidFill>
-              <a:uFill>
-                <a:solidFill>
-                  <a:srgbClr val="ffffff"/>
-                </a:solidFill>
-              </a:uFill>
-              <a:latin typeface="Calibri"/>
-            </a:endParaRPr>
-          </a:p>
-          <a:p>
-            <a:pPr lvl="6" marL="3024000" indent="-216000">
+          </a:p>
+          <a:p>
+            <a:pPr marL="3024000" lvl="6" indent="-216000">
               <a:spcBef>
                 <a:spcPts val="283"/>
               </a:spcBef>
@@ -2122,55 +2232,49 @@
               <a:buChar char=""/>
             </a:pPr>
             <a:r>
-              <a:rPr b="0" lang="pt-BR" sz="2000" spc="-1" strike="noStrike">
+              <a:rPr lang="pt-BR" sz="2000" b="0" strike="noStrike" spc="-1">
                 <a:solidFill>
                   <a:srgbClr val="000000"/>
                 </a:solidFill>
                 <a:uFill>
                   <a:solidFill>
-                    <a:srgbClr val="ffffff"/>
+                    <a:srgbClr val="FFFFFF"/>
                   </a:solidFill>
                 </a:uFill>
                 <a:latin typeface="Calibri"/>
               </a:rPr>
               <a:t>7.º nível da estrutura de tópicos</a:t>
             </a:r>
-            <a:endParaRPr b="0" lang="pt-BR" sz="2000" spc="-1" strike="noStrike">
-              <a:solidFill>
-                <a:srgbClr val="000000"/>
-              </a:solidFill>
-              <a:uFill>
-                <a:solidFill>
-                  <a:srgbClr val="ffffff"/>
-                </a:solidFill>
-              </a:uFill>
-              <a:latin typeface="Calibri"/>
-            </a:endParaRPr>
           </a:p>
         </p:txBody>
       </p:sp>
     </p:spTree>
   </p:cSld>
-  <p:clrMap bg1="lt1" bg2="lt2" tx1="dk1" tx2="dk2" accent1="accent1" accent2="accent2" accent3="accent3" accent4="accent4" accent5="accent5" accent6="accent6" hlink="hlink" folHlink="folHlink"/>
+  <p:clrMap bg1="lt1" tx1="dk1" bg2="lt2" tx2="dk2" accent1="accent1" accent2="accent2" accent3="accent3" accent4="accent4" accent5="accent5" accent6="accent6" hlink="hlink" folHlink="folHlink"/>
   <p:sldLayoutIdLst>
-    <p:sldLayoutId id="2147483649" r:id="rId2"/>
-    <p:sldLayoutId id="2147483650" r:id="rId3"/>
-    <p:sldLayoutId id="2147483651" r:id="rId4"/>
-    <p:sldLayoutId id="2147483652" r:id="rId5"/>
-    <p:sldLayoutId id="2147483653" r:id="rId6"/>
-    <p:sldLayoutId id="2147483654" r:id="rId7"/>
-    <p:sldLayoutId id="2147483655" r:id="rId8"/>
-    <p:sldLayoutId id="2147483656" r:id="rId9"/>
-    <p:sldLayoutId id="2147483657" r:id="rId10"/>
-    <p:sldLayoutId id="2147483658" r:id="rId11"/>
-    <p:sldLayoutId id="2147483659" r:id="rId12"/>
-    <p:sldLayoutId id="2147483660" r:id="rId13"/>
+    <p:sldLayoutId id="2147483649" r:id="rId1"/>
+    <p:sldLayoutId id="2147483650" r:id="rId2"/>
+    <p:sldLayoutId id="2147483651" r:id="rId3"/>
+    <p:sldLayoutId id="2147483652" r:id="rId4"/>
+    <p:sldLayoutId id="2147483653" r:id="rId5"/>
+    <p:sldLayoutId id="2147483654" r:id="rId6"/>
+    <p:sldLayoutId id="2147483655" r:id="rId7"/>
+    <p:sldLayoutId id="2147483656" r:id="rId8"/>
+    <p:sldLayoutId id="2147483657" r:id="rId9"/>
+    <p:sldLayoutId id="2147483658" r:id="rId10"/>
+    <p:sldLayoutId id="2147483659" r:id="rId11"/>
+    <p:sldLayoutId id="2147483660" r:id="rId12"/>
   </p:sldLayoutIdLst>
+  <p:txStyles>
+    <p:titleStyle/>
+    <p:bodyStyle/>
+    <p:otherStyle/>
+  </p:txStyles>
 </p:sldMaster>
 </file>
 
 <file path=ppt/slides/slide1.xml><?xml version="1.0" encoding="utf-8"?>
-<p:sld xmlns:a="http://schemas.openxmlformats.org/drawingml/2006/main" xmlns:p="http://schemas.openxmlformats.org/presentationml/2006/main" xmlns:r="http://schemas.openxmlformats.org/officeDocument/2006/relationships" xmlns:p14="http://schemas.microsoft.com/office/powerpoint/2010/main" xmlns:p15="http://schemas.microsoft.com/office/powerpoint/2012/main" xmlns:mc="http://schemas.openxmlformats.org/markup-compatibility/2006">
+<p:sld xmlns:a="http://schemas.openxmlformats.org/drawingml/2006/main" xmlns:r="http://schemas.openxmlformats.org/officeDocument/2006/relationships" xmlns:p="http://schemas.openxmlformats.org/presentationml/2006/main">
   <p:cSld>
     <p:spTree>
       <p:nvGrpSpPr>
@@ -2188,12 +2292,12 @@
       </p:grpSpPr>
       <p:pic>
         <p:nvPicPr>
-          <p:cNvPr id="41" name="Picture 9" descr=""/>
+          <p:cNvPr id="41" name="Picture 9"/>
           <p:cNvPicPr/>
           <p:nvPr/>
         </p:nvPicPr>
         <p:blipFill>
-          <a:blip r:embed="rId1"/>
+          <a:blip r:embed="rId2"/>
           <a:stretch/>
         </p:blipFill>
         <p:spPr>
@@ -2211,12 +2315,12 @@
       </p:pic>
       <p:pic>
         <p:nvPicPr>
-          <p:cNvPr id="42" name="Picture 9" descr=""/>
+          <p:cNvPr id="42" name="Picture 9"/>
           <p:cNvPicPr/>
           <p:nvPr/>
         </p:nvPicPr>
         <p:blipFill>
-          <a:blip r:embed="rId2"/>
+          <a:blip r:embed="rId3"/>
           <a:stretch/>
         </p:blipFill>
         <p:spPr>
@@ -2292,8 +2396,9 @@
         </p:spPr>
         <p:txBody>
           <a:bodyPr>
-            <a:normAutofit/>
+            <a:normAutofit lnSpcReduction="10000"/>
           </a:bodyPr>
+          <a:lstStyle/>
           <a:p>
             <a:pPr algn="just">
               <a:lnSpc>
@@ -2304,40 +2409,26 @@
               </a:spcBef>
             </a:pPr>
             <a:r>
-              <a:rPr b="0" lang="pt-BR" sz="3200" spc="-1" strike="noStrike">
+              <a:rPr lang="pt-BR" sz="3200" b="0" strike="noStrike" spc="-1">
                 <a:solidFill>
                   <a:srgbClr val="000000"/>
                 </a:solidFill>
                 <a:uFill>
                   <a:solidFill>
-                    <a:srgbClr val="ffffff"/>
+                    <a:srgbClr val="FFFFFF"/>
                   </a:solidFill>
                 </a:uFill>
                 <a:latin typeface="Calibri"/>
               </a:rPr>
-              <a:t>	</a:t>
+              <a:t>	Geralmente quando usa-se uma expressão simples em um template, é utilizado um método, porém quando a complexidade da lógica aumenta é necessário economizar tempo para que a manutenção do código seja produtiva.</a:t>
             </a:r>
-            <a:r>
-              <a:rPr b="0" lang="pt-BR" sz="3200" spc="-1" strike="noStrike">
-                <a:solidFill>
-                  <a:srgbClr val="000000"/>
-                </a:solidFill>
-                <a:uFill>
-                  <a:solidFill>
-                    <a:srgbClr val="ffffff"/>
-                  </a:solidFill>
-                </a:uFill>
-                <a:latin typeface="Calibri"/>
-              </a:rPr>
-              <a:t>Geralmente quando usa-se uma expressão simples em um template, é utilizado um método, porém quando a complexidade da lógica aumenta é necessário economizar tempo para que a manutenção do código seja produtiva.</a:t>
-            </a:r>
-            <a:endParaRPr b="0" lang="pt-BR" sz="3200" spc="-1" strike="noStrike">
+            <a:endParaRPr lang="pt-BR" sz="3200" b="0" strike="noStrike" spc="-1">
               <a:solidFill>
                 <a:srgbClr val="000000"/>
               </a:solidFill>
               <a:uFill>
                 <a:solidFill>
-                  <a:srgbClr val="ffffff"/>
+                  <a:srgbClr val="FFFFFF"/>
                 </a:solidFill>
               </a:uFill>
               <a:latin typeface="Arial"/>
@@ -2362,7 +2453,7 @@
             </a:avLst>
           </a:prstGeom>
           <a:solidFill>
-            <a:srgbClr val="06ba8f"/>
+            <a:srgbClr val="06BA8F"/>
           </a:solidFill>
           <a:ln>
             <a:round/>
@@ -2385,13 +2476,13 @@
       </p:sp>
       <p:pic>
         <p:nvPicPr>
-          <p:cNvPr id="46" name="Imagem 8" descr=""/>
+          <p:cNvPr id="46" name="Imagem 8"/>
           <p:cNvPicPr/>
           <p:nvPr/>
         </p:nvPicPr>
         <p:blipFill>
-          <a:blip r:embed="rId3"/>
-          <a:srcRect l="6879" t="0" r="6879" b="0"/>
+          <a:blip r:embed="rId4"/>
+          <a:srcRect l="6879" r="6879"/>
           <a:stretch/>
         </p:blipFill>
         <p:spPr>
@@ -2427,15 +2518,22 @@
           </a:ln>
         </p:spPr>
         <p:style>
-          <a:lnRef idx="0"/>
-          <a:fillRef idx="0"/>
-          <a:effectRef idx="0"/>
+          <a:lnRef idx="0">
+            <a:scrgbClr r="0" g="0" b="0"/>
+          </a:lnRef>
+          <a:fillRef idx="0">
+            <a:scrgbClr r="0" g="0" b="0"/>
+          </a:fillRef>
+          <a:effectRef idx="0">
+            <a:scrgbClr r="0" g="0" b="0"/>
+          </a:effectRef>
           <a:fontRef idx="minor"/>
         </p:style>
         <p:txBody>
           <a:bodyPr anchor="ctr">
-            <a:normAutofit/>
+            <a:normAutofit lnSpcReduction="10000"/>
           </a:bodyPr>
+          <a:lstStyle/>
           <a:p>
             <a:pPr>
               <a:lnSpc>
@@ -2443,26 +2541,26 @@
               </a:lnSpc>
             </a:pPr>
             <a:r>
-              <a:rPr b="1" lang="pt-BR" sz="4400" spc="-1" strike="noStrike">
+              <a:rPr lang="pt-BR" sz="4400" b="1" strike="noStrike" spc="-1">
                 <a:solidFill>
                   <a:srgbClr val="000000"/>
                 </a:solidFill>
                 <a:uFill>
                   <a:solidFill>
-                    <a:srgbClr val="ffffff"/>
+                    <a:srgbClr val="FFFFFF"/>
                   </a:solidFill>
                 </a:uFill>
                 <a:latin typeface="Times New Roman"/>
               </a:rPr>
               <a:t>Introdução</a:t>
             </a:r>
-            <a:endParaRPr b="0" lang="pt-BR" sz="4400" spc="-1" strike="noStrike">
+            <a:endParaRPr lang="pt-BR" sz="4400" b="0" strike="noStrike" spc="-1">
               <a:solidFill>
                 <a:srgbClr val="000000"/>
               </a:solidFill>
               <a:uFill>
                 <a:solidFill>
-                  <a:srgbClr val="ffffff"/>
+                  <a:srgbClr val="FFFFFF"/>
                 </a:solidFill>
               </a:uFill>
               <a:latin typeface="Arial"/>
@@ -2472,12 +2570,12 @@
       </p:sp>
       <p:pic>
         <p:nvPicPr>
-          <p:cNvPr id="48" name="Imagem 16" descr=""/>
+          <p:cNvPr id="48" name="Imagem 16"/>
           <p:cNvPicPr/>
           <p:nvPr/>
         </p:nvPicPr>
         <p:blipFill>
-          <a:blip r:embed="rId4"/>
+          <a:blip r:embed="rId5"/>
           <a:srcRect l="3124" t="69614" r="3124" b="8995"/>
           <a:stretch/>
         </p:blipFill>
@@ -2502,7 +2600,7 @@
         </p:nvSpPr>
         <p:spPr>
           <a:xfrm>
-            <a:off x="1214280" y="4429080"/>
+            <a:off x="1214280" y="4500806"/>
             <a:ext cx="6500520" cy="1571400"/>
           </a:xfrm>
           <a:prstGeom prst="rect">
@@ -2514,13 +2612,20 @@
           </a:ln>
         </p:spPr>
         <p:style>
-          <a:lnRef idx="0"/>
-          <a:fillRef idx="0"/>
-          <a:effectRef idx="0"/>
+          <a:lnRef idx="0">
+            <a:scrgbClr r="0" g="0" b="0"/>
+          </a:lnRef>
+          <a:fillRef idx="0">
+            <a:scrgbClr r="0" g="0" b="0"/>
+          </a:fillRef>
+          <a:effectRef idx="0">
+            <a:scrgbClr r="0" g="0" b="0"/>
+          </a:effectRef>
           <a:fontRef idx="minor"/>
         </p:style>
         <p:txBody>
           <a:bodyPr/>
+          <a:lstStyle/>
           <a:p>
             <a:pPr algn="just">
               <a:lnSpc>
@@ -2531,26 +2636,26 @@
               </a:spcBef>
             </a:pPr>
             <a:r>
-              <a:rPr b="0" lang="pt-BR" sz="3200" spc="-1" strike="noStrike">
+              <a:rPr lang="pt-BR" sz="3200" b="0" strike="noStrike" spc="-1" dirty="0">
                 <a:solidFill>
                   <a:srgbClr val="000000"/>
                 </a:solidFill>
                 <a:uFill>
                   <a:solidFill>
-                    <a:srgbClr val="ffffff"/>
+                    <a:srgbClr val="FFFFFF"/>
                   </a:solidFill>
                 </a:uFill>
                 <a:latin typeface="Calibri"/>
               </a:rPr>
               <a:t>Iremos abordar hoje alguns conceitos sobre dados computados e observadores.</a:t>
             </a:r>
-            <a:endParaRPr b="0" lang="pt-BR" sz="3200" spc="-1" strike="noStrike">
+            <a:endParaRPr lang="pt-BR" sz="3200" b="0" strike="noStrike" spc="-1" dirty="0">
               <a:solidFill>
                 <a:srgbClr val="000000"/>
               </a:solidFill>
               <a:uFill>
                 <a:solidFill>
-                  <a:srgbClr val="ffffff"/>
+                  <a:srgbClr val="FFFFFF"/>
                 </a:solidFill>
               </a:uFill>
               <a:latin typeface="Arial"/>
@@ -2560,6 +2665,9 @@
       </p:sp>
     </p:spTree>
   </p:cSld>
+  <p:clrMapOvr>
+    <a:masterClrMapping/>
+  </p:clrMapOvr>
   <p:timing>
     <p:tnLst>
       <p:par>
@@ -2568,14 +2676,14 @@
             <p:seq>
               <p:cTn id="2" nodeType="mainSeq"/>
               <p:prevCondLst>
-                <p:cond delay="0" evt="onPrev">
+                <p:cond evt="onPrev" delay="0">
                   <p:tgtEl>
                     <p:sldTgt/>
                   </p:tgtEl>
                 </p:cond>
               </p:prevCondLst>
               <p:nextCondLst>
-                <p:cond delay="0" evt="onNext">
+                <p:cond evt="onNext" delay="0">
                   <p:tgtEl>
                     <p:sldTgt/>
                   </p:tgtEl>
@@ -2591,7 +2699,7 @@
 </file>
 
 <file path=ppt/slides/slide10.xml><?xml version="1.0" encoding="utf-8"?>
-<p:sld xmlns:a="http://schemas.openxmlformats.org/drawingml/2006/main" xmlns:p="http://schemas.openxmlformats.org/presentationml/2006/main" xmlns:r="http://schemas.openxmlformats.org/officeDocument/2006/relationships" xmlns:p14="http://schemas.microsoft.com/office/powerpoint/2010/main" xmlns:p15="http://schemas.microsoft.com/office/powerpoint/2012/main" xmlns:mc="http://schemas.openxmlformats.org/markup-compatibility/2006">
+<p:sld xmlns:a="http://schemas.openxmlformats.org/drawingml/2006/main" xmlns:r="http://schemas.openxmlformats.org/officeDocument/2006/relationships" xmlns:p="http://schemas.openxmlformats.org/presentationml/2006/main">
   <p:cSld>
     <p:spTree>
       <p:nvGrpSpPr>
@@ -2609,30 +2717,7 @@
       </p:grpSpPr>
       <p:pic>
         <p:nvPicPr>
-          <p:cNvPr id="119" name="Picture 9" descr=""/>
-          <p:cNvPicPr/>
-          <p:nvPr/>
-        </p:nvPicPr>
-        <p:blipFill>
-          <a:blip r:embed="rId1"/>
-          <a:stretch/>
-        </p:blipFill>
-        <p:spPr>
-          <a:xfrm>
-            <a:off x="7215120" y="0"/>
-            <a:ext cx="1928520" cy="2525400"/>
-          </a:xfrm>
-          <a:prstGeom prst="rect">
-            <a:avLst/>
-          </a:prstGeom>
-          <a:ln w="9360">
-            <a:noFill/>
-          </a:ln>
-        </p:spPr>
-      </p:pic>
-      <p:pic>
-        <p:nvPicPr>
-          <p:cNvPr id="120" name="Picture 9" descr=""/>
+          <p:cNvPr id="95" name="Picture 9"/>
           <p:cNvPicPr/>
           <p:nvPr/>
         </p:nvPicPr>
@@ -2642,6 +2727,29 @@
         </p:blipFill>
         <p:spPr>
           <a:xfrm>
+            <a:off x="7215120" y="0"/>
+            <a:ext cx="1928520" cy="2525400"/>
+          </a:xfrm>
+          <a:prstGeom prst="rect">
+            <a:avLst/>
+          </a:prstGeom>
+          <a:ln w="9360">
+            <a:noFill/>
+          </a:ln>
+        </p:spPr>
+      </p:pic>
+      <p:pic>
+        <p:nvPicPr>
+          <p:cNvPr id="96" name="Picture 9"/>
+          <p:cNvPicPr/>
+          <p:nvPr/>
+        </p:nvPicPr>
+        <p:blipFill>
+          <a:blip r:embed="rId3"/>
+          <a:stretch/>
+        </p:blipFill>
+        <p:spPr>
+          <a:xfrm>
             <a:off x="0" y="4786200"/>
             <a:ext cx="1571400" cy="2057040"/>
           </a:xfrm>
@@ -2655,7 +2763,7 @@
       </p:pic>
       <p:sp>
         <p:nvSpPr>
-          <p:cNvPr id="121" name="CustomShape 1"/>
+          <p:cNvPr id="97" name="CustomShape 1"/>
           <p:cNvSpPr/>
           <p:nvPr/>
         </p:nvSpPr>
@@ -2694,7 +2802,7 @@
       </p:sp>
       <p:sp>
         <p:nvSpPr>
-          <p:cNvPr id="122" name="TextShape 2"/>
+          <p:cNvPr id="98" name="TextShape 2"/>
           <p:cNvSpPr txBox="1"/>
           <p:nvPr/>
         </p:nvSpPr>
@@ -2713,15 +2821,16 @@
         </p:spPr>
         <p:txBody>
           <a:bodyPr/>
+          <a:lstStyle/>
           <a:p>
             <a:pPr algn="ctr"/>
-            <a:endParaRPr b="0" lang="pt-BR" sz="3200" spc="-1" strike="noStrike">
+            <a:endParaRPr lang="pt-BR" sz="3200" b="0" strike="noStrike" spc="-1">
               <a:solidFill>
                 <a:srgbClr val="000000"/>
               </a:solidFill>
               <a:uFill>
                 <a:solidFill>
-                  <a:srgbClr val="ffffff"/>
+                  <a:srgbClr val="FFFFFF"/>
                 </a:solidFill>
               </a:uFill>
               <a:latin typeface="Arial"/>
@@ -2731,7 +2840,7 @@
       </p:sp>
       <p:sp>
         <p:nvSpPr>
-          <p:cNvPr id="123" name="CustomShape 3"/>
+          <p:cNvPr id="99" name="CustomShape 3"/>
           <p:cNvSpPr/>
           <p:nvPr/>
         </p:nvSpPr>
@@ -2746,7 +2855,7 @@
             </a:avLst>
           </a:prstGeom>
           <a:solidFill>
-            <a:srgbClr val="06ba8f"/>
+            <a:srgbClr val="06BA8F"/>
           </a:solidFill>
           <a:ln>
             <a:round/>
@@ -2769,13 +2878,13 @@
       </p:sp>
       <p:pic>
         <p:nvPicPr>
-          <p:cNvPr id="124" name="Imagem 8" descr=""/>
+          <p:cNvPr id="100" name="Imagem 8"/>
           <p:cNvPicPr/>
           <p:nvPr/>
         </p:nvPicPr>
         <p:blipFill>
-          <a:blip r:embed="rId3"/>
-          <a:srcRect l="6879" t="0" r="6879" b="0"/>
+          <a:blip r:embed="rId4"/>
+          <a:srcRect l="6879" r="6879"/>
           <a:stretch/>
         </p:blipFill>
         <p:spPr>
@@ -2793,7 +2902,7 @@
       </p:pic>
       <p:sp>
         <p:nvSpPr>
-          <p:cNvPr id="125" name="CustomShape 4"/>
+          <p:cNvPr id="101" name="CustomShape 4"/>
           <p:cNvSpPr/>
           <p:nvPr/>
         </p:nvSpPr>
@@ -2811,15 +2920,22 @@
           </a:ln>
         </p:spPr>
         <p:style>
-          <a:lnRef idx="0"/>
-          <a:fillRef idx="0"/>
-          <a:effectRef idx="0"/>
+          <a:lnRef idx="0">
+            <a:scrgbClr r="0" g="0" b="0"/>
+          </a:lnRef>
+          <a:fillRef idx="0">
+            <a:scrgbClr r="0" g="0" b="0"/>
+          </a:fillRef>
+          <a:effectRef idx="0">
+            <a:scrgbClr r="0" g="0" b="0"/>
+          </a:effectRef>
           <a:fontRef idx="minor"/>
         </p:style>
         <p:txBody>
           <a:bodyPr anchor="ctr">
-            <a:normAutofit/>
+            <a:normAutofit fontScale="92500" lnSpcReduction="10000"/>
           </a:bodyPr>
+          <a:lstStyle/>
           <a:p>
             <a:pPr>
               <a:lnSpc>
@@ -2827,26 +2943,26 @@
               </a:lnSpc>
             </a:pPr>
             <a:r>
-              <a:rPr b="1" lang="pt-BR" sz="4400" spc="-1" strike="noStrike">
+              <a:rPr lang="pt-BR" sz="4400" b="1" strike="noStrike" spc="-1" dirty="0" smtClean="0">
                 <a:solidFill>
                   <a:srgbClr val="000000"/>
                 </a:solidFill>
                 <a:uFill>
                   <a:solidFill>
-                    <a:srgbClr val="ffffff"/>
+                    <a:srgbClr val="FFFFFF"/>
                   </a:solidFill>
                 </a:uFill>
                 <a:latin typeface="Times New Roman"/>
               </a:rPr>
-              <a:t>Resposta</a:t>
+              <a:t>Exemplos</a:t>
             </a:r>
-            <a:endParaRPr b="0" lang="pt-BR" sz="4400" spc="-1" strike="noStrike">
+            <a:endParaRPr lang="pt-BR" sz="4400" b="0" strike="noStrike" spc="-1" dirty="0">
               <a:solidFill>
                 <a:srgbClr val="000000"/>
               </a:solidFill>
               <a:uFill>
                 <a:solidFill>
-                  <a:srgbClr val="ffffff"/>
+                  <a:srgbClr val="FFFFFF"/>
                 </a:solidFill>
               </a:uFill>
               <a:latin typeface="Arial"/>
@@ -2856,12 +2972,12 @@
       </p:sp>
       <p:pic>
         <p:nvPicPr>
-          <p:cNvPr id="126" name="Imagem 16" descr=""/>
+          <p:cNvPr id="102" name="Imagem 16"/>
           <p:cNvPicPr/>
           <p:nvPr/>
         </p:nvPicPr>
         <p:blipFill>
-          <a:blip r:embed="rId4"/>
+          <a:blip r:embed="rId5"/>
           <a:srcRect l="3124" t="69614" r="3124" b="8995"/>
           <a:stretch/>
         </p:blipFill>
@@ -2878,24 +2994,60 @@
           </a:ln>
         </p:spPr>
       </p:pic>
+      <p:pic>
+        <p:nvPicPr>
+          <p:cNvPr id="3074" name="Picture 2"/>
+          <p:cNvPicPr>
+            <a:picLocks noChangeAspect="1" noChangeArrowheads="1"/>
+          </p:cNvPicPr>
+          <p:nvPr/>
+        </p:nvPicPr>
+        <p:blipFill>
+          <a:blip r:embed="rId6"/>
+          <a:srcRect/>
+          <a:stretch>
+            <a:fillRect/>
+          </a:stretch>
+        </p:blipFill>
+        <p:spPr bwMode="auto">
+          <a:xfrm>
+            <a:off x="571472" y="1643050"/>
+            <a:ext cx="7143800" cy="3929090"/>
+          </a:xfrm>
+          <a:prstGeom prst="rect">
+            <a:avLst/>
+          </a:prstGeom>
+          <a:noFill/>
+          <a:ln w="9525">
+            <a:noFill/>
+            <a:miter lim="800000"/>
+            <a:headEnd/>
+            <a:tailEnd/>
+          </a:ln>
+          <a:effectLst/>
+        </p:spPr>
+      </p:pic>
     </p:spTree>
   </p:cSld>
+  <p:clrMapOvr>
+    <a:masterClrMapping/>
+  </p:clrMapOvr>
   <p:timing>
     <p:tnLst>
       <p:par>
-        <p:cTn id="19" dur="indefinite" restart="never" nodeType="tmRoot">
+        <p:cTn id="1" dur="indefinite" restart="never" nodeType="tmRoot">
           <p:childTnLst>
             <p:seq>
-              <p:cTn id="20" nodeType="mainSeq"/>
+              <p:cTn id="2" nodeType="mainSeq"/>
               <p:prevCondLst>
-                <p:cond delay="0" evt="onPrev">
+                <p:cond evt="onPrev" delay="0">
                   <p:tgtEl>
                     <p:sldTgt/>
                   </p:tgtEl>
                 </p:cond>
               </p:prevCondLst>
               <p:nextCondLst>
-                <p:cond delay="0" evt="onNext">
+                <p:cond evt="onNext" delay="0">
                   <p:tgtEl>
                     <p:sldTgt/>
                   </p:tgtEl>
@@ -2911,7 +3063,7 @@
 </file>
 
 <file path=ppt/slides/slide11.xml><?xml version="1.0" encoding="utf-8"?>
-<p:sld xmlns:a="http://schemas.openxmlformats.org/drawingml/2006/main" xmlns:p="http://schemas.openxmlformats.org/presentationml/2006/main" xmlns:r="http://schemas.openxmlformats.org/officeDocument/2006/relationships" xmlns:p14="http://schemas.microsoft.com/office/powerpoint/2010/main" xmlns:p15="http://schemas.microsoft.com/office/powerpoint/2012/main" xmlns:mc="http://schemas.openxmlformats.org/markup-compatibility/2006">
+<p:sld xmlns:a="http://schemas.openxmlformats.org/drawingml/2006/main" xmlns:r="http://schemas.openxmlformats.org/officeDocument/2006/relationships" xmlns:p="http://schemas.openxmlformats.org/presentationml/2006/main">
   <p:cSld>
     <p:spTree>
       <p:nvGrpSpPr>
@@ -2929,30 +3081,7 @@
       </p:grpSpPr>
       <p:pic>
         <p:nvPicPr>
-          <p:cNvPr id="127" name="Picture 9" descr=""/>
-          <p:cNvPicPr/>
-          <p:nvPr/>
-        </p:nvPicPr>
-        <p:blipFill>
-          <a:blip r:embed="rId1"/>
-          <a:stretch/>
-        </p:blipFill>
-        <p:spPr>
-          <a:xfrm>
-            <a:off x="7215120" y="0"/>
-            <a:ext cx="1928520" cy="2525400"/>
-          </a:xfrm>
-          <a:prstGeom prst="rect">
-            <a:avLst/>
-          </a:prstGeom>
-          <a:ln w="9360">
-            <a:noFill/>
-          </a:ln>
-        </p:spPr>
-      </p:pic>
-      <p:pic>
-        <p:nvPicPr>
-          <p:cNvPr id="128" name="Picture 9" descr=""/>
+          <p:cNvPr id="103" name="Picture 9"/>
           <p:cNvPicPr/>
           <p:nvPr/>
         </p:nvPicPr>
@@ -2962,6 +3091,29 @@
         </p:blipFill>
         <p:spPr>
           <a:xfrm>
+            <a:off x="7215120" y="0"/>
+            <a:ext cx="1928520" cy="2525400"/>
+          </a:xfrm>
+          <a:prstGeom prst="rect">
+            <a:avLst/>
+          </a:prstGeom>
+          <a:ln w="9360">
+            <a:noFill/>
+          </a:ln>
+        </p:spPr>
+      </p:pic>
+      <p:pic>
+        <p:nvPicPr>
+          <p:cNvPr id="104" name="Picture 9"/>
+          <p:cNvPicPr/>
+          <p:nvPr/>
+        </p:nvPicPr>
+        <p:blipFill>
+          <a:blip r:embed="rId3"/>
+          <a:stretch/>
+        </p:blipFill>
+        <p:spPr>
+          <a:xfrm>
             <a:off x="0" y="4786200"/>
             <a:ext cx="1571400" cy="2057040"/>
           </a:xfrm>
@@ -2975,7 +3127,7 @@
       </p:pic>
       <p:sp>
         <p:nvSpPr>
-          <p:cNvPr id="129" name="CustomShape 1"/>
+          <p:cNvPr id="105" name="CustomShape 1"/>
           <p:cNvSpPr/>
           <p:nvPr/>
         </p:nvSpPr>
@@ -3014,13 +3166,13 @@
       </p:sp>
       <p:sp>
         <p:nvSpPr>
-          <p:cNvPr id="130" name="TextShape 2"/>
+          <p:cNvPr id="106" name="TextShape 2"/>
           <p:cNvSpPr txBox="1"/>
           <p:nvPr/>
         </p:nvSpPr>
         <p:spPr>
           <a:xfrm>
-            <a:off x="142920" y="1785960"/>
+            <a:off x="142844" y="1643050"/>
             <a:ext cx="7572240" cy="2928600"/>
           </a:xfrm>
           <a:prstGeom prst="rect">
@@ -3032,120 +3184,102 @@
           </a:ln>
         </p:spPr>
         <p:txBody>
-          <a:bodyPr>
-            <a:normAutofit/>
-          </a:bodyPr>
-          <a:p>
-            <a:pPr>
+          <a:bodyPr/>
+          <a:lstStyle/>
+          <a:p>
+            <a:pPr algn="just">
               <a:lnSpc>
                 <a:spcPct val="100000"/>
               </a:lnSpc>
               <a:spcBef>
-                <a:spcPts val="479"/>
+                <a:spcPts val="641"/>
               </a:spcBef>
-              <a:buClr>
-                <a:srgbClr val="000000"/>
-              </a:buClr>
-              <a:buFont typeface="Arial"/>
-              <a:buChar char="-"/>
             </a:pPr>
             <a:r>
-              <a:rPr b="0" lang="pt-BR" sz="2400" spc="-1" strike="noStrike" u="sng">
-                <a:solidFill>
-                  <a:srgbClr val="0000ff"/>
+              <a:rPr lang="pt-BR" sz="3200" b="0" strike="noStrike" spc="-1" dirty="0">
+                <a:solidFill>
+                  <a:srgbClr val="000000"/>
                 </a:solidFill>
                 <a:uFill>
                   <a:solidFill>
-                    <a:srgbClr val="ffffff"/>
+                    <a:srgbClr val="FFFFFF"/>
                   </a:solidFill>
                 </a:uFill>
                 <a:latin typeface="Calibri"/>
-                <a:hlinkClick r:id="rId3"/>
               </a:rPr>
-              <a:t>https</a:t>
+              <a:t>	</a:t>
             </a:r>
             <a:r>
-              <a:rPr b="0" lang="pt-BR" sz="2400" spc="-1" strike="noStrike" u="sng">
-                <a:solidFill>
-                  <a:srgbClr val="0000ff"/>
+              <a:rPr lang="pt-BR" sz="3200" dirty="0"/>
+              <a:t>O </a:t>
+            </a:r>
+            <a:r>
+              <a:rPr lang="pt-BR" sz="3200" dirty="0" err="1"/>
+              <a:t>computer</a:t>
+            </a:r>
+            <a:r>
+              <a:rPr lang="pt-BR" sz="3200" dirty="0"/>
+              <a:t> </a:t>
+            </a:r>
+            <a:r>
+              <a:rPr lang="pt-BR" sz="3200" dirty="0" err="1"/>
+              <a:t>properties</a:t>
+            </a:r>
+            <a:r>
+              <a:rPr lang="pt-BR" sz="3200" dirty="0"/>
+              <a:t> e o </a:t>
+            </a:r>
+            <a:r>
+              <a:rPr lang="pt-BR" sz="3200" dirty="0" err="1"/>
+              <a:t>watchers</a:t>
+            </a:r>
+            <a:r>
+              <a:rPr lang="pt-BR" sz="3200" dirty="0"/>
+              <a:t> são diferentes mesmo trazendo o mesmo resultado.</a:t>
+            </a:r>
+            <a:r>
+              <a:rPr lang="pt-BR" sz="3200" b="0" strike="noStrike" spc="-1" dirty="0">
+                <a:solidFill>
+                  <a:srgbClr val="000000"/>
                 </a:solidFill>
                 <a:uFill>
                   <a:solidFill>
-                    <a:srgbClr val="ffffff"/>
+                    <a:srgbClr val="FFFFFF"/>
                   </a:solidFill>
                 </a:uFill>
                 <a:latin typeface="Calibri"/>
-                <a:hlinkClick r:id="rId4"/>
               </a:rPr>
-              <a:t>://</a:t>
+              <a:t> </a:t>
             </a:r>
             <a:r>
-              <a:rPr b="0" lang="pt-BR" sz="2400" spc="-1" strike="noStrike" u="sng">
-                <a:solidFill>
-                  <a:srgbClr val="0000ff"/>
-                </a:solidFill>
-                <a:uFill>
-                  <a:solidFill>
-                    <a:srgbClr val="ffffff"/>
-                  </a:solidFill>
-                </a:uFill>
-                <a:latin typeface="Calibri"/>
-                <a:hlinkClick r:id="rId5"/>
-              </a:rPr>
-              <a:t>br.vuejs.org/v2/guide/computed.html</a:t>
+              <a:rPr lang="pt-BR" sz="3200" dirty="0"/>
+              <a:t>Quando se tem alguns dados que necessitam mudar com base na alteração de outros dados, é tentador usar excessivamente o </a:t>
             </a:r>
-            <a:endParaRPr b="0" lang="pt-BR" sz="2400" spc="-1" strike="noStrike">
+            <a:r>
+              <a:rPr lang="pt-BR" sz="3200" dirty="0" err="1" smtClean="0"/>
+              <a:t>watch</a:t>
+            </a:r>
+            <a:r>
+              <a:rPr lang="pt-BR" sz="3200" dirty="0" smtClean="0"/>
+              <a:t>.</a:t>
+            </a:r>
+            <a:endParaRPr lang="pt-BR" sz="3200" b="0" strike="noStrike" spc="-1" dirty="0">
               <a:solidFill>
                 <a:srgbClr val="000000"/>
               </a:solidFill>
               <a:uFill>
                 <a:solidFill>
-                  <a:srgbClr val="ffffff"/>
+                  <a:srgbClr val="FFFFFF"/>
                 </a:solidFill>
               </a:uFill>
               <a:latin typeface="Arial"/>
             </a:endParaRPr>
           </a:p>
-          <a:p>
-            <a:pPr>
-              <a:lnSpc>
-                <a:spcPct val="100000"/>
-              </a:lnSpc>
-              <a:spcBef>
-                <a:spcPts val="479"/>
-              </a:spcBef>
-            </a:pPr>
-            <a:r>
-              <a:rPr b="0" lang="pt-BR" sz="2400" spc="-1" strike="noStrike">
-                <a:solidFill>
-                  <a:srgbClr val="000000"/>
-                </a:solidFill>
-                <a:uFill>
-                  <a:solidFill>
-                    <a:srgbClr val="ffffff"/>
-                  </a:solidFill>
-                </a:uFill>
-                <a:latin typeface="Calibri"/>
-              </a:rPr>
-              <a:t>- </a:t>
-            </a:r>
-            <a:endParaRPr b="0" lang="pt-BR" sz="2400" spc="-1" strike="noStrike">
-              <a:solidFill>
-                <a:srgbClr val="000000"/>
-              </a:solidFill>
-              <a:uFill>
-                <a:solidFill>
-                  <a:srgbClr val="ffffff"/>
-                </a:solidFill>
-              </a:uFill>
-              <a:latin typeface="Arial"/>
-            </a:endParaRPr>
-          </a:p>
         </p:txBody>
       </p:sp>
       <p:sp>
         <p:nvSpPr>
-          <p:cNvPr id="131" name="CustomShape 3"/>
+          <p:cNvPr id="107" name="CustomShape 3"/>
           <p:cNvSpPr/>
           <p:nvPr/>
         </p:nvSpPr>
@@ -3160,7 +3294,7 @@
             </a:avLst>
           </a:prstGeom>
           <a:solidFill>
-            <a:srgbClr val="06ba8f"/>
+            <a:srgbClr val="06BA8F"/>
           </a:solidFill>
           <a:ln>
             <a:round/>
@@ -3183,13 +3317,13 @@
       </p:sp>
       <p:pic>
         <p:nvPicPr>
-          <p:cNvPr id="132" name="Imagem 8" descr=""/>
+          <p:cNvPr id="108" name="Imagem 8"/>
           <p:cNvPicPr/>
           <p:nvPr/>
         </p:nvPicPr>
         <p:blipFill>
-          <a:blip r:embed="rId6"/>
-          <a:srcRect l="6879" t="0" r="6879" b="0"/>
+          <a:blip r:embed="rId4"/>
+          <a:srcRect l="6879" r="6879"/>
           <a:stretch/>
         </p:blipFill>
         <p:spPr>
@@ -3207,7 +3341,7 @@
       </p:pic>
       <p:sp>
         <p:nvSpPr>
-          <p:cNvPr id="133" name="CustomShape 4"/>
+          <p:cNvPr id="109" name="CustomShape 4"/>
           <p:cNvSpPr/>
           <p:nvPr/>
         </p:nvSpPr>
@@ -3225,15 +3359,22 @@
           </a:ln>
         </p:spPr>
         <p:style>
-          <a:lnRef idx="0"/>
-          <a:fillRef idx="0"/>
-          <a:effectRef idx="0"/>
+          <a:lnRef idx="0">
+            <a:scrgbClr r="0" g="0" b="0"/>
+          </a:lnRef>
+          <a:fillRef idx="0">
+            <a:scrgbClr r="0" g="0" b="0"/>
+          </a:fillRef>
+          <a:effectRef idx="0">
+            <a:scrgbClr r="0" g="0" b="0"/>
+          </a:effectRef>
           <a:fontRef idx="minor"/>
         </p:style>
         <p:txBody>
           <a:bodyPr anchor="ctr">
-            <a:normAutofit/>
+            <a:normAutofit lnSpcReduction="10000"/>
           </a:bodyPr>
+          <a:lstStyle/>
           <a:p>
             <a:pPr>
               <a:lnSpc>
@@ -3241,26 +3382,26 @@
               </a:lnSpc>
             </a:pPr>
             <a:r>
-              <a:rPr b="1" lang="pt-BR" sz="4400" spc="-1" strike="noStrike">
+              <a:rPr lang="pt-BR" sz="4400" b="1" strike="noStrike" spc="-1">
                 <a:solidFill>
                   <a:srgbClr val="000000"/>
                 </a:solidFill>
                 <a:uFill>
                   <a:solidFill>
-                    <a:srgbClr val="ffffff"/>
+                    <a:srgbClr val="FFFFFF"/>
                   </a:solidFill>
                 </a:uFill>
                 <a:latin typeface="Times New Roman"/>
               </a:rPr>
-              <a:t>Referências</a:t>
+              <a:t>Comparando...</a:t>
             </a:r>
-            <a:endParaRPr b="0" lang="pt-BR" sz="4400" spc="-1" strike="noStrike">
+            <a:endParaRPr lang="pt-BR" sz="4400" b="0" strike="noStrike" spc="-1">
               <a:solidFill>
                 <a:srgbClr val="000000"/>
               </a:solidFill>
               <a:uFill>
                 <a:solidFill>
-                  <a:srgbClr val="ffffff"/>
+                  <a:srgbClr val="FFFFFF"/>
                 </a:solidFill>
               </a:uFill>
               <a:latin typeface="Arial"/>
@@ -3270,12 +3411,12 @@
       </p:sp>
       <p:pic>
         <p:nvPicPr>
-          <p:cNvPr id="134" name="Imagem 16" descr=""/>
+          <p:cNvPr id="110" name="Imagem 16"/>
           <p:cNvPicPr/>
           <p:nvPr/>
         </p:nvPicPr>
         <p:blipFill>
-          <a:blip r:embed="rId7"/>
+          <a:blip r:embed="rId5"/>
           <a:srcRect l="3124" t="69614" r="3124" b="8995"/>
           <a:stretch/>
         </p:blipFill>
@@ -3292,24 +3433,106 @@
           </a:ln>
         </p:spPr>
       </p:pic>
+      <p:sp>
+        <p:nvSpPr>
+          <p:cNvPr id="10" name="TextShape 2"/>
+          <p:cNvSpPr txBox="1"/>
+          <p:nvPr/>
+        </p:nvSpPr>
+        <p:spPr>
+          <a:xfrm>
+            <a:off x="1214602" y="4572008"/>
+            <a:ext cx="6429232" cy="1571636"/>
+          </a:xfrm>
+          <a:prstGeom prst="rect">
+            <a:avLst/>
+          </a:prstGeom>
+          <a:noFill/>
+          <a:ln>
+            <a:noFill/>
+          </a:ln>
+        </p:spPr>
+        <p:txBody>
+          <a:bodyPr/>
+          <a:lstStyle/>
+          <a:p>
+            <a:pPr algn="just">
+              <a:lnSpc>
+                <a:spcPct val="100000"/>
+              </a:lnSpc>
+              <a:spcBef>
+                <a:spcPts val="641"/>
+              </a:spcBef>
+            </a:pPr>
+            <a:r>
+              <a:rPr lang="pt-BR" sz="3200" b="0" strike="noStrike" spc="-1" dirty="0">
+                <a:solidFill>
+                  <a:srgbClr val="000000"/>
+                </a:solidFill>
+                <a:uFill>
+                  <a:solidFill>
+                    <a:srgbClr val="FFFFFF"/>
+                  </a:solidFill>
+                </a:uFill>
+                <a:latin typeface="Calibri"/>
+              </a:rPr>
+              <a:t>	</a:t>
+            </a:r>
+            <a:r>
+              <a:rPr lang="pt-BR" sz="3200" dirty="0"/>
+              <a:t>No entanto, </a:t>
+            </a:r>
+            <a:r>
+              <a:rPr lang="pt-BR" sz="3200" dirty="0" err="1"/>
+              <a:t>frequentemente</a:t>
+            </a:r>
+            <a:r>
+              <a:rPr lang="pt-BR" sz="3200" dirty="0"/>
+              <a:t> é melhor usar um dado computado em vez do </a:t>
+            </a:r>
+            <a:r>
+              <a:rPr lang="pt-BR" sz="3200" dirty="0" err="1" smtClean="0"/>
+              <a:t>watch</a:t>
+            </a:r>
+            <a:r>
+              <a:rPr lang="pt-BR" sz="3200" dirty="0" smtClean="0"/>
+              <a:t>.</a:t>
+            </a:r>
+            <a:endParaRPr lang="pt-BR" sz="3200" b="0" strike="noStrike" spc="-1" dirty="0">
+              <a:solidFill>
+                <a:srgbClr val="000000"/>
+              </a:solidFill>
+              <a:uFill>
+                <a:solidFill>
+                  <a:srgbClr val="FFFFFF"/>
+                </a:solidFill>
+              </a:uFill>
+              <a:latin typeface="Arial"/>
+            </a:endParaRPr>
+          </a:p>
+        </p:txBody>
+      </p:sp>
     </p:spTree>
   </p:cSld>
+  <p:clrMapOvr>
+    <a:masterClrMapping/>
+  </p:clrMapOvr>
   <p:timing>
     <p:tnLst>
       <p:par>
-        <p:cTn id="21" dur="indefinite" restart="never" nodeType="tmRoot">
+        <p:cTn id="1" dur="indefinite" restart="never" nodeType="tmRoot">
           <p:childTnLst>
             <p:seq>
-              <p:cTn id="22" nodeType="mainSeq"/>
+              <p:cTn id="2" nodeType="mainSeq"/>
               <p:prevCondLst>
-                <p:cond delay="0" evt="onPrev">
+                <p:cond evt="onPrev" delay="0">
                   <p:tgtEl>
                     <p:sldTgt/>
                   </p:tgtEl>
                 </p:cond>
               </p:prevCondLst>
               <p:nextCondLst>
-                <p:cond delay="0" evt="onNext">
+                <p:cond evt="onNext" delay="0">
                   <p:tgtEl>
                     <p:sldTgt/>
                   </p:tgtEl>
@@ -3325,7 +3548,7 @@
 </file>
 
 <file path=ppt/slides/slide12.xml><?xml version="1.0" encoding="utf-8"?>
-<p:sld xmlns:a="http://schemas.openxmlformats.org/drawingml/2006/main" xmlns:p="http://schemas.openxmlformats.org/presentationml/2006/main" xmlns:r="http://schemas.openxmlformats.org/officeDocument/2006/relationships" xmlns:p14="http://schemas.microsoft.com/office/powerpoint/2010/main" xmlns:p15="http://schemas.microsoft.com/office/powerpoint/2012/main" xmlns:mc="http://schemas.openxmlformats.org/markup-compatibility/2006">
+<p:sld xmlns:a="http://schemas.openxmlformats.org/drawingml/2006/main" xmlns:r="http://schemas.openxmlformats.org/officeDocument/2006/relationships" xmlns:p="http://schemas.openxmlformats.org/presentationml/2006/main">
   <p:cSld>
     <p:spTree>
       <p:nvGrpSpPr>
@@ -3343,30 +3566,7 @@
       </p:grpSpPr>
       <p:pic>
         <p:nvPicPr>
-          <p:cNvPr id="135" name="Picture 9" descr=""/>
-          <p:cNvPicPr/>
-          <p:nvPr/>
-        </p:nvPicPr>
-        <p:blipFill>
-          <a:blip r:embed="rId1"/>
-          <a:stretch/>
-        </p:blipFill>
-        <p:spPr>
-          <a:xfrm>
-            <a:off x="7215120" y="0"/>
-            <a:ext cx="1928520" cy="2525400"/>
-          </a:xfrm>
-          <a:prstGeom prst="rect">
-            <a:avLst/>
-          </a:prstGeom>
-          <a:ln w="9360">
-            <a:noFill/>
-          </a:ln>
-        </p:spPr>
-      </p:pic>
-      <p:pic>
-        <p:nvPicPr>
-          <p:cNvPr id="136" name="Picture 9" descr=""/>
+          <p:cNvPr id="103" name="Picture 9"/>
           <p:cNvPicPr/>
           <p:nvPr/>
         </p:nvPicPr>
@@ -3376,6 +3576,29 @@
         </p:blipFill>
         <p:spPr>
           <a:xfrm>
+            <a:off x="7215120" y="0"/>
+            <a:ext cx="1928520" cy="2525400"/>
+          </a:xfrm>
+          <a:prstGeom prst="rect">
+            <a:avLst/>
+          </a:prstGeom>
+          <a:ln w="9360">
+            <a:noFill/>
+          </a:ln>
+        </p:spPr>
+      </p:pic>
+      <p:pic>
+        <p:nvPicPr>
+          <p:cNvPr id="104" name="Picture 9"/>
+          <p:cNvPicPr/>
+          <p:nvPr/>
+        </p:nvPicPr>
+        <p:blipFill>
+          <a:blip r:embed="rId3"/>
+          <a:stretch/>
+        </p:blipFill>
+        <p:spPr>
+          <a:xfrm>
             <a:off x="0" y="4786200"/>
             <a:ext cx="1571400" cy="2057040"/>
           </a:xfrm>
@@ -3389,7 +3612,7 @@
       </p:pic>
       <p:sp>
         <p:nvSpPr>
-          <p:cNvPr id="137" name="CustomShape 1"/>
+          <p:cNvPr id="105" name="CustomShape 1"/>
           <p:cNvSpPr/>
           <p:nvPr/>
         </p:nvSpPr>
@@ -3428,159 +3651,7 @@
       </p:sp>
       <p:sp>
         <p:nvSpPr>
-          <p:cNvPr id="138" name="TextShape 2"/>
-          <p:cNvSpPr txBox="1"/>
-          <p:nvPr/>
-        </p:nvSpPr>
-        <p:spPr>
-          <a:xfrm>
-            <a:off x="142920" y="1785960"/>
-            <a:ext cx="7572240" cy="2928600"/>
-          </a:xfrm>
-          <a:prstGeom prst="rect">
-            <a:avLst/>
-          </a:prstGeom>
-          <a:noFill/>
-          <a:ln>
-            <a:noFill/>
-          </a:ln>
-        </p:spPr>
-        <p:txBody>
-          <a:bodyPr/>
-          <a:p>
-            <a:pPr>
-              <a:lnSpc>
-                <a:spcPct val="100000"/>
-              </a:lnSpc>
-              <a:spcBef>
-                <a:spcPts val="641"/>
-              </a:spcBef>
-            </a:pPr>
-            <a:endParaRPr b="0" lang="pt-BR" sz="3200" spc="-1" strike="noStrike">
-              <a:solidFill>
-                <a:srgbClr val="000000"/>
-              </a:solidFill>
-              <a:uFill>
-                <a:solidFill>
-                  <a:srgbClr val="ffffff"/>
-                </a:solidFill>
-              </a:uFill>
-              <a:latin typeface="Arial"/>
-            </a:endParaRPr>
-          </a:p>
-          <a:p>
-            <a:pPr>
-              <a:lnSpc>
-                <a:spcPct val="100000"/>
-              </a:lnSpc>
-              <a:spcBef>
-                <a:spcPts val="641"/>
-              </a:spcBef>
-              <a:buClr>
-                <a:srgbClr val="000000"/>
-              </a:buClr>
-              <a:buFont typeface="Arial"/>
-              <a:buChar char="-"/>
-            </a:pPr>
-            <a:r>
-              <a:rPr b="0" lang="pt-BR" sz="3200" spc="-1" strike="noStrike">
-                <a:solidFill>
-                  <a:srgbClr val="000000"/>
-                </a:solidFill>
-                <a:uFill>
-                  <a:solidFill>
-                    <a:srgbClr val="ffffff"/>
-                  </a:solidFill>
-                </a:uFill>
-                <a:latin typeface="Calibri"/>
-              </a:rPr>
-              <a:t> </a:t>
-            </a:r>
-            <a:r>
-              <a:rPr b="0" lang="pt-BR" sz="3200" spc="-1" strike="noStrike">
-                <a:solidFill>
-                  <a:srgbClr val="000000"/>
-                </a:solidFill>
-                <a:uFill>
-                  <a:solidFill>
-                    <a:srgbClr val="ffffff"/>
-                  </a:solidFill>
-                </a:uFill>
-                <a:latin typeface="Calibri"/>
-              </a:rPr>
-              <a:t>Fernando Rodrigues (1613240)</a:t>
-            </a:r>
-            <a:endParaRPr b="0" lang="pt-BR" sz="3200" spc="-1" strike="noStrike">
-              <a:solidFill>
-                <a:srgbClr val="000000"/>
-              </a:solidFill>
-              <a:uFill>
-                <a:solidFill>
-                  <a:srgbClr val="ffffff"/>
-                </a:solidFill>
-              </a:uFill>
-              <a:latin typeface="Arial"/>
-            </a:endParaRPr>
-          </a:p>
-          <a:p>
-            <a:pPr>
-              <a:lnSpc>
-                <a:spcPct val="100000"/>
-              </a:lnSpc>
-              <a:spcBef>
-                <a:spcPts val="641"/>
-              </a:spcBef>
-              <a:buClr>
-                <a:srgbClr val="000000"/>
-              </a:buClr>
-              <a:buFont typeface="Arial"/>
-              <a:buChar char="-"/>
-            </a:pPr>
-            <a:r>
-              <a:rPr b="0" lang="pt-BR" sz="3200" spc="-1" strike="noStrike">
-                <a:solidFill>
-                  <a:srgbClr val="000000"/>
-                </a:solidFill>
-                <a:uFill>
-                  <a:solidFill>
-                    <a:srgbClr val="ffffff"/>
-                  </a:solidFill>
-                </a:uFill>
-                <a:latin typeface="Calibri"/>
-              </a:rPr>
-              <a:t> </a:t>
-            </a:r>
-            <a:r>
-              <a:rPr b="0" lang="pt-BR" sz="3200" spc="-1" strike="noStrike">
-                <a:solidFill>
-                  <a:srgbClr val="000000"/>
-                </a:solidFill>
-                <a:uFill>
-                  <a:solidFill>
-                    <a:srgbClr val="ffffff"/>
-                  </a:solidFill>
-                </a:uFill>
-                <a:latin typeface="Calibri"/>
-              </a:rPr>
-              <a:t>Isaura Martins (1413544)</a:t>
-            </a:r>
-            <a:endParaRPr b="0" lang="pt-BR" sz="3200" spc="-1" strike="noStrike">
-              <a:solidFill>
-                <a:srgbClr val="000000"/>
-              </a:solidFill>
-              <a:uFill>
-                <a:solidFill>
-                  <a:srgbClr val="ffffff"/>
-                </a:solidFill>
-              </a:uFill>
-              <a:latin typeface="Arial"/>
-            </a:endParaRPr>
-          </a:p>
-        </p:txBody>
-      </p:sp>
-      <p:sp>
-        <p:nvSpPr>
-          <p:cNvPr id="139" name="CustomShape 3"/>
+          <p:cNvPr id="107" name="CustomShape 3"/>
           <p:cNvSpPr/>
           <p:nvPr/>
         </p:nvSpPr>
@@ -3595,7 +3666,7 @@
             </a:avLst>
           </a:prstGeom>
           <a:solidFill>
-            <a:srgbClr val="06ba8f"/>
+            <a:srgbClr val="06BA8F"/>
           </a:solidFill>
           <a:ln>
             <a:round/>
@@ -3618,13 +3689,13 @@
       </p:sp>
       <p:pic>
         <p:nvPicPr>
-          <p:cNvPr id="140" name="Imagem 8" descr=""/>
+          <p:cNvPr id="108" name="Imagem 8"/>
           <p:cNvPicPr/>
           <p:nvPr/>
         </p:nvPicPr>
         <p:blipFill>
-          <a:blip r:embed="rId3"/>
-          <a:srcRect l="6879" t="0" r="6879" b="0"/>
+          <a:blip r:embed="rId4"/>
+          <a:srcRect l="6879" r="6879"/>
           <a:stretch/>
         </p:blipFill>
         <p:spPr>
@@ -3642,7 +3713,7 @@
       </p:pic>
       <p:sp>
         <p:nvSpPr>
-          <p:cNvPr id="141" name="CustomShape 4"/>
+          <p:cNvPr id="109" name="CustomShape 4"/>
           <p:cNvSpPr/>
           <p:nvPr/>
         </p:nvSpPr>
@@ -3660,15 +3731,22 @@
           </a:ln>
         </p:spPr>
         <p:style>
-          <a:lnRef idx="0"/>
-          <a:fillRef idx="0"/>
-          <a:effectRef idx="0"/>
+          <a:lnRef idx="0">
+            <a:scrgbClr r="0" g="0" b="0"/>
+          </a:lnRef>
+          <a:fillRef idx="0">
+            <a:scrgbClr r="0" g="0" b="0"/>
+          </a:fillRef>
+          <a:effectRef idx="0">
+            <a:scrgbClr r="0" g="0" b="0"/>
+          </a:effectRef>
           <a:fontRef idx="minor"/>
         </p:style>
         <p:txBody>
           <a:bodyPr anchor="ctr">
-            <a:normAutofit/>
+            <a:normAutofit lnSpcReduction="10000"/>
           </a:bodyPr>
+          <a:lstStyle/>
           <a:p>
             <a:pPr>
               <a:lnSpc>
@@ -3676,26 +3754,26 @@
               </a:lnSpc>
             </a:pPr>
             <a:r>
-              <a:rPr b="1" lang="pt-BR" sz="4400" spc="-1" strike="noStrike">
+              <a:rPr lang="pt-BR" sz="4400" b="1" strike="noStrike" spc="-1">
                 <a:solidFill>
                   <a:srgbClr val="000000"/>
                 </a:solidFill>
                 <a:uFill>
                   <a:solidFill>
-                    <a:srgbClr val="ffffff"/>
+                    <a:srgbClr val="FFFFFF"/>
                   </a:solidFill>
                 </a:uFill>
                 <a:latin typeface="Times New Roman"/>
               </a:rPr>
-              <a:t>Equipe</a:t>
+              <a:t>Comparando...</a:t>
             </a:r>
-            <a:endParaRPr b="0" lang="pt-BR" sz="4400" spc="-1" strike="noStrike">
+            <a:endParaRPr lang="pt-BR" sz="4400" b="0" strike="noStrike" spc="-1">
               <a:solidFill>
                 <a:srgbClr val="000000"/>
               </a:solidFill>
               <a:uFill>
                 <a:solidFill>
-                  <a:srgbClr val="ffffff"/>
+                  <a:srgbClr val="FFFFFF"/>
                 </a:solidFill>
               </a:uFill>
               <a:latin typeface="Arial"/>
@@ -3705,12 +3783,12 @@
       </p:sp>
       <p:pic>
         <p:nvPicPr>
-          <p:cNvPr id="142" name="Imagem 16" descr=""/>
+          <p:cNvPr id="110" name="Imagem 16"/>
           <p:cNvPicPr/>
           <p:nvPr/>
         </p:nvPicPr>
         <p:blipFill>
-          <a:blip r:embed="rId4"/>
+          <a:blip r:embed="rId5"/>
           <a:srcRect l="3124" t="69614" r="3124" b="8995"/>
           <a:stretch/>
         </p:blipFill>
@@ -3727,24 +3805,126 @@
           </a:ln>
         </p:spPr>
       </p:pic>
+      <p:pic>
+        <p:nvPicPr>
+          <p:cNvPr id="4098" name="Picture 2"/>
+          <p:cNvPicPr>
+            <a:picLocks noChangeAspect="1" noChangeArrowheads="1"/>
+          </p:cNvPicPr>
+          <p:nvPr/>
+        </p:nvPicPr>
+        <p:blipFill>
+          <a:blip r:embed="rId6"/>
+          <a:srcRect t="16667"/>
+          <a:stretch>
+            <a:fillRect/>
+          </a:stretch>
+        </p:blipFill>
+        <p:spPr bwMode="auto">
+          <a:xfrm>
+            <a:off x="571472" y="2357430"/>
+            <a:ext cx="4143404" cy="3571900"/>
+          </a:xfrm>
+          <a:prstGeom prst="rect">
+            <a:avLst/>
+          </a:prstGeom>
+          <a:noFill/>
+          <a:ln w="9525">
+            <a:noFill/>
+            <a:miter lim="800000"/>
+            <a:headEnd/>
+            <a:tailEnd/>
+          </a:ln>
+          <a:effectLst/>
+        </p:spPr>
+      </p:pic>
+      <p:pic>
+        <p:nvPicPr>
+          <p:cNvPr id="4099" name="Picture 3"/>
+          <p:cNvPicPr>
+            <a:picLocks noChangeAspect="1" noChangeArrowheads="1"/>
+          </p:cNvPicPr>
+          <p:nvPr/>
+        </p:nvPicPr>
+        <p:blipFill>
+          <a:blip r:embed="rId7"/>
+          <a:srcRect/>
+          <a:stretch>
+            <a:fillRect/>
+          </a:stretch>
+        </p:blipFill>
+        <p:spPr bwMode="auto">
+          <a:xfrm>
+            <a:off x="4714876" y="2428868"/>
+            <a:ext cx="3248025" cy="3429024"/>
+          </a:xfrm>
+          <a:prstGeom prst="rect">
+            <a:avLst/>
+          </a:prstGeom>
+          <a:noFill/>
+          <a:ln w="9525">
+            <a:noFill/>
+            <a:miter lim="800000"/>
+            <a:headEnd/>
+            <a:tailEnd/>
+          </a:ln>
+          <a:effectLst/>
+        </p:spPr>
+      </p:pic>
+      <p:pic>
+        <p:nvPicPr>
+          <p:cNvPr id="4100" name="Picture 4"/>
+          <p:cNvPicPr>
+            <a:picLocks noChangeAspect="1" noChangeArrowheads="1"/>
+          </p:cNvPicPr>
+          <p:nvPr/>
+        </p:nvPicPr>
+        <p:blipFill>
+          <a:blip r:embed="rId8"/>
+          <a:srcRect/>
+          <a:stretch>
+            <a:fillRect/>
+          </a:stretch>
+        </p:blipFill>
+        <p:spPr bwMode="auto">
+          <a:xfrm>
+            <a:off x="571472" y="1643050"/>
+            <a:ext cx="7429552" cy="723901"/>
+          </a:xfrm>
+          <a:prstGeom prst="rect">
+            <a:avLst/>
+          </a:prstGeom>
+          <a:noFill/>
+          <a:ln w="9525">
+            <a:noFill/>
+            <a:miter lim="800000"/>
+            <a:headEnd/>
+            <a:tailEnd/>
+          </a:ln>
+          <a:effectLst/>
+        </p:spPr>
+      </p:pic>
     </p:spTree>
   </p:cSld>
+  <p:clrMapOvr>
+    <a:masterClrMapping/>
+  </p:clrMapOvr>
   <p:timing>
     <p:tnLst>
       <p:par>
-        <p:cTn id="23" dur="indefinite" restart="never" nodeType="tmRoot">
+        <p:cTn id="1" dur="indefinite" restart="never" nodeType="tmRoot">
           <p:childTnLst>
             <p:seq>
-              <p:cTn id="24" nodeType="mainSeq"/>
+              <p:cTn id="2" nodeType="mainSeq"/>
               <p:prevCondLst>
-                <p:cond delay="0" evt="onPrev">
+                <p:cond evt="onPrev" delay="0">
                   <p:tgtEl>
                     <p:sldTgt/>
                   </p:tgtEl>
                 </p:cond>
               </p:prevCondLst>
               <p:nextCondLst>
-                <p:cond delay="0" evt="onNext">
+                <p:cond evt="onNext" delay="0">
                   <p:tgtEl>
                     <p:sldTgt/>
                   </p:tgtEl>
@@ -3759,8 +3939,8 @@
 </p:sld>
 </file>
 
-<file path=ppt/slides/slide2.xml><?xml version="1.0" encoding="utf-8"?>
-<p:sld xmlns:a="http://schemas.openxmlformats.org/drawingml/2006/main" xmlns:p="http://schemas.openxmlformats.org/presentationml/2006/main" xmlns:r="http://schemas.openxmlformats.org/officeDocument/2006/relationships" xmlns:p14="http://schemas.microsoft.com/office/powerpoint/2010/main" xmlns:p15="http://schemas.microsoft.com/office/powerpoint/2012/main" xmlns:mc="http://schemas.openxmlformats.org/markup-compatibility/2006">
+<file path=ppt/slides/slide13.xml><?xml version="1.0" encoding="utf-8"?>
+<p:sld xmlns:a="http://schemas.openxmlformats.org/drawingml/2006/main" xmlns:r="http://schemas.openxmlformats.org/officeDocument/2006/relationships" xmlns:p="http://schemas.openxmlformats.org/presentationml/2006/main">
   <p:cSld>
     <p:spTree>
       <p:nvGrpSpPr>
@@ -3778,30 +3958,7 @@
       </p:grpSpPr>
       <p:pic>
         <p:nvPicPr>
-          <p:cNvPr id="50" name="Picture 9" descr=""/>
-          <p:cNvPicPr/>
-          <p:nvPr/>
-        </p:nvPicPr>
-        <p:blipFill>
-          <a:blip r:embed="rId1"/>
-          <a:stretch/>
-        </p:blipFill>
-        <p:spPr>
-          <a:xfrm>
-            <a:off x="7215120" y="0"/>
-            <a:ext cx="1928520" cy="2525400"/>
-          </a:xfrm>
-          <a:prstGeom prst="rect">
-            <a:avLst/>
-          </a:prstGeom>
-          <a:ln w="9360">
-            <a:noFill/>
-          </a:ln>
-        </p:spPr>
-      </p:pic>
-      <p:pic>
-        <p:nvPicPr>
-          <p:cNvPr id="51" name="Picture 9" descr=""/>
+          <p:cNvPr id="111" name="Picture 9"/>
           <p:cNvPicPr/>
           <p:nvPr/>
         </p:nvPicPr>
@@ -3811,6 +3968,29 @@
         </p:blipFill>
         <p:spPr>
           <a:xfrm>
+            <a:off x="7215120" y="0"/>
+            <a:ext cx="1928520" cy="2525400"/>
+          </a:xfrm>
+          <a:prstGeom prst="rect">
+            <a:avLst/>
+          </a:prstGeom>
+          <a:ln w="9360">
+            <a:noFill/>
+          </a:ln>
+        </p:spPr>
+      </p:pic>
+      <p:pic>
+        <p:nvPicPr>
+          <p:cNvPr id="112" name="Picture 9"/>
+          <p:cNvPicPr/>
+          <p:nvPr/>
+        </p:nvPicPr>
+        <p:blipFill>
+          <a:blip r:embed="rId3"/>
+          <a:stretch/>
+        </p:blipFill>
+        <p:spPr>
+          <a:xfrm>
             <a:off x="0" y="4786200"/>
             <a:ext cx="1571400" cy="2057040"/>
           </a:xfrm>
@@ -3824,7 +4004,7 @@
       </p:pic>
       <p:sp>
         <p:nvSpPr>
-          <p:cNvPr id="52" name="CustomShape 1"/>
+          <p:cNvPr id="113" name="CustomShape 1"/>
           <p:cNvSpPr/>
           <p:nvPr/>
         </p:nvSpPr>
@@ -3863,7 +4043,7 @@
       </p:sp>
       <p:sp>
         <p:nvSpPr>
-          <p:cNvPr id="53" name="TextShape 2"/>
+          <p:cNvPr id="114" name="TextShape 2"/>
           <p:cNvSpPr txBox="1"/>
           <p:nvPr/>
         </p:nvSpPr>
@@ -3882,46 +4062,26 @@
         </p:spPr>
         <p:txBody>
           <a:bodyPr/>
-          <a:p>
-            <a:pPr algn="just">
-              <a:lnSpc>
-                <a:spcPct val="100000"/>
-              </a:lnSpc>
-              <a:spcBef>
-                <a:spcPts val="641"/>
-              </a:spcBef>
-            </a:pPr>
-            <a:r>
-              <a:rPr b="0" lang="pt-BR" sz="3200" spc="-1" strike="noStrike">
-                <a:solidFill>
-                  <a:srgbClr val="000000"/>
-                </a:solidFill>
-                <a:uFill>
-                  <a:solidFill>
-                    <a:srgbClr val="ffffff"/>
-                  </a:solidFill>
-                </a:uFill>
-                <a:latin typeface="Calibri"/>
-              </a:rPr>
-              <a:t>Para qualquer lógica mais complexa, usamos dados computados:</a:t>
-            </a:r>
-            <a:endParaRPr b="0" lang="pt-BR" sz="3200" spc="-1" strike="noStrike">
+          <a:lstStyle/>
+          <a:p>
+            <a:pPr algn="ctr"/>
+            <a:endParaRPr lang="pt-BR" sz="3200" b="0" strike="noStrike" spc="-1">
               <a:solidFill>
                 <a:srgbClr val="000000"/>
               </a:solidFill>
               <a:uFill>
                 <a:solidFill>
-                  <a:srgbClr val="ffffff"/>
+                  <a:srgbClr val="FFFFFF"/>
                 </a:solidFill>
               </a:uFill>
-              <a:latin typeface="Calibri"/>
+              <a:latin typeface="Arial"/>
             </a:endParaRPr>
           </a:p>
         </p:txBody>
       </p:sp>
       <p:sp>
         <p:nvSpPr>
-          <p:cNvPr id="54" name="CustomShape 3"/>
+          <p:cNvPr id="115" name="CustomShape 3"/>
           <p:cNvSpPr/>
           <p:nvPr/>
         </p:nvSpPr>
@@ -3936,7 +4096,7 @@
             </a:avLst>
           </a:prstGeom>
           <a:solidFill>
-            <a:srgbClr val="06ba8f"/>
+            <a:srgbClr val="06BA8F"/>
           </a:solidFill>
           <a:ln>
             <a:round/>
@@ -3959,13 +4119,13 @@
       </p:sp>
       <p:pic>
         <p:nvPicPr>
-          <p:cNvPr id="55" name="Imagem 8" descr=""/>
+          <p:cNvPr id="116" name="Imagem 8"/>
           <p:cNvPicPr/>
           <p:nvPr/>
         </p:nvPicPr>
         <p:blipFill>
-          <a:blip r:embed="rId3"/>
-          <a:srcRect l="6879" t="0" r="6879" b="0"/>
+          <a:blip r:embed="rId4"/>
+          <a:srcRect l="6879" r="6879"/>
           <a:stretch/>
         </p:blipFill>
         <p:spPr>
@@ -3983,7 +4143,7 @@
       </p:pic>
       <p:sp>
         <p:nvSpPr>
-          <p:cNvPr id="56" name="CustomShape 4"/>
+          <p:cNvPr id="117" name="CustomShape 4"/>
           <p:cNvSpPr/>
           <p:nvPr/>
         </p:nvSpPr>
@@ -4001,15 +4161,22 @@
           </a:ln>
         </p:spPr>
         <p:style>
-          <a:lnRef idx="0"/>
-          <a:fillRef idx="0"/>
-          <a:effectRef idx="0"/>
+          <a:lnRef idx="0">
+            <a:scrgbClr r="0" g="0" b="0"/>
+          </a:lnRef>
+          <a:fillRef idx="0">
+            <a:scrgbClr r="0" g="0" b="0"/>
+          </a:fillRef>
+          <a:effectRef idx="0">
+            <a:scrgbClr r="0" g="0" b="0"/>
+          </a:effectRef>
           <a:fontRef idx="minor"/>
         </p:style>
         <p:txBody>
           <a:bodyPr anchor="ctr">
-            <a:normAutofit/>
+            <a:normAutofit lnSpcReduction="10000"/>
           </a:bodyPr>
+          <a:lstStyle/>
           <a:p>
             <a:pPr>
               <a:lnSpc>
@@ -4017,26 +4184,26 @@
               </a:lnSpc>
             </a:pPr>
             <a:r>
-              <a:rPr b="1" lang="pt-BR" sz="4400" spc="-1" strike="noStrike">
+              <a:rPr lang="pt-BR" sz="4400" b="1" strike="noStrike" spc="-1">
                 <a:solidFill>
                   <a:srgbClr val="000000"/>
                 </a:solidFill>
                 <a:uFill>
                   <a:solidFill>
-                    <a:srgbClr val="ffffff"/>
+                    <a:srgbClr val="FFFFFF"/>
                   </a:solidFill>
                 </a:uFill>
                 <a:latin typeface="Times New Roman"/>
               </a:rPr>
-              <a:t>Dados Computados</a:t>
+              <a:t>Desafio</a:t>
             </a:r>
-            <a:endParaRPr b="0" lang="pt-BR" sz="4400" spc="-1" strike="noStrike">
+            <a:endParaRPr lang="pt-BR" sz="4400" b="0" strike="noStrike" spc="-1">
               <a:solidFill>
                 <a:srgbClr val="000000"/>
               </a:solidFill>
               <a:uFill>
                 <a:solidFill>
-                  <a:srgbClr val="ffffff"/>
+                  <a:srgbClr val="FFFFFF"/>
                 </a:solidFill>
               </a:uFill>
               <a:latin typeface="Arial"/>
@@ -4046,12 +4213,12 @@
       </p:sp>
       <p:pic>
         <p:nvPicPr>
-          <p:cNvPr id="57" name="Imagem 16" descr=""/>
+          <p:cNvPr id="118" name="Imagem 16"/>
           <p:cNvPicPr/>
           <p:nvPr/>
         </p:nvPicPr>
         <p:blipFill>
-          <a:blip r:embed="rId4"/>
+          <a:blip r:embed="rId5"/>
           <a:srcRect l="3124" t="69614" r="3124" b="8995"/>
           <a:stretch/>
         </p:blipFill>
@@ -4068,47 +4235,27 @@
           </a:ln>
         </p:spPr>
       </p:pic>
-      <p:pic>
-        <p:nvPicPr>
-          <p:cNvPr id="58" name="" descr=""/>
-          <p:cNvPicPr/>
-          <p:nvPr/>
-        </p:nvPicPr>
-        <p:blipFill>
-          <a:blip r:embed="rId5"/>
-          <a:stretch/>
-        </p:blipFill>
-        <p:spPr>
-          <a:xfrm>
-            <a:off x="1224000" y="2808000"/>
-            <a:ext cx="6491160" cy="3026520"/>
-          </a:xfrm>
-          <a:prstGeom prst="rect">
-            <a:avLst/>
-          </a:prstGeom>
-          <a:ln>
-            <a:noFill/>
-          </a:ln>
-        </p:spPr>
-      </p:pic>
     </p:spTree>
   </p:cSld>
+  <p:clrMapOvr>
+    <a:masterClrMapping/>
+  </p:clrMapOvr>
   <p:timing>
     <p:tnLst>
       <p:par>
-        <p:cTn id="3" dur="indefinite" restart="never" nodeType="tmRoot">
+        <p:cTn id="1" dur="indefinite" restart="never" nodeType="tmRoot">
           <p:childTnLst>
             <p:seq>
-              <p:cTn id="4" nodeType="mainSeq"/>
+              <p:cTn id="2" nodeType="mainSeq"/>
               <p:prevCondLst>
-                <p:cond delay="0" evt="onPrev">
+                <p:cond evt="onPrev" delay="0">
                   <p:tgtEl>
                     <p:sldTgt/>
                   </p:tgtEl>
                 </p:cond>
               </p:prevCondLst>
               <p:nextCondLst>
-                <p:cond delay="0" evt="onNext">
+                <p:cond evt="onNext" delay="0">
                   <p:tgtEl>
                     <p:sldTgt/>
                   </p:tgtEl>
@@ -4123,8 +4270,8 @@
 </p:sld>
 </file>
 
-<file path=ppt/slides/slide3.xml><?xml version="1.0" encoding="utf-8"?>
-<p:sld xmlns:a="http://schemas.openxmlformats.org/drawingml/2006/main" xmlns:p="http://schemas.openxmlformats.org/presentationml/2006/main" xmlns:r="http://schemas.openxmlformats.org/officeDocument/2006/relationships" xmlns:p14="http://schemas.microsoft.com/office/powerpoint/2010/main" xmlns:p15="http://schemas.microsoft.com/office/powerpoint/2012/main" xmlns:mc="http://schemas.openxmlformats.org/markup-compatibility/2006">
+<file path=ppt/slides/slide14.xml><?xml version="1.0" encoding="utf-8"?>
+<p:sld xmlns:a="http://schemas.openxmlformats.org/drawingml/2006/main" xmlns:r="http://schemas.openxmlformats.org/officeDocument/2006/relationships" xmlns:p="http://schemas.openxmlformats.org/presentationml/2006/main">
   <p:cSld>
     <p:spTree>
       <p:nvGrpSpPr>
@@ -4142,30 +4289,7 @@
       </p:grpSpPr>
       <p:pic>
         <p:nvPicPr>
-          <p:cNvPr id="59" name="Picture 9" descr=""/>
-          <p:cNvPicPr/>
-          <p:nvPr/>
-        </p:nvPicPr>
-        <p:blipFill>
-          <a:blip r:embed="rId1"/>
-          <a:stretch/>
-        </p:blipFill>
-        <p:spPr>
-          <a:xfrm>
-            <a:off x="7215120" y="0"/>
-            <a:ext cx="1928520" cy="2525400"/>
-          </a:xfrm>
-          <a:prstGeom prst="rect">
-            <a:avLst/>
-          </a:prstGeom>
-          <a:ln w="9360">
-            <a:noFill/>
-          </a:ln>
-        </p:spPr>
-      </p:pic>
-      <p:pic>
-        <p:nvPicPr>
-          <p:cNvPr id="60" name="Picture 9" descr=""/>
+          <p:cNvPr id="119" name="Picture 9"/>
           <p:cNvPicPr/>
           <p:nvPr/>
         </p:nvPicPr>
@@ -4175,6 +4299,29 @@
         </p:blipFill>
         <p:spPr>
           <a:xfrm>
+            <a:off x="7215120" y="0"/>
+            <a:ext cx="1928520" cy="2525400"/>
+          </a:xfrm>
+          <a:prstGeom prst="rect">
+            <a:avLst/>
+          </a:prstGeom>
+          <a:ln w="9360">
+            <a:noFill/>
+          </a:ln>
+        </p:spPr>
+      </p:pic>
+      <p:pic>
+        <p:nvPicPr>
+          <p:cNvPr id="120" name="Picture 9"/>
+          <p:cNvPicPr/>
+          <p:nvPr/>
+        </p:nvPicPr>
+        <p:blipFill>
+          <a:blip r:embed="rId3"/>
+          <a:stretch/>
+        </p:blipFill>
+        <p:spPr>
+          <a:xfrm>
             <a:off x="0" y="4786200"/>
             <a:ext cx="1571400" cy="2057040"/>
           </a:xfrm>
@@ -4188,7 +4335,7 @@
       </p:pic>
       <p:sp>
         <p:nvSpPr>
-          <p:cNvPr id="61" name="CustomShape 1"/>
+          <p:cNvPr id="121" name="CustomShape 1"/>
           <p:cNvSpPr/>
           <p:nvPr/>
         </p:nvSpPr>
@@ -4227,7 +4374,7 @@
       </p:sp>
       <p:sp>
         <p:nvSpPr>
-          <p:cNvPr id="62" name="TextShape 2"/>
+          <p:cNvPr id="122" name="TextShape 2"/>
           <p:cNvSpPr txBox="1"/>
           <p:nvPr/>
         </p:nvSpPr>
@@ -4246,46 +4393,26 @@
         </p:spPr>
         <p:txBody>
           <a:bodyPr/>
-          <a:p>
-            <a:pPr algn="just">
-              <a:lnSpc>
-                <a:spcPct val="100000"/>
-              </a:lnSpc>
-              <a:spcBef>
-                <a:spcPts val="641"/>
-              </a:spcBef>
-            </a:pPr>
-            <a:r>
-              <a:rPr b="0" lang="pt-BR" sz="3200" spc="-1" strike="noStrike">
-                <a:solidFill>
-                  <a:srgbClr val="000000"/>
-                </a:solidFill>
-                <a:uFill>
-                  <a:solidFill>
-                    <a:srgbClr val="ffffff"/>
-                  </a:solidFill>
-                </a:uFill>
-                <a:latin typeface="Calibri"/>
-              </a:rPr>
-              <a:t>Aqui nós declaramos um dado computado denominado reversedMessage. A função que fornecemos será usada como uma função getter para a propriedade vm.reversedMessage:</a:t>
-            </a:r>
-            <a:endParaRPr b="0" lang="pt-BR" sz="3200" spc="-1" strike="noStrike">
+          <a:lstStyle/>
+          <a:p>
+            <a:pPr algn="ctr"/>
+            <a:endParaRPr lang="pt-BR" sz="3200" b="0" strike="noStrike" spc="-1">
               <a:solidFill>
-                <a:srgbClr val="800000"/>
+                <a:srgbClr val="000000"/>
               </a:solidFill>
               <a:uFill>
                 <a:solidFill>
-                  <a:srgbClr val="ffffff"/>
+                  <a:srgbClr val="FFFFFF"/>
                 </a:solidFill>
               </a:uFill>
-              <a:latin typeface="Calibri"/>
+              <a:latin typeface="Arial"/>
             </a:endParaRPr>
           </a:p>
         </p:txBody>
       </p:sp>
       <p:sp>
         <p:nvSpPr>
-          <p:cNvPr id="63" name="CustomShape 3"/>
+          <p:cNvPr id="123" name="CustomShape 3"/>
           <p:cNvSpPr/>
           <p:nvPr/>
         </p:nvSpPr>
@@ -4300,7 +4427,7 @@
             </a:avLst>
           </a:prstGeom>
           <a:solidFill>
-            <a:srgbClr val="06ba8f"/>
+            <a:srgbClr val="06BA8F"/>
           </a:solidFill>
           <a:ln>
             <a:round/>
@@ -4323,13 +4450,13 @@
       </p:sp>
       <p:pic>
         <p:nvPicPr>
-          <p:cNvPr id="64" name="Imagem 8" descr=""/>
+          <p:cNvPr id="124" name="Imagem 8"/>
           <p:cNvPicPr/>
           <p:nvPr/>
         </p:nvPicPr>
         <p:blipFill>
-          <a:blip r:embed="rId3"/>
-          <a:srcRect l="6879" t="0" r="6879" b="0"/>
+          <a:blip r:embed="rId4"/>
+          <a:srcRect l="6879" r="6879"/>
           <a:stretch/>
         </p:blipFill>
         <p:spPr>
@@ -4347,7 +4474,7 @@
       </p:pic>
       <p:sp>
         <p:nvSpPr>
-          <p:cNvPr id="65" name="CustomShape 4"/>
+          <p:cNvPr id="125" name="CustomShape 4"/>
           <p:cNvSpPr/>
           <p:nvPr/>
         </p:nvSpPr>
@@ -4365,15 +4492,22 @@
           </a:ln>
         </p:spPr>
         <p:style>
-          <a:lnRef idx="0"/>
-          <a:fillRef idx="0"/>
-          <a:effectRef idx="0"/>
+          <a:lnRef idx="0">
+            <a:scrgbClr r="0" g="0" b="0"/>
+          </a:lnRef>
+          <a:fillRef idx="0">
+            <a:scrgbClr r="0" g="0" b="0"/>
+          </a:fillRef>
+          <a:effectRef idx="0">
+            <a:scrgbClr r="0" g="0" b="0"/>
+          </a:effectRef>
           <a:fontRef idx="minor"/>
         </p:style>
         <p:txBody>
           <a:bodyPr anchor="ctr">
-            <a:normAutofit/>
+            <a:normAutofit lnSpcReduction="10000"/>
           </a:bodyPr>
+          <a:lstStyle/>
           <a:p>
             <a:pPr>
               <a:lnSpc>
@@ -4381,26 +4515,26 @@
               </a:lnSpc>
             </a:pPr>
             <a:r>
-              <a:rPr b="1" lang="pt-BR" sz="4400" spc="-1" strike="noStrike">
+              <a:rPr lang="pt-BR" sz="4400" b="1" strike="noStrike" spc="-1">
                 <a:solidFill>
                   <a:srgbClr val="000000"/>
                 </a:solidFill>
                 <a:uFill>
                   <a:solidFill>
-                    <a:srgbClr val="ffffff"/>
+                    <a:srgbClr val="FFFFFF"/>
                   </a:solidFill>
                 </a:uFill>
                 <a:latin typeface="Times New Roman"/>
               </a:rPr>
-              <a:t>Dados Computados</a:t>
+              <a:t>Resposta</a:t>
             </a:r>
-            <a:endParaRPr b="0" lang="pt-BR" sz="4400" spc="-1" strike="noStrike">
+            <a:endParaRPr lang="pt-BR" sz="4400" b="0" strike="noStrike" spc="-1">
               <a:solidFill>
                 <a:srgbClr val="000000"/>
               </a:solidFill>
               <a:uFill>
                 <a:solidFill>
-                  <a:srgbClr val="ffffff"/>
+                  <a:srgbClr val="FFFFFF"/>
                 </a:solidFill>
               </a:uFill>
               <a:latin typeface="Arial"/>
@@ -4410,12 +4544,12 @@
       </p:sp>
       <p:pic>
         <p:nvPicPr>
-          <p:cNvPr id="66" name="Imagem 16" descr=""/>
+          <p:cNvPr id="126" name="Imagem 16"/>
           <p:cNvPicPr/>
           <p:nvPr/>
         </p:nvPicPr>
         <p:blipFill>
-          <a:blip r:embed="rId4"/>
+          <a:blip r:embed="rId5"/>
           <a:srcRect l="3124" t="69614" r="3124" b="8995"/>
           <a:stretch/>
         </p:blipFill>
@@ -4432,47 +4566,136 @@
           </a:ln>
         </p:spPr>
       </p:pic>
-      <p:pic>
-        <p:nvPicPr>
-          <p:cNvPr id="67" name="" descr=""/>
-          <p:cNvPicPr/>
-          <p:nvPr/>
-        </p:nvPicPr>
-        <p:blipFill>
-          <a:blip r:embed="rId5"/>
-          <a:stretch/>
-        </p:blipFill>
-        <p:spPr>
-          <a:xfrm>
-            <a:off x="1296000" y="4320000"/>
-            <a:ext cx="6264000" cy="1368000"/>
-          </a:xfrm>
-          <a:prstGeom prst="rect">
-            <a:avLst/>
-          </a:prstGeom>
+      <p:sp>
+        <p:nvSpPr>
+          <p:cNvPr id="11" name="TextShape 2"/>
+          <p:cNvSpPr txBox="1"/>
+          <p:nvPr/>
+        </p:nvSpPr>
+        <p:spPr>
+          <a:xfrm>
+            <a:off x="285720" y="1714488"/>
+            <a:ext cx="7429552" cy="3000396"/>
+          </a:xfrm>
+          <a:prstGeom prst="rect">
+            <a:avLst/>
+          </a:prstGeom>
+          <a:noFill/>
           <a:ln>
             <a:noFill/>
           </a:ln>
         </p:spPr>
-      </p:pic>
+        <p:txBody>
+          <a:bodyPr/>
+          <a:lstStyle/>
+          <a:p>
+            <a:pPr algn="just">
+              <a:lnSpc>
+                <a:spcPct val="100000"/>
+              </a:lnSpc>
+              <a:spcBef>
+                <a:spcPts val="641"/>
+              </a:spcBef>
+            </a:pPr>
+            <a:r>
+              <a:rPr lang="pt-BR" sz="3200" spc="-1" dirty="0" smtClean="0">
+                <a:solidFill>
+                  <a:srgbClr val="000000"/>
+                </a:solidFill>
+                <a:uFill>
+                  <a:solidFill>
+                    <a:srgbClr val="FFFFFF"/>
+                  </a:solidFill>
+                </a:uFill>
+              </a:rPr>
+              <a:t>Os códigos da resposta segue no link abaixo:</a:t>
+            </a:r>
+          </a:p>
+          <a:p>
+            <a:pPr algn="just">
+              <a:lnSpc>
+                <a:spcPct val="100000"/>
+              </a:lnSpc>
+              <a:spcBef>
+                <a:spcPts val="641"/>
+              </a:spcBef>
+              <a:buFontTx/>
+              <a:buChar char="-"/>
+            </a:pPr>
+            <a:r>
+              <a:rPr lang="pt-BR" dirty="0" smtClean="0">
+                <a:hlinkClick r:id="rId6"/>
+              </a:rPr>
+              <a:t>https</a:t>
+            </a:r>
+            <a:r>
+              <a:rPr lang="pt-BR" dirty="0" smtClean="0">
+                <a:hlinkClick r:id="rId6"/>
+              </a:rPr>
+              <a:t>://</a:t>
+            </a:r>
+            <a:r>
+              <a:rPr lang="pt-BR" dirty="0" smtClean="0">
+                <a:hlinkClick r:id="rId6"/>
+              </a:rPr>
+              <a:t>github.com/isamartins/t018_DesenvolvimentoWeb/tree/master/trabalho_av2/codigos</a:t>
+            </a:r>
+            <a:endParaRPr lang="pt-BR" dirty="0" smtClean="0"/>
+          </a:p>
+          <a:p>
+            <a:pPr algn="just">
+              <a:lnSpc>
+                <a:spcPct val="100000"/>
+              </a:lnSpc>
+              <a:spcBef>
+                <a:spcPts val="641"/>
+              </a:spcBef>
+            </a:pPr>
+            <a:endParaRPr lang="pt-BR" sz="3200" dirty="0" smtClean="0"/>
+          </a:p>
+          <a:p>
+            <a:pPr algn="just">
+              <a:lnSpc>
+                <a:spcPct val="100000"/>
+              </a:lnSpc>
+              <a:spcBef>
+                <a:spcPts val="641"/>
+              </a:spcBef>
+            </a:pPr>
+            <a:endParaRPr lang="pt-BR" sz="3200" b="0" strike="noStrike" spc="-1" dirty="0">
+              <a:solidFill>
+                <a:srgbClr val="000000"/>
+              </a:solidFill>
+              <a:uFill>
+                <a:solidFill>
+                  <a:srgbClr val="FFFFFF"/>
+                </a:solidFill>
+              </a:uFill>
+            </a:endParaRPr>
+          </a:p>
+        </p:txBody>
+      </p:sp>
     </p:spTree>
   </p:cSld>
+  <p:clrMapOvr>
+    <a:masterClrMapping/>
+  </p:clrMapOvr>
   <p:timing>
     <p:tnLst>
       <p:par>
-        <p:cTn id="5" dur="indefinite" restart="never" nodeType="tmRoot">
+        <p:cTn id="1" dur="indefinite" restart="never" nodeType="tmRoot">
           <p:childTnLst>
             <p:seq>
-              <p:cTn id="6" nodeType="mainSeq"/>
+              <p:cTn id="2" nodeType="mainSeq"/>
               <p:prevCondLst>
-                <p:cond delay="0" evt="onPrev">
+                <p:cond evt="onPrev" delay="0">
                   <p:tgtEl>
                     <p:sldTgt/>
                   </p:tgtEl>
                 </p:cond>
               </p:prevCondLst>
               <p:nextCondLst>
-                <p:cond delay="0" evt="onNext">
+                <p:cond evt="onNext" delay="0">
                   <p:tgtEl>
                     <p:sldTgt/>
                   </p:tgtEl>
@@ -4487,8 +4710,8 @@
 </p:sld>
 </file>
 
-<file path=ppt/slides/slide4.xml><?xml version="1.0" encoding="utf-8"?>
-<p:sld xmlns:a="http://schemas.openxmlformats.org/drawingml/2006/main" xmlns:p="http://schemas.openxmlformats.org/presentationml/2006/main" xmlns:r="http://schemas.openxmlformats.org/officeDocument/2006/relationships" xmlns:p14="http://schemas.microsoft.com/office/powerpoint/2010/main" xmlns:p15="http://schemas.microsoft.com/office/powerpoint/2012/main" xmlns:mc="http://schemas.openxmlformats.org/markup-compatibility/2006">
+<file path=ppt/slides/slide15.xml><?xml version="1.0" encoding="utf-8"?>
+<p:sld xmlns:a="http://schemas.openxmlformats.org/drawingml/2006/main" xmlns:r="http://schemas.openxmlformats.org/officeDocument/2006/relationships" xmlns:p="http://schemas.openxmlformats.org/presentationml/2006/main">
   <p:cSld>
     <p:spTree>
       <p:nvGrpSpPr>
@@ -4506,30 +4729,7 @@
       </p:grpSpPr>
       <p:pic>
         <p:nvPicPr>
-          <p:cNvPr id="68" name="Picture 9" descr=""/>
-          <p:cNvPicPr/>
-          <p:nvPr/>
-        </p:nvPicPr>
-        <p:blipFill>
-          <a:blip r:embed="rId1"/>
-          <a:stretch/>
-        </p:blipFill>
-        <p:spPr>
-          <a:xfrm>
-            <a:off x="7215120" y="0"/>
-            <a:ext cx="1928520" cy="2525400"/>
-          </a:xfrm>
-          <a:prstGeom prst="rect">
-            <a:avLst/>
-          </a:prstGeom>
-          <a:ln w="9360">
-            <a:noFill/>
-          </a:ln>
-        </p:spPr>
-      </p:pic>
-      <p:pic>
-        <p:nvPicPr>
-          <p:cNvPr id="69" name="Picture 9" descr=""/>
+          <p:cNvPr id="127" name="Picture 9"/>
           <p:cNvPicPr/>
           <p:nvPr/>
         </p:nvPicPr>
@@ -4539,6 +4739,29 @@
         </p:blipFill>
         <p:spPr>
           <a:xfrm>
+            <a:off x="7215120" y="0"/>
+            <a:ext cx="1928520" cy="2525400"/>
+          </a:xfrm>
+          <a:prstGeom prst="rect">
+            <a:avLst/>
+          </a:prstGeom>
+          <a:ln w="9360">
+            <a:noFill/>
+          </a:ln>
+        </p:spPr>
+      </p:pic>
+      <p:pic>
+        <p:nvPicPr>
+          <p:cNvPr id="128" name="Picture 9"/>
+          <p:cNvPicPr/>
+          <p:nvPr/>
+        </p:nvPicPr>
+        <p:blipFill>
+          <a:blip r:embed="rId3"/>
+          <a:stretch/>
+        </p:blipFill>
+        <p:spPr>
+          <a:xfrm>
             <a:off x="0" y="4786200"/>
             <a:ext cx="1571400" cy="2057040"/>
           </a:xfrm>
@@ -4552,7 +4775,7 @@
       </p:pic>
       <p:sp>
         <p:nvSpPr>
-          <p:cNvPr id="70" name="CustomShape 1"/>
+          <p:cNvPr id="129" name="CustomShape 1"/>
           <p:cNvSpPr/>
           <p:nvPr/>
         </p:nvSpPr>
@@ -4591,14 +4814,14 @@
       </p:sp>
       <p:sp>
         <p:nvSpPr>
-          <p:cNvPr id="71" name="TextShape 2"/>
+          <p:cNvPr id="130" name="TextShape 2"/>
           <p:cNvSpPr txBox="1"/>
           <p:nvPr/>
         </p:nvSpPr>
         <p:spPr>
           <a:xfrm>
-            <a:off x="252000" y="1497960"/>
-            <a:ext cx="7560000" cy="3542040"/>
+            <a:off x="142920" y="1785960"/>
+            <a:ext cx="7572240" cy="2928600"/>
           </a:xfrm>
           <a:prstGeom prst="rect">
             <a:avLst/>
@@ -4609,47 +4832,146 @@
           </a:ln>
         </p:spPr>
         <p:txBody>
-          <a:bodyPr/>
-          <a:p>
-            <a:pPr algn="just">
+          <a:bodyPr>
+            <a:normAutofit/>
+          </a:bodyPr>
+          <a:lstStyle/>
+          <a:p>
+            <a:pPr>
               <a:lnSpc>
                 <a:spcPct val="100000"/>
               </a:lnSpc>
               <a:spcBef>
-                <a:spcPts val="641"/>
+                <a:spcPts val="479"/>
               </a:spcBef>
+              <a:buClr>
+                <a:srgbClr val="000000"/>
+              </a:buClr>
+              <a:buFont typeface="Arial"/>
+              <a:buChar char="-"/>
             </a:pPr>
             <a:r>
-              <a:rPr b="0" lang="pt-BR" sz="3200" spc="-1" strike="noStrike">
-                <a:solidFill>
-                  <a:srgbClr val="000000"/>
+              <a:rPr lang="pt-BR" sz="2400" b="0" u="sng" strike="noStrike" spc="-1" dirty="0" smtClean="0">
+                <a:solidFill>
+                  <a:srgbClr val="0000FF"/>
                 </a:solidFill>
                 <a:uFill>
                   <a:solidFill>
-                    <a:srgbClr val="ffffff"/>
+                    <a:srgbClr val="FFFFFF"/>
+                  </a:solidFill>
+                </a:uFill>
+                <a:latin typeface="Calibri"/>
+                <a:hlinkClick r:id="rId4"/>
+              </a:rPr>
+              <a:t> https</a:t>
+            </a:r>
+            <a:r>
+              <a:rPr lang="pt-BR" sz="2400" b="0" u="sng" strike="noStrike" spc="-1" dirty="0">
+                <a:solidFill>
+                  <a:srgbClr val="0000FF"/>
+                </a:solidFill>
+                <a:uFill>
+                  <a:solidFill>
+                    <a:srgbClr val="FFFFFF"/>
+                  </a:solidFill>
+                </a:uFill>
+                <a:latin typeface="Calibri"/>
+                <a:hlinkClick r:id="rId4"/>
+              </a:rPr>
+              <a:t>://br.vuejs.org/v2/guide/computed.html</a:t>
+            </a:r>
+            <a:endParaRPr lang="pt-BR" sz="2400" b="0" strike="noStrike" spc="-1" dirty="0">
+              <a:solidFill>
+                <a:srgbClr val="000000"/>
+              </a:solidFill>
+              <a:uFill>
+                <a:solidFill>
+                  <a:srgbClr val="FFFFFF"/>
+                </a:solidFill>
+              </a:uFill>
+              <a:latin typeface="Arial"/>
+            </a:endParaRPr>
+          </a:p>
+          <a:p>
+            <a:pPr>
+              <a:lnSpc>
+                <a:spcPct val="100000"/>
+              </a:lnSpc>
+              <a:spcBef>
+                <a:spcPts val="479"/>
+              </a:spcBef>
+              <a:buFontTx/>
+              <a:buChar char="-"/>
+            </a:pPr>
+            <a:r>
+              <a:rPr lang="pt-BR" sz="2400" b="0" strike="noStrike" spc="-1" dirty="0" smtClean="0">
+                <a:solidFill>
+                  <a:srgbClr val="000000"/>
+                </a:solidFill>
+                <a:uFill>
+                  <a:solidFill>
+                    <a:srgbClr val="FFFFFF"/>
+                  </a:solidFill>
+                </a:uFill>
+                <a:latin typeface="Calibri"/>
+                <a:hlinkClick r:id="rId5"/>
+              </a:rPr>
+              <a:t>https://www.youtube.com/watch?v=yl2LC3uNs3Y</a:t>
+            </a:r>
+            <a:endParaRPr lang="pt-BR" sz="2400" b="0" strike="noStrike" spc="-1" dirty="0" smtClean="0">
+              <a:solidFill>
+                <a:srgbClr val="000000"/>
+              </a:solidFill>
+              <a:uFill>
+                <a:solidFill>
+                  <a:srgbClr val="FFFFFF"/>
+                </a:solidFill>
+              </a:uFill>
+              <a:latin typeface="Calibri"/>
+            </a:endParaRPr>
+          </a:p>
+          <a:p>
+            <a:pPr>
+              <a:lnSpc>
+                <a:spcPct val="100000"/>
+              </a:lnSpc>
+              <a:spcBef>
+                <a:spcPts val="479"/>
+              </a:spcBef>
+              <a:buFontTx/>
+              <a:buChar char="-"/>
+            </a:pPr>
+            <a:r>
+              <a:rPr lang="pt-BR" sz="2400" spc="-1" dirty="0">
+                <a:solidFill>
+                  <a:srgbClr val="000000"/>
+                </a:solidFill>
+                <a:uFill>
+                  <a:solidFill>
+                    <a:srgbClr val="FFFFFF"/>
                   </a:solidFill>
                 </a:uFill>
                 <a:latin typeface="Calibri"/>
               </a:rPr>
-              <a:t>A diferença é que um computed somente será reavaliado quando alguma de suas dependências for alterada. Isso significa que enquanto message não sofrer alterações, múltiplos acessos ao reversedMessage retornarão o último valor calculado sem precisar executar a função novamente.</a:t>
+              <a:t> </a:t>
             </a:r>
-            <a:endParaRPr b="0" lang="pt-BR" sz="3200" spc="-1" strike="noStrike">
+            <a:endParaRPr lang="pt-BR" sz="2400" b="0" strike="noStrike" spc="-1" dirty="0">
               <a:solidFill>
-                <a:srgbClr val="800000"/>
+                <a:srgbClr val="000000"/>
               </a:solidFill>
               <a:uFill>
                 <a:solidFill>
-                  <a:srgbClr val="ffffff"/>
+                  <a:srgbClr val="FFFFFF"/>
                 </a:solidFill>
               </a:uFill>
-              <a:latin typeface="Calibri"/>
+              <a:latin typeface="Arial"/>
             </a:endParaRPr>
           </a:p>
         </p:txBody>
       </p:sp>
       <p:sp>
         <p:nvSpPr>
-          <p:cNvPr id="72" name="CustomShape 3"/>
+          <p:cNvPr id="131" name="CustomShape 3"/>
           <p:cNvSpPr/>
           <p:nvPr/>
         </p:nvSpPr>
@@ -4664,7 +4986,7 @@
             </a:avLst>
           </a:prstGeom>
           <a:solidFill>
-            <a:srgbClr val="06ba8f"/>
+            <a:srgbClr val="06BA8F"/>
           </a:solidFill>
           <a:ln>
             <a:round/>
@@ -4687,13 +5009,13 @@
       </p:sp>
       <p:pic>
         <p:nvPicPr>
-          <p:cNvPr id="73" name="Imagem 8" descr=""/>
+          <p:cNvPr id="132" name="Imagem 8"/>
           <p:cNvPicPr/>
           <p:nvPr/>
         </p:nvPicPr>
         <p:blipFill>
-          <a:blip r:embed="rId3"/>
-          <a:srcRect l="6879" t="0" r="6879" b="0"/>
+          <a:blip r:embed="rId6"/>
+          <a:srcRect l="6879" r="6879"/>
           <a:stretch/>
         </p:blipFill>
         <p:spPr>
@@ -4711,7 +5033,7 @@
       </p:pic>
       <p:sp>
         <p:nvSpPr>
-          <p:cNvPr id="74" name="CustomShape 4"/>
+          <p:cNvPr id="133" name="CustomShape 4"/>
           <p:cNvSpPr/>
           <p:nvPr/>
         </p:nvSpPr>
@@ -4729,15 +5051,22 @@
           </a:ln>
         </p:spPr>
         <p:style>
-          <a:lnRef idx="0"/>
-          <a:fillRef idx="0"/>
-          <a:effectRef idx="0"/>
+          <a:lnRef idx="0">
+            <a:scrgbClr r="0" g="0" b="0"/>
+          </a:lnRef>
+          <a:fillRef idx="0">
+            <a:scrgbClr r="0" g="0" b="0"/>
+          </a:fillRef>
+          <a:effectRef idx="0">
+            <a:scrgbClr r="0" g="0" b="0"/>
+          </a:effectRef>
           <a:fontRef idx="minor"/>
         </p:style>
         <p:txBody>
           <a:bodyPr anchor="ctr">
-            <a:normAutofit/>
+            <a:normAutofit lnSpcReduction="10000"/>
           </a:bodyPr>
+          <a:lstStyle/>
           <a:p>
             <a:pPr>
               <a:lnSpc>
@@ -4745,26 +5074,26 @@
               </a:lnSpc>
             </a:pPr>
             <a:r>
-              <a:rPr b="1" lang="pt-BR" sz="4400" spc="-1" strike="noStrike">
+              <a:rPr lang="pt-BR" sz="4400" b="1" strike="noStrike" spc="-1">
                 <a:solidFill>
                   <a:srgbClr val="000000"/>
                 </a:solidFill>
                 <a:uFill>
                   <a:solidFill>
-                    <a:srgbClr val="ffffff"/>
+                    <a:srgbClr val="FFFFFF"/>
                   </a:solidFill>
                 </a:uFill>
                 <a:latin typeface="Times New Roman"/>
               </a:rPr>
-              <a:t>Computed Vs Métodos</a:t>
+              <a:t>Referências</a:t>
             </a:r>
-            <a:endParaRPr b="0" lang="pt-BR" sz="4400" spc="-1" strike="noStrike">
+            <a:endParaRPr lang="pt-BR" sz="4400" b="0" strike="noStrike" spc="-1">
               <a:solidFill>
                 <a:srgbClr val="000000"/>
               </a:solidFill>
               <a:uFill>
                 <a:solidFill>
-                  <a:srgbClr val="ffffff"/>
+                  <a:srgbClr val="FFFFFF"/>
                 </a:solidFill>
               </a:uFill>
               <a:latin typeface="Arial"/>
@@ -4774,12 +5103,12 @@
       </p:sp>
       <p:pic>
         <p:nvPicPr>
-          <p:cNvPr id="75" name="Imagem 16" descr=""/>
+          <p:cNvPr id="134" name="Imagem 16"/>
           <p:cNvPicPr/>
           <p:nvPr/>
         </p:nvPicPr>
         <p:blipFill>
-          <a:blip r:embed="rId4"/>
+          <a:blip r:embed="rId7"/>
           <a:srcRect l="3124" t="69614" r="3124" b="8995"/>
           <a:stretch/>
         </p:blipFill>
@@ -4798,22 +5127,25 @@
       </p:pic>
     </p:spTree>
   </p:cSld>
+  <p:clrMapOvr>
+    <a:masterClrMapping/>
+  </p:clrMapOvr>
   <p:timing>
     <p:tnLst>
       <p:par>
-        <p:cTn id="7" dur="indefinite" restart="never" nodeType="tmRoot">
+        <p:cTn id="1" dur="indefinite" restart="never" nodeType="tmRoot">
           <p:childTnLst>
             <p:seq>
-              <p:cTn id="8" nodeType="mainSeq"/>
+              <p:cTn id="2" nodeType="mainSeq"/>
               <p:prevCondLst>
-                <p:cond delay="0" evt="onPrev">
+                <p:cond evt="onPrev" delay="0">
                   <p:tgtEl>
                     <p:sldTgt/>
                   </p:tgtEl>
                 </p:cond>
               </p:prevCondLst>
               <p:nextCondLst>
-                <p:cond delay="0" evt="onNext">
+                <p:cond evt="onNext" delay="0">
                   <p:tgtEl>
                     <p:sldTgt/>
                   </p:tgtEl>
@@ -4828,8 +5160,8 @@
 </p:sld>
 </file>
 
-<file path=ppt/slides/slide5.xml><?xml version="1.0" encoding="utf-8"?>
-<p:sld xmlns:a="http://schemas.openxmlformats.org/drawingml/2006/main" xmlns:p="http://schemas.openxmlformats.org/presentationml/2006/main" xmlns:r="http://schemas.openxmlformats.org/officeDocument/2006/relationships" xmlns:p14="http://schemas.microsoft.com/office/powerpoint/2010/main" xmlns:p15="http://schemas.microsoft.com/office/powerpoint/2012/main" xmlns:mc="http://schemas.openxmlformats.org/markup-compatibility/2006">
+<file path=ppt/slides/slide16.xml><?xml version="1.0" encoding="utf-8"?>
+<p:sld xmlns:a="http://schemas.openxmlformats.org/drawingml/2006/main" xmlns:r="http://schemas.openxmlformats.org/officeDocument/2006/relationships" xmlns:p="http://schemas.openxmlformats.org/presentationml/2006/main">
   <p:cSld>
     <p:spTree>
       <p:nvGrpSpPr>
@@ -4847,30 +5179,7 @@
       </p:grpSpPr>
       <p:pic>
         <p:nvPicPr>
-          <p:cNvPr id="76" name="Picture 9" descr=""/>
-          <p:cNvPicPr/>
-          <p:nvPr/>
-        </p:nvPicPr>
-        <p:blipFill>
-          <a:blip r:embed="rId1"/>
-          <a:stretch/>
-        </p:blipFill>
-        <p:spPr>
-          <a:xfrm>
-            <a:off x="7215120" y="0"/>
-            <a:ext cx="1928520" cy="2525400"/>
-          </a:xfrm>
-          <a:prstGeom prst="rect">
-            <a:avLst/>
-          </a:prstGeom>
-          <a:ln w="9360">
-            <a:noFill/>
-          </a:ln>
-        </p:spPr>
-      </p:pic>
-      <p:pic>
-        <p:nvPicPr>
-          <p:cNvPr id="77" name="Picture 9" descr=""/>
+          <p:cNvPr id="135" name="Picture 9"/>
           <p:cNvPicPr/>
           <p:nvPr/>
         </p:nvPicPr>
@@ -4880,6 +5189,29 @@
         </p:blipFill>
         <p:spPr>
           <a:xfrm>
+            <a:off x="7215120" y="0"/>
+            <a:ext cx="1928520" cy="2525400"/>
+          </a:xfrm>
+          <a:prstGeom prst="rect">
+            <a:avLst/>
+          </a:prstGeom>
+          <a:ln w="9360">
+            <a:noFill/>
+          </a:ln>
+        </p:spPr>
+      </p:pic>
+      <p:pic>
+        <p:nvPicPr>
+          <p:cNvPr id="136" name="Picture 9"/>
+          <p:cNvPicPr/>
+          <p:nvPr/>
+        </p:nvPicPr>
+        <p:blipFill>
+          <a:blip r:embed="rId3"/>
+          <a:stretch/>
+        </p:blipFill>
+        <p:spPr>
+          <a:xfrm>
             <a:off x="0" y="4786200"/>
             <a:ext cx="1571400" cy="2057040"/>
           </a:xfrm>
@@ -4893,7 +5225,7 @@
       </p:pic>
       <p:sp>
         <p:nvSpPr>
-          <p:cNvPr id="78" name="CustomShape 1"/>
+          <p:cNvPr id="137" name="CustomShape 1"/>
           <p:cNvSpPr/>
           <p:nvPr/>
         </p:nvSpPr>
@@ -4932,14 +5264,14 @@
       </p:sp>
       <p:sp>
         <p:nvSpPr>
-          <p:cNvPr id="79" name="TextShape 2"/>
+          <p:cNvPr id="138" name="TextShape 2"/>
           <p:cNvSpPr txBox="1"/>
           <p:nvPr/>
         </p:nvSpPr>
         <p:spPr>
           <a:xfrm>
-            <a:off x="252000" y="1497960"/>
-            <a:ext cx="7560000" cy="3542040"/>
+            <a:off x="142920" y="1785960"/>
+            <a:ext cx="7572240" cy="2928600"/>
           </a:xfrm>
           <a:prstGeom prst="rect">
             <a:avLst/>
@@ -4951,8 +5283,9 @@
         </p:spPr>
         <p:txBody>
           <a:bodyPr/>
-          <a:p>
-            <a:pPr algn="just">
+          <a:lstStyle/>
+          <a:p>
+            <a:pPr>
               <a:lnSpc>
                 <a:spcPct val="100000"/>
               </a:lnSpc>
@@ -4960,37 +5293,103 @@
                 <a:spcPts val="641"/>
               </a:spcBef>
             </a:pPr>
+            <a:endParaRPr lang="pt-BR" sz="3200" b="0" strike="noStrike" spc="-1">
+              <a:solidFill>
+                <a:srgbClr val="000000"/>
+              </a:solidFill>
+              <a:uFill>
+                <a:solidFill>
+                  <a:srgbClr val="FFFFFF"/>
+                </a:solidFill>
+              </a:uFill>
+              <a:latin typeface="Arial"/>
+            </a:endParaRPr>
+          </a:p>
+          <a:p>
+            <a:pPr>
+              <a:lnSpc>
+                <a:spcPct val="100000"/>
+              </a:lnSpc>
+              <a:spcBef>
+                <a:spcPts val="641"/>
+              </a:spcBef>
+              <a:buClr>
+                <a:srgbClr val="000000"/>
+              </a:buClr>
+              <a:buFont typeface="Arial"/>
+              <a:buChar char="-"/>
+            </a:pPr>
             <a:r>
-              <a:rPr b="0" lang="pt-BR" sz="3200" spc="-1" strike="noStrike">
+              <a:rPr lang="pt-BR" sz="3200" b="0" strike="noStrike" spc="-1">
                 <a:solidFill>
                   <a:srgbClr val="000000"/>
                 </a:solidFill>
                 <a:uFill>
                   <a:solidFill>
-                    <a:srgbClr val="ffffff"/>
+                    <a:srgbClr val="FFFFFF"/>
                   </a:solidFill>
                 </a:uFill>
                 <a:latin typeface="Calibri"/>
               </a:rPr>
-              <a:t>Isto inclusive significa que o seguinte dado computado nunca se alterará, pois Date.now() não é uma dependência reativa por natureza:</a:t>
+              <a:t> Fernando Rodrigues (1613240)</a:t>
             </a:r>
-            <a:endParaRPr b="0" lang="pt-BR" sz="3200" spc="-1" strike="noStrike">
+            <a:endParaRPr lang="pt-BR" sz="3200" b="0" strike="noStrike" spc="-1">
               <a:solidFill>
-                <a:srgbClr val="800000"/>
+                <a:srgbClr val="000000"/>
               </a:solidFill>
               <a:uFill>
                 <a:solidFill>
-                  <a:srgbClr val="ffffff"/>
+                  <a:srgbClr val="FFFFFF"/>
                 </a:solidFill>
               </a:uFill>
-              <a:latin typeface="Calibri"/>
+              <a:latin typeface="Arial"/>
             </a:endParaRPr>
           </a:p>
+          <a:p>
+            <a:pPr>
+              <a:lnSpc>
+                <a:spcPct val="100000"/>
+              </a:lnSpc>
+              <a:spcBef>
+                <a:spcPts val="641"/>
+              </a:spcBef>
+              <a:buClr>
+                <a:srgbClr val="000000"/>
+              </a:buClr>
+              <a:buFont typeface="Arial"/>
+              <a:buChar char="-"/>
+            </a:pPr>
+            <a:r>
+              <a:rPr lang="pt-BR" sz="3200" b="0" strike="noStrike" spc="-1">
+                <a:solidFill>
+                  <a:srgbClr val="000000"/>
+                </a:solidFill>
+                <a:uFill>
+                  <a:solidFill>
+                    <a:srgbClr val="FFFFFF"/>
+                  </a:solidFill>
+                </a:uFill>
+                <a:latin typeface="Calibri"/>
+              </a:rPr>
+              <a:t> Isaura Martins (1413544)</a:t>
+            </a:r>
+            <a:endParaRPr lang="pt-BR" sz="3200" b="0" strike="noStrike" spc="-1">
+              <a:solidFill>
+                <a:srgbClr val="000000"/>
+              </a:solidFill>
+              <a:uFill>
+                <a:solidFill>
+                  <a:srgbClr val="FFFFFF"/>
+                </a:solidFill>
+              </a:uFill>
+              <a:latin typeface="Arial"/>
+            </a:endParaRPr>
+          </a:p>
         </p:txBody>
       </p:sp>
       <p:sp>
         <p:nvSpPr>
-          <p:cNvPr id="80" name="CustomShape 3"/>
+          <p:cNvPr id="139" name="CustomShape 3"/>
           <p:cNvSpPr/>
           <p:nvPr/>
         </p:nvSpPr>
@@ -5005,7 +5404,7 @@
             </a:avLst>
           </a:prstGeom>
           <a:solidFill>
-            <a:srgbClr val="06ba8f"/>
+            <a:srgbClr val="06BA8F"/>
           </a:solidFill>
           <a:ln>
             <a:round/>
@@ -5028,13 +5427,13 @@
       </p:sp>
       <p:pic>
         <p:nvPicPr>
-          <p:cNvPr id="81" name="Imagem 8" descr=""/>
+          <p:cNvPr id="140" name="Imagem 8"/>
           <p:cNvPicPr/>
           <p:nvPr/>
         </p:nvPicPr>
         <p:blipFill>
-          <a:blip r:embed="rId3"/>
-          <a:srcRect l="6879" t="0" r="6879" b="0"/>
+          <a:blip r:embed="rId4"/>
+          <a:srcRect l="6879" r="6879"/>
           <a:stretch/>
         </p:blipFill>
         <p:spPr>
@@ -5052,7 +5451,7 @@
       </p:pic>
       <p:sp>
         <p:nvSpPr>
-          <p:cNvPr id="82" name="CustomShape 4"/>
+          <p:cNvPr id="141" name="CustomShape 4"/>
           <p:cNvSpPr/>
           <p:nvPr/>
         </p:nvSpPr>
@@ -5070,15 +5469,22 @@
           </a:ln>
         </p:spPr>
         <p:style>
-          <a:lnRef idx="0"/>
-          <a:fillRef idx="0"/>
-          <a:effectRef idx="0"/>
+          <a:lnRef idx="0">
+            <a:scrgbClr r="0" g="0" b="0"/>
+          </a:lnRef>
+          <a:fillRef idx="0">
+            <a:scrgbClr r="0" g="0" b="0"/>
+          </a:fillRef>
+          <a:effectRef idx="0">
+            <a:scrgbClr r="0" g="0" b="0"/>
+          </a:effectRef>
           <a:fontRef idx="minor"/>
         </p:style>
         <p:txBody>
           <a:bodyPr anchor="ctr">
-            <a:normAutofit/>
+            <a:normAutofit lnSpcReduction="10000"/>
           </a:bodyPr>
+          <a:lstStyle/>
           <a:p>
             <a:pPr>
               <a:lnSpc>
@@ -5086,26 +5492,26 @@
               </a:lnSpc>
             </a:pPr>
             <a:r>
-              <a:rPr b="1" lang="pt-BR" sz="4400" spc="-1" strike="noStrike">
+              <a:rPr lang="pt-BR" sz="4400" b="1" strike="noStrike" spc="-1">
                 <a:solidFill>
                   <a:srgbClr val="000000"/>
                 </a:solidFill>
                 <a:uFill>
                   <a:solidFill>
-                    <a:srgbClr val="ffffff"/>
+                    <a:srgbClr val="FFFFFF"/>
                   </a:solidFill>
                 </a:uFill>
                 <a:latin typeface="Times New Roman"/>
               </a:rPr>
-              <a:t>Computed Vs Métodos</a:t>
+              <a:t>Equipe</a:t>
             </a:r>
-            <a:endParaRPr b="0" lang="pt-BR" sz="4400" spc="-1" strike="noStrike">
+            <a:endParaRPr lang="pt-BR" sz="4400" b="0" strike="noStrike" spc="-1">
               <a:solidFill>
                 <a:srgbClr val="000000"/>
               </a:solidFill>
               <a:uFill>
                 <a:solidFill>
-                  <a:srgbClr val="ffffff"/>
+                  <a:srgbClr val="FFFFFF"/>
                 </a:solidFill>
               </a:uFill>
               <a:latin typeface="Arial"/>
@@ -5115,12 +5521,12 @@
       </p:sp>
       <p:pic>
         <p:nvPicPr>
-          <p:cNvPr id="83" name="Imagem 16" descr=""/>
+          <p:cNvPr id="142" name="Imagem 16"/>
           <p:cNvPicPr/>
           <p:nvPr/>
         </p:nvPicPr>
         <p:blipFill>
-          <a:blip r:embed="rId4"/>
+          <a:blip r:embed="rId5"/>
           <a:srcRect l="3124" t="69614" r="3124" b="8995"/>
           <a:stretch/>
         </p:blipFill>
@@ -5137,105 +5543,27 @@
           </a:ln>
         </p:spPr>
       </p:pic>
-      <p:pic>
-        <p:nvPicPr>
-          <p:cNvPr id="84" name="" descr=""/>
-          <p:cNvPicPr/>
-          <p:nvPr/>
-        </p:nvPicPr>
-        <p:blipFill>
-          <a:blip r:embed="rId5"/>
-          <a:stretch/>
-        </p:blipFill>
-        <p:spPr>
-          <a:xfrm>
-            <a:off x="432000" y="3420000"/>
-            <a:ext cx="7272000" cy="1194120"/>
-          </a:xfrm>
-          <a:prstGeom prst="rect">
-            <a:avLst/>
-          </a:prstGeom>
-          <a:ln>
-            <a:noFill/>
-          </a:ln>
-        </p:spPr>
-      </p:pic>
-      <p:sp>
-        <p:nvSpPr>
-          <p:cNvPr id="85" name="TextShape 5"/>
-          <p:cNvSpPr txBox="1"/>
-          <p:nvPr/>
-        </p:nvSpPr>
-        <p:spPr>
-          <a:xfrm>
-            <a:off x="1224000" y="4470120"/>
-            <a:ext cx="7632000" cy="1613880"/>
-          </a:xfrm>
-          <a:prstGeom prst="rect">
-            <a:avLst/>
-          </a:prstGeom>
-          <a:noFill/>
-          <a:ln>
-            <a:noFill/>
-          </a:ln>
-        </p:spPr>
-        <p:txBody>
-          <a:bodyPr/>
-          <a:p>
-            <a:pPr algn="just">
-              <a:lnSpc>
-                <a:spcPct val="100000"/>
-              </a:lnSpc>
-              <a:spcBef>
-                <a:spcPts val="641"/>
-              </a:spcBef>
-            </a:pPr>
-            <a:r>
-              <a:rPr b="0" lang="pt-BR" sz="3200" spc="-1" strike="noStrike">
-                <a:solidFill>
-                  <a:srgbClr val="000000"/>
-                </a:solidFill>
-                <a:uFill>
-                  <a:solidFill>
-                    <a:srgbClr val="ffffff"/>
-                  </a:solidFill>
-                </a:uFill>
-                <a:latin typeface="Calibri"/>
-              </a:rPr>
-              <a:t>Em comparação, a invocação de um método sempre irá rodar a função, toda vez que uma nova renderização ocorrer.</a:t>
-            </a:r>
-            <a:endParaRPr b="0" lang="pt-BR" sz="3200" spc="-1" strike="noStrike">
-              <a:solidFill>
-                <a:srgbClr val="800000"/>
-              </a:solidFill>
-              <a:uFill>
-                <a:solidFill>
-                  <a:srgbClr val="ffffff"/>
-                </a:solidFill>
-              </a:uFill>
-              <a:latin typeface="Calibri"/>
-            </a:endParaRPr>
-          </a:p>
-        </p:txBody>
-      </p:sp>
     </p:spTree>
   </p:cSld>
+  <p:clrMapOvr>
+    <a:masterClrMapping/>
+  </p:clrMapOvr>
   <p:timing>
     <p:tnLst>
       <p:par>
-        <p:cTn id="9" dur="indefinite" restart="never" nodeType="tmRoot">
+        <p:cTn id="1" dur="indefinite" restart="never" nodeType="tmRoot">
           <p:childTnLst>
             <p:seq>
-              <p:cTn id="10" nodeType="mainSeq"/>
+              <p:cTn id="2" nodeType="mainSeq"/>
               <p:prevCondLst>
-                <p:cond delay="0" evt="onPrev">
+                <p:cond evt="onPrev" delay="0">
                   <p:tgtEl>
                     <p:sldTgt/>
                   </p:tgtEl>
                 </p:cond>
               </p:prevCondLst>
               <p:nextCondLst>
-                <p:cond delay="0" evt="onNext">
+                <p:cond evt="onNext" delay="0">
                   <p:tgtEl>
                     <p:sldTgt/>
                   </p:tgtEl>
@@ -5250,8 +5578,8 @@
 </p:sld>
 </file>
 
-<file path=ppt/slides/slide6.xml><?xml version="1.0" encoding="utf-8"?>
-<p:sld xmlns:a="http://schemas.openxmlformats.org/drawingml/2006/main" xmlns:p="http://schemas.openxmlformats.org/presentationml/2006/main" xmlns:r="http://schemas.openxmlformats.org/officeDocument/2006/relationships" xmlns:p14="http://schemas.microsoft.com/office/powerpoint/2010/main" xmlns:p15="http://schemas.microsoft.com/office/powerpoint/2012/main" xmlns:mc="http://schemas.openxmlformats.org/markup-compatibility/2006">
+<file path=ppt/slides/slide2.xml><?xml version="1.0" encoding="utf-8"?>
+<p:sld xmlns:a="http://schemas.openxmlformats.org/drawingml/2006/main" xmlns:r="http://schemas.openxmlformats.org/officeDocument/2006/relationships" xmlns:p="http://schemas.openxmlformats.org/presentationml/2006/main">
   <p:cSld>
     <p:spTree>
       <p:nvGrpSpPr>
@@ -5269,30 +5597,7 @@
       </p:grpSpPr>
       <p:pic>
         <p:nvPicPr>
-          <p:cNvPr id="86" name="Picture 9" descr=""/>
-          <p:cNvPicPr/>
-          <p:nvPr/>
-        </p:nvPicPr>
-        <p:blipFill>
-          <a:blip r:embed="rId1"/>
-          <a:stretch/>
-        </p:blipFill>
-        <p:spPr>
-          <a:xfrm>
-            <a:off x="7215120" y="0"/>
-            <a:ext cx="1928520" cy="2525400"/>
-          </a:xfrm>
-          <a:prstGeom prst="rect">
-            <a:avLst/>
-          </a:prstGeom>
-          <a:ln w="9360">
-            <a:noFill/>
-          </a:ln>
-        </p:spPr>
-      </p:pic>
-      <p:pic>
-        <p:nvPicPr>
-          <p:cNvPr id="87" name="Picture 9" descr=""/>
+          <p:cNvPr id="50" name="Picture 9"/>
           <p:cNvPicPr/>
           <p:nvPr/>
         </p:nvPicPr>
@@ -5302,6 +5607,29 @@
         </p:blipFill>
         <p:spPr>
           <a:xfrm>
+            <a:off x="7215120" y="0"/>
+            <a:ext cx="1928520" cy="2525400"/>
+          </a:xfrm>
+          <a:prstGeom prst="rect">
+            <a:avLst/>
+          </a:prstGeom>
+          <a:ln w="9360">
+            <a:noFill/>
+          </a:ln>
+        </p:spPr>
+      </p:pic>
+      <p:pic>
+        <p:nvPicPr>
+          <p:cNvPr id="51" name="Picture 9"/>
+          <p:cNvPicPr/>
+          <p:nvPr/>
+        </p:nvPicPr>
+        <p:blipFill>
+          <a:blip r:embed="rId3"/>
+          <a:stretch/>
+        </p:blipFill>
+        <p:spPr>
+          <a:xfrm>
             <a:off x="0" y="4786200"/>
             <a:ext cx="1571400" cy="2057040"/>
           </a:xfrm>
@@ -5315,7 +5643,7 @@
       </p:pic>
       <p:sp>
         <p:nvSpPr>
-          <p:cNvPr id="88" name="CustomShape 1"/>
+          <p:cNvPr id="52" name="CustomShape 1"/>
           <p:cNvSpPr/>
           <p:nvPr/>
         </p:nvSpPr>
@@ -5354,14 +5682,14 @@
       </p:sp>
       <p:sp>
         <p:nvSpPr>
-          <p:cNvPr id="89" name="TextShape 2"/>
+          <p:cNvPr id="53" name="TextShape 2"/>
           <p:cNvSpPr txBox="1"/>
           <p:nvPr/>
         </p:nvSpPr>
         <p:spPr>
           <a:xfrm>
-            <a:off x="252000" y="1497960"/>
-            <a:ext cx="7560000" cy="3542040"/>
+            <a:off x="142920" y="1785960"/>
+            <a:ext cx="7572240" cy="2928600"/>
           </a:xfrm>
           <a:prstGeom prst="rect">
             <a:avLst/>
@@ -5373,6 +5701,7 @@
         </p:spPr>
         <p:txBody>
           <a:bodyPr/>
+          <a:lstStyle/>
           <a:p>
             <a:pPr algn="just">
               <a:lnSpc>
@@ -5383,36 +5712,25 @@
               </a:spcBef>
             </a:pPr>
             <a:r>
-              <a:rPr b="0" lang="pt-BR" sz="3200" spc="-1" strike="noStrike">
+              <a:rPr lang="pt-BR" sz="3200" b="0" strike="noStrike" spc="-1">
                 <a:solidFill>
                   <a:srgbClr val="000000"/>
                 </a:solidFill>
                 <a:uFill>
                   <a:solidFill>
-                    <a:srgbClr val="ffffff"/>
+                    <a:srgbClr val="FFFFFF"/>
                   </a:solidFill>
                 </a:uFill>
                 <a:latin typeface="Calibri"/>
               </a:rPr>
-              <a:t>São por padrão getter-only (somente retornam valor), mas é possível fornecer um setter se precisar dele:</a:t>
+              <a:t>Para qualquer lógica mais complexa, usamos dados computados:</a:t>
             </a:r>
-            <a:endParaRPr b="0" lang="pt-BR" sz="3200" spc="-1" strike="noStrike">
-              <a:solidFill>
-                <a:srgbClr val="800000"/>
-              </a:solidFill>
-              <a:uFill>
-                <a:solidFill>
-                  <a:srgbClr val="ffffff"/>
-                </a:solidFill>
-              </a:uFill>
-              <a:latin typeface="Calibri"/>
-            </a:endParaRPr>
           </a:p>
         </p:txBody>
       </p:sp>
       <p:sp>
         <p:nvSpPr>
-          <p:cNvPr id="90" name="CustomShape 3"/>
+          <p:cNvPr id="54" name="CustomShape 3"/>
           <p:cNvSpPr/>
           <p:nvPr/>
         </p:nvSpPr>
@@ -5427,7 +5745,7 @@
             </a:avLst>
           </a:prstGeom>
           <a:solidFill>
-            <a:srgbClr val="06ba8f"/>
+            <a:srgbClr val="06BA8F"/>
           </a:solidFill>
           <a:ln>
             <a:round/>
@@ -5450,13 +5768,13 @@
       </p:sp>
       <p:pic>
         <p:nvPicPr>
-          <p:cNvPr id="91" name="Imagem 8" descr=""/>
+          <p:cNvPr id="55" name="Imagem 8"/>
           <p:cNvPicPr/>
           <p:nvPr/>
         </p:nvPicPr>
         <p:blipFill>
-          <a:blip r:embed="rId3"/>
-          <a:srcRect l="6879" t="0" r="6879" b="0"/>
+          <a:blip r:embed="rId4"/>
+          <a:srcRect l="6879" r="6879"/>
           <a:stretch/>
         </p:blipFill>
         <p:spPr>
@@ -5474,7 +5792,7 @@
       </p:pic>
       <p:sp>
         <p:nvSpPr>
-          <p:cNvPr id="92" name="CustomShape 4"/>
+          <p:cNvPr id="56" name="CustomShape 4"/>
           <p:cNvSpPr/>
           <p:nvPr/>
         </p:nvSpPr>
@@ -5492,15 +5810,22 @@
           </a:ln>
         </p:spPr>
         <p:style>
-          <a:lnRef idx="0"/>
-          <a:fillRef idx="0"/>
-          <a:effectRef idx="0"/>
+          <a:lnRef idx="0">
+            <a:scrgbClr r="0" g="0" b="0"/>
+          </a:lnRef>
+          <a:fillRef idx="0">
+            <a:scrgbClr r="0" g="0" b="0"/>
+          </a:fillRef>
+          <a:effectRef idx="0">
+            <a:scrgbClr r="0" g="0" b="0"/>
+          </a:effectRef>
           <a:fontRef idx="minor"/>
         </p:style>
         <p:txBody>
           <a:bodyPr anchor="ctr">
-            <a:normAutofit/>
+            <a:normAutofit lnSpcReduction="10000"/>
           </a:bodyPr>
+          <a:lstStyle/>
           <a:p>
             <a:pPr>
               <a:lnSpc>
@@ -5508,26 +5833,26 @@
               </a:lnSpc>
             </a:pPr>
             <a:r>
-              <a:rPr b="1" lang="pt-BR" sz="4400" spc="-1" strike="noStrike">
+              <a:rPr lang="pt-BR" sz="4400" b="1" strike="noStrike" spc="-1">
                 <a:solidFill>
                   <a:srgbClr val="000000"/>
                 </a:solidFill>
                 <a:uFill>
                   <a:solidFill>
-                    <a:srgbClr val="ffffff"/>
+                    <a:srgbClr val="FFFFFF"/>
                   </a:solidFill>
                 </a:uFill>
                 <a:latin typeface="Times New Roman"/>
               </a:rPr>
-              <a:t>Atribuição em Computed</a:t>
+              <a:t>Dados Computados</a:t>
             </a:r>
-            <a:endParaRPr b="0" lang="pt-BR" sz="4400" spc="-1" strike="noStrike">
+            <a:endParaRPr lang="pt-BR" sz="4400" b="0" strike="noStrike" spc="-1">
               <a:solidFill>
                 <a:srgbClr val="000000"/>
               </a:solidFill>
               <a:uFill>
                 <a:solidFill>
-                  <a:srgbClr val="ffffff"/>
+                  <a:srgbClr val="FFFFFF"/>
                 </a:solidFill>
               </a:uFill>
               <a:latin typeface="Arial"/>
@@ -5537,12 +5862,12 @@
       </p:sp>
       <p:pic>
         <p:nvPicPr>
-          <p:cNvPr id="93" name="Imagem 16" descr=""/>
+          <p:cNvPr id="57" name="Imagem 16"/>
           <p:cNvPicPr/>
           <p:nvPr/>
         </p:nvPicPr>
         <p:blipFill>
-          <a:blip r:embed="rId4"/>
+          <a:blip r:embed="rId5"/>
           <a:srcRect l="3124" t="69614" r="3124" b="8995"/>
           <a:stretch/>
         </p:blipFill>
@@ -5561,18 +5886,18 @@
       </p:pic>
       <p:pic>
         <p:nvPicPr>
-          <p:cNvPr id="94" name="" descr=""/>
+          <p:cNvPr id="58" name="Imagem 57"/>
           <p:cNvPicPr/>
           <p:nvPr/>
         </p:nvPicPr>
         <p:blipFill>
-          <a:blip r:embed="rId5"/>
+          <a:blip r:embed="rId6"/>
           <a:stretch/>
         </p:blipFill>
         <p:spPr>
           <a:xfrm>
-            <a:off x="1245960" y="2958120"/>
-            <a:ext cx="6458040" cy="3161880"/>
+            <a:off x="1224000" y="2808000"/>
+            <a:ext cx="6491160" cy="3026520"/>
           </a:xfrm>
           <a:prstGeom prst="rect">
             <a:avLst/>
@@ -5584,22 +5909,25 @@
       </p:pic>
     </p:spTree>
   </p:cSld>
+  <p:clrMapOvr>
+    <a:masterClrMapping/>
+  </p:clrMapOvr>
   <p:timing>
     <p:tnLst>
       <p:par>
-        <p:cTn id="11" dur="indefinite" restart="never" nodeType="tmRoot">
+        <p:cTn id="1" dur="indefinite" restart="never" nodeType="tmRoot">
           <p:childTnLst>
             <p:seq>
-              <p:cTn id="12" nodeType="mainSeq"/>
+              <p:cTn id="2" nodeType="mainSeq"/>
               <p:prevCondLst>
-                <p:cond delay="0" evt="onPrev">
+                <p:cond evt="onPrev" delay="0">
                   <p:tgtEl>
                     <p:sldTgt/>
                   </p:tgtEl>
                 </p:cond>
               </p:prevCondLst>
               <p:nextCondLst>
-                <p:cond delay="0" evt="onNext">
+                <p:cond evt="onNext" delay="0">
                   <p:tgtEl>
                     <p:sldTgt/>
                   </p:tgtEl>
@@ -5614,8 +5942,8 @@
 </p:sld>
 </file>
 
-<file path=ppt/slides/slide7.xml><?xml version="1.0" encoding="utf-8"?>
-<p:sld xmlns:a="http://schemas.openxmlformats.org/drawingml/2006/main" xmlns:p="http://schemas.openxmlformats.org/presentationml/2006/main" xmlns:r="http://schemas.openxmlformats.org/officeDocument/2006/relationships" xmlns:p14="http://schemas.microsoft.com/office/powerpoint/2010/main" xmlns:p15="http://schemas.microsoft.com/office/powerpoint/2012/main" xmlns:mc="http://schemas.openxmlformats.org/markup-compatibility/2006">
+<file path=ppt/slides/slide3.xml><?xml version="1.0" encoding="utf-8"?>
+<p:sld xmlns:a="http://schemas.openxmlformats.org/drawingml/2006/main" xmlns:r="http://schemas.openxmlformats.org/officeDocument/2006/relationships" xmlns:p="http://schemas.openxmlformats.org/presentationml/2006/main">
   <p:cSld>
     <p:spTree>
       <p:nvGrpSpPr>
@@ -5633,30 +5961,7 @@
       </p:grpSpPr>
       <p:pic>
         <p:nvPicPr>
-          <p:cNvPr id="95" name="Picture 9" descr=""/>
-          <p:cNvPicPr/>
-          <p:nvPr/>
-        </p:nvPicPr>
-        <p:blipFill>
-          <a:blip r:embed="rId1"/>
-          <a:stretch/>
-        </p:blipFill>
-        <p:spPr>
-          <a:xfrm>
-            <a:off x="7215120" y="0"/>
-            <a:ext cx="1928520" cy="2525400"/>
-          </a:xfrm>
-          <a:prstGeom prst="rect">
-            <a:avLst/>
-          </a:prstGeom>
-          <a:ln w="9360">
-            <a:noFill/>
-          </a:ln>
-        </p:spPr>
-      </p:pic>
-      <p:pic>
-        <p:nvPicPr>
-          <p:cNvPr id="96" name="Picture 9" descr=""/>
+          <p:cNvPr id="59" name="Picture 9"/>
           <p:cNvPicPr/>
           <p:nvPr/>
         </p:nvPicPr>
@@ -5666,6 +5971,29 @@
         </p:blipFill>
         <p:spPr>
           <a:xfrm>
+            <a:off x="7215120" y="0"/>
+            <a:ext cx="1928520" cy="2525400"/>
+          </a:xfrm>
+          <a:prstGeom prst="rect">
+            <a:avLst/>
+          </a:prstGeom>
+          <a:ln w="9360">
+            <a:noFill/>
+          </a:ln>
+        </p:spPr>
+      </p:pic>
+      <p:pic>
+        <p:nvPicPr>
+          <p:cNvPr id="60" name="Picture 9"/>
+          <p:cNvPicPr/>
+          <p:nvPr/>
+        </p:nvPicPr>
+        <p:blipFill>
+          <a:blip r:embed="rId3"/>
+          <a:stretch/>
+        </p:blipFill>
+        <p:spPr>
+          <a:xfrm>
             <a:off x="0" y="4786200"/>
             <a:ext cx="1571400" cy="2057040"/>
           </a:xfrm>
@@ -5679,7 +6007,7 @@
       </p:pic>
       <p:sp>
         <p:nvSpPr>
-          <p:cNvPr id="97" name="CustomShape 1"/>
+          <p:cNvPr id="61" name="CustomShape 1"/>
           <p:cNvSpPr/>
           <p:nvPr/>
         </p:nvSpPr>
@@ -5718,7 +6046,7 @@
       </p:sp>
       <p:sp>
         <p:nvSpPr>
-          <p:cNvPr id="98" name="TextShape 2"/>
+          <p:cNvPr id="62" name="TextShape 2"/>
           <p:cNvSpPr txBox="1"/>
           <p:nvPr/>
         </p:nvSpPr>
@@ -5737,25 +6065,47 @@
         </p:spPr>
         <p:txBody>
           <a:bodyPr/>
-          <a:p>
-            <a:pPr algn="ctr"/>
-            <a:endParaRPr b="0" lang="pt-BR" sz="3200" spc="-1" strike="noStrike">
+          <a:lstStyle/>
+          <a:p>
+            <a:pPr algn="just">
+              <a:lnSpc>
+                <a:spcPct val="100000"/>
+              </a:lnSpc>
+              <a:spcBef>
+                <a:spcPts val="641"/>
+              </a:spcBef>
+            </a:pPr>
+            <a:r>
+              <a:rPr lang="pt-BR" sz="3200" b="0" strike="noStrike" spc="-1">
+                <a:solidFill>
+                  <a:srgbClr val="000000"/>
+                </a:solidFill>
+                <a:uFill>
+                  <a:solidFill>
+                    <a:srgbClr val="FFFFFF"/>
+                  </a:solidFill>
+                </a:uFill>
+                <a:latin typeface="Calibri"/>
+              </a:rPr>
+              <a:t>Aqui nós declaramos um dado computado denominado reversedMessage. A função que fornecemos será usada como uma função getter para a propriedade vm.reversedMessage:</a:t>
+            </a:r>
+            <a:endParaRPr lang="pt-BR" sz="3200" b="0" strike="noStrike" spc="-1">
               <a:solidFill>
-                <a:srgbClr val="000000"/>
+                <a:srgbClr val="800000"/>
               </a:solidFill>
               <a:uFill>
                 <a:solidFill>
-                  <a:srgbClr val="ffffff"/>
+                  <a:srgbClr val="FFFFFF"/>
                 </a:solidFill>
               </a:uFill>
-              <a:latin typeface="Arial"/>
+              <a:latin typeface="Calibri"/>
             </a:endParaRPr>
           </a:p>
         </p:txBody>
       </p:sp>
       <p:sp>
         <p:nvSpPr>
-          <p:cNvPr id="99" name="CustomShape 3"/>
+          <p:cNvPr id="63" name="CustomShape 3"/>
           <p:cNvSpPr/>
           <p:nvPr/>
         </p:nvSpPr>
@@ -5770,7 +6120,7 @@
             </a:avLst>
           </a:prstGeom>
           <a:solidFill>
-            <a:srgbClr val="06ba8f"/>
+            <a:srgbClr val="06BA8F"/>
           </a:solidFill>
           <a:ln>
             <a:round/>
@@ -5793,13 +6143,13 @@
       </p:sp>
       <p:pic>
         <p:nvPicPr>
-          <p:cNvPr id="100" name="Imagem 8" descr=""/>
+          <p:cNvPr id="64" name="Imagem 8"/>
           <p:cNvPicPr/>
           <p:nvPr/>
         </p:nvPicPr>
         <p:blipFill>
-          <a:blip r:embed="rId3"/>
-          <a:srcRect l="6879" t="0" r="6879" b="0"/>
+          <a:blip r:embed="rId4"/>
+          <a:srcRect l="6879" r="6879"/>
           <a:stretch/>
         </p:blipFill>
         <p:spPr>
@@ -5817,7 +6167,7 @@
       </p:pic>
       <p:sp>
         <p:nvSpPr>
-          <p:cNvPr id="101" name="CustomShape 4"/>
+          <p:cNvPr id="65" name="CustomShape 4"/>
           <p:cNvSpPr/>
           <p:nvPr/>
         </p:nvSpPr>
@@ -5835,15 +6185,22 @@
           </a:ln>
         </p:spPr>
         <p:style>
-          <a:lnRef idx="0"/>
-          <a:fillRef idx="0"/>
-          <a:effectRef idx="0"/>
+          <a:lnRef idx="0">
+            <a:scrgbClr r="0" g="0" b="0"/>
+          </a:lnRef>
+          <a:fillRef idx="0">
+            <a:scrgbClr r="0" g="0" b="0"/>
+          </a:fillRef>
+          <a:effectRef idx="0">
+            <a:scrgbClr r="0" g="0" b="0"/>
+          </a:effectRef>
           <a:fontRef idx="minor"/>
         </p:style>
         <p:txBody>
           <a:bodyPr anchor="ctr">
-            <a:normAutofit/>
+            <a:normAutofit lnSpcReduction="10000"/>
           </a:bodyPr>
+          <a:lstStyle/>
           <a:p>
             <a:pPr>
               <a:lnSpc>
@@ -5851,26 +6208,26 @@
               </a:lnSpc>
             </a:pPr>
             <a:r>
-              <a:rPr b="1" lang="pt-BR" sz="4400" spc="-1" strike="noStrike">
+              <a:rPr lang="pt-BR" sz="4400" b="1" strike="noStrike" spc="-1">
                 <a:solidFill>
                   <a:srgbClr val="000000"/>
                 </a:solidFill>
                 <a:uFill>
                   <a:solidFill>
-                    <a:srgbClr val="ffffff"/>
+                    <a:srgbClr val="FFFFFF"/>
                   </a:solidFill>
                 </a:uFill>
                 <a:latin typeface="Times New Roman"/>
               </a:rPr>
-              <a:t>Observadores</a:t>
+              <a:t>Dados Computados</a:t>
             </a:r>
-            <a:endParaRPr b="0" lang="pt-BR" sz="4400" spc="-1" strike="noStrike">
+            <a:endParaRPr lang="pt-BR" sz="4400" b="0" strike="noStrike" spc="-1">
               <a:solidFill>
                 <a:srgbClr val="000000"/>
               </a:solidFill>
               <a:uFill>
                 <a:solidFill>
-                  <a:srgbClr val="ffffff"/>
+                  <a:srgbClr val="FFFFFF"/>
                 </a:solidFill>
               </a:uFill>
               <a:latin typeface="Arial"/>
@@ -5880,12 +6237,12 @@
       </p:sp>
       <p:pic>
         <p:nvPicPr>
-          <p:cNvPr id="102" name="Imagem 16" descr=""/>
+          <p:cNvPr id="66" name="Imagem 16"/>
           <p:cNvPicPr/>
           <p:nvPr/>
         </p:nvPicPr>
         <p:blipFill>
-          <a:blip r:embed="rId4"/>
+          <a:blip r:embed="rId5"/>
           <a:srcRect l="3124" t="69614" r="3124" b="8995"/>
           <a:stretch/>
         </p:blipFill>
@@ -5902,24 +6259,50 @@
           </a:ln>
         </p:spPr>
       </p:pic>
+      <p:pic>
+        <p:nvPicPr>
+          <p:cNvPr id="67" name="Imagem 66"/>
+          <p:cNvPicPr/>
+          <p:nvPr/>
+        </p:nvPicPr>
+        <p:blipFill>
+          <a:blip r:embed="rId6"/>
+          <a:stretch/>
+        </p:blipFill>
+        <p:spPr>
+          <a:xfrm>
+            <a:off x="1296000" y="4320000"/>
+            <a:ext cx="6264000" cy="1368000"/>
+          </a:xfrm>
+          <a:prstGeom prst="rect">
+            <a:avLst/>
+          </a:prstGeom>
+          <a:ln>
+            <a:noFill/>
+          </a:ln>
+        </p:spPr>
+      </p:pic>
     </p:spTree>
   </p:cSld>
+  <p:clrMapOvr>
+    <a:masterClrMapping/>
+  </p:clrMapOvr>
   <p:timing>
     <p:tnLst>
       <p:par>
-        <p:cTn id="13" dur="indefinite" restart="never" nodeType="tmRoot">
+        <p:cTn id="1" dur="indefinite" restart="never" nodeType="tmRoot">
           <p:childTnLst>
             <p:seq>
-              <p:cTn id="14" nodeType="mainSeq"/>
+              <p:cTn id="2" nodeType="mainSeq"/>
               <p:prevCondLst>
-                <p:cond delay="0" evt="onPrev">
+                <p:cond evt="onPrev" delay="0">
                   <p:tgtEl>
                     <p:sldTgt/>
                   </p:tgtEl>
                 </p:cond>
               </p:prevCondLst>
               <p:nextCondLst>
-                <p:cond delay="0" evt="onNext">
+                <p:cond evt="onNext" delay="0">
                   <p:tgtEl>
                     <p:sldTgt/>
                   </p:tgtEl>
@@ -5934,8 +6317,8 @@
 </p:sld>
 </file>
 
-<file path=ppt/slides/slide8.xml><?xml version="1.0" encoding="utf-8"?>
-<p:sld xmlns:a="http://schemas.openxmlformats.org/drawingml/2006/main" xmlns:p="http://schemas.openxmlformats.org/presentationml/2006/main" xmlns:r="http://schemas.openxmlformats.org/officeDocument/2006/relationships" xmlns:p14="http://schemas.microsoft.com/office/powerpoint/2010/main" xmlns:p15="http://schemas.microsoft.com/office/powerpoint/2012/main" xmlns:mc="http://schemas.openxmlformats.org/markup-compatibility/2006">
+<file path=ppt/slides/slide4.xml><?xml version="1.0" encoding="utf-8"?>
+<p:sld xmlns:a="http://schemas.openxmlformats.org/drawingml/2006/main" xmlns:r="http://schemas.openxmlformats.org/officeDocument/2006/relationships" xmlns:p="http://schemas.openxmlformats.org/presentationml/2006/main">
   <p:cSld>
     <p:spTree>
       <p:nvGrpSpPr>
@@ -5953,30 +6336,7 @@
       </p:grpSpPr>
       <p:pic>
         <p:nvPicPr>
-          <p:cNvPr id="103" name="Picture 9" descr=""/>
-          <p:cNvPicPr/>
-          <p:nvPr/>
-        </p:nvPicPr>
-        <p:blipFill>
-          <a:blip r:embed="rId1"/>
-          <a:stretch/>
-        </p:blipFill>
-        <p:spPr>
-          <a:xfrm>
-            <a:off x="7215120" y="0"/>
-            <a:ext cx="1928520" cy="2525400"/>
-          </a:xfrm>
-          <a:prstGeom prst="rect">
-            <a:avLst/>
-          </a:prstGeom>
-          <a:ln w="9360">
-            <a:noFill/>
-          </a:ln>
-        </p:spPr>
-      </p:pic>
-      <p:pic>
-        <p:nvPicPr>
-          <p:cNvPr id="104" name="Picture 9" descr=""/>
+          <p:cNvPr id="68" name="Picture 9"/>
           <p:cNvPicPr/>
           <p:nvPr/>
         </p:nvPicPr>
@@ -5986,6 +6346,29 @@
         </p:blipFill>
         <p:spPr>
           <a:xfrm>
+            <a:off x="7215120" y="0"/>
+            <a:ext cx="1928520" cy="2525400"/>
+          </a:xfrm>
+          <a:prstGeom prst="rect">
+            <a:avLst/>
+          </a:prstGeom>
+          <a:ln w="9360">
+            <a:noFill/>
+          </a:ln>
+        </p:spPr>
+      </p:pic>
+      <p:pic>
+        <p:nvPicPr>
+          <p:cNvPr id="69" name="Picture 9"/>
+          <p:cNvPicPr/>
+          <p:nvPr/>
+        </p:nvPicPr>
+        <p:blipFill>
+          <a:blip r:embed="rId3"/>
+          <a:stretch/>
+        </p:blipFill>
+        <p:spPr>
+          <a:xfrm>
             <a:off x="0" y="4786200"/>
             <a:ext cx="1571400" cy="2057040"/>
           </a:xfrm>
@@ -5999,7 +6382,7 @@
       </p:pic>
       <p:sp>
         <p:nvSpPr>
-          <p:cNvPr id="105" name="CustomShape 1"/>
+          <p:cNvPr id="70" name="CustomShape 1"/>
           <p:cNvSpPr/>
           <p:nvPr/>
         </p:nvSpPr>
@@ -6038,14 +6421,14 @@
       </p:sp>
       <p:sp>
         <p:nvSpPr>
-          <p:cNvPr id="106" name="TextShape 2"/>
+          <p:cNvPr id="71" name="TextShape 2"/>
           <p:cNvSpPr txBox="1"/>
           <p:nvPr/>
         </p:nvSpPr>
         <p:spPr>
           <a:xfrm>
-            <a:off x="142920" y="1785960"/>
-            <a:ext cx="7572240" cy="2928600"/>
+            <a:off x="252000" y="1497960"/>
+            <a:ext cx="7560000" cy="3542040"/>
           </a:xfrm>
           <a:prstGeom prst="rect">
             <a:avLst/>
@@ -6057,8 +6440,9 @@
         </p:spPr>
         <p:txBody>
           <a:bodyPr/>
-          <a:p>
-            <a:pPr>
+          <a:lstStyle/>
+          <a:p>
+            <a:pPr algn="just">
               <a:lnSpc>
                 <a:spcPct val="100000"/>
               </a:lnSpc>
@@ -6067,50 +6451,36 @@
               </a:spcBef>
             </a:pPr>
             <a:r>
-              <a:rPr b="0" lang="pt-BR" sz="3200" spc="-1" strike="noStrike">
+              <a:rPr lang="pt-BR" sz="3200" b="0" strike="noStrike" spc="-1">
                 <a:solidFill>
                   <a:srgbClr val="000000"/>
                 </a:solidFill>
                 <a:uFill>
                   <a:solidFill>
-                    <a:srgbClr val="ffffff"/>
+                    <a:srgbClr val="FFFFFF"/>
                   </a:solidFill>
                 </a:uFill>
                 <a:latin typeface="Calibri"/>
               </a:rPr>
-              <a:t>	</a:t>
+              <a:t>A diferença é que um computed somente será reavaliado quando alguma de suas dependências for alterada. Isso significa que enquanto message não sofrer alterações, múltiplos acessos ao reversedMessage retornarão o último valor calculado sem precisar executar a função novamente.</a:t>
             </a:r>
-            <a:r>
-              <a:rPr b="0" lang="pt-BR" sz="3200" spc="-1" strike="noStrike">
-                <a:solidFill>
-                  <a:srgbClr val="000000"/>
-                </a:solidFill>
-                <a:uFill>
-                  <a:solidFill>
-                    <a:srgbClr val="ffffff"/>
-                  </a:solidFill>
-                </a:uFill>
-                <a:latin typeface="Calibri"/>
-              </a:rPr>
-              <a:t>O computer properties e o watchers são diferentes mesmo trazendo o mesmo resultado. </a:t>
-            </a:r>
-            <a:endParaRPr b="0" lang="pt-BR" sz="3200" spc="-1" strike="noStrike">
+            <a:endParaRPr lang="pt-BR" sz="3200" b="0" strike="noStrike" spc="-1">
               <a:solidFill>
-                <a:srgbClr val="000000"/>
+                <a:srgbClr val="800000"/>
               </a:solidFill>
               <a:uFill>
                 <a:solidFill>
-                  <a:srgbClr val="ffffff"/>
+                  <a:srgbClr val="FFFFFF"/>
                 </a:solidFill>
               </a:uFill>
-              <a:latin typeface="Arial"/>
+              <a:latin typeface="Calibri"/>
             </a:endParaRPr>
           </a:p>
         </p:txBody>
       </p:sp>
       <p:sp>
         <p:nvSpPr>
-          <p:cNvPr id="107" name="CustomShape 3"/>
+          <p:cNvPr id="72" name="CustomShape 3"/>
           <p:cNvSpPr/>
           <p:nvPr/>
         </p:nvSpPr>
@@ -6125,7 +6495,7 @@
             </a:avLst>
           </a:prstGeom>
           <a:solidFill>
-            <a:srgbClr val="06ba8f"/>
+            <a:srgbClr val="06BA8F"/>
           </a:solidFill>
           <a:ln>
             <a:round/>
@@ -6148,13 +6518,13 @@
       </p:sp>
       <p:pic>
         <p:nvPicPr>
-          <p:cNvPr id="108" name="Imagem 8" descr=""/>
+          <p:cNvPr id="73" name="Imagem 8"/>
           <p:cNvPicPr/>
           <p:nvPr/>
         </p:nvPicPr>
         <p:blipFill>
-          <a:blip r:embed="rId3"/>
-          <a:srcRect l="6879" t="0" r="6879" b="0"/>
+          <a:blip r:embed="rId4"/>
+          <a:srcRect l="6879" r="6879"/>
           <a:stretch/>
         </p:blipFill>
         <p:spPr>
@@ -6172,7 +6542,7 @@
       </p:pic>
       <p:sp>
         <p:nvSpPr>
-          <p:cNvPr id="109" name="CustomShape 4"/>
+          <p:cNvPr id="74" name="CustomShape 4"/>
           <p:cNvSpPr/>
           <p:nvPr/>
         </p:nvSpPr>
@@ -6190,15 +6560,22 @@
           </a:ln>
         </p:spPr>
         <p:style>
-          <a:lnRef idx="0"/>
-          <a:fillRef idx="0"/>
-          <a:effectRef idx="0"/>
+          <a:lnRef idx="0">
+            <a:scrgbClr r="0" g="0" b="0"/>
+          </a:lnRef>
+          <a:fillRef idx="0">
+            <a:scrgbClr r="0" g="0" b="0"/>
+          </a:fillRef>
+          <a:effectRef idx="0">
+            <a:scrgbClr r="0" g="0" b="0"/>
+          </a:effectRef>
           <a:fontRef idx="minor"/>
         </p:style>
         <p:txBody>
           <a:bodyPr anchor="ctr">
-            <a:normAutofit/>
+            <a:normAutofit lnSpcReduction="10000"/>
           </a:bodyPr>
+          <a:lstStyle/>
           <a:p>
             <a:pPr>
               <a:lnSpc>
@@ -6206,26 +6583,26 @@
               </a:lnSpc>
             </a:pPr>
             <a:r>
-              <a:rPr b="1" lang="pt-BR" sz="4400" spc="-1" strike="noStrike">
+              <a:rPr lang="pt-BR" sz="4400" b="1" strike="noStrike" spc="-1">
                 <a:solidFill>
                   <a:srgbClr val="000000"/>
                 </a:solidFill>
                 <a:uFill>
                   <a:solidFill>
-                    <a:srgbClr val="ffffff"/>
+                    <a:srgbClr val="FFFFFF"/>
                   </a:solidFill>
                 </a:uFill>
                 <a:latin typeface="Times New Roman"/>
               </a:rPr>
-              <a:t>Comparando...</a:t>
+              <a:t>Computed Vs Métodos</a:t>
             </a:r>
-            <a:endParaRPr b="0" lang="pt-BR" sz="4400" spc="-1" strike="noStrike">
+            <a:endParaRPr lang="pt-BR" sz="4400" b="0" strike="noStrike" spc="-1">
               <a:solidFill>
                 <a:srgbClr val="000000"/>
               </a:solidFill>
               <a:uFill>
                 <a:solidFill>
-                  <a:srgbClr val="ffffff"/>
+                  <a:srgbClr val="FFFFFF"/>
                 </a:solidFill>
               </a:uFill>
               <a:latin typeface="Arial"/>
@@ -6235,12 +6612,12 @@
       </p:sp>
       <p:pic>
         <p:nvPicPr>
-          <p:cNvPr id="110" name="Imagem 16" descr=""/>
+          <p:cNvPr id="75" name="Imagem 16"/>
           <p:cNvPicPr/>
           <p:nvPr/>
         </p:nvPicPr>
         <p:blipFill>
-          <a:blip r:embed="rId4"/>
+          <a:blip r:embed="rId5"/>
           <a:srcRect l="3124" t="69614" r="3124" b="8995"/>
           <a:stretch/>
         </p:blipFill>
@@ -6259,22 +6636,25 @@
       </p:pic>
     </p:spTree>
   </p:cSld>
+  <p:clrMapOvr>
+    <a:masterClrMapping/>
+  </p:clrMapOvr>
   <p:timing>
     <p:tnLst>
       <p:par>
-        <p:cTn id="15" dur="indefinite" restart="never" nodeType="tmRoot">
+        <p:cTn id="1" dur="indefinite" restart="never" nodeType="tmRoot">
           <p:childTnLst>
             <p:seq>
-              <p:cTn id="16" nodeType="mainSeq"/>
+              <p:cTn id="2" nodeType="mainSeq"/>
               <p:prevCondLst>
-                <p:cond delay="0" evt="onPrev">
+                <p:cond evt="onPrev" delay="0">
                   <p:tgtEl>
                     <p:sldTgt/>
                   </p:tgtEl>
                 </p:cond>
               </p:prevCondLst>
               <p:nextCondLst>
-                <p:cond delay="0" evt="onNext">
+                <p:cond evt="onNext" delay="0">
                   <p:tgtEl>
                     <p:sldTgt/>
                   </p:tgtEl>
@@ -6289,8 +6669,8 @@
 </p:sld>
 </file>
 
-<file path=ppt/slides/slide9.xml><?xml version="1.0" encoding="utf-8"?>
-<p:sld xmlns:a="http://schemas.openxmlformats.org/drawingml/2006/main" xmlns:p="http://schemas.openxmlformats.org/presentationml/2006/main" xmlns:r="http://schemas.openxmlformats.org/officeDocument/2006/relationships" xmlns:p14="http://schemas.microsoft.com/office/powerpoint/2010/main" xmlns:p15="http://schemas.microsoft.com/office/powerpoint/2012/main" xmlns:mc="http://schemas.openxmlformats.org/markup-compatibility/2006">
+<file path=ppt/slides/slide5.xml><?xml version="1.0" encoding="utf-8"?>
+<p:sld xmlns:a="http://schemas.openxmlformats.org/drawingml/2006/main" xmlns:r="http://schemas.openxmlformats.org/officeDocument/2006/relationships" xmlns:p="http://schemas.openxmlformats.org/presentationml/2006/main">
   <p:cSld>
     <p:spTree>
       <p:nvGrpSpPr>
@@ -6308,30 +6688,7 @@
       </p:grpSpPr>
       <p:pic>
         <p:nvPicPr>
-          <p:cNvPr id="111" name="Picture 9" descr=""/>
-          <p:cNvPicPr/>
-          <p:nvPr/>
-        </p:nvPicPr>
-        <p:blipFill>
-          <a:blip r:embed="rId1"/>
-          <a:stretch/>
-        </p:blipFill>
-        <p:spPr>
-          <a:xfrm>
-            <a:off x="7215120" y="0"/>
-            <a:ext cx="1928520" cy="2525400"/>
-          </a:xfrm>
-          <a:prstGeom prst="rect">
-            <a:avLst/>
-          </a:prstGeom>
-          <a:ln w="9360">
-            <a:noFill/>
-          </a:ln>
-        </p:spPr>
-      </p:pic>
-      <p:pic>
-        <p:nvPicPr>
-          <p:cNvPr id="112" name="Picture 9" descr=""/>
+          <p:cNvPr id="76" name="Picture 9"/>
           <p:cNvPicPr/>
           <p:nvPr/>
         </p:nvPicPr>
@@ -6341,6 +6698,29 @@
         </p:blipFill>
         <p:spPr>
           <a:xfrm>
+            <a:off x="7215120" y="0"/>
+            <a:ext cx="1928520" cy="2525400"/>
+          </a:xfrm>
+          <a:prstGeom prst="rect">
+            <a:avLst/>
+          </a:prstGeom>
+          <a:ln w="9360">
+            <a:noFill/>
+          </a:ln>
+        </p:spPr>
+      </p:pic>
+      <p:pic>
+        <p:nvPicPr>
+          <p:cNvPr id="77" name="Picture 9"/>
+          <p:cNvPicPr/>
+          <p:nvPr/>
+        </p:nvPicPr>
+        <p:blipFill>
+          <a:blip r:embed="rId3"/>
+          <a:stretch/>
+        </p:blipFill>
+        <p:spPr>
+          <a:xfrm>
             <a:off x="0" y="4786200"/>
             <a:ext cx="1571400" cy="2057040"/>
           </a:xfrm>
@@ -6354,7 +6734,7 @@
       </p:pic>
       <p:sp>
         <p:nvSpPr>
-          <p:cNvPr id="113" name="CustomShape 1"/>
+          <p:cNvPr id="78" name="CustomShape 1"/>
           <p:cNvSpPr/>
           <p:nvPr/>
         </p:nvSpPr>
@@ -6393,14 +6773,14 @@
       </p:sp>
       <p:sp>
         <p:nvSpPr>
-          <p:cNvPr id="114" name="TextShape 2"/>
+          <p:cNvPr id="79" name="TextShape 2"/>
           <p:cNvSpPr txBox="1"/>
           <p:nvPr/>
         </p:nvSpPr>
         <p:spPr>
           <a:xfrm>
-            <a:off x="142920" y="1785960"/>
-            <a:ext cx="7572240" cy="2928600"/>
+            <a:off x="252000" y="1497960"/>
+            <a:ext cx="7560000" cy="3542040"/>
           </a:xfrm>
           <a:prstGeom prst="rect">
             <a:avLst/>
@@ -6412,25 +6792,47 @@
         </p:spPr>
         <p:txBody>
           <a:bodyPr/>
-          <a:p>
-            <a:pPr algn="ctr"/>
-            <a:endParaRPr b="0" lang="pt-BR" sz="3200" spc="-1" strike="noStrike">
+          <a:lstStyle/>
+          <a:p>
+            <a:pPr algn="just">
+              <a:lnSpc>
+                <a:spcPct val="100000"/>
+              </a:lnSpc>
+              <a:spcBef>
+                <a:spcPts val="641"/>
+              </a:spcBef>
+            </a:pPr>
+            <a:r>
+              <a:rPr lang="pt-BR" sz="3200" b="0" strike="noStrike" spc="-1">
+                <a:solidFill>
+                  <a:srgbClr val="000000"/>
+                </a:solidFill>
+                <a:uFill>
+                  <a:solidFill>
+                    <a:srgbClr val="FFFFFF"/>
+                  </a:solidFill>
+                </a:uFill>
+                <a:latin typeface="Calibri"/>
+              </a:rPr>
+              <a:t>Isto inclusive significa que o seguinte dado computado nunca se alterará, pois Date.now() não é uma dependência reativa por natureza:</a:t>
+            </a:r>
+            <a:endParaRPr lang="pt-BR" sz="3200" b="0" strike="noStrike" spc="-1">
               <a:solidFill>
-                <a:srgbClr val="000000"/>
+                <a:srgbClr val="800000"/>
               </a:solidFill>
               <a:uFill>
                 <a:solidFill>
-                  <a:srgbClr val="ffffff"/>
+                  <a:srgbClr val="FFFFFF"/>
                 </a:solidFill>
               </a:uFill>
-              <a:latin typeface="Arial"/>
+              <a:latin typeface="Calibri"/>
             </a:endParaRPr>
           </a:p>
         </p:txBody>
       </p:sp>
       <p:sp>
         <p:nvSpPr>
-          <p:cNvPr id="115" name="CustomShape 3"/>
+          <p:cNvPr id="80" name="CustomShape 3"/>
           <p:cNvSpPr/>
           <p:nvPr/>
         </p:nvSpPr>
@@ -6445,7 +6847,7 @@
             </a:avLst>
           </a:prstGeom>
           <a:solidFill>
-            <a:srgbClr val="06ba8f"/>
+            <a:srgbClr val="06BA8F"/>
           </a:solidFill>
           <a:ln>
             <a:round/>
@@ -6468,13 +6870,13 @@
       </p:sp>
       <p:pic>
         <p:nvPicPr>
-          <p:cNvPr id="116" name="Imagem 8" descr=""/>
+          <p:cNvPr id="81" name="Imagem 8"/>
           <p:cNvPicPr/>
           <p:nvPr/>
         </p:nvPicPr>
         <p:blipFill>
-          <a:blip r:embed="rId3"/>
-          <a:srcRect l="6879" t="0" r="6879" b="0"/>
+          <a:blip r:embed="rId4"/>
+          <a:srcRect l="6879" r="6879"/>
           <a:stretch/>
         </p:blipFill>
         <p:spPr>
@@ -6492,7 +6894,7 @@
       </p:pic>
       <p:sp>
         <p:nvSpPr>
-          <p:cNvPr id="117" name="CustomShape 4"/>
+          <p:cNvPr id="82" name="CustomShape 4"/>
           <p:cNvSpPr/>
           <p:nvPr/>
         </p:nvSpPr>
@@ -6510,15 +6912,22 @@
           </a:ln>
         </p:spPr>
         <p:style>
-          <a:lnRef idx="0"/>
-          <a:fillRef idx="0"/>
-          <a:effectRef idx="0"/>
+          <a:lnRef idx="0">
+            <a:scrgbClr r="0" g="0" b="0"/>
+          </a:lnRef>
+          <a:fillRef idx="0">
+            <a:scrgbClr r="0" g="0" b="0"/>
+          </a:fillRef>
+          <a:effectRef idx="0">
+            <a:scrgbClr r="0" g="0" b="0"/>
+          </a:effectRef>
           <a:fontRef idx="minor"/>
         </p:style>
         <p:txBody>
           <a:bodyPr anchor="ctr">
-            <a:normAutofit/>
+            <a:normAutofit lnSpcReduction="10000"/>
           </a:bodyPr>
+          <a:lstStyle/>
           <a:p>
             <a:pPr>
               <a:lnSpc>
@@ -6526,26 +6935,26 @@
               </a:lnSpc>
             </a:pPr>
             <a:r>
-              <a:rPr b="1" lang="pt-BR" sz="4400" spc="-1" strike="noStrike">
+              <a:rPr lang="pt-BR" sz="4400" b="1" strike="noStrike" spc="-1">
                 <a:solidFill>
                   <a:srgbClr val="000000"/>
                 </a:solidFill>
                 <a:uFill>
                   <a:solidFill>
-                    <a:srgbClr val="ffffff"/>
+                    <a:srgbClr val="FFFFFF"/>
                   </a:solidFill>
                 </a:uFill>
                 <a:latin typeface="Times New Roman"/>
               </a:rPr>
-              <a:t>Desafio</a:t>
+              <a:t>Computed Vs Métodos</a:t>
             </a:r>
-            <a:endParaRPr b="0" lang="pt-BR" sz="4400" spc="-1" strike="noStrike">
+            <a:endParaRPr lang="pt-BR" sz="4400" b="0" strike="noStrike" spc="-1">
               <a:solidFill>
                 <a:srgbClr val="000000"/>
               </a:solidFill>
               <a:uFill>
                 <a:solidFill>
-                  <a:srgbClr val="ffffff"/>
+                  <a:srgbClr val="FFFFFF"/>
                 </a:solidFill>
               </a:uFill>
               <a:latin typeface="Arial"/>
@@ -6555,12 +6964,12 @@
       </p:sp>
       <p:pic>
         <p:nvPicPr>
-          <p:cNvPr id="118" name="Imagem 16" descr=""/>
+          <p:cNvPr id="83" name="Imagem 16"/>
           <p:cNvPicPr/>
           <p:nvPr/>
         </p:nvPicPr>
         <p:blipFill>
-          <a:blip r:embed="rId4"/>
+          <a:blip r:embed="rId5"/>
           <a:srcRect l="3124" t="69614" r="3124" b="8995"/>
           <a:stretch/>
         </p:blipFill>
@@ -6577,24 +6986,1725 @@
           </a:ln>
         </p:spPr>
       </p:pic>
+      <p:pic>
+        <p:nvPicPr>
+          <p:cNvPr id="84" name="Imagem 83"/>
+          <p:cNvPicPr/>
+          <p:nvPr/>
+        </p:nvPicPr>
+        <p:blipFill>
+          <a:blip r:embed="rId6"/>
+          <a:stretch/>
+        </p:blipFill>
+        <p:spPr>
+          <a:xfrm>
+            <a:off x="432000" y="3420000"/>
+            <a:ext cx="7272000" cy="1194120"/>
+          </a:xfrm>
+          <a:prstGeom prst="rect">
+            <a:avLst/>
+          </a:prstGeom>
+          <a:ln>
+            <a:noFill/>
+          </a:ln>
+        </p:spPr>
+      </p:pic>
+      <p:sp>
+        <p:nvSpPr>
+          <p:cNvPr id="85" name="TextShape 5"/>
+          <p:cNvSpPr txBox="1"/>
+          <p:nvPr/>
+        </p:nvSpPr>
+        <p:spPr>
+          <a:xfrm>
+            <a:off x="1224000" y="4470120"/>
+            <a:ext cx="7632000" cy="1613880"/>
+          </a:xfrm>
+          <a:prstGeom prst="rect">
+            <a:avLst/>
+          </a:prstGeom>
+          <a:noFill/>
+          <a:ln>
+            <a:noFill/>
+          </a:ln>
+        </p:spPr>
+        <p:txBody>
+          <a:bodyPr/>
+          <a:lstStyle/>
+          <a:p>
+            <a:pPr algn="just">
+              <a:lnSpc>
+                <a:spcPct val="100000"/>
+              </a:lnSpc>
+              <a:spcBef>
+                <a:spcPts val="641"/>
+              </a:spcBef>
+            </a:pPr>
+            <a:r>
+              <a:rPr lang="pt-BR" sz="3200" b="0" strike="noStrike" spc="-1">
+                <a:solidFill>
+                  <a:srgbClr val="000000"/>
+                </a:solidFill>
+                <a:uFill>
+                  <a:solidFill>
+                    <a:srgbClr val="FFFFFF"/>
+                  </a:solidFill>
+                </a:uFill>
+                <a:latin typeface="Calibri"/>
+              </a:rPr>
+              <a:t>Em comparação, a invocação de um método sempre irá rodar a função, toda vez que uma nova renderização ocorrer.</a:t>
+            </a:r>
+            <a:endParaRPr lang="pt-BR" sz="3200" b="0" strike="noStrike" spc="-1">
+              <a:solidFill>
+                <a:srgbClr val="800000"/>
+              </a:solidFill>
+              <a:uFill>
+                <a:solidFill>
+                  <a:srgbClr val="FFFFFF"/>
+                </a:solidFill>
+              </a:uFill>
+              <a:latin typeface="Calibri"/>
+            </a:endParaRPr>
+          </a:p>
+        </p:txBody>
+      </p:sp>
     </p:spTree>
   </p:cSld>
+  <p:clrMapOvr>
+    <a:masterClrMapping/>
+  </p:clrMapOvr>
   <p:timing>
     <p:tnLst>
       <p:par>
-        <p:cTn id="17" dur="indefinite" restart="never" nodeType="tmRoot">
+        <p:cTn id="1" dur="indefinite" restart="never" nodeType="tmRoot">
           <p:childTnLst>
             <p:seq>
-              <p:cTn id="18" nodeType="mainSeq"/>
+              <p:cTn id="2" nodeType="mainSeq"/>
               <p:prevCondLst>
-                <p:cond delay="0" evt="onPrev">
+                <p:cond evt="onPrev" delay="0">
                   <p:tgtEl>
                     <p:sldTgt/>
                   </p:tgtEl>
                 </p:cond>
               </p:prevCondLst>
               <p:nextCondLst>
-                <p:cond delay="0" evt="onNext">
+                <p:cond evt="onNext" delay="0">
+                  <p:tgtEl>
+                    <p:sldTgt/>
+                  </p:tgtEl>
+                </p:cond>
+              </p:nextCondLst>
+            </p:seq>
+          </p:childTnLst>
+        </p:cTn>
+      </p:par>
+    </p:tnLst>
+  </p:timing>
+</p:sld>
+</file>
+
+<file path=ppt/slides/slide6.xml><?xml version="1.0" encoding="utf-8"?>
+<p:sld xmlns:a="http://schemas.openxmlformats.org/drawingml/2006/main" xmlns:r="http://schemas.openxmlformats.org/officeDocument/2006/relationships" xmlns:p="http://schemas.openxmlformats.org/presentationml/2006/main">
+  <p:cSld>
+    <p:spTree>
+      <p:nvGrpSpPr>
+        <p:cNvPr id="1" name=""/>
+        <p:cNvGrpSpPr/>
+        <p:nvPr/>
+      </p:nvGrpSpPr>
+      <p:grpSpPr>
+        <a:xfrm>
+          <a:off x="0" y="0"/>
+          <a:ext cx="0" cy="0"/>
+          <a:chOff x="0" y="0"/>
+          <a:chExt cx="0" cy="0"/>
+        </a:xfrm>
+      </p:grpSpPr>
+      <p:pic>
+        <p:nvPicPr>
+          <p:cNvPr id="86" name="Picture 9"/>
+          <p:cNvPicPr/>
+          <p:nvPr/>
+        </p:nvPicPr>
+        <p:blipFill>
+          <a:blip r:embed="rId2"/>
+          <a:stretch/>
+        </p:blipFill>
+        <p:spPr>
+          <a:xfrm>
+            <a:off x="7215120" y="0"/>
+            <a:ext cx="1928520" cy="2525400"/>
+          </a:xfrm>
+          <a:prstGeom prst="rect">
+            <a:avLst/>
+          </a:prstGeom>
+          <a:ln w="9360">
+            <a:noFill/>
+          </a:ln>
+        </p:spPr>
+      </p:pic>
+      <p:pic>
+        <p:nvPicPr>
+          <p:cNvPr id="87" name="Picture 9"/>
+          <p:cNvPicPr/>
+          <p:nvPr/>
+        </p:nvPicPr>
+        <p:blipFill>
+          <a:blip r:embed="rId3"/>
+          <a:stretch/>
+        </p:blipFill>
+        <p:spPr>
+          <a:xfrm>
+            <a:off x="0" y="4786200"/>
+            <a:ext cx="1571400" cy="2057040"/>
+          </a:xfrm>
+          <a:prstGeom prst="rect">
+            <a:avLst/>
+          </a:prstGeom>
+          <a:ln w="9360">
+            <a:noFill/>
+          </a:ln>
+        </p:spPr>
+      </p:pic>
+      <p:sp>
+        <p:nvSpPr>
+          <p:cNvPr id="88" name="CustomShape 1"/>
+          <p:cNvSpPr/>
+          <p:nvPr/>
+        </p:nvSpPr>
+        <p:spPr>
+          <a:xfrm>
+            <a:off x="0" y="0"/>
+            <a:ext cx="9143640" cy="6857640"/>
+          </a:xfrm>
+          <a:prstGeom prst="rect">
+            <a:avLst/>
+          </a:prstGeom>
+          <a:noFill/>
+          <a:ln w="69840">
+            <a:solidFill>
+              <a:schemeClr val="tx2">
+                <a:lumMod val="75000"/>
+              </a:schemeClr>
+            </a:solidFill>
+            <a:round/>
+          </a:ln>
+        </p:spPr>
+        <p:style>
+          <a:lnRef idx="2">
+            <a:schemeClr val="accent1">
+              <a:shade val="50000"/>
+            </a:schemeClr>
+          </a:lnRef>
+          <a:fillRef idx="1">
+            <a:schemeClr val="accent1"/>
+          </a:fillRef>
+          <a:effectRef idx="0">
+            <a:schemeClr val="accent1"/>
+          </a:effectRef>
+          <a:fontRef idx="minor"/>
+        </p:style>
+      </p:sp>
+      <p:sp>
+        <p:nvSpPr>
+          <p:cNvPr id="89" name="TextShape 2"/>
+          <p:cNvSpPr txBox="1"/>
+          <p:nvPr/>
+        </p:nvSpPr>
+        <p:spPr>
+          <a:xfrm>
+            <a:off x="252000" y="1497960"/>
+            <a:ext cx="7560000" cy="3542040"/>
+          </a:xfrm>
+          <a:prstGeom prst="rect">
+            <a:avLst/>
+          </a:prstGeom>
+          <a:noFill/>
+          <a:ln>
+            <a:noFill/>
+          </a:ln>
+        </p:spPr>
+        <p:txBody>
+          <a:bodyPr/>
+          <a:lstStyle/>
+          <a:p>
+            <a:pPr algn="just">
+              <a:lnSpc>
+                <a:spcPct val="100000"/>
+              </a:lnSpc>
+              <a:spcBef>
+                <a:spcPts val="641"/>
+              </a:spcBef>
+            </a:pPr>
+            <a:r>
+              <a:rPr lang="pt-BR" sz="3200" b="0" strike="noStrike" spc="-1" dirty="0">
+                <a:solidFill>
+                  <a:srgbClr val="000000"/>
+                </a:solidFill>
+                <a:uFill>
+                  <a:solidFill>
+                    <a:srgbClr val="FFFFFF"/>
+                  </a:solidFill>
+                </a:uFill>
+                <a:latin typeface="Calibri"/>
+              </a:rPr>
+              <a:t>São por padrão </a:t>
+            </a:r>
+            <a:r>
+              <a:rPr lang="pt-BR" sz="3200" b="0" strike="noStrike" spc="-1" dirty="0" err="1">
+                <a:solidFill>
+                  <a:srgbClr val="000000"/>
+                </a:solidFill>
+                <a:uFill>
+                  <a:solidFill>
+                    <a:srgbClr val="FFFFFF"/>
+                  </a:solidFill>
+                </a:uFill>
+                <a:latin typeface="Calibri"/>
+              </a:rPr>
+              <a:t>getter-only</a:t>
+            </a:r>
+            <a:r>
+              <a:rPr lang="pt-BR" sz="3200" b="0" strike="noStrike" spc="-1" dirty="0">
+                <a:solidFill>
+                  <a:srgbClr val="000000"/>
+                </a:solidFill>
+                <a:uFill>
+                  <a:solidFill>
+                    <a:srgbClr val="FFFFFF"/>
+                  </a:solidFill>
+                </a:uFill>
+                <a:latin typeface="Calibri"/>
+              </a:rPr>
+              <a:t> (somente retornam valor), mas é possível fornecer um </a:t>
+            </a:r>
+            <a:r>
+              <a:rPr lang="pt-BR" sz="3200" b="0" strike="noStrike" spc="-1" dirty="0" err="1">
+                <a:solidFill>
+                  <a:srgbClr val="000000"/>
+                </a:solidFill>
+                <a:uFill>
+                  <a:solidFill>
+                    <a:srgbClr val="FFFFFF"/>
+                  </a:solidFill>
+                </a:uFill>
+                <a:latin typeface="Calibri"/>
+              </a:rPr>
+              <a:t>setter</a:t>
+            </a:r>
+            <a:r>
+              <a:rPr lang="pt-BR" sz="3200" b="0" strike="noStrike" spc="-1" dirty="0">
+                <a:solidFill>
+                  <a:srgbClr val="000000"/>
+                </a:solidFill>
+                <a:uFill>
+                  <a:solidFill>
+                    <a:srgbClr val="FFFFFF"/>
+                  </a:solidFill>
+                </a:uFill>
+                <a:latin typeface="Calibri"/>
+              </a:rPr>
+              <a:t> se precisar dele:</a:t>
+            </a:r>
+            <a:endParaRPr lang="pt-BR" sz="3200" b="0" strike="noStrike" spc="-1" dirty="0">
+              <a:solidFill>
+                <a:srgbClr val="800000"/>
+              </a:solidFill>
+              <a:uFill>
+                <a:solidFill>
+                  <a:srgbClr val="FFFFFF"/>
+                </a:solidFill>
+              </a:uFill>
+              <a:latin typeface="Calibri"/>
+            </a:endParaRPr>
+          </a:p>
+        </p:txBody>
+      </p:sp>
+      <p:sp>
+        <p:nvSpPr>
+          <p:cNvPr id="90" name="CustomShape 3"/>
+          <p:cNvSpPr/>
+          <p:nvPr/>
+        </p:nvSpPr>
+        <p:spPr>
+          <a:xfrm>
+            <a:off x="100800" y="285840"/>
+            <a:ext cx="7399800" cy="999720"/>
+          </a:xfrm>
+          <a:prstGeom prst="homePlate">
+            <a:avLst>
+              <a:gd name="adj" fmla="val 50000"/>
+            </a:avLst>
+          </a:prstGeom>
+          <a:solidFill>
+            <a:srgbClr val="06BA8F"/>
+          </a:solidFill>
+          <a:ln>
+            <a:round/>
+          </a:ln>
+        </p:spPr>
+        <p:style>
+          <a:lnRef idx="2">
+            <a:schemeClr val="accent1">
+              <a:shade val="50000"/>
+            </a:schemeClr>
+          </a:lnRef>
+          <a:fillRef idx="1">
+            <a:schemeClr val="accent1"/>
+          </a:fillRef>
+          <a:effectRef idx="0">
+            <a:schemeClr val="accent1"/>
+          </a:effectRef>
+          <a:fontRef idx="minor"/>
+        </p:style>
+      </p:sp>
+      <p:pic>
+        <p:nvPicPr>
+          <p:cNvPr id="91" name="Imagem 8"/>
+          <p:cNvPicPr/>
+          <p:nvPr/>
+        </p:nvPicPr>
+        <p:blipFill>
+          <a:blip r:embed="rId4"/>
+          <a:srcRect l="6879" r="6879"/>
+          <a:stretch/>
+        </p:blipFill>
+        <p:spPr>
+          <a:xfrm>
+            <a:off x="123120" y="142920"/>
+            <a:ext cx="1519560" cy="1285560"/>
+          </a:xfrm>
+          <a:prstGeom prst="rect">
+            <a:avLst/>
+          </a:prstGeom>
+          <a:ln>
+            <a:noFill/>
+          </a:ln>
+        </p:spPr>
+      </p:pic>
+      <p:sp>
+        <p:nvSpPr>
+          <p:cNvPr id="92" name="CustomShape 4"/>
+          <p:cNvSpPr/>
+          <p:nvPr/>
+        </p:nvSpPr>
+        <p:spPr>
+          <a:xfrm>
+            <a:off x="1428840" y="428760"/>
+            <a:ext cx="5643360" cy="713880"/>
+          </a:xfrm>
+          <a:prstGeom prst="rect">
+            <a:avLst/>
+          </a:prstGeom>
+          <a:noFill/>
+          <a:ln>
+            <a:noFill/>
+          </a:ln>
+        </p:spPr>
+        <p:style>
+          <a:lnRef idx="0">
+            <a:scrgbClr r="0" g="0" b="0"/>
+          </a:lnRef>
+          <a:fillRef idx="0">
+            <a:scrgbClr r="0" g="0" b="0"/>
+          </a:fillRef>
+          <a:effectRef idx="0">
+            <a:scrgbClr r="0" g="0" b="0"/>
+          </a:effectRef>
+          <a:fontRef idx="minor"/>
+        </p:style>
+        <p:txBody>
+          <a:bodyPr anchor="ctr">
+            <a:normAutofit fontScale="85000" lnSpcReduction="10000"/>
+          </a:bodyPr>
+          <a:lstStyle/>
+          <a:p>
+            <a:pPr>
+              <a:lnSpc>
+                <a:spcPct val="100000"/>
+              </a:lnSpc>
+            </a:pPr>
+            <a:r>
+              <a:rPr lang="pt-BR" sz="4400" b="1" strike="noStrike" spc="-1">
+                <a:solidFill>
+                  <a:srgbClr val="000000"/>
+                </a:solidFill>
+                <a:uFill>
+                  <a:solidFill>
+                    <a:srgbClr val="FFFFFF"/>
+                  </a:solidFill>
+                </a:uFill>
+                <a:latin typeface="Times New Roman"/>
+              </a:rPr>
+              <a:t>Atribuição em Computed</a:t>
+            </a:r>
+            <a:endParaRPr lang="pt-BR" sz="4400" b="0" strike="noStrike" spc="-1">
+              <a:solidFill>
+                <a:srgbClr val="000000"/>
+              </a:solidFill>
+              <a:uFill>
+                <a:solidFill>
+                  <a:srgbClr val="FFFFFF"/>
+                </a:solidFill>
+              </a:uFill>
+              <a:latin typeface="Arial"/>
+            </a:endParaRPr>
+          </a:p>
+        </p:txBody>
+      </p:sp>
+      <p:pic>
+        <p:nvPicPr>
+          <p:cNvPr id="93" name="Imagem 16"/>
+          <p:cNvPicPr/>
+          <p:nvPr/>
+        </p:nvPicPr>
+        <p:blipFill>
+          <a:blip r:embed="rId5"/>
+          <a:srcRect l="3124" t="69614" r="3124" b="8995"/>
+          <a:stretch/>
+        </p:blipFill>
+        <p:spPr>
+          <a:xfrm>
+            <a:off x="1571760" y="5929200"/>
+            <a:ext cx="7514640" cy="856800"/>
+          </a:xfrm>
+          <a:prstGeom prst="rect">
+            <a:avLst/>
+          </a:prstGeom>
+          <a:ln>
+            <a:noFill/>
+          </a:ln>
+        </p:spPr>
+      </p:pic>
+      <p:pic>
+        <p:nvPicPr>
+          <p:cNvPr id="94" name="Imagem 93"/>
+          <p:cNvPicPr/>
+          <p:nvPr/>
+        </p:nvPicPr>
+        <p:blipFill>
+          <a:blip r:embed="rId6"/>
+          <a:stretch/>
+        </p:blipFill>
+        <p:spPr>
+          <a:xfrm>
+            <a:off x="1245960" y="2958120"/>
+            <a:ext cx="6458040" cy="3161880"/>
+          </a:xfrm>
+          <a:prstGeom prst="rect">
+            <a:avLst/>
+          </a:prstGeom>
+          <a:ln>
+            <a:noFill/>
+          </a:ln>
+        </p:spPr>
+      </p:pic>
+    </p:spTree>
+  </p:cSld>
+  <p:clrMapOvr>
+    <a:masterClrMapping/>
+  </p:clrMapOvr>
+  <p:timing>
+    <p:tnLst>
+      <p:par>
+        <p:cTn id="1" dur="indefinite" restart="never" nodeType="tmRoot">
+          <p:childTnLst>
+            <p:seq>
+              <p:cTn id="2" nodeType="mainSeq"/>
+              <p:prevCondLst>
+                <p:cond evt="onPrev" delay="0">
+                  <p:tgtEl>
+                    <p:sldTgt/>
+                  </p:tgtEl>
+                </p:cond>
+              </p:prevCondLst>
+              <p:nextCondLst>
+                <p:cond evt="onNext" delay="0">
+                  <p:tgtEl>
+                    <p:sldTgt/>
+                  </p:tgtEl>
+                </p:cond>
+              </p:nextCondLst>
+            </p:seq>
+          </p:childTnLst>
+        </p:cTn>
+      </p:par>
+    </p:tnLst>
+  </p:timing>
+</p:sld>
+</file>
+
+<file path=ppt/slides/slide7.xml><?xml version="1.0" encoding="utf-8"?>
+<p:sld xmlns:a="http://schemas.openxmlformats.org/drawingml/2006/main" xmlns:r="http://schemas.openxmlformats.org/officeDocument/2006/relationships" xmlns:p="http://schemas.openxmlformats.org/presentationml/2006/main">
+  <p:cSld>
+    <p:spTree>
+      <p:nvGrpSpPr>
+        <p:cNvPr id="1" name=""/>
+        <p:cNvGrpSpPr/>
+        <p:nvPr/>
+      </p:nvGrpSpPr>
+      <p:grpSpPr>
+        <a:xfrm>
+          <a:off x="0" y="0"/>
+          <a:ext cx="0" cy="0"/>
+          <a:chOff x="0" y="0"/>
+          <a:chExt cx="0" cy="0"/>
+        </a:xfrm>
+      </p:grpSpPr>
+      <p:pic>
+        <p:nvPicPr>
+          <p:cNvPr id="95" name="Picture 9"/>
+          <p:cNvPicPr/>
+          <p:nvPr/>
+        </p:nvPicPr>
+        <p:blipFill>
+          <a:blip r:embed="rId2"/>
+          <a:stretch/>
+        </p:blipFill>
+        <p:spPr>
+          <a:xfrm>
+            <a:off x="7215120" y="0"/>
+            <a:ext cx="1928520" cy="2525400"/>
+          </a:xfrm>
+          <a:prstGeom prst="rect">
+            <a:avLst/>
+          </a:prstGeom>
+          <a:ln w="9360">
+            <a:noFill/>
+          </a:ln>
+        </p:spPr>
+      </p:pic>
+      <p:pic>
+        <p:nvPicPr>
+          <p:cNvPr id="96" name="Picture 9"/>
+          <p:cNvPicPr/>
+          <p:nvPr/>
+        </p:nvPicPr>
+        <p:blipFill>
+          <a:blip r:embed="rId3"/>
+          <a:stretch/>
+        </p:blipFill>
+        <p:spPr>
+          <a:xfrm>
+            <a:off x="0" y="4786200"/>
+            <a:ext cx="1571400" cy="2057040"/>
+          </a:xfrm>
+          <a:prstGeom prst="rect">
+            <a:avLst/>
+          </a:prstGeom>
+          <a:ln w="9360">
+            <a:noFill/>
+          </a:ln>
+        </p:spPr>
+      </p:pic>
+      <p:sp>
+        <p:nvSpPr>
+          <p:cNvPr id="97" name="CustomShape 1"/>
+          <p:cNvSpPr/>
+          <p:nvPr/>
+        </p:nvSpPr>
+        <p:spPr>
+          <a:xfrm>
+            <a:off x="0" y="0"/>
+            <a:ext cx="9143640" cy="6857640"/>
+          </a:xfrm>
+          <a:prstGeom prst="rect">
+            <a:avLst/>
+          </a:prstGeom>
+          <a:noFill/>
+          <a:ln w="69840">
+            <a:solidFill>
+              <a:schemeClr val="tx2">
+                <a:lumMod val="75000"/>
+              </a:schemeClr>
+            </a:solidFill>
+            <a:round/>
+          </a:ln>
+        </p:spPr>
+        <p:style>
+          <a:lnRef idx="2">
+            <a:schemeClr val="accent1">
+              <a:shade val="50000"/>
+            </a:schemeClr>
+          </a:lnRef>
+          <a:fillRef idx="1">
+            <a:schemeClr val="accent1"/>
+          </a:fillRef>
+          <a:effectRef idx="0">
+            <a:schemeClr val="accent1"/>
+          </a:effectRef>
+          <a:fontRef idx="minor"/>
+        </p:style>
+      </p:sp>
+      <p:sp>
+        <p:nvSpPr>
+          <p:cNvPr id="98" name="TextShape 2"/>
+          <p:cNvSpPr txBox="1"/>
+          <p:nvPr/>
+        </p:nvSpPr>
+        <p:spPr>
+          <a:xfrm>
+            <a:off x="142920" y="1785960"/>
+            <a:ext cx="7572240" cy="2928600"/>
+          </a:xfrm>
+          <a:prstGeom prst="rect">
+            <a:avLst/>
+          </a:prstGeom>
+          <a:noFill/>
+          <a:ln>
+            <a:noFill/>
+          </a:ln>
+        </p:spPr>
+        <p:txBody>
+          <a:bodyPr/>
+          <a:lstStyle/>
+          <a:p>
+            <a:pPr algn="ctr"/>
+            <a:endParaRPr lang="pt-BR" sz="3200" b="0" strike="noStrike" spc="-1">
+              <a:solidFill>
+                <a:srgbClr val="000000"/>
+              </a:solidFill>
+              <a:uFill>
+                <a:solidFill>
+                  <a:srgbClr val="FFFFFF"/>
+                </a:solidFill>
+              </a:uFill>
+              <a:latin typeface="Arial"/>
+            </a:endParaRPr>
+          </a:p>
+        </p:txBody>
+      </p:sp>
+      <p:sp>
+        <p:nvSpPr>
+          <p:cNvPr id="99" name="CustomShape 3"/>
+          <p:cNvSpPr/>
+          <p:nvPr/>
+        </p:nvSpPr>
+        <p:spPr>
+          <a:xfrm>
+            <a:off x="100800" y="285840"/>
+            <a:ext cx="7399800" cy="999720"/>
+          </a:xfrm>
+          <a:prstGeom prst="homePlate">
+            <a:avLst>
+              <a:gd name="adj" fmla="val 50000"/>
+            </a:avLst>
+          </a:prstGeom>
+          <a:solidFill>
+            <a:srgbClr val="06BA8F"/>
+          </a:solidFill>
+          <a:ln>
+            <a:round/>
+          </a:ln>
+        </p:spPr>
+        <p:style>
+          <a:lnRef idx="2">
+            <a:schemeClr val="accent1">
+              <a:shade val="50000"/>
+            </a:schemeClr>
+          </a:lnRef>
+          <a:fillRef idx="1">
+            <a:schemeClr val="accent1"/>
+          </a:fillRef>
+          <a:effectRef idx="0">
+            <a:schemeClr val="accent1"/>
+          </a:effectRef>
+          <a:fontRef idx="minor"/>
+        </p:style>
+      </p:sp>
+      <p:pic>
+        <p:nvPicPr>
+          <p:cNvPr id="100" name="Imagem 8"/>
+          <p:cNvPicPr/>
+          <p:nvPr/>
+        </p:nvPicPr>
+        <p:blipFill>
+          <a:blip r:embed="rId4"/>
+          <a:srcRect l="6879" r="6879"/>
+          <a:stretch/>
+        </p:blipFill>
+        <p:spPr>
+          <a:xfrm>
+            <a:off x="123120" y="142920"/>
+            <a:ext cx="1519560" cy="1285560"/>
+          </a:xfrm>
+          <a:prstGeom prst="rect">
+            <a:avLst/>
+          </a:prstGeom>
+          <a:ln>
+            <a:noFill/>
+          </a:ln>
+        </p:spPr>
+      </p:pic>
+      <p:sp>
+        <p:nvSpPr>
+          <p:cNvPr id="101" name="CustomShape 4"/>
+          <p:cNvSpPr/>
+          <p:nvPr/>
+        </p:nvSpPr>
+        <p:spPr>
+          <a:xfrm>
+            <a:off x="1428840" y="428760"/>
+            <a:ext cx="5643360" cy="713880"/>
+          </a:xfrm>
+          <a:prstGeom prst="rect">
+            <a:avLst/>
+          </a:prstGeom>
+          <a:noFill/>
+          <a:ln>
+            <a:noFill/>
+          </a:ln>
+        </p:spPr>
+        <p:style>
+          <a:lnRef idx="0">
+            <a:scrgbClr r="0" g="0" b="0"/>
+          </a:lnRef>
+          <a:fillRef idx="0">
+            <a:scrgbClr r="0" g="0" b="0"/>
+          </a:fillRef>
+          <a:effectRef idx="0">
+            <a:scrgbClr r="0" g="0" b="0"/>
+          </a:effectRef>
+          <a:fontRef idx="minor"/>
+        </p:style>
+        <p:txBody>
+          <a:bodyPr anchor="ctr">
+            <a:normAutofit lnSpcReduction="10000"/>
+          </a:bodyPr>
+          <a:lstStyle/>
+          <a:p>
+            <a:pPr>
+              <a:lnSpc>
+                <a:spcPct val="100000"/>
+              </a:lnSpc>
+            </a:pPr>
+            <a:r>
+              <a:rPr lang="pt-BR" sz="4400" b="1" strike="noStrike" spc="-1">
+                <a:solidFill>
+                  <a:srgbClr val="000000"/>
+                </a:solidFill>
+                <a:uFill>
+                  <a:solidFill>
+                    <a:srgbClr val="FFFFFF"/>
+                  </a:solidFill>
+                </a:uFill>
+                <a:latin typeface="Times New Roman"/>
+              </a:rPr>
+              <a:t>Observadores</a:t>
+            </a:r>
+            <a:endParaRPr lang="pt-BR" sz="4400" b="0" strike="noStrike" spc="-1">
+              <a:solidFill>
+                <a:srgbClr val="000000"/>
+              </a:solidFill>
+              <a:uFill>
+                <a:solidFill>
+                  <a:srgbClr val="FFFFFF"/>
+                </a:solidFill>
+              </a:uFill>
+              <a:latin typeface="Arial"/>
+            </a:endParaRPr>
+          </a:p>
+        </p:txBody>
+      </p:sp>
+      <p:pic>
+        <p:nvPicPr>
+          <p:cNvPr id="102" name="Imagem 16"/>
+          <p:cNvPicPr/>
+          <p:nvPr/>
+        </p:nvPicPr>
+        <p:blipFill>
+          <a:blip r:embed="rId5"/>
+          <a:srcRect l="3124" t="69614" r="3124" b="8995"/>
+          <a:stretch/>
+        </p:blipFill>
+        <p:spPr>
+          <a:xfrm>
+            <a:off x="1571760" y="5929200"/>
+            <a:ext cx="7514640" cy="856800"/>
+          </a:xfrm>
+          <a:prstGeom prst="rect">
+            <a:avLst/>
+          </a:prstGeom>
+          <a:ln>
+            <a:noFill/>
+          </a:ln>
+        </p:spPr>
+      </p:pic>
+      <p:sp>
+        <p:nvSpPr>
+          <p:cNvPr id="11" name="TextShape 2"/>
+          <p:cNvSpPr txBox="1"/>
+          <p:nvPr/>
+        </p:nvSpPr>
+        <p:spPr>
+          <a:xfrm>
+            <a:off x="142844" y="1714488"/>
+            <a:ext cx="7560000" cy="2645420"/>
+          </a:xfrm>
+          <a:prstGeom prst="rect">
+            <a:avLst/>
+          </a:prstGeom>
+          <a:noFill/>
+          <a:ln>
+            <a:noFill/>
+          </a:ln>
+        </p:spPr>
+        <p:txBody>
+          <a:bodyPr/>
+          <a:lstStyle/>
+          <a:p>
+            <a:pPr algn="just">
+              <a:lnSpc>
+                <a:spcPct val="100000"/>
+              </a:lnSpc>
+              <a:spcBef>
+                <a:spcPts val="641"/>
+              </a:spcBef>
+            </a:pPr>
+            <a:r>
+              <a:rPr lang="pt-BR" sz="3200" dirty="0" smtClean="0"/>
+              <a:t>Existem </a:t>
+            </a:r>
+            <a:r>
+              <a:rPr lang="pt-BR" sz="3200" dirty="0"/>
+              <a:t>momentos em que um observador personalizado é necessário. </a:t>
+            </a:r>
+            <a:r>
+              <a:rPr lang="pt-BR" sz="3200" dirty="0" smtClean="0"/>
+              <a:t>O </a:t>
+            </a:r>
+            <a:r>
+              <a:rPr lang="pt-BR" sz="3200" dirty="0" err="1"/>
+              <a:t>Vue</a:t>
+            </a:r>
+            <a:r>
+              <a:rPr lang="pt-BR" sz="3200" dirty="0"/>
+              <a:t> fornece uma maneira mais genérica para reagir a alterações de dados, o </a:t>
+            </a:r>
+            <a:r>
+              <a:rPr lang="pt-BR" sz="3200" dirty="0" err="1" smtClean="0"/>
+              <a:t>watch</a:t>
+            </a:r>
+            <a:r>
+              <a:rPr lang="pt-BR" sz="3200" dirty="0" smtClean="0"/>
+              <a:t>. Isto é particularmente útil quando se precisa executar operações</a:t>
+            </a:r>
+            <a:endParaRPr lang="pt-BR" sz="3200" b="0" strike="noStrike" spc="-1" dirty="0">
+              <a:solidFill>
+                <a:srgbClr val="800000"/>
+              </a:solidFill>
+              <a:uFill>
+                <a:solidFill>
+                  <a:srgbClr val="FFFFFF"/>
+                </a:solidFill>
+              </a:uFill>
+              <a:latin typeface="Calibri"/>
+            </a:endParaRPr>
+          </a:p>
+        </p:txBody>
+      </p:sp>
+      <p:sp>
+        <p:nvSpPr>
+          <p:cNvPr id="12" name="TextShape 2"/>
+          <p:cNvSpPr txBox="1"/>
+          <p:nvPr/>
+        </p:nvSpPr>
+        <p:spPr>
+          <a:xfrm>
+            <a:off x="1214414" y="4643446"/>
+            <a:ext cx="6572296" cy="2571768"/>
+          </a:xfrm>
+          <a:prstGeom prst="rect">
+            <a:avLst/>
+          </a:prstGeom>
+          <a:noFill/>
+          <a:ln>
+            <a:noFill/>
+          </a:ln>
+        </p:spPr>
+        <p:txBody>
+          <a:bodyPr/>
+          <a:lstStyle/>
+          <a:p>
+            <a:pPr algn="just">
+              <a:lnSpc>
+                <a:spcPct val="100000"/>
+              </a:lnSpc>
+              <a:spcBef>
+                <a:spcPts val="641"/>
+              </a:spcBef>
+            </a:pPr>
+            <a:r>
+              <a:rPr lang="pt-BR" sz="3200" dirty="0"/>
+              <a:t> </a:t>
+            </a:r>
+            <a:r>
+              <a:rPr lang="pt-BR" sz="3200" dirty="0" smtClean="0"/>
+              <a:t>  	assíncronas ou operações complexas antes de responder a uma alteração de dados.</a:t>
+            </a:r>
+            <a:endParaRPr lang="pt-BR" sz="3200" b="0" strike="noStrike" spc="-1" dirty="0">
+              <a:solidFill>
+                <a:srgbClr val="800000"/>
+              </a:solidFill>
+              <a:uFill>
+                <a:solidFill>
+                  <a:srgbClr val="FFFFFF"/>
+                </a:solidFill>
+              </a:uFill>
+              <a:latin typeface="Calibri"/>
+            </a:endParaRPr>
+          </a:p>
+        </p:txBody>
+      </p:sp>
+    </p:spTree>
+  </p:cSld>
+  <p:clrMapOvr>
+    <a:masterClrMapping/>
+  </p:clrMapOvr>
+  <p:timing>
+    <p:tnLst>
+      <p:par>
+        <p:cTn id="1" dur="indefinite" restart="never" nodeType="tmRoot">
+          <p:childTnLst>
+            <p:seq>
+              <p:cTn id="2" nodeType="mainSeq"/>
+              <p:prevCondLst>
+                <p:cond evt="onPrev" delay="0">
+                  <p:tgtEl>
+                    <p:sldTgt/>
+                  </p:tgtEl>
+                </p:cond>
+              </p:prevCondLst>
+              <p:nextCondLst>
+                <p:cond evt="onNext" delay="0">
+                  <p:tgtEl>
+                    <p:sldTgt/>
+                  </p:tgtEl>
+                </p:cond>
+              </p:nextCondLst>
+            </p:seq>
+          </p:childTnLst>
+        </p:cTn>
+      </p:par>
+    </p:tnLst>
+  </p:timing>
+</p:sld>
+</file>
+
+<file path=ppt/slides/slide8.xml><?xml version="1.0" encoding="utf-8"?>
+<p:sld xmlns:a="http://schemas.openxmlformats.org/drawingml/2006/main" xmlns:r="http://schemas.openxmlformats.org/officeDocument/2006/relationships" xmlns:p="http://schemas.openxmlformats.org/presentationml/2006/main">
+  <p:cSld>
+    <p:spTree>
+      <p:nvGrpSpPr>
+        <p:cNvPr id="1" name=""/>
+        <p:cNvGrpSpPr/>
+        <p:nvPr/>
+      </p:nvGrpSpPr>
+      <p:grpSpPr>
+        <a:xfrm>
+          <a:off x="0" y="0"/>
+          <a:ext cx="0" cy="0"/>
+          <a:chOff x="0" y="0"/>
+          <a:chExt cx="0" cy="0"/>
+        </a:xfrm>
+      </p:grpSpPr>
+      <p:pic>
+        <p:nvPicPr>
+          <p:cNvPr id="95" name="Picture 9"/>
+          <p:cNvPicPr/>
+          <p:nvPr/>
+        </p:nvPicPr>
+        <p:blipFill>
+          <a:blip r:embed="rId2"/>
+          <a:stretch/>
+        </p:blipFill>
+        <p:spPr>
+          <a:xfrm>
+            <a:off x="7215120" y="0"/>
+            <a:ext cx="1928520" cy="2525400"/>
+          </a:xfrm>
+          <a:prstGeom prst="rect">
+            <a:avLst/>
+          </a:prstGeom>
+          <a:ln w="9360">
+            <a:noFill/>
+          </a:ln>
+        </p:spPr>
+      </p:pic>
+      <p:pic>
+        <p:nvPicPr>
+          <p:cNvPr id="96" name="Picture 9"/>
+          <p:cNvPicPr/>
+          <p:nvPr/>
+        </p:nvPicPr>
+        <p:blipFill>
+          <a:blip r:embed="rId3"/>
+          <a:stretch/>
+        </p:blipFill>
+        <p:spPr>
+          <a:xfrm>
+            <a:off x="0" y="4786200"/>
+            <a:ext cx="1571400" cy="2057040"/>
+          </a:xfrm>
+          <a:prstGeom prst="rect">
+            <a:avLst/>
+          </a:prstGeom>
+          <a:ln w="9360">
+            <a:noFill/>
+          </a:ln>
+        </p:spPr>
+      </p:pic>
+      <p:sp>
+        <p:nvSpPr>
+          <p:cNvPr id="97" name="CustomShape 1"/>
+          <p:cNvSpPr/>
+          <p:nvPr/>
+        </p:nvSpPr>
+        <p:spPr>
+          <a:xfrm>
+            <a:off x="0" y="0"/>
+            <a:ext cx="9143640" cy="6857640"/>
+          </a:xfrm>
+          <a:prstGeom prst="rect">
+            <a:avLst/>
+          </a:prstGeom>
+          <a:noFill/>
+          <a:ln w="69840">
+            <a:solidFill>
+              <a:schemeClr val="tx2">
+                <a:lumMod val="75000"/>
+              </a:schemeClr>
+            </a:solidFill>
+            <a:round/>
+          </a:ln>
+        </p:spPr>
+        <p:style>
+          <a:lnRef idx="2">
+            <a:schemeClr val="accent1">
+              <a:shade val="50000"/>
+            </a:schemeClr>
+          </a:lnRef>
+          <a:fillRef idx="1">
+            <a:schemeClr val="accent1"/>
+          </a:fillRef>
+          <a:effectRef idx="0">
+            <a:schemeClr val="accent1"/>
+          </a:effectRef>
+          <a:fontRef idx="minor"/>
+        </p:style>
+      </p:sp>
+      <p:sp>
+        <p:nvSpPr>
+          <p:cNvPr id="98" name="TextShape 2"/>
+          <p:cNvSpPr txBox="1"/>
+          <p:nvPr/>
+        </p:nvSpPr>
+        <p:spPr>
+          <a:xfrm>
+            <a:off x="142920" y="1785960"/>
+            <a:ext cx="7572240" cy="2928600"/>
+          </a:xfrm>
+          <a:prstGeom prst="rect">
+            <a:avLst/>
+          </a:prstGeom>
+          <a:noFill/>
+          <a:ln>
+            <a:noFill/>
+          </a:ln>
+        </p:spPr>
+        <p:txBody>
+          <a:bodyPr/>
+          <a:lstStyle/>
+          <a:p>
+            <a:pPr algn="ctr"/>
+            <a:endParaRPr lang="pt-BR" sz="3200" b="0" strike="noStrike" spc="-1">
+              <a:solidFill>
+                <a:srgbClr val="000000"/>
+              </a:solidFill>
+              <a:uFill>
+                <a:solidFill>
+                  <a:srgbClr val="FFFFFF"/>
+                </a:solidFill>
+              </a:uFill>
+              <a:latin typeface="Arial"/>
+            </a:endParaRPr>
+          </a:p>
+        </p:txBody>
+      </p:sp>
+      <p:sp>
+        <p:nvSpPr>
+          <p:cNvPr id="99" name="CustomShape 3"/>
+          <p:cNvSpPr/>
+          <p:nvPr/>
+        </p:nvSpPr>
+        <p:spPr>
+          <a:xfrm>
+            <a:off x="100800" y="285840"/>
+            <a:ext cx="7399800" cy="999720"/>
+          </a:xfrm>
+          <a:prstGeom prst="homePlate">
+            <a:avLst>
+              <a:gd name="adj" fmla="val 50000"/>
+            </a:avLst>
+          </a:prstGeom>
+          <a:solidFill>
+            <a:srgbClr val="06BA8F"/>
+          </a:solidFill>
+          <a:ln>
+            <a:round/>
+          </a:ln>
+        </p:spPr>
+        <p:style>
+          <a:lnRef idx="2">
+            <a:schemeClr val="accent1">
+              <a:shade val="50000"/>
+            </a:schemeClr>
+          </a:lnRef>
+          <a:fillRef idx="1">
+            <a:schemeClr val="accent1"/>
+          </a:fillRef>
+          <a:effectRef idx="0">
+            <a:schemeClr val="accent1"/>
+          </a:effectRef>
+          <a:fontRef idx="minor"/>
+        </p:style>
+      </p:sp>
+      <p:pic>
+        <p:nvPicPr>
+          <p:cNvPr id="100" name="Imagem 8"/>
+          <p:cNvPicPr/>
+          <p:nvPr/>
+        </p:nvPicPr>
+        <p:blipFill>
+          <a:blip r:embed="rId4"/>
+          <a:srcRect l="6879" r="6879"/>
+          <a:stretch/>
+        </p:blipFill>
+        <p:spPr>
+          <a:xfrm>
+            <a:off x="123120" y="142920"/>
+            <a:ext cx="1519560" cy="1285560"/>
+          </a:xfrm>
+          <a:prstGeom prst="rect">
+            <a:avLst/>
+          </a:prstGeom>
+          <a:ln>
+            <a:noFill/>
+          </a:ln>
+        </p:spPr>
+      </p:pic>
+      <p:sp>
+        <p:nvSpPr>
+          <p:cNvPr id="101" name="CustomShape 4"/>
+          <p:cNvSpPr/>
+          <p:nvPr/>
+        </p:nvSpPr>
+        <p:spPr>
+          <a:xfrm>
+            <a:off x="1428840" y="428760"/>
+            <a:ext cx="5643360" cy="713880"/>
+          </a:xfrm>
+          <a:prstGeom prst="rect">
+            <a:avLst/>
+          </a:prstGeom>
+          <a:noFill/>
+          <a:ln>
+            <a:noFill/>
+          </a:ln>
+        </p:spPr>
+        <p:style>
+          <a:lnRef idx="0">
+            <a:scrgbClr r="0" g="0" b="0"/>
+          </a:lnRef>
+          <a:fillRef idx="0">
+            <a:scrgbClr r="0" g="0" b="0"/>
+          </a:fillRef>
+          <a:effectRef idx="0">
+            <a:scrgbClr r="0" g="0" b="0"/>
+          </a:effectRef>
+          <a:fontRef idx="minor"/>
+        </p:style>
+        <p:txBody>
+          <a:bodyPr anchor="ctr">
+            <a:normAutofit fontScale="92500" lnSpcReduction="10000"/>
+          </a:bodyPr>
+          <a:lstStyle/>
+          <a:p>
+            <a:pPr>
+              <a:lnSpc>
+                <a:spcPct val="100000"/>
+              </a:lnSpc>
+            </a:pPr>
+            <a:r>
+              <a:rPr lang="pt-BR" sz="4400" b="1" strike="noStrike" spc="-1" dirty="0" smtClean="0">
+                <a:solidFill>
+                  <a:srgbClr val="000000"/>
+                </a:solidFill>
+                <a:uFill>
+                  <a:solidFill>
+                    <a:srgbClr val="FFFFFF"/>
+                  </a:solidFill>
+                </a:uFill>
+                <a:latin typeface="Times New Roman"/>
+              </a:rPr>
+              <a:t>Exemplos</a:t>
+            </a:r>
+            <a:endParaRPr lang="pt-BR" sz="4400" b="0" strike="noStrike" spc="-1" dirty="0">
+              <a:solidFill>
+                <a:srgbClr val="000000"/>
+              </a:solidFill>
+              <a:uFill>
+                <a:solidFill>
+                  <a:srgbClr val="FFFFFF"/>
+                </a:solidFill>
+              </a:uFill>
+              <a:latin typeface="Arial"/>
+            </a:endParaRPr>
+          </a:p>
+        </p:txBody>
+      </p:sp>
+      <p:pic>
+        <p:nvPicPr>
+          <p:cNvPr id="102" name="Imagem 16"/>
+          <p:cNvPicPr/>
+          <p:nvPr/>
+        </p:nvPicPr>
+        <p:blipFill>
+          <a:blip r:embed="rId5"/>
+          <a:srcRect l="3124" t="69614" r="3124" b="8995"/>
+          <a:stretch/>
+        </p:blipFill>
+        <p:spPr>
+          <a:xfrm>
+            <a:off x="1571760" y="5929200"/>
+            <a:ext cx="7514640" cy="856800"/>
+          </a:xfrm>
+          <a:prstGeom prst="rect">
+            <a:avLst/>
+          </a:prstGeom>
+          <a:ln>
+            <a:noFill/>
+          </a:ln>
+        </p:spPr>
+      </p:pic>
+      <p:pic>
+        <p:nvPicPr>
+          <p:cNvPr id="1026" name="Picture 2"/>
+          <p:cNvPicPr>
+            <a:picLocks noChangeAspect="1" noChangeArrowheads="1"/>
+          </p:cNvPicPr>
+          <p:nvPr/>
+        </p:nvPicPr>
+        <p:blipFill>
+          <a:blip r:embed="rId6"/>
+          <a:srcRect/>
+          <a:stretch>
+            <a:fillRect/>
+          </a:stretch>
+        </p:blipFill>
+        <p:spPr bwMode="auto">
+          <a:xfrm>
+            <a:off x="357158" y="2175503"/>
+            <a:ext cx="7286676" cy="2039315"/>
+          </a:xfrm>
+          <a:prstGeom prst="rect">
+            <a:avLst/>
+          </a:prstGeom>
+          <a:noFill/>
+          <a:ln w="9525">
+            <a:noFill/>
+            <a:miter lim="800000"/>
+            <a:headEnd/>
+            <a:tailEnd/>
+          </a:ln>
+          <a:effectLst/>
+        </p:spPr>
+      </p:pic>
+    </p:spTree>
+  </p:cSld>
+  <p:clrMapOvr>
+    <a:masterClrMapping/>
+  </p:clrMapOvr>
+  <p:timing>
+    <p:tnLst>
+      <p:par>
+        <p:cTn id="1" dur="indefinite" restart="never" nodeType="tmRoot">
+          <p:childTnLst>
+            <p:seq>
+              <p:cTn id="2" nodeType="mainSeq"/>
+              <p:prevCondLst>
+                <p:cond evt="onPrev" delay="0">
+                  <p:tgtEl>
+                    <p:sldTgt/>
+                  </p:tgtEl>
+                </p:cond>
+              </p:prevCondLst>
+              <p:nextCondLst>
+                <p:cond evt="onNext" delay="0">
+                  <p:tgtEl>
+                    <p:sldTgt/>
+                  </p:tgtEl>
+                </p:cond>
+              </p:nextCondLst>
+            </p:seq>
+          </p:childTnLst>
+        </p:cTn>
+      </p:par>
+    </p:tnLst>
+  </p:timing>
+</p:sld>
+</file>
+
+<file path=ppt/slides/slide9.xml><?xml version="1.0" encoding="utf-8"?>
+<p:sld xmlns:a="http://schemas.openxmlformats.org/drawingml/2006/main" xmlns:r="http://schemas.openxmlformats.org/officeDocument/2006/relationships" xmlns:p="http://schemas.openxmlformats.org/presentationml/2006/main">
+  <p:cSld>
+    <p:spTree>
+      <p:nvGrpSpPr>
+        <p:cNvPr id="1" name=""/>
+        <p:cNvGrpSpPr/>
+        <p:nvPr/>
+      </p:nvGrpSpPr>
+      <p:grpSpPr>
+        <a:xfrm>
+          <a:off x="0" y="0"/>
+          <a:ext cx="0" cy="0"/>
+          <a:chOff x="0" y="0"/>
+          <a:chExt cx="0" cy="0"/>
+        </a:xfrm>
+      </p:grpSpPr>
+      <p:pic>
+        <p:nvPicPr>
+          <p:cNvPr id="95" name="Picture 9"/>
+          <p:cNvPicPr/>
+          <p:nvPr/>
+        </p:nvPicPr>
+        <p:blipFill>
+          <a:blip r:embed="rId2"/>
+          <a:stretch/>
+        </p:blipFill>
+        <p:spPr>
+          <a:xfrm>
+            <a:off x="7215120" y="0"/>
+            <a:ext cx="1928520" cy="2525400"/>
+          </a:xfrm>
+          <a:prstGeom prst="rect">
+            <a:avLst/>
+          </a:prstGeom>
+          <a:ln w="9360">
+            <a:noFill/>
+          </a:ln>
+        </p:spPr>
+      </p:pic>
+      <p:pic>
+        <p:nvPicPr>
+          <p:cNvPr id="96" name="Picture 9"/>
+          <p:cNvPicPr/>
+          <p:nvPr/>
+        </p:nvPicPr>
+        <p:blipFill>
+          <a:blip r:embed="rId3"/>
+          <a:stretch/>
+        </p:blipFill>
+        <p:spPr>
+          <a:xfrm>
+            <a:off x="0" y="4786200"/>
+            <a:ext cx="1571400" cy="2057040"/>
+          </a:xfrm>
+          <a:prstGeom prst="rect">
+            <a:avLst/>
+          </a:prstGeom>
+          <a:ln w="9360">
+            <a:noFill/>
+          </a:ln>
+        </p:spPr>
+      </p:pic>
+      <p:sp>
+        <p:nvSpPr>
+          <p:cNvPr id="97" name="CustomShape 1"/>
+          <p:cNvSpPr/>
+          <p:nvPr/>
+        </p:nvSpPr>
+        <p:spPr>
+          <a:xfrm>
+            <a:off x="0" y="0"/>
+            <a:ext cx="9143640" cy="6857640"/>
+          </a:xfrm>
+          <a:prstGeom prst="rect">
+            <a:avLst/>
+          </a:prstGeom>
+          <a:noFill/>
+          <a:ln w="69840">
+            <a:solidFill>
+              <a:schemeClr val="tx2">
+                <a:lumMod val="75000"/>
+              </a:schemeClr>
+            </a:solidFill>
+            <a:round/>
+          </a:ln>
+        </p:spPr>
+        <p:style>
+          <a:lnRef idx="2">
+            <a:schemeClr val="accent1">
+              <a:shade val="50000"/>
+            </a:schemeClr>
+          </a:lnRef>
+          <a:fillRef idx="1">
+            <a:schemeClr val="accent1"/>
+          </a:fillRef>
+          <a:effectRef idx="0">
+            <a:schemeClr val="accent1"/>
+          </a:effectRef>
+          <a:fontRef idx="minor"/>
+        </p:style>
+      </p:sp>
+      <p:sp>
+        <p:nvSpPr>
+          <p:cNvPr id="98" name="TextShape 2"/>
+          <p:cNvSpPr txBox="1"/>
+          <p:nvPr/>
+        </p:nvSpPr>
+        <p:spPr>
+          <a:xfrm>
+            <a:off x="142920" y="1785960"/>
+            <a:ext cx="7572240" cy="2928600"/>
+          </a:xfrm>
+          <a:prstGeom prst="rect">
+            <a:avLst/>
+          </a:prstGeom>
+          <a:noFill/>
+          <a:ln>
+            <a:noFill/>
+          </a:ln>
+        </p:spPr>
+        <p:txBody>
+          <a:bodyPr/>
+          <a:lstStyle/>
+          <a:p>
+            <a:pPr algn="ctr"/>
+            <a:endParaRPr lang="pt-BR" sz="3200" b="0" strike="noStrike" spc="-1">
+              <a:solidFill>
+                <a:srgbClr val="000000"/>
+              </a:solidFill>
+              <a:uFill>
+                <a:solidFill>
+                  <a:srgbClr val="FFFFFF"/>
+                </a:solidFill>
+              </a:uFill>
+              <a:latin typeface="Arial"/>
+            </a:endParaRPr>
+          </a:p>
+        </p:txBody>
+      </p:sp>
+      <p:sp>
+        <p:nvSpPr>
+          <p:cNvPr id="99" name="CustomShape 3"/>
+          <p:cNvSpPr/>
+          <p:nvPr/>
+        </p:nvSpPr>
+        <p:spPr>
+          <a:xfrm>
+            <a:off x="100800" y="285840"/>
+            <a:ext cx="7399800" cy="999720"/>
+          </a:xfrm>
+          <a:prstGeom prst="homePlate">
+            <a:avLst>
+              <a:gd name="adj" fmla="val 50000"/>
+            </a:avLst>
+          </a:prstGeom>
+          <a:solidFill>
+            <a:srgbClr val="06BA8F"/>
+          </a:solidFill>
+          <a:ln>
+            <a:round/>
+          </a:ln>
+        </p:spPr>
+        <p:style>
+          <a:lnRef idx="2">
+            <a:schemeClr val="accent1">
+              <a:shade val="50000"/>
+            </a:schemeClr>
+          </a:lnRef>
+          <a:fillRef idx="1">
+            <a:schemeClr val="accent1"/>
+          </a:fillRef>
+          <a:effectRef idx="0">
+            <a:schemeClr val="accent1"/>
+          </a:effectRef>
+          <a:fontRef idx="minor"/>
+        </p:style>
+      </p:sp>
+      <p:pic>
+        <p:nvPicPr>
+          <p:cNvPr id="100" name="Imagem 8"/>
+          <p:cNvPicPr/>
+          <p:nvPr/>
+        </p:nvPicPr>
+        <p:blipFill>
+          <a:blip r:embed="rId4"/>
+          <a:srcRect l="6879" r="6879"/>
+          <a:stretch/>
+        </p:blipFill>
+        <p:spPr>
+          <a:xfrm>
+            <a:off x="123120" y="142920"/>
+            <a:ext cx="1519560" cy="1285560"/>
+          </a:xfrm>
+          <a:prstGeom prst="rect">
+            <a:avLst/>
+          </a:prstGeom>
+          <a:ln>
+            <a:noFill/>
+          </a:ln>
+        </p:spPr>
+      </p:pic>
+      <p:sp>
+        <p:nvSpPr>
+          <p:cNvPr id="101" name="CustomShape 4"/>
+          <p:cNvSpPr/>
+          <p:nvPr/>
+        </p:nvSpPr>
+        <p:spPr>
+          <a:xfrm>
+            <a:off x="1428840" y="428760"/>
+            <a:ext cx="5643360" cy="713880"/>
+          </a:xfrm>
+          <a:prstGeom prst="rect">
+            <a:avLst/>
+          </a:prstGeom>
+          <a:noFill/>
+          <a:ln>
+            <a:noFill/>
+          </a:ln>
+        </p:spPr>
+        <p:style>
+          <a:lnRef idx="0">
+            <a:scrgbClr r="0" g="0" b="0"/>
+          </a:lnRef>
+          <a:fillRef idx="0">
+            <a:scrgbClr r="0" g="0" b="0"/>
+          </a:fillRef>
+          <a:effectRef idx="0">
+            <a:scrgbClr r="0" g="0" b="0"/>
+          </a:effectRef>
+          <a:fontRef idx="minor"/>
+        </p:style>
+        <p:txBody>
+          <a:bodyPr anchor="ctr">
+            <a:normAutofit fontScale="92500" lnSpcReduction="10000"/>
+          </a:bodyPr>
+          <a:lstStyle/>
+          <a:p>
+            <a:pPr>
+              <a:lnSpc>
+                <a:spcPct val="100000"/>
+              </a:lnSpc>
+            </a:pPr>
+            <a:r>
+              <a:rPr lang="pt-BR" sz="4400" b="1" strike="noStrike" spc="-1" dirty="0" smtClean="0">
+                <a:solidFill>
+                  <a:srgbClr val="000000"/>
+                </a:solidFill>
+                <a:uFill>
+                  <a:solidFill>
+                    <a:srgbClr val="FFFFFF"/>
+                  </a:solidFill>
+                </a:uFill>
+                <a:latin typeface="Times New Roman"/>
+              </a:rPr>
+              <a:t>Exemplos</a:t>
+            </a:r>
+            <a:endParaRPr lang="pt-BR" sz="4400" b="0" strike="noStrike" spc="-1" dirty="0">
+              <a:solidFill>
+                <a:srgbClr val="000000"/>
+              </a:solidFill>
+              <a:uFill>
+                <a:solidFill>
+                  <a:srgbClr val="FFFFFF"/>
+                </a:solidFill>
+              </a:uFill>
+              <a:latin typeface="Arial"/>
+            </a:endParaRPr>
+          </a:p>
+        </p:txBody>
+      </p:sp>
+      <p:pic>
+        <p:nvPicPr>
+          <p:cNvPr id="102" name="Imagem 16"/>
+          <p:cNvPicPr/>
+          <p:nvPr/>
+        </p:nvPicPr>
+        <p:blipFill>
+          <a:blip r:embed="rId5"/>
+          <a:srcRect l="3124" t="69614" r="3124" b="8995"/>
+          <a:stretch/>
+        </p:blipFill>
+        <p:spPr>
+          <a:xfrm>
+            <a:off x="1571760" y="5929200"/>
+            <a:ext cx="7514640" cy="856800"/>
+          </a:xfrm>
+          <a:prstGeom prst="rect">
+            <a:avLst/>
+          </a:prstGeom>
+          <a:ln>
+            <a:noFill/>
+          </a:ln>
+        </p:spPr>
+      </p:pic>
+      <p:pic>
+        <p:nvPicPr>
+          <p:cNvPr id="2050" name="Picture 2"/>
+          <p:cNvPicPr>
+            <a:picLocks noChangeAspect="1" noChangeArrowheads="1"/>
+          </p:cNvPicPr>
+          <p:nvPr/>
+        </p:nvPicPr>
+        <p:blipFill>
+          <a:blip r:embed="rId6"/>
+          <a:srcRect b="2273"/>
+          <a:stretch>
+            <a:fillRect/>
+          </a:stretch>
+        </p:blipFill>
+        <p:spPr bwMode="auto">
+          <a:xfrm>
+            <a:off x="571472" y="1785926"/>
+            <a:ext cx="7143800" cy="3143272"/>
+          </a:xfrm>
+          <a:prstGeom prst="rect">
+            <a:avLst/>
+          </a:prstGeom>
+          <a:noFill/>
+          <a:ln w="9525">
+            <a:noFill/>
+            <a:miter lim="800000"/>
+            <a:headEnd/>
+            <a:tailEnd/>
+          </a:ln>
+          <a:effectLst/>
+        </p:spPr>
+      </p:pic>
+    </p:spTree>
+  </p:cSld>
+  <p:clrMapOvr>
+    <a:masterClrMapping/>
+  </p:clrMapOvr>
+  <p:timing>
+    <p:tnLst>
+      <p:par>
+        <p:cTn id="1" dur="indefinite" restart="never" nodeType="tmRoot">
+          <p:childTnLst>
+            <p:seq>
+              <p:cTn id="2" nodeType="mainSeq"/>
+              <p:prevCondLst>
+                <p:cond evt="onPrev" delay="0">
+                  <p:tgtEl>
+                    <p:sldTgt/>
+                  </p:tgtEl>
+                </p:cond>
+              </p:prevCondLst>
+              <p:nextCondLst>
+                <p:cond evt="onNext" delay="0">
                   <p:tgtEl>
                     <p:sldTgt/>
                   </p:tgtEl>
@@ -6829,5 +8939,7 @@
       </a:bgFillStyleLst>
     </a:fmtScheme>
   </a:themeElements>
+  <a:objectDefaults/>
+  <a:extraClrSchemeLst/>
 </a:theme>
 </file>
--- a/trabalho_av2/Vuejs_Apresentacao.pptx
+++ b/trabalho_av2/Vuejs_Apresentacao.pptx
@@ -8,15 +8,15 @@
     <p:sldId id="256" r:id="rId2"/>
     <p:sldId id="257" r:id="rId3"/>
     <p:sldId id="258" r:id="rId4"/>
-    <p:sldId id="259" r:id="rId5"/>
-    <p:sldId id="260" r:id="rId6"/>
-    <p:sldId id="261" r:id="rId7"/>
-    <p:sldId id="262" r:id="rId8"/>
-    <p:sldId id="268" r:id="rId9"/>
-    <p:sldId id="269" r:id="rId10"/>
-    <p:sldId id="270" r:id="rId11"/>
-    <p:sldId id="263" r:id="rId12"/>
-    <p:sldId id="271" r:id="rId13"/>
+    <p:sldId id="261" r:id="rId5"/>
+    <p:sldId id="262" r:id="rId6"/>
+    <p:sldId id="268" r:id="rId7"/>
+    <p:sldId id="269" r:id="rId8"/>
+    <p:sldId id="270" r:id="rId9"/>
+    <p:sldId id="263" r:id="rId10"/>
+    <p:sldId id="271" r:id="rId11"/>
+    <p:sldId id="259" r:id="rId12"/>
+    <p:sldId id="260" r:id="rId13"/>
     <p:sldId id="264" r:id="rId14"/>
     <p:sldId id="265" r:id="rId15"/>
     <p:sldId id="266" r:id="rId16"/>
@@ -1919,7 +1919,7 @@
                   <a:spcPct val="100000"/>
                 </a:lnSpc>
               </a:pPr>
-              <a:t>18/04/2018</a:t>
+              <a:t>22/04/2018</a:t>
             </a:fld>
             <a:endParaRPr lang="pt-BR" sz="1200" b="0" strike="noStrike" spc="-1">
               <a:solidFill>
@@ -2717,7 +2717,7 @@
       </p:grpSpPr>
       <p:pic>
         <p:nvPicPr>
-          <p:cNvPr id="95" name="Picture 9"/>
+          <p:cNvPr id="103" name="Picture 9"/>
           <p:cNvPicPr/>
           <p:nvPr/>
         </p:nvPicPr>
@@ -2740,7 +2740,7 @@
       </p:pic>
       <p:pic>
         <p:nvPicPr>
-          <p:cNvPr id="96" name="Picture 9"/>
+          <p:cNvPr id="104" name="Picture 9"/>
           <p:cNvPicPr/>
           <p:nvPr/>
         </p:nvPicPr>
@@ -2763,7 +2763,7 @@
       </p:pic>
       <p:sp>
         <p:nvSpPr>
-          <p:cNvPr id="97" name="CustomShape 1"/>
+          <p:cNvPr id="105" name="CustomShape 1"/>
           <p:cNvSpPr/>
           <p:nvPr/>
         </p:nvSpPr>
@@ -2802,45 +2802,7 @@
       </p:sp>
       <p:sp>
         <p:nvSpPr>
-          <p:cNvPr id="98" name="TextShape 2"/>
-          <p:cNvSpPr txBox="1"/>
-          <p:nvPr/>
-        </p:nvSpPr>
-        <p:spPr>
-          <a:xfrm>
-            <a:off x="142920" y="1785960"/>
-            <a:ext cx="7572240" cy="2928600"/>
-          </a:xfrm>
-          <a:prstGeom prst="rect">
-            <a:avLst/>
-          </a:prstGeom>
-          <a:noFill/>
-          <a:ln>
-            <a:noFill/>
-          </a:ln>
-        </p:spPr>
-        <p:txBody>
-          <a:bodyPr/>
-          <a:lstStyle/>
-          <a:p>
-            <a:pPr algn="ctr"/>
-            <a:endParaRPr lang="pt-BR" sz="3200" b="0" strike="noStrike" spc="-1">
-              <a:solidFill>
-                <a:srgbClr val="000000"/>
-              </a:solidFill>
-              <a:uFill>
-                <a:solidFill>
-                  <a:srgbClr val="FFFFFF"/>
-                </a:solidFill>
-              </a:uFill>
-              <a:latin typeface="Arial"/>
-            </a:endParaRPr>
-          </a:p>
-        </p:txBody>
-      </p:sp>
-      <p:sp>
-        <p:nvSpPr>
-          <p:cNvPr id="99" name="CustomShape 3"/>
+          <p:cNvPr id="107" name="CustomShape 3"/>
           <p:cNvSpPr/>
           <p:nvPr/>
         </p:nvSpPr>
@@ -2878,7 +2840,7 @@
       </p:sp>
       <p:pic>
         <p:nvPicPr>
-          <p:cNvPr id="100" name="Imagem 8"/>
+          <p:cNvPr id="108" name="Imagem 8"/>
           <p:cNvPicPr/>
           <p:nvPr/>
         </p:nvPicPr>
@@ -2902,7 +2864,7 @@
       </p:pic>
       <p:sp>
         <p:nvSpPr>
-          <p:cNvPr id="101" name="CustomShape 4"/>
+          <p:cNvPr id="109" name="CustomShape 4"/>
           <p:cNvSpPr/>
           <p:nvPr/>
         </p:nvSpPr>
@@ -2933,7 +2895,7 @@
         </p:style>
         <p:txBody>
           <a:bodyPr anchor="ctr">
-            <a:normAutofit fontScale="92500" lnSpcReduction="10000"/>
+            <a:normAutofit lnSpcReduction="10000"/>
           </a:bodyPr>
           <a:lstStyle/>
           <a:p>
@@ -2943,7 +2905,7 @@
               </a:lnSpc>
             </a:pPr>
             <a:r>
-              <a:rPr lang="pt-BR" sz="4400" b="1" strike="noStrike" spc="-1" dirty="0" smtClean="0">
+              <a:rPr lang="pt-BR" sz="4400" b="1" strike="noStrike" spc="-1">
                 <a:solidFill>
                   <a:srgbClr val="000000"/>
                 </a:solidFill>
@@ -2954,9 +2916,9 @@
                 </a:uFill>
                 <a:latin typeface="Times New Roman"/>
               </a:rPr>
-              <a:t>Exemplos</a:t>
+              <a:t>Comparando...</a:t>
             </a:r>
-            <a:endParaRPr lang="pt-BR" sz="4400" b="0" strike="noStrike" spc="-1" dirty="0">
+            <a:endParaRPr lang="pt-BR" sz="4400" b="0" strike="noStrike" spc="-1">
               <a:solidFill>
                 <a:srgbClr val="000000"/>
               </a:solidFill>
@@ -2972,7 +2934,7 @@
       </p:sp>
       <p:pic>
         <p:nvPicPr>
-          <p:cNvPr id="102" name="Imagem 16"/>
+          <p:cNvPr id="110" name="Imagem 16"/>
           <p:cNvPicPr/>
           <p:nvPr/>
         </p:nvPicPr>
@@ -2996,7 +2958,7 @@
       </p:pic>
       <p:pic>
         <p:nvPicPr>
-          <p:cNvPr id="3074" name="Picture 2"/>
+          <p:cNvPr id="4098" name="Picture 2"/>
           <p:cNvPicPr>
             <a:picLocks noChangeAspect="1" noChangeArrowheads="1"/>
           </p:cNvPicPr>
@@ -3004,6 +2966,39 @@
         </p:nvPicPr>
         <p:blipFill>
           <a:blip r:embed="rId6"/>
+          <a:srcRect t="16667"/>
+          <a:stretch>
+            <a:fillRect/>
+          </a:stretch>
+        </p:blipFill>
+        <p:spPr bwMode="auto">
+          <a:xfrm>
+            <a:off x="571472" y="2357430"/>
+            <a:ext cx="4143404" cy="3571900"/>
+          </a:xfrm>
+          <a:prstGeom prst="rect">
+            <a:avLst/>
+          </a:prstGeom>
+          <a:noFill/>
+          <a:ln w="9525">
+            <a:noFill/>
+            <a:miter lim="800000"/>
+            <a:headEnd/>
+            <a:tailEnd/>
+          </a:ln>
+          <a:effectLst/>
+        </p:spPr>
+      </p:pic>
+      <p:pic>
+        <p:nvPicPr>
+          <p:cNvPr id="4099" name="Picture 3"/>
+          <p:cNvPicPr>
+            <a:picLocks noChangeAspect="1" noChangeArrowheads="1"/>
+          </p:cNvPicPr>
+          <p:nvPr/>
+        </p:nvPicPr>
+        <p:blipFill>
+          <a:blip r:embed="rId7"/>
           <a:srcRect/>
           <a:stretch>
             <a:fillRect/>
@@ -3011,8 +3006,41 @@
         </p:blipFill>
         <p:spPr bwMode="auto">
           <a:xfrm>
+            <a:off x="4714876" y="2428868"/>
+            <a:ext cx="3248025" cy="3429024"/>
+          </a:xfrm>
+          <a:prstGeom prst="rect">
+            <a:avLst/>
+          </a:prstGeom>
+          <a:noFill/>
+          <a:ln w="9525">
+            <a:noFill/>
+            <a:miter lim="800000"/>
+            <a:headEnd/>
+            <a:tailEnd/>
+          </a:ln>
+          <a:effectLst/>
+        </p:spPr>
+      </p:pic>
+      <p:pic>
+        <p:nvPicPr>
+          <p:cNvPr id="4100" name="Picture 4"/>
+          <p:cNvPicPr>
+            <a:picLocks noChangeAspect="1" noChangeArrowheads="1"/>
+          </p:cNvPicPr>
+          <p:nvPr/>
+        </p:nvPicPr>
+        <p:blipFill>
+          <a:blip r:embed="rId8"/>
+          <a:srcRect/>
+          <a:stretch>
+            <a:fillRect/>
+          </a:stretch>
+        </p:blipFill>
+        <p:spPr bwMode="auto">
+          <a:xfrm>
             <a:off x="571472" y="1643050"/>
-            <a:ext cx="7143800" cy="3929090"/>
+            <a:ext cx="7429552" cy="723901"/>
           </a:xfrm>
           <a:prstGeom prst="rect">
             <a:avLst/>
@@ -3081,7 +3109,7 @@
       </p:grpSpPr>
       <p:pic>
         <p:nvPicPr>
-          <p:cNvPr id="103" name="Picture 9"/>
+          <p:cNvPr id="68" name="Picture 9"/>
           <p:cNvPicPr/>
           <p:nvPr/>
         </p:nvPicPr>
@@ -3104,7 +3132,7 @@
       </p:pic>
       <p:pic>
         <p:nvPicPr>
-          <p:cNvPr id="104" name="Picture 9"/>
+          <p:cNvPr id="69" name="Picture 9"/>
           <p:cNvPicPr/>
           <p:nvPr/>
         </p:nvPicPr>
@@ -3127,7 +3155,7 @@
       </p:pic>
       <p:sp>
         <p:nvSpPr>
-          <p:cNvPr id="105" name="CustomShape 1"/>
+          <p:cNvPr id="70" name="CustomShape 1"/>
           <p:cNvSpPr/>
           <p:nvPr/>
         </p:nvSpPr>
@@ -3166,14 +3194,14 @@
       </p:sp>
       <p:sp>
         <p:nvSpPr>
-          <p:cNvPr id="106" name="TextShape 2"/>
+          <p:cNvPr id="71" name="TextShape 2"/>
           <p:cNvSpPr txBox="1"/>
           <p:nvPr/>
         </p:nvSpPr>
         <p:spPr>
           <a:xfrm>
-            <a:off x="142844" y="1643050"/>
-            <a:ext cx="7572240" cy="2928600"/>
+            <a:off x="252000" y="1497960"/>
+            <a:ext cx="7560000" cy="3542040"/>
           </a:xfrm>
           <a:prstGeom prst="rect">
             <a:avLst/>
@@ -3196,7 +3224,7 @@
               </a:spcBef>
             </a:pPr>
             <a:r>
-              <a:rPr lang="pt-BR" sz="3200" b="0" strike="noStrike" spc="-1" dirty="0">
+              <a:rPr lang="pt-BR" sz="3200" b="0" strike="noStrike" spc="-1">
                 <a:solidFill>
                   <a:srgbClr val="000000"/>
                 </a:solidFill>
@@ -3207,79 +3235,25 @@
                 </a:uFill>
                 <a:latin typeface="Calibri"/>
               </a:rPr>
-              <a:t>	</a:t>
+              <a:t>A diferença é que um computed somente será reavaliado quando alguma de suas dependências for alterada. Isso significa que enquanto message não sofrer alterações, múltiplos acessos ao reversedMessage retornarão o último valor calculado sem precisar executar a função novamente.</a:t>
             </a:r>
-            <a:r>
-              <a:rPr lang="pt-BR" sz="3200" dirty="0"/>
-              <a:t>O </a:t>
-            </a:r>
-            <a:r>
-              <a:rPr lang="pt-BR" sz="3200" dirty="0" err="1"/>
-              <a:t>computer</a:t>
-            </a:r>
-            <a:r>
-              <a:rPr lang="pt-BR" sz="3200" dirty="0"/>
-              <a:t> </a:t>
-            </a:r>
-            <a:r>
-              <a:rPr lang="pt-BR" sz="3200" dirty="0" err="1"/>
-              <a:t>properties</a:t>
-            </a:r>
-            <a:r>
-              <a:rPr lang="pt-BR" sz="3200" dirty="0"/>
-              <a:t> e o </a:t>
-            </a:r>
-            <a:r>
-              <a:rPr lang="pt-BR" sz="3200" dirty="0" err="1"/>
-              <a:t>watchers</a:t>
-            </a:r>
-            <a:r>
-              <a:rPr lang="pt-BR" sz="3200" dirty="0"/>
-              <a:t> são diferentes mesmo trazendo o mesmo resultado.</a:t>
-            </a:r>
-            <a:r>
-              <a:rPr lang="pt-BR" sz="3200" b="0" strike="noStrike" spc="-1" dirty="0">
-                <a:solidFill>
-                  <a:srgbClr val="000000"/>
-                </a:solidFill>
-                <a:uFill>
-                  <a:solidFill>
-                    <a:srgbClr val="FFFFFF"/>
-                  </a:solidFill>
-                </a:uFill>
-                <a:latin typeface="Calibri"/>
-              </a:rPr>
-              <a:t> </a:t>
-            </a:r>
-            <a:r>
-              <a:rPr lang="pt-BR" sz="3200" dirty="0"/>
-              <a:t>Quando se tem alguns dados que necessitam mudar com base na alteração de outros dados, é tentador usar excessivamente o </a:t>
-            </a:r>
-            <a:r>
-              <a:rPr lang="pt-BR" sz="3200" dirty="0" err="1" smtClean="0"/>
-              <a:t>watch</a:t>
-            </a:r>
-            <a:r>
-              <a:rPr lang="pt-BR" sz="3200" dirty="0" smtClean="0"/>
-              <a:t>.</a:t>
-            </a:r>
-            <a:endParaRPr lang="pt-BR" sz="3200" b="0" strike="noStrike" spc="-1" dirty="0">
+            <a:endParaRPr lang="pt-BR" sz="3200" b="0" strike="noStrike" spc="-1">
               <a:solidFill>
-                <a:srgbClr val="000000"/>
+                <a:srgbClr val="800000"/>
               </a:solidFill>
               <a:uFill>
                 <a:solidFill>
                   <a:srgbClr val="FFFFFF"/>
                 </a:solidFill>
               </a:uFill>
-              <a:latin typeface="Arial"/>
+              <a:latin typeface="Calibri"/>
             </a:endParaRPr>
           </a:p>
         </p:txBody>
       </p:sp>
       <p:sp>
         <p:nvSpPr>
-          <p:cNvPr id="107" name="CustomShape 3"/>
+          <p:cNvPr id="72" name="CustomShape 3"/>
           <p:cNvSpPr/>
           <p:nvPr/>
         </p:nvSpPr>
@@ -3317,7 +3291,7 @@
       </p:sp>
       <p:pic>
         <p:nvPicPr>
-          <p:cNvPr id="108" name="Imagem 8"/>
+          <p:cNvPr id="73" name="Imagem 8"/>
           <p:cNvPicPr/>
           <p:nvPr/>
         </p:nvPicPr>
@@ -3341,7 +3315,7 @@
       </p:pic>
       <p:sp>
         <p:nvSpPr>
-          <p:cNvPr id="109" name="CustomShape 4"/>
+          <p:cNvPr id="74" name="CustomShape 4"/>
           <p:cNvSpPr/>
           <p:nvPr/>
         </p:nvSpPr>
@@ -3393,7 +3367,7 @@
                 </a:uFill>
                 <a:latin typeface="Times New Roman"/>
               </a:rPr>
-              <a:t>Comparando...</a:t>
+              <a:t>Computed Vs Métodos</a:t>
             </a:r>
             <a:endParaRPr lang="pt-BR" sz="4400" b="0" strike="noStrike" spc="-1">
               <a:solidFill>
@@ -3411,7 +3385,7 @@
       </p:sp>
       <p:pic>
         <p:nvPicPr>
-          <p:cNvPr id="110" name="Imagem 16"/>
+          <p:cNvPr id="75" name="Imagem 16"/>
           <p:cNvPicPr/>
           <p:nvPr/>
         </p:nvPicPr>
@@ -3433,85 +3407,6 @@
           </a:ln>
         </p:spPr>
       </p:pic>
-      <p:sp>
-        <p:nvSpPr>
-          <p:cNvPr id="10" name="TextShape 2"/>
-          <p:cNvSpPr txBox="1"/>
-          <p:nvPr/>
-        </p:nvSpPr>
-        <p:spPr>
-          <a:xfrm>
-            <a:off x="1214602" y="4572008"/>
-            <a:ext cx="6429232" cy="1571636"/>
-          </a:xfrm>
-          <a:prstGeom prst="rect">
-            <a:avLst/>
-          </a:prstGeom>
-          <a:noFill/>
-          <a:ln>
-            <a:noFill/>
-          </a:ln>
-        </p:spPr>
-        <p:txBody>
-          <a:bodyPr/>
-          <a:lstStyle/>
-          <a:p>
-            <a:pPr algn="just">
-              <a:lnSpc>
-                <a:spcPct val="100000"/>
-              </a:lnSpc>
-              <a:spcBef>
-                <a:spcPts val="641"/>
-              </a:spcBef>
-            </a:pPr>
-            <a:r>
-              <a:rPr lang="pt-BR" sz="3200" b="0" strike="noStrike" spc="-1" dirty="0">
-                <a:solidFill>
-                  <a:srgbClr val="000000"/>
-                </a:solidFill>
-                <a:uFill>
-                  <a:solidFill>
-                    <a:srgbClr val="FFFFFF"/>
-                  </a:solidFill>
-                </a:uFill>
-                <a:latin typeface="Calibri"/>
-              </a:rPr>
-              <a:t>	</a:t>
-            </a:r>
-            <a:r>
-              <a:rPr lang="pt-BR" sz="3200" dirty="0"/>
-              <a:t>No entanto, </a:t>
-            </a:r>
-            <a:r>
-              <a:rPr lang="pt-BR" sz="3200" dirty="0" err="1"/>
-              <a:t>frequentemente</a:t>
-            </a:r>
-            <a:r>
-              <a:rPr lang="pt-BR" sz="3200" dirty="0"/>
-              <a:t> é melhor usar um dado computado em vez do </a:t>
-            </a:r>
-            <a:r>
-              <a:rPr lang="pt-BR" sz="3200" dirty="0" err="1" smtClean="0"/>
-              <a:t>watch</a:t>
-            </a:r>
-            <a:r>
-              <a:rPr lang="pt-BR" sz="3200" dirty="0" smtClean="0"/>
-              <a:t>.</a:t>
-            </a:r>
-            <a:endParaRPr lang="pt-BR" sz="3200" b="0" strike="noStrike" spc="-1" dirty="0">
-              <a:solidFill>
-                <a:srgbClr val="000000"/>
-              </a:solidFill>
-              <a:uFill>
-                <a:solidFill>
-                  <a:srgbClr val="FFFFFF"/>
-                </a:solidFill>
-              </a:uFill>
-              <a:latin typeface="Arial"/>
-            </a:endParaRPr>
-          </a:p>
-        </p:txBody>
-      </p:sp>
     </p:spTree>
   </p:cSld>
   <p:clrMapOvr>
@@ -3566,7 +3461,7 @@
       </p:grpSpPr>
       <p:pic>
         <p:nvPicPr>
-          <p:cNvPr id="103" name="Picture 9"/>
+          <p:cNvPr id="76" name="Picture 9"/>
           <p:cNvPicPr/>
           <p:nvPr/>
         </p:nvPicPr>
@@ -3589,7 +3484,7 @@
       </p:pic>
       <p:pic>
         <p:nvPicPr>
-          <p:cNvPr id="104" name="Picture 9"/>
+          <p:cNvPr id="77" name="Picture 9"/>
           <p:cNvPicPr/>
           <p:nvPr/>
         </p:nvPicPr>
@@ -3612,7 +3507,7 @@
       </p:pic>
       <p:sp>
         <p:nvSpPr>
-          <p:cNvPr id="105" name="CustomShape 1"/>
+          <p:cNvPr id="78" name="CustomShape 1"/>
           <p:cNvSpPr/>
           <p:nvPr/>
         </p:nvSpPr>
@@ -3651,7 +3546,66 @@
       </p:sp>
       <p:sp>
         <p:nvSpPr>
-          <p:cNvPr id="107" name="CustomShape 3"/>
+          <p:cNvPr id="79" name="TextShape 2"/>
+          <p:cNvSpPr txBox="1"/>
+          <p:nvPr/>
+        </p:nvSpPr>
+        <p:spPr>
+          <a:xfrm>
+            <a:off x="252000" y="1497960"/>
+            <a:ext cx="7560000" cy="3542040"/>
+          </a:xfrm>
+          <a:prstGeom prst="rect">
+            <a:avLst/>
+          </a:prstGeom>
+          <a:noFill/>
+          <a:ln>
+            <a:noFill/>
+          </a:ln>
+        </p:spPr>
+        <p:txBody>
+          <a:bodyPr/>
+          <a:lstStyle/>
+          <a:p>
+            <a:pPr algn="just">
+              <a:lnSpc>
+                <a:spcPct val="100000"/>
+              </a:lnSpc>
+              <a:spcBef>
+                <a:spcPts val="641"/>
+              </a:spcBef>
+            </a:pPr>
+            <a:r>
+              <a:rPr lang="pt-BR" sz="3200" b="0" strike="noStrike" spc="-1">
+                <a:solidFill>
+                  <a:srgbClr val="000000"/>
+                </a:solidFill>
+                <a:uFill>
+                  <a:solidFill>
+                    <a:srgbClr val="FFFFFF"/>
+                  </a:solidFill>
+                </a:uFill>
+                <a:latin typeface="Calibri"/>
+              </a:rPr>
+              <a:t>Isto inclusive significa que o seguinte dado computado nunca se alterará, pois Date.now() não é uma dependência reativa por natureza:</a:t>
+            </a:r>
+            <a:endParaRPr lang="pt-BR" sz="3200" b="0" strike="noStrike" spc="-1">
+              <a:solidFill>
+                <a:srgbClr val="800000"/>
+              </a:solidFill>
+              <a:uFill>
+                <a:solidFill>
+                  <a:srgbClr val="FFFFFF"/>
+                </a:solidFill>
+              </a:uFill>
+              <a:latin typeface="Calibri"/>
+            </a:endParaRPr>
+          </a:p>
+        </p:txBody>
+      </p:sp>
+      <p:sp>
+        <p:nvSpPr>
+          <p:cNvPr id="80" name="CustomShape 3"/>
           <p:cNvSpPr/>
           <p:nvPr/>
         </p:nvSpPr>
@@ -3689,7 +3643,7 @@
       </p:sp>
       <p:pic>
         <p:nvPicPr>
-          <p:cNvPr id="108" name="Imagem 8"/>
+          <p:cNvPr id="81" name="Imagem 8"/>
           <p:cNvPicPr/>
           <p:nvPr/>
         </p:nvPicPr>
@@ -3713,7 +3667,7 @@
       </p:pic>
       <p:sp>
         <p:nvSpPr>
-          <p:cNvPr id="109" name="CustomShape 4"/>
+          <p:cNvPr id="82" name="CustomShape 4"/>
           <p:cNvSpPr/>
           <p:nvPr/>
         </p:nvSpPr>
@@ -3765,7 +3719,7 @@
                 </a:uFill>
                 <a:latin typeface="Times New Roman"/>
               </a:rPr>
-              <a:t>Comparando...</a:t>
+              <a:t>Computed Vs Métodos</a:t>
             </a:r>
             <a:endParaRPr lang="pt-BR" sz="4400" b="0" strike="noStrike" spc="-1">
               <a:solidFill>
@@ -3783,7 +3737,7 @@
       </p:sp>
       <p:pic>
         <p:nvPicPr>
-          <p:cNvPr id="110" name="Imagem 16"/>
+          <p:cNvPr id="83" name="Imagem 16"/>
           <p:cNvPicPr/>
           <p:nvPr/>
         </p:nvPicPr>
@@ -3807,103 +3761,86 @@
       </p:pic>
       <p:pic>
         <p:nvPicPr>
-          <p:cNvPr id="4098" name="Picture 2"/>
-          <p:cNvPicPr>
-            <a:picLocks noChangeAspect="1" noChangeArrowheads="1"/>
-          </p:cNvPicPr>
+          <p:cNvPr id="84" name="Imagem 83"/>
+          <p:cNvPicPr/>
           <p:nvPr/>
         </p:nvPicPr>
         <p:blipFill>
           <a:blip r:embed="rId6"/>
-          <a:srcRect t="16667"/>
-          <a:stretch>
-            <a:fillRect/>
-          </a:stretch>
+          <a:stretch/>
         </p:blipFill>
-        <p:spPr bwMode="auto">
-          <a:xfrm>
-            <a:off x="571472" y="2357430"/>
-            <a:ext cx="4143404" cy="3571900"/>
+        <p:spPr>
+          <a:xfrm>
+            <a:off x="432000" y="3420000"/>
+            <a:ext cx="7272000" cy="1194120"/>
+          </a:xfrm>
+          <a:prstGeom prst="rect">
+            <a:avLst/>
+          </a:prstGeom>
+          <a:ln>
+            <a:noFill/>
+          </a:ln>
+        </p:spPr>
+      </p:pic>
+      <p:sp>
+        <p:nvSpPr>
+          <p:cNvPr id="85" name="TextShape 5"/>
+          <p:cNvSpPr txBox="1"/>
+          <p:nvPr/>
+        </p:nvSpPr>
+        <p:spPr>
+          <a:xfrm>
+            <a:off x="1224000" y="4470120"/>
+            <a:ext cx="7632000" cy="1613880"/>
           </a:xfrm>
           <a:prstGeom prst="rect">
             <a:avLst/>
           </a:prstGeom>
           <a:noFill/>
-          <a:ln w="9525">
-            <a:noFill/>
-            <a:miter lim="800000"/>
-            <a:headEnd/>
-            <a:tailEnd/>
-          </a:ln>
-          <a:effectLst/>
-        </p:spPr>
-      </p:pic>
-      <p:pic>
-        <p:nvPicPr>
-          <p:cNvPr id="4099" name="Picture 3"/>
-          <p:cNvPicPr>
-            <a:picLocks noChangeAspect="1" noChangeArrowheads="1"/>
-          </p:cNvPicPr>
-          <p:nvPr/>
-        </p:nvPicPr>
-        <p:blipFill>
-          <a:blip r:embed="rId7"/>
-          <a:srcRect/>
-          <a:stretch>
-            <a:fillRect/>
-          </a:stretch>
-        </p:blipFill>
-        <p:spPr bwMode="auto">
-          <a:xfrm>
-            <a:off x="4714876" y="2428868"/>
-            <a:ext cx="3248025" cy="3429024"/>
-          </a:xfrm>
-          <a:prstGeom prst="rect">
-            <a:avLst/>
-          </a:prstGeom>
-          <a:noFill/>
-          <a:ln w="9525">
-            <a:noFill/>
-            <a:miter lim="800000"/>
-            <a:headEnd/>
-            <a:tailEnd/>
-          </a:ln>
-          <a:effectLst/>
-        </p:spPr>
-      </p:pic>
-      <p:pic>
-        <p:nvPicPr>
-          <p:cNvPr id="4100" name="Picture 4"/>
-          <p:cNvPicPr>
-            <a:picLocks noChangeAspect="1" noChangeArrowheads="1"/>
-          </p:cNvPicPr>
-          <p:nvPr/>
-        </p:nvPicPr>
-        <p:blipFill>
-          <a:blip r:embed="rId8"/>
-          <a:srcRect/>
-          <a:stretch>
-            <a:fillRect/>
-          </a:stretch>
-        </p:blipFill>
-        <p:spPr bwMode="auto">
-          <a:xfrm>
-            <a:off x="571472" y="1643050"/>
-            <a:ext cx="7429552" cy="723901"/>
-          </a:xfrm>
-          <a:prstGeom prst="rect">
-            <a:avLst/>
-          </a:prstGeom>
-          <a:noFill/>
-          <a:ln w="9525">
-            <a:noFill/>
-            <a:miter lim="800000"/>
-            <a:headEnd/>
-            <a:tailEnd/>
-          </a:ln>
-          <a:effectLst/>
-        </p:spPr>
-      </p:pic>
+          <a:ln>
+            <a:noFill/>
+          </a:ln>
+        </p:spPr>
+        <p:txBody>
+          <a:bodyPr/>
+          <a:lstStyle/>
+          <a:p>
+            <a:pPr algn="just">
+              <a:lnSpc>
+                <a:spcPct val="100000"/>
+              </a:lnSpc>
+              <a:spcBef>
+                <a:spcPts val="641"/>
+              </a:spcBef>
+            </a:pPr>
+            <a:r>
+              <a:rPr lang="pt-BR" sz="3200" b="0" strike="noStrike" spc="-1">
+                <a:solidFill>
+                  <a:srgbClr val="000000"/>
+                </a:solidFill>
+                <a:uFill>
+                  <a:solidFill>
+                    <a:srgbClr val="FFFFFF"/>
+                  </a:solidFill>
+                </a:uFill>
+                <a:latin typeface="Calibri"/>
+              </a:rPr>
+              <a:t>Em comparação, a invocação de um método sempre irá rodar a função, toda vez que uma nova renderização ocorrer.</a:t>
+            </a:r>
+            <a:endParaRPr lang="pt-BR" sz="3200" b="0" strike="noStrike" spc="-1">
+              <a:solidFill>
+                <a:srgbClr val="800000"/>
+              </a:solidFill>
+              <a:uFill>
+                <a:solidFill>
+                  <a:srgbClr val="FFFFFF"/>
+                </a:solidFill>
+              </a:uFill>
+              <a:latin typeface="Calibri"/>
+            </a:endParaRPr>
+          </a:p>
+        </p:txBody>
+      </p:sp>
     </p:spTree>
   </p:cSld>
   <p:clrMapOvr>
@@ -4626,19 +4563,7 @@
               <a:rPr lang="pt-BR" dirty="0" smtClean="0">
                 <a:hlinkClick r:id="rId6"/>
               </a:rPr>
-              <a:t>https</a:t>
-            </a:r>
-            <a:r>
-              <a:rPr lang="pt-BR" dirty="0" smtClean="0">
-                <a:hlinkClick r:id="rId6"/>
-              </a:rPr>
-              <a:t>://</a:t>
-            </a:r>
-            <a:r>
-              <a:rPr lang="pt-BR" dirty="0" smtClean="0">
-                <a:hlinkClick r:id="rId6"/>
-              </a:rPr>
-              <a:t>github.com/isamartins/t018_DesenvolvimentoWeb/tree/master/trabalho_av2/codigos</a:t>
+              <a:t>https://github.com/isamartins/t018_DesenvolvimentoWeb/tree/master/trabalho_av2/codigos</a:t>
             </a:r>
             <a:endParaRPr lang="pt-BR" dirty="0" smtClean="0"/>
           </a:p>
@@ -6336,7 +6261,7 @@
       </p:grpSpPr>
       <p:pic>
         <p:nvPicPr>
-          <p:cNvPr id="68" name="Picture 9"/>
+          <p:cNvPr id="86" name="Picture 9"/>
           <p:cNvPicPr/>
           <p:nvPr/>
         </p:nvPicPr>
@@ -6359,7 +6284,7 @@
       </p:pic>
       <p:pic>
         <p:nvPicPr>
-          <p:cNvPr id="69" name="Picture 9"/>
+          <p:cNvPr id="87" name="Picture 9"/>
           <p:cNvPicPr/>
           <p:nvPr/>
         </p:nvPicPr>
@@ -6382,7 +6307,7 @@
       </p:pic>
       <p:sp>
         <p:nvSpPr>
-          <p:cNvPr id="70" name="CustomShape 1"/>
+          <p:cNvPr id="88" name="CustomShape 1"/>
           <p:cNvSpPr/>
           <p:nvPr/>
         </p:nvSpPr>
@@ -6421,7 +6346,7 @@
       </p:sp>
       <p:sp>
         <p:nvSpPr>
-          <p:cNvPr id="71" name="TextShape 2"/>
+          <p:cNvPr id="89" name="TextShape 2"/>
           <p:cNvSpPr txBox="1"/>
           <p:nvPr/>
         </p:nvSpPr>
@@ -6451,7 +6376,7 @@
               </a:spcBef>
             </a:pPr>
             <a:r>
-              <a:rPr lang="pt-BR" sz="3200" b="0" strike="noStrike" spc="-1">
+              <a:rPr lang="pt-BR" sz="3200" b="0" strike="noStrike" spc="-1" dirty="0">
                 <a:solidFill>
                   <a:srgbClr val="000000"/>
                 </a:solidFill>
@@ -6462,9 +6387,65 @@
                 </a:uFill>
                 <a:latin typeface="Calibri"/>
               </a:rPr>
-              <a:t>A diferença é que um computed somente será reavaliado quando alguma de suas dependências for alterada. Isso significa que enquanto message não sofrer alterações, múltiplos acessos ao reversedMessage retornarão o último valor calculado sem precisar executar a função novamente.</a:t>
+              <a:t>São por padrão </a:t>
             </a:r>
-            <a:endParaRPr lang="pt-BR" sz="3200" b="0" strike="noStrike" spc="-1">
+            <a:r>
+              <a:rPr lang="pt-BR" sz="3200" b="0" strike="noStrike" spc="-1" dirty="0" err="1">
+                <a:solidFill>
+                  <a:srgbClr val="000000"/>
+                </a:solidFill>
+                <a:uFill>
+                  <a:solidFill>
+                    <a:srgbClr val="FFFFFF"/>
+                  </a:solidFill>
+                </a:uFill>
+                <a:latin typeface="Calibri"/>
+              </a:rPr>
+              <a:t>getter-only</a:t>
+            </a:r>
+            <a:r>
+              <a:rPr lang="pt-BR" sz="3200" b="0" strike="noStrike" spc="-1" dirty="0">
+                <a:solidFill>
+                  <a:srgbClr val="000000"/>
+                </a:solidFill>
+                <a:uFill>
+                  <a:solidFill>
+                    <a:srgbClr val="FFFFFF"/>
+                  </a:solidFill>
+                </a:uFill>
+                <a:latin typeface="Calibri"/>
+              </a:rPr>
+              <a:t> (somente retornam valor), mas é possível fornecer um </a:t>
+            </a:r>
+            <a:r>
+              <a:rPr lang="pt-BR" sz="3200" b="0" strike="noStrike" spc="-1" dirty="0" err="1">
+                <a:solidFill>
+                  <a:srgbClr val="000000"/>
+                </a:solidFill>
+                <a:uFill>
+                  <a:solidFill>
+                    <a:srgbClr val="FFFFFF"/>
+                  </a:solidFill>
+                </a:uFill>
+                <a:latin typeface="Calibri"/>
+              </a:rPr>
+              <a:t>setter</a:t>
+            </a:r>
+            <a:r>
+              <a:rPr lang="pt-BR" sz="3200" b="0" strike="noStrike" spc="-1" dirty="0">
+                <a:solidFill>
+                  <a:srgbClr val="000000"/>
+                </a:solidFill>
+                <a:uFill>
+                  <a:solidFill>
+                    <a:srgbClr val="FFFFFF"/>
+                  </a:solidFill>
+                </a:uFill>
+                <a:latin typeface="Calibri"/>
+              </a:rPr>
+              <a:t> se precisar dele:</a:t>
+            </a:r>
+            <a:endParaRPr lang="pt-BR" sz="3200" b="0" strike="noStrike" spc="-1" dirty="0">
               <a:solidFill>
                 <a:srgbClr val="800000"/>
               </a:solidFill>
@@ -6480,7 +6461,7 @@
       </p:sp>
       <p:sp>
         <p:nvSpPr>
-          <p:cNvPr id="72" name="CustomShape 3"/>
+          <p:cNvPr id="90" name="CustomShape 3"/>
           <p:cNvSpPr/>
           <p:nvPr/>
         </p:nvSpPr>
@@ -6518,7 +6499,7 @@
       </p:sp>
       <p:pic>
         <p:nvPicPr>
-          <p:cNvPr id="73" name="Imagem 8"/>
+          <p:cNvPr id="91" name="Imagem 8"/>
           <p:cNvPicPr/>
           <p:nvPr/>
         </p:nvPicPr>
@@ -6542,7 +6523,7 @@
       </p:pic>
       <p:sp>
         <p:nvSpPr>
-          <p:cNvPr id="74" name="CustomShape 4"/>
+          <p:cNvPr id="92" name="CustomShape 4"/>
           <p:cNvSpPr/>
           <p:nvPr/>
         </p:nvSpPr>
@@ -6573,7 +6554,7 @@
         </p:style>
         <p:txBody>
           <a:bodyPr anchor="ctr">
-            <a:normAutofit lnSpcReduction="10000"/>
+            <a:normAutofit fontScale="85000" lnSpcReduction="10000"/>
           </a:bodyPr>
           <a:lstStyle/>
           <a:p>
@@ -6594,7 +6575,7 @@
                 </a:uFill>
                 <a:latin typeface="Times New Roman"/>
               </a:rPr>
-              <a:t>Computed Vs Métodos</a:t>
+              <a:t>Atribuição em Computed</a:t>
             </a:r>
             <a:endParaRPr lang="pt-BR" sz="4400" b="0" strike="noStrike" spc="-1">
               <a:solidFill>
@@ -6612,7 +6593,7 @@
       </p:sp>
       <p:pic>
         <p:nvPicPr>
-          <p:cNvPr id="75" name="Imagem 16"/>
+          <p:cNvPr id="93" name="Imagem 16"/>
           <p:cNvPicPr/>
           <p:nvPr/>
         </p:nvPicPr>
@@ -6625,6 +6606,29 @@
           <a:xfrm>
             <a:off x="1571760" y="5929200"/>
             <a:ext cx="7514640" cy="856800"/>
+          </a:xfrm>
+          <a:prstGeom prst="rect">
+            <a:avLst/>
+          </a:prstGeom>
+          <a:ln>
+            <a:noFill/>
+          </a:ln>
+        </p:spPr>
+      </p:pic>
+      <p:pic>
+        <p:nvPicPr>
+          <p:cNvPr id="94" name="Imagem 93"/>
+          <p:cNvPicPr/>
+          <p:nvPr/>
+        </p:nvPicPr>
+        <p:blipFill>
+          <a:blip r:embed="rId6"/>
+          <a:stretch/>
+        </p:blipFill>
+        <p:spPr>
+          <a:xfrm>
+            <a:off x="1245960" y="2958120"/>
+            <a:ext cx="6458040" cy="3161880"/>
           </a:xfrm>
           <a:prstGeom prst="rect">
             <a:avLst/>
@@ -6688,7 +6692,7 @@
       </p:grpSpPr>
       <p:pic>
         <p:nvPicPr>
-          <p:cNvPr id="76" name="Picture 9"/>
+          <p:cNvPr id="95" name="Picture 9"/>
           <p:cNvPicPr/>
           <p:nvPr/>
         </p:nvPicPr>
@@ -6711,7 +6715,7 @@
       </p:pic>
       <p:pic>
         <p:nvPicPr>
-          <p:cNvPr id="77" name="Picture 9"/>
+          <p:cNvPr id="96" name="Picture 9"/>
           <p:cNvPicPr/>
           <p:nvPr/>
         </p:nvPicPr>
@@ -6734,7 +6738,7 @@
       </p:pic>
       <p:sp>
         <p:nvSpPr>
-          <p:cNvPr id="78" name="CustomShape 1"/>
+          <p:cNvPr id="97" name="CustomShape 1"/>
           <p:cNvSpPr/>
           <p:nvPr/>
         </p:nvSpPr>
@@ -6773,14 +6777,14 @@
       </p:sp>
       <p:sp>
         <p:nvSpPr>
-          <p:cNvPr id="79" name="TextShape 2"/>
+          <p:cNvPr id="98" name="TextShape 2"/>
           <p:cNvSpPr txBox="1"/>
           <p:nvPr/>
         </p:nvSpPr>
         <p:spPr>
           <a:xfrm>
-            <a:off x="252000" y="1497960"/>
-            <a:ext cx="7560000" cy="3542040"/>
+            <a:off x="142920" y="1785960"/>
+            <a:ext cx="7572240" cy="2928600"/>
           </a:xfrm>
           <a:prstGeom prst="rect">
             <a:avLst/>
@@ -6794,45 +6798,24 @@
           <a:bodyPr/>
           <a:lstStyle/>
           <a:p>
-            <a:pPr algn="just">
-              <a:lnSpc>
-                <a:spcPct val="100000"/>
-              </a:lnSpc>
-              <a:spcBef>
-                <a:spcPts val="641"/>
-              </a:spcBef>
-            </a:pPr>
-            <a:r>
-              <a:rPr lang="pt-BR" sz="3200" b="0" strike="noStrike" spc="-1">
-                <a:solidFill>
-                  <a:srgbClr val="000000"/>
-                </a:solidFill>
-                <a:uFill>
-                  <a:solidFill>
-                    <a:srgbClr val="FFFFFF"/>
-                  </a:solidFill>
-                </a:uFill>
-                <a:latin typeface="Calibri"/>
-              </a:rPr>
-              <a:t>Isto inclusive significa que o seguinte dado computado nunca se alterará, pois Date.now() não é uma dependência reativa por natureza:</a:t>
-            </a:r>
+            <a:pPr algn="ctr"/>
             <a:endParaRPr lang="pt-BR" sz="3200" b="0" strike="noStrike" spc="-1">
               <a:solidFill>
-                <a:srgbClr val="800000"/>
+                <a:srgbClr val="000000"/>
               </a:solidFill>
               <a:uFill>
                 <a:solidFill>
                   <a:srgbClr val="FFFFFF"/>
                 </a:solidFill>
               </a:uFill>
-              <a:latin typeface="Calibri"/>
+              <a:latin typeface="Arial"/>
             </a:endParaRPr>
           </a:p>
         </p:txBody>
       </p:sp>
       <p:sp>
         <p:nvSpPr>
-          <p:cNvPr id="80" name="CustomShape 3"/>
+          <p:cNvPr id="99" name="CustomShape 3"/>
           <p:cNvSpPr/>
           <p:nvPr/>
         </p:nvSpPr>
@@ -6870,7 +6853,7 @@
       </p:sp>
       <p:pic>
         <p:nvPicPr>
-          <p:cNvPr id="81" name="Imagem 8"/>
+          <p:cNvPr id="100" name="Imagem 8"/>
           <p:cNvPicPr/>
           <p:nvPr/>
         </p:nvPicPr>
@@ -6894,7 +6877,7 @@
       </p:pic>
       <p:sp>
         <p:nvSpPr>
-          <p:cNvPr id="82" name="CustomShape 4"/>
+          <p:cNvPr id="101" name="CustomShape 4"/>
           <p:cNvSpPr/>
           <p:nvPr/>
         </p:nvSpPr>
@@ -6946,7 +6929,7 @@
                 </a:uFill>
                 <a:latin typeface="Times New Roman"/>
               </a:rPr>
-              <a:t>Computed Vs Métodos</a:t>
+              <a:t>Observadores</a:t>
             </a:r>
             <a:endParaRPr lang="pt-BR" sz="4400" b="0" strike="noStrike" spc="-1">
               <a:solidFill>
@@ -6964,7 +6947,7 @@
       </p:sp>
       <p:pic>
         <p:nvPicPr>
-          <p:cNvPr id="83" name="Imagem 16"/>
+          <p:cNvPr id="102" name="Imagem 16"/>
           <p:cNvPicPr/>
           <p:nvPr/>
         </p:nvPicPr>
@@ -6986,39 +6969,16 @@
           </a:ln>
         </p:spPr>
       </p:pic>
-      <p:pic>
-        <p:nvPicPr>
-          <p:cNvPr id="84" name="Imagem 83"/>
-          <p:cNvPicPr/>
-          <p:nvPr/>
-        </p:nvPicPr>
-        <p:blipFill>
-          <a:blip r:embed="rId6"/>
-          <a:stretch/>
-        </p:blipFill>
-        <p:spPr>
-          <a:xfrm>
-            <a:off x="432000" y="3420000"/>
-            <a:ext cx="7272000" cy="1194120"/>
-          </a:xfrm>
-          <a:prstGeom prst="rect">
-            <a:avLst/>
-          </a:prstGeom>
-          <a:ln>
-            <a:noFill/>
-          </a:ln>
-        </p:spPr>
-      </p:pic>
-      <p:sp>
-        <p:nvSpPr>
-          <p:cNvPr id="85" name="TextShape 5"/>
+      <p:sp>
+        <p:nvSpPr>
+          <p:cNvPr id="11" name="TextShape 2"/>
           <p:cNvSpPr txBox="1"/>
           <p:nvPr/>
         </p:nvSpPr>
         <p:spPr>
           <a:xfrm>
-            <a:off x="1224000" y="4470120"/>
-            <a:ext cx="7632000" cy="1613880"/>
+            <a:off x="142844" y="1714488"/>
+            <a:ext cx="7560000" cy="2645420"/>
           </a:xfrm>
           <a:prstGeom prst="rect">
             <a:avLst/>
@@ -7041,20 +7001,87 @@
               </a:spcBef>
             </a:pPr>
             <a:r>
-              <a:rPr lang="pt-BR" sz="3200" b="0" strike="noStrike" spc="-1">
-                <a:solidFill>
-                  <a:srgbClr val="000000"/>
-                </a:solidFill>
-                <a:uFill>
-                  <a:solidFill>
-                    <a:srgbClr val="FFFFFF"/>
-                  </a:solidFill>
-                </a:uFill>
-                <a:latin typeface="Calibri"/>
-              </a:rPr>
-              <a:t>Em comparação, a invocação de um método sempre irá rodar a função, toda vez que uma nova renderização ocorrer.</a:t>
+              <a:rPr lang="pt-BR" sz="3200" dirty="0" smtClean="0"/>
+              <a:t>Existem </a:t>
             </a:r>
-            <a:endParaRPr lang="pt-BR" sz="3200" b="0" strike="noStrike" spc="-1">
+            <a:r>
+              <a:rPr lang="pt-BR" sz="3200" dirty="0"/>
+              <a:t>momentos em que um observador personalizado é necessário. </a:t>
+            </a:r>
+            <a:r>
+              <a:rPr lang="pt-BR" sz="3200" dirty="0" smtClean="0"/>
+              <a:t>O </a:t>
+            </a:r>
+            <a:r>
+              <a:rPr lang="pt-BR" sz="3200" dirty="0" err="1"/>
+              <a:t>Vue</a:t>
+            </a:r>
+            <a:r>
+              <a:rPr lang="pt-BR" sz="3200" dirty="0"/>
+              <a:t> fornece uma maneira mais genérica para reagir a alterações de dados, o </a:t>
+            </a:r>
+            <a:r>
+              <a:rPr lang="pt-BR" sz="3200" dirty="0" err="1" smtClean="0"/>
+              <a:t>watch</a:t>
+            </a:r>
+            <a:r>
+              <a:rPr lang="pt-BR" sz="3200" dirty="0" smtClean="0"/>
+              <a:t>. Isto é particularmente útil quando se precisa executar operações</a:t>
+            </a:r>
+            <a:endParaRPr lang="pt-BR" sz="3200" b="0" strike="noStrike" spc="-1" dirty="0">
+              <a:solidFill>
+                <a:srgbClr val="800000"/>
+              </a:solidFill>
+              <a:uFill>
+                <a:solidFill>
+                  <a:srgbClr val="FFFFFF"/>
+                </a:solidFill>
+              </a:uFill>
+              <a:latin typeface="Calibri"/>
+            </a:endParaRPr>
+          </a:p>
+        </p:txBody>
+      </p:sp>
+      <p:sp>
+        <p:nvSpPr>
+          <p:cNvPr id="12" name="TextShape 2"/>
+          <p:cNvSpPr txBox="1"/>
+          <p:nvPr/>
+        </p:nvSpPr>
+        <p:spPr>
+          <a:xfrm>
+            <a:off x="1214414" y="4643446"/>
+            <a:ext cx="6572296" cy="2571768"/>
+          </a:xfrm>
+          <a:prstGeom prst="rect">
+            <a:avLst/>
+          </a:prstGeom>
+          <a:noFill/>
+          <a:ln>
+            <a:noFill/>
+          </a:ln>
+        </p:spPr>
+        <p:txBody>
+          <a:bodyPr/>
+          <a:lstStyle/>
+          <a:p>
+            <a:pPr algn="just">
+              <a:lnSpc>
+                <a:spcPct val="100000"/>
+              </a:lnSpc>
+              <a:spcBef>
+                <a:spcPts val="641"/>
+              </a:spcBef>
+            </a:pPr>
+            <a:r>
+              <a:rPr lang="pt-BR" sz="3200" dirty="0"/>
+              <a:t> </a:t>
+            </a:r>
+            <a:r>
+              <a:rPr lang="pt-BR" sz="3200" dirty="0" smtClean="0"/>
+              <a:t>  	assíncronas ou operações complexas antes de responder a uma alteração de dados.</a:t>
+            </a:r>
+            <a:endParaRPr lang="pt-BR" sz="3200" b="0" strike="noStrike" spc="-1" dirty="0">
               <a:solidFill>
                 <a:srgbClr val="800000"/>
               </a:solidFill>
@@ -7122,7 +7149,7 @@
       </p:grpSpPr>
       <p:pic>
         <p:nvPicPr>
-          <p:cNvPr id="86" name="Picture 9"/>
+          <p:cNvPr id="95" name="Picture 9"/>
           <p:cNvPicPr/>
           <p:nvPr/>
         </p:nvPicPr>
@@ -7145,7 +7172,7 @@
       </p:pic>
       <p:pic>
         <p:nvPicPr>
-          <p:cNvPr id="87" name="Picture 9"/>
+          <p:cNvPr id="96" name="Picture 9"/>
           <p:cNvPicPr/>
           <p:nvPr/>
         </p:nvPicPr>
@@ -7168,7 +7195,7 @@
       </p:pic>
       <p:sp>
         <p:nvSpPr>
-          <p:cNvPr id="88" name="CustomShape 1"/>
+          <p:cNvPr id="97" name="CustomShape 1"/>
           <p:cNvSpPr/>
           <p:nvPr/>
         </p:nvSpPr>
@@ -7207,14 +7234,14 @@
       </p:sp>
       <p:sp>
         <p:nvSpPr>
-          <p:cNvPr id="89" name="TextShape 2"/>
+          <p:cNvPr id="98" name="TextShape 2"/>
           <p:cNvSpPr txBox="1"/>
           <p:nvPr/>
         </p:nvSpPr>
         <p:spPr>
           <a:xfrm>
-            <a:off x="252000" y="1497960"/>
-            <a:ext cx="7560000" cy="3542040"/>
+            <a:off x="142920" y="1785960"/>
+            <a:ext cx="7572240" cy="2928600"/>
           </a:xfrm>
           <a:prstGeom prst="rect">
             <a:avLst/>
@@ -7228,101 +7255,24 @@
           <a:bodyPr/>
           <a:lstStyle/>
           <a:p>
-            <a:pPr algn="just">
-              <a:lnSpc>
-                <a:spcPct val="100000"/>
-              </a:lnSpc>
-              <a:spcBef>
-                <a:spcPts val="641"/>
-              </a:spcBef>
-            </a:pPr>
-            <a:r>
-              <a:rPr lang="pt-BR" sz="3200" b="0" strike="noStrike" spc="-1" dirty="0">
-                <a:solidFill>
-                  <a:srgbClr val="000000"/>
-                </a:solidFill>
-                <a:uFill>
-                  <a:solidFill>
-                    <a:srgbClr val="FFFFFF"/>
-                  </a:solidFill>
-                </a:uFill>
-                <a:latin typeface="Calibri"/>
-              </a:rPr>
-              <a:t>São por padrão </a:t>
-            </a:r>
-            <a:r>
-              <a:rPr lang="pt-BR" sz="3200" b="0" strike="noStrike" spc="-1" dirty="0" err="1">
-                <a:solidFill>
-                  <a:srgbClr val="000000"/>
-                </a:solidFill>
-                <a:uFill>
-                  <a:solidFill>
-                    <a:srgbClr val="FFFFFF"/>
-                  </a:solidFill>
-                </a:uFill>
-                <a:latin typeface="Calibri"/>
-              </a:rPr>
-              <a:t>getter-only</a:t>
-            </a:r>
-            <a:r>
-              <a:rPr lang="pt-BR" sz="3200" b="0" strike="noStrike" spc="-1" dirty="0">
-                <a:solidFill>
-                  <a:srgbClr val="000000"/>
-                </a:solidFill>
-                <a:uFill>
-                  <a:solidFill>
-                    <a:srgbClr val="FFFFFF"/>
-                  </a:solidFill>
-                </a:uFill>
-                <a:latin typeface="Calibri"/>
-              </a:rPr>
-              <a:t> (somente retornam valor), mas é possível fornecer um </a:t>
-            </a:r>
-            <a:r>
-              <a:rPr lang="pt-BR" sz="3200" b="0" strike="noStrike" spc="-1" dirty="0" err="1">
-                <a:solidFill>
-                  <a:srgbClr val="000000"/>
-                </a:solidFill>
-                <a:uFill>
-                  <a:solidFill>
-                    <a:srgbClr val="FFFFFF"/>
-                  </a:solidFill>
-                </a:uFill>
-                <a:latin typeface="Calibri"/>
-              </a:rPr>
-              <a:t>setter</a:t>
-            </a:r>
-            <a:r>
-              <a:rPr lang="pt-BR" sz="3200" b="0" strike="noStrike" spc="-1" dirty="0">
-                <a:solidFill>
-                  <a:srgbClr val="000000"/>
-                </a:solidFill>
-                <a:uFill>
-                  <a:solidFill>
-                    <a:srgbClr val="FFFFFF"/>
-                  </a:solidFill>
-                </a:uFill>
-                <a:latin typeface="Calibri"/>
-              </a:rPr>
-              <a:t> se precisar dele:</a:t>
-            </a:r>
-            <a:endParaRPr lang="pt-BR" sz="3200" b="0" strike="noStrike" spc="-1" dirty="0">
+            <a:pPr algn="ctr"/>
+            <a:endParaRPr lang="pt-BR" sz="3200" b="0" strike="noStrike" spc="-1">
               <a:solidFill>
-                <a:srgbClr val="800000"/>
+                <a:srgbClr val="000000"/>
               </a:solidFill>
               <a:uFill>
                 <a:solidFill>
                   <a:srgbClr val="FFFFFF"/>
                 </a:solidFill>
               </a:uFill>
-              <a:latin typeface="Calibri"/>
+              <a:latin typeface="Arial"/>
             </a:endParaRPr>
           </a:p>
         </p:txBody>
       </p:sp>
       <p:sp>
         <p:nvSpPr>
-          <p:cNvPr id="90" name="CustomShape 3"/>
+          <p:cNvPr id="99" name="CustomShape 3"/>
           <p:cNvSpPr/>
           <p:nvPr/>
         </p:nvSpPr>
@@ -7360,7 +7310,7 @@
       </p:sp>
       <p:pic>
         <p:nvPicPr>
-          <p:cNvPr id="91" name="Imagem 8"/>
+          <p:cNvPr id="100" name="Imagem 8"/>
           <p:cNvPicPr/>
           <p:nvPr/>
         </p:nvPicPr>
@@ -7384,7 +7334,7 @@
       </p:pic>
       <p:sp>
         <p:nvSpPr>
-          <p:cNvPr id="92" name="CustomShape 4"/>
+          <p:cNvPr id="101" name="CustomShape 4"/>
           <p:cNvSpPr/>
           <p:nvPr/>
         </p:nvSpPr>
@@ -7415,7 +7365,7 @@
         </p:style>
         <p:txBody>
           <a:bodyPr anchor="ctr">
-            <a:normAutofit fontScale="85000" lnSpcReduction="10000"/>
+            <a:normAutofit fontScale="92500" lnSpcReduction="10000"/>
           </a:bodyPr>
           <a:lstStyle/>
           <a:p>
@@ -7425,7 +7375,7 @@
               </a:lnSpc>
             </a:pPr>
             <a:r>
-              <a:rPr lang="pt-BR" sz="4400" b="1" strike="noStrike" spc="-1">
+              <a:rPr lang="pt-BR" sz="4400" b="1" strike="noStrike" spc="-1" dirty="0" smtClean="0">
                 <a:solidFill>
                   <a:srgbClr val="000000"/>
                 </a:solidFill>
@@ -7436,9 +7386,9 @@
                 </a:uFill>
                 <a:latin typeface="Times New Roman"/>
               </a:rPr>
-              <a:t>Atribuição em Computed</a:t>
+              <a:t>Exemplos</a:t>
             </a:r>
-            <a:endParaRPr lang="pt-BR" sz="4400" b="0" strike="noStrike" spc="-1">
+            <a:endParaRPr lang="pt-BR" sz="4400" b="0" strike="noStrike" spc="-1" dirty="0">
               <a:solidFill>
                 <a:srgbClr val="000000"/>
               </a:solidFill>
@@ -7454,7 +7404,7 @@
       </p:sp>
       <p:pic>
         <p:nvPicPr>
-          <p:cNvPr id="93" name="Imagem 16"/>
+          <p:cNvPr id="102" name="Imagem 16"/>
           <p:cNvPicPr/>
           <p:nvPr/>
         </p:nvPicPr>
@@ -7478,25 +7428,35 @@
       </p:pic>
       <p:pic>
         <p:nvPicPr>
-          <p:cNvPr id="94" name="Imagem 93"/>
-          <p:cNvPicPr/>
+          <p:cNvPr id="1026" name="Picture 2"/>
+          <p:cNvPicPr>
+            <a:picLocks noChangeAspect="1" noChangeArrowheads="1"/>
+          </p:cNvPicPr>
           <p:nvPr/>
         </p:nvPicPr>
         <p:blipFill>
           <a:blip r:embed="rId6"/>
-          <a:stretch/>
+          <a:srcRect/>
+          <a:stretch>
+            <a:fillRect/>
+          </a:stretch>
         </p:blipFill>
-        <p:spPr>
-          <a:xfrm>
-            <a:off x="1245960" y="2958120"/>
-            <a:ext cx="6458040" cy="3161880"/>
-          </a:xfrm>
-          <a:prstGeom prst="rect">
-            <a:avLst/>
-          </a:prstGeom>
-          <a:ln>
-            <a:noFill/>
-          </a:ln>
+        <p:spPr bwMode="auto">
+          <a:xfrm>
+            <a:off x="357158" y="2175503"/>
+            <a:ext cx="7286676" cy="2039315"/>
+          </a:xfrm>
+          <a:prstGeom prst="rect">
+            <a:avLst/>
+          </a:prstGeom>
+          <a:noFill/>
+          <a:ln w="9525">
+            <a:noFill/>
+            <a:miter lim="800000"/>
+            <a:headEnd/>
+            <a:tailEnd/>
+          </a:ln>
+          <a:effectLst/>
         </p:spPr>
       </p:pic>
     </p:spTree>
@@ -7769,7 +7729,7 @@
         </p:style>
         <p:txBody>
           <a:bodyPr anchor="ctr">
-            <a:normAutofit lnSpcReduction="10000"/>
+            <a:normAutofit fontScale="92500" lnSpcReduction="10000"/>
           </a:bodyPr>
           <a:lstStyle/>
           <a:p>
@@ -7779,7 +7739,7 @@
               </a:lnSpc>
             </a:pPr>
             <a:r>
-              <a:rPr lang="pt-BR" sz="4400" b="1" strike="noStrike" spc="-1">
+              <a:rPr lang="pt-BR" sz="4400" b="1" strike="noStrike" spc="-1" dirty="0" smtClean="0">
                 <a:solidFill>
                   <a:srgbClr val="000000"/>
                 </a:solidFill>
@@ -7790,9 +7750,9 @@
                 </a:uFill>
                 <a:latin typeface="Times New Roman"/>
               </a:rPr>
-              <a:t>Observadores</a:t>
+              <a:t>Exemplos</a:t>
             </a:r>
-            <a:endParaRPr lang="pt-BR" sz="4400" b="0" strike="noStrike" spc="-1">
+            <a:endParaRPr lang="pt-BR" sz="4400" b="0" strike="noStrike" spc="-1" dirty="0">
               <a:solidFill>
                 <a:srgbClr val="000000"/>
               </a:solidFill>
@@ -7830,132 +7790,39 @@
           </a:ln>
         </p:spPr>
       </p:pic>
-      <p:sp>
-        <p:nvSpPr>
-          <p:cNvPr id="11" name="TextShape 2"/>
-          <p:cNvSpPr txBox="1"/>
-          <p:nvPr/>
-        </p:nvSpPr>
-        <p:spPr>
-          <a:xfrm>
-            <a:off x="142844" y="1714488"/>
-            <a:ext cx="7560000" cy="2645420"/>
+      <p:pic>
+        <p:nvPicPr>
+          <p:cNvPr id="2050" name="Picture 2"/>
+          <p:cNvPicPr>
+            <a:picLocks noChangeAspect="1" noChangeArrowheads="1"/>
+          </p:cNvPicPr>
+          <p:nvPr/>
+        </p:nvPicPr>
+        <p:blipFill>
+          <a:blip r:embed="rId6"/>
+          <a:srcRect b="2273"/>
+          <a:stretch>
+            <a:fillRect/>
+          </a:stretch>
+        </p:blipFill>
+        <p:spPr bwMode="auto">
+          <a:xfrm>
+            <a:off x="571472" y="1785926"/>
+            <a:ext cx="7143800" cy="3143272"/>
           </a:xfrm>
           <a:prstGeom prst="rect">
             <a:avLst/>
           </a:prstGeom>
           <a:noFill/>
-          <a:ln>
-            <a:noFill/>
-          </a:ln>
-        </p:spPr>
-        <p:txBody>
-          <a:bodyPr/>
-          <a:lstStyle/>
-          <a:p>
-            <a:pPr algn="just">
-              <a:lnSpc>
-                <a:spcPct val="100000"/>
-              </a:lnSpc>
-              <a:spcBef>
-                <a:spcPts val="641"/>
-              </a:spcBef>
-            </a:pPr>
-            <a:r>
-              <a:rPr lang="pt-BR" sz="3200" dirty="0" smtClean="0"/>
-              <a:t>Existem </a:t>
-            </a:r>
-            <a:r>
-              <a:rPr lang="pt-BR" sz="3200" dirty="0"/>
-              <a:t>momentos em que um observador personalizado é necessário. </a:t>
-            </a:r>
-            <a:r>
-              <a:rPr lang="pt-BR" sz="3200" dirty="0" smtClean="0"/>
-              <a:t>O </a:t>
-            </a:r>
-            <a:r>
-              <a:rPr lang="pt-BR" sz="3200" dirty="0" err="1"/>
-              <a:t>Vue</a:t>
-            </a:r>
-            <a:r>
-              <a:rPr lang="pt-BR" sz="3200" dirty="0"/>
-              <a:t> fornece uma maneira mais genérica para reagir a alterações de dados, o </a:t>
-            </a:r>
-            <a:r>
-              <a:rPr lang="pt-BR" sz="3200" dirty="0" err="1" smtClean="0"/>
-              <a:t>watch</a:t>
-            </a:r>
-            <a:r>
-              <a:rPr lang="pt-BR" sz="3200" dirty="0" smtClean="0"/>
-              <a:t>. Isto é particularmente útil quando se precisa executar operações</a:t>
-            </a:r>
-            <a:endParaRPr lang="pt-BR" sz="3200" b="0" strike="noStrike" spc="-1" dirty="0">
-              <a:solidFill>
-                <a:srgbClr val="800000"/>
-              </a:solidFill>
-              <a:uFill>
-                <a:solidFill>
-                  <a:srgbClr val="FFFFFF"/>
-                </a:solidFill>
-              </a:uFill>
-              <a:latin typeface="Calibri"/>
-            </a:endParaRPr>
-          </a:p>
-        </p:txBody>
-      </p:sp>
-      <p:sp>
-        <p:nvSpPr>
-          <p:cNvPr id="12" name="TextShape 2"/>
-          <p:cNvSpPr txBox="1"/>
-          <p:nvPr/>
-        </p:nvSpPr>
-        <p:spPr>
-          <a:xfrm>
-            <a:off x="1214414" y="4643446"/>
-            <a:ext cx="6572296" cy="2571768"/>
-          </a:xfrm>
-          <a:prstGeom prst="rect">
-            <a:avLst/>
-          </a:prstGeom>
-          <a:noFill/>
-          <a:ln>
-            <a:noFill/>
-          </a:ln>
-        </p:spPr>
-        <p:txBody>
-          <a:bodyPr/>
-          <a:lstStyle/>
-          <a:p>
-            <a:pPr algn="just">
-              <a:lnSpc>
-                <a:spcPct val="100000"/>
-              </a:lnSpc>
-              <a:spcBef>
-                <a:spcPts val="641"/>
-              </a:spcBef>
-            </a:pPr>
-            <a:r>
-              <a:rPr lang="pt-BR" sz="3200" dirty="0"/>
-              <a:t> </a:t>
-            </a:r>
-            <a:r>
-              <a:rPr lang="pt-BR" sz="3200" dirty="0" smtClean="0"/>
-              <a:t>  	assíncronas ou operações complexas antes de responder a uma alteração de dados.</a:t>
-            </a:r>
-            <a:endParaRPr lang="pt-BR" sz="3200" b="0" strike="noStrike" spc="-1" dirty="0">
-              <a:solidFill>
-                <a:srgbClr val="800000"/>
-              </a:solidFill>
-              <a:uFill>
-                <a:solidFill>
-                  <a:srgbClr val="FFFFFF"/>
-                </a:solidFill>
-              </a:uFill>
-              <a:latin typeface="Calibri"/>
-            </a:endParaRPr>
-          </a:p>
-        </p:txBody>
-      </p:sp>
+          <a:ln w="9525">
+            <a:noFill/>
+            <a:miter lim="800000"/>
+            <a:headEnd/>
+            <a:tailEnd/>
+          </a:ln>
+          <a:effectLst/>
+        </p:spPr>
+      </p:pic>
     </p:spTree>
   </p:cSld>
   <p:clrMapOvr>
@@ -8289,7 +8156,7 @@
       </p:pic>
       <p:pic>
         <p:nvPicPr>
-          <p:cNvPr id="1026" name="Picture 2"/>
+          <p:cNvPr id="3074" name="Picture 2"/>
           <p:cNvPicPr>
             <a:picLocks noChangeAspect="1" noChangeArrowheads="1"/>
           </p:cNvPicPr>
@@ -8304,8 +8171,8 @@
         </p:blipFill>
         <p:spPr bwMode="auto">
           <a:xfrm>
-            <a:off x="357158" y="2175503"/>
-            <a:ext cx="7286676" cy="2039315"/>
+            <a:off x="571472" y="1643050"/>
+            <a:ext cx="7143800" cy="3929090"/>
           </a:xfrm>
           <a:prstGeom prst="rect">
             <a:avLst/>
@@ -8374,7 +8241,7 @@
       </p:grpSpPr>
       <p:pic>
         <p:nvPicPr>
-          <p:cNvPr id="95" name="Picture 9"/>
+          <p:cNvPr id="103" name="Picture 9"/>
           <p:cNvPicPr/>
           <p:nvPr/>
         </p:nvPicPr>
@@ -8397,7 +8264,7 @@
       </p:pic>
       <p:pic>
         <p:nvPicPr>
-          <p:cNvPr id="96" name="Picture 9"/>
+          <p:cNvPr id="104" name="Picture 9"/>
           <p:cNvPicPr/>
           <p:nvPr/>
         </p:nvPicPr>
@@ -8420,7 +8287,7 @@
       </p:pic>
       <p:sp>
         <p:nvSpPr>
-          <p:cNvPr id="97" name="CustomShape 1"/>
+          <p:cNvPr id="105" name="CustomShape 1"/>
           <p:cNvSpPr/>
           <p:nvPr/>
         </p:nvSpPr>
@@ -8459,13 +8326,13 @@
       </p:sp>
       <p:sp>
         <p:nvSpPr>
-          <p:cNvPr id="98" name="TextShape 2"/>
+          <p:cNvPr id="106" name="TextShape 2"/>
           <p:cNvSpPr txBox="1"/>
           <p:nvPr/>
         </p:nvSpPr>
         <p:spPr>
           <a:xfrm>
-            <a:off x="142920" y="1785960"/>
+            <a:off x="142844" y="1643050"/>
             <a:ext cx="7572240" cy="2928600"/>
           </a:xfrm>
           <a:prstGeom prst="rect">
@@ -8480,8 +8347,83 @@
           <a:bodyPr/>
           <a:lstStyle/>
           <a:p>
-            <a:pPr algn="ctr"/>
-            <a:endParaRPr lang="pt-BR" sz="3200" b="0" strike="noStrike" spc="-1">
+            <a:pPr algn="just">
+              <a:lnSpc>
+                <a:spcPct val="100000"/>
+              </a:lnSpc>
+              <a:spcBef>
+                <a:spcPts val="641"/>
+              </a:spcBef>
+            </a:pPr>
+            <a:r>
+              <a:rPr lang="pt-BR" sz="3200" b="0" strike="noStrike" spc="-1" dirty="0">
+                <a:solidFill>
+                  <a:srgbClr val="000000"/>
+                </a:solidFill>
+                <a:uFill>
+                  <a:solidFill>
+                    <a:srgbClr val="FFFFFF"/>
+                  </a:solidFill>
+                </a:uFill>
+                <a:latin typeface="Calibri"/>
+              </a:rPr>
+              <a:t>	</a:t>
+            </a:r>
+            <a:r>
+              <a:rPr lang="pt-BR" sz="3200" dirty="0"/>
+              <a:t>O </a:t>
+            </a:r>
+            <a:r>
+              <a:rPr lang="pt-BR" sz="3200" dirty="0" err="1"/>
+              <a:t>computer</a:t>
+            </a:r>
+            <a:r>
+              <a:rPr lang="pt-BR" sz="3200" dirty="0"/>
+              <a:t> </a:t>
+            </a:r>
+            <a:r>
+              <a:rPr lang="pt-BR" sz="3200" dirty="0" err="1"/>
+              <a:t>properties</a:t>
+            </a:r>
+            <a:r>
+              <a:rPr lang="pt-BR" sz="3200" dirty="0"/>
+              <a:t> e o </a:t>
+            </a:r>
+            <a:r>
+              <a:rPr lang="pt-BR" sz="3200" dirty="0" err="1"/>
+              <a:t>watchers</a:t>
+            </a:r>
+            <a:r>
+              <a:rPr lang="pt-BR" sz="3200" dirty="0"/>
+              <a:t> são diferentes mesmo trazendo o mesmo resultado.</a:t>
+            </a:r>
+            <a:r>
+              <a:rPr lang="pt-BR" sz="3200" b="0" strike="noStrike" spc="-1" dirty="0">
+                <a:solidFill>
+                  <a:srgbClr val="000000"/>
+                </a:solidFill>
+                <a:uFill>
+                  <a:solidFill>
+                    <a:srgbClr val="FFFFFF"/>
+                  </a:solidFill>
+                </a:uFill>
+                <a:latin typeface="Calibri"/>
+              </a:rPr>
+              <a:t> </a:t>
+            </a:r>
+            <a:r>
+              <a:rPr lang="pt-BR" sz="3200" dirty="0"/>
+              <a:t>Quando se tem alguns dados que necessitam mudar com base na alteração de outros dados, é tentador usar excessivamente o </a:t>
+            </a:r>
+            <a:r>
+              <a:rPr lang="pt-BR" sz="3200" dirty="0" err="1" smtClean="0"/>
+              <a:t>watch</a:t>
+            </a:r>
+            <a:r>
+              <a:rPr lang="pt-BR" sz="3200" dirty="0" smtClean="0"/>
+              <a:t>.</a:t>
+            </a:r>
+            <a:endParaRPr lang="pt-BR" sz="3200" b="0" strike="noStrike" spc="-1" dirty="0">
               <a:solidFill>
                 <a:srgbClr val="000000"/>
               </a:solidFill>
@@ -8497,7 +8439,7 @@
       </p:sp>
       <p:sp>
         <p:nvSpPr>
-          <p:cNvPr id="99" name="CustomShape 3"/>
+          <p:cNvPr id="107" name="CustomShape 3"/>
           <p:cNvSpPr/>
           <p:nvPr/>
         </p:nvSpPr>
@@ -8535,7 +8477,7 @@
       </p:sp>
       <p:pic>
         <p:nvPicPr>
-          <p:cNvPr id="100" name="Imagem 8"/>
+          <p:cNvPr id="108" name="Imagem 8"/>
           <p:cNvPicPr/>
           <p:nvPr/>
         </p:nvPicPr>
@@ -8559,7 +8501,7 @@
       </p:pic>
       <p:sp>
         <p:nvSpPr>
-          <p:cNvPr id="101" name="CustomShape 4"/>
+          <p:cNvPr id="109" name="CustomShape 4"/>
           <p:cNvSpPr/>
           <p:nvPr/>
         </p:nvSpPr>
@@ -8590,7 +8532,7 @@
         </p:style>
         <p:txBody>
           <a:bodyPr anchor="ctr">
-            <a:normAutofit fontScale="92500" lnSpcReduction="10000"/>
+            <a:normAutofit lnSpcReduction="10000"/>
           </a:bodyPr>
           <a:lstStyle/>
           <a:p>
@@ -8600,7 +8542,7 @@
               </a:lnSpc>
             </a:pPr>
             <a:r>
-              <a:rPr lang="pt-BR" sz="4400" b="1" strike="noStrike" spc="-1" dirty="0" smtClean="0">
+              <a:rPr lang="pt-BR" sz="4400" b="1" strike="noStrike" spc="-1">
                 <a:solidFill>
                   <a:srgbClr val="000000"/>
                 </a:solidFill>
@@ -8611,9 +8553,9 @@
                 </a:uFill>
                 <a:latin typeface="Times New Roman"/>
               </a:rPr>
-              <a:t>Exemplos</a:t>
+              <a:t>Comparando...</a:t>
             </a:r>
-            <a:endParaRPr lang="pt-BR" sz="4400" b="0" strike="noStrike" spc="-1" dirty="0">
+            <a:endParaRPr lang="pt-BR" sz="4400" b="0" strike="noStrike" spc="-1">
               <a:solidFill>
                 <a:srgbClr val="000000"/>
               </a:solidFill>
@@ -8629,7 +8571,7 @@
       </p:sp>
       <p:pic>
         <p:nvPicPr>
-          <p:cNvPr id="102" name="Imagem 16"/>
+          <p:cNvPr id="110" name="Imagem 16"/>
           <p:cNvPicPr/>
           <p:nvPr/>
         </p:nvPicPr>
@@ -8651,39 +8593,85 @@
           </a:ln>
         </p:spPr>
       </p:pic>
-      <p:pic>
-        <p:nvPicPr>
-          <p:cNvPr id="2050" name="Picture 2"/>
-          <p:cNvPicPr>
-            <a:picLocks noChangeAspect="1" noChangeArrowheads="1"/>
-          </p:cNvPicPr>
-          <p:nvPr/>
-        </p:nvPicPr>
-        <p:blipFill>
-          <a:blip r:embed="rId6"/>
-          <a:srcRect b="2273"/>
-          <a:stretch>
-            <a:fillRect/>
-          </a:stretch>
-        </p:blipFill>
-        <p:spPr bwMode="auto">
-          <a:xfrm>
-            <a:off x="571472" y="1785926"/>
-            <a:ext cx="7143800" cy="3143272"/>
+      <p:sp>
+        <p:nvSpPr>
+          <p:cNvPr id="10" name="TextShape 2"/>
+          <p:cNvSpPr txBox="1"/>
+          <p:nvPr/>
+        </p:nvSpPr>
+        <p:spPr>
+          <a:xfrm>
+            <a:off x="1214602" y="4572008"/>
+            <a:ext cx="6429232" cy="1571636"/>
           </a:xfrm>
           <a:prstGeom prst="rect">
             <a:avLst/>
           </a:prstGeom>
           <a:noFill/>
-          <a:ln w="9525">
-            <a:noFill/>
-            <a:miter lim="800000"/>
-            <a:headEnd/>
-            <a:tailEnd/>
-          </a:ln>
-          <a:effectLst/>
-        </p:spPr>
-      </p:pic>
+          <a:ln>
+            <a:noFill/>
+          </a:ln>
+        </p:spPr>
+        <p:txBody>
+          <a:bodyPr/>
+          <a:lstStyle/>
+          <a:p>
+            <a:pPr algn="just">
+              <a:lnSpc>
+                <a:spcPct val="100000"/>
+              </a:lnSpc>
+              <a:spcBef>
+                <a:spcPts val="641"/>
+              </a:spcBef>
+            </a:pPr>
+            <a:r>
+              <a:rPr lang="pt-BR" sz="3200" b="0" strike="noStrike" spc="-1" dirty="0">
+                <a:solidFill>
+                  <a:srgbClr val="000000"/>
+                </a:solidFill>
+                <a:uFill>
+                  <a:solidFill>
+                    <a:srgbClr val="FFFFFF"/>
+                  </a:solidFill>
+                </a:uFill>
+                <a:latin typeface="Calibri"/>
+              </a:rPr>
+              <a:t>	</a:t>
+            </a:r>
+            <a:r>
+              <a:rPr lang="pt-BR" sz="3200" dirty="0"/>
+              <a:t>No entanto, </a:t>
+            </a:r>
+            <a:r>
+              <a:rPr lang="pt-BR" sz="3200" dirty="0" err="1"/>
+              <a:t>frequentemente</a:t>
+            </a:r>
+            <a:r>
+              <a:rPr lang="pt-BR" sz="3200" dirty="0"/>
+              <a:t> é melhor usar um dado computado em vez do </a:t>
+            </a:r>
+            <a:r>
+              <a:rPr lang="pt-BR" sz="3200" dirty="0" err="1" smtClean="0"/>
+              <a:t>watch</a:t>
+            </a:r>
+            <a:r>
+              <a:rPr lang="pt-BR" sz="3200" dirty="0" smtClean="0"/>
+              <a:t>.</a:t>
+            </a:r>
+            <a:endParaRPr lang="pt-BR" sz="3200" b="0" strike="noStrike" spc="-1" dirty="0">
+              <a:solidFill>
+                <a:srgbClr val="000000"/>
+              </a:solidFill>
+              <a:uFill>
+                <a:solidFill>
+                  <a:srgbClr val="FFFFFF"/>
+                </a:solidFill>
+              </a:uFill>
+              <a:latin typeface="Arial"/>
+            </a:endParaRPr>
+          </a:p>
+        </p:txBody>
+      </p:sp>
     </p:spTree>
   </p:cSld>
   <p:clrMapOvr>

--- a/trabalho_av2/Vuejs_Apresentacao.pptx
+++ b/trabalho_av2/Vuejs_Apresentacao.pptx
@@ -1,129 +1,34 @@
 
 <file path=ppt/presentation.xml><?xml version="1.0" encoding="utf-8"?>
-<p:presentation xmlns:a="http://schemas.openxmlformats.org/drawingml/2006/main" xmlns:r="http://schemas.openxmlformats.org/officeDocument/2006/relationships" xmlns:p="http://schemas.openxmlformats.org/presentationml/2006/main">
+<p:presentation xmlns:a="http://schemas.openxmlformats.org/drawingml/2006/main" xmlns:p="http://schemas.openxmlformats.org/presentationml/2006/main" xmlns:r="http://schemas.openxmlformats.org/officeDocument/2006/relationships" xmlns:p14="http://schemas.microsoft.com/office/powerpoint/2010/main" xmlns:p15="http://schemas.microsoft.com/office/powerpoint/2012/main" xmlns:mc="http://schemas.openxmlformats.org/markup-compatibility/2006">
   <p:sldMasterIdLst>
-    <p:sldMasterId id="2147483648" r:id="rId1"/>
+    <p:sldMasterId id="2147483648" r:id="rId2"/>
   </p:sldMasterIdLst>
   <p:sldIdLst>
-    <p:sldId id="256" r:id="rId2"/>
-    <p:sldId id="257" r:id="rId3"/>
-    <p:sldId id="258" r:id="rId4"/>
-    <p:sldId id="261" r:id="rId5"/>
-    <p:sldId id="262" r:id="rId6"/>
-    <p:sldId id="268" r:id="rId7"/>
-    <p:sldId id="269" r:id="rId8"/>
-    <p:sldId id="270" r:id="rId9"/>
+    <p:sldId id="256" r:id="rId3"/>
+    <p:sldId id="257" r:id="rId4"/>
+    <p:sldId id="258" r:id="rId5"/>
+    <p:sldId id="259" r:id="rId6"/>
+    <p:sldId id="260" r:id="rId7"/>
+    <p:sldId id="261" r:id="rId8"/>
+    <p:sldId id="262" r:id="rId9"/>
     <p:sldId id="263" r:id="rId10"/>
-    <p:sldId id="271" r:id="rId11"/>
-    <p:sldId id="259" r:id="rId12"/>
-    <p:sldId id="260" r:id="rId13"/>
-    <p:sldId id="264" r:id="rId14"/>
-    <p:sldId id="265" r:id="rId15"/>
-    <p:sldId id="266" r:id="rId16"/>
-    <p:sldId id="267" r:id="rId17"/>
+    <p:sldId id="264" r:id="rId11"/>
+    <p:sldId id="265" r:id="rId12"/>
+    <p:sldId id="266" r:id="rId13"/>
+    <p:sldId id="267" r:id="rId14"/>
+    <p:sldId id="268" r:id="rId15"/>
+    <p:sldId id="269" r:id="rId16"/>
+    <p:sldId id="270" r:id="rId17"/>
+    <p:sldId id="271" r:id="rId18"/>
   </p:sldIdLst>
-  <p:sldSz cx="9144000" cy="6858000" type="screen4x3"/>
-  <p:notesSz cx="7559675" cy="10691813"/>
-  <p:defaultTextStyle>
-    <a:defPPr>
-      <a:defRPr lang="pt-BR"/>
-    </a:defPPr>
-    <a:lvl1pPr marL="0" algn="l" defTabSz="914400" rtl="0" eaLnBrk="1" latinLnBrk="0" hangingPunct="1">
-      <a:defRPr sz="1800" kern="1200">
-        <a:solidFill>
-          <a:schemeClr val="tx1"/>
-        </a:solidFill>
-        <a:latin typeface="+mn-lt"/>
-        <a:ea typeface="+mn-ea"/>
-        <a:cs typeface="+mn-cs"/>
-      </a:defRPr>
-    </a:lvl1pPr>
-    <a:lvl2pPr marL="457200" algn="l" defTabSz="914400" rtl="0" eaLnBrk="1" latinLnBrk="0" hangingPunct="1">
-      <a:defRPr sz="1800" kern="1200">
-        <a:solidFill>
-          <a:schemeClr val="tx1"/>
-        </a:solidFill>
-        <a:latin typeface="+mn-lt"/>
-        <a:ea typeface="+mn-ea"/>
-        <a:cs typeface="+mn-cs"/>
-      </a:defRPr>
-    </a:lvl2pPr>
-    <a:lvl3pPr marL="914400" algn="l" defTabSz="914400" rtl="0" eaLnBrk="1" latinLnBrk="0" hangingPunct="1">
-      <a:defRPr sz="1800" kern="1200">
-        <a:solidFill>
-          <a:schemeClr val="tx1"/>
-        </a:solidFill>
-        <a:latin typeface="+mn-lt"/>
-        <a:ea typeface="+mn-ea"/>
-        <a:cs typeface="+mn-cs"/>
-      </a:defRPr>
-    </a:lvl3pPr>
-    <a:lvl4pPr marL="1371600" algn="l" defTabSz="914400" rtl="0" eaLnBrk="1" latinLnBrk="0" hangingPunct="1">
-      <a:defRPr sz="1800" kern="1200">
-        <a:solidFill>
-          <a:schemeClr val="tx1"/>
-        </a:solidFill>
-        <a:latin typeface="+mn-lt"/>
-        <a:ea typeface="+mn-ea"/>
-        <a:cs typeface="+mn-cs"/>
-      </a:defRPr>
-    </a:lvl4pPr>
-    <a:lvl5pPr marL="1828800" algn="l" defTabSz="914400" rtl="0" eaLnBrk="1" latinLnBrk="0" hangingPunct="1">
-      <a:defRPr sz="1800" kern="1200">
-        <a:solidFill>
-          <a:schemeClr val="tx1"/>
-        </a:solidFill>
-        <a:latin typeface="+mn-lt"/>
-        <a:ea typeface="+mn-ea"/>
-        <a:cs typeface="+mn-cs"/>
-      </a:defRPr>
-    </a:lvl5pPr>
-    <a:lvl6pPr marL="2286000" algn="l" defTabSz="914400" rtl="0" eaLnBrk="1" latinLnBrk="0" hangingPunct="1">
-      <a:defRPr sz="1800" kern="1200">
-        <a:solidFill>
-          <a:schemeClr val="tx1"/>
-        </a:solidFill>
-        <a:latin typeface="+mn-lt"/>
-        <a:ea typeface="+mn-ea"/>
-        <a:cs typeface="+mn-cs"/>
-      </a:defRPr>
-    </a:lvl6pPr>
-    <a:lvl7pPr marL="2743200" algn="l" defTabSz="914400" rtl="0" eaLnBrk="1" latinLnBrk="0" hangingPunct="1">
-      <a:defRPr sz="1800" kern="1200">
-        <a:solidFill>
-          <a:schemeClr val="tx1"/>
-        </a:solidFill>
-        <a:latin typeface="+mn-lt"/>
-        <a:ea typeface="+mn-ea"/>
-        <a:cs typeface="+mn-cs"/>
-      </a:defRPr>
-    </a:lvl7pPr>
-    <a:lvl8pPr marL="3200400" algn="l" defTabSz="914400" rtl="0" eaLnBrk="1" latinLnBrk="0" hangingPunct="1">
-      <a:defRPr sz="1800" kern="1200">
-        <a:solidFill>
-          <a:schemeClr val="tx1"/>
-        </a:solidFill>
-        <a:latin typeface="+mn-lt"/>
-        <a:ea typeface="+mn-ea"/>
-        <a:cs typeface="+mn-cs"/>
-      </a:defRPr>
-    </a:lvl8pPr>
-    <a:lvl9pPr marL="3657600" algn="l" defTabSz="914400" rtl="0" eaLnBrk="1" latinLnBrk="0" hangingPunct="1">
-      <a:defRPr sz="1800" kern="1200">
-        <a:solidFill>
-          <a:schemeClr val="tx1"/>
-        </a:solidFill>
-        <a:latin typeface="+mn-lt"/>
-        <a:ea typeface="+mn-ea"/>
-        <a:cs typeface="+mn-cs"/>
-      </a:defRPr>
-    </a:lvl9pPr>
-  </p:defaultTextStyle>
+  <p:sldSz cx="9144000" cy="6858000"/>
+  <p:notesSz cx="7559675" cy="10691812"/>
 </p:presentation>
 </file>
 
 <file path=ppt/slideLayouts/slideLayout1.xml><?xml version="1.0" encoding="utf-8"?>
-<p:sldLayout xmlns:a="http://schemas.openxmlformats.org/drawingml/2006/main" xmlns:r="http://schemas.openxmlformats.org/officeDocument/2006/relationships" xmlns:p="http://schemas.openxmlformats.org/presentationml/2006/main" type="blank" preserve="1">
+<p:sldLayout xmlns:a="http://schemas.openxmlformats.org/drawingml/2006/main" xmlns:p="http://schemas.openxmlformats.org/presentationml/2006/main" xmlns:r="http://schemas.openxmlformats.org/officeDocument/2006/relationships" xmlns:p14="http://schemas.microsoft.com/office/powerpoint/2010/main" xmlns:p15="http://schemas.microsoft.com/office/powerpoint/2012/main" xmlns:mc="http://schemas.openxmlformats.org/markup-compatibility/2006" type="blank" preserve="1">
   <p:cSld name="Blank Slide">
     <p:spTree>
       <p:nvGrpSpPr>
@@ -141,14 +46,11 @@
       </p:grpSpPr>
     </p:spTree>
   </p:cSld>
-  <p:clrMapOvr>
-    <a:masterClrMapping/>
-  </p:clrMapOvr>
 </p:sldLayout>
 </file>
 
 <file path=ppt/slideLayouts/slideLayout10.xml><?xml version="1.0" encoding="utf-8"?>
-<p:sldLayout xmlns:a="http://schemas.openxmlformats.org/drawingml/2006/main" xmlns:r="http://schemas.openxmlformats.org/officeDocument/2006/relationships" xmlns:p="http://schemas.openxmlformats.org/presentationml/2006/main" type="objOverTx" preserve="1">
+<p:sldLayout xmlns:a="http://schemas.openxmlformats.org/drawingml/2006/main" xmlns:p="http://schemas.openxmlformats.org/presentationml/2006/main" xmlns:r="http://schemas.openxmlformats.org/officeDocument/2006/relationships" xmlns:p14="http://schemas.microsoft.com/office/powerpoint/2010/main" xmlns:p15="http://schemas.microsoft.com/office/powerpoint/2012/main" xmlns:mc="http://schemas.openxmlformats.org/markup-compatibility/2006" type="objOverTx" preserve="1">
   <p:cSld name="Title, Content over Content">
     <p:spTree>
       <p:nvGrpSpPr>
@@ -166,7 +68,7 @@
       </p:grpSpPr>
       <p:sp>
         <p:nvSpPr>
-          <p:cNvPr id="26" name="PlaceHolder 1"/>
+          <p:cNvPr id="23" name="PlaceHolder 1"/>
           <p:cNvSpPr>
             <a:spLocks noGrp="1"/>
           </p:cNvSpPr>
@@ -177,33 +79,33 @@
         <p:spPr>
           <a:xfrm>
             <a:off x="685800" y="2130480"/>
-            <a:ext cx="7772040" cy="1469520"/>
+            <a:ext cx="7771320" cy="1468800"/>
           </a:xfrm>
           <a:prstGeom prst="rect">
             <a:avLst/>
           </a:prstGeom>
         </p:spPr>
         <p:txBody>
-          <a:bodyPr lIns="0" tIns="0" rIns="0" bIns="0" anchor="ctr"/>
-          <a:lstStyle/>
+          <a:bodyPr lIns="0" rIns="0" tIns="0" bIns="0" anchor="ctr"/>
           <a:p>
-            <a:endParaRPr lang="pt-BR" sz="1800" b="0" strike="noStrike" spc="-1">
+            <a:pPr algn="ctr"/>
+            <a:endParaRPr b="0" lang="pt-BR" sz="4400" spc="-1" strike="noStrike">
               <a:solidFill>
                 <a:srgbClr val="000000"/>
               </a:solidFill>
               <a:uFill>
                 <a:solidFill>
-                  <a:srgbClr val="FFFFFF"/>
+                  <a:srgbClr val="ffffff"/>
                 </a:solidFill>
               </a:uFill>
-              <a:latin typeface="Calibri"/>
+              <a:latin typeface="Arial"/>
             </a:endParaRPr>
           </a:p>
         </p:txBody>
       </p:sp>
       <p:sp>
         <p:nvSpPr>
-          <p:cNvPr id="27" name="PlaceHolder 2"/>
+          <p:cNvPr id="24" name="PlaceHolder 2"/>
           <p:cNvSpPr>
             <a:spLocks noGrp="1"/>
           </p:cNvSpPr>
@@ -214,35 +116,34 @@
         <p:spPr>
           <a:xfrm>
             <a:off x="457200" y="1604520"/>
-            <a:ext cx="8229240" cy="1896840"/>
+            <a:ext cx="8228880" cy="1896840"/>
           </a:xfrm>
           <a:prstGeom prst="rect">
             <a:avLst/>
           </a:prstGeom>
         </p:spPr>
         <p:txBody>
-          <a:bodyPr lIns="0" tIns="0" rIns="0" bIns="0">
+          <a:bodyPr lIns="0" rIns="0" tIns="0" bIns="0">
             <a:normAutofit/>
           </a:bodyPr>
-          <a:lstStyle/>
           <a:p>
-            <a:endParaRPr lang="pt-BR" sz="3200" b="0" strike="noStrike" spc="-1">
+            <a:endParaRPr b="0" lang="pt-BR" sz="3200" spc="-1" strike="noStrike">
               <a:solidFill>
                 <a:srgbClr val="000000"/>
               </a:solidFill>
               <a:uFill>
                 <a:solidFill>
-                  <a:srgbClr val="FFFFFF"/>
+                  <a:srgbClr val="ffffff"/>
                 </a:solidFill>
               </a:uFill>
-              <a:latin typeface="Calibri"/>
+              <a:latin typeface="Arial"/>
             </a:endParaRPr>
           </a:p>
         </p:txBody>
       </p:sp>
       <p:sp>
         <p:nvSpPr>
-          <p:cNvPr id="28" name="PlaceHolder 3"/>
+          <p:cNvPr id="25" name="PlaceHolder 3"/>
           <p:cNvSpPr>
             <a:spLocks noGrp="1"/>
           </p:cNvSpPr>
@@ -253,42 +154,38 @@
         <p:spPr>
           <a:xfrm>
             <a:off x="457200" y="3682080"/>
-            <a:ext cx="8229240" cy="1896840"/>
+            <a:ext cx="8228880" cy="1896840"/>
           </a:xfrm>
           <a:prstGeom prst="rect">
             <a:avLst/>
           </a:prstGeom>
         </p:spPr>
         <p:txBody>
-          <a:bodyPr lIns="0" tIns="0" rIns="0" bIns="0">
+          <a:bodyPr lIns="0" rIns="0" tIns="0" bIns="0">
             <a:normAutofit/>
           </a:bodyPr>
-          <a:lstStyle/>
           <a:p>
-            <a:endParaRPr lang="pt-BR" sz="3200" b="0" strike="noStrike" spc="-1">
+            <a:endParaRPr b="0" lang="pt-BR" sz="3200" spc="-1" strike="noStrike">
               <a:solidFill>
                 <a:srgbClr val="000000"/>
               </a:solidFill>
               <a:uFill>
                 <a:solidFill>
-                  <a:srgbClr val="FFFFFF"/>
+                  <a:srgbClr val="ffffff"/>
                 </a:solidFill>
               </a:uFill>
-              <a:latin typeface="Calibri"/>
+              <a:latin typeface="Arial"/>
             </a:endParaRPr>
           </a:p>
         </p:txBody>
       </p:sp>
     </p:spTree>
   </p:cSld>
-  <p:clrMapOvr>
-    <a:masterClrMapping/>
-  </p:clrMapOvr>
 </p:sldLayout>
 </file>
 
 <file path=ppt/slideLayouts/slideLayout11.xml><?xml version="1.0" encoding="utf-8"?>
-<p:sldLayout xmlns:a="http://schemas.openxmlformats.org/drawingml/2006/main" xmlns:r="http://schemas.openxmlformats.org/officeDocument/2006/relationships" xmlns:p="http://schemas.openxmlformats.org/presentationml/2006/main" type="fourObj" preserve="1">
+<p:sldLayout xmlns:a="http://schemas.openxmlformats.org/drawingml/2006/main" xmlns:p="http://schemas.openxmlformats.org/presentationml/2006/main" xmlns:r="http://schemas.openxmlformats.org/officeDocument/2006/relationships" xmlns:p14="http://schemas.microsoft.com/office/powerpoint/2010/main" xmlns:p15="http://schemas.microsoft.com/office/powerpoint/2012/main" xmlns:mc="http://schemas.openxmlformats.org/markup-compatibility/2006" type="fourObj" preserve="1">
   <p:cSld name="Title, 4 Content">
     <p:spTree>
       <p:nvGrpSpPr>
@@ -306,7 +203,7 @@
       </p:grpSpPr>
       <p:sp>
         <p:nvSpPr>
-          <p:cNvPr id="29" name="PlaceHolder 1"/>
+          <p:cNvPr id="26" name="PlaceHolder 1"/>
           <p:cNvSpPr>
             <a:spLocks noGrp="1"/>
           </p:cNvSpPr>
@@ -317,33 +214,33 @@
         <p:spPr>
           <a:xfrm>
             <a:off x="685800" y="2130480"/>
-            <a:ext cx="7772040" cy="1469520"/>
+            <a:ext cx="7771320" cy="1468800"/>
           </a:xfrm>
           <a:prstGeom prst="rect">
             <a:avLst/>
           </a:prstGeom>
         </p:spPr>
         <p:txBody>
-          <a:bodyPr lIns="0" tIns="0" rIns="0" bIns="0" anchor="ctr"/>
-          <a:lstStyle/>
+          <a:bodyPr lIns="0" rIns="0" tIns="0" bIns="0" anchor="ctr"/>
           <a:p>
-            <a:endParaRPr lang="pt-BR" sz="1800" b="0" strike="noStrike" spc="-1">
+            <a:pPr algn="ctr"/>
+            <a:endParaRPr b="0" lang="pt-BR" sz="4400" spc="-1" strike="noStrike">
               <a:solidFill>
                 <a:srgbClr val="000000"/>
               </a:solidFill>
               <a:uFill>
                 <a:solidFill>
-                  <a:srgbClr val="FFFFFF"/>
+                  <a:srgbClr val="ffffff"/>
                 </a:solidFill>
               </a:uFill>
-              <a:latin typeface="Calibri"/>
+              <a:latin typeface="Arial"/>
             </a:endParaRPr>
           </a:p>
         </p:txBody>
       </p:sp>
       <p:sp>
         <p:nvSpPr>
-          <p:cNvPr id="30" name="PlaceHolder 2"/>
+          <p:cNvPr id="27" name="PlaceHolder 2"/>
           <p:cNvSpPr>
             <a:spLocks noGrp="1"/>
           </p:cNvSpPr>
@@ -354,35 +251,34 @@
         <p:spPr>
           <a:xfrm>
             <a:off x="457200" y="1604520"/>
-            <a:ext cx="4015800" cy="1896840"/>
+            <a:ext cx="4015440" cy="1896840"/>
           </a:xfrm>
           <a:prstGeom prst="rect">
             <a:avLst/>
           </a:prstGeom>
         </p:spPr>
         <p:txBody>
-          <a:bodyPr lIns="0" tIns="0" rIns="0" bIns="0">
+          <a:bodyPr lIns="0" rIns="0" tIns="0" bIns="0">
             <a:normAutofit/>
           </a:bodyPr>
-          <a:lstStyle/>
           <a:p>
-            <a:endParaRPr lang="pt-BR" sz="3200" b="0" strike="noStrike" spc="-1">
+            <a:endParaRPr b="0" lang="pt-BR" sz="3200" spc="-1" strike="noStrike">
               <a:solidFill>
                 <a:srgbClr val="000000"/>
               </a:solidFill>
               <a:uFill>
                 <a:solidFill>
-                  <a:srgbClr val="FFFFFF"/>
+                  <a:srgbClr val="ffffff"/>
                 </a:solidFill>
               </a:uFill>
-              <a:latin typeface="Calibri"/>
+              <a:latin typeface="Arial"/>
             </a:endParaRPr>
           </a:p>
         </p:txBody>
       </p:sp>
       <p:sp>
         <p:nvSpPr>
-          <p:cNvPr id="31" name="PlaceHolder 3"/>
+          <p:cNvPr id="28" name="PlaceHolder 3"/>
           <p:cNvSpPr>
             <a:spLocks noGrp="1"/>
           </p:cNvSpPr>
@@ -392,36 +288,35 @@
         </p:nvSpPr>
         <p:spPr>
           <a:xfrm>
-            <a:off x="4674240" y="1604520"/>
-            <a:ext cx="4015800" cy="1896840"/>
+            <a:off x="4673880" y="1604520"/>
+            <a:ext cx="4015440" cy="1896840"/>
           </a:xfrm>
           <a:prstGeom prst="rect">
             <a:avLst/>
           </a:prstGeom>
         </p:spPr>
         <p:txBody>
-          <a:bodyPr lIns="0" tIns="0" rIns="0" bIns="0">
+          <a:bodyPr lIns="0" rIns="0" tIns="0" bIns="0">
             <a:normAutofit/>
           </a:bodyPr>
-          <a:lstStyle/>
           <a:p>
-            <a:endParaRPr lang="pt-BR" sz="3200" b="0" strike="noStrike" spc="-1">
+            <a:endParaRPr b="0" lang="pt-BR" sz="3200" spc="-1" strike="noStrike">
               <a:solidFill>
                 <a:srgbClr val="000000"/>
               </a:solidFill>
               <a:uFill>
                 <a:solidFill>
-                  <a:srgbClr val="FFFFFF"/>
+                  <a:srgbClr val="ffffff"/>
                 </a:solidFill>
               </a:uFill>
-              <a:latin typeface="Calibri"/>
+              <a:latin typeface="Arial"/>
             </a:endParaRPr>
           </a:p>
         </p:txBody>
       </p:sp>
       <p:sp>
         <p:nvSpPr>
-          <p:cNvPr id="32" name="PlaceHolder 4"/>
+          <p:cNvPr id="29" name="PlaceHolder 4"/>
           <p:cNvSpPr>
             <a:spLocks noGrp="1"/>
           </p:cNvSpPr>
@@ -431,36 +326,35 @@
         </p:nvSpPr>
         <p:spPr>
           <a:xfrm>
-            <a:off x="4674240" y="3682080"/>
-            <a:ext cx="4015800" cy="1896840"/>
+            <a:off x="4673880" y="3682080"/>
+            <a:ext cx="4015440" cy="1896840"/>
           </a:xfrm>
           <a:prstGeom prst="rect">
             <a:avLst/>
           </a:prstGeom>
         </p:spPr>
         <p:txBody>
-          <a:bodyPr lIns="0" tIns="0" rIns="0" bIns="0">
+          <a:bodyPr lIns="0" rIns="0" tIns="0" bIns="0">
             <a:normAutofit/>
           </a:bodyPr>
-          <a:lstStyle/>
           <a:p>
-            <a:endParaRPr lang="pt-BR" sz="3200" b="0" strike="noStrike" spc="-1">
+            <a:endParaRPr b="0" lang="pt-BR" sz="3200" spc="-1" strike="noStrike">
               <a:solidFill>
                 <a:srgbClr val="000000"/>
               </a:solidFill>
               <a:uFill>
                 <a:solidFill>
-                  <a:srgbClr val="FFFFFF"/>
+                  <a:srgbClr val="ffffff"/>
                 </a:solidFill>
               </a:uFill>
-              <a:latin typeface="Calibri"/>
+              <a:latin typeface="Arial"/>
             </a:endParaRPr>
           </a:p>
         </p:txBody>
       </p:sp>
       <p:sp>
         <p:nvSpPr>
-          <p:cNvPr id="33" name="PlaceHolder 5"/>
+          <p:cNvPr id="30" name="PlaceHolder 5"/>
           <p:cNvSpPr>
             <a:spLocks noGrp="1"/>
           </p:cNvSpPr>
@@ -471,42 +365,38 @@
         <p:spPr>
           <a:xfrm>
             <a:off x="457200" y="3682080"/>
-            <a:ext cx="4015800" cy="1896840"/>
+            <a:ext cx="4015440" cy="1896840"/>
           </a:xfrm>
           <a:prstGeom prst="rect">
             <a:avLst/>
           </a:prstGeom>
         </p:spPr>
         <p:txBody>
-          <a:bodyPr lIns="0" tIns="0" rIns="0" bIns="0">
+          <a:bodyPr lIns="0" rIns="0" tIns="0" bIns="0">
             <a:normAutofit/>
           </a:bodyPr>
-          <a:lstStyle/>
           <a:p>
-            <a:endParaRPr lang="pt-BR" sz="3200" b="0" strike="noStrike" spc="-1">
+            <a:endParaRPr b="0" lang="pt-BR" sz="3200" spc="-1" strike="noStrike">
               <a:solidFill>
                 <a:srgbClr val="000000"/>
               </a:solidFill>
               <a:uFill>
                 <a:solidFill>
-                  <a:srgbClr val="FFFFFF"/>
+                  <a:srgbClr val="ffffff"/>
                 </a:solidFill>
               </a:uFill>
-              <a:latin typeface="Calibri"/>
+              <a:latin typeface="Arial"/>
             </a:endParaRPr>
           </a:p>
         </p:txBody>
       </p:sp>
     </p:spTree>
   </p:cSld>
-  <p:clrMapOvr>
-    <a:masterClrMapping/>
-  </p:clrMapOvr>
 </p:sldLayout>
 </file>
 
 <file path=ppt/slideLayouts/slideLayout12.xml><?xml version="1.0" encoding="utf-8"?>
-<p:sldLayout xmlns:a="http://schemas.openxmlformats.org/drawingml/2006/main" xmlns:r="http://schemas.openxmlformats.org/officeDocument/2006/relationships" xmlns:p="http://schemas.openxmlformats.org/presentationml/2006/main" type="blank" preserve="1">
+<p:sldLayout xmlns:a="http://schemas.openxmlformats.org/drawingml/2006/main" xmlns:p="http://schemas.openxmlformats.org/presentationml/2006/main" xmlns:r="http://schemas.openxmlformats.org/officeDocument/2006/relationships" xmlns:p14="http://schemas.microsoft.com/office/powerpoint/2010/main" xmlns:p15="http://schemas.microsoft.com/office/powerpoint/2012/main" xmlns:mc="http://schemas.openxmlformats.org/markup-compatibility/2006" type="blank" preserve="1">
   <p:cSld name="Title, 6 Content">
     <p:spTree>
       <p:nvGrpSpPr>
@@ -524,7 +414,7 @@
       </p:grpSpPr>
       <p:sp>
         <p:nvSpPr>
-          <p:cNvPr id="34" name="PlaceHolder 1"/>
+          <p:cNvPr id="31" name="PlaceHolder 1"/>
           <p:cNvSpPr>
             <a:spLocks noGrp="1"/>
           </p:cNvSpPr>
@@ -535,33 +425,33 @@
         <p:spPr>
           <a:xfrm>
             <a:off x="685800" y="2130480"/>
-            <a:ext cx="7772040" cy="1469520"/>
+            <a:ext cx="7771320" cy="1468800"/>
           </a:xfrm>
           <a:prstGeom prst="rect">
             <a:avLst/>
           </a:prstGeom>
         </p:spPr>
         <p:txBody>
-          <a:bodyPr lIns="0" tIns="0" rIns="0" bIns="0" anchor="ctr"/>
-          <a:lstStyle/>
+          <a:bodyPr lIns="0" rIns="0" tIns="0" bIns="0" anchor="ctr"/>
           <a:p>
-            <a:endParaRPr lang="pt-BR" sz="1800" b="0" strike="noStrike" spc="-1">
+            <a:pPr algn="ctr"/>
+            <a:endParaRPr b="0" lang="pt-BR" sz="4400" spc="-1" strike="noStrike">
               <a:solidFill>
                 <a:srgbClr val="000000"/>
               </a:solidFill>
               <a:uFill>
                 <a:solidFill>
-                  <a:srgbClr val="FFFFFF"/>
+                  <a:srgbClr val="ffffff"/>
                 </a:solidFill>
               </a:uFill>
-              <a:latin typeface="Calibri"/>
+              <a:latin typeface="Arial"/>
             </a:endParaRPr>
           </a:p>
         </p:txBody>
       </p:sp>
       <p:sp>
         <p:nvSpPr>
-          <p:cNvPr id="35" name="PlaceHolder 2"/>
+          <p:cNvPr id="32" name="PlaceHolder 2"/>
           <p:cNvSpPr>
             <a:spLocks noGrp="1"/>
           </p:cNvSpPr>
@@ -579,28 +469,27 @@
           </a:prstGeom>
         </p:spPr>
         <p:txBody>
-          <a:bodyPr lIns="0" tIns="0" rIns="0" bIns="0">
+          <a:bodyPr lIns="0" rIns="0" tIns="0" bIns="0">
             <a:normAutofit/>
           </a:bodyPr>
-          <a:lstStyle/>
           <a:p>
-            <a:endParaRPr lang="pt-BR" sz="3200" b="0" strike="noStrike" spc="-1">
+            <a:endParaRPr b="0" lang="pt-BR" sz="3200" spc="-1" strike="noStrike">
               <a:solidFill>
                 <a:srgbClr val="000000"/>
               </a:solidFill>
               <a:uFill>
                 <a:solidFill>
-                  <a:srgbClr val="FFFFFF"/>
+                  <a:srgbClr val="ffffff"/>
                 </a:solidFill>
               </a:uFill>
-              <a:latin typeface="Calibri"/>
+              <a:latin typeface="Arial"/>
             </a:endParaRPr>
           </a:p>
         </p:txBody>
       </p:sp>
       <p:sp>
         <p:nvSpPr>
-          <p:cNvPr id="36" name="PlaceHolder 3"/>
+          <p:cNvPr id="33" name="PlaceHolder 3"/>
           <p:cNvSpPr>
             <a:spLocks noGrp="1"/>
           </p:cNvSpPr>
@@ -618,28 +507,27 @@
           </a:prstGeom>
         </p:spPr>
         <p:txBody>
-          <a:bodyPr lIns="0" tIns="0" rIns="0" bIns="0">
+          <a:bodyPr lIns="0" rIns="0" tIns="0" bIns="0">
             <a:normAutofit/>
           </a:bodyPr>
-          <a:lstStyle/>
           <a:p>
-            <a:endParaRPr lang="pt-BR" sz="3200" b="0" strike="noStrike" spc="-1">
+            <a:endParaRPr b="0" lang="pt-BR" sz="3200" spc="-1" strike="noStrike">
               <a:solidFill>
                 <a:srgbClr val="000000"/>
               </a:solidFill>
               <a:uFill>
                 <a:solidFill>
-                  <a:srgbClr val="FFFFFF"/>
+                  <a:srgbClr val="ffffff"/>
                 </a:solidFill>
               </a:uFill>
-              <a:latin typeface="Calibri"/>
+              <a:latin typeface="Arial"/>
             </a:endParaRPr>
           </a:p>
         </p:txBody>
       </p:sp>
       <p:sp>
         <p:nvSpPr>
-          <p:cNvPr id="37" name="PlaceHolder 4"/>
+          <p:cNvPr id="34" name="PlaceHolder 4"/>
           <p:cNvSpPr>
             <a:spLocks noGrp="1"/>
           </p:cNvSpPr>
@@ -657,28 +545,27 @@
           </a:prstGeom>
         </p:spPr>
         <p:txBody>
-          <a:bodyPr lIns="0" tIns="0" rIns="0" bIns="0">
+          <a:bodyPr lIns="0" rIns="0" tIns="0" bIns="0">
             <a:normAutofit/>
           </a:bodyPr>
-          <a:lstStyle/>
           <a:p>
-            <a:endParaRPr lang="pt-BR" sz="3200" b="0" strike="noStrike" spc="-1">
+            <a:endParaRPr b="0" lang="pt-BR" sz="3200" spc="-1" strike="noStrike">
               <a:solidFill>
                 <a:srgbClr val="000000"/>
               </a:solidFill>
               <a:uFill>
                 <a:solidFill>
-                  <a:srgbClr val="FFFFFF"/>
+                  <a:srgbClr val="ffffff"/>
                 </a:solidFill>
               </a:uFill>
-              <a:latin typeface="Calibri"/>
+              <a:latin typeface="Arial"/>
             </a:endParaRPr>
           </a:p>
         </p:txBody>
       </p:sp>
       <p:sp>
         <p:nvSpPr>
-          <p:cNvPr id="38" name="PlaceHolder 5"/>
+          <p:cNvPr id="35" name="PlaceHolder 5"/>
           <p:cNvSpPr>
             <a:spLocks noGrp="1"/>
           </p:cNvSpPr>
@@ -696,28 +583,27 @@
           </a:prstGeom>
         </p:spPr>
         <p:txBody>
-          <a:bodyPr lIns="0" tIns="0" rIns="0" bIns="0">
+          <a:bodyPr lIns="0" rIns="0" tIns="0" bIns="0">
             <a:normAutofit/>
           </a:bodyPr>
-          <a:lstStyle/>
           <a:p>
-            <a:endParaRPr lang="pt-BR" sz="3200" b="0" strike="noStrike" spc="-1">
+            <a:endParaRPr b="0" lang="pt-BR" sz="3200" spc="-1" strike="noStrike">
               <a:solidFill>
                 <a:srgbClr val="000000"/>
               </a:solidFill>
               <a:uFill>
                 <a:solidFill>
-                  <a:srgbClr val="FFFFFF"/>
+                  <a:srgbClr val="ffffff"/>
                 </a:solidFill>
               </a:uFill>
-              <a:latin typeface="Calibri"/>
+              <a:latin typeface="Arial"/>
             </a:endParaRPr>
           </a:p>
         </p:txBody>
       </p:sp>
       <p:sp>
         <p:nvSpPr>
-          <p:cNvPr id="39" name="PlaceHolder 6"/>
+          <p:cNvPr id="36" name="PlaceHolder 6"/>
           <p:cNvSpPr>
             <a:spLocks noGrp="1"/>
           </p:cNvSpPr>
@@ -735,28 +621,27 @@
           </a:prstGeom>
         </p:spPr>
         <p:txBody>
-          <a:bodyPr lIns="0" tIns="0" rIns="0" bIns="0">
+          <a:bodyPr lIns="0" rIns="0" tIns="0" bIns="0">
             <a:normAutofit/>
           </a:bodyPr>
-          <a:lstStyle/>
           <a:p>
-            <a:endParaRPr lang="pt-BR" sz="3200" b="0" strike="noStrike" spc="-1">
+            <a:endParaRPr b="0" lang="pt-BR" sz="3200" spc="-1" strike="noStrike">
               <a:solidFill>
                 <a:srgbClr val="000000"/>
               </a:solidFill>
               <a:uFill>
                 <a:solidFill>
-                  <a:srgbClr val="FFFFFF"/>
+                  <a:srgbClr val="ffffff"/>
                 </a:solidFill>
               </a:uFill>
-              <a:latin typeface="Calibri"/>
+              <a:latin typeface="Arial"/>
             </a:endParaRPr>
           </a:p>
         </p:txBody>
       </p:sp>
       <p:sp>
         <p:nvSpPr>
-          <p:cNvPr id="40" name="PlaceHolder 7"/>
+          <p:cNvPr id="37" name="PlaceHolder 7"/>
           <p:cNvSpPr>
             <a:spLocks noGrp="1"/>
           </p:cNvSpPr>
@@ -774,35 +659,31 @@
           </a:prstGeom>
         </p:spPr>
         <p:txBody>
-          <a:bodyPr lIns="0" tIns="0" rIns="0" bIns="0">
+          <a:bodyPr lIns="0" rIns="0" tIns="0" bIns="0">
             <a:normAutofit/>
           </a:bodyPr>
-          <a:lstStyle/>
           <a:p>
-            <a:endParaRPr lang="pt-BR" sz="3200" b="0" strike="noStrike" spc="-1">
+            <a:endParaRPr b="0" lang="pt-BR" sz="3200" spc="-1" strike="noStrike">
               <a:solidFill>
                 <a:srgbClr val="000000"/>
               </a:solidFill>
               <a:uFill>
                 <a:solidFill>
-                  <a:srgbClr val="FFFFFF"/>
+                  <a:srgbClr val="ffffff"/>
                 </a:solidFill>
               </a:uFill>
-              <a:latin typeface="Calibri"/>
+              <a:latin typeface="Arial"/>
             </a:endParaRPr>
           </a:p>
         </p:txBody>
       </p:sp>
     </p:spTree>
   </p:cSld>
-  <p:clrMapOvr>
-    <a:masterClrMapping/>
-  </p:clrMapOvr>
 </p:sldLayout>
 </file>
 
 <file path=ppt/slideLayouts/slideLayout2.xml><?xml version="1.0" encoding="utf-8"?>
-<p:sldLayout xmlns:a="http://schemas.openxmlformats.org/drawingml/2006/main" xmlns:r="http://schemas.openxmlformats.org/officeDocument/2006/relationships" xmlns:p="http://schemas.openxmlformats.org/presentationml/2006/main" type="tx" preserve="1">
+<p:sldLayout xmlns:a="http://schemas.openxmlformats.org/drawingml/2006/main" xmlns:p="http://schemas.openxmlformats.org/presentationml/2006/main" xmlns:r="http://schemas.openxmlformats.org/officeDocument/2006/relationships" xmlns:p14="http://schemas.microsoft.com/office/powerpoint/2010/main" xmlns:p15="http://schemas.microsoft.com/office/powerpoint/2012/main" xmlns:mc="http://schemas.openxmlformats.org/markup-compatibility/2006" type="tx" preserve="1">
   <p:cSld name="Title Slide">
     <p:spTree>
       <p:nvGrpSpPr>
@@ -820,7 +701,7 @@
       </p:grpSpPr>
       <p:sp>
         <p:nvSpPr>
-          <p:cNvPr id="5" name="PlaceHolder 1"/>
+          <p:cNvPr id="2" name="PlaceHolder 1"/>
           <p:cNvSpPr>
             <a:spLocks noGrp="1"/>
           </p:cNvSpPr>
@@ -831,33 +712,33 @@
         <p:spPr>
           <a:xfrm>
             <a:off x="685800" y="2130480"/>
-            <a:ext cx="7772040" cy="1469520"/>
+            <a:ext cx="7771320" cy="1468800"/>
           </a:xfrm>
           <a:prstGeom prst="rect">
             <a:avLst/>
           </a:prstGeom>
         </p:spPr>
         <p:txBody>
-          <a:bodyPr lIns="0" tIns="0" rIns="0" bIns="0" anchor="ctr"/>
-          <a:lstStyle/>
+          <a:bodyPr lIns="0" rIns="0" tIns="0" bIns="0" anchor="ctr"/>
           <a:p>
-            <a:endParaRPr lang="pt-BR" sz="1800" b="0" strike="noStrike" spc="-1">
+            <a:pPr algn="ctr"/>
+            <a:endParaRPr b="0" lang="pt-BR" sz="4400" spc="-1" strike="noStrike">
               <a:solidFill>
                 <a:srgbClr val="000000"/>
               </a:solidFill>
               <a:uFill>
                 <a:solidFill>
-                  <a:srgbClr val="FFFFFF"/>
+                  <a:srgbClr val="ffffff"/>
                 </a:solidFill>
               </a:uFill>
-              <a:latin typeface="Calibri"/>
+              <a:latin typeface="Arial"/>
             </a:endParaRPr>
           </a:p>
         </p:txBody>
       </p:sp>
       <p:sp>
         <p:nvSpPr>
-          <p:cNvPr id="6" name="PlaceHolder 2"/>
+          <p:cNvPr id="3" name="PlaceHolder 2"/>
           <p:cNvSpPr>
             <a:spLocks noGrp="1"/>
           </p:cNvSpPr>
@@ -868,24 +749,23 @@
         <p:spPr>
           <a:xfrm>
             <a:off x="457200" y="1604520"/>
-            <a:ext cx="8229240" cy="3977280"/>
+            <a:ext cx="8228880" cy="3976920"/>
           </a:xfrm>
           <a:prstGeom prst="rect">
             <a:avLst/>
           </a:prstGeom>
         </p:spPr>
         <p:txBody>
-          <a:bodyPr lIns="0" tIns="0" rIns="0" bIns="0" anchor="ctr"/>
-          <a:lstStyle/>
+          <a:bodyPr lIns="0" rIns="0" tIns="0" bIns="0" anchor="ctr"/>
           <a:p>
             <a:pPr algn="ctr"/>
-            <a:endParaRPr lang="pt-BR" sz="3200" b="0" strike="noStrike" spc="-1">
+            <a:endParaRPr b="0" lang="pt-BR" sz="3200" spc="-1" strike="noStrike">
               <a:solidFill>
                 <a:srgbClr val="000000"/>
               </a:solidFill>
               <a:uFill>
                 <a:solidFill>
-                  <a:srgbClr val="FFFFFF"/>
+                  <a:srgbClr val="ffffff"/>
                 </a:solidFill>
               </a:uFill>
               <a:latin typeface="Arial"/>
@@ -895,14 +775,11 @@
       </p:sp>
     </p:spTree>
   </p:cSld>
-  <p:clrMapOvr>
-    <a:masterClrMapping/>
-  </p:clrMapOvr>
 </p:sldLayout>
 </file>
 
 <file path=ppt/slideLayouts/slideLayout3.xml><?xml version="1.0" encoding="utf-8"?>
-<p:sldLayout xmlns:a="http://schemas.openxmlformats.org/drawingml/2006/main" xmlns:r="http://schemas.openxmlformats.org/officeDocument/2006/relationships" xmlns:p="http://schemas.openxmlformats.org/presentationml/2006/main" type="obj" preserve="1">
+<p:sldLayout xmlns:a="http://schemas.openxmlformats.org/drawingml/2006/main" xmlns:p="http://schemas.openxmlformats.org/presentationml/2006/main" xmlns:r="http://schemas.openxmlformats.org/officeDocument/2006/relationships" xmlns:p14="http://schemas.microsoft.com/office/powerpoint/2010/main" xmlns:p15="http://schemas.microsoft.com/office/powerpoint/2012/main" xmlns:mc="http://schemas.openxmlformats.org/markup-compatibility/2006" type="obj" preserve="1">
   <p:cSld name="Title, Content">
     <p:spTree>
       <p:nvGrpSpPr>
@@ -920,7 +797,7 @@
       </p:grpSpPr>
       <p:sp>
         <p:nvSpPr>
-          <p:cNvPr id="7" name="PlaceHolder 1"/>
+          <p:cNvPr id="4" name="PlaceHolder 1"/>
           <p:cNvSpPr>
             <a:spLocks noGrp="1"/>
           </p:cNvSpPr>
@@ -931,33 +808,33 @@
         <p:spPr>
           <a:xfrm>
             <a:off x="685800" y="2130480"/>
-            <a:ext cx="7772040" cy="1469520"/>
+            <a:ext cx="7771320" cy="1468800"/>
           </a:xfrm>
           <a:prstGeom prst="rect">
             <a:avLst/>
           </a:prstGeom>
         </p:spPr>
         <p:txBody>
-          <a:bodyPr lIns="0" tIns="0" rIns="0" bIns="0" anchor="ctr"/>
-          <a:lstStyle/>
+          <a:bodyPr lIns="0" rIns="0" tIns="0" bIns="0" anchor="ctr"/>
           <a:p>
-            <a:endParaRPr lang="pt-BR" sz="1800" b="0" strike="noStrike" spc="-1">
+            <a:pPr algn="ctr"/>
+            <a:endParaRPr b="0" lang="pt-BR" sz="4400" spc="-1" strike="noStrike">
               <a:solidFill>
                 <a:srgbClr val="000000"/>
               </a:solidFill>
               <a:uFill>
                 <a:solidFill>
-                  <a:srgbClr val="FFFFFF"/>
+                  <a:srgbClr val="ffffff"/>
                 </a:solidFill>
               </a:uFill>
-              <a:latin typeface="Calibri"/>
+              <a:latin typeface="Arial"/>
             </a:endParaRPr>
           </a:p>
         </p:txBody>
       </p:sp>
       <p:sp>
         <p:nvSpPr>
-          <p:cNvPr id="8" name="PlaceHolder 2"/>
+          <p:cNvPr id="5" name="PlaceHolder 2"/>
           <p:cNvSpPr>
             <a:spLocks noGrp="1"/>
           </p:cNvSpPr>
@@ -968,42 +845,38 @@
         <p:spPr>
           <a:xfrm>
             <a:off x="457200" y="1604520"/>
-            <a:ext cx="8229240" cy="3977280"/>
+            <a:ext cx="8228880" cy="3976920"/>
           </a:xfrm>
           <a:prstGeom prst="rect">
             <a:avLst/>
           </a:prstGeom>
         </p:spPr>
         <p:txBody>
-          <a:bodyPr lIns="0" tIns="0" rIns="0" bIns="0">
+          <a:bodyPr lIns="0" rIns="0" tIns="0" bIns="0">
             <a:normAutofit/>
           </a:bodyPr>
-          <a:lstStyle/>
           <a:p>
-            <a:endParaRPr lang="pt-BR" sz="3200" b="0" strike="noStrike" spc="-1">
+            <a:endParaRPr b="0" lang="pt-BR" sz="3200" spc="-1" strike="noStrike">
               <a:solidFill>
                 <a:srgbClr val="000000"/>
               </a:solidFill>
               <a:uFill>
                 <a:solidFill>
-                  <a:srgbClr val="FFFFFF"/>
+                  <a:srgbClr val="ffffff"/>
                 </a:solidFill>
               </a:uFill>
-              <a:latin typeface="Calibri"/>
+              <a:latin typeface="Arial"/>
             </a:endParaRPr>
           </a:p>
         </p:txBody>
       </p:sp>
     </p:spTree>
   </p:cSld>
-  <p:clrMapOvr>
-    <a:masterClrMapping/>
-  </p:clrMapOvr>
 </p:sldLayout>
 </file>
 
 <file path=ppt/slideLayouts/slideLayout4.xml><?xml version="1.0" encoding="utf-8"?>
-<p:sldLayout xmlns:a="http://schemas.openxmlformats.org/drawingml/2006/main" xmlns:r="http://schemas.openxmlformats.org/officeDocument/2006/relationships" xmlns:p="http://schemas.openxmlformats.org/presentationml/2006/main" type="twoObj" preserve="1">
+<p:sldLayout xmlns:a="http://schemas.openxmlformats.org/drawingml/2006/main" xmlns:p="http://schemas.openxmlformats.org/presentationml/2006/main" xmlns:r="http://schemas.openxmlformats.org/officeDocument/2006/relationships" xmlns:p14="http://schemas.microsoft.com/office/powerpoint/2010/main" xmlns:p15="http://schemas.microsoft.com/office/powerpoint/2012/main" xmlns:mc="http://schemas.openxmlformats.org/markup-compatibility/2006" type="twoObj" preserve="1">
   <p:cSld name="Title, 2 Content">
     <p:spTree>
       <p:nvGrpSpPr>
@@ -1021,7 +894,7 @@
       </p:grpSpPr>
       <p:sp>
         <p:nvSpPr>
-          <p:cNvPr id="9" name="PlaceHolder 1"/>
+          <p:cNvPr id="6" name="PlaceHolder 1"/>
           <p:cNvSpPr>
             <a:spLocks noGrp="1"/>
           </p:cNvSpPr>
@@ -1032,33 +905,33 @@
         <p:spPr>
           <a:xfrm>
             <a:off x="685800" y="2130480"/>
-            <a:ext cx="7772040" cy="1469520"/>
+            <a:ext cx="7771320" cy="1468800"/>
           </a:xfrm>
           <a:prstGeom prst="rect">
             <a:avLst/>
           </a:prstGeom>
         </p:spPr>
         <p:txBody>
-          <a:bodyPr lIns="0" tIns="0" rIns="0" bIns="0" anchor="ctr"/>
-          <a:lstStyle/>
+          <a:bodyPr lIns="0" rIns="0" tIns="0" bIns="0" anchor="ctr"/>
           <a:p>
-            <a:endParaRPr lang="pt-BR" sz="1800" b="0" strike="noStrike" spc="-1">
+            <a:pPr algn="ctr"/>
+            <a:endParaRPr b="0" lang="pt-BR" sz="4400" spc="-1" strike="noStrike">
               <a:solidFill>
                 <a:srgbClr val="000000"/>
               </a:solidFill>
               <a:uFill>
                 <a:solidFill>
-                  <a:srgbClr val="FFFFFF"/>
+                  <a:srgbClr val="ffffff"/>
                 </a:solidFill>
               </a:uFill>
-              <a:latin typeface="Calibri"/>
+              <a:latin typeface="Arial"/>
             </a:endParaRPr>
           </a:p>
         </p:txBody>
       </p:sp>
       <p:sp>
         <p:nvSpPr>
-          <p:cNvPr id="10" name="PlaceHolder 2"/>
+          <p:cNvPr id="7" name="PlaceHolder 2"/>
           <p:cNvSpPr>
             <a:spLocks noGrp="1"/>
           </p:cNvSpPr>
@@ -1069,35 +942,34 @@
         <p:spPr>
           <a:xfrm>
             <a:off x="457200" y="1604520"/>
-            <a:ext cx="4015800" cy="3977280"/>
+            <a:ext cx="4015440" cy="3976920"/>
           </a:xfrm>
           <a:prstGeom prst="rect">
             <a:avLst/>
           </a:prstGeom>
         </p:spPr>
         <p:txBody>
-          <a:bodyPr lIns="0" tIns="0" rIns="0" bIns="0">
+          <a:bodyPr lIns="0" rIns="0" tIns="0" bIns="0">
             <a:normAutofit/>
           </a:bodyPr>
-          <a:lstStyle/>
           <a:p>
-            <a:endParaRPr lang="pt-BR" sz="3200" b="0" strike="noStrike" spc="-1">
+            <a:endParaRPr b="0" lang="pt-BR" sz="3200" spc="-1" strike="noStrike">
               <a:solidFill>
                 <a:srgbClr val="000000"/>
               </a:solidFill>
               <a:uFill>
                 <a:solidFill>
-                  <a:srgbClr val="FFFFFF"/>
+                  <a:srgbClr val="ffffff"/>
                 </a:solidFill>
               </a:uFill>
-              <a:latin typeface="Calibri"/>
+              <a:latin typeface="Arial"/>
             </a:endParaRPr>
           </a:p>
         </p:txBody>
       </p:sp>
       <p:sp>
         <p:nvSpPr>
-          <p:cNvPr id="11" name="PlaceHolder 3"/>
+          <p:cNvPr id="8" name="PlaceHolder 3"/>
           <p:cNvSpPr>
             <a:spLocks noGrp="1"/>
           </p:cNvSpPr>
@@ -1107,43 +979,39 @@
         </p:nvSpPr>
         <p:spPr>
           <a:xfrm>
-            <a:off x="4674240" y="1604520"/>
-            <a:ext cx="4015800" cy="3977280"/>
+            <a:off x="4673880" y="1604520"/>
+            <a:ext cx="4015440" cy="3976920"/>
           </a:xfrm>
           <a:prstGeom prst="rect">
             <a:avLst/>
           </a:prstGeom>
         </p:spPr>
         <p:txBody>
-          <a:bodyPr lIns="0" tIns="0" rIns="0" bIns="0">
+          <a:bodyPr lIns="0" rIns="0" tIns="0" bIns="0">
             <a:normAutofit/>
           </a:bodyPr>
-          <a:lstStyle/>
           <a:p>
-            <a:endParaRPr lang="pt-BR" sz="3200" b="0" strike="noStrike" spc="-1">
+            <a:endParaRPr b="0" lang="pt-BR" sz="3200" spc="-1" strike="noStrike">
               <a:solidFill>
                 <a:srgbClr val="000000"/>
               </a:solidFill>
               <a:uFill>
                 <a:solidFill>
-                  <a:srgbClr val="FFFFFF"/>
+                  <a:srgbClr val="ffffff"/>
                 </a:solidFill>
               </a:uFill>
-              <a:latin typeface="Calibri"/>
+              <a:latin typeface="Arial"/>
             </a:endParaRPr>
           </a:p>
         </p:txBody>
       </p:sp>
     </p:spTree>
   </p:cSld>
-  <p:clrMapOvr>
-    <a:masterClrMapping/>
-  </p:clrMapOvr>
 </p:sldLayout>
 </file>
 
 <file path=ppt/slideLayouts/slideLayout5.xml><?xml version="1.0" encoding="utf-8"?>
-<p:sldLayout xmlns:a="http://schemas.openxmlformats.org/drawingml/2006/main" xmlns:r="http://schemas.openxmlformats.org/officeDocument/2006/relationships" xmlns:p="http://schemas.openxmlformats.org/presentationml/2006/main" type="titleOnly" preserve="1">
+<p:sldLayout xmlns:a="http://schemas.openxmlformats.org/drawingml/2006/main" xmlns:p="http://schemas.openxmlformats.org/presentationml/2006/main" xmlns:r="http://schemas.openxmlformats.org/officeDocument/2006/relationships" xmlns:p14="http://schemas.microsoft.com/office/powerpoint/2010/main" xmlns:p15="http://schemas.microsoft.com/office/powerpoint/2012/main" xmlns:mc="http://schemas.openxmlformats.org/markup-compatibility/2006" type="titleOnly" preserve="1">
   <p:cSld name="Title Only">
     <p:spTree>
       <p:nvGrpSpPr>
@@ -1161,7 +1029,7 @@
       </p:grpSpPr>
       <p:sp>
         <p:nvSpPr>
-          <p:cNvPr id="12" name="PlaceHolder 1"/>
+          <p:cNvPr id="9" name="PlaceHolder 1"/>
           <p:cNvSpPr>
             <a:spLocks noGrp="1"/>
           </p:cNvSpPr>
@@ -1172,40 +1040,37 @@
         <p:spPr>
           <a:xfrm>
             <a:off x="685800" y="2130480"/>
-            <a:ext cx="7772040" cy="1469520"/>
+            <a:ext cx="7771320" cy="1468800"/>
           </a:xfrm>
           <a:prstGeom prst="rect">
             <a:avLst/>
           </a:prstGeom>
         </p:spPr>
         <p:txBody>
-          <a:bodyPr lIns="0" tIns="0" rIns="0" bIns="0" anchor="ctr"/>
-          <a:lstStyle/>
+          <a:bodyPr lIns="0" rIns="0" tIns="0" bIns="0" anchor="ctr"/>
           <a:p>
-            <a:endParaRPr lang="pt-BR" sz="1800" b="0" strike="noStrike" spc="-1">
+            <a:pPr algn="ctr"/>
+            <a:endParaRPr b="0" lang="pt-BR" sz="4400" spc="-1" strike="noStrike">
               <a:solidFill>
                 <a:srgbClr val="000000"/>
               </a:solidFill>
               <a:uFill>
                 <a:solidFill>
-                  <a:srgbClr val="FFFFFF"/>
+                  <a:srgbClr val="ffffff"/>
                 </a:solidFill>
               </a:uFill>
-              <a:latin typeface="Calibri"/>
+              <a:latin typeface="Arial"/>
             </a:endParaRPr>
           </a:p>
         </p:txBody>
       </p:sp>
     </p:spTree>
   </p:cSld>
-  <p:clrMapOvr>
-    <a:masterClrMapping/>
-  </p:clrMapOvr>
 </p:sldLayout>
 </file>
 
 <file path=ppt/slideLayouts/slideLayout6.xml><?xml version="1.0" encoding="utf-8"?>
-<p:sldLayout xmlns:a="http://schemas.openxmlformats.org/drawingml/2006/main" xmlns:r="http://schemas.openxmlformats.org/officeDocument/2006/relationships" xmlns:p="http://schemas.openxmlformats.org/presentationml/2006/main" type="objOnly" preserve="1">
+<p:sldLayout xmlns:a="http://schemas.openxmlformats.org/drawingml/2006/main" xmlns:p="http://schemas.openxmlformats.org/presentationml/2006/main" xmlns:r="http://schemas.openxmlformats.org/officeDocument/2006/relationships" xmlns:p14="http://schemas.microsoft.com/office/powerpoint/2010/main" xmlns:p15="http://schemas.microsoft.com/office/powerpoint/2012/main" xmlns:mc="http://schemas.openxmlformats.org/markup-compatibility/2006" type="objOnly" preserve="1">
   <p:cSld name="Centered Text">
     <p:spTree>
       <p:nvGrpSpPr>
@@ -1223,7 +1088,7 @@
       </p:grpSpPr>
       <p:sp>
         <p:nvSpPr>
-          <p:cNvPr id="13" name="PlaceHolder 1"/>
+          <p:cNvPr id="10" name="PlaceHolder 1"/>
           <p:cNvSpPr>
             <a:spLocks noGrp="1"/>
           </p:cNvSpPr>
@@ -1234,24 +1099,23 @@
         <p:spPr>
           <a:xfrm>
             <a:off x="685800" y="2130480"/>
-            <a:ext cx="7772040" cy="6813000"/>
+            <a:ext cx="7771320" cy="6809760"/>
           </a:xfrm>
           <a:prstGeom prst="rect">
             <a:avLst/>
           </a:prstGeom>
         </p:spPr>
         <p:txBody>
-          <a:bodyPr lIns="0" tIns="0" rIns="0" bIns="0" anchor="ctr"/>
-          <a:lstStyle/>
+          <a:bodyPr lIns="0" rIns="0" tIns="0" bIns="0" anchor="ctr"/>
           <a:p>
             <a:pPr algn="ctr"/>
-            <a:endParaRPr lang="pt-BR" sz="3200" b="0" strike="noStrike" spc="-1">
+            <a:endParaRPr b="0" lang="pt-BR" sz="3200" spc="-1" strike="noStrike">
               <a:solidFill>
                 <a:srgbClr val="000000"/>
               </a:solidFill>
               <a:uFill>
                 <a:solidFill>
-                  <a:srgbClr val="FFFFFF"/>
+                  <a:srgbClr val="ffffff"/>
                 </a:solidFill>
               </a:uFill>
               <a:latin typeface="Arial"/>
@@ -1261,14 +1125,11 @@
       </p:sp>
     </p:spTree>
   </p:cSld>
-  <p:clrMapOvr>
-    <a:masterClrMapping/>
-  </p:clrMapOvr>
 </p:sldLayout>
 </file>
 
 <file path=ppt/slideLayouts/slideLayout7.xml><?xml version="1.0" encoding="utf-8"?>
-<p:sldLayout xmlns:a="http://schemas.openxmlformats.org/drawingml/2006/main" xmlns:r="http://schemas.openxmlformats.org/officeDocument/2006/relationships" xmlns:p="http://schemas.openxmlformats.org/presentationml/2006/main" type="twoObjAndObj" preserve="1">
+<p:sldLayout xmlns:a="http://schemas.openxmlformats.org/drawingml/2006/main" xmlns:p="http://schemas.openxmlformats.org/presentationml/2006/main" xmlns:r="http://schemas.openxmlformats.org/officeDocument/2006/relationships" xmlns:p14="http://schemas.microsoft.com/office/powerpoint/2010/main" xmlns:p15="http://schemas.microsoft.com/office/powerpoint/2012/main" xmlns:mc="http://schemas.openxmlformats.org/markup-compatibility/2006" type="twoObjAndObj" preserve="1">
   <p:cSld name="Title, 2 Content and Content">
     <p:spTree>
       <p:nvGrpSpPr>
@@ -1286,7 +1147,7 @@
       </p:grpSpPr>
       <p:sp>
         <p:nvSpPr>
-          <p:cNvPr id="14" name="PlaceHolder 1"/>
+          <p:cNvPr id="11" name="PlaceHolder 1"/>
           <p:cNvSpPr>
             <a:spLocks noGrp="1"/>
           </p:cNvSpPr>
@@ -1297,33 +1158,33 @@
         <p:spPr>
           <a:xfrm>
             <a:off x="685800" y="2130480"/>
-            <a:ext cx="7772040" cy="1469520"/>
+            <a:ext cx="7771320" cy="1468800"/>
           </a:xfrm>
           <a:prstGeom prst="rect">
             <a:avLst/>
           </a:prstGeom>
         </p:spPr>
         <p:txBody>
-          <a:bodyPr lIns="0" tIns="0" rIns="0" bIns="0" anchor="ctr"/>
-          <a:lstStyle/>
+          <a:bodyPr lIns="0" rIns="0" tIns="0" bIns="0" anchor="ctr"/>
           <a:p>
-            <a:endParaRPr lang="pt-BR" sz="1800" b="0" strike="noStrike" spc="-1">
+            <a:pPr algn="ctr"/>
+            <a:endParaRPr b="0" lang="pt-BR" sz="4400" spc="-1" strike="noStrike">
               <a:solidFill>
                 <a:srgbClr val="000000"/>
               </a:solidFill>
               <a:uFill>
                 <a:solidFill>
-                  <a:srgbClr val="FFFFFF"/>
+                  <a:srgbClr val="ffffff"/>
                 </a:solidFill>
               </a:uFill>
-              <a:latin typeface="Calibri"/>
+              <a:latin typeface="Arial"/>
             </a:endParaRPr>
           </a:p>
         </p:txBody>
       </p:sp>
       <p:sp>
         <p:nvSpPr>
-          <p:cNvPr id="15" name="PlaceHolder 2"/>
+          <p:cNvPr id="12" name="PlaceHolder 2"/>
           <p:cNvSpPr>
             <a:spLocks noGrp="1"/>
           </p:cNvSpPr>
@@ -1334,35 +1195,34 @@
         <p:spPr>
           <a:xfrm>
             <a:off x="457200" y="1604520"/>
-            <a:ext cx="4015800" cy="1896840"/>
+            <a:ext cx="4015440" cy="1896840"/>
           </a:xfrm>
           <a:prstGeom prst="rect">
             <a:avLst/>
           </a:prstGeom>
         </p:spPr>
         <p:txBody>
-          <a:bodyPr lIns="0" tIns="0" rIns="0" bIns="0">
+          <a:bodyPr lIns="0" rIns="0" tIns="0" bIns="0">
             <a:normAutofit/>
           </a:bodyPr>
-          <a:lstStyle/>
           <a:p>
-            <a:endParaRPr lang="pt-BR" sz="3200" b="0" strike="noStrike" spc="-1">
+            <a:endParaRPr b="0" lang="pt-BR" sz="3200" spc="-1" strike="noStrike">
               <a:solidFill>
                 <a:srgbClr val="000000"/>
               </a:solidFill>
               <a:uFill>
                 <a:solidFill>
-                  <a:srgbClr val="FFFFFF"/>
+                  <a:srgbClr val="ffffff"/>
                 </a:solidFill>
               </a:uFill>
-              <a:latin typeface="Calibri"/>
+              <a:latin typeface="Arial"/>
             </a:endParaRPr>
           </a:p>
         </p:txBody>
       </p:sp>
       <p:sp>
         <p:nvSpPr>
-          <p:cNvPr id="16" name="PlaceHolder 3"/>
+          <p:cNvPr id="13" name="PlaceHolder 3"/>
           <p:cNvSpPr>
             <a:spLocks noGrp="1"/>
           </p:cNvSpPr>
@@ -1373,35 +1233,34 @@
         <p:spPr>
           <a:xfrm>
             <a:off x="457200" y="3682080"/>
-            <a:ext cx="4015800" cy="1896840"/>
+            <a:ext cx="4015440" cy="1896840"/>
           </a:xfrm>
           <a:prstGeom prst="rect">
             <a:avLst/>
           </a:prstGeom>
         </p:spPr>
         <p:txBody>
-          <a:bodyPr lIns="0" tIns="0" rIns="0" bIns="0">
+          <a:bodyPr lIns="0" rIns="0" tIns="0" bIns="0">
             <a:normAutofit/>
           </a:bodyPr>
-          <a:lstStyle/>
           <a:p>
-            <a:endParaRPr lang="pt-BR" sz="3200" b="0" strike="noStrike" spc="-1">
+            <a:endParaRPr b="0" lang="pt-BR" sz="3200" spc="-1" strike="noStrike">
               <a:solidFill>
                 <a:srgbClr val="000000"/>
               </a:solidFill>
               <a:uFill>
                 <a:solidFill>
-                  <a:srgbClr val="FFFFFF"/>
+                  <a:srgbClr val="ffffff"/>
                 </a:solidFill>
               </a:uFill>
-              <a:latin typeface="Calibri"/>
+              <a:latin typeface="Arial"/>
             </a:endParaRPr>
           </a:p>
         </p:txBody>
       </p:sp>
       <p:sp>
         <p:nvSpPr>
-          <p:cNvPr id="17" name="PlaceHolder 4"/>
+          <p:cNvPr id="14" name="PlaceHolder 4"/>
           <p:cNvSpPr>
             <a:spLocks noGrp="1"/>
           </p:cNvSpPr>
@@ -1411,43 +1270,39 @@
         </p:nvSpPr>
         <p:spPr>
           <a:xfrm>
-            <a:off x="4674240" y="1604520"/>
-            <a:ext cx="4015800" cy="3977280"/>
+            <a:off x="4673880" y="1604520"/>
+            <a:ext cx="4015440" cy="3976920"/>
           </a:xfrm>
           <a:prstGeom prst="rect">
             <a:avLst/>
           </a:prstGeom>
         </p:spPr>
         <p:txBody>
-          <a:bodyPr lIns="0" tIns="0" rIns="0" bIns="0">
+          <a:bodyPr lIns="0" rIns="0" tIns="0" bIns="0">
             <a:normAutofit/>
           </a:bodyPr>
-          <a:lstStyle/>
           <a:p>
-            <a:endParaRPr lang="pt-BR" sz="3200" b="0" strike="noStrike" spc="-1">
+            <a:endParaRPr b="0" lang="pt-BR" sz="3200" spc="-1" strike="noStrike">
               <a:solidFill>
                 <a:srgbClr val="000000"/>
               </a:solidFill>
               <a:uFill>
                 <a:solidFill>
-                  <a:srgbClr val="FFFFFF"/>
+                  <a:srgbClr val="ffffff"/>
                 </a:solidFill>
               </a:uFill>
-              <a:latin typeface="Calibri"/>
+              <a:latin typeface="Arial"/>
             </a:endParaRPr>
           </a:p>
         </p:txBody>
       </p:sp>
     </p:spTree>
   </p:cSld>
-  <p:clrMapOvr>
-    <a:masterClrMapping/>
-  </p:clrMapOvr>
 </p:sldLayout>
 </file>
 
 <file path=ppt/slideLayouts/slideLayout8.xml><?xml version="1.0" encoding="utf-8"?>
-<p:sldLayout xmlns:a="http://schemas.openxmlformats.org/drawingml/2006/main" xmlns:r="http://schemas.openxmlformats.org/officeDocument/2006/relationships" xmlns:p="http://schemas.openxmlformats.org/presentationml/2006/main" type="objAndTwoObj" preserve="1">
+<p:sldLayout xmlns:a="http://schemas.openxmlformats.org/drawingml/2006/main" xmlns:p="http://schemas.openxmlformats.org/presentationml/2006/main" xmlns:r="http://schemas.openxmlformats.org/officeDocument/2006/relationships" xmlns:p14="http://schemas.microsoft.com/office/powerpoint/2010/main" xmlns:p15="http://schemas.microsoft.com/office/powerpoint/2012/main" xmlns:mc="http://schemas.openxmlformats.org/markup-compatibility/2006" type="objAndTwoObj" preserve="1">
   <p:cSld name="Title Content and 2 Content">
     <p:spTree>
       <p:nvGrpSpPr>
@@ -1465,7 +1320,7 @@
       </p:grpSpPr>
       <p:sp>
         <p:nvSpPr>
-          <p:cNvPr id="18" name="PlaceHolder 1"/>
+          <p:cNvPr id="15" name="PlaceHolder 1"/>
           <p:cNvSpPr>
             <a:spLocks noGrp="1"/>
           </p:cNvSpPr>
@@ -1476,33 +1331,33 @@
         <p:spPr>
           <a:xfrm>
             <a:off x="685800" y="2130480"/>
-            <a:ext cx="7772040" cy="1469520"/>
+            <a:ext cx="7771320" cy="1468800"/>
           </a:xfrm>
           <a:prstGeom prst="rect">
             <a:avLst/>
           </a:prstGeom>
         </p:spPr>
         <p:txBody>
-          <a:bodyPr lIns="0" tIns="0" rIns="0" bIns="0" anchor="ctr"/>
-          <a:lstStyle/>
+          <a:bodyPr lIns="0" rIns="0" tIns="0" bIns="0" anchor="ctr"/>
           <a:p>
-            <a:endParaRPr lang="pt-BR" sz="1800" b="0" strike="noStrike" spc="-1">
+            <a:pPr algn="ctr"/>
+            <a:endParaRPr b="0" lang="pt-BR" sz="4400" spc="-1" strike="noStrike">
               <a:solidFill>
                 <a:srgbClr val="000000"/>
               </a:solidFill>
               <a:uFill>
                 <a:solidFill>
-                  <a:srgbClr val="FFFFFF"/>
+                  <a:srgbClr val="ffffff"/>
                 </a:solidFill>
               </a:uFill>
-              <a:latin typeface="Calibri"/>
+              <a:latin typeface="Arial"/>
             </a:endParaRPr>
           </a:p>
         </p:txBody>
       </p:sp>
       <p:sp>
         <p:nvSpPr>
-          <p:cNvPr id="19" name="PlaceHolder 2"/>
+          <p:cNvPr id="16" name="PlaceHolder 2"/>
           <p:cNvSpPr>
             <a:spLocks noGrp="1"/>
           </p:cNvSpPr>
@@ -1513,35 +1368,34 @@
         <p:spPr>
           <a:xfrm>
             <a:off x="457200" y="1604520"/>
-            <a:ext cx="4015800" cy="3977280"/>
+            <a:ext cx="4015440" cy="3976920"/>
           </a:xfrm>
           <a:prstGeom prst="rect">
             <a:avLst/>
           </a:prstGeom>
         </p:spPr>
         <p:txBody>
-          <a:bodyPr lIns="0" tIns="0" rIns="0" bIns="0">
+          <a:bodyPr lIns="0" rIns="0" tIns="0" bIns="0">
             <a:normAutofit/>
           </a:bodyPr>
-          <a:lstStyle/>
           <a:p>
-            <a:endParaRPr lang="pt-BR" sz="3200" b="0" strike="noStrike" spc="-1">
+            <a:endParaRPr b="0" lang="pt-BR" sz="3200" spc="-1" strike="noStrike">
               <a:solidFill>
                 <a:srgbClr val="000000"/>
               </a:solidFill>
               <a:uFill>
                 <a:solidFill>
-                  <a:srgbClr val="FFFFFF"/>
+                  <a:srgbClr val="ffffff"/>
                 </a:solidFill>
               </a:uFill>
-              <a:latin typeface="Calibri"/>
+              <a:latin typeface="Arial"/>
             </a:endParaRPr>
           </a:p>
         </p:txBody>
       </p:sp>
       <p:sp>
         <p:nvSpPr>
-          <p:cNvPr id="20" name="PlaceHolder 3"/>
+          <p:cNvPr id="17" name="PlaceHolder 3"/>
           <p:cNvSpPr>
             <a:spLocks noGrp="1"/>
           </p:cNvSpPr>
@@ -1551,36 +1405,35 @@
         </p:nvSpPr>
         <p:spPr>
           <a:xfrm>
-            <a:off x="4674240" y="1604520"/>
-            <a:ext cx="4015800" cy="1896840"/>
+            <a:off x="4673880" y="1604520"/>
+            <a:ext cx="4015440" cy="1896840"/>
           </a:xfrm>
           <a:prstGeom prst="rect">
             <a:avLst/>
           </a:prstGeom>
         </p:spPr>
         <p:txBody>
-          <a:bodyPr lIns="0" tIns="0" rIns="0" bIns="0">
+          <a:bodyPr lIns="0" rIns="0" tIns="0" bIns="0">
             <a:normAutofit/>
           </a:bodyPr>
-          <a:lstStyle/>
           <a:p>
-            <a:endParaRPr lang="pt-BR" sz="3200" b="0" strike="noStrike" spc="-1">
+            <a:endParaRPr b="0" lang="pt-BR" sz="3200" spc="-1" strike="noStrike">
               <a:solidFill>
                 <a:srgbClr val="000000"/>
               </a:solidFill>
               <a:uFill>
                 <a:solidFill>
-                  <a:srgbClr val="FFFFFF"/>
+                  <a:srgbClr val="ffffff"/>
                 </a:solidFill>
               </a:uFill>
-              <a:latin typeface="Calibri"/>
+              <a:latin typeface="Arial"/>
             </a:endParaRPr>
           </a:p>
         </p:txBody>
       </p:sp>
       <p:sp>
         <p:nvSpPr>
-          <p:cNvPr id="21" name="PlaceHolder 4"/>
+          <p:cNvPr id="18" name="PlaceHolder 4"/>
           <p:cNvSpPr>
             <a:spLocks noGrp="1"/>
           </p:cNvSpPr>
@@ -1590,43 +1443,39 @@
         </p:nvSpPr>
         <p:spPr>
           <a:xfrm>
-            <a:off x="4674240" y="3682080"/>
-            <a:ext cx="4015800" cy="1896840"/>
+            <a:off x="4673880" y="3682080"/>
+            <a:ext cx="4015440" cy="1896840"/>
           </a:xfrm>
           <a:prstGeom prst="rect">
             <a:avLst/>
           </a:prstGeom>
         </p:spPr>
         <p:txBody>
-          <a:bodyPr lIns="0" tIns="0" rIns="0" bIns="0">
+          <a:bodyPr lIns="0" rIns="0" tIns="0" bIns="0">
             <a:normAutofit/>
           </a:bodyPr>
-          <a:lstStyle/>
           <a:p>
-            <a:endParaRPr lang="pt-BR" sz="3200" b="0" strike="noStrike" spc="-1">
+            <a:endParaRPr b="0" lang="pt-BR" sz="3200" spc="-1" strike="noStrike">
               <a:solidFill>
                 <a:srgbClr val="000000"/>
               </a:solidFill>
               <a:uFill>
                 <a:solidFill>
-                  <a:srgbClr val="FFFFFF"/>
+                  <a:srgbClr val="ffffff"/>
                 </a:solidFill>
               </a:uFill>
-              <a:latin typeface="Calibri"/>
+              <a:latin typeface="Arial"/>
             </a:endParaRPr>
           </a:p>
         </p:txBody>
       </p:sp>
     </p:spTree>
   </p:cSld>
-  <p:clrMapOvr>
-    <a:masterClrMapping/>
-  </p:clrMapOvr>
 </p:sldLayout>
 </file>
 
 <file path=ppt/slideLayouts/slideLayout9.xml><?xml version="1.0" encoding="utf-8"?>
-<p:sldLayout xmlns:a="http://schemas.openxmlformats.org/drawingml/2006/main" xmlns:r="http://schemas.openxmlformats.org/officeDocument/2006/relationships" xmlns:p="http://schemas.openxmlformats.org/presentationml/2006/main" type="twoObjOverTx" preserve="1">
+<p:sldLayout xmlns:a="http://schemas.openxmlformats.org/drawingml/2006/main" xmlns:p="http://schemas.openxmlformats.org/presentationml/2006/main" xmlns:r="http://schemas.openxmlformats.org/officeDocument/2006/relationships" xmlns:p14="http://schemas.microsoft.com/office/powerpoint/2010/main" xmlns:p15="http://schemas.microsoft.com/office/powerpoint/2012/main" xmlns:mc="http://schemas.openxmlformats.org/markup-compatibility/2006" type="twoObjOverTx" preserve="1">
   <p:cSld name="Title, 2 Content over Content">
     <p:spTree>
       <p:nvGrpSpPr>
@@ -1644,7 +1493,7 @@
       </p:grpSpPr>
       <p:sp>
         <p:nvSpPr>
-          <p:cNvPr id="22" name="PlaceHolder 1"/>
+          <p:cNvPr id="19" name="PlaceHolder 1"/>
           <p:cNvSpPr>
             <a:spLocks noGrp="1"/>
           </p:cNvSpPr>
@@ -1655,33 +1504,33 @@
         <p:spPr>
           <a:xfrm>
             <a:off x="685800" y="2130480"/>
-            <a:ext cx="7772040" cy="1469520"/>
+            <a:ext cx="7771320" cy="1468800"/>
           </a:xfrm>
           <a:prstGeom prst="rect">
             <a:avLst/>
           </a:prstGeom>
         </p:spPr>
         <p:txBody>
-          <a:bodyPr lIns="0" tIns="0" rIns="0" bIns="0" anchor="ctr"/>
-          <a:lstStyle/>
+          <a:bodyPr lIns="0" rIns="0" tIns="0" bIns="0" anchor="ctr"/>
           <a:p>
-            <a:endParaRPr lang="pt-BR" sz="1800" b="0" strike="noStrike" spc="-1">
+            <a:pPr algn="ctr"/>
+            <a:endParaRPr b="0" lang="pt-BR" sz="4400" spc="-1" strike="noStrike">
               <a:solidFill>
                 <a:srgbClr val="000000"/>
               </a:solidFill>
               <a:uFill>
                 <a:solidFill>
-                  <a:srgbClr val="FFFFFF"/>
+                  <a:srgbClr val="ffffff"/>
                 </a:solidFill>
               </a:uFill>
-              <a:latin typeface="Calibri"/>
+              <a:latin typeface="Arial"/>
             </a:endParaRPr>
           </a:p>
         </p:txBody>
       </p:sp>
       <p:sp>
         <p:nvSpPr>
-          <p:cNvPr id="23" name="PlaceHolder 2"/>
+          <p:cNvPr id="20" name="PlaceHolder 2"/>
           <p:cNvSpPr>
             <a:spLocks noGrp="1"/>
           </p:cNvSpPr>
@@ -1692,35 +1541,34 @@
         <p:spPr>
           <a:xfrm>
             <a:off x="457200" y="1604520"/>
-            <a:ext cx="4015800" cy="1896840"/>
+            <a:ext cx="4015440" cy="1896840"/>
           </a:xfrm>
           <a:prstGeom prst="rect">
             <a:avLst/>
           </a:prstGeom>
         </p:spPr>
         <p:txBody>
-          <a:bodyPr lIns="0" tIns="0" rIns="0" bIns="0">
+          <a:bodyPr lIns="0" rIns="0" tIns="0" bIns="0">
             <a:normAutofit/>
           </a:bodyPr>
-          <a:lstStyle/>
           <a:p>
-            <a:endParaRPr lang="pt-BR" sz="3200" b="0" strike="noStrike" spc="-1">
+            <a:endParaRPr b="0" lang="pt-BR" sz="3200" spc="-1" strike="noStrike">
               <a:solidFill>
                 <a:srgbClr val="000000"/>
               </a:solidFill>
               <a:uFill>
                 <a:solidFill>
-                  <a:srgbClr val="FFFFFF"/>
+                  <a:srgbClr val="ffffff"/>
                 </a:solidFill>
               </a:uFill>
-              <a:latin typeface="Calibri"/>
+              <a:latin typeface="Arial"/>
             </a:endParaRPr>
           </a:p>
         </p:txBody>
       </p:sp>
       <p:sp>
         <p:nvSpPr>
-          <p:cNvPr id="24" name="PlaceHolder 3"/>
+          <p:cNvPr id="21" name="PlaceHolder 3"/>
           <p:cNvSpPr>
             <a:spLocks noGrp="1"/>
           </p:cNvSpPr>
@@ -1730,36 +1578,35 @@
         </p:nvSpPr>
         <p:spPr>
           <a:xfrm>
-            <a:off x="4674240" y="1604520"/>
-            <a:ext cx="4015800" cy="1896840"/>
+            <a:off x="4673880" y="1604520"/>
+            <a:ext cx="4015440" cy="1896840"/>
           </a:xfrm>
           <a:prstGeom prst="rect">
             <a:avLst/>
           </a:prstGeom>
         </p:spPr>
         <p:txBody>
-          <a:bodyPr lIns="0" tIns="0" rIns="0" bIns="0">
+          <a:bodyPr lIns="0" rIns="0" tIns="0" bIns="0">
             <a:normAutofit/>
           </a:bodyPr>
-          <a:lstStyle/>
           <a:p>
-            <a:endParaRPr lang="pt-BR" sz="3200" b="0" strike="noStrike" spc="-1">
+            <a:endParaRPr b="0" lang="pt-BR" sz="3200" spc="-1" strike="noStrike">
               <a:solidFill>
                 <a:srgbClr val="000000"/>
               </a:solidFill>
               <a:uFill>
                 <a:solidFill>
-                  <a:srgbClr val="FFFFFF"/>
+                  <a:srgbClr val="ffffff"/>
                 </a:solidFill>
               </a:uFill>
-              <a:latin typeface="Calibri"/>
+              <a:latin typeface="Arial"/>
             </a:endParaRPr>
           </a:p>
         </p:txBody>
       </p:sp>
       <p:sp>
         <p:nvSpPr>
-          <p:cNvPr id="25" name="PlaceHolder 4"/>
+          <p:cNvPr id="22" name="PlaceHolder 4"/>
           <p:cNvSpPr>
             <a:spLocks noGrp="1"/>
           </p:cNvSpPr>
@@ -1770,49 +1617,44 @@
         <p:spPr>
           <a:xfrm>
             <a:off x="457200" y="3682080"/>
-            <a:ext cx="8229240" cy="1896840"/>
+            <a:ext cx="8228880" cy="1896840"/>
           </a:xfrm>
           <a:prstGeom prst="rect">
             <a:avLst/>
           </a:prstGeom>
         </p:spPr>
         <p:txBody>
-          <a:bodyPr lIns="0" tIns="0" rIns="0" bIns="0">
+          <a:bodyPr lIns="0" rIns="0" tIns="0" bIns="0">
             <a:normAutofit/>
           </a:bodyPr>
-          <a:lstStyle/>
           <a:p>
-            <a:endParaRPr lang="pt-BR" sz="3200" b="0" strike="noStrike" spc="-1">
+            <a:endParaRPr b="0" lang="pt-BR" sz="3200" spc="-1" strike="noStrike">
               <a:solidFill>
                 <a:srgbClr val="000000"/>
               </a:solidFill>
               <a:uFill>
                 <a:solidFill>
-                  <a:srgbClr val="FFFFFF"/>
+                  <a:srgbClr val="ffffff"/>
                 </a:solidFill>
               </a:uFill>
-              <a:latin typeface="Calibri"/>
+              <a:latin typeface="Arial"/>
             </a:endParaRPr>
           </a:p>
         </p:txBody>
       </p:sp>
     </p:spTree>
   </p:cSld>
-  <p:clrMapOvr>
-    <a:masterClrMapping/>
-  </p:clrMapOvr>
 </p:sldLayout>
 </file>
 
 <file path=ppt/slideMasters/slideMaster1.xml><?xml version="1.0" encoding="utf-8"?>
-<p:sldMaster xmlns:a="http://schemas.openxmlformats.org/drawingml/2006/main" xmlns:r="http://schemas.openxmlformats.org/officeDocument/2006/relationships" xmlns:p="http://schemas.openxmlformats.org/presentationml/2006/main">
+<p:sldMaster xmlns:a="http://schemas.openxmlformats.org/drawingml/2006/main" xmlns:p="http://schemas.openxmlformats.org/presentationml/2006/main" xmlns:r="http://schemas.openxmlformats.org/officeDocument/2006/relationships" xmlns:p14="http://schemas.microsoft.com/office/powerpoint/2010/main" xmlns:p15="http://schemas.microsoft.com/office/powerpoint/2012/main" xmlns:mc="http://schemas.openxmlformats.org/markup-compatibility/2006">
   <p:cSld>
     <p:bg>
       <p:bgPr>
         <a:solidFill>
-          <a:srgbClr val="FFFFFF"/>
+          <a:srgbClr val="ffffff"/>
         </a:solidFill>
-        <a:effectLst/>
       </p:bgPr>
     </p:bg>
     <p:spTree>
@@ -1831,7 +1673,7 @@
       </p:grpSpPr>
       <p:sp>
         <p:nvSpPr>
-          <p:cNvPr id="5" name="PlaceHolder 1"/>
+          <p:cNvPr id="0" name="PlaceHolder 1"/>
           <p:cNvSpPr>
             <a:spLocks noGrp="1"/>
           </p:cNvSpPr>
@@ -1842,200 +1684,46 @@
         <p:spPr>
           <a:xfrm>
             <a:off x="685800" y="2130480"/>
-            <a:ext cx="7772040" cy="1469520"/>
+            <a:ext cx="7771320" cy="1468800"/>
           </a:xfrm>
           <a:prstGeom prst="rect">
             <a:avLst/>
           </a:prstGeom>
         </p:spPr>
         <p:txBody>
-          <a:bodyPr anchor="ctr"/>
-          <a:lstStyle/>
+          <a:bodyPr lIns="0" rIns="0" tIns="0" bIns="0" anchor="ctr"/>
           <a:p>
-            <a:pPr algn="ctr">
-              <a:lnSpc>
-                <a:spcPct val="100000"/>
-              </a:lnSpc>
-            </a:pPr>
             <a:r>
-              <a:rPr lang="pt-BR" sz="4400" b="0" strike="noStrike" spc="-1">
+              <a:rPr b="0" lang="pt-BR" sz="1800" spc="-1" strike="noStrike">
                 <a:solidFill>
                   <a:srgbClr val="000000"/>
                 </a:solidFill>
                 <a:uFill>
                   <a:solidFill>
-                    <a:srgbClr val="FFFFFF"/>
+                    <a:srgbClr val="ffffff"/>
                   </a:solidFill>
                 </a:uFill>
-                <a:latin typeface="Calibri"/>
+                <a:latin typeface="Arial"/>
               </a:rPr>
-              <a:t>Clique para editar o estilo do título mestre</a:t>
+              <a:t>Clique para editar o formato do texto do título</a:t>
             </a:r>
-          </a:p>
-        </p:txBody>
-      </p:sp>
-      <p:sp>
-        <p:nvSpPr>
-          <p:cNvPr id="6" name="PlaceHolder 2"/>
-          <p:cNvSpPr>
-            <a:spLocks noGrp="1"/>
-          </p:cNvSpPr>
-          <p:nvPr>
-            <p:ph type="dt"/>
-          </p:nvPr>
-        </p:nvSpPr>
-        <p:spPr>
-          <a:xfrm>
-            <a:off x="457200" y="6356520"/>
-            <a:ext cx="2133360" cy="364680"/>
-          </a:xfrm>
-          <a:prstGeom prst="rect">
-            <a:avLst/>
-          </a:prstGeom>
-        </p:spPr>
-        <p:txBody>
-          <a:bodyPr anchor="ctr"/>
-          <a:lstStyle/>
-          <a:p>
-            <a:pPr>
-              <a:lnSpc>
-                <a:spcPct val="100000"/>
-              </a:lnSpc>
-            </a:pPr>
-            <a:fld id="{EBBD938E-437C-4B71-A38C-995DB3DA0CCC}" type="datetime">
-              <a:rPr lang="pt-BR" sz="1200" b="0" strike="noStrike" spc="-1">
-                <a:solidFill>
-                  <a:srgbClr val="8B8B8B"/>
-                </a:solidFill>
-                <a:uFill>
-                  <a:solidFill>
-                    <a:srgbClr val="FFFFFF"/>
-                  </a:solidFill>
-                </a:uFill>
-                <a:latin typeface="Calibri"/>
-              </a:rPr>
-              <a:pPr>
-                <a:lnSpc>
-                  <a:spcPct val="100000"/>
-                </a:lnSpc>
-              </a:pPr>
-              <a:t>22/04/2018</a:t>
-            </a:fld>
-            <a:endParaRPr lang="pt-BR" sz="1200" b="0" strike="noStrike" spc="-1">
+            <a:endParaRPr b="0" lang="pt-BR" sz="1800" spc="-1" strike="noStrike">
               <a:solidFill>
                 <a:srgbClr val="000000"/>
               </a:solidFill>
               <a:uFill>
                 <a:solidFill>
-                  <a:srgbClr val="FFFFFF"/>
+                  <a:srgbClr val="ffffff"/>
                 </a:solidFill>
               </a:uFill>
-              <a:latin typeface="Times New Roman"/>
+              <a:latin typeface="Arial"/>
             </a:endParaRPr>
           </a:p>
         </p:txBody>
       </p:sp>
       <p:sp>
         <p:nvSpPr>
-          <p:cNvPr id="2" name="PlaceHolder 3"/>
-          <p:cNvSpPr>
-            <a:spLocks noGrp="1"/>
-          </p:cNvSpPr>
-          <p:nvPr>
-            <p:ph type="ftr"/>
-          </p:nvPr>
-        </p:nvSpPr>
-        <p:spPr>
-          <a:xfrm>
-            <a:off x="3124080" y="6356520"/>
-            <a:ext cx="2895120" cy="364680"/>
-          </a:xfrm>
-          <a:prstGeom prst="rect">
-            <a:avLst/>
-          </a:prstGeom>
-        </p:spPr>
-        <p:txBody>
-          <a:bodyPr anchor="ctr"/>
-          <a:lstStyle/>
-          <a:p>
-            <a:endParaRPr lang="pt-BR" sz="2400" b="0" strike="noStrike" spc="-1">
-              <a:solidFill>
-                <a:srgbClr val="000000"/>
-              </a:solidFill>
-              <a:uFill>
-                <a:solidFill>
-                  <a:srgbClr val="FFFFFF"/>
-                </a:solidFill>
-              </a:uFill>
-              <a:latin typeface="Times New Roman"/>
-            </a:endParaRPr>
-          </a:p>
-        </p:txBody>
-      </p:sp>
-      <p:sp>
-        <p:nvSpPr>
-          <p:cNvPr id="3" name="PlaceHolder 4"/>
-          <p:cNvSpPr>
-            <a:spLocks noGrp="1"/>
-          </p:cNvSpPr>
-          <p:nvPr>
-            <p:ph type="sldNum"/>
-          </p:nvPr>
-        </p:nvSpPr>
-        <p:spPr>
-          <a:xfrm>
-            <a:off x="6553080" y="6356520"/>
-            <a:ext cx="2133360" cy="364680"/>
-          </a:xfrm>
-          <a:prstGeom prst="rect">
-            <a:avLst/>
-          </a:prstGeom>
-        </p:spPr>
-        <p:txBody>
-          <a:bodyPr anchor="ctr"/>
-          <a:lstStyle/>
-          <a:p>
-            <a:pPr algn="r">
-              <a:lnSpc>
-                <a:spcPct val="100000"/>
-              </a:lnSpc>
-            </a:pPr>
-            <a:fld id="{B011B00F-105E-4551-9E27-58FE4CC761B9}" type="slidenum">
-              <a:rPr lang="pt-BR" sz="1200" b="0" strike="noStrike" spc="-1">
-                <a:solidFill>
-                  <a:srgbClr val="8B8B8B"/>
-                </a:solidFill>
-                <a:uFill>
-                  <a:solidFill>
-                    <a:srgbClr val="FFFFFF"/>
-                  </a:solidFill>
-                </a:uFill>
-                <a:latin typeface="Calibri"/>
-              </a:rPr>
-              <a:pPr algn="r">
-                <a:lnSpc>
-                  <a:spcPct val="100000"/>
-                </a:lnSpc>
-              </a:pPr>
-              <a:t>‹nº›</a:t>
-            </a:fld>
-            <a:endParaRPr lang="pt-BR" sz="1200" b="0" strike="noStrike" spc="-1">
-              <a:solidFill>
-                <a:srgbClr val="000000"/>
-              </a:solidFill>
-              <a:uFill>
-                <a:solidFill>
-                  <a:srgbClr val="FFFFFF"/>
-                </a:solidFill>
-              </a:uFill>
-              <a:latin typeface="Times New Roman"/>
-            </a:endParaRPr>
-          </a:p>
-        </p:txBody>
-      </p:sp>
-      <p:sp>
-        <p:nvSpPr>
-          <p:cNvPr id="4" name="PlaceHolder 5"/>
+          <p:cNvPr id="1" name="PlaceHolder 2"/>
           <p:cNvSpPr>
             <a:spLocks noGrp="1"/>
           </p:cNvSpPr>
@@ -2046,17 +1734,16 @@
         <p:spPr>
           <a:xfrm>
             <a:off x="457200" y="1604520"/>
-            <a:ext cx="8229240" cy="3977280"/>
+            <a:ext cx="8228880" cy="3976920"/>
           </a:xfrm>
           <a:prstGeom prst="rect">
             <a:avLst/>
           </a:prstGeom>
         </p:spPr>
         <p:txBody>
-          <a:bodyPr lIns="0" tIns="0" rIns="0" bIns="0">
+          <a:bodyPr lIns="0" rIns="0" tIns="0" bIns="0">
             <a:normAutofit/>
           </a:bodyPr>
-          <a:lstStyle/>
           <a:p>
             <a:pPr marL="432000" indent="-324000">
               <a:spcBef>
@@ -2070,22 +1757,33 @@
               <a:buChar char=""/>
             </a:pPr>
             <a:r>
-              <a:rPr lang="pt-BR" sz="3200" b="0" strike="noStrike" spc="-1">
+              <a:rPr b="0" lang="pt-BR" sz="1800" spc="-1" strike="noStrike">
                 <a:solidFill>
                   <a:srgbClr val="000000"/>
                 </a:solidFill>
                 <a:uFill>
                   <a:solidFill>
-                    <a:srgbClr val="FFFFFF"/>
+                    <a:srgbClr val="ffffff"/>
                   </a:solidFill>
                 </a:uFill>
-                <a:latin typeface="Calibri"/>
+                <a:latin typeface="Arial"/>
               </a:rPr>
               <a:t>Clique para editar o formato do texto da estrutura de tópicos</a:t>
             </a:r>
+            <a:endParaRPr b="0" lang="pt-BR" sz="1800" spc="-1" strike="noStrike">
+              <a:solidFill>
+                <a:srgbClr val="000000"/>
+              </a:solidFill>
+              <a:uFill>
+                <a:solidFill>
+                  <a:srgbClr val="ffffff"/>
+                </a:solidFill>
+              </a:uFill>
+              <a:latin typeface="Arial"/>
+            </a:endParaRPr>
           </a:p>
           <a:p>
-            <a:pPr marL="864000" lvl="1" indent="-324000">
+            <a:pPr lvl="1" marL="864000" indent="-324000">
               <a:spcBef>
                 <a:spcPts val="1134"/>
               </a:spcBef>
@@ -2097,22 +1795,33 @@
               <a:buChar char=""/>
             </a:pPr>
             <a:r>
-              <a:rPr lang="pt-BR" sz="2400" b="0" strike="noStrike" spc="-1">
+              <a:rPr b="0" lang="pt-BR" sz="1800" spc="-1" strike="noStrike">
                 <a:solidFill>
                   <a:srgbClr val="000000"/>
                 </a:solidFill>
                 <a:uFill>
                   <a:solidFill>
-                    <a:srgbClr val="FFFFFF"/>
+                    <a:srgbClr val="ffffff"/>
                   </a:solidFill>
                 </a:uFill>
-                <a:latin typeface="Calibri"/>
+                <a:latin typeface="Arial"/>
               </a:rPr>
               <a:t>2.º nível da estrutura de tópicos</a:t>
             </a:r>
+            <a:endParaRPr b="0" lang="pt-BR" sz="1800" spc="-1" strike="noStrike">
+              <a:solidFill>
+                <a:srgbClr val="000000"/>
+              </a:solidFill>
+              <a:uFill>
+                <a:solidFill>
+                  <a:srgbClr val="ffffff"/>
+                </a:solidFill>
+              </a:uFill>
+              <a:latin typeface="Arial"/>
+            </a:endParaRPr>
           </a:p>
           <a:p>
-            <a:pPr marL="1296000" lvl="2" indent="-288000">
+            <a:pPr lvl="2" marL="1296000" indent="-288000">
               <a:spcBef>
                 <a:spcPts val="850"/>
               </a:spcBef>
@@ -2124,22 +1833,33 @@
               <a:buChar char=""/>
             </a:pPr>
             <a:r>
-              <a:rPr lang="pt-BR" sz="2000" b="0" strike="noStrike" spc="-1">
+              <a:rPr b="0" lang="pt-BR" sz="1800" spc="-1" strike="noStrike">
                 <a:solidFill>
                   <a:srgbClr val="000000"/>
                 </a:solidFill>
                 <a:uFill>
                   <a:solidFill>
-                    <a:srgbClr val="FFFFFF"/>
+                    <a:srgbClr val="ffffff"/>
                   </a:solidFill>
                 </a:uFill>
-                <a:latin typeface="Calibri"/>
+                <a:latin typeface="Arial"/>
               </a:rPr>
               <a:t>3.º nível da estrutura de tópicos</a:t>
             </a:r>
+            <a:endParaRPr b="0" lang="pt-BR" sz="1800" spc="-1" strike="noStrike">
+              <a:solidFill>
+                <a:srgbClr val="000000"/>
+              </a:solidFill>
+              <a:uFill>
+                <a:solidFill>
+                  <a:srgbClr val="ffffff"/>
+                </a:solidFill>
+              </a:uFill>
+              <a:latin typeface="Arial"/>
+            </a:endParaRPr>
           </a:p>
           <a:p>
-            <a:pPr marL="1728000" lvl="3" indent="-216000">
+            <a:pPr lvl="3" marL="1728000" indent="-216000">
               <a:spcBef>
                 <a:spcPts val="567"/>
               </a:spcBef>
@@ -2151,22 +1871,33 @@
               <a:buChar char=""/>
             </a:pPr>
             <a:r>
-              <a:rPr lang="pt-BR" sz="2000" b="0" strike="noStrike" spc="-1">
+              <a:rPr b="0" lang="pt-BR" sz="1800" spc="-1" strike="noStrike">
                 <a:solidFill>
                   <a:srgbClr val="000000"/>
                 </a:solidFill>
                 <a:uFill>
                   <a:solidFill>
-                    <a:srgbClr val="FFFFFF"/>
+                    <a:srgbClr val="ffffff"/>
                   </a:solidFill>
                 </a:uFill>
-                <a:latin typeface="Calibri"/>
+                <a:latin typeface="Arial"/>
               </a:rPr>
               <a:t>4.º nível da estrutura de tópicos</a:t>
             </a:r>
+            <a:endParaRPr b="0" lang="pt-BR" sz="1800" spc="-1" strike="noStrike">
+              <a:solidFill>
+                <a:srgbClr val="000000"/>
+              </a:solidFill>
+              <a:uFill>
+                <a:solidFill>
+                  <a:srgbClr val="ffffff"/>
+                </a:solidFill>
+              </a:uFill>
+              <a:latin typeface="Arial"/>
+            </a:endParaRPr>
           </a:p>
           <a:p>
-            <a:pPr marL="2160000" lvl="4" indent="-216000">
+            <a:pPr lvl="4" marL="2160000" indent="-216000">
               <a:spcBef>
                 <a:spcPts val="283"/>
               </a:spcBef>
@@ -2178,22 +1909,33 @@
               <a:buChar char=""/>
             </a:pPr>
             <a:r>
-              <a:rPr lang="pt-BR" sz="2000" b="0" strike="noStrike" spc="-1">
+              <a:rPr b="0" lang="pt-BR" sz="1800" spc="-1" strike="noStrike">
                 <a:solidFill>
                   <a:srgbClr val="000000"/>
                 </a:solidFill>
                 <a:uFill>
                   <a:solidFill>
-                    <a:srgbClr val="FFFFFF"/>
+                    <a:srgbClr val="ffffff"/>
                   </a:solidFill>
                 </a:uFill>
-                <a:latin typeface="Calibri"/>
+                <a:latin typeface="Arial"/>
               </a:rPr>
               <a:t>5.º nível da estrutura de tópicos</a:t>
             </a:r>
+            <a:endParaRPr b="0" lang="pt-BR" sz="1800" spc="-1" strike="noStrike">
+              <a:solidFill>
+                <a:srgbClr val="000000"/>
+              </a:solidFill>
+              <a:uFill>
+                <a:solidFill>
+                  <a:srgbClr val="ffffff"/>
+                </a:solidFill>
+              </a:uFill>
+              <a:latin typeface="Arial"/>
+            </a:endParaRPr>
           </a:p>
           <a:p>
-            <a:pPr marL="2592000" lvl="5" indent="-216000">
+            <a:pPr lvl="5" marL="2592000" indent="-216000">
               <a:spcBef>
                 <a:spcPts val="283"/>
               </a:spcBef>
@@ -2205,22 +1947,33 @@
               <a:buChar char=""/>
             </a:pPr>
             <a:r>
-              <a:rPr lang="pt-BR" sz="2000" b="0" strike="noStrike" spc="-1">
+              <a:rPr b="0" lang="pt-BR" sz="1800" spc="-1" strike="noStrike">
                 <a:solidFill>
                   <a:srgbClr val="000000"/>
                 </a:solidFill>
                 <a:uFill>
                   <a:solidFill>
-                    <a:srgbClr val="FFFFFF"/>
+                    <a:srgbClr val="ffffff"/>
                   </a:solidFill>
                 </a:uFill>
-                <a:latin typeface="Calibri"/>
+                <a:latin typeface="Arial"/>
               </a:rPr>
               <a:t>6.º nível da estrutura de tópicos</a:t>
             </a:r>
+            <a:endParaRPr b="0" lang="pt-BR" sz="1800" spc="-1" strike="noStrike">
+              <a:solidFill>
+                <a:srgbClr val="000000"/>
+              </a:solidFill>
+              <a:uFill>
+                <a:solidFill>
+                  <a:srgbClr val="ffffff"/>
+                </a:solidFill>
+              </a:uFill>
+              <a:latin typeface="Arial"/>
+            </a:endParaRPr>
           </a:p>
           <a:p>
-            <a:pPr marL="3024000" lvl="6" indent="-216000">
+            <a:pPr lvl="6" marL="3024000" indent="-216000">
               <a:spcBef>
                 <a:spcPts val="283"/>
               </a:spcBef>
@@ -2232,49 +1985,55 @@
               <a:buChar char=""/>
             </a:pPr>
             <a:r>
-              <a:rPr lang="pt-BR" sz="2000" b="0" strike="noStrike" spc="-1">
+              <a:rPr b="0" lang="pt-BR" sz="1800" spc="-1" strike="noStrike">
                 <a:solidFill>
                   <a:srgbClr val="000000"/>
                 </a:solidFill>
                 <a:uFill>
                   <a:solidFill>
-                    <a:srgbClr val="FFFFFF"/>
+                    <a:srgbClr val="ffffff"/>
                   </a:solidFill>
                 </a:uFill>
-                <a:latin typeface="Calibri"/>
+                <a:latin typeface="Arial"/>
               </a:rPr>
               <a:t>7.º nível da estrutura de tópicos</a:t>
             </a:r>
+            <a:endParaRPr b="0" lang="pt-BR" sz="1800" spc="-1" strike="noStrike">
+              <a:solidFill>
+                <a:srgbClr val="000000"/>
+              </a:solidFill>
+              <a:uFill>
+                <a:solidFill>
+                  <a:srgbClr val="ffffff"/>
+                </a:solidFill>
+              </a:uFill>
+              <a:latin typeface="Arial"/>
+            </a:endParaRPr>
           </a:p>
         </p:txBody>
       </p:sp>
     </p:spTree>
   </p:cSld>
-  <p:clrMap bg1="lt1" tx1="dk1" bg2="lt2" tx2="dk2" accent1="accent1" accent2="accent2" accent3="accent3" accent4="accent4" accent5="accent5" accent6="accent6" hlink="hlink" folHlink="folHlink"/>
+  <p:clrMap bg1="lt1" bg2="lt2" tx1="dk1" tx2="dk2" accent1="accent1" accent2="accent2" accent3="accent3" accent4="accent4" accent5="accent5" accent6="accent6" hlink="hlink" folHlink="folHlink"/>
   <p:sldLayoutIdLst>
-    <p:sldLayoutId id="2147483649" r:id="rId1"/>
-    <p:sldLayoutId id="2147483650" r:id="rId2"/>
-    <p:sldLayoutId id="2147483651" r:id="rId3"/>
-    <p:sldLayoutId id="2147483652" r:id="rId4"/>
-    <p:sldLayoutId id="2147483653" r:id="rId5"/>
-    <p:sldLayoutId id="2147483654" r:id="rId6"/>
-    <p:sldLayoutId id="2147483655" r:id="rId7"/>
-    <p:sldLayoutId id="2147483656" r:id="rId8"/>
-    <p:sldLayoutId id="2147483657" r:id="rId9"/>
-    <p:sldLayoutId id="2147483658" r:id="rId10"/>
-    <p:sldLayoutId id="2147483659" r:id="rId11"/>
-    <p:sldLayoutId id="2147483660" r:id="rId12"/>
+    <p:sldLayoutId id="2147483649" r:id="rId2"/>
+    <p:sldLayoutId id="2147483650" r:id="rId3"/>
+    <p:sldLayoutId id="2147483651" r:id="rId4"/>
+    <p:sldLayoutId id="2147483652" r:id="rId5"/>
+    <p:sldLayoutId id="2147483653" r:id="rId6"/>
+    <p:sldLayoutId id="2147483654" r:id="rId7"/>
+    <p:sldLayoutId id="2147483655" r:id="rId8"/>
+    <p:sldLayoutId id="2147483656" r:id="rId9"/>
+    <p:sldLayoutId id="2147483657" r:id="rId10"/>
+    <p:sldLayoutId id="2147483658" r:id="rId11"/>
+    <p:sldLayoutId id="2147483659" r:id="rId12"/>
+    <p:sldLayoutId id="2147483660" r:id="rId13"/>
   </p:sldLayoutIdLst>
-  <p:txStyles>
-    <p:titleStyle/>
-    <p:bodyStyle/>
-    <p:otherStyle/>
-  </p:txStyles>
 </p:sldMaster>
 </file>
 
 <file path=ppt/slides/slide1.xml><?xml version="1.0" encoding="utf-8"?>
-<p:sld xmlns:a="http://schemas.openxmlformats.org/drawingml/2006/main" xmlns:r="http://schemas.openxmlformats.org/officeDocument/2006/relationships" xmlns:p="http://schemas.openxmlformats.org/presentationml/2006/main">
+<p:sld xmlns:a="http://schemas.openxmlformats.org/drawingml/2006/main" xmlns:p="http://schemas.openxmlformats.org/presentationml/2006/main" xmlns:r="http://schemas.openxmlformats.org/officeDocument/2006/relationships" xmlns:p14="http://schemas.microsoft.com/office/powerpoint/2010/main" xmlns:p15="http://schemas.microsoft.com/office/powerpoint/2012/main" xmlns:mc="http://schemas.openxmlformats.org/markup-compatibility/2006">
   <p:cSld>
     <p:spTree>
       <p:nvGrpSpPr>
@@ -2292,7 +2051,30 @@
       </p:grpSpPr>
       <p:pic>
         <p:nvPicPr>
-          <p:cNvPr id="41" name="Picture 9"/>
+          <p:cNvPr id="38" name="Picture 9" descr=""/>
+          <p:cNvPicPr/>
+          <p:nvPr/>
+        </p:nvPicPr>
+        <p:blipFill>
+          <a:blip r:embed="rId1"/>
+          <a:stretch/>
+        </p:blipFill>
+        <p:spPr>
+          <a:xfrm>
+            <a:off x="7215120" y="0"/>
+            <a:ext cx="1927800" cy="2524680"/>
+          </a:xfrm>
+          <a:prstGeom prst="rect">
+            <a:avLst/>
+          </a:prstGeom>
+          <a:ln w="9360">
+            <a:noFill/>
+          </a:ln>
+        </p:spPr>
+      </p:pic>
+      <p:pic>
+        <p:nvPicPr>
+          <p:cNvPr id="39" name="Picture 9" descr=""/>
           <p:cNvPicPr/>
           <p:nvPr/>
         </p:nvPicPr>
@@ -2302,8 +2084,8 @@
         </p:blipFill>
         <p:spPr>
           <a:xfrm>
-            <a:off x="7215120" y="0"/>
-            <a:ext cx="1928520" cy="2525400"/>
+            <a:off x="0" y="4786200"/>
+            <a:ext cx="1570680" cy="2056320"/>
           </a:xfrm>
           <a:prstGeom prst="rect">
             <a:avLst/>
@@ -2313,39 +2095,16 @@
           </a:ln>
         </p:spPr>
       </p:pic>
-      <p:pic>
-        <p:nvPicPr>
-          <p:cNvPr id="42" name="Picture 9"/>
-          <p:cNvPicPr/>
-          <p:nvPr/>
-        </p:nvPicPr>
-        <p:blipFill>
-          <a:blip r:embed="rId3"/>
-          <a:stretch/>
-        </p:blipFill>
-        <p:spPr>
-          <a:xfrm>
-            <a:off x="0" y="4786200"/>
-            <a:ext cx="1571400" cy="2057040"/>
-          </a:xfrm>
-          <a:prstGeom prst="rect">
-            <a:avLst/>
-          </a:prstGeom>
-          <a:ln w="9360">
-            <a:noFill/>
-          </a:ln>
-        </p:spPr>
-      </p:pic>
-      <p:sp>
-        <p:nvSpPr>
-          <p:cNvPr id="43" name="CustomShape 1"/>
+      <p:sp>
+        <p:nvSpPr>
+          <p:cNvPr id="40" name="CustomShape 1"/>
           <p:cNvSpPr/>
           <p:nvPr/>
         </p:nvSpPr>
         <p:spPr>
           <a:xfrm>
             <a:off x="0" y="0"/>
-            <a:ext cx="9143640" cy="6857640"/>
+            <a:ext cx="9142920" cy="6856920"/>
           </a:xfrm>
           <a:prstGeom prst="rect">
             <a:avLst/>
@@ -2377,14 +2136,14 @@
       </p:sp>
       <p:sp>
         <p:nvSpPr>
-          <p:cNvPr id="44" name="TextShape 2"/>
-          <p:cNvSpPr txBox="1"/>
+          <p:cNvPr id="41" name="CustomShape 2"/>
+          <p:cNvSpPr/>
           <p:nvPr/>
         </p:nvSpPr>
         <p:spPr>
           <a:xfrm>
             <a:off x="142920" y="1785960"/>
-            <a:ext cx="7572240" cy="2928600"/>
+            <a:ext cx="7571520" cy="2927880"/>
           </a:xfrm>
           <a:prstGeom prst="rect">
             <a:avLst/>
@@ -2394,11 +2153,16 @@
             <a:noFill/>
           </a:ln>
         </p:spPr>
+        <p:style>
+          <a:lnRef idx="0"/>
+          <a:fillRef idx="0"/>
+          <a:effectRef idx="0"/>
+          <a:fontRef idx="minor"/>
+        </p:style>
         <p:txBody>
-          <a:bodyPr>
-            <a:normAutofit lnSpcReduction="10000"/>
+          <a:bodyPr lIns="90000" rIns="90000" tIns="45000" bIns="45000">
+            <a:normAutofit/>
           </a:bodyPr>
-          <a:lstStyle/>
           <a:p>
             <a:pPr algn="just">
               <a:lnSpc>
@@ -2409,26 +2173,42 @@
               </a:spcBef>
             </a:pPr>
             <a:r>
-              <a:rPr lang="pt-BR" sz="3200" b="0" strike="noStrike" spc="-1">
+              <a:rPr b="0" lang="pt-BR" sz="3200" spc="-1" strike="noStrike">
                 <a:solidFill>
                   <a:srgbClr val="000000"/>
                 </a:solidFill>
                 <a:uFill>
                   <a:solidFill>
-                    <a:srgbClr val="FFFFFF"/>
+                    <a:srgbClr val="ffffff"/>
                   </a:solidFill>
                 </a:uFill>
                 <a:latin typeface="Calibri"/>
+                <a:ea typeface="DejaVu Sans"/>
               </a:rPr>
-              <a:t>	Geralmente quando usa-se uma expressão simples em um template, é utilizado um método, porém quando a complexidade da lógica aumenta é necessário economizar tempo para que a manutenção do código seja produtiva.</a:t>
+              <a:t>	</a:t>
             </a:r>
-            <a:endParaRPr lang="pt-BR" sz="3200" b="0" strike="noStrike" spc="-1">
+            <a:r>
+              <a:rPr b="0" lang="pt-BR" sz="3200" spc="-1" strike="noStrike">
+                <a:solidFill>
+                  <a:srgbClr val="000000"/>
+                </a:solidFill>
+                <a:uFill>
+                  <a:solidFill>
+                    <a:srgbClr val="ffffff"/>
+                  </a:solidFill>
+                </a:uFill>
+                <a:latin typeface="Calibri"/>
+                <a:ea typeface="DejaVu Sans"/>
+              </a:rPr>
+              <a:t>Geralmente quando usa-se uma expressão simples em um template, é utilizado um método, porém quando a complexidade da lógica aumenta é necessário economizar tempo para que a manutenção do código seja produtiva.</a:t>
+            </a:r>
+            <a:endParaRPr b="0" lang="pt-BR" sz="3200" spc="-1" strike="noStrike">
               <a:solidFill>
                 <a:srgbClr val="000000"/>
               </a:solidFill>
               <a:uFill>
                 <a:solidFill>
-                  <a:srgbClr val="FFFFFF"/>
+                  <a:srgbClr val="ffffff"/>
                 </a:solidFill>
               </a:uFill>
               <a:latin typeface="Arial"/>
@@ -2438,14 +2218,14 @@
       </p:sp>
       <p:sp>
         <p:nvSpPr>
-          <p:cNvPr id="45" name="CustomShape 3"/>
+          <p:cNvPr id="42" name="CustomShape 3"/>
           <p:cNvSpPr/>
           <p:nvPr/>
         </p:nvSpPr>
         <p:spPr>
           <a:xfrm>
             <a:off x="100800" y="285840"/>
-            <a:ext cx="7399800" cy="999720"/>
+            <a:ext cx="7399080" cy="999000"/>
           </a:xfrm>
           <a:prstGeom prst="homePlate">
             <a:avLst>
@@ -2453,7 +2233,7 @@
             </a:avLst>
           </a:prstGeom>
           <a:solidFill>
-            <a:srgbClr val="06BA8F"/>
+            <a:srgbClr val="06ba8f"/>
           </a:solidFill>
           <a:ln>
             <a:round/>
@@ -2476,19 +2256,19 @@
       </p:sp>
       <p:pic>
         <p:nvPicPr>
-          <p:cNvPr id="46" name="Imagem 8"/>
+          <p:cNvPr id="43" name="Imagem 8" descr=""/>
           <p:cNvPicPr/>
           <p:nvPr/>
         </p:nvPicPr>
         <p:blipFill>
-          <a:blip r:embed="rId4"/>
-          <a:srcRect l="6879" r="6879"/>
+          <a:blip r:embed="rId3"/>
+          <a:srcRect l="6879" t="0" r="6879" b="0"/>
           <a:stretch/>
         </p:blipFill>
         <p:spPr>
           <a:xfrm>
             <a:off x="123120" y="142920"/>
-            <a:ext cx="1519560" cy="1285560"/>
+            <a:ext cx="1518840" cy="1284840"/>
           </a:xfrm>
           <a:prstGeom prst="rect">
             <a:avLst/>
@@ -2500,14 +2280,14 @@
       </p:pic>
       <p:sp>
         <p:nvSpPr>
-          <p:cNvPr id="47" name="CustomShape 4"/>
+          <p:cNvPr id="44" name="CustomShape 4"/>
           <p:cNvSpPr/>
           <p:nvPr/>
         </p:nvSpPr>
         <p:spPr>
           <a:xfrm>
             <a:off x="1428840" y="428760"/>
-            <a:ext cx="5643360" cy="713880"/>
+            <a:ext cx="5642640" cy="713160"/>
           </a:xfrm>
           <a:prstGeom prst="rect">
             <a:avLst/>
@@ -2518,22 +2298,15 @@
           </a:ln>
         </p:spPr>
         <p:style>
-          <a:lnRef idx="0">
-            <a:scrgbClr r="0" g="0" b="0"/>
-          </a:lnRef>
-          <a:fillRef idx="0">
-            <a:scrgbClr r="0" g="0" b="0"/>
-          </a:fillRef>
-          <a:effectRef idx="0">
-            <a:scrgbClr r="0" g="0" b="0"/>
-          </a:effectRef>
+          <a:lnRef idx="0"/>
+          <a:fillRef idx="0"/>
+          <a:effectRef idx="0"/>
           <a:fontRef idx="minor"/>
         </p:style>
         <p:txBody>
-          <a:bodyPr anchor="ctr">
-            <a:normAutofit lnSpcReduction="10000"/>
+          <a:bodyPr lIns="90000" rIns="90000" tIns="45000" bIns="45000" anchor="ctr">
+            <a:normAutofit/>
           </a:bodyPr>
-          <a:lstStyle/>
           <a:p>
             <a:pPr>
               <a:lnSpc>
@@ -2541,26 +2314,27 @@
               </a:lnSpc>
             </a:pPr>
             <a:r>
-              <a:rPr lang="pt-BR" sz="4400" b="1" strike="noStrike" spc="-1">
+              <a:rPr b="1" lang="pt-BR" sz="4400" spc="-1" strike="noStrike">
                 <a:solidFill>
                   <a:srgbClr val="000000"/>
                 </a:solidFill>
                 <a:uFill>
                   <a:solidFill>
-                    <a:srgbClr val="FFFFFF"/>
+                    <a:srgbClr val="ffffff"/>
                   </a:solidFill>
                 </a:uFill>
                 <a:latin typeface="Times New Roman"/>
+                <a:ea typeface="DejaVu Sans"/>
               </a:rPr>
               <a:t>Introdução</a:t>
             </a:r>
-            <a:endParaRPr lang="pt-BR" sz="4400" b="0" strike="noStrike" spc="-1">
+            <a:endParaRPr b="0" lang="pt-BR" sz="4400" spc="-1" strike="noStrike">
               <a:solidFill>
                 <a:srgbClr val="000000"/>
               </a:solidFill>
               <a:uFill>
                 <a:solidFill>
-                  <a:srgbClr val="FFFFFF"/>
+                  <a:srgbClr val="ffffff"/>
                 </a:solidFill>
               </a:uFill>
               <a:latin typeface="Arial"/>
@@ -2570,19 +2344,19 @@
       </p:sp>
       <p:pic>
         <p:nvPicPr>
-          <p:cNvPr id="48" name="Imagem 16"/>
+          <p:cNvPr id="45" name="Imagem 16" descr=""/>
           <p:cNvPicPr/>
           <p:nvPr/>
         </p:nvPicPr>
         <p:blipFill>
-          <a:blip r:embed="rId5"/>
+          <a:blip r:embed="rId4"/>
           <a:srcRect l="3124" t="69614" r="3124" b="8995"/>
           <a:stretch/>
         </p:blipFill>
         <p:spPr>
           <a:xfrm>
             <a:off x="1571760" y="5929200"/>
-            <a:ext cx="7514640" cy="856800"/>
+            <a:ext cx="7513920" cy="856080"/>
           </a:xfrm>
           <a:prstGeom prst="rect">
             <a:avLst/>
@@ -2594,14 +2368,14 @@
       </p:pic>
       <p:sp>
         <p:nvSpPr>
-          <p:cNvPr id="49" name="CustomShape 5"/>
+          <p:cNvPr id="46" name="CustomShape 5"/>
           <p:cNvSpPr/>
           <p:nvPr/>
         </p:nvSpPr>
         <p:spPr>
           <a:xfrm>
-            <a:off x="1214280" y="4500806"/>
-            <a:ext cx="6500520" cy="1571400"/>
+            <a:off x="1214280" y="4500720"/>
+            <a:ext cx="6499800" cy="1570680"/>
           </a:xfrm>
           <a:prstGeom prst="rect">
             <a:avLst/>
@@ -2612,20 +2386,13 @@
           </a:ln>
         </p:spPr>
         <p:style>
-          <a:lnRef idx="0">
-            <a:scrgbClr r="0" g="0" b="0"/>
-          </a:lnRef>
-          <a:fillRef idx="0">
-            <a:scrgbClr r="0" g="0" b="0"/>
-          </a:fillRef>
-          <a:effectRef idx="0">
-            <a:scrgbClr r="0" g="0" b="0"/>
-          </a:effectRef>
+          <a:lnRef idx="0"/>
+          <a:fillRef idx="0"/>
+          <a:effectRef idx="0"/>
           <a:fontRef idx="minor"/>
         </p:style>
         <p:txBody>
-          <a:bodyPr/>
-          <a:lstStyle/>
+          <a:bodyPr lIns="90000" rIns="90000" tIns="45000" bIns="45000"/>
           <a:p>
             <a:pPr algn="just">
               <a:lnSpc>
@@ -2636,26 +2403,27 @@
               </a:spcBef>
             </a:pPr>
             <a:r>
-              <a:rPr lang="pt-BR" sz="3200" b="0" strike="noStrike" spc="-1" dirty="0">
+              <a:rPr b="0" lang="pt-BR" sz="3200" spc="-1" strike="noStrike">
                 <a:solidFill>
                   <a:srgbClr val="000000"/>
                 </a:solidFill>
                 <a:uFill>
                   <a:solidFill>
-                    <a:srgbClr val="FFFFFF"/>
+                    <a:srgbClr val="ffffff"/>
                   </a:solidFill>
                 </a:uFill>
                 <a:latin typeface="Calibri"/>
+                <a:ea typeface="DejaVu Sans"/>
               </a:rPr>
               <a:t>Iremos abordar hoje alguns conceitos sobre dados computados e observadores.</a:t>
             </a:r>
-            <a:endParaRPr lang="pt-BR" sz="3200" b="0" strike="noStrike" spc="-1" dirty="0">
+            <a:endParaRPr b="0" lang="pt-BR" sz="3200" spc="-1" strike="noStrike">
               <a:solidFill>
                 <a:srgbClr val="000000"/>
               </a:solidFill>
               <a:uFill>
                 <a:solidFill>
-                  <a:srgbClr val="FFFFFF"/>
+                  <a:srgbClr val="ffffff"/>
                 </a:solidFill>
               </a:uFill>
               <a:latin typeface="Arial"/>
@@ -2665,9 +2433,6 @@
       </p:sp>
     </p:spTree>
   </p:cSld>
-  <p:clrMapOvr>
-    <a:masterClrMapping/>
-  </p:clrMapOvr>
   <p:timing>
     <p:tnLst>
       <p:par>
@@ -2676,14 +2441,14 @@
             <p:seq>
               <p:cTn id="2" nodeType="mainSeq"/>
               <p:prevCondLst>
-                <p:cond evt="onPrev" delay="0">
+                <p:cond delay="0" evt="onPrev">
                   <p:tgtEl>
                     <p:sldTgt/>
                   </p:tgtEl>
                 </p:cond>
               </p:prevCondLst>
               <p:nextCondLst>
-                <p:cond evt="onNext" delay="0">
+                <p:cond delay="0" evt="onNext">
                   <p:tgtEl>
                     <p:sldTgt/>
                   </p:tgtEl>
@@ -2699,7 +2464,7 @@
 </file>
 
 <file path=ppt/slides/slide10.xml><?xml version="1.0" encoding="utf-8"?>
-<p:sld xmlns:a="http://schemas.openxmlformats.org/drawingml/2006/main" xmlns:r="http://schemas.openxmlformats.org/officeDocument/2006/relationships" xmlns:p="http://schemas.openxmlformats.org/presentationml/2006/main">
+<p:sld xmlns:a="http://schemas.openxmlformats.org/drawingml/2006/main" xmlns:p="http://schemas.openxmlformats.org/presentationml/2006/main" xmlns:r="http://schemas.openxmlformats.org/officeDocument/2006/relationships" xmlns:p14="http://schemas.microsoft.com/office/powerpoint/2010/main" xmlns:p15="http://schemas.microsoft.com/office/powerpoint/2012/main" xmlns:mc="http://schemas.openxmlformats.org/markup-compatibility/2006">
   <p:cSld>
     <p:spTree>
       <p:nvGrpSpPr>
@@ -2717,7 +2482,30 @@
       </p:grpSpPr>
       <p:pic>
         <p:nvPicPr>
-          <p:cNvPr id="103" name="Picture 9"/>
+          <p:cNvPr id="120" name="Picture 9" descr=""/>
+          <p:cNvPicPr/>
+          <p:nvPr/>
+        </p:nvPicPr>
+        <p:blipFill>
+          <a:blip r:embed="rId1"/>
+          <a:stretch/>
+        </p:blipFill>
+        <p:spPr>
+          <a:xfrm>
+            <a:off x="7215120" y="0"/>
+            <a:ext cx="1927800" cy="2524680"/>
+          </a:xfrm>
+          <a:prstGeom prst="rect">
+            <a:avLst/>
+          </a:prstGeom>
+          <a:ln w="9360">
+            <a:noFill/>
+          </a:ln>
+        </p:spPr>
+      </p:pic>
+      <p:pic>
+        <p:nvPicPr>
+          <p:cNvPr id="121" name="Picture 9" descr=""/>
           <p:cNvPicPr/>
           <p:nvPr/>
         </p:nvPicPr>
@@ -2727,8 +2515,8 @@
         </p:blipFill>
         <p:spPr>
           <a:xfrm>
-            <a:off x="7215120" y="0"/>
-            <a:ext cx="1928520" cy="2525400"/>
+            <a:off x="0" y="4786200"/>
+            <a:ext cx="1570680" cy="2056320"/>
           </a:xfrm>
           <a:prstGeom prst="rect">
             <a:avLst/>
@@ -2738,39 +2526,16 @@
           </a:ln>
         </p:spPr>
       </p:pic>
-      <p:pic>
-        <p:nvPicPr>
-          <p:cNvPr id="104" name="Picture 9"/>
-          <p:cNvPicPr/>
-          <p:nvPr/>
-        </p:nvPicPr>
-        <p:blipFill>
-          <a:blip r:embed="rId3"/>
-          <a:stretch/>
-        </p:blipFill>
-        <p:spPr>
-          <a:xfrm>
-            <a:off x="0" y="4786200"/>
-            <a:ext cx="1571400" cy="2057040"/>
-          </a:xfrm>
-          <a:prstGeom prst="rect">
-            <a:avLst/>
-          </a:prstGeom>
-          <a:ln w="9360">
-            <a:noFill/>
-          </a:ln>
-        </p:spPr>
-      </p:pic>
-      <p:sp>
-        <p:nvSpPr>
-          <p:cNvPr id="105" name="CustomShape 1"/>
+      <p:sp>
+        <p:nvSpPr>
+          <p:cNvPr id="122" name="CustomShape 1"/>
           <p:cNvSpPr/>
           <p:nvPr/>
         </p:nvSpPr>
         <p:spPr>
           <a:xfrm>
             <a:off x="0" y="0"/>
-            <a:ext cx="9143640" cy="6857640"/>
+            <a:ext cx="9142920" cy="6856920"/>
           </a:xfrm>
           <a:prstGeom prst="rect">
             <a:avLst/>
@@ -2802,14 +2567,14 @@
       </p:sp>
       <p:sp>
         <p:nvSpPr>
-          <p:cNvPr id="107" name="CustomShape 3"/>
+          <p:cNvPr id="123" name="CustomShape 2"/>
           <p:cNvSpPr/>
           <p:nvPr/>
         </p:nvSpPr>
         <p:spPr>
           <a:xfrm>
             <a:off x="100800" y="285840"/>
-            <a:ext cx="7399800" cy="999720"/>
+            <a:ext cx="7399080" cy="999000"/>
           </a:xfrm>
           <a:prstGeom prst="homePlate">
             <a:avLst>
@@ -2817,7 +2582,7 @@
             </a:avLst>
           </a:prstGeom>
           <a:solidFill>
-            <a:srgbClr val="06BA8F"/>
+            <a:srgbClr val="06ba8f"/>
           </a:solidFill>
           <a:ln>
             <a:round/>
@@ -2840,19 +2605,19 @@
       </p:sp>
       <p:pic>
         <p:nvPicPr>
-          <p:cNvPr id="108" name="Imagem 8"/>
+          <p:cNvPr id="124" name="Imagem 8" descr=""/>
           <p:cNvPicPr/>
           <p:nvPr/>
         </p:nvPicPr>
         <p:blipFill>
-          <a:blip r:embed="rId4"/>
-          <a:srcRect l="6879" r="6879"/>
+          <a:blip r:embed="rId3"/>
+          <a:srcRect l="6879" t="0" r="6879" b="0"/>
           <a:stretch/>
         </p:blipFill>
         <p:spPr>
           <a:xfrm>
             <a:off x="123120" y="142920"/>
-            <a:ext cx="1519560" cy="1285560"/>
+            <a:ext cx="1518840" cy="1284840"/>
           </a:xfrm>
           <a:prstGeom prst="rect">
             <a:avLst/>
@@ -2864,14 +2629,14 @@
       </p:pic>
       <p:sp>
         <p:nvSpPr>
-          <p:cNvPr id="109" name="CustomShape 4"/>
+          <p:cNvPr id="125" name="CustomShape 3"/>
           <p:cNvSpPr/>
           <p:nvPr/>
         </p:nvSpPr>
         <p:spPr>
           <a:xfrm>
             <a:off x="1428840" y="428760"/>
-            <a:ext cx="5643360" cy="713880"/>
+            <a:ext cx="5642640" cy="713160"/>
           </a:xfrm>
           <a:prstGeom prst="rect">
             <a:avLst/>
@@ -2882,22 +2647,15 @@
           </a:ln>
         </p:spPr>
         <p:style>
-          <a:lnRef idx="0">
-            <a:scrgbClr r="0" g="0" b="0"/>
-          </a:lnRef>
-          <a:fillRef idx="0">
-            <a:scrgbClr r="0" g="0" b="0"/>
-          </a:fillRef>
-          <a:effectRef idx="0">
-            <a:scrgbClr r="0" g="0" b="0"/>
-          </a:effectRef>
+          <a:lnRef idx="0"/>
+          <a:fillRef idx="0"/>
+          <a:effectRef idx="0"/>
           <a:fontRef idx="minor"/>
         </p:style>
         <p:txBody>
-          <a:bodyPr anchor="ctr">
-            <a:normAutofit lnSpcReduction="10000"/>
+          <a:bodyPr lIns="90000" rIns="90000" tIns="45000" bIns="45000" anchor="ctr">
+            <a:normAutofit/>
           </a:bodyPr>
-          <a:lstStyle/>
           <a:p>
             <a:pPr>
               <a:lnSpc>
@@ -2905,26 +2663,27 @@
               </a:lnSpc>
             </a:pPr>
             <a:r>
-              <a:rPr lang="pt-BR" sz="4400" b="1" strike="noStrike" spc="-1">
+              <a:rPr b="1" lang="pt-BR" sz="4400" spc="-1" strike="noStrike">
                 <a:solidFill>
                   <a:srgbClr val="000000"/>
                 </a:solidFill>
                 <a:uFill>
                   <a:solidFill>
-                    <a:srgbClr val="FFFFFF"/>
+                    <a:srgbClr val="ffffff"/>
                   </a:solidFill>
                 </a:uFill>
                 <a:latin typeface="Times New Roman"/>
+                <a:ea typeface="DejaVu Sans"/>
               </a:rPr>
               <a:t>Comparando...</a:t>
             </a:r>
-            <a:endParaRPr lang="pt-BR" sz="4400" b="0" strike="noStrike" spc="-1">
+            <a:endParaRPr b="0" lang="pt-BR" sz="4400" spc="-1" strike="noStrike">
               <a:solidFill>
                 <a:srgbClr val="000000"/>
               </a:solidFill>
               <a:uFill>
                 <a:solidFill>
-                  <a:srgbClr val="FFFFFF"/>
+                  <a:srgbClr val="ffffff"/>
                 </a:solidFill>
               </a:uFill>
               <a:latin typeface="Arial"/>
@@ -2934,148 +2693,116 @@
       </p:sp>
       <p:pic>
         <p:nvPicPr>
-          <p:cNvPr id="110" name="Imagem 16"/>
+          <p:cNvPr id="126" name="Imagem 16" descr=""/>
+          <p:cNvPicPr/>
+          <p:nvPr/>
+        </p:nvPicPr>
+        <p:blipFill>
+          <a:blip r:embed="rId4"/>
+          <a:srcRect l="3124" t="69614" r="3124" b="8995"/>
+          <a:stretch/>
+        </p:blipFill>
+        <p:spPr>
+          <a:xfrm>
+            <a:off x="1571760" y="5929200"/>
+            <a:ext cx="7513920" cy="856080"/>
+          </a:xfrm>
+          <a:prstGeom prst="rect">
+            <a:avLst/>
+          </a:prstGeom>
+          <a:ln>
+            <a:noFill/>
+          </a:ln>
+        </p:spPr>
+      </p:pic>
+      <p:pic>
+        <p:nvPicPr>
+          <p:cNvPr id="127" name="Picture 2" descr=""/>
           <p:cNvPicPr/>
           <p:nvPr/>
         </p:nvPicPr>
         <p:blipFill>
           <a:blip r:embed="rId5"/>
-          <a:srcRect l="3124" t="69614" r="3124" b="8995"/>
+          <a:srcRect l="0" t="16668" r="0" b="0"/>
           <a:stretch/>
         </p:blipFill>
         <p:spPr>
           <a:xfrm>
-            <a:off x="1571760" y="5929200"/>
-            <a:ext cx="7514640" cy="856800"/>
-          </a:xfrm>
-          <a:prstGeom prst="rect">
-            <a:avLst/>
-          </a:prstGeom>
-          <a:ln>
+            <a:off x="571320" y="2357280"/>
+            <a:ext cx="4142520" cy="3571200"/>
+          </a:xfrm>
+          <a:prstGeom prst="rect">
+            <a:avLst/>
+          </a:prstGeom>
+          <a:ln w="9360">
             <a:noFill/>
           </a:ln>
         </p:spPr>
       </p:pic>
       <p:pic>
         <p:nvPicPr>
-          <p:cNvPr id="4098" name="Picture 2"/>
-          <p:cNvPicPr>
-            <a:picLocks noChangeAspect="1" noChangeArrowheads="1"/>
-          </p:cNvPicPr>
+          <p:cNvPr id="128" name="Picture 3" descr=""/>
+          <p:cNvPicPr/>
           <p:nvPr/>
         </p:nvPicPr>
         <p:blipFill>
           <a:blip r:embed="rId6"/>
-          <a:srcRect t="16667"/>
-          <a:stretch>
-            <a:fillRect/>
-          </a:stretch>
+          <a:stretch/>
         </p:blipFill>
-        <p:spPr bwMode="auto">
-          <a:xfrm>
-            <a:off x="571472" y="2357430"/>
-            <a:ext cx="4143404" cy="3571900"/>
-          </a:xfrm>
-          <a:prstGeom prst="rect">
-            <a:avLst/>
-          </a:prstGeom>
-          <a:noFill/>
-          <a:ln w="9525">
-            <a:noFill/>
-            <a:miter lim="800000"/>
-            <a:headEnd/>
-            <a:tailEnd/>
-          </a:ln>
-          <a:effectLst/>
+        <p:spPr>
+          <a:xfrm>
+            <a:off x="4714920" y="2428920"/>
+            <a:ext cx="3247200" cy="3428280"/>
+          </a:xfrm>
+          <a:prstGeom prst="rect">
+            <a:avLst/>
+          </a:prstGeom>
+          <a:ln w="9360">
+            <a:noFill/>
+          </a:ln>
         </p:spPr>
       </p:pic>
       <p:pic>
         <p:nvPicPr>
-          <p:cNvPr id="4099" name="Picture 3"/>
-          <p:cNvPicPr>
-            <a:picLocks noChangeAspect="1" noChangeArrowheads="1"/>
-          </p:cNvPicPr>
+          <p:cNvPr id="129" name="Picture 4" descr=""/>
+          <p:cNvPicPr/>
           <p:nvPr/>
         </p:nvPicPr>
         <p:blipFill>
           <a:blip r:embed="rId7"/>
-          <a:srcRect/>
-          <a:stretch>
-            <a:fillRect/>
-          </a:stretch>
+          <a:stretch/>
         </p:blipFill>
-        <p:spPr bwMode="auto">
-          <a:xfrm>
-            <a:off x="4714876" y="2428868"/>
-            <a:ext cx="3248025" cy="3429024"/>
-          </a:xfrm>
-          <a:prstGeom prst="rect">
-            <a:avLst/>
-          </a:prstGeom>
-          <a:noFill/>
-          <a:ln w="9525">
-            <a:noFill/>
-            <a:miter lim="800000"/>
-            <a:headEnd/>
-            <a:tailEnd/>
-          </a:ln>
-          <a:effectLst/>
-        </p:spPr>
-      </p:pic>
-      <p:pic>
-        <p:nvPicPr>
-          <p:cNvPr id="4100" name="Picture 4"/>
-          <p:cNvPicPr>
-            <a:picLocks noChangeAspect="1" noChangeArrowheads="1"/>
-          </p:cNvPicPr>
-          <p:nvPr/>
-        </p:nvPicPr>
-        <p:blipFill>
-          <a:blip r:embed="rId8"/>
-          <a:srcRect/>
-          <a:stretch>
-            <a:fillRect/>
-          </a:stretch>
-        </p:blipFill>
-        <p:spPr bwMode="auto">
-          <a:xfrm>
-            <a:off x="571472" y="1643050"/>
-            <a:ext cx="7429552" cy="723901"/>
-          </a:xfrm>
-          <a:prstGeom prst="rect">
-            <a:avLst/>
-          </a:prstGeom>
-          <a:noFill/>
-          <a:ln w="9525">
-            <a:noFill/>
-            <a:miter lim="800000"/>
-            <a:headEnd/>
-            <a:tailEnd/>
-          </a:ln>
-          <a:effectLst/>
+        <p:spPr>
+          <a:xfrm>
+            <a:off x="571320" y="1643040"/>
+            <a:ext cx="7428960" cy="723240"/>
+          </a:xfrm>
+          <a:prstGeom prst="rect">
+            <a:avLst/>
+          </a:prstGeom>
+          <a:ln w="9360">
+            <a:noFill/>
+          </a:ln>
         </p:spPr>
       </p:pic>
     </p:spTree>
   </p:cSld>
-  <p:clrMapOvr>
-    <a:masterClrMapping/>
-  </p:clrMapOvr>
   <p:timing>
     <p:tnLst>
       <p:par>
-        <p:cTn id="1" dur="indefinite" restart="never" nodeType="tmRoot">
+        <p:cTn id="19" dur="indefinite" restart="never" nodeType="tmRoot">
           <p:childTnLst>
             <p:seq>
-              <p:cTn id="2" nodeType="mainSeq"/>
+              <p:cTn id="20" nodeType="mainSeq"/>
               <p:prevCondLst>
-                <p:cond evt="onPrev" delay="0">
+                <p:cond delay="0" evt="onPrev">
                   <p:tgtEl>
                     <p:sldTgt/>
                   </p:tgtEl>
                 </p:cond>
               </p:prevCondLst>
               <p:nextCondLst>
-                <p:cond evt="onNext" delay="0">
+                <p:cond delay="0" evt="onNext">
                   <p:tgtEl>
                     <p:sldTgt/>
                   </p:tgtEl>
@@ -3091,7 +2818,7 @@
 </file>
 
 <file path=ppt/slides/slide11.xml><?xml version="1.0" encoding="utf-8"?>
-<p:sld xmlns:a="http://schemas.openxmlformats.org/drawingml/2006/main" xmlns:r="http://schemas.openxmlformats.org/officeDocument/2006/relationships" xmlns:p="http://schemas.openxmlformats.org/presentationml/2006/main">
+<p:sld xmlns:a="http://schemas.openxmlformats.org/drawingml/2006/main" xmlns:p="http://schemas.openxmlformats.org/presentationml/2006/main" xmlns:r="http://schemas.openxmlformats.org/officeDocument/2006/relationships" xmlns:p14="http://schemas.microsoft.com/office/powerpoint/2010/main" xmlns:p15="http://schemas.microsoft.com/office/powerpoint/2012/main" xmlns:mc="http://schemas.openxmlformats.org/markup-compatibility/2006">
   <p:cSld>
     <p:spTree>
       <p:nvGrpSpPr>
@@ -3109,7 +2836,30 @@
       </p:grpSpPr>
       <p:pic>
         <p:nvPicPr>
-          <p:cNvPr id="68" name="Picture 9"/>
+          <p:cNvPr id="130" name="Picture 9" descr=""/>
+          <p:cNvPicPr/>
+          <p:nvPr/>
+        </p:nvPicPr>
+        <p:blipFill>
+          <a:blip r:embed="rId1"/>
+          <a:stretch/>
+        </p:blipFill>
+        <p:spPr>
+          <a:xfrm>
+            <a:off x="7215120" y="0"/>
+            <a:ext cx="1927800" cy="2524680"/>
+          </a:xfrm>
+          <a:prstGeom prst="rect">
+            <a:avLst/>
+          </a:prstGeom>
+          <a:ln w="9360">
+            <a:noFill/>
+          </a:ln>
+        </p:spPr>
+      </p:pic>
+      <p:pic>
+        <p:nvPicPr>
+          <p:cNvPr id="131" name="Picture 9" descr=""/>
           <p:cNvPicPr/>
           <p:nvPr/>
         </p:nvPicPr>
@@ -3119,8 +2869,8 @@
         </p:blipFill>
         <p:spPr>
           <a:xfrm>
-            <a:off x="7215120" y="0"/>
-            <a:ext cx="1928520" cy="2525400"/>
+            <a:off x="0" y="4786200"/>
+            <a:ext cx="1570680" cy="2056320"/>
           </a:xfrm>
           <a:prstGeom prst="rect">
             <a:avLst/>
@@ -3130,39 +2880,16 @@
           </a:ln>
         </p:spPr>
       </p:pic>
-      <p:pic>
-        <p:nvPicPr>
-          <p:cNvPr id="69" name="Picture 9"/>
-          <p:cNvPicPr/>
-          <p:nvPr/>
-        </p:nvPicPr>
-        <p:blipFill>
-          <a:blip r:embed="rId3"/>
-          <a:stretch/>
-        </p:blipFill>
-        <p:spPr>
-          <a:xfrm>
-            <a:off x="0" y="4786200"/>
-            <a:ext cx="1571400" cy="2057040"/>
-          </a:xfrm>
-          <a:prstGeom prst="rect">
-            <a:avLst/>
-          </a:prstGeom>
-          <a:ln w="9360">
-            <a:noFill/>
-          </a:ln>
-        </p:spPr>
-      </p:pic>
-      <p:sp>
-        <p:nvSpPr>
-          <p:cNvPr id="70" name="CustomShape 1"/>
+      <p:sp>
+        <p:nvSpPr>
+          <p:cNvPr id="132" name="CustomShape 1"/>
           <p:cNvSpPr/>
           <p:nvPr/>
         </p:nvSpPr>
         <p:spPr>
           <a:xfrm>
             <a:off x="0" y="0"/>
-            <a:ext cx="9143640" cy="6857640"/>
+            <a:ext cx="9142920" cy="6856920"/>
           </a:xfrm>
           <a:prstGeom prst="rect">
             <a:avLst/>
@@ -3194,14 +2921,14 @@
       </p:sp>
       <p:sp>
         <p:nvSpPr>
-          <p:cNvPr id="71" name="TextShape 2"/>
-          <p:cNvSpPr txBox="1"/>
+          <p:cNvPr id="133" name="CustomShape 2"/>
+          <p:cNvSpPr/>
           <p:nvPr/>
         </p:nvSpPr>
         <p:spPr>
           <a:xfrm>
             <a:off x="252000" y="1497960"/>
-            <a:ext cx="7560000" cy="3542040"/>
+            <a:ext cx="7559280" cy="3541320"/>
           </a:xfrm>
           <a:prstGeom prst="rect">
             <a:avLst/>
@@ -3211,9 +2938,14 @@
             <a:noFill/>
           </a:ln>
         </p:spPr>
+        <p:style>
+          <a:lnRef idx="0"/>
+          <a:fillRef idx="0"/>
+          <a:effectRef idx="0"/>
+          <a:fontRef idx="minor"/>
+        </p:style>
         <p:txBody>
-          <a:bodyPr/>
-          <a:lstStyle/>
+          <a:bodyPr lIns="90000" rIns="90000" tIns="45000" bIns="45000"/>
           <a:p>
             <a:pPr algn="just">
               <a:lnSpc>
@@ -3224,43 +2956,44 @@
               </a:spcBef>
             </a:pPr>
             <a:r>
-              <a:rPr lang="pt-BR" sz="3200" b="0" strike="noStrike" spc="-1">
+              <a:rPr b="0" lang="pt-BR" sz="3200" spc="-1" strike="noStrike">
                 <a:solidFill>
                   <a:srgbClr val="000000"/>
                 </a:solidFill>
                 <a:uFill>
                   <a:solidFill>
-                    <a:srgbClr val="FFFFFF"/>
+                    <a:srgbClr val="ffffff"/>
                   </a:solidFill>
                 </a:uFill>
                 <a:latin typeface="Calibri"/>
+                <a:ea typeface="DejaVu Sans"/>
               </a:rPr>
               <a:t>A diferença é que um computed somente será reavaliado quando alguma de suas dependências for alterada. Isso significa que enquanto message não sofrer alterações, múltiplos acessos ao reversedMessage retornarão o último valor calculado sem precisar executar a função novamente.</a:t>
             </a:r>
-            <a:endParaRPr lang="pt-BR" sz="3200" b="0" strike="noStrike" spc="-1">
+            <a:endParaRPr b="0" lang="pt-BR" sz="3200" spc="-1" strike="noStrike">
               <a:solidFill>
-                <a:srgbClr val="800000"/>
+                <a:srgbClr val="000000"/>
               </a:solidFill>
               <a:uFill>
                 <a:solidFill>
-                  <a:srgbClr val="FFFFFF"/>
+                  <a:srgbClr val="ffffff"/>
                 </a:solidFill>
               </a:uFill>
-              <a:latin typeface="Calibri"/>
+              <a:latin typeface="Arial"/>
             </a:endParaRPr>
           </a:p>
         </p:txBody>
       </p:sp>
       <p:sp>
         <p:nvSpPr>
-          <p:cNvPr id="72" name="CustomShape 3"/>
+          <p:cNvPr id="134" name="CustomShape 3"/>
           <p:cNvSpPr/>
           <p:nvPr/>
         </p:nvSpPr>
         <p:spPr>
           <a:xfrm>
             <a:off x="100800" y="285840"/>
-            <a:ext cx="7399800" cy="999720"/>
+            <a:ext cx="7399080" cy="999000"/>
           </a:xfrm>
           <a:prstGeom prst="homePlate">
             <a:avLst>
@@ -3268,7 +3001,7 @@
             </a:avLst>
           </a:prstGeom>
           <a:solidFill>
-            <a:srgbClr val="06BA8F"/>
+            <a:srgbClr val="06ba8f"/>
           </a:solidFill>
           <a:ln>
             <a:round/>
@@ -3291,19 +3024,19 @@
       </p:sp>
       <p:pic>
         <p:nvPicPr>
-          <p:cNvPr id="73" name="Imagem 8"/>
+          <p:cNvPr id="135" name="Imagem 8" descr=""/>
           <p:cNvPicPr/>
           <p:nvPr/>
         </p:nvPicPr>
         <p:blipFill>
-          <a:blip r:embed="rId4"/>
-          <a:srcRect l="6879" r="6879"/>
+          <a:blip r:embed="rId3"/>
+          <a:srcRect l="6879" t="0" r="6879" b="0"/>
           <a:stretch/>
         </p:blipFill>
         <p:spPr>
           <a:xfrm>
             <a:off x="123120" y="142920"/>
-            <a:ext cx="1519560" cy="1285560"/>
+            <a:ext cx="1518840" cy="1284840"/>
           </a:xfrm>
           <a:prstGeom prst="rect">
             <a:avLst/>
@@ -3315,14 +3048,14 @@
       </p:pic>
       <p:sp>
         <p:nvSpPr>
-          <p:cNvPr id="74" name="CustomShape 4"/>
+          <p:cNvPr id="136" name="CustomShape 4"/>
           <p:cNvSpPr/>
           <p:nvPr/>
         </p:nvSpPr>
         <p:spPr>
           <a:xfrm>
             <a:off x="1428840" y="428760"/>
-            <a:ext cx="5643360" cy="713880"/>
+            <a:ext cx="5642640" cy="713160"/>
           </a:xfrm>
           <a:prstGeom prst="rect">
             <a:avLst/>
@@ -3333,22 +3066,15 @@
           </a:ln>
         </p:spPr>
         <p:style>
-          <a:lnRef idx="0">
-            <a:scrgbClr r="0" g="0" b="0"/>
-          </a:lnRef>
-          <a:fillRef idx="0">
-            <a:scrgbClr r="0" g="0" b="0"/>
-          </a:fillRef>
-          <a:effectRef idx="0">
-            <a:scrgbClr r="0" g="0" b="0"/>
-          </a:effectRef>
+          <a:lnRef idx="0"/>
+          <a:fillRef idx="0"/>
+          <a:effectRef idx="0"/>
           <a:fontRef idx="minor"/>
         </p:style>
         <p:txBody>
-          <a:bodyPr anchor="ctr">
-            <a:normAutofit lnSpcReduction="10000"/>
+          <a:bodyPr lIns="90000" rIns="90000" tIns="45000" bIns="45000" anchor="ctr">
+            <a:normAutofit/>
           </a:bodyPr>
-          <a:lstStyle/>
           <a:p>
             <a:pPr>
               <a:lnSpc>
@@ -3356,26 +3082,27 @@
               </a:lnSpc>
             </a:pPr>
             <a:r>
-              <a:rPr lang="pt-BR" sz="4400" b="1" strike="noStrike" spc="-1">
+              <a:rPr b="1" lang="pt-BR" sz="4400" spc="-1" strike="noStrike">
                 <a:solidFill>
                   <a:srgbClr val="000000"/>
                 </a:solidFill>
                 <a:uFill>
                   <a:solidFill>
-                    <a:srgbClr val="FFFFFF"/>
+                    <a:srgbClr val="ffffff"/>
                   </a:solidFill>
                 </a:uFill>
                 <a:latin typeface="Times New Roman"/>
+                <a:ea typeface="DejaVu Sans"/>
               </a:rPr>
               <a:t>Computed Vs Métodos</a:t>
             </a:r>
-            <a:endParaRPr lang="pt-BR" sz="4400" b="0" strike="noStrike" spc="-1">
+            <a:endParaRPr b="0" lang="pt-BR" sz="4400" spc="-1" strike="noStrike">
               <a:solidFill>
                 <a:srgbClr val="000000"/>
               </a:solidFill>
               <a:uFill>
                 <a:solidFill>
-                  <a:srgbClr val="FFFFFF"/>
+                  <a:srgbClr val="ffffff"/>
                 </a:solidFill>
               </a:uFill>
               <a:latin typeface="Arial"/>
@@ -3385,19 +3112,19 @@
       </p:sp>
       <p:pic>
         <p:nvPicPr>
-          <p:cNvPr id="75" name="Imagem 16"/>
+          <p:cNvPr id="137" name="Imagem 16" descr=""/>
           <p:cNvPicPr/>
           <p:nvPr/>
         </p:nvPicPr>
         <p:blipFill>
-          <a:blip r:embed="rId5"/>
+          <a:blip r:embed="rId4"/>
           <a:srcRect l="3124" t="69614" r="3124" b="8995"/>
           <a:stretch/>
         </p:blipFill>
         <p:spPr>
           <a:xfrm>
             <a:off x="1571760" y="5929200"/>
-            <a:ext cx="7514640" cy="856800"/>
+            <a:ext cx="7513920" cy="856080"/>
           </a:xfrm>
           <a:prstGeom prst="rect">
             <a:avLst/>
@@ -3409,25 +3136,22 @@
       </p:pic>
     </p:spTree>
   </p:cSld>
-  <p:clrMapOvr>
-    <a:masterClrMapping/>
-  </p:clrMapOvr>
   <p:timing>
     <p:tnLst>
       <p:par>
-        <p:cTn id="1" dur="indefinite" restart="never" nodeType="tmRoot">
+        <p:cTn id="21" dur="indefinite" restart="never" nodeType="tmRoot">
           <p:childTnLst>
             <p:seq>
-              <p:cTn id="2" nodeType="mainSeq"/>
+              <p:cTn id="22" nodeType="mainSeq"/>
               <p:prevCondLst>
-                <p:cond evt="onPrev" delay="0">
+                <p:cond delay="0" evt="onPrev">
                   <p:tgtEl>
                     <p:sldTgt/>
                   </p:tgtEl>
                 </p:cond>
               </p:prevCondLst>
               <p:nextCondLst>
-                <p:cond evt="onNext" delay="0">
+                <p:cond delay="0" evt="onNext">
                   <p:tgtEl>
                     <p:sldTgt/>
                   </p:tgtEl>
@@ -3443,7 +3167,7 @@
 </file>
 
 <file path=ppt/slides/slide12.xml><?xml version="1.0" encoding="utf-8"?>
-<p:sld xmlns:a="http://schemas.openxmlformats.org/drawingml/2006/main" xmlns:r="http://schemas.openxmlformats.org/officeDocument/2006/relationships" xmlns:p="http://schemas.openxmlformats.org/presentationml/2006/main">
+<p:sld xmlns:a="http://schemas.openxmlformats.org/drawingml/2006/main" xmlns:p="http://schemas.openxmlformats.org/presentationml/2006/main" xmlns:r="http://schemas.openxmlformats.org/officeDocument/2006/relationships" xmlns:p14="http://schemas.microsoft.com/office/powerpoint/2010/main" xmlns:p15="http://schemas.microsoft.com/office/powerpoint/2012/main" xmlns:mc="http://schemas.openxmlformats.org/markup-compatibility/2006">
   <p:cSld>
     <p:spTree>
       <p:nvGrpSpPr>
@@ -3461,7 +3185,30 @@
       </p:grpSpPr>
       <p:pic>
         <p:nvPicPr>
-          <p:cNvPr id="76" name="Picture 9"/>
+          <p:cNvPr id="138" name="Picture 9" descr=""/>
+          <p:cNvPicPr/>
+          <p:nvPr/>
+        </p:nvPicPr>
+        <p:blipFill>
+          <a:blip r:embed="rId1"/>
+          <a:stretch/>
+        </p:blipFill>
+        <p:spPr>
+          <a:xfrm>
+            <a:off x="7215120" y="0"/>
+            <a:ext cx="1927800" cy="2524680"/>
+          </a:xfrm>
+          <a:prstGeom prst="rect">
+            <a:avLst/>
+          </a:prstGeom>
+          <a:ln w="9360">
+            <a:noFill/>
+          </a:ln>
+        </p:spPr>
+      </p:pic>
+      <p:pic>
+        <p:nvPicPr>
+          <p:cNvPr id="139" name="Picture 9" descr=""/>
           <p:cNvPicPr/>
           <p:nvPr/>
         </p:nvPicPr>
@@ -3471,8 +3218,8 @@
         </p:blipFill>
         <p:spPr>
           <a:xfrm>
-            <a:off x="7215120" y="0"/>
-            <a:ext cx="1928520" cy="2525400"/>
+            <a:off x="0" y="4786200"/>
+            <a:ext cx="1570680" cy="2056320"/>
           </a:xfrm>
           <a:prstGeom prst="rect">
             <a:avLst/>
@@ -3482,39 +3229,16 @@
           </a:ln>
         </p:spPr>
       </p:pic>
-      <p:pic>
-        <p:nvPicPr>
-          <p:cNvPr id="77" name="Picture 9"/>
-          <p:cNvPicPr/>
-          <p:nvPr/>
-        </p:nvPicPr>
-        <p:blipFill>
-          <a:blip r:embed="rId3"/>
-          <a:stretch/>
-        </p:blipFill>
-        <p:spPr>
-          <a:xfrm>
-            <a:off x="0" y="4786200"/>
-            <a:ext cx="1571400" cy="2057040"/>
-          </a:xfrm>
-          <a:prstGeom prst="rect">
-            <a:avLst/>
-          </a:prstGeom>
-          <a:ln w="9360">
-            <a:noFill/>
-          </a:ln>
-        </p:spPr>
-      </p:pic>
-      <p:sp>
-        <p:nvSpPr>
-          <p:cNvPr id="78" name="CustomShape 1"/>
+      <p:sp>
+        <p:nvSpPr>
+          <p:cNvPr id="140" name="CustomShape 1"/>
           <p:cNvSpPr/>
           <p:nvPr/>
         </p:nvSpPr>
         <p:spPr>
           <a:xfrm>
             <a:off x="0" y="0"/>
-            <a:ext cx="9143640" cy="6857640"/>
+            <a:ext cx="9142920" cy="6856920"/>
           </a:xfrm>
           <a:prstGeom prst="rect">
             <a:avLst/>
@@ -3546,14 +3270,14 @@
       </p:sp>
       <p:sp>
         <p:nvSpPr>
-          <p:cNvPr id="79" name="TextShape 2"/>
-          <p:cNvSpPr txBox="1"/>
+          <p:cNvPr id="141" name="CustomShape 2"/>
+          <p:cNvSpPr/>
           <p:nvPr/>
         </p:nvSpPr>
         <p:spPr>
           <a:xfrm>
             <a:off x="252000" y="1497960"/>
-            <a:ext cx="7560000" cy="3542040"/>
+            <a:ext cx="7559280" cy="3541320"/>
           </a:xfrm>
           <a:prstGeom prst="rect">
             <a:avLst/>
@@ -3563,9 +3287,14 @@
             <a:noFill/>
           </a:ln>
         </p:spPr>
+        <p:style>
+          <a:lnRef idx="0"/>
+          <a:fillRef idx="0"/>
+          <a:effectRef idx="0"/>
+          <a:fontRef idx="minor"/>
+        </p:style>
         <p:txBody>
-          <a:bodyPr/>
-          <a:lstStyle/>
+          <a:bodyPr lIns="90000" rIns="90000" tIns="45000" bIns="45000"/>
           <a:p>
             <a:pPr algn="just">
               <a:lnSpc>
@@ -3576,43 +3305,44 @@
               </a:spcBef>
             </a:pPr>
             <a:r>
-              <a:rPr lang="pt-BR" sz="3200" b="0" strike="noStrike" spc="-1">
+              <a:rPr b="0" lang="pt-BR" sz="3200" spc="-1" strike="noStrike">
                 <a:solidFill>
                   <a:srgbClr val="000000"/>
                 </a:solidFill>
                 <a:uFill>
                   <a:solidFill>
-                    <a:srgbClr val="FFFFFF"/>
+                    <a:srgbClr val="ffffff"/>
                   </a:solidFill>
                 </a:uFill>
                 <a:latin typeface="Calibri"/>
+                <a:ea typeface="DejaVu Sans"/>
               </a:rPr>
               <a:t>Isto inclusive significa que o seguinte dado computado nunca se alterará, pois Date.now() não é uma dependência reativa por natureza:</a:t>
             </a:r>
-            <a:endParaRPr lang="pt-BR" sz="3200" b="0" strike="noStrike" spc="-1">
+            <a:endParaRPr b="0" lang="pt-BR" sz="3200" spc="-1" strike="noStrike">
               <a:solidFill>
-                <a:srgbClr val="800000"/>
+                <a:srgbClr val="000000"/>
               </a:solidFill>
               <a:uFill>
                 <a:solidFill>
-                  <a:srgbClr val="FFFFFF"/>
+                  <a:srgbClr val="ffffff"/>
                 </a:solidFill>
               </a:uFill>
-              <a:latin typeface="Calibri"/>
+              <a:latin typeface="Arial"/>
             </a:endParaRPr>
           </a:p>
         </p:txBody>
       </p:sp>
       <p:sp>
         <p:nvSpPr>
-          <p:cNvPr id="80" name="CustomShape 3"/>
+          <p:cNvPr id="142" name="CustomShape 3"/>
           <p:cNvSpPr/>
           <p:nvPr/>
         </p:nvSpPr>
         <p:spPr>
           <a:xfrm>
             <a:off x="100800" y="285840"/>
-            <a:ext cx="7399800" cy="999720"/>
+            <a:ext cx="7399080" cy="999000"/>
           </a:xfrm>
           <a:prstGeom prst="homePlate">
             <a:avLst>
@@ -3620,7 +3350,7 @@
             </a:avLst>
           </a:prstGeom>
           <a:solidFill>
-            <a:srgbClr val="06BA8F"/>
+            <a:srgbClr val="06ba8f"/>
           </a:solidFill>
           <a:ln>
             <a:round/>
@@ -3643,19 +3373,19 @@
       </p:sp>
       <p:pic>
         <p:nvPicPr>
-          <p:cNvPr id="81" name="Imagem 8"/>
+          <p:cNvPr id="143" name="Imagem 8" descr=""/>
           <p:cNvPicPr/>
           <p:nvPr/>
         </p:nvPicPr>
         <p:blipFill>
-          <a:blip r:embed="rId4"/>
-          <a:srcRect l="6879" r="6879"/>
+          <a:blip r:embed="rId3"/>
+          <a:srcRect l="6879" t="0" r="6879" b="0"/>
           <a:stretch/>
         </p:blipFill>
         <p:spPr>
           <a:xfrm>
             <a:off x="123120" y="142920"/>
-            <a:ext cx="1519560" cy="1285560"/>
+            <a:ext cx="1518840" cy="1284840"/>
           </a:xfrm>
           <a:prstGeom prst="rect">
             <a:avLst/>
@@ -3667,14 +3397,14 @@
       </p:pic>
       <p:sp>
         <p:nvSpPr>
-          <p:cNvPr id="82" name="CustomShape 4"/>
+          <p:cNvPr id="144" name="CustomShape 4"/>
           <p:cNvSpPr/>
           <p:nvPr/>
         </p:nvSpPr>
         <p:spPr>
           <a:xfrm>
             <a:off x="1428840" y="428760"/>
-            <a:ext cx="5643360" cy="713880"/>
+            <a:ext cx="5642640" cy="713160"/>
           </a:xfrm>
           <a:prstGeom prst="rect">
             <a:avLst/>
@@ -3685,22 +3415,15 @@
           </a:ln>
         </p:spPr>
         <p:style>
-          <a:lnRef idx="0">
-            <a:scrgbClr r="0" g="0" b="0"/>
-          </a:lnRef>
-          <a:fillRef idx="0">
-            <a:scrgbClr r="0" g="0" b="0"/>
-          </a:fillRef>
-          <a:effectRef idx="0">
-            <a:scrgbClr r="0" g="0" b="0"/>
-          </a:effectRef>
+          <a:lnRef idx="0"/>
+          <a:fillRef idx="0"/>
+          <a:effectRef idx="0"/>
           <a:fontRef idx="minor"/>
         </p:style>
         <p:txBody>
-          <a:bodyPr anchor="ctr">
-            <a:normAutofit lnSpcReduction="10000"/>
+          <a:bodyPr lIns="90000" rIns="90000" tIns="45000" bIns="45000" anchor="ctr">
+            <a:normAutofit/>
           </a:bodyPr>
-          <a:lstStyle/>
           <a:p>
             <a:pPr>
               <a:lnSpc>
@@ -3708,26 +3431,27 @@
               </a:lnSpc>
             </a:pPr>
             <a:r>
-              <a:rPr lang="pt-BR" sz="4400" b="1" strike="noStrike" spc="-1">
+              <a:rPr b="1" lang="pt-BR" sz="4400" spc="-1" strike="noStrike">
                 <a:solidFill>
                   <a:srgbClr val="000000"/>
                 </a:solidFill>
                 <a:uFill>
                   <a:solidFill>
-                    <a:srgbClr val="FFFFFF"/>
+                    <a:srgbClr val="ffffff"/>
                   </a:solidFill>
                 </a:uFill>
                 <a:latin typeface="Times New Roman"/>
+                <a:ea typeface="DejaVu Sans"/>
               </a:rPr>
               <a:t>Computed Vs Métodos</a:t>
             </a:r>
-            <a:endParaRPr lang="pt-BR" sz="4400" b="0" strike="noStrike" spc="-1">
+            <a:endParaRPr b="0" lang="pt-BR" sz="4400" spc="-1" strike="noStrike">
               <a:solidFill>
                 <a:srgbClr val="000000"/>
               </a:solidFill>
               <a:uFill>
                 <a:solidFill>
-                  <a:srgbClr val="FFFFFF"/>
+                  <a:srgbClr val="ffffff"/>
                 </a:solidFill>
               </a:uFill>
               <a:latin typeface="Arial"/>
@@ -3737,19 +3461,42 @@
       </p:sp>
       <p:pic>
         <p:nvPicPr>
-          <p:cNvPr id="83" name="Imagem 16"/>
+          <p:cNvPr id="145" name="Imagem 16" descr=""/>
+          <p:cNvPicPr/>
+          <p:nvPr/>
+        </p:nvPicPr>
+        <p:blipFill>
+          <a:blip r:embed="rId4"/>
+          <a:srcRect l="3124" t="69614" r="3124" b="8995"/>
+          <a:stretch/>
+        </p:blipFill>
+        <p:spPr>
+          <a:xfrm>
+            <a:off x="1571760" y="5929200"/>
+            <a:ext cx="7513920" cy="856080"/>
+          </a:xfrm>
+          <a:prstGeom prst="rect">
+            <a:avLst/>
+          </a:prstGeom>
+          <a:ln>
+            <a:noFill/>
+          </a:ln>
+        </p:spPr>
+      </p:pic>
+      <p:pic>
+        <p:nvPicPr>
+          <p:cNvPr id="146" name="Imagem 83" descr=""/>
           <p:cNvPicPr/>
           <p:nvPr/>
         </p:nvPicPr>
         <p:blipFill>
           <a:blip r:embed="rId5"/>
-          <a:srcRect l="3124" t="69614" r="3124" b="8995"/>
           <a:stretch/>
         </p:blipFill>
         <p:spPr>
           <a:xfrm>
-            <a:off x="1571760" y="5929200"/>
-            <a:ext cx="7514640" cy="856800"/>
+            <a:off x="432000" y="3420000"/>
+            <a:ext cx="7271280" cy="1193400"/>
           </a:xfrm>
           <a:prstGeom prst="rect">
             <a:avLst/>
@@ -3759,39 +3506,16 @@
           </a:ln>
         </p:spPr>
       </p:pic>
-      <p:pic>
-        <p:nvPicPr>
-          <p:cNvPr id="84" name="Imagem 83"/>
-          <p:cNvPicPr/>
-          <p:nvPr/>
-        </p:nvPicPr>
-        <p:blipFill>
-          <a:blip r:embed="rId6"/>
-          <a:stretch/>
-        </p:blipFill>
-        <p:spPr>
-          <a:xfrm>
-            <a:off x="432000" y="3420000"/>
-            <a:ext cx="7272000" cy="1194120"/>
-          </a:xfrm>
-          <a:prstGeom prst="rect">
-            <a:avLst/>
-          </a:prstGeom>
-          <a:ln>
-            <a:noFill/>
-          </a:ln>
-        </p:spPr>
-      </p:pic>
-      <p:sp>
-        <p:nvSpPr>
-          <p:cNvPr id="85" name="TextShape 5"/>
-          <p:cNvSpPr txBox="1"/>
+      <p:sp>
+        <p:nvSpPr>
+          <p:cNvPr id="147" name="CustomShape 5"/>
+          <p:cNvSpPr/>
           <p:nvPr/>
         </p:nvSpPr>
         <p:spPr>
           <a:xfrm>
             <a:off x="1224000" y="4470120"/>
-            <a:ext cx="7632000" cy="1613880"/>
+            <a:ext cx="7631280" cy="1613160"/>
           </a:xfrm>
           <a:prstGeom prst="rect">
             <a:avLst/>
@@ -3801,9 +3525,14 @@
             <a:noFill/>
           </a:ln>
         </p:spPr>
+        <p:style>
+          <a:lnRef idx="0"/>
+          <a:fillRef idx="0"/>
+          <a:effectRef idx="0"/>
+          <a:fontRef idx="minor"/>
+        </p:style>
         <p:txBody>
-          <a:bodyPr/>
-          <a:lstStyle/>
+          <a:bodyPr lIns="90000" rIns="90000" tIns="45000" bIns="45000"/>
           <a:p>
             <a:pPr algn="just">
               <a:lnSpc>
@@ -3814,54 +3543,52 @@
               </a:spcBef>
             </a:pPr>
             <a:r>
-              <a:rPr lang="pt-BR" sz="3200" b="0" strike="noStrike" spc="-1">
+              <a:rPr b="0" lang="pt-BR" sz="3200" spc="-1" strike="noStrike">
                 <a:solidFill>
                   <a:srgbClr val="000000"/>
                 </a:solidFill>
                 <a:uFill>
                   <a:solidFill>
-                    <a:srgbClr val="FFFFFF"/>
+                    <a:srgbClr val="ffffff"/>
                   </a:solidFill>
                 </a:uFill>
                 <a:latin typeface="Calibri"/>
+                <a:ea typeface="DejaVu Sans"/>
               </a:rPr>
               <a:t>Em comparação, a invocação de um método sempre irá rodar a função, toda vez que uma nova renderização ocorrer.</a:t>
             </a:r>
-            <a:endParaRPr lang="pt-BR" sz="3200" b="0" strike="noStrike" spc="-1">
+            <a:endParaRPr b="0" lang="pt-BR" sz="3200" spc="-1" strike="noStrike">
               <a:solidFill>
-                <a:srgbClr val="800000"/>
+                <a:srgbClr val="000000"/>
               </a:solidFill>
               <a:uFill>
                 <a:solidFill>
-                  <a:srgbClr val="FFFFFF"/>
+                  <a:srgbClr val="ffffff"/>
                 </a:solidFill>
               </a:uFill>
-              <a:latin typeface="Calibri"/>
+              <a:latin typeface="Arial"/>
             </a:endParaRPr>
           </a:p>
         </p:txBody>
       </p:sp>
     </p:spTree>
   </p:cSld>
-  <p:clrMapOvr>
-    <a:masterClrMapping/>
-  </p:clrMapOvr>
   <p:timing>
     <p:tnLst>
       <p:par>
-        <p:cTn id="1" dur="indefinite" restart="never" nodeType="tmRoot">
+        <p:cTn id="23" dur="indefinite" restart="never" nodeType="tmRoot">
           <p:childTnLst>
             <p:seq>
-              <p:cTn id="2" nodeType="mainSeq"/>
+              <p:cTn id="24" nodeType="mainSeq"/>
               <p:prevCondLst>
-                <p:cond evt="onPrev" delay="0">
+                <p:cond delay="0" evt="onPrev">
                   <p:tgtEl>
                     <p:sldTgt/>
                   </p:tgtEl>
                 </p:cond>
               </p:prevCondLst>
               <p:nextCondLst>
-                <p:cond evt="onNext" delay="0">
+                <p:cond delay="0" evt="onNext">
                   <p:tgtEl>
                     <p:sldTgt/>
                   </p:tgtEl>
@@ -3877,7 +3604,7 @@
 </file>
 
 <file path=ppt/slides/slide13.xml><?xml version="1.0" encoding="utf-8"?>
-<p:sld xmlns:a="http://schemas.openxmlformats.org/drawingml/2006/main" xmlns:r="http://schemas.openxmlformats.org/officeDocument/2006/relationships" xmlns:p="http://schemas.openxmlformats.org/presentationml/2006/main">
+<p:sld xmlns:a="http://schemas.openxmlformats.org/drawingml/2006/main" xmlns:p="http://schemas.openxmlformats.org/presentationml/2006/main" xmlns:r="http://schemas.openxmlformats.org/officeDocument/2006/relationships" xmlns:p14="http://schemas.microsoft.com/office/powerpoint/2010/main" xmlns:p15="http://schemas.microsoft.com/office/powerpoint/2012/main" xmlns:mc="http://schemas.openxmlformats.org/markup-compatibility/2006">
   <p:cSld>
     <p:spTree>
       <p:nvGrpSpPr>
@@ -3895,7 +3622,30 @@
       </p:grpSpPr>
       <p:pic>
         <p:nvPicPr>
-          <p:cNvPr id="111" name="Picture 9"/>
+          <p:cNvPr id="148" name="Picture 9" descr=""/>
+          <p:cNvPicPr/>
+          <p:nvPr/>
+        </p:nvPicPr>
+        <p:blipFill>
+          <a:blip r:embed="rId1"/>
+          <a:stretch/>
+        </p:blipFill>
+        <p:spPr>
+          <a:xfrm>
+            <a:off x="7215120" y="0"/>
+            <a:ext cx="1927800" cy="2524680"/>
+          </a:xfrm>
+          <a:prstGeom prst="rect">
+            <a:avLst/>
+          </a:prstGeom>
+          <a:ln w="9360">
+            <a:noFill/>
+          </a:ln>
+        </p:spPr>
+      </p:pic>
+      <p:pic>
+        <p:nvPicPr>
+          <p:cNvPr id="149" name="Picture 9" descr=""/>
           <p:cNvPicPr/>
           <p:nvPr/>
         </p:nvPicPr>
@@ -3905,8 +3655,8 @@
         </p:blipFill>
         <p:spPr>
           <a:xfrm>
-            <a:off x="7215120" y="0"/>
-            <a:ext cx="1928520" cy="2525400"/>
+            <a:off x="0" y="4786200"/>
+            <a:ext cx="1570680" cy="2056320"/>
           </a:xfrm>
           <a:prstGeom prst="rect">
             <a:avLst/>
@@ -3916,39 +3666,16 @@
           </a:ln>
         </p:spPr>
       </p:pic>
-      <p:pic>
-        <p:nvPicPr>
-          <p:cNvPr id="112" name="Picture 9"/>
-          <p:cNvPicPr/>
-          <p:nvPr/>
-        </p:nvPicPr>
-        <p:blipFill>
-          <a:blip r:embed="rId3"/>
-          <a:stretch/>
-        </p:blipFill>
-        <p:spPr>
-          <a:xfrm>
-            <a:off x="0" y="4786200"/>
-            <a:ext cx="1571400" cy="2057040"/>
-          </a:xfrm>
-          <a:prstGeom prst="rect">
-            <a:avLst/>
-          </a:prstGeom>
-          <a:ln w="9360">
-            <a:noFill/>
-          </a:ln>
-        </p:spPr>
-      </p:pic>
-      <p:sp>
-        <p:nvSpPr>
-          <p:cNvPr id="113" name="CustomShape 1"/>
+      <p:sp>
+        <p:nvSpPr>
+          <p:cNvPr id="150" name="CustomShape 1"/>
           <p:cNvSpPr/>
           <p:nvPr/>
         </p:nvSpPr>
         <p:spPr>
           <a:xfrm>
             <a:off x="0" y="0"/>
-            <a:ext cx="9143640" cy="6857640"/>
+            <a:ext cx="9142920" cy="6856920"/>
           </a:xfrm>
           <a:prstGeom prst="rect">
             <a:avLst/>
@@ -3980,14 +3707,14 @@
       </p:sp>
       <p:sp>
         <p:nvSpPr>
-          <p:cNvPr id="114" name="TextShape 2"/>
-          <p:cNvSpPr txBox="1"/>
-          <p:nvPr/>
-        </p:nvSpPr>
-        <p:spPr>
-          <a:xfrm>
-            <a:off x="142920" y="1785960"/>
-            <a:ext cx="7572240" cy="2928600"/>
+          <p:cNvPr id="151" name="CustomShape 2"/>
+          <p:cNvSpPr/>
+          <p:nvPr/>
+        </p:nvSpPr>
+        <p:spPr>
+          <a:xfrm>
+            <a:off x="142920" y="1908000"/>
+            <a:ext cx="7571520" cy="2807640"/>
           </a:xfrm>
           <a:prstGeom prst="rect">
             <a:avLst/>
@@ -3997,35 +3724,23 @@
             <a:noFill/>
           </a:ln>
         </p:spPr>
-        <p:txBody>
-          <a:bodyPr/>
-          <a:lstStyle/>
-          <a:p>
-            <a:pPr algn="ctr"/>
-            <a:endParaRPr lang="pt-BR" sz="3200" b="0" strike="noStrike" spc="-1">
-              <a:solidFill>
-                <a:srgbClr val="000000"/>
-              </a:solidFill>
-              <a:uFill>
-                <a:solidFill>
-                  <a:srgbClr val="FFFFFF"/>
-                </a:solidFill>
-              </a:uFill>
-              <a:latin typeface="Arial"/>
-            </a:endParaRPr>
-          </a:p>
-        </p:txBody>
-      </p:sp>
-      <p:sp>
-        <p:nvSpPr>
-          <p:cNvPr id="115" name="CustomShape 3"/>
+        <p:style>
+          <a:lnRef idx="0"/>
+          <a:fillRef idx="0"/>
+          <a:effectRef idx="0"/>
+          <a:fontRef idx="minor"/>
+        </p:style>
+      </p:sp>
+      <p:sp>
+        <p:nvSpPr>
+          <p:cNvPr id="152" name="CustomShape 3"/>
           <p:cNvSpPr/>
           <p:nvPr/>
         </p:nvSpPr>
         <p:spPr>
           <a:xfrm>
             <a:off x="100800" y="285840"/>
-            <a:ext cx="7399800" cy="999720"/>
+            <a:ext cx="7399080" cy="999000"/>
           </a:xfrm>
           <a:prstGeom prst="homePlate">
             <a:avLst>
@@ -4033,7 +3748,7 @@
             </a:avLst>
           </a:prstGeom>
           <a:solidFill>
-            <a:srgbClr val="06BA8F"/>
+            <a:srgbClr val="06ba8f"/>
           </a:solidFill>
           <a:ln>
             <a:round/>
@@ -4056,19 +3771,19 @@
       </p:sp>
       <p:pic>
         <p:nvPicPr>
-          <p:cNvPr id="116" name="Imagem 8"/>
+          <p:cNvPr id="153" name="Imagem 8" descr=""/>
           <p:cNvPicPr/>
           <p:nvPr/>
         </p:nvPicPr>
         <p:blipFill>
-          <a:blip r:embed="rId4"/>
-          <a:srcRect l="6879" r="6879"/>
+          <a:blip r:embed="rId3"/>
+          <a:srcRect l="6879" t="0" r="6879" b="0"/>
           <a:stretch/>
         </p:blipFill>
         <p:spPr>
           <a:xfrm>
             <a:off x="123120" y="142920"/>
-            <a:ext cx="1519560" cy="1285560"/>
+            <a:ext cx="1518840" cy="1284840"/>
           </a:xfrm>
           <a:prstGeom prst="rect">
             <a:avLst/>
@@ -4080,14 +3795,14 @@
       </p:pic>
       <p:sp>
         <p:nvSpPr>
-          <p:cNvPr id="117" name="CustomShape 4"/>
+          <p:cNvPr id="154" name="CustomShape 4"/>
           <p:cNvSpPr/>
           <p:nvPr/>
         </p:nvSpPr>
         <p:spPr>
           <a:xfrm>
             <a:off x="1428840" y="428760"/>
-            <a:ext cx="5643360" cy="713880"/>
+            <a:ext cx="5642640" cy="713160"/>
           </a:xfrm>
           <a:prstGeom prst="rect">
             <a:avLst/>
@@ -4098,22 +3813,15 @@
           </a:ln>
         </p:spPr>
         <p:style>
-          <a:lnRef idx="0">
-            <a:scrgbClr r="0" g="0" b="0"/>
-          </a:lnRef>
-          <a:fillRef idx="0">
-            <a:scrgbClr r="0" g="0" b="0"/>
-          </a:fillRef>
-          <a:effectRef idx="0">
-            <a:scrgbClr r="0" g="0" b="0"/>
-          </a:effectRef>
+          <a:lnRef idx="0"/>
+          <a:fillRef idx="0"/>
+          <a:effectRef idx="0"/>
           <a:fontRef idx="minor"/>
         </p:style>
         <p:txBody>
-          <a:bodyPr anchor="ctr">
-            <a:normAutofit lnSpcReduction="10000"/>
+          <a:bodyPr lIns="90000" rIns="90000" tIns="45000" bIns="45000" anchor="ctr">
+            <a:normAutofit/>
           </a:bodyPr>
-          <a:lstStyle/>
           <a:p>
             <a:pPr>
               <a:lnSpc>
@@ -4121,26 +3829,27 @@
               </a:lnSpc>
             </a:pPr>
             <a:r>
-              <a:rPr lang="pt-BR" sz="4400" b="1" strike="noStrike" spc="-1">
+              <a:rPr b="1" lang="pt-BR" sz="4400" spc="-1" strike="noStrike">
                 <a:solidFill>
                   <a:srgbClr val="000000"/>
                 </a:solidFill>
                 <a:uFill>
                   <a:solidFill>
-                    <a:srgbClr val="FFFFFF"/>
+                    <a:srgbClr val="ffffff"/>
                   </a:solidFill>
                 </a:uFill>
                 <a:latin typeface="Times New Roman"/>
+                <a:ea typeface="DejaVu Sans"/>
               </a:rPr>
               <a:t>Desafio</a:t>
             </a:r>
-            <a:endParaRPr lang="pt-BR" sz="4400" b="0" strike="noStrike" spc="-1">
+            <a:endParaRPr b="0" lang="pt-BR" sz="4400" spc="-1" strike="noStrike">
               <a:solidFill>
                 <a:srgbClr val="000000"/>
               </a:solidFill>
               <a:uFill>
                 <a:solidFill>
-                  <a:srgbClr val="FFFFFF"/>
+                  <a:srgbClr val="ffffff"/>
                 </a:solidFill>
               </a:uFill>
               <a:latin typeface="Arial"/>
@@ -4150,19 +3859,19 @@
       </p:sp>
       <p:pic>
         <p:nvPicPr>
-          <p:cNvPr id="118" name="Imagem 16"/>
+          <p:cNvPr id="155" name="Imagem 16" descr=""/>
           <p:cNvPicPr/>
           <p:nvPr/>
         </p:nvPicPr>
         <p:blipFill>
-          <a:blip r:embed="rId5"/>
+          <a:blip r:embed="rId4"/>
           <a:srcRect l="3124" t="69614" r="3124" b="8995"/>
           <a:stretch/>
         </p:blipFill>
         <p:spPr>
           <a:xfrm>
             <a:off x="1571760" y="5929200"/>
-            <a:ext cx="7514640" cy="856800"/>
+            <a:ext cx="7513920" cy="856080"/>
           </a:xfrm>
           <a:prstGeom prst="rect">
             <a:avLst/>
@@ -4172,27 +3881,89 @@
           </a:ln>
         </p:spPr>
       </p:pic>
+      <p:sp>
+        <p:nvSpPr>
+          <p:cNvPr id="156" name="CustomShape 5"/>
+          <p:cNvSpPr/>
+          <p:nvPr/>
+        </p:nvSpPr>
+        <p:spPr>
+          <a:xfrm>
+            <a:off x="252000" y="1497960"/>
+            <a:ext cx="7559280" cy="3541320"/>
+          </a:xfrm>
+          <a:prstGeom prst="rect">
+            <a:avLst/>
+          </a:prstGeom>
+          <a:noFill/>
+          <a:ln>
+            <a:noFill/>
+          </a:ln>
+        </p:spPr>
+        <p:style>
+          <a:lnRef idx="0"/>
+          <a:fillRef idx="0"/>
+          <a:effectRef idx="0"/>
+          <a:fontRef idx="minor"/>
+        </p:style>
+        <p:txBody>
+          <a:bodyPr lIns="90000" rIns="90000" tIns="45000" bIns="45000"/>
+          <a:p>
+            <a:pPr algn="just">
+              <a:lnSpc>
+                <a:spcPct val="100000"/>
+              </a:lnSpc>
+              <a:spcBef>
+                <a:spcPts val="641"/>
+              </a:spcBef>
+            </a:pPr>
+            <a:r>
+              <a:rPr b="0" lang="pt-BR" sz="3200" spc="-1" strike="noStrike">
+                <a:solidFill>
+                  <a:srgbClr val="000000"/>
+                </a:solidFill>
+                <a:uFill>
+                  <a:solidFill>
+                    <a:srgbClr val="ffffff"/>
+                  </a:solidFill>
+                </a:uFill>
+                <a:latin typeface="Calibri"/>
+                <a:ea typeface="DejaVu Sans"/>
+              </a:rPr>
+              <a:t>Escolha um dos exemplos demonstrados na aula e tente implementar.</a:t>
+            </a:r>
+            <a:endParaRPr b="0" lang="pt-BR" sz="3200" spc="-1" strike="noStrike">
+              <a:solidFill>
+                <a:srgbClr val="000000"/>
+              </a:solidFill>
+              <a:uFill>
+                <a:solidFill>
+                  <a:srgbClr val="ffffff"/>
+                </a:solidFill>
+              </a:uFill>
+              <a:latin typeface="Arial"/>
+            </a:endParaRPr>
+          </a:p>
+        </p:txBody>
+      </p:sp>
     </p:spTree>
   </p:cSld>
-  <p:clrMapOvr>
-    <a:masterClrMapping/>
-  </p:clrMapOvr>
   <p:timing>
     <p:tnLst>
       <p:par>
-        <p:cTn id="1" dur="indefinite" restart="never" nodeType="tmRoot">
+        <p:cTn id="25" dur="indefinite" restart="never" nodeType="tmRoot">
           <p:childTnLst>
             <p:seq>
-              <p:cTn id="2" nodeType="mainSeq"/>
+              <p:cTn id="26" nodeType="mainSeq"/>
               <p:prevCondLst>
-                <p:cond evt="onPrev" delay="0">
+                <p:cond delay="0" evt="onPrev">
                   <p:tgtEl>
                     <p:sldTgt/>
                   </p:tgtEl>
                 </p:cond>
               </p:prevCondLst>
               <p:nextCondLst>
-                <p:cond evt="onNext" delay="0">
+                <p:cond delay="0" evt="onNext">
                   <p:tgtEl>
                     <p:sldTgt/>
                   </p:tgtEl>
@@ -4208,7 +3979,7 @@
 </file>
 
 <file path=ppt/slides/slide14.xml><?xml version="1.0" encoding="utf-8"?>
-<p:sld xmlns:a="http://schemas.openxmlformats.org/drawingml/2006/main" xmlns:r="http://schemas.openxmlformats.org/officeDocument/2006/relationships" xmlns:p="http://schemas.openxmlformats.org/presentationml/2006/main">
+<p:sld xmlns:a="http://schemas.openxmlformats.org/drawingml/2006/main" xmlns:p="http://schemas.openxmlformats.org/presentationml/2006/main" xmlns:r="http://schemas.openxmlformats.org/officeDocument/2006/relationships" xmlns:p14="http://schemas.microsoft.com/office/powerpoint/2010/main" xmlns:p15="http://schemas.microsoft.com/office/powerpoint/2012/main" xmlns:mc="http://schemas.openxmlformats.org/markup-compatibility/2006">
   <p:cSld>
     <p:spTree>
       <p:nvGrpSpPr>
@@ -4226,7 +3997,30 @@
       </p:grpSpPr>
       <p:pic>
         <p:nvPicPr>
-          <p:cNvPr id="119" name="Picture 9"/>
+          <p:cNvPr id="157" name="Picture 9" descr=""/>
+          <p:cNvPicPr/>
+          <p:nvPr/>
+        </p:nvPicPr>
+        <p:blipFill>
+          <a:blip r:embed="rId1"/>
+          <a:stretch/>
+        </p:blipFill>
+        <p:spPr>
+          <a:xfrm>
+            <a:off x="7215120" y="0"/>
+            <a:ext cx="1927800" cy="2524680"/>
+          </a:xfrm>
+          <a:prstGeom prst="rect">
+            <a:avLst/>
+          </a:prstGeom>
+          <a:ln w="9360">
+            <a:noFill/>
+          </a:ln>
+        </p:spPr>
+      </p:pic>
+      <p:pic>
+        <p:nvPicPr>
+          <p:cNvPr id="158" name="Picture 9" descr=""/>
           <p:cNvPicPr/>
           <p:nvPr/>
         </p:nvPicPr>
@@ -4236,8 +4030,8 @@
         </p:blipFill>
         <p:spPr>
           <a:xfrm>
-            <a:off x="7215120" y="0"/>
-            <a:ext cx="1928520" cy="2525400"/>
+            <a:off x="0" y="4786200"/>
+            <a:ext cx="1570680" cy="2056320"/>
           </a:xfrm>
           <a:prstGeom prst="rect">
             <a:avLst/>
@@ -4247,39 +4041,16 @@
           </a:ln>
         </p:spPr>
       </p:pic>
-      <p:pic>
-        <p:nvPicPr>
-          <p:cNvPr id="120" name="Picture 9"/>
-          <p:cNvPicPr/>
-          <p:nvPr/>
-        </p:nvPicPr>
-        <p:blipFill>
-          <a:blip r:embed="rId3"/>
-          <a:stretch/>
-        </p:blipFill>
-        <p:spPr>
-          <a:xfrm>
-            <a:off x="0" y="4786200"/>
-            <a:ext cx="1571400" cy="2057040"/>
-          </a:xfrm>
-          <a:prstGeom prst="rect">
-            <a:avLst/>
-          </a:prstGeom>
-          <a:ln w="9360">
-            <a:noFill/>
-          </a:ln>
-        </p:spPr>
-      </p:pic>
-      <p:sp>
-        <p:nvSpPr>
-          <p:cNvPr id="121" name="CustomShape 1"/>
+      <p:sp>
+        <p:nvSpPr>
+          <p:cNvPr id="159" name="CustomShape 1"/>
           <p:cNvSpPr/>
           <p:nvPr/>
         </p:nvSpPr>
         <p:spPr>
           <a:xfrm>
             <a:off x="0" y="0"/>
-            <a:ext cx="9143640" cy="6857640"/>
+            <a:ext cx="9142920" cy="6856920"/>
           </a:xfrm>
           <a:prstGeom prst="rect">
             <a:avLst/>
@@ -4311,14 +4082,14 @@
       </p:sp>
       <p:sp>
         <p:nvSpPr>
-          <p:cNvPr id="122" name="TextShape 2"/>
-          <p:cNvSpPr txBox="1"/>
+          <p:cNvPr id="160" name="CustomShape 2"/>
+          <p:cNvSpPr/>
           <p:nvPr/>
         </p:nvSpPr>
         <p:spPr>
           <a:xfrm>
             <a:off x="142920" y="1785960"/>
-            <a:ext cx="7572240" cy="2928600"/>
+            <a:ext cx="7571520" cy="2927880"/>
           </a:xfrm>
           <a:prstGeom prst="rect">
             <a:avLst/>
@@ -4328,35 +4099,23 @@
             <a:noFill/>
           </a:ln>
         </p:spPr>
-        <p:txBody>
-          <a:bodyPr/>
-          <a:lstStyle/>
-          <a:p>
-            <a:pPr algn="ctr"/>
-            <a:endParaRPr lang="pt-BR" sz="3200" b="0" strike="noStrike" spc="-1">
-              <a:solidFill>
-                <a:srgbClr val="000000"/>
-              </a:solidFill>
-              <a:uFill>
-                <a:solidFill>
-                  <a:srgbClr val="FFFFFF"/>
-                </a:solidFill>
-              </a:uFill>
-              <a:latin typeface="Arial"/>
-            </a:endParaRPr>
-          </a:p>
-        </p:txBody>
-      </p:sp>
-      <p:sp>
-        <p:nvSpPr>
-          <p:cNvPr id="123" name="CustomShape 3"/>
+        <p:style>
+          <a:lnRef idx="0"/>
+          <a:fillRef idx="0"/>
+          <a:effectRef idx="0"/>
+          <a:fontRef idx="minor"/>
+        </p:style>
+      </p:sp>
+      <p:sp>
+        <p:nvSpPr>
+          <p:cNvPr id="161" name="CustomShape 3"/>
           <p:cNvSpPr/>
           <p:nvPr/>
         </p:nvSpPr>
         <p:spPr>
           <a:xfrm>
             <a:off x="100800" y="285840"/>
-            <a:ext cx="7399800" cy="999720"/>
+            <a:ext cx="7399080" cy="999000"/>
           </a:xfrm>
           <a:prstGeom prst="homePlate">
             <a:avLst>
@@ -4364,7 +4123,7 @@
             </a:avLst>
           </a:prstGeom>
           <a:solidFill>
-            <a:srgbClr val="06BA8F"/>
+            <a:srgbClr val="06ba8f"/>
           </a:solidFill>
           <a:ln>
             <a:round/>
@@ -4387,19 +4146,19 @@
       </p:sp>
       <p:pic>
         <p:nvPicPr>
-          <p:cNvPr id="124" name="Imagem 8"/>
+          <p:cNvPr id="162" name="Imagem 8" descr=""/>
           <p:cNvPicPr/>
           <p:nvPr/>
         </p:nvPicPr>
         <p:blipFill>
-          <a:blip r:embed="rId4"/>
-          <a:srcRect l="6879" r="6879"/>
+          <a:blip r:embed="rId3"/>
+          <a:srcRect l="6879" t="0" r="6879" b="0"/>
           <a:stretch/>
         </p:blipFill>
         <p:spPr>
           <a:xfrm>
             <a:off x="123120" y="142920"/>
-            <a:ext cx="1519560" cy="1285560"/>
+            <a:ext cx="1518840" cy="1284840"/>
           </a:xfrm>
           <a:prstGeom prst="rect">
             <a:avLst/>
@@ -4411,14 +4170,14 @@
       </p:pic>
       <p:sp>
         <p:nvSpPr>
-          <p:cNvPr id="125" name="CustomShape 4"/>
+          <p:cNvPr id="163" name="CustomShape 4"/>
           <p:cNvSpPr/>
           <p:nvPr/>
         </p:nvSpPr>
         <p:spPr>
           <a:xfrm>
             <a:off x="1428840" y="428760"/>
-            <a:ext cx="5643360" cy="713880"/>
+            <a:ext cx="5642640" cy="713160"/>
           </a:xfrm>
           <a:prstGeom prst="rect">
             <a:avLst/>
@@ -4429,22 +4188,15 @@
           </a:ln>
         </p:spPr>
         <p:style>
-          <a:lnRef idx="0">
-            <a:scrgbClr r="0" g="0" b="0"/>
-          </a:lnRef>
-          <a:fillRef idx="0">
-            <a:scrgbClr r="0" g="0" b="0"/>
-          </a:fillRef>
-          <a:effectRef idx="0">
-            <a:scrgbClr r="0" g="0" b="0"/>
-          </a:effectRef>
+          <a:lnRef idx="0"/>
+          <a:fillRef idx="0"/>
+          <a:effectRef idx="0"/>
           <a:fontRef idx="minor"/>
         </p:style>
         <p:txBody>
-          <a:bodyPr anchor="ctr">
-            <a:normAutofit lnSpcReduction="10000"/>
+          <a:bodyPr lIns="90000" rIns="90000" tIns="45000" bIns="45000" anchor="ctr">
+            <a:normAutofit/>
           </a:bodyPr>
-          <a:lstStyle/>
           <a:p>
             <a:pPr>
               <a:lnSpc>
@@ -4452,26 +4204,27 @@
               </a:lnSpc>
             </a:pPr>
             <a:r>
-              <a:rPr lang="pt-BR" sz="4400" b="1" strike="noStrike" spc="-1">
+              <a:rPr b="1" lang="pt-BR" sz="4400" spc="-1" strike="noStrike">
                 <a:solidFill>
                   <a:srgbClr val="000000"/>
                 </a:solidFill>
                 <a:uFill>
                   <a:solidFill>
-                    <a:srgbClr val="FFFFFF"/>
+                    <a:srgbClr val="ffffff"/>
                   </a:solidFill>
                 </a:uFill>
                 <a:latin typeface="Times New Roman"/>
+                <a:ea typeface="DejaVu Sans"/>
               </a:rPr>
               <a:t>Resposta</a:t>
             </a:r>
-            <a:endParaRPr lang="pt-BR" sz="4400" b="0" strike="noStrike" spc="-1">
+            <a:endParaRPr b="0" lang="pt-BR" sz="4400" spc="-1" strike="noStrike">
               <a:solidFill>
                 <a:srgbClr val="000000"/>
               </a:solidFill>
               <a:uFill>
                 <a:solidFill>
-                  <a:srgbClr val="FFFFFF"/>
+                  <a:srgbClr val="ffffff"/>
                 </a:solidFill>
               </a:uFill>
               <a:latin typeface="Arial"/>
@@ -4481,19 +4234,19 @@
       </p:sp>
       <p:pic>
         <p:nvPicPr>
-          <p:cNvPr id="126" name="Imagem 16"/>
+          <p:cNvPr id="164" name="Imagem 16" descr=""/>
           <p:cNvPicPr/>
           <p:nvPr/>
         </p:nvPicPr>
         <p:blipFill>
-          <a:blip r:embed="rId5"/>
+          <a:blip r:embed="rId4"/>
           <a:srcRect l="3124" t="69614" r="3124" b="8995"/>
           <a:stretch/>
         </p:blipFill>
         <p:spPr>
           <a:xfrm>
             <a:off x="1571760" y="5929200"/>
-            <a:ext cx="7514640" cy="856800"/>
+            <a:ext cx="7513920" cy="856080"/>
           </a:xfrm>
           <a:prstGeom prst="rect">
             <a:avLst/>
@@ -4505,14 +4258,14 @@
       </p:pic>
       <p:sp>
         <p:nvSpPr>
-          <p:cNvPr id="11" name="TextShape 2"/>
-          <p:cNvSpPr txBox="1"/>
-          <p:nvPr/>
-        </p:nvSpPr>
-        <p:spPr>
-          <a:xfrm>
-            <a:off x="285720" y="1714488"/>
-            <a:ext cx="7429552" cy="3000396"/>
+          <p:cNvPr id="165" name="CustomShape 5"/>
+          <p:cNvSpPr/>
+          <p:nvPr/>
+        </p:nvSpPr>
+        <p:spPr>
+          <a:xfrm>
+            <a:off x="285840" y="1714320"/>
+            <a:ext cx="7428960" cy="2999520"/>
           </a:xfrm>
           <a:prstGeom prst="rect">
             <a:avLst/>
@@ -4522,9 +4275,14 @@
             <a:noFill/>
           </a:ln>
         </p:spPr>
+        <p:style>
+          <a:lnRef idx="0"/>
+          <a:fillRef idx="0"/>
+          <a:effectRef idx="0"/>
+          <a:fontRef idx="minor"/>
+        </p:style>
         <p:txBody>
-          <a:bodyPr/>
-          <a:lstStyle/>
+          <a:bodyPr lIns="90000" rIns="90000" tIns="45000" bIns="45000"/>
           <a:p>
             <a:pPr algn="just">
               <a:lnSpc>
@@ -4535,37 +4293,73 @@
               </a:spcBef>
             </a:pPr>
             <a:r>
-              <a:rPr lang="pt-BR" sz="3200" spc="-1" dirty="0" smtClean="0">
+              <a:rPr b="0" lang="pt-BR" sz="3200" spc="-1" strike="noStrike">
                 <a:solidFill>
                   <a:srgbClr val="000000"/>
                 </a:solidFill>
                 <a:uFill>
                   <a:solidFill>
-                    <a:srgbClr val="FFFFFF"/>
+                    <a:srgbClr val="ffffff"/>
                   </a:solidFill>
                 </a:uFill>
+                <a:latin typeface="Arial"/>
+                <a:ea typeface="DejaVu Sans"/>
               </a:rPr>
               <a:t>Os códigos da resposta segue no link abaixo:</a:t>
             </a:r>
+            <a:endParaRPr b="0" lang="pt-BR" sz="3200" spc="-1" strike="noStrike">
+              <a:solidFill>
+                <a:srgbClr val="000000"/>
+              </a:solidFill>
+              <a:uFill>
+                <a:solidFill>
+                  <a:srgbClr val="ffffff"/>
+                </a:solidFill>
+              </a:uFill>
+              <a:latin typeface="Arial"/>
+            </a:endParaRPr>
           </a:p>
           <a:p>
-            <a:pPr algn="just">
+            <a:pPr marL="216000" indent="-215640" algn="just">
               <a:lnSpc>
                 <a:spcPct val="100000"/>
               </a:lnSpc>
               <a:spcBef>
                 <a:spcPts val="641"/>
               </a:spcBef>
-              <a:buFontTx/>
+              <a:buClr>
+                <a:srgbClr val="000000"/>
+              </a:buClr>
+              <a:buFont typeface="StarSymbol"/>
               <a:buChar char="-"/>
             </a:pPr>
             <a:r>
-              <a:rPr lang="pt-BR" dirty="0" smtClean="0">
-                <a:hlinkClick r:id="rId6"/>
+              <a:rPr b="0" lang="pt-BR" sz="1800" spc="-1" strike="noStrike" u="sng">
+                <a:solidFill>
+                  <a:srgbClr val="0000ff"/>
+                </a:solidFill>
+                <a:uFill>
+                  <a:solidFill>
+                    <a:srgbClr val="ffffff"/>
+                  </a:solidFill>
+                </a:uFill>
+                <a:latin typeface="Arial"/>
+                <a:ea typeface="DejaVu Sans"/>
+                <a:hlinkClick r:id="rId5"/>
               </a:rPr>
               <a:t>https://github.com/isamartins/t018_DesenvolvimentoWeb/tree/master/trabalho_av2/codigos</a:t>
             </a:r>
-            <a:endParaRPr lang="pt-BR" dirty="0" smtClean="0"/>
+            <a:endParaRPr b="0" lang="pt-BR" sz="1800" spc="-1" strike="noStrike">
+              <a:solidFill>
+                <a:srgbClr val="000000"/>
+              </a:solidFill>
+              <a:uFill>
+                <a:solidFill>
+                  <a:srgbClr val="ffffff"/>
+                </a:solidFill>
+              </a:uFill>
+              <a:latin typeface="Arial"/>
+            </a:endParaRPr>
           </a:p>
           <a:p>
             <a:pPr algn="just">
@@ -4576,7 +4370,17 @@
                 <a:spcPts val="641"/>
               </a:spcBef>
             </a:pPr>
-            <a:endParaRPr lang="pt-BR" sz="3200" dirty="0" smtClean="0"/>
+            <a:endParaRPr b="0" lang="pt-BR" sz="1800" spc="-1" strike="noStrike">
+              <a:solidFill>
+                <a:srgbClr val="000000"/>
+              </a:solidFill>
+              <a:uFill>
+                <a:solidFill>
+                  <a:srgbClr val="ffffff"/>
+                </a:solidFill>
+              </a:uFill>
+              <a:latin typeface="Arial"/>
+            </a:endParaRPr>
           </a:p>
           <a:p>
             <a:pPr algn="just">
@@ -4587,40 +4391,38 @@
                 <a:spcPts val="641"/>
               </a:spcBef>
             </a:pPr>
-            <a:endParaRPr lang="pt-BR" sz="3200" b="0" strike="noStrike" spc="-1" dirty="0">
+            <a:endParaRPr b="0" lang="pt-BR" sz="1800" spc="-1" strike="noStrike">
               <a:solidFill>
                 <a:srgbClr val="000000"/>
               </a:solidFill>
               <a:uFill>
                 <a:solidFill>
-                  <a:srgbClr val="FFFFFF"/>
+                  <a:srgbClr val="ffffff"/>
                 </a:solidFill>
               </a:uFill>
+              <a:latin typeface="Arial"/>
             </a:endParaRPr>
           </a:p>
         </p:txBody>
       </p:sp>
     </p:spTree>
   </p:cSld>
-  <p:clrMapOvr>
-    <a:masterClrMapping/>
-  </p:clrMapOvr>
   <p:timing>
     <p:tnLst>
       <p:par>
-        <p:cTn id="1" dur="indefinite" restart="never" nodeType="tmRoot">
+        <p:cTn id="27" dur="indefinite" restart="never" nodeType="tmRoot">
           <p:childTnLst>
             <p:seq>
-              <p:cTn id="2" nodeType="mainSeq"/>
+              <p:cTn id="28" nodeType="mainSeq"/>
               <p:prevCondLst>
-                <p:cond evt="onPrev" delay="0">
+                <p:cond delay="0" evt="onPrev">
                   <p:tgtEl>
                     <p:sldTgt/>
                   </p:tgtEl>
                 </p:cond>
               </p:prevCondLst>
               <p:nextCondLst>
-                <p:cond evt="onNext" delay="0">
+                <p:cond delay="0" evt="onNext">
                   <p:tgtEl>
                     <p:sldTgt/>
                   </p:tgtEl>
@@ -4636,7 +4438,7 @@
 </file>
 
 <file path=ppt/slides/slide15.xml><?xml version="1.0" encoding="utf-8"?>
-<p:sld xmlns:a="http://schemas.openxmlformats.org/drawingml/2006/main" xmlns:r="http://schemas.openxmlformats.org/officeDocument/2006/relationships" xmlns:p="http://schemas.openxmlformats.org/presentationml/2006/main">
+<p:sld xmlns:a="http://schemas.openxmlformats.org/drawingml/2006/main" xmlns:p="http://schemas.openxmlformats.org/presentationml/2006/main" xmlns:r="http://schemas.openxmlformats.org/officeDocument/2006/relationships" xmlns:p14="http://schemas.microsoft.com/office/powerpoint/2010/main" xmlns:p15="http://schemas.microsoft.com/office/powerpoint/2012/main" xmlns:mc="http://schemas.openxmlformats.org/markup-compatibility/2006">
   <p:cSld>
     <p:spTree>
       <p:nvGrpSpPr>
@@ -4654,7 +4456,30 @@
       </p:grpSpPr>
       <p:pic>
         <p:nvPicPr>
-          <p:cNvPr id="127" name="Picture 9"/>
+          <p:cNvPr id="166" name="Picture 9" descr=""/>
+          <p:cNvPicPr/>
+          <p:nvPr/>
+        </p:nvPicPr>
+        <p:blipFill>
+          <a:blip r:embed="rId1"/>
+          <a:stretch/>
+        </p:blipFill>
+        <p:spPr>
+          <a:xfrm>
+            <a:off x="7215120" y="0"/>
+            <a:ext cx="1927800" cy="2524680"/>
+          </a:xfrm>
+          <a:prstGeom prst="rect">
+            <a:avLst/>
+          </a:prstGeom>
+          <a:ln w="9360">
+            <a:noFill/>
+          </a:ln>
+        </p:spPr>
+      </p:pic>
+      <p:pic>
+        <p:nvPicPr>
+          <p:cNvPr id="167" name="Picture 9" descr=""/>
           <p:cNvPicPr/>
           <p:nvPr/>
         </p:nvPicPr>
@@ -4664,8 +4489,8 @@
         </p:blipFill>
         <p:spPr>
           <a:xfrm>
-            <a:off x="7215120" y="0"/>
-            <a:ext cx="1928520" cy="2525400"/>
+            <a:off x="0" y="4786200"/>
+            <a:ext cx="1570680" cy="2056320"/>
           </a:xfrm>
           <a:prstGeom prst="rect">
             <a:avLst/>
@@ -4675,39 +4500,16 @@
           </a:ln>
         </p:spPr>
       </p:pic>
-      <p:pic>
-        <p:nvPicPr>
-          <p:cNvPr id="128" name="Picture 9"/>
-          <p:cNvPicPr/>
-          <p:nvPr/>
-        </p:nvPicPr>
-        <p:blipFill>
-          <a:blip r:embed="rId3"/>
-          <a:stretch/>
-        </p:blipFill>
-        <p:spPr>
-          <a:xfrm>
-            <a:off x="0" y="4786200"/>
-            <a:ext cx="1571400" cy="2057040"/>
-          </a:xfrm>
-          <a:prstGeom prst="rect">
-            <a:avLst/>
-          </a:prstGeom>
-          <a:ln w="9360">
-            <a:noFill/>
-          </a:ln>
-        </p:spPr>
-      </p:pic>
-      <p:sp>
-        <p:nvSpPr>
-          <p:cNvPr id="129" name="CustomShape 1"/>
+      <p:sp>
+        <p:nvSpPr>
+          <p:cNvPr id="168" name="CustomShape 1"/>
           <p:cNvSpPr/>
           <p:nvPr/>
         </p:nvSpPr>
         <p:spPr>
           <a:xfrm>
             <a:off x="0" y="0"/>
-            <a:ext cx="9143640" cy="6857640"/>
+            <a:ext cx="9142920" cy="6856920"/>
           </a:xfrm>
           <a:prstGeom prst="rect">
             <a:avLst/>
@@ -4739,14 +4541,14 @@
       </p:sp>
       <p:sp>
         <p:nvSpPr>
-          <p:cNvPr id="130" name="TextShape 2"/>
-          <p:cNvSpPr txBox="1"/>
+          <p:cNvPr id="169" name="CustomShape 2"/>
+          <p:cNvSpPr/>
           <p:nvPr/>
         </p:nvSpPr>
         <p:spPr>
           <a:xfrm>
             <a:off x="142920" y="1785960"/>
-            <a:ext cx="7572240" cy="2928600"/>
+            <a:ext cx="7571520" cy="2927880"/>
           </a:xfrm>
           <a:prstGeom prst="rect">
             <a:avLst/>
@@ -4756,13 +4558,18 @@
             <a:noFill/>
           </a:ln>
         </p:spPr>
+        <p:style>
+          <a:lnRef idx="0"/>
+          <a:fillRef idx="0"/>
+          <a:effectRef idx="0"/>
+          <a:fontRef idx="minor"/>
+        </p:style>
         <p:txBody>
-          <a:bodyPr>
+          <a:bodyPr lIns="90000" rIns="90000" tIns="45000" bIns="45000">
             <a:normAutofit/>
           </a:bodyPr>
-          <a:lstStyle/>
           <a:p>
-            <a:pPr>
+            <a:pPr marL="216000" indent="-215640">
               <a:lnSpc>
                 <a:spcPct val="100000"/>
               </a:lnSpc>
@@ -4776,42 +4583,86 @@
               <a:buChar char="-"/>
             </a:pPr>
             <a:r>
-              <a:rPr lang="pt-BR" sz="2400" b="0" u="sng" strike="noStrike" spc="-1" dirty="0" smtClean="0">
-                <a:solidFill>
-                  <a:srgbClr val="0000FF"/>
+              <a:rPr b="0" lang="pt-BR" sz="2400" spc="-1" strike="noStrike" u="sng">
+                <a:solidFill>
+                  <a:srgbClr val="0000ff"/>
                 </a:solidFill>
                 <a:uFill>
                   <a:solidFill>
-                    <a:srgbClr val="FFFFFF"/>
+                    <a:srgbClr val="ffffff"/>
                   </a:solidFill>
                 </a:uFill>
                 <a:latin typeface="Calibri"/>
-                <a:hlinkClick r:id="rId4"/>
+                <a:ea typeface="DejaVu Sans"/>
+                <a:hlinkClick r:id="rId3"/>
               </a:rPr>
               <a:t> https</a:t>
             </a:r>
             <a:r>
-              <a:rPr lang="pt-BR" sz="2400" b="0" u="sng" strike="noStrike" spc="-1" dirty="0">
-                <a:solidFill>
-                  <a:srgbClr val="0000FF"/>
+              <a:rPr b="0" lang="pt-BR" sz="2400" spc="-1" strike="noStrike" u="sng">
+                <a:solidFill>
+                  <a:srgbClr val="0000ff"/>
                 </a:solidFill>
                 <a:uFill>
                   <a:solidFill>
-                    <a:srgbClr val="FFFFFF"/>
+                    <a:srgbClr val="ffffff"/>
                   </a:solidFill>
                 </a:uFill>
                 <a:latin typeface="Calibri"/>
+                <a:ea typeface="DejaVu Sans"/>
                 <a:hlinkClick r:id="rId4"/>
               </a:rPr>
               <a:t>://br.vuejs.org/v2/guide/computed.html</a:t>
             </a:r>
-            <a:endParaRPr lang="pt-BR" sz="2400" b="0" strike="noStrike" spc="-1" dirty="0">
+            <a:endParaRPr b="0" lang="pt-BR" sz="2400" spc="-1" strike="noStrike">
               <a:solidFill>
                 <a:srgbClr val="000000"/>
               </a:solidFill>
               <a:uFill>
                 <a:solidFill>
-                  <a:srgbClr val="FFFFFF"/>
+                  <a:srgbClr val="ffffff"/>
+                </a:solidFill>
+              </a:uFill>
+              <a:latin typeface="Arial"/>
+            </a:endParaRPr>
+          </a:p>
+          <a:p>
+            <a:pPr marL="216000" indent="-215640">
+              <a:lnSpc>
+                <a:spcPct val="100000"/>
+              </a:lnSpc>
+              <a:spcBef>
+                <a:spcPts val="479"/>
+              </a:spcBef>
+              <a:buClr>
+                <a:srgbClr val="000000"/>
+              </a:buClr>
+              <a:buFont typeface="Arial"/>
+              <a:buChar char="-"/>
+            </a:pPr>
+            <a:r>
+              <a:rPr b="0" lang="pt-BR" sz="2400" spc="-1" strike="noStrike" u="sng">
+                <a:solidFill>
+                  <a:srgbClr val="0000ff"/>
+                </a:solidFill>
+                <a:uFill>
+                  <a:solidFill>
+                    <a:srgbClr val="ffffff"/>
+                  </a:solidFill>
+                </a:uFill>
+                <a:latin typeface="Calibri"/>
+                <a:ea typeface="DejaVu Sans"/>
+                <a:hlinkClick r:id="rId5"/>
+              </a:rPr>
+              <a:t>https://www.youtube.com/watch?v=yl2LC3uNs3Y</a:t>
+            </a:r>
+            <a:endParaRPr b="0" lang="pt-BR" sz="2400" spc="-1" strike="noStrike">
+              <a:solidFill>
+                <a:srgbClr val="000000"/>
+              </a:solidFill>
+              <a:uFill>
+                <a:solidFill>
+                  <a:srgbClr val="ffffff"/>
                 </a:solidFill>
               </a:uFill>
               <a:latin typeface="Arial"/>
@@ -4825,68 +4676,14 @@
               <a:spcBef>
                 <a:spcPts val="479"/>
               </a:spcBef>
-              <a:buFontTx/>
-              <a:buChar char="-"/>
             </a:pPr>
-            <a:r>
-              <a:rPr lang="pt-BR" sz="2400" b="0" strike="noStrike" spc="-1" dirty="0" smtClean="0">
-                <a:solidFill>
-                  <a:srgbClr val="000000"/>
-                </a:solidFill>
-                <a:uFill>
-                  <a:solidFill>
-                    <a:srgbClr val="FFFFFF"/>
-                  </a:solidFill>
-                </a:uFill>
-                <a:latin typeface="Calibri"/>
-                <a:hlinkClick r:id="rId5"/>
-              </a:rPr>
-              <a:t>https://www.youtube.com/watch?v=yl2LC3uNs3Y</a:t>
-            </a:r>
-            <a:endParaRPr lang="pt-BR" sz="2400" b="0" strike="noStrike" spc="-1" dirty="0" smtClean="0">
+            <a:endParaRPr b="0" lang="pt-BR" sz="2400" spc="-1" strike="noStrike">
               <a:solidFill>
                 <a:srgbClr val="000000"/>
               </a:solidFill>
               <a:uFill>
                 <a:solidFill>
-                  <a:srgbClr val="FFFFFF"/>
-                </a:solidFill>
-              </a:uFill>
-              <a:latin typeface="Calibri"/>
-            </a:endParaRPr>
-          </a:p>
-          <a:p>
-            <a:pPr>
-              <a:lnSpc>
-                <a:spcPct val="100000"/>
-              </a:lnSpc>
-              <a:spcBef>
-                <a:spcPts val="479"/>
-              </a:spcBef>
-              <a:buFontTx/>
-              <a:buChar char="-"/>
-            </a:pPr>
-            <a:r>
-              <a:rPr lang="pt-BR" sz="2400" spc="-1" dirty="0">
-                <a:solidFill>
-                  <a:srgbClr val="000000"/>
-                </a:solidFill>
-                <a:uFill>
-                  <a:solidFill>
-                    <a:srgbClr val="FFFFFF"/>
-                  </a:solidFill>
-                </a:uFill>
-                <a:latin typeface="Calibri"/>
-              </a:rPr>
-              <a:t> </a:t>
-            </a:r>
-            <a:endParaRPr lang="pt-BR" sz="2400" b="0" strike="noStrike" spc="-1" dirty="0">
-              <a:solidFill>
-                <a:srgbClr val="000000"/>
-              </a:solidFill>
-              <a:uFill>
-                <a:solidFill>
-                  <a:srgbClr val="FFFFFF"/>
+                  <a:srgbClr val="ffffff"/>
                 </a:solidFill>
               </a:uFill>
               <a:latin typeface="Arial"/>
@@ -4896,14 +4693,14 @@
       </p:sp>
       <p:sp>
         <p:nvSpPr>
-          <p:cNvPr id="131" name="CustomShape 3"/>
+          <p:cNvPr id="170" name="CustomShape 3"/>
           <p:cNvSpPr/>
           <p:nvPr/>
         </p:nvSpPr>
         <p:spPr>
           <a:xfrm>
             <a:off x="100800" y="285840"/>
-            <a:ext cx="7399800" cy="999720"/>
+            <a:ext cx="7399080" cy="999000"/>
           </a:xfrm>
           <a:prstGeom prst="homePlate">
             <a:avLst>
@@ -4911,7 +4708,7 @@
             </a:avLst>
           </a:prstGeom>
           <a:solidFill>
-            <a:srgbClr val="06BA8F"/>
+            <a:srgbClr val="06ba8f"/>
           </a:solidFill>
           <a:ln>
             <a:round/>
@@ -4934,19 +4731,19 @@
       </p:sp>
       <p:pic>
         <p:nvPicPr>
-          <p:cNvPr id="132" name="Imagem 8"/>
+          <p:cNvPr id="171" name="Imagem 8" descr=""/>
           <p:cNvPicPr/>
           <p:nvPr/>
         </p:nvPicPr>
         <p:blipFill>
           <a:blip r:embed="rId6"/>
-          <a:srcRect l="6879" r="6879"/>
+          <a:srcRect l="6879" t="0" r="6879" b="0"/>
           <a:stretch/>
         </p:blipFill>
         <p:spPr>
           <a:xfrm>
             <a:off x="123120" y="142920"/>
-            <a:ext cx="1519560" cy="1285560"/>
+            <a:ext cx="1518840" cy="1284840"/>
           </a:xfrm>
           <a:prstGeom prst="rect">
             <a:avLst/>
@@ -4958,14 +4755,14 @@
       </p:pic>
       <p:sp>
         <p:nvSpPr>
-          <p:cNvPr id="133" name="CustomShape 4"/>
+          <p:cNvPr id="172" name="CustomShape 4"/>
           <p:cNvSpPr/>
           <p:nvPr/>
         </p:nvSpPr>
         <p:spPr>
           <a:xfrm>
             <a:off x="1428840" y="428760"/>
-            <a:ext cx="5643360" cy="713880"/>
+            <a:ext cx="5642640" cy="713160"/>
           </a:xfrm>
           <a:prstGeom prst="rect">
             <a:avLst/>
@@ -4976,22 +4773,15 @@
           </a:ln>
         </p:spPr>
         <p:style>
-          <a:lnRef idx="0">
-            <a:scrgbClr r="0" g="0" b="0"/>
-          </a:lnRef>
-          <a:fillRef idx="0">
-            <a:scrgbClr r="0" g="0" b="0"/>
-          </a:fillRef>
-          <a:effectRef idx="0">
-            <a:scrgbClr r="0" g="0" b="0"/>
-          </a:effectRef>
+          <a:lnRef idx="0"/>
+          <a:fillRef idx="0"/>
+          <a:effectRef idx="0"/>
           <a:fontRef idx="minor"/>
         </p:style>
         <p:txBody>
-          <a:bodyPr anchor="ctr">
-            <a:normAutofit lnSpcReduction="10000"/>
+          <a:bodyPr lIns="90000" rIns="90000" tIns="45000" bIns="45000" anchor="ctr">
+            <a:normAutofit/>
           </a:bodyPr>
-          <a:lstStyle/>
           <a:p>
             <a:pPr>
               <a:lnSpc>
@@ -4999,26 +4789,27 @@
               </a:lnSpc>
             </a:pPr>
             <a:r>
-              <a:rPr lang="pt-BR" sz="4400" b="1" strike="noStrike" spc="-1">
+              <a:rPr b="1" lang="pt-BR" sz="4400" spc="-1" strike="noStrike">
                 <a:solidFill>
                   <a:srgbClr val="000000"/>
                 </a:solidFill>
                 <a:uFill>
                   <a:solidFill>
-                    <a:srgbClr val="FFFFFF"/>
+                    <a:srgbClr val="ffffff"/>
                   </a:solidFill>
                 </a:uFill>
                 <a:latin typeface="Times New Roman"/>
+                <a:ea typeface="DejaVu Sans"/>
               </a:rPr>
               <a:t>Referências</a:t>
             </a:r>
-            <a:endParaRPr lang="pt-BR" sz="4400" b="0" strike="noStrike" spc="-1">
+            <a:endParaRPr b="0" lang="pt-BR" sz="4400" spc="-1" strike="noStrike">
               <a:solidFill>
                 <a:srgbClr val="000000"/>
               </a:solidFill>
               <a:uFill>
                 <a:solidFill>
-                  <a:srgbClr val="FFFFFF"/>
+                  <a:srgbClr val="ffffff"/>
                 </a:solidFill>
               </a:uFill>
               <a:latin typeface="Arial"/>
@@ -5028,7 +4819,7 @@
       </p:sp>
       <p:pic>
         <p:nvPicPr>
-          <p:cNvPr id="134" name="Imagem 16"/>
+          <p:cNvPr id="173" name="Imagem 16" descr=""/>
           <p:cNvPicPr/>
           <p:nvPr/>
         </p:nvPicPr>
@@ -5040,7 +4831,7 @@
         <p:spPr>
           <a:xfrm>
             <a:off x="1571760" y="5929200"/>
-            <a:ext cx="7514640" cy="856800"/>
+            <a:ext cx="7513920" cy="856080"/>
           </a:xfrm>
           <a:prstGeom prst="rect">
             <a:avLst/>
@@ -5052,25 +4843,22 @@
       </p:pic>
     </p:spTree>
   </p:cSld>
-  <p:clrMapOvr>
-    <a:masterClrMapping/>
-  </p:clrMapOvr>
   <p:timing>
     <p:tnLst>
       <p:par>
-        <p:cTn id="1" dur="indefinite" restart="never" nodeType="tmRoot">
+        <p:cTn id="29" dur="indefinite" restart="never" nodeType="tmRoot">
           <p:childTnLst>
             <p:seq>
-              <p:cTn id="2" nodeType="mainSeq"/>
+              <p:cTn id="30" nodeType="mainSeq"/>
               <p:prevCondLst>
-                <p:cond evt="onPrev" delay="0">
+                <p:cond delay="0" evt="onPrev">
                   <p:tgtEl>
                     <p:sldTgt/>
                   </p:tgtEl>
                 </p:cond>
               </p:prevCondLst>
               <p:nextCondLst>
-                <p:cond evt="onNext" delay="0">
+                <p:cond delay="0" evt="onNext">
                   <p:tgtEl>
                     <p:sldTgt/>
                   </p:tgtEl>
@@ -5086,7 +4874,7 @@
 </file>
 
 <file path=ppt/slides/slide16.xml><?xml version="1.0" encoding="utf-8"?>
-<p:sld xmlns:a="http://schemas.openxmlformats.org/drawingml/2006/main" xmlns:r="http://schemas.openxmlformats.org/officeDocument/2006/relationships" xmlns:p="http://schemas.openxmlformats.org/presentationml/2006/main">
+<p:sld xmlns:a="http://schemas.openxmlformats.org/drawingml/2006/main" xmlns:p="http://schemas.openxmlformats.org/presentationml/2006/main" xmlns:r="http://schemas.openxmlformats.org/officeDocument/2006/relationships" xmlns:p14="http://schemas.microsoft.com/office/powerpoint/2010/main" xmlns:p15="http://schemas.microsoft.com/office/powerpoint/2012/main" xmlns:mc="http://schemas.openxmlformats.org/markup-compatibility/2006">
   <p:cSld>
     <p:spTree>
       <p:nvGrpSpPr>
@@ -5104,7 +4892,30 @@
       </p:grpSpPr>
       <p:pic>
         <p:nvPicPr>
-          <p:cNvPr id="135" name="Picture 9"/>
+          <p:cNvPr id="174" name="Picture 9" descr=""/>
+          <p:cNvPicPr/>
+          <p:nvPr/>
+        </p:nvPicPr>
+        <p:blipFill>
+          <a:blip r:embed="rId1"/>
+          <a:stretch/>
+        </p:blipFill>
+        <p:spPr>
+          <a:xfrm>
+            <a:off x="7215120" y="0"/>
+            <a:ext cx="1927800" cy="2524680"/>
+          </a:xfrm>
+          <a:prstGeom prst="rect">
+            <a:avLst/>
+          </a:prstGeom>
+          <a:ln w="9360">
+            <a:noFill/>
+          </a:ln>
+        </p:spPr>
+      </p:pic>
+      <p:pic>
+        <p:nvPicPr>
+          <p:cNvPr id="175" name="Picture 9" descr=""/>
           <p:cNvPicPr/>
           <p:nvPr/>
         </p:nvPicPr>
@@ -5114,8 +4925,8 @@
         </p:blipFill>
         <p:spPr>
           <a:xfrm>
-            <a:off x="7215120" y="0"/>
-            <a:ext cx="1928520" cy="2525400"/>
+            <a:off x="0" y="4786200"/>
+            <a:ext cx="1570680" cy="2056320"/>
           </a:xfrm>
           <a:prstGeom prst="rect">
             <a:avLst/>
@@ -5125,39 +4936,16 @@
           </a:ln>
         </p:spPr>
       </p:pic>
-      <p:pic>
-        <p:nvPicPr>
-          <p:cNvPr id="136" name="Picture 9"/>
-          <p:cNvPicPr/>
-          <p:nvPr/>
-        </p:nvPicPr>
-        <p:blipFill>
-          <a:blip r:embed="rId3"/>
-          <a:stretch/>
-        </p:blipFill>
-        <p:spPr>
-          <a:xfrm>
-            <a:off x="0" y="4786200"/>
-            <a:ext cx="1571400" cy="2057040"/>
-          </a:xfrm>
-          <a:prstGeom prst="rect">
-            <a:avLst/>
-          </a:prstGeom>
-          <a:ln w="9360">
-            <a:noFill/>
-          </a:ln>
-        </p:spPr>
-      </p:pic>
-      <p:sp>
-        <p:nvSpPr>
-          <p:cNvPr id="137" name="CustomShape 1"/>
+      <p:sp>
+        <p:nvSpPr>
+          <p:cNvPr id="176" name="CustomShape 1"/>
           <p:cNvSpPr/>
           <p:nvPr/>
         </p:nvSpPr>
         <p:spPr>
           <a:xfrm>
             <a:off x="0" y="0"/>
-            <a:ext cx="9143640" cy="6857640"/>
+            <a:ext cx="9142920" cy="6856920"/>
           </a:xfrm>
           <a:prstGeom prst="rect">
             <a:avLst/>
@@ -5189,14 +4977,14 @@
       </p:sp>
       <p:sp>
         <p:nvSpPr>
-          <p:cNvPr id="138" name="TextShape 2"/>
-          <p:cNvSpPr txBox="1"/>
+          <p:cNvPr id="177" name="CustomShape 2"/>
+          <p:cNvSpPr/>
           <p:nvPr/>
         </p:nvSpPr>
         <p:spPr>
           <a:xfrm>
             <a:off x="142920" y="1785960"/>
-            <a:ext cx="7572240" cy="2928600"/>
+            <a:ext cx="7571520" cy="2927880"/>
           </a:xfrm>
           <a:prstGeom prst="rect">
             <a:avLst/>
@@ -5206,9 +4994,14 @@
             <a:noFill/>
           </a:ln>
         </p:spPr>
+        <p:style>
+          <a:lnRef idx="0"/>
+          <a:fillRef idx="0"/>
+          <a:effectRef idx="0"/>
+          <a:fontRef idx="minor"/>
+        </p:style>
         <p:txBody>
-          <a:bodyPr/>
-          <a:lstStyle/>
+          <a:bodyPr lIns="90000" rIns="90000" tIns="45000" bIns="45000"/>
           <a:p>
             <a:pPr>
               <a:lnSpc>
@@ -5218,20 +5011,20 @@
                 <a:spcPts val="641"/>
               </a:spcBef>
             </a:pPr>
-            <a:endParaRPr lang="pt-BR" sz="3200" b="0" strike="noStrike" spc="-1">
+            <a:endParaRPr b="0" lang="pt-BR" sz="1800" spc="-1" strike="noStrike">
               <a:solidFill>
                 <a:srgbClr val="000000"/>
               </a:solidFill>
               <a:uFill>
                 <a:solidFill>
-                  <a:srgbClr val="FFFFFF"/>
+                  <a:srgbClr val="ffffff"/>
                 </a:solidFill>
               </a:uFill>
               <a:latin typeface="Arial"/>
             </a:endParaRPr>
           </a:p>
           <a:p>
-            <a:pPr>
+            <a:pPr marL="216000" indent="-215640">
               <a:lnSpc>
                 <a:spcPct val="100000"/>
               </a:lnSpc>
@@ -5245,33 +5038,49 @@
               <a:buChar char="-"/>
             </a:pPr>
             <a:r>
-              <a:rPr lang="pt-BR" sz="3200" b="0" strike="noStrike" spc="-1">
+              <a:rPr b="0" lang="pt-BR" sz="3200" spc="-1" strike="noStrike">
                 <a:solidFill>
                   <a:srgbClr val="000000"/>
                 </a:solidFill>
                 <a:uFill>
                   <a:solidFill>
-                    <a:srgbClr val="FFFFFF"/>
+                    <a:srgbClr val="ffffff"/>
                   </a:solidFill>
                 </a:uFill>
                 <a:latin typeface="Calibri"/>
+                <a:ea typeface="DejaVu Sans"/>
               </a:rPr>
-              <a:t> Fernando Rodrigues (1613240)</a:t>
+              <a:t> </a:t>
             </a:r>
-            <a:endParaRPr lang="pt-BR" sz="3200" b="0" strike="noStrike" spc="-1">
+            <a:r>
+              <a:rPr b="0" lang="pt-BR" sz="3200" spc="-1" strike="noStrike">
+                <a:solidFill>
+                  <a:srgbClr val="000000"/>
+                </a:solidFill>
+                <a:uFill>
+                  <a:solidFill>
+                    <a:srgbClr val="ffffff"/>
+                  </a:solidFill>
+                </a:uFill>
+                <a:latin typeface="Calibri"/>
+                <a:ea typeface="DejaVu Sans"/>
+              </a:rPr>
+              <a:t>Fernando Rodrigues (1613240)</a:t>
+            </a:r>
+            <a:endParaRPr b="0" lang="pt-BR" sz="3200" spc="-1" strike="noStrike">
               <a:solidFill>
                 <a:srgbClr val="000000"/>
               </a:solidFill>
               <a:uFill>
                 <a:solidFill>
-                  <a:srgbClr val="FFFFFF"/>
+                  <a:srgbClr val="ffffff"/>
                 </a:solidFill>
               </a:uFill>
               <a:latin typeface="Arial"/>
             </a:endParaRPr>
           </a:p>
           <a:p>
-            <a:pPr>
+            <a:pPr marL="216000" indent="-215640">
               <a:lnSpc>
                 <a:spcPct val="100000"/>
               </a:lnSpc>
@@ -5285,26 +5094,42 @@
               <a:buChar char="-"/>
             </a:pPr>
             <a:r>
-              <a:rPr lang="pt-BR" sz="3200" b="0" strike="noStrike" spc="-1">
+              <a:rPr b="0" lang="pt-BR" sz="3200" spc="-1" strike="noStrike">
                 <a:solidFill>
                   <a:srgbClr val="000000"/>
                 </a:solidFill>
                 <a:uFill>
                   <a:solidFill>
-                    <a:srgbClr val="FFFFFF"/>
+                    <a:srgbClr val="ffffff"/>
                   </a:solidFill>
                 </a:uFill>
                 <a:latin typeface="Calibri"/>
+                <a:ea typeface="DejaVu Sans"/>
               </a:rPr>
-              <a:t> Isaura Martins (1413544)</a:t>
+              <a:t> </a:t>
             </a:r>
-            <a:endParaRPr lang="pt-BR" sz="3200" b="0" strike="noStrike" spc="-1">
+            <a:r>
+              <a:rPr b="0" lang="pt-BR" sz="3200" spc="-1" strike="noStrike">
+                <a:solidFill>
+                  <a:srgbClr val="000000"/>
+                </a:solidFill>
+                <a:uFill>
+                  <a:solidFill>
+                    <a:srgbClr val="ffffff"/>
+                  </a:solidFill>
+                </a:uFill>
+                <a:latin typeface="Calibri"/>
+                <a:ea typeface="DejaVu Sans"/>
+              </a:rPr>
+              <a:t>Isaura Martins (1413544)</a:t>
+            </a:r>
+            <a:endParaRPr b="0" lang="pt-BR" sz="3200" spc="-1" strike="noStrike">
               <a:solidFill>
                 <a:srgbClr val="000000"/>
               </a:solidFill>
               <a:uFill>
                 <a:solidFill>
-                  <a:srgbClr val="FFFFFF"/>
+                  <a:srgbClr val="ffffff"/>
                 </a:solidFill>
               </a:uFill>
               <a:latin typeface="Arial"/>
@@ -5314,14 +5139,14 @@
       </p:sp>
       <p:sp>
         <p:nvSpPr>
-          <p:cNvPr id="139" name="CustomShape 3"/>
+          <p:cNvPr id="178" name="CustomShape 3"/>
           <p:cNvSpPr/>
           <p:nvPr/>
         </p:nvSpPr>
         <p:spPr>
           <a:xfrm>
             <a:off x="100800" y="285840"/>
-            <a:ext cx="7399800" cy="999720"/>
+            <a:ext cx="7399080" cy="999000"/>
           </a:xfrm>
           <a:prstGeom prst="homePlate">
             <a:avLst>
@@ -5329,7 +5154,7 @@
             </a:avLst>
           </a:prstGeom>
           <a:solidFill>
-            <a:srgbClr val="06BA8F"/>
+            <a:srgbClr val="06ba8f"/>
           </a:solidFill>
           <a:ln>
             <a:round/>
@@ -5352,19 +5177,19 @@
       </p:sp>
       <p:pic>
         <p:nvPicPr>
-          <p:cNvPr id="140" name="Imagem 8"/>
+          <p:cNvPr id="179" name="Imagem 8" descr=""/>
           <p:cNvPicPr/>
           <p:nvPr/>
         </p:nvPicPr>
         <p:blipFill>
-          <a:blip r:embed="rId4"/>
-          <a:srcRect l="6879" r="6879"/>
+          <a:blip r:embed="rId3"/>
+          <a:srcRect l="6879" t="0" r="6879" b="0"/>
           <a:stretch/>
         </p:blipFill>
         <p:spPr>
           <a:xfrm>
             <a:off x="123120" y="142920"/>
-            <a:ext cx="1519560" cy="1285560"/>
+            <a:ext cx="1518840" cy="1284840"/>
           </a:xfrm>
           <a:prstGeom prst="rect">
             <a:avLst/>
@@ -5376,14 +5201,14 @@
       </p:pic>
       <p:sp>
         <p:nvSpPr>
-          <p:cNvPr id="141" name="CustomShape 4"/>
+          <p:cNvPr id="180" name="CustomShape 4"/>
           <p:cNvSpPr/>
           <p:nvPr/>
         </p:nvSpPr>
         <p:spPr>
           <a:xfrm>
             <a:off x="1428840" y="428760"/>
-            <a:ext cx="5643360" cy="713880"/>
+            <a:ext cx="5642640" cy="713160"/>
           </a:xfrm>
           <a:prstGeom prst="rect">
             <a:avLst/>
@@ -5394,22 +5219,15 @@
           </a:ln>
         </p:spPr>
         <p:style>
-          <a:lnRef idx="0">
-            <a:scrgbClr r="0" g="0" b="0"/>
-          </a:lnRef>
-          <a:fillRef idx="0">
-            <a:scrgbClr r="0" g="0" b="0"/>
-          </a:fillRef>
-          <a:effectRef idx="0">
-            <a:scrgbClr r="0" g="0" b="0"/>
-          </a:effectRef>
+          <a:lnRef idx="0"/>
+          <a:fillRef idx="0"/>
+          <a:effectRef idx="0"/>
           <a:fontRef idx="minor"/>
         </p:style>
         <p:txBody>
-          <a:bodyPr anchor="ctr">
-            <a:normAutofit lnSpcReduction="10000"/>
+          <a:bodyPr lIns="90000" rIns="90000" tIns="45000" bIns="45000" anchor="ctr">
+            <a:normAutofit/>
           </a:bodyPr>
-          <a:lstStyle/>
           <a:p>
             <a:pPr>
               <a:lnSpc>
@@ -5417,26 +5235,27 @@
               </a:lnSpc>
             </a:pPr>
             <a:r>
-              <a:rPr lang="pt-BR" sz="4400" b="1" strike="noStrike" spc="-1">
+              <a:rPr b="1" lang="pt-BR" sz="4400" spc="-1" strike="noStrike">
                 <a:solidFill>
                   <a:srgbClr val="000000"/>
                 </a:solidFill>
                 <a:uFill>
                   <a:solidFill>
-                    <a:srgbClr val="FFFFFF"/>
+                    <a:srgbClr val="ffffff"/>
                   </a:solidFill>
                 </a:uFill>
                 <a:latin typeface="Times New Roman"/>
+                <a:ea typeface="DejaVu Sans"/>
               </a:rPr>
               <a:t>Equipe</a:t>
             </a:r>
-            <a:endParaRPr lang="pt-BR" sz="4400" b="0" strike="noStrike" spc="-1">
+            <a:endParaRPr b="0" lang="pt-BR" sz="4400" spc="-1" strike="noStrike">
               <a:solidFill>
                 <a:srgbClr val="000000"/>
               </a:solidFill>
               <a:uFill>
                 <a:solidFill>
-                  <a:srgbClr val="FFFFFF"/>
+                  <a:srgbClr val="ffffff"/>
                 </a:solidFill>
               </a:uFill>
               <a:latin typeface="Arial"/>
@@ -5446,19 +5265,19 @@
       </p:sp>
       <p:pic>
         <p:nvPicPr>
-          <p:cNvPr id="142" name="Imagem 16"/>
+          <p:cNvPr id="181" name="Imagem 16" descr=""/>
           <p:cNvPicPr/>
           <p:nvPr/>
         </p:nvPicPr>
         <p:blipFill>
-          <a:blip r:embed="rId5"/>
+          <a:blip r:embed="rId4"/>
           <a:srcRect l="3124" t="69614" r="3124" b="8995"/>
           <a:stretch/>
         </p:blipFill>
         <p:spPr>
           <a:xfrm>
             <a:off x="1571760" y="5929200"/>
-            <a:ext cx="7514640" cy="856800"/>
+            <a:ext cx="7513920" cy="856080"/>
           </a:xfrm>
           <a:prstGeom prst="rect">
             <a:avLst/>
@@ -5470,25 +5289,22 @@
       </p:pic>
     </p:spTree>
   </p:cSld>
-  <p:clrMapOvr>
-    <a:masterClrMapping/>
-  </p:clrMapOvr>
   <p:timing>
     <p:tnLst>
       <p:par>
-        <p:cTn id="1" dur="indefinite" restart="never" nodeType="tmRoot">
+        <p:cTn id="31" dur="indefinite" restart="never" nodeType="tmRoot">
           <p:childTnLst>
             <p:seq>
-              <p:cTn id="2" nodeType="mainSeq"/>
+              <p:cTn id="32" nodeType="mainSeq"/>
               <p:prevCondLst>
-                <p:cond evt="onPrev" delay="0">
+                <p:cond delay="0" evt="onPrev">
                   <p:tgtEl>
                     <p:sldTgt/>
                   </p:tgtEl>
                 </p:cond>
               </p:prevCondLst>
               <p:nextCondLst>
-                <p:cond evt="onNext" delay="0">
+                <p:cond delay="0" evt="onNext">
                   <p:tgtEl>
                     <p:sldTgt/>
                   </p:tgtEl>
@@ -5504,7 +5320,7 @@
 </file>
 
 <file path=ppt/slides/slide2.xml><?xml version="1.0" encoding="utf-8"?>
-<p:sld xmlns:a="http://schemas.openxmlformats.org/drawingml/2006/main" xmlns:r="http://schemas.openxmlformats.org/officeDocument/2006/relationships" xmlns:p="http://schemas.openxmlformats.org/presentationml/2006/main">
+<p:sld xmlns:a="http://schemas.openxmlformats.org/drawingml/2006/main" xmlns:p="http://schemas.openxmlformats.org/presentationml/2006/main" xmlns:r="http://schemas.openxmlformats.org/officeDocument/2006/relationships" xmlns:p14="http://schemas.microsoft.com/office/powerpoint/2010/main" xmlns:p15="http://schemas.microsoft.com/office/powerpoint/2012/main" xmlns:mc="http://schemas.openxmlformats.org/markup-compatibility/2006">
   <p:cSld>
     <p:spTree>
       <p:nvGrpSpPr>
@@ -5522,7 +5338,30 @@
       </p:grpSpPr>
       <p:pic>
         <p:nvPicPr>
-          <p:cNvPr id="50" name="Picture 9"/>
+          <p:cNvPr id="47" name="Picture 9" descr=""/>
+          <p:cNvPicPr/>
+          <p:nvPr/>
+        </p:nvPicPr>
+        <p:blipFill>
+          <a:blip r:embed="rId1"/>
+          <a:stretch/>
+        </p:blipFill>
+        <p:spPr>
+          <a:xfrm>
+            <a:off x="7215120" y="0"/>
+            <a:ext cx="1927800" cy="2524680"/>
+          </a:xfrm>
+          <a:prstGeom prst="rect">
+            <a:avLst/>
+          </a:prstGeom>
+          <a:ln w="9360">
+            <a:noFill/>
+          </a:ln>
+        </p:spPr>
+      </p:pic>
+      <p:pic>
+        <p:nvPicPr>
+          <p:cNvPr id="48" name="Picture 9" descr=""/>
           <p:cNvPicPr/>
           <p:nvPr/>
         </p:nvPicPr>
@@ -5532,8 +5371,8 @@
         </p:blipFill>
         <p:spPr>
           <a:xfrm>
-            <a:off x="7215120" y="0"/>
-            <a:ext cx="1928520" cy="2525400"/>
+            <a:off x="0" y="4786200"/>
+            <a:ext cx="1570680" cy="2056320"/>
           </a:xfrm>
           <a:prstGeom prst="rect">
             <a:avLst/>
@@ -5543,39 +5382,16 @@
           </a:ln>
         </p:spPr>
       </p:pic>
-      <p:pic>
-        <p:nvPicPr>
-          <p:cNvPr id="51" name="Picture 9"/>
-          <p:cNvPicPr/>
-          <p:nvPr/>
-        </p:nvPicPr>
-        <p:blipFill>
-          <a:blip r:embed="rId3"/>
-          <a:stretch/>
-        </p:blipFill>
-        <p:spPr>
-          <a:xfrm>
-            <a:off x="0" y="4786200"/>
-            <a:ext cx="1571400" cy="2057040"/>
-          </a:xfrm>
-          <a:prstGeom prst="rect">
-            <a:avLst/>
-          </a:prstGeom>
-          <a:ln w="9360">
-            <a:noFill/>
-          </a:ln>
-        </p:spPr>
-      </p:pic>
-      <p:sp>
-        <p:nvSpPr>
-          <p:cNvPr id="52" name="CustomShape 1"/>
+      <p:sp>
+        <p:nvSpPr>
+          <p:cNvPr id="49" name="CustomShape 1"/>
           <p:cNvSpPr/>
           <p:nvPr/>
         </p:nvSpPr>
         <p:spPr>
           <a:xfrm>
             <a:off x="0" y="0"/>
-            <a:ext cx="9143640" cy="6857640"/>
+            <a:ext cx="9142920" cy="6856920"/>
           </a:xfrm>
           <a:prstGeom prst="rect">
             <a:avLst/>
@@ -5607,14 +5423,14 @@
       </p:sp>
       <p:sp>
         <p:nvSpPr>
-          <p:cNvPr id="53" name="TextShape 2"/>
-          <p:cNvSpPr txBox="1"/>
+          <p:cNvPr id="50" name="CustomShape 2"/>
+          <p:cNvSpPr/>
           <p:nvPr/>
         </p:nvSpPr>
         <p:spPr>
           <a:xfrm>
             <a:off x="142920" y="1785960"/>
-            <a:ext cx="7572240" cy="2928600"/>
+            <a:ext cx="7571520" cy="2927880"/>
           </a:xfrm>
           <a:prstGeom prst="rect">
             <a:avLst/>
@@ -5624,9 +5440,14 @@
             <a:noFill/>
           </a:ln>
         </p:spPr>
+        <p:style>
+          <a:lnRef idx="0"/>
+          <a:fillRef idx="0"/>
+          <a:effectRef idx="0"/>
+          <a:fontRef idx="minor"/>
+        </p:style>
         <p:txBody>
-          <a:bodyPr/>
-          <a:lstStyle/>
+          <a:bodyPr lIns="90000" rIns="90000" tIns="45000" bIns="45000"/>
           <a:p>
             <a:pPr algn="just">
               <a:lnSpc>
@@ -5637,32 +5458,44 @@
               </a:spcBef>
             </a:pPr>
             <a:r>
-              <a:rPr lang="pt-BR" sz="3200" b="0" strike="noStrike" spc="-1">
+              <a:rPr b="0" lang="pt-BR" sz="3200" spc="-1" strike="noStrike">
                 <a:solidFill>
                   <a:srgbClr val="000000"/>
                 </a:solidFill>
                 <a:uFill>
                   <a:solidFill>
-                    <a:srgbClr val="FFFFFF"/>
+                    <a:srgbClr val="ffffff"/>
                   </a:solidFill>
                 </a:uFill>
                 <a:latin typeface="Calibri"/>
+                <a:ea typeface="DejaVu Sans"/>
               </a:rPr>
               <a:t>Para qualquer lógica mais complexa, usamos dados computados:</a:t>
             </a:r>
+            <a:endParaRPr b="0" lang="pt-BR" sz="3200" spc="-1" strike="noStrike">
+              <a:solidFill>
+                <a:srgbClr val="000000"/>
+              </a:solidFill>
+              <a:uFill>
+                <a:solidFill>
+                  <a:srgbClr val="ffffff"/>
+                </a:solidFill>
+              </a:uFill>
+              <a:latin typeface="Arial"/>
+            </a:endParaRPr>
           </a:p>
         </p:txBody>
       </p:sp>
       <p:sp>
         <p:nvSpPr>
-          <p:cNvPr id="54" name="CustomShape 3"/>
+          <p:cNvPr id="51" name="CustomShape 3"/>
           <p:cNvSpPr/>
           <p:nvPr/>
         </p:nvSpPr>
         <p:spPr>
           <a:xfrm>
             <a:off x="100800" y="285840"/>
-            <a:ext cx="7399800" cy="999720"/>
+            <a:ext cx="7399080" cy="999000"/>
           </a:xfrm>
           <a:prstGeom prst="homePlate">
             <a:avLst>
@@ -5670,7 +5503,7 @@
             </a:avLst>
           </a:prstGeom>
           <a:solidFill>
-            <a:srgbClr val="06BA8F"/>
+            <a:srgbClr val="06ba8f"/>
           </a:solidFill>
           <a:ln>
             <a:round/>
@@ -5693,19 +5526,19 @@
       </p:sp>
       <p:pic>
         <p:nvPicPr>
-          <p:cNvPr id="55" name="Imagem 8"/>
+          <p:cNvPr id="52" name="Imagem 8" descr=""/>
           <p:cNvPicPr/>
           <p:nvPr/>
         </p:nvPicPr>
         <p:blipFill>
-          <a:blip r:embed="rId4"/>
-          <a:srcRect l="6879" r="6879"/>
+          <a:blip r:embed="rId3"/>
+          <a:srcRect l="6879" t="0" r="6879" b="0"/>
           <a:stretch/>
         </p:blipFill>
         <p:spPr>
           <a:xfrm>
             <a:off x="123120" y="142920"/>
-            <a:ext cx="1519560" cy="1285560"/>
+            <a:ext cx="1518840" cy="1284840"/>
           </a:xfrm>
           <a:prstGeom prst="rect">
             <a:avLst/>
@@ -5717,14 +5550,14 @@
       </p:pic>
       <p:sp>
         <p:nvSpPr>
-          <p:cNvPr id="56" name="CustomShape 4"/>
+          <p:cNvPr id="53" name="CustomShape 4"/>
           <p:cNvSpPr/>
           <p:nvPr/>
         </p:nvSpPr>
         <p:spPr>
           <a:xfrm>
             <a:off x="1428840" y="428760"/>
-            <a:ext cx="5643360" cy="713880"/>
+            <a:ext cx="5642640" cy="713160"/>
           </a:xfrm>
           <a:prstGeom prst="rect">
             <a:avLst/>
@@ -5735,22 +5568,15 @@
           </a:ln>
         </p:spPr>
         <p:style>
-          <a:lnRef idx="0">
-            <a:scrgbClr r="0" g="0" b="0"/>
-          </a:lnRef>
-          <a:fillRef idx="0">
-            <a:scrgbClr r="0" g="0" b="0"/>
-          </a:fillRef>
-          <a:effectRef idx="0">
-            <a:scrgbClr r="0" g="0" b="0"/>
-          </a:effectRef>
+          <a:lnRef idx="0"/>
+          <a:fillRef idx="0"/>
+          <a:effectRef idx="0"/>
           <a:fontRef idx="minor"/>
         </p:style>
         <p:txBody>
-          <a:bodyPr anchor="ctr">
-            <a:normAutofit lnSpcReduction="10000"/>
+          <a:bodyPr lIns="90000" rIns="90000" tIns="45000" bIns="45000" anchor="ctr">
+            <a:normAutofit/>
           </a:bodyPr>
-          <a:lstStyle/>
           <a:p>
             <a:pPr>
               <a:lnSpc>
@@ -5758,26 +5584,27 @@
               </a:lnSpc>
             </a:pPr>
             <a:r>
-              <a:rPr lang="pt-BR" sz="4400" b="1" strike="noStrike" spc="-1">
+              <a:rPr b="1" lang="pt-BR" sz="4400" spc="-1" strike="noStrike">
                 <a:solidFill>
                   <a:srgbClr val="000000"/>
                 </a:solidFill>
                 <a:uFill>
                   <a:solidFill>
-                    <a:srgbClr val="FFFFFF"/>
+                    <a:srgbClr val="ffffff"/>
                   </a:solidFill>
                 </a:uFill>
                 <a:latin typeface="Times New Roman"/>
+                <a:ea typeface="DejaVu Sans"/>
               </a:rPr>
               <a:t>Dados Computados</a:t>
             </a:r>
-            <a:endParaRPr lang="pt-BR" sz="4400" b="0" strike="noStrike" spc="-1">
+            <a:endParaRPr b="0" lang="pt-BR" sz="4400" spc="-1" strike="noStrike">
               <a:solidFill>
                 <a:srgbClr val="000000"/>
               </a:solidFill>
               <a:uFill>
                 <a:solidFill>
-                  <a:srgbClr val="FFFFFF"/>
+                  <a:srgbClr val="ffffff"/>
                 </a:solidFill>
               </a:uFill>
               <a:latin typeface="Arial"/>
@@ -5787,42 +5614,42 @@
       </p:sp>
       <p:pic>
         <p:nvPicPr>
-          <p:cNvPr id="57" name="Imagem 16"/>
+          <p:cNvPr id="54" name="Imagem 16" descr=""/>
+          <p:cNvPicPr/>
+          <p:nvPr/>
+        </p:nvPicPr>
+        <p:blipFill>
+          <a:blip r:embed="rId4"/>
+          <a:srcRect l="3124" t="69614" r="3124" b="8995"/>
+          <a:stretch/>
+        </p:blipFill>
+        <p:spPr>
+          <a:xfrm>
+            <a:off x="1571760" y="5929200"/>
+            <a:ext cx="7513920" cy="856080"/>
+          </a:xfrm>
+          <a:prstGeom prst="rect">
+            <a:avLst/>
+          </a:prstGeom>
+          <a:ln>
+            <a:noFill/>
+          </a:ln>
+        </p:spPr>
+      </p:pic>
+      <p:pic>
+        <p:nvPicPr>
+          <p:cNvPr id="55" name="Imagem 57" descr=""/>
           <p:cNvPicPr/>
           <p:nvPr/>
         </p:nvPicPr>
         <p:blipFill>
           <a:blip r:embed="rId5"/>
-          <a:srcRect l="3124" t="69614" r="3124" b="8995"/>
           <a:stretch/>
         </p:blipFill>
         <p:spPr>
           <a:xfrm>
-            <a:off x="1571760" y="5929200"/>
-            <a:ext cx="7514640" cy="856800"/>
-          </a:xfrm>
-          <a:prstGeom prst="rect">
-            <a:avLst/>
-          </a:prstGeom>
-          <a:ln>
-            <a:noFill/>
-          </a:ln>
-        </p:spPr>
-      </p:pic>
-      <p:pic>
-        <p:nvPicPr>
-          <p:cNvPr id="58" name="Imagem 57"/>
-          <p:cNvPicPr/>
-          <p:nvPr/>
-        </p:nvPicPr>
-        <p:blipFill>
-          <a:blip r:embed="rId6"/>
-          <a:stretch/>
-        </p:blipFill>
-        <p:spPr>
-          <a:xfrm>
             <a:off x="1224000" y="2808000"/>
-            <a:ext cx="6491160" cy="3026520"/>
+            <a:ext cx="6490440" cy="3025800"/>
           </a:xfrm>
           <a:prstGeom prst="rect">
             <a:avLst/>
@@ -5834,25 +5661,22 @@
       </p:pic>
     </p:spTree>
   </p:cSld>
-  <p:clrMapOvr>
-    <a:masterClrMapping/>
-  </p:clrMapOvr>
   <p:timing>
     <p:tnLst>
       <p:par>
-        <p:cTn id="1" dur="indefinite" restart="never" nodeType="tmRoot">
+        <p:cTn id="3" dur="indefinite" restart="never" nodeType="tmRoot">
           <p:childTnLst>
             <p:seq>
-              <p:cTn id="2" nodeType="mainSeq"/>
+              <p:cTn id="4" nodeType="mainSeq"/>
               <p:prevCondLst>
-                <p:cond evt="onPrev" delay="0">
+                <p:cond delay="0" evt="onPrev">
                   <p:tgtEl>
                     <p:sldTgt/>
                   </p:tgtEl>
                 </p:cond>
               </p:prevCondLst>
               <p:nextCondLst>
-                <p:cond evt="onNext" delay="0">
+                <p:cond delay="0" evt="onNext">
                   <p:tgtEl>
                     <p:sldTgt/>
                   </p:tgtEl>
@@ -5868,7 +5692,7 @@
 </file>
 
 <file path=ppt/slides/slide3.xml><?xml version="1.0" encoding="utf-8"?>
-<p:sld xmlns:a="http://schemas.openxmlformats.org/drawingml/2006/main" xmlns:r="http://schemas.openxmlformats.org/officeDocument/2006/relationships" xmlns:p="http://schemas.openxmlformats.org/presentationml/2006/main">
+<p:sld xmlns:a="http://schemas.openxmlformats.org/drawingml/2006/main" xmlns:p="http://schemas.openxmlformats.org/presentationml/2006/main" xmlns:r="http://schemas.openxmlformats.org/officeDocument/2006/relationships" xmlns:p14="http://schemas.microsoft.com/office/powerpoint/2010/main" xmlns:p15="http://schemas.microsoft.com/office/powerpoint/2012/main" xmlns:mc="http://schemas.openxmlformats.org/markup-compatibility/2006">
   <p:cSld>
     <p:spTree>
       <p:nvGrpSpPr>
@@ -5886,7 +5710,30 @@
       </p:grpSpPr>
       <p:pic>
         <p:nvPicPr>
-          <p:cNvPr id="59" name="Picture 9"/>
+          <p:cNvPr id="56" name="Picture 9" descr=""/>
+          <p:cNvPicPr/>
+          <p:nvPr/>
+        </p:nvPicPr>
+        <p:blipFill>
+          <a:blip r:embed="rId1"/>
+          <a:stretch/>
+        </p:blipFill>
+        <p:spPr>
+          <a:xfrm>
+            <a:off x="7215120" y="0"/>
+            <a:ext cx="1927800" cy="2524680"/>
+          </a:xfrm>
+          <a:prstGeom prst="rect">
+            <a:avLst/>
+          </a:prstGeom>
+          <a:ln w="9360">
+            <a:noFill/>
+          </a:ln>
+        </p:spPr>
+      </p:pic>
+      <p:pic>
+        <p:nvPicPr>
+          <p:cNvPr id="57" name="Picture 9" descr=""/>
           <p:cNvPicPr/>
           <p:nvPr/>
         </p:nvPicPr>
@@ -5896,8 +5743,8 @@
         </p:blipFill>
         <p:spPr>
           <a:xfrm>
-            <a:off x="7215120" y="0"/>
-            <a:ext cx="1928520" cy="2525400"/>
+            <a:off x="0" y="4786200"/>
+            <a:ext cx="1570680" cy="2056320"/>
           </a:xfrm>
           <a:prstGeom prst="rect">
             <a:avLst/>
@@ -5907,39 +5754,16 @@
           </a:ln>
         </p:spPr>
       </p:pic>
-      <p:pic>
-        <p:nvPicPr>
-          <p:cNvPr id="60" name="Picture 9"/>
-          <p:cNvPicPr/>
-          <p:nvPr/>
-        </p:nvPicPr>
-        <p:blipFill>
-          <a:blip r:embed="rId3"/>
-          <a:stretch/>
-        </p:blipFill>
-        <p:spPr>
-          <a:xfrm>
-            <a:off x="0" y="4786200"/>
-            <a:ext cx="1571400" cy="2057040"/>
-          </a:xfrm>
-          <a:prstGeom prst="rect">
-            <a:avLst/>
-          </a:prstGeom>
-          <a:ln w="9360">
-            <a:noFill/>
-          </a:ln>
-        </p:spPr>
-      </p:pic>
-      <p:sp>
-        <p:nvSpPr>
-          <p:cNvPr id="61" name="CustomShape 1"/>
+      <p:sp>
+        <p:nvSpPr>
+          <p:cNvPr id="58" name="CustomShape 1"/>
           <p:cNvSpPr/>
           <p:nvPr/>
         </p:nvSpPr>
         <p:spPr>
           <a:xfrm>
             <a:off x="0" y="0"/>
-            <a:ext cx="9143640" cy="6857640"/>
+            <a:ext cx="9142920" cy="6856920"/>
           </a:xfrm>
           <a:prstGeom prst="rect">
             <a:avLst/>
@@ -5971,14 +5795,14 @@
       </p:sp>
       <p:sp>
         <p:nvSpPr>
-          <p:cNvPr id="62" name="TextShape 2"/>
-          <p:cNvSpPr txBox="1"/>
+          <p:cNvPr id="59" name="CustomShape 2"/>
+          <p:cNvSpPr/>
           <p:nvPr/>
         </p:nvSpPr>
         <p:spPr>
           <a:xfrm>
             <a:off x="142920" y="1785960"/>
-            <a:ext cx="7572240" cy="2928600"/>
+            <a:ext cx="7571520" cy="2927880"/>
           </a:xfrm>
           <a:prstGeom prst="rect">
             <a:avLst/>
@@ -5988,9 +5812,14 @@
             <a:noFill/>
           </a:ln>
         </p:spPr>
+        <p:style>
+          <a:lnRef idx="0"/>
+          <a:fillRef idx="0"/>
+          <a:effectRef idx="0"/>
+          <a:fontRef idx="minor"/>
+        </p:style>
         <p:txBody>
-          <a:bodyPr/>
-          <a:lstStyle/>
+          <a:bodyPr lIns="90000" rIns="90000" tIns="45000" bIns="45000"/>
           <a:p>
             <a:pPr algn="just">
               <a:lnSpc>
@@ -6001,43 +5830,44 @@
               </a:spcBef>
             </a:pPr>
             <a:r>
-              <a:rPr lang="pt-BR" sz="3200" b="0" strike="noStrike" spc="-1">
+              <a:rPr b="0" lang="pt-BR" sz="3200" spc="-1" strike="noStrike">
                 <a:solidFill>
                   <a:srgbClr val="000000"/>
                 </a:solidFill>
                 <a:uFill>
                   <a:solidFill>
-                    <a:srgbClr val="FFFFFF"/>
+                    <a:srgbClr val="ffffff"/>
                   </a:solidFill>
                 </a:uFill>
                 <a:latin typeface="Calibri"/>
+                <a:ea typeface="DejaVu Sans"/>
               </a:rPr>
               <a:t>Aqui nós declaramos um dado computado denominado reversedMessage. A função que fornecemos será usada como uma função getter para a propriedade vm.reversedMessage:</a:t>
             </a:r>
-            <a:endParaRPr lang="pt-BR" sz="3200" b="0" strike="noStrike" spc="-1">
+            <a:endParaRPr b="0" lang="pt-BR" sz="3200" spc="-1" strike="noStrike">
               <a:solidFill>
-                <a:srgbClr val="800000"/>
+                <a:srgbClr val="000000"/>
               </a:solidFill>
               <a:uFill>
                 <a:solidFill>
-                  <a:srgbClr val="FFFFFF"/>
+                  <a:srgbClr val="ffffff"/>
                 </a:solidFill>
               </a:uFill>
-              <a:latin typeface="Calibri"/>
+              <a:latin typeface="Arial"/>
             </a:endParaRPr>
           </a:p>
         </p:txBody>
       </p:sp>
       <p:sp>
         <p:nvSpPr>
-          <p:cNvPr id="63" name="CustomShape 3"/>
+          <p:cNvPr id="60" name="CustomShape 3"/>
           <p:cNvSpPr/>
           <p:nvPr/>
         </p:nvSpPr>
         <p:spPr>
           <a:xfrm>
             <a:off x="100800" y="285840"/>
-            <a:ext cx="7399800" cy="999720"/>
+            <a:ext cx="7399080" cy="999000"/>
           </a:xfrm>
           <a:prstGeom prst="homePlate">
             <a:avLst>
@@ -6045,7 +5875,7 @@
             </a:avLst>
           </a:prstGeom>
           <a:solidFill>
-            <a:srgbClr val="06BA8F"/>
+            <a:srgbClr val="06ba8f"/>
           </a:solidFill>
           <a:ln>
             <a:round/>
@@ -6068,19 +5898,19 @@
       </p:sp>
       <p:pic>
         <p:nvPicPr>
-          <p:cNvPr id="64" name="Imagem 8"/>
+          <p:cNvPr id="61" name="Imagem 8" descr=""/>
           <p:cNvPicPr/>
           <p:nvPr/>
         </p:nvPicPr>
         <p:blipFill>
-          <a:blip r:embed="rId4"/>
-          <a:srcRect l="6879" r="6879"/>
+          <a:blip r:embed="rId3"/>
+          <a:srcRect l="6879" t="0" r="6879" b="0"/>
           <a:stretch/>
         </p:blipFill>
         <p:spPr>
           <a:xfrm>
             <a:off x="123120" y="142920"/>
-            <a:ext cx="1519560" cy="1285560"/>
+            <a:ext cx="1518840" cy="1284840"/>
           </a:xfrm>
           <a:prstGeom prst="rect">
             <a:avLst/>
@@ -6092,14 +5922,14 @@
       </p:pic>
       <p:sp>
         <p:nvSpPr>
-          <p:cNvPr id="65" name="CustomShape 4"/>
+          <p:cNvPr id="62" name="CustomShape 4"/>
           <p:cNvSpPr/>
           <p:nvPr/>
         </p:nvSpPr>
         <p:spPr>
           <a:xfrm>
             <a:off x="1428840" y="428760"/>
-            <a:ext cx="5643360" cy="713880"/>
+            <a:ext cx="5642640" cy="713160"/>
           </a:xfrm>
           <a:prstGeom prst="rect">
             <a:avLst/>
@@ -6110,22 +5940,15 @@
           </a:ln>
         </p:spPr>
         <p:style>
-          <a:lnRef idx="0">
-            <a:scrgbClr r="0" g="0" b="0"/>
-          </a:lnRef>
-          <a:fillRef idx="0">
-            <a:scrgbClr r="0" g="0" b="0"/>
-          </a:fillRef>
-          <a:effectRef idx="0">
-            <a:scrgbClr r="0" g="0" b="0"/>
-          </a:effectRef>
+          <a:lnRef idx="0"/>
+          <a:fillRef idx="0"/>
+          <a:effectRef idx="0"/>
           <a:fontRef idx="minor"/>
         </p:style>
         <p:txBody>
-          <a:bodyPr anchor="ctr">
-            <a:normAutofit lnSpcReduction="10000"/>
+          <a:bodyPr lIns="90000" rIns="90000" tIns="45000" bIns="45000" anchor="ctr">
+            <a:normAutofit/>
           </a:bodyPr>
-          <a:lstStyle/>
           <a:p>
             <a:pPr>
               <a:lnSpc>
@@ -6133,26 +5956,27 @@
               </a:lnSpc>
             </a:pPr>
             <a:r>
-              <a:rPr lang="pt-BR" sz="4400" b="1" strike="noStrike" spc="-1">
+              <a:rPr b="1" lang="pt-BR" sz="4400" spc="-1" strike="noStrike">
                 <a:solidFill>
                   <a:srgbClr val="000000"/>
                 </a:solidFill>
                 <a:uFill>
                   <a:solidFill>
-                    <a:srgbClr val="FFFFFF"/>
+                    <a:srgbClr val="ffffff"/>
                   </a:solidFill>
                 </a:uFill>
                 <a:latin typeface="Times New Roman"/>
+                <a:ea typeface="DejaVu Sans"/>
               </a:rPr>
               <a:t>Dados Computados</a:t>
             </a:r>
-            <a:endParaRPr lang="pt-BR" sz="4400" b="0" strike="noStrike" spc="-1">
+            <a:endParaRPr b="0" lang="pt-BR" sz="4400" spc="-1" strike="noStrike">
               <a:solidFill>
                 <a:srgbClr val="000000"/>
               </a:solidFill>
               <a:uFill>
                 <a:solidFill>
-                  <a:srgbClr val="FFFFFF"/>
+                  <a:srgbClr val="ffffff"/>
                 </a:solidFill>
               </a:uFill>
               <a:latin typeface="Arial"/>
@@ -6162,42 +5986,42 @@
       </p:sp>
       <p:pic>
         <p:nvPicPr>
-          <p:cNvPr id="66" name="Imagem 16"/>
+          <p:cNvPr id="63" name="Imagem 16" descr=""/>
+          <p:cNvPicPr/>
+          <p:nvPr/>
+        </p:nvPicPr>
+        <p:blipFill>
+          <a:blip r:embed="rId4"/>
+          <a:srcRect l="3124" t="69614" r="3124" b="8995"/>
+          <a:stretch/>
+        </p:blipFill>
+        <p:spPr>
+          <a:xfrm>
+            <a:off x="1571760" y="5929200"/>
+            <a:ext cx="7513920" cy="856080"/>
+          </a:xfrm>
+          <a:prstGeom prst="rect">
+            <a:avLst/>
+          </a:prstGeom>
+          <a:ln>
+            <a:noFill/>
+          </a:ln>
+        </p:spPr>
+      </p:pic>
+      <p:pic>
+        <p:nvPicPr>
+          <p:cNvPr id="64" name="Imagem 66" descr=""/>
           <p:cNvPicPr/>
           <p:nvPr/>
         </p:nvPicPr>
         <p:blipFill>
           <a:blip r:embed="rId5"/>
-          <a:srcRect l="3124" t="69614" r="3124" b="8995"/>
           <a:stretch/>
         </p:blipFill>
         <p:spPr>
           <a:xfrm>
-            <a:off x="1571760" y="5929200"/>
-            <a:ext cx="7514640" cy="856800"/>
-          </a:xfrm>
-          <a:prstGeom prst="rect">
-            <a:avLst/>
-          </a:prstGeom>
-          <a:ln>
-            <a:noFill/>
-          </a:ln>
-        </p:spPr>
-      </p:pic>
-      <p:pic>
-        <p:nvPicPr>
-          <p:cNvPr id="67" name="Imagem 66"/>
-          <p:cNvPicPr/>
-          <p:nvPr/>
-        </p:nvPicPr>
-        <p:blipFill>
-          <a:blip r:embed="rId6"/>
-          <a:stretch/>
-        </p:blipFill>
-        <p:spPr>
-          <a:xfrm>
             <a:off x="1296000" y="4320000"/>
-            <a:ext cx="6264000" cy="1368000"/>
+            <a:ext cx="6263280" cy="1367280"/>
           </a:xfrm>
           <a:prstGeom prst="rect">
             <a:avLst/>
@@ -6209,25 +6033,22 @@
       </p:pic>
     </p:spTree>
   </p:cSld>
-  <p:clrMapOvr>
-    <a:masterClrMapping/>
-  </p:clrMapOvr>
   <p:timing>
     <p:tnLst>
       <p:par>
-        <p:cTn id="1" dur="indefinite" restart="never" nodeType="tmRoot">
+        <p:cTn id="5" dur="indefinite" restart="never" nodeType="tmRoot">
           <p:childTnLst>
             <p:seq>
-              <p:cTn id="2" nodeType="mainSeq"/>
+              <p:cTn id="6" nodeType="mainSeq"/>
               <p:prevCondLst>
-                <p:cond evt="onPrev" delay="0">
+                <p:cond delay="0" evt="onPrev">
                   <p:tgtEl>
                     <p:sldTgt/>
                   </p:tgtEl>
                 </p:cond>
               </p:prevCondLst>
               <p:nextCondLst>
-                <p:cond evt="onNext" delay="0">
+                <p:cond delay="0" evt="onNext">
                   <p:tgtEl>
                     <p:sldTgt/>
                   </p:tgtEl>
@@ -6243,7 +6064,7 @@
 </file>
 
 <file path=ppt/slides/slide4.xml><?xml version="1.0" encoding="utf-8"?>
-<p:sld xmlns:a="http://schemas.openxmlformats.org/drawingml/2006/main" xmlns:r="http://schemas.openxmlformats.org/officeDocument/2006/relationships" xmlns:p="http://schemas.openxmlformats.org/presentationml/2006/main">
+<p:sld xmlns:a="http://schemas.openxmlformats.org/drawingml/2006/main" xmlns:p="http://schemas.openxmlformats.org/presentationml/2006/main" xmlns:r="http://schemas.openxmlformats.org/officeDocument/2006/relationships" xmlns:p14="http://schemas.microsoft.com/office/powerpoint/2010/main" xmlns:p15="http://schemas.microsoft.com/office/powerpoint/2012/main" xmlns:mc="http://schemas.openxmlformats.org/markup-compatibility/2006">
   <p:cSld>
     <p:spTree>
       <p:nvGrpSpPr>
@@ -6261,7 +6082,30 @@
       </p:grpSpPr>
       <p:pic>
         <p:nvPicPr>
-          <p:cNvPr id="86" name="Picture 9"/>
+          <p:cNvPr id="65" name="Picture 9" descr=""/>
+          <p:cNvPicPr/>
+          <p:nvPr/>
+        </p:nvPicPr>
+        <p:blipFill>
+          <a:blip r:embed="rId1"/>
+          <a:stretch/>
+        </p:blipFill>
+        <p:spPr>
+          <a:xfrm>
+            <a:off x="7215120" y="0"/>
+            <a:ext cx="1927800" cy="2524680"/>
+          </a:xfrm>
+          <a:prstGeom prst="rect">
+            <a:avLst/>
+          </a:prstGeom>
+          <a:ln w="9360">
+            <a:noFill/>
+          </a:ln>
+        </p:spPr>
+      </p:pic>
+      <p:pic>
+        <p:nvPicPr>
+          <p:cNvPr id="66" name="Picture 9" descr=""/>
           <p:cNvPicPr/>
           <p:nvPr/>
         </p:nvPicPr>
@@ -6271,8 +6115,8 @@
         </p:blipFill>
         <p:spPr>
           <a:xfrm>
-            <a:off x="7215120" y="0"/>
-            <a:ext cx="1928520" cy="2525400"/>
+            <a:off x="0" y="4786200"/>
+            <a:ext cx="1570680" cy="2056320"/>
           </a:xfrm>
           <a:prstGeom prst="rect">
             <a:avLst/>
@@ -6282,39 +6126,16 @@
           </a:ln>
         </p:spPr>
       </p:pic>
-      <p:pic>
-        <p:nvPicPr>
-          <p:cNvPr id="87" name="Picture 9"/>
-          <p:cNvPicPr/>
-          <p:nvPr/>
-        </p:nvPicPr>
-        <p:blipFill>
-          <a:blip r:embed="rId3"/>
-          <a:stretch/>
-        </p:blipFill>
-        <p:spPr>
-          <a:xfrm>
-            <a:off x="0" y="4786200"/>
-            <a:ext cx="1571400" cy="2057040"/>
-          </a:xfrm>
-          <a:prstGeom prst="rect">
-            <a:avLst/>
-          </a:prstGeom>
-          <a:ln w="9360">
-            <a:noFill/>
-          </a:ln>
-        </p:spPr>
-      </p:pic>
-      <p:sp>
-        <p:nvSpPr>
-          <p:cNvPr id="88" name="CustomShape 1"/>
+      <p:sp>
+        <p:nvSpPr>
+          <p:cNvPr id="67" name="CustomShape 1"/>
           <p:cNvSpPr/>
           <p:nvPr/>
         </p:nvSpPr>
         <p:spPr>
           <a:xfrm>
             <a:off x="0" y="0"/>
-            <a:ext cx="9143640" cy="6857640"/>
+            <a:ext cx="9142920" cy="6856920"/>
           </a:xfrm>
           <a:prstGeom prst="rect">
             <a:avLst/>
@@ -6346,14 +6167,14 @@
       </p:sp>
       <p:sp>
         <p:nvSpPr>
-          <p:cNvPr id="89" name="TextShape 2"/>
-          <p:cNvSpPr txBox="1"/>
+          <p:cNvPr id="68" name="CustomShape 2"/>
+          <p:cNvSpPr/>
           <p:nvPr/>
         </p:nvSpPr>
         <p:spPr>
           <a:xfrm>
             <a:off x="252000" y="1497960"/>
-            <a:ext cx="7560000" cy="3542040"/>
+            <a:ext cx="7559280" cy="3541320"/>
           </a:xfrm>
           <a:prstGeom prst="rect">
             <a:avLst/>
@@ -6363,9 +6184,14 @@
             <a:noFill/>
           </a:ln>
         </p:spPr>
+        <p:style>
+          <a:lnRef idx="0"/>
+          <a:fillRef idx="0"/>
+          <a:effectRef idx="0"/>
+          <a:fontRef idx="minor"/>
+        </p:style>
         <p:txBody>
-          <a:bodyPr/>
-          <a:lstStyle/>
+          <a:bodyPr lIns="90000" rIns="90000" tIns="45000" bIns="45000"/>
           <a:p>
             <a:pPr algn="just">
               <a:lnSpc>
@@ -6376,99 +6202,44 @@
               </a:spcBef>
             </a:pPr>
             <a:r>
-              <a:rPr lang="pt-BR" sz="3200" b="0" strike="noStrike" spc="-1" dirty="0">
+              <a:rPr b="0" lang="pt-BR" sz="3200" spc="-1" strike="noStrike">
                 <a:solidFill>
                   <a:srgbClr val="000000"/>
                 </a:solidFill>
                 <a:uFill>
                   <a:solidFill>
-                    <a:srgbClr val="FFFFFF"/>
+                    <a:srgbClr val="ffffff"/>
                   </a:solidFill>
                 </a:uFill>
                 <a:latin typeface="Calibri"/>
+                <a:ea typeface="DejaVu Sans"/>
               </a:rPr>
-              <a:t>São por padrão </a:t>
+              <a:t>São por padrão getter-only (somente retornam valor), mas é possível fornecer um setter se precisar dele:</a:t>
             </a:r>
-            <a:r>
-              <a:rPr lang="pt-BR" sz="3200" b="0" strike="noStrike" spc="-1" dirty="0" err="1">
-                <a:solidFill>
-                  <a:srgbClr val="000000"/>
-                </a:solidFill>
-                <a:uFill>
-                  <a:solidFill>
-                    <a:srgbClr val="FFFFFF"/>
-                  </a:solidFill>
-                </a:uFill>
-                <a:latin typeface="Calibri"/>
-              </a:rPr>
-              <a:t>getter-only</a:t>
-            </a:r>
-            <a:r>
-              <a:rPr lang="pt-BR" sz="3200" b="0" strike="noStrike" spc="-1" dirty="0">
-                <a:solidFill>
-                  <a:srgbClr val="000000"/>
-                </a:solidFill>
-                <a:uFill>
-                  <a:solidFill>
-                    <a:srgbClr val="FFFFFF"/>
-                  </a:solidFill>
-                </a:uFill>
-                <a:latin typeface="Calibri"/>
-              </a:rPr>
-              <a:t> (somente retornam valor), mas é possível fornecer um </a:t>
-            </a:r>
-            <a:r>
-              <a:rPr lang="pt-BR" sz="3200" b="0" strike="noStrike" spc="-1" dirty="0" err="1">
-                <a:solidFill>
-                  <a:srgbClr val="000000"/>
-                </a:solidFill>
-                <a:uFill>
-                  <a:solidFill>
-                    <a:srgbClr val="FFFFFF"/>
-                  </a:solidFill>
-                </a:uFill>
-                <a:latin typeface="Calibri"/>
-              </a:rPr>
-              <a:t>setter</a:t>
-            </a:r>
-            <a:r>
-              <a:rPr lang="pt-BR" sz="3200" b="0" strike="noStrike" spc="-1" dirty="0">
-                <a:solidFill>
-                  <a:srgbClr val="000000"/>
-                </a:solidFill>
-                <a:uFill>
-                  <a:solidFill>
-                    <a:srgbClr val="FFFFFF"/>
-                  </a:solidFill>
-                </a:uFill>
-                <a:latin typeface="Calibri"/>
-              </a:rPr>
-              <a:t> se precisar dele:</a:t>
-            </a:r>
-            <a:endParaRPr lang="pt-BR" sz="3200" b="0" strike="noStrike" spc="-1" dirty="0">
+            <a:endParaRPr b="0" lang="pt-BR" sz="3200" spc="-1" strike="noStrike">
               <a:solidFill>
-                <a:srgbClr val="800000"/>
+                <a:srgbClr val="000000"/>
               </a:solidFill>
               <a:uFill>
                 <a:solidFill>
-                  <a:srgbClr val="FFFFFF"/>
+                  <a:srgbClr val="ffffff"/>
                 </a:solidFill>
               </a:uFill>
-              <a:latin typeface="Calibri"/>
+              <a:latin typeface="Arial"/>
             </a:endParaRPr>
           </a:p>
         </p:txBody>
       </p:sp>
       <p:sp>
         <p:nvSpPr>
-          <p:cNvPr id="90" name="CustomShape 3"/>
+          <p:cNvPr id="69" name="CustomShape 3"/>
           <p:cNvSpPr/>
           <p:nvPr/>
         </p:nvSpPr>
         <p:spPr>
           <a:xfrm>
             <a:off x="100800" y="285840"/>
-            <a:ext cx="7399800" cy="999720"/>
+            <a:ext cx="7399080" cy="999000"/>
           </a:xfrm>
           <a:prstGeom prst="homePlate">
             <a:avLst>
@@ -6476,7 +6247,7 @@
             </a:avLst>
           </a:prstGeom>
           <a:solidFill>
-            <a:srgbClr val="06BA8F"/>
+            <a:srgbClr val="06ba8f"/>
           </a:solidFill>
           <a:ln>
             <a:round/>
@@ -6499,19 +6270,19 @@
       </p:sp>
       <p:pic>
         <p:nvPicPr>
-          <p:cNvPr id="91" name="Imagem 8"/>
+          <p:cNvPr id="70" name="Imagem 8" descr=""/>
           <p:cNvPicPr/>
           <p:nvPr/>
         </p:nvPicPr>
         <p:blipFill>
-          <a:blip r:embed="rId4"/>
-          <a:srcRect l="6879" r="6879"/>
+          <a:blip r:embed="rId3"/>
+          <a:srcRect l="6879" t="0" r="6879" b="0"/>
           <a:stretch/>
         </p:blipFill>
         <p:spPr>
           <a:xfrm>
             <a:off x="123120" y="142920"/>
-            <a:ext cx="1519560" cy="1285560"/>
+            <a:ext cx="1518840" cy="1284840"/>
           </a:xfrm>
           <a:prstGeom prst="rect">
             <a:avLst/>
@@ -6523,14 +6294,14 @@
       </p:pic>
       <p:sp>
         <p:nvSpPr>
-          <p:cNvPr id="92" name="CustomShape 4"/>
+          <p:cNvPr id="71" name="CustomShape 4"/>
           <p:cNvSpPr/>
           <p:nvPr/>
         </p:nvSpPr>
         <p:spPr>
           <a:xfrm>
             <a:off x="1428840" y="428760"/>
-            <a:ext cx="5643360" cy="713880"/>
+            <a:ext cx="5642640" cy="713160"/>
           </a:xfrm>
           <a:prstGeom prst="rect">
             <a:avLst/>
@@ -6541,22 +6312,15 @@
           </a:ln>
         </p:spPr>
         <p:style>
-          <a:lnRef idx="0">
-            <a:scrgbClr r="0" g="0" b="0"/>
-          </a:lnRef>
-          <a:fillRef idx="0">
-            <a:scrgbClr r="0" g="0" b="0"/>
-          </a:fillRef>
-          <a:effectRef idx="0">
-            <a:scrgbClr r="0" g="0" b="0"/>
-          </a:effectRef>
+          <a:lnRef idx="0"/>
+          <a:fillRef idx="0"/>
+          <a:effectRef idx="0"/>
           <a:fontRef idx="minor"/>
         </p:style>
         <p:txBody>
-          <a:bodyPr anchor="ctr">
-            <a:normAutofit fontScale="85000" lnSpcReduction="10000"/>
+          <a:bodyPr lIns="90000" rIns="90000" tIns="45000" bIns="45000" anchor="ctr">
+            <a:normAutofit/>
           </a:bodyPr>
-          <a:lstStyle/>
           <a:p>
             <a:pPr>
               <a:lnSpc>
@@ -6564,26 +6328,27 @@
               </a:lnSpc>
             </a:pPr>
             <a:r>
-              <a:rPr lang="pt-BR" sz="4400" b="1" strike="noStrike" spc="-1">
+              <a:rPr b="1" lang="pt-BR" sz="4400" spc="-1" strike="noStrike">
                 <a:solidFill>
                   <a:srgbClr val="000000"/>
                 </a:solidFill>
                 <a:uFill>
                   <a:solidFill>
-                    <a:srgbClr val="FFFFFF"/>
+                    <a:srgbClr val="ffffff"/>
                   </a:solidFill>
                 </a:uFill>
                 <a:latin typeface="Times New Roman"/>
+                <a:ea typeface="DejaVu Sans"/>
               </a:rPr>
               <a:t>Atribuição em Computed</a:t>
             </a:r>
-            <a:endParaRPr lang="pt-BR" sz="4400" b="0" strike="noStrike" spc="-1">
+            <a:endParaRPr b="0" lang="pt-BR" sz="4400" spc="-1" strike="noStrike">
               <a:solidFill>
                 <a:srgbClr val="000000"/>
               </a:solidFill>
               <a:uFill>
                 <a:solidFill>
-                  <a:srgbClr val="FFFFFF"/>
+                  <a:srgbClr val="ffffff"/>
                 </a:solidFill>
               </a:uFill>
               <a:latin typeface="Arial"/>
@@ -6593,42 +6358,42 @@
       </p:sp>
       <p:pic>
         <p:nvPicPr>
-          <p:cNvPr id="93" name="Imagem 16"/>
+          <p:cNvPr id="72" name="Imagem 16" descr=""/>
+          <p:cNvPicPr/>
+          <p:nvPr/>
+        </p:nvPicPr>
+        <p:blipFill>
+          <a:blip r:embed="rId4"/>
+          <a:srcRect l="3124" t="69614" r="3124" b="8995"/>
+          <a:stretch/>
+        </p:blipFill>
+        <p:spPr>
+          <a:xfrm>
+            <a:off x="1571760" y="5929200"/>
+            <a:ext cx="7513920" cy="856080"/>
+          </a:xfrm>
+          <a:prstGeom prst="rect">
+            <a:avLst/>
+          </a:prstGeom>
+          <a:ln>
+            <a:noFill/>
+          </a:ln>
+        </p:spPr>
+      </p:pic>
+      <p:pic>
+        <p:nvPicPr>
+          <p:cNvPr id="73" name="Imagem 93" descr=""/>
           <p:cNvPicPr/>
           <p:nvPr/>
         </p:nvPicPr>
         <p:blipFill>
           <a:blip r:embed="rId5"/>
-          <a:srcRect l="3124" t="69614" r="3124" b="8995"/>
           <a:stretch/>
         </p:blipFill>
         <p:spPr>
           <a:xfrm>
-            <a:off x="1571760" y="5929200"/>
-            <a:ext cx="7514640" cy="856800"/>
-          </a:xfrm>
-          <a:prstGeom prst="rect">
-            <a:avLst/>
-          </a:prstGeom>
-          <a:ln>
-            <a:noFill/>
-          </a:ln>
-        </p:spPr>
-      </p:pic>
-      <p:pic>
-        <p:nvPicPr>
-          <p:cNvPr id="94" name="Imagem 93"/>
-          <p:cNvPicPr/>
-          <p:nvPr/>
-        </p:nvPicPr>
-        <p:blipFill>
-          <a:blip r:embed="rId6"/>
-          <a:stretch/>
-        </p:blipFill>
-        <p:spPr>
-          <a:xfrm>
             <a:off x="1245960" y="2958120"/>
-            <a:ext cx="6458040" cy="3161880"/>
+            <a:ext cx="6457320" cy="3161160"/>
           </a:xfrm>
           <a:prstGeom prst="rect">
             <a:avLst/>
@@ -6640,25 +6405,22 @@
       </p:pic>
     </p:spTree>
   </p:cSld>
-  <p:clrMapOvr>
-    <a:masterClrMapping/>
-  </p:clrMapOvr>
   <p:timing>
     <p:tnLst>
       <p:par>
-        <p:cTn id="1" dur="indefinite" restart="never" nodeType="tmRoot">
+        <p:cTn id="7" dur="indefinite" restart="never" nodeType="tmRoot">
           <p:childTnLst>
             <p:seq>
-              <p:cTn id="2" nodeType="mainSeq"/>
+              <p:cTn id="8" nodeType="mainSeq"/>
               <p:prevCondLst>
-                <p:cond evt="onPrev" delay="0">
+                <p:cond delay="0" evt="onPrev">
                   <p:tgtEl>
                     <p:sldTgt/>
                   </p:tgtEl>
                 </p:cond>
               </p:prevCondLst>
               <p:nextCondLst>
-                <p:cond evt="onNext" delay="0">
+                <p:cond delay="0" evt="onNext">
                   <p:tgtEl>
                     <p:sldTgt/>
                   </p:tgtEl>
@@ -6674,7 +6436,7 @@
 </file>
 
 <file path=ppt/slides/slide5.xml><?xml version="1.0" encoding="utf-8"?>
-<p:sld xmlns:a="http://schemas.openxmlformats.org/drawingml/2006/main" xmlns:r="http://schemas.openxmlformats.org/officeDocument/2006/relationships" xmlns:p="http://schemas.openxmlformats.org/presentationml/2006/main">
+<p:sld xmlns:a="http://schemas.openxmlformats.org/drawingml/2006/main" xmlns:p="http://schemas.openxmlformats.org/presentationml/2006/main" xmlns:r="http://schemas.openxmlformats.org/officeDocument/2006/relationships" xmlns:p14="http://schemas.microsoft.com/office/powerpoint/2010/main" xmlns:p15="http://schemas.microsoft.com/office/powerpoint/2012/main" xmlns:mc="http://schemas.openxmlformats.org/markup-compatibility/2006">
   <p:cSld>
     <p:spTree>
       <p:nvGrpSpPr>
@@ -6692,7 +6454,30 @@
       </p:grpSpPr>
       <p:pic>
         <p:nvPicPr>
-          <p:cNvPr id="95" name="Picture 9"/>
+          <p:cNvPr id="74" name="Picture 9" descr=""/>
+          <p:cNvPicPr/>
+          <p:nvPr/>
+        </p:nvPicPr>
+        <p:blipFill>
+          <a:blip r:embed="rId1"/>
+          <a:stretch/>
+        </p:blipFill>
+        <p:spPr>
+          <a:xfrm>
+            <a:off x="7215120" y="0"/>
+            <a:ext cx="1927800" cy="2524680"/>
+          </a:xfrm>
+          <a:prstGeom prst="rect">
+            <a:avLst/>
+          </a:prstGeom>
+          <a:ln w="9360">
+            <a:noFill/>
+          </a:ln>
+        </p:spPr>
+      </p:pic>
+      <p:pic>
+        <p:nvPicPr>
+          <p:cNvPr id="75" name="Picture 9" descr=""/>
           <p:cNvPicPr/>
           <p:nvPr/>
         </p:nvPicPr>
@@ -6702,8 +6487,8 @@
         </p:blipFill>
         <p:spPr>
           <a:xfrm>
-            <a:off x="7215120" y="0"/>
-            <a:ext cx="1928520" cy="2525400"/>
+            <a:off x="0" y="4786200"/>
+            <a:ext cx="1570680" cy="2056320"/>
           </a:xfrm>
           <a:prstGeom prst="rect">
             <a:avLst/>
@@ -6713,39 +6498,16 @@
           </a:ln>
         </p:spPr>
       </p:pic>
-      <p:pic>
-        <p:nvPicPr>
-          <p:cNvPr id="96" name="Picture 9"/>
-          <p:cNvPicPr/>
-          <p:nvPr/>
-        </p:nvPicPr>
-        <p:blipFill>
-          <a:blip r:embed="rId3"/>
-          <a:stretch/>
-        </p:blipFill>
-        <p:spPr>
-          <a:xfrm>
-            <a:off x="0" y="4786200"/>
-            <a:ext cx="1571400" cy="2057040"/>
-          </a:xfrm>
-          <a:prstGeom prst="rect">
-            <a:avLst/>
-          </a:prstGeom>
-          <a:ln w="9360">
-            <a:noFill/>
-          </a:ln>
-        </p:spPr>
-      </p:pic>
-      <p:sp>
-        <p:nvSpPr>
-          <p:cNvPr id="97" name="CustomShape 1"/>
+      <p:sp>
+        <p:nvSpPr>
+          <p:cNvPr id="76" name="CustomShape 1"/>
           <p:cNvSpPr/>
           <p:nvPr/>
         </p:nvSpPr>
         <p:spPr>
           <a:xfrm>
             <a:off x="0" y="0"/>
-            <a:ext cx="9143640" cy="6857640"/>
+            <a:ext cx="9142920" cy="6856920"/>
           </a:xfrm>
           <a:prstGeom prst="rect">
             <a:avLst/>
@@ -6777,14 +6539,14 @@
       </p:sp>
       <p:sp>
         <p:nvSpPr>
-          <p:cNvPr id="98" name="TextShape 2"/>
-          <p:cNvSpPr txBox="1"/>
+          <p:cNvPr id="77" name="CustomShape 2"/>
+          <p:cNvSpPr/>
           <p:nvPr/>
         </p:nvSpPr>
         <p:spPr>
           <a:xfrm>
             <a:off x="142920" y="1785960"/>
-            <a:ext cx="7572240" cy="2928600"/>
+            <a:ext cx="7571520" cy="2927880"/>
           </a:xfrm>
           <a:prstGeom prst="rect">
             <a:avLst/>
@@ -6794,35 +6556,23 @@
             <a:noFill/>
           </a:ln>
         </p:spPr>
-        <p:txBody>
-          <a:bodyPr/>
-          <a:lstStyle/>
-          <a:p>
-            <a:pPr algn="ctr"/>
-            <a:endParaRPr lang="pt-BR" sz="3200" b="0" strike="noStrike" spc="-1">
-              <a:solidFill>
-                <a:srgbClr val="000000"/>
-              </a:solidFill>
-              <a:uFill>
-                <a:solidFill>
-                  <a:srgbClr val="FFFFFF"/>
-                </a:solidFill>
-              </a:uFill>
-              <a:latin typeface="Arial"/>
-            </a:endParaRPr>
-          </a:p>
-        </p:txBody>
-      </p:sp>
-      <p:sp>
-        <p:nvSpPr>
-          <p:cNvPr id="99" name="CustomShape 3"/>
+        <p:style>
+          <a:lnRef idx="0"/>
+          <a:fillRef idx="0"/>
+          <a:effectRef idx="0"/>
+          <a:fontRef idx="minor"/>
+        </p:style>
+      </p:sp>
+      <p:sp>
+        <p:nvSpPr>
+          <p:cNvPr id="78" name="CustomShape 3"/>
           <p:cNvSpPr/>
           <p:nvPr/>
         </p:nvSpPr>
         <p:spPr>
           <a:xfrm>
             <a:off x="100800" y="285840"/>
-            <a:ext cx="7399800" cy="999720"/>
+            <a:ext cx="7399080" cy="999000"/>
           </a:xfrm>
           <a:prstGeom prst="homePlate">
             <a:avLst>
@@ -6830,7 +6580,7 @@
             </a:avLst>
           </a:prstGeom>
           <a:solidFill>
-            <a:srgbClr val="06BA8F"/>
+            <a:srgbClr val="06ba8f"/>
           </a:solidFill>
           <a:ln>
             <a:round/>
@@ -6853,19 +6603,19 @@
       </p:sp>
       <p:pic>
         <p:nvPicPr>
-          <p:cNvPr id="100" name="Imagem 8"/>
+          <p:cNvPr id="79" name="Imagem 8" descr=""/>
           <p:cNvPicPr/>
           <p:nvPr/>
         </p:nvPicPr>
         <p:blipFill>
-          <a:blip r:embed="rId4"/>
-          <a:srcRect l="6879" r="6879"/>
+          <a:blip r:embed="rId3"/>
+          <a:srcRect l="6879" t="0" r="6879" b="0"/>
           <a:stretch/>
         </p:blipFill>
         <p:spPr>
           <a:xfrm>
             <a:off x="123120" y="142920"/>
-            <a:ext cx="1519560" cy="1285560"/>
+            <a:ext cx="1518840" cy="1284840"/>
           </a:xfrm>
           <a:prstGeom prst="rect">
             <a:avLst/>
@@ -6877,14 +6627,14 @@
       </p:pic>
       <p:sp>
         <p:nvSpPr>
-          <p:cNvPr id="101" name="CustomShape 4"/>
+          <p:cNvPr id="80" name="CustomShape 4"/>
           <p:cNvSpPr/>
           <p:nvPr/>
         </p:nvSpPr>
         <p:spPr>
           <a:xfrm>
             <a:off x="1428840" y="428760"/>
-            <a:ext cx="5643360" cy="713880"/>
+            <a:ext cx="5642640" cy="713160"/>
           </a:xfrm>
           <a:prstGeom prst="rect">
             <a:avLst/>
@@ -6895,22 +6645,15 @@
           </a:ln>
         </p:spPr>
         <p:style>
-          <a:lnRef idx="0">
-            <a:scrgbClr r="0" g="0" b="0"/>
-          </a:lnRef>
-          <a:fillRef idx="0">
-            <a:scrgbClr r="0" g="0" b="0"/>
-          </a:fillRef>
-          <a:effectRef idx="0">
-            <a:scrgbClr r="0" g="0" b="0"/>
-          </a:effectRef>
+          <a:lnRef idx="0"/>
+          <a:fillRef idx="0"/>
+          <a:effectRef idx="0"/>
           <a:fontRef idx="minor"/>
         </p:style>
         <p:txBody>
-          <a:bodyPr anchor="ctr">
-            <a:normAutofit lnSpcReduction="10000"/>
+          <a:bodyPr lIns="90000" rIns="90000" tIns="45000" bIns="45000" anchor="ctr">
+            <a:normAutofit/>
           </a:bodyPr>
-          <a:lstStyle/>
           <a:p>
             <a:pPr>
               <a:lnSpc>
@@ -6918,26 +6661,27 @@
               </a:lnSpc>
             </a:pPr>
             <a:r>
-              <a:rPr lang="pt-BR" sz="4400" b="1" strike="noStrike" spc="-1">
+              <a:rPr b="1" lang="pt-BR" sz="4400" spc="-1" strike="noStrike">
                 <a:solidFill>
                   <a:srgbClr val="000000"/>
                 </a:solidFill>
                 <a:uFill>
                   <a:solidFill>
-                    <a:srgbClr val="FFFFFF"/>
+                    <a:srgbClr val="ffffff"/>
                   </a:solidFill>
                 </a:uFill>
                 <a:latin typeface="Times New Roman"/>
+                <a:ea typeface="DejaVu Sans"/>
               </a:rPr>
               <a:t>Observadores</a:t>
             </a:r>
-            <a:endParaRPr lang="pt-BR" sz="4400" b="0" strike="noStrike" spc="-1">
+            <a:endParaRPr b="0" lang="pt-BR" sz="4400" spc="-1" strike="noStrike">
               <a:solidFill>
                 <a:srgbClr val="000000"/>
               </a:solidFill>
               <a:uFill>
                 <a:solidFill>
-                  <a:srgbClr val="FFFFFF"/>
+                  <a:srgbClr val="ffffff"/>
                 </a:solidFill>
               </a:uFill>
               <a:latin typeface="Arial"/>
@@ -6947,19 +6691,19 @@
       </p:sp>
       <p:pic>
         <p:nvPicPr>
-          <p:cNvPr id="102" name="Imagem 16"/>
+          <p:cNvPr id="81" name="Imagem 16" descr=""/>
           <p:cNvPicPr/>
           <p:nvPr/>
         </p:nvPicPr>
         <p:blipFill>
-          <a:blip r:embed="rId5"/>
+          <a:blip r:embed="rId4"/>
           <a:srcRect l="3124" t="69614" r="3124" b="8995"/>
           <a:stretch/>
         </p:blipFill>
         <p:spPr>
           <a:xfrm>
             <a:off x="1571760" y="5929200"/>
-            <a:ext cx="7514640" cy="856800"/>
+            <a:ext cx="7513920" cy="856080"/>
           </a:xfrm>
           <a:prstGeom prst="rect">
             <a:avLst/>
@@ -6971,14 +6715,14 @@
       </p:pic>
       <p:sp>
         <p:nvSpPr>
-          <p:cNvPr id="11" name="TextShape 2"/>
-          <p:cNvSpPr txBox="1"/>
-          <p:nvPr/>
-        </p:nvSpPr>
-        <p:spPr>
-          <a:xfrm>
-            <a:off x="142844" y="1714488"/>
-            <a:ext cx="7560000" cy="2645420"/>
+          <p:cNvPr id="82" name="CustomShape 5"/>
+          <p:cNvSpPr/>
+          <p:nvPr/>
+        </p:nvSpPr>
+        <p:spPr>
+          <a:xfrm>
+            <a:off x="142920" y="1714320"/>
+            <a:ext cx="7559280" cy="2644560"/>
           </a:xfrm>
           <a:prstGeom prst="rect">
             <a:avLst/>
@@ -6988,9 +6732,14 @@
             <a:noFill/>
           </a:ln>
         </p:spPr>
+        <p:style>
+          <a:lnRef idx="0"/>
+          <a:fillRef idx="0"/>
+          <a:effectRef idx="0"/>
+          <a:fontRef idx="minor"/>
+        </p:style>
         <p:txBody>
-          <a:bodyPr/>
-          <a:lstStyle/>
+          <a:bodyPr lIns="90000" rIns="90000" tIns="45000" bIns="45000"/>
           <a:p>
             <a:pPr algn="just">
               <a:lnSpc>
@@ -7001,57 +6750,44 @@
               </a:spcBef>
             </a:pPr>
             <a:r>
-              <a:rPr lang="pt-BR" sz="3200" dirty="0" smtClean="0"/>
-              <a:t>Existem </a:t>
+              <a:rPr b="0" lang="pt-BR" sz="3200" spc="-1" strike="noStrike">
+                <a:solidFill>
+                  <a:srgbClr val="000000"/>
+                </a:solidFill>
+                <a:uFill>
+                  <a:solidFill>
+                    <a:srgbClr val="ffffff"/>
+                  </a:solidFill>
+                </a:uFill>
+                <a:latin typeface="Arial"/>
+                <a:ea typeface="DejaVu Sans"/>
+              </a:rPr>
+              <a:t>Existem momentos em que um observador personalizado é necessário. O Vue fornece uma maneira mais genérica para reagir a alterações de dados, o watch. Isto é particularmente útil quando se precisa executar operações</a:t>
             </a:r>
-            <a:r>
-              <a:rPr lang="pt-BR" sz="3200" dirty="0"/>
-              <a:t>momentos em que um observador personalizado é necessário. </a:t>
-            </a:r>
-            <a:r>
-              <a:rPr lang="pt-BR" sz="3200" dirty="0" smtClean="0"/>
-              <a:t>O </a:t>
-            </a:r>
-            <a:r>
-              <a:rPr lang="pt-BR" sz="3200" dirty="0" err="1"/>
-              <a:t>Vue</a:t>
-            </a:r>
-            <a:r>
-              <a:rPr lang="pt-BR" sz="3200" dirty="0"/>
-              <a:t> fornece uma maneira mais genérica para reagir a alterações de dados, o </a:t>
-            </a:r>
-            <a:r>
-              <a:rPr lang="pt-BR" sz="3200" dirty="0" err="1" smtClean="0"/>
-              <a:t>watch</a:t>
-            </a:r>
-            <a:r>
-              <a:rPr lang="pt-BR" sz="3200" dirty="0" smtClean="0"/>
-              <a:t>. Isto é particularmente útil quando se precisa executar operações</a:t>
-            </a:r>
-            <a:endParaRPr lang="pt-BR" sz="3200" b="0" strike="noStrike" spc="-1" dirty="0">
+            <a:endParaRPr b="0" lang="pt-BR" sz="3200" spc="-1" strike="noStrike">
               <a:solidFill>
-                <a:srgbClr val="800000"/>
+                <a:srgbClr val="000000"/>
               </a:solidFill>
               <a:uFill>
                 <a:solidFill>
-                  <a:srgbClr val="FFFFFF"/>
+                  <a:srgbClr val="ffffff"/>
                 </a:solidFill>
               </a:uFill>
-              <a:latin typeface="Calibri"/>
+              <a:latin typeface="Arial"/>
             </a:endParaRPr>
           </a:p>
         </p:txBody>
       </p:sp>
       <p:sp>
         <p:nvSpPr>
-          <p:cNvPr id="12" name="TextShape 2"/>
-          <p:cNvSpPr txBox="1"/>
-          <p:nvPr/>
-        </p:nvSpPr>
-        <p:spPr>
-          <a:xfrm>
-            <a:off x="1214414" y="4643446"/>
-            <a:ext cx="6572296" cy="2571768"/>
+          <p:cNvPr id="83" name="CustomShape 6"/>
+          <p:cNvSpPr/>
+          <p:nvPr/>
+        </p:nvSpPr>
+        <p:spPr>
+          <a:xfrm>
+            <a:off x="1214280" y="4643280"/>
+            <a:ext cx="6571440" cy="2571120"/>
           </a:xfrm>
           <a:prstGeom prst="rect">
             <a:avLst/>
@@ -7061,9 +6797,14 @@
             <a:noFill/>
           </a:ln>
         </p:spPr>
+        <p:style>
+          <a:lnRef idx="0"/>
+          <a:fillRef idx="0"/>
+          <a:effectRef idx="0"/>
+          <a:fontRef idx="minor"/>
+        </p:style>
         <p:txBody>
-          <a:bodyPr/>
-          <a:lstStyle/>
+          <a:bodyPr lIns="90000" rIns="90000" tIns="45000" bIns="45000"/>
           <a:p>
             <a:pPr algn="just">
               <a:lnSpc>
@@ -7074,48 +6815,82 @@
               </a:spcBef>
             </a:pPr>
             <a:r>
-              <a:rPr lang="pt-BR" sz="3200" dirty="0"/>
-              <a:t> </a:t>
+              <a:rPr b="0" lang="pt-BR" sz="3200" spc="-1" strike="noStrike">
+                <a:solidFill>
+                  <a:srgbClr val="000000"/>
+                </a:solidFill>
+                <a:uFill>
+                  <a:solidFill>
+                    <a:srgbClr val="ffffff"/>
+                  </a:solidFill>
+                </a:uFill>
+                <a:latin typeface="Arial"/>
+                <a:ea typeface="DejaVu Sans"/>
+              </a:rPr>
+              <a:t>   </a:t>
             </a:r>
             <a:r>
-              <a:rPr lang="pt-BR" sz="3200" dirty="0" smtClean="0"/>
-              <a:t>  	assíncronas ou operações complexas antes de responder a uma alteração de dados.</a:t>
+              <a:rPr b="0" lang="pt-BR" sz="3200" spc="-1" strike="noStrike">
+                <a:solidFill>
+                  <a:srgbClr val="000000"/>
+                </a:solidFill>
+                <a:uFill>
+                  <a:solidFill>
+                    <a:srgbClr val="ffffff"/>
+                  </a:solidFill>
+                </a:uFill>
+                <a:latin typeface="Arial"/>
+                <a:ea typeface="DejaVu Sans"/>
+              </a:rPr>
+              <a:t>	</a:t>
             </a:r>
-            <a:endParaRPr lang="pt-BR" sz="3200" b="0" strike="noStrike" spc="-1" dirty="0">
+            <a:r>
+              <a:rPr b="0" lang="pt-BR" sz="3200" spc="-1" strike="noStrike">
+                <a:solidFill>
+                  <a:srgbClr val="000000"/>
+                </a:solidFill>
+                <a:uFill>
+                  <a:solidFill>
+                    <a:srgbClr val="ffffff"/>
+                  </a:solidFill>
+                </a:uFill>
+                <a:latin typeface="Arial"/>
+                <a:ea typeface="DejaVu Sans"/>
+              </a:rPr>
+              <a:t>assíncronas ou operações complexas antes de responder a uma alteração de dados.</a:t>
+            </a:r>
+            <a:endParaRPr b="0" lang="pt-BR" sz="3200" spc="-1" strike="noStrike">
               <a:solidFill>
-                <a:srgbClr val="800000"/>
+                <a:srgbClr val="000000"/>
               </a:solidFill>
               <a:uFill>
                 <a:solidFill>
-                  <a:srgbClr val="FFFFFF"/>
+                  <a:srgbClr val="ffffff"/>
                 </a:solidFill>
               </a:uFill>
-              <a:latin typeface="Calibri"/>
+              <a:latin typeface="Arial"/>
             </a:endParaRPr>
           </a:p>
         </p:txBody>
       </p:sp>
     </p:spTree>
   </p:cSld>
-  <p:clrMapOvr>
-    <a:masterClrMapping/>
-  </p:clrMapOvr>
   <p:timing>
     <p:tnLst>
       <p:par>
-        <p:cTn id="1" dur="indefinite" restart="never" nodeType="tmRoot">
+        <p:cTn id="9" dur="indefinite" restart="never" nodeType="tmRoot">
           <p:childTnLst>
             <p:seq>
-              <p:cTn id="2" nodeType="mainSeq"/>
+              <p:cTn id="10" nodeType="mainSeq"/>
               <p:prevCondLst>
-                <p:cond evt="onPrev" delay="0">
+                <p:cond delay="0" evt="onPrev">
                   <p:tgtEl>
                     <p:sldTgt/>
                   </p:tgtEl>
                 </p:cond>
               </p:prevCondLst>
               <p:nextCondLst>
-                <p:cond evt="onNext" delay="0">
+                <p:cond delay="0" evt="onNext">
                   <p:tgtEl>
                     <p:sldTgt/>
                   </p:tgtEl>
@@ -7131,7 +6906,7 @@
 </file>
 
 <file path=ppt/slides/slide6.xml><?xml version="1.0" encoding="utf-8"?>
-<p:sld xmlns:a="http://schemas.openxmlformats.org/drawingml/2006/main" xmlns:r="http://schemas.openxmlformats.org/officeDocument/2006/relationships" xmlns:p="http://schemas.openxmlformats.org/presentationml/2006/main">
+<p:sld xmlns:a="http://schemas.openxmlformats.org/drawingml/2006/main" xmlns:p="http://schemas.openxmlformats.org/presentationml/2006/main" xmlns:r="http://schemas.openxmlformats.org/officeDocument/2006/relationships" xmlns:p14="http://schemas.microsoft.com/office/powerpoint/2010/main" xmlns:p15="http://schemas.microsoft.com/office/powerpoint/2012/main" xmlns:mc="http://schemas.openxmlformats.org/markup-compatibility/2006">
   <p:cSld>
     <p:spTree>
       <p:nvGrpSpPr>
@@ -7149,7 +6924,30 @@
       </p:grpSpPr>
       <p:pic>
         <p:nvPicPr>
-          <p:cNvPr id="95" name="Picture 9"/>
+          <p:cNvPr id="84" name="Picture 9" descr=""/>
+          <p:cNvPicPr/>
+          <p:nvPr/>
+        </p:nvPicPr>
+        <p:blipFill>
+          <a:blip r:embed="rId1"/>
+          <a:stretch/>
+        </p:blipFill>
+        <p:spPr>
+          <a:xfrm>
+            <a:off x="7215120" y="0"/>
+            <a:ext cx="1927800" cy="2524680"/>
+          </a:xfrm>
+          <a:prstGeom prst="rect">
+            <a:avLst/>
+          </a:prstGeom>
+          <a:ln w="9360">
+            <a:noFill/>
+          </a:ln>
+        </p:spPr>
+      </p:pic>
+      <p:pic>
+        <p:nvPicPr>
+          <p:cNvPr id="85" name="Picture 9" descr=""/>
           <p:cNvPicPr/>
           <p:nvPr/>
         </p:nvPicPr>
@@ -7159,8 +6957,8 @@
         </p:blipFill>
         <p:spPr>
           <a:xfrm>
-            <a:off x="7215120" y="0"/>
-            <a:ext cx="1928520" cy="2525400"/>
+            <a:off x="0" y="4786200"/>
+            <a:ext cx="1570680" cy="2056320"/>
           </a:xfrm>
           <a:prstGeom prst="rect">
             <a:avLst/>
@@ -7170,39 +6968,16 @@
           </a:ln>
         </p:spPr>
       </p:pic>
-      <p:pic>
-        <p:nvPicPr>
-          <p:cNvPr id="96" name="Picture 9"/>
-          <p:cNvPicPr/>
-          <p:nvPr/>
-        </p:nvPicPr>
-        <p:blipFill>
-          <a:blip r:embed="rId3"/>
-          <a:stretch/>
-        </p:blipFill>
-        <p:spPr>
-          <a:xfrm>
-            <a:off x="0" y="4786200"/>
-            <a:ext cx="1571400" cy="2057040"/>
-          </a:xfrm>
-          <a:prstGeom prst="rect">
-            <a:avLst/>
-          </a:prstGeom>
-          <a:ln w="9360">
-            <a:noFill/>
-          </a:ln>
-        </p:spPr>
-      </p:pic>
-      <p:sp>
-        <p:nvSpPr>
-          <p:cNvPr id="97" name="CustomShape 1"/>
+      <p:sp>
+        <p:nvSpPr>
+          <p:cNvPr id="86" name="CustomShape 1"/>
           <p:cNvSpPr/>
           <p:nvPr/>
         </p:nvSpPr>
         <p:spPr>
           <a:xfrm>
             <a:off x="0" y="0"/>
-            <a:ext cx="9143640" cy="6857640"/>
+            <a:ext cx="9142920" cy="6856920"/>
           </a:xfrm>
           <a:prstGeom prst="rect">
             <a:avLst/>
@@ -7234,14 +7009,14 @@
       </p:sp>
       <p:sp>
         <p:nvSpPr>
-          <p:cNvPr id="98" name="TextShape 2"/>
-          <p:cNvSpPr txBox="1"/>
+          <p:cNvPr id="87" name="CustomShape 2"/>
+          <p:cNvSpPr/>
           <p:nvPr/>
         </p:nvSpPr>
         <p:spPr>
           <a:xfrm>
             <a:off x="142920" y="1785960"/>
-            <a:ext cx="7572240" cy="2928600"/>
+            <a:ext cx="7571520" cy="2927880"/>
           </a:xfrm>
           <a:prstGeom prst="rect">
             <a:avLst/>
@@ -7251,35 +7026,23 @@
             <a:noFill/>
           </a:ln>
         </p:spPr>
-        <p:txBody>
-          <a:bodyPr/>
-          <a:lstStyle/>
-          <a:p>
-            <a:pPr algn="ctr"/>
-            <a:endParaRPr lang="pt-BR" sz="3200" b="0" strike="noStrike" spc="-1">
-              <a:solidFill>
-                <a:srgbClr val="000000"/>
-              </a:solidFill>
-              <a:uFill>
-                <a:solidFill>
-                  <a:srgbClr val="FFFFFF"/>
-                </a:solidFill>
-              </a:uFill>
-              <a:latin typeface="Arial"/>
-            </a:endParaRPr>
-          </a:p>
-        </p:txBody>
-      </p:sp>
-      <p:sp>
-        <p:nvSpPr>
-          <p:cNvPr id="99" name="CustomShape 3"/>
+        <p:style>
+          <a:lnRef idx="0"/>
+          <a:fillRef idx="0"/>
+          <a:effectRef idx="0"/>
+          <a:fontRef idx="minor"/>
+        </p:style>
+      </p:sp>
+      <p:sp>
+        <p:nvSpPr>
+          <p:cNvPr id="88" name="CustomShape 3"/>
           <p:cNvSpPr/>
           <p:nvPr/>
         </p:nvSpPr>
         <p:spPr>
           <a:xfrm>
             <a:off x="100800" y="285840"/>
-            <a:ext cx="7399800" cy="999720"/>
+            <a:ext cx="7399080" cy="999000"/>
           </a:xfrm>
           <a:prstGeom prst="homePlate">
             <a:avLst>
@@ -7287,7 +7050,7 @@
             </a:avLst>
           </a:prstGeom>
           <a:solidFill>
-            <a:srgbClr val="06BA8F"/>
+            <a:srgbClr val="06ba8f"/>
           </a:solidFill>
           <a:ln>
             <a:round/>
@@ -7310,19 +7073,19 @@
       </p:sp>
       <p:pic>
         <p:nvPicPr>
-          <p:cNvPr id="100" name="Imagem 8"/>
+          <p:cNvPr id="89" name="Imagem 8" descr=""/>
           <p:cNvPicPr/>
           <p:nvPr/>
         </p:nvPicPr>
         <p:blipFill>
-          <a:blip r:embed="rId4"/>
-          <a:srcRect l="6879" r="6879"/>
+          <a:blip r:embed="rId3"/>
+          <a:srcRect l="6879" t="0" r="6879" b="0"/>
           <a:stretch/>
         </p:blipFill>
         <p:spPr>
           <a:xfrm>
             <a:off x="123120" y="142920"/>
-            <a:ext cx="1519560" cy="1285560"/>
+            <a:ext cx="1518840" cy="1284840"/>
           </a:xfrm>
           <a:prstGeom prst="rect">
             <a:avLst/>
@@ -7334,14 +7097,14 @@
       </p:pic>
       <p:sp>
         <p:nvSpPr>
-          <p:cNvPr id="101" name="CustomShape 4"/>
+          <p:cNvPr id="90" name="CustomShape 4"/>
           <p:cNvSpPr/>
           <p:nvPr/>
         </p:nvSpPr>
         <p:spPr>
           <a:xfrm>
             <a:off x="1428840" y="428760"/>
-            <a:ext cx="5643360" cy="713880"/>
+            <a:ext cx="5642640" cy="713160"/>
           </a:xfrm>
           <a:prstGeom prst="rect">
             <a:avLst/>
@@ -7352,22 +7115,15 @@
           </a:ln>
         </p:spPr>
         <p:style>
-          <a:lnRef idx="0">
-            <a:scrgbClr r="0" g="0" b="0"/>
-          </a:lnRef>
-          <a:fillRef idx="0">
-            <a:scrgbClr r="0" g="0" b="0"/>
-          </a:fillRef>
-          <a:effectRef idx="0">
-            <a:scrgbClr r="0" g="0" b="0"/>
-          </a:effectRef>
+          <a:lnRef idx="0"/>
+          <a:fillRef idx="0"/>
+          <a:effectRef idx="0"/>
           <a:fontRef idx="minor"/>
         </p:style>
         <p:txBody>
-          <a:bodyPr anchor="ctr">
-            <a:normAutofit fontScale="92500" lnSpcReduction="10000"/>
+          <a:bodyPr lIns="90000" rIns="90000" tIns="45000" bIns="45000" anchor="ctr">
+            <a:normAutofit/>
           </a:bodyPr>
-          <a:lstStyle/>
           <a:p>
             <a:pPr>
               <a:lnSpc>
@@ -7375,26 +7131,27 @@
               </a:lnSpc>
             </a:pPr>
             <a:r>
-              <a:rPr lang="pt-BR" sz="4400" b="1" strike="noStrike" spc="-1" dirty="0" smtClean="0">
+              <a:rPr b="1" lang="pt-BR" sz="4400" spc="-1" strike="noStrike">
                 <a:solidFill>
                   <a:srgbClr val="000000"/>
                 </a:solidFill>
                 <a:uFill>
                   <a:solidFill>
-                    <a:srgbClr val="FFFFFF"/>
+                    <a:srgbClr val="ffffff"/>
                   </a:solidFill>
                 </a:uFill>
                 <a:latin typeface="Times New Roman"/>
+                <a:ea typeface="DejaVu Sans"/>
               </a:rPr>
               <a:t>Exemplos</a:t>
             </a:r>
-            <a:endParaRPr lang="pt-BR" sz="4400" b="0" strike="noStrike" spc="-1" dirty="0">
+            <a:endParaRPr b="0" lang="pt-BR" sz="4400" spc="-1" strike="noStrike">
               <a:solidFill>
                 <a:srgbClr val="000000"/>
               </a:solidFill>
               <a:uFill>
                 <a:solidFill>
-                  <a:srgbClr val="FFFFFF"/>
+                  <a:srgbClr val="ffffff"/>
                 </a:solidFill>
               </a:uFill>
               <a:latin typeface="Arial"/>
@@ -7404,82 +7161,69 @@
       </p:sp>
       <p:pic>
         <p:nvPicPr>
-          <p:cNvPr id="102" name="Imagem 16"/>
+          <p:cNvPr id="91" name="Imagem 16" descr=""/>
+          <p:cNvPicPr/>
+          <p:nvPr/>
+        </p:nvPicPr>
+        <p:blipFill>
+          <a:blip r:embed="rId4"/>
+          <a:srcRect l="3124" t="69614" r="3124" b="8995"/>
+          <a:stretch/>
+        </p:blipFill>
+        <p:spPr>
+          <a:xfrm>
+            <a:off x="1571760" y="5929200"/>
+            <a:ext cx="7513920" cy="856080"/>
+          </a:xfrm>
+          <a:prstGeom prst="rect">
+            <a:avLst/>
+          </a:prstGeom>
+          <a:ln>
+            <a:noFill/>
+          </a:ln>
+        </p:spPr>
+      </p:pic>
+      <p:pic>
+        <p:nvPicPr>
+          <p:cNvPr id="92" name="Picture 2" descr=""/>
           <p:cNvPicPr/>
           <p:nvPr/>
         </p:nvPicPr>
         <p:blipFill>
           <a:blip r:embed="rId5"/>
-          <a:srcRect l="3124" t="69614" r="3124" b="8995"/>
           <a:stretch/>
         </p:blipFill>
         <p:spPr>
           <a:xfrm>
-            <a:off x="1571760" y="5929200"/>
-            <a:ext cx="7514640" cy="856800"/>
-          </a:xfrm>
-          <a:prstGeom prst="rect">
-            <a:avLst/>
-          </a:prstGeom>
-          <a:ln>
-            <a:noFill/>
-          </a:ln>
-        </p:spPr>
-      </p:pic>
-      <p:pic>
-        <p:nvPicPr>
-          <p:cNvPr id="1026" name="Picture 2"/>
-          <p:cNvPicPr>
-            <a:picLocks noChangeAspect="1" noChangeArrowheads="1"/>
-          </p:cNvPicPr>
-          <p:nvPr/>
-        </p:nvPicPr>
-        <p:blipFill>
-          <a:blip r:embed="rId6"/>
-          <a:srcRect/>
-          <a:stretch>
-            <a:fillRect/>
-          </a:stretch>
-        </p:blipFill>
-        <p:spPr bwMode="auto">
-          <a:xfrm>
-            <a:off x="357158" y="2175503"/>
-            <a:ext cx="7286676" cy="2039315"/>
-          </a:xfrm>
-          <a:prstGeom prst="rect">
-            <a:avLst/>
-          </a:prstGeom>
-          <a:noFill/>
-          <a:ln w="9525">
-            <a:noFill/>
-            <a:miter lim="800000"/>
-            <a:headEnd/>
-            <a:tailEnd/>
-          </a:ln>
-          <a:effectLst/>
+            <a:off x="357120" y="2175480"/>
+            <a:ext cx="7286040" cy="2038680"/>
+          </a:xfrm>
+          <a:prstGeom prst="rect">
+            <a:avLst/>
+          </a:prstGeom>
+          <a:ln w="9360">
+            <a:noFill/>
+          </a:ln>
         </p:spPr>
       </p:pic>
     </p:spTree>
   </p:cSld>
-  <p:clrMapOvr>
-    <a:masterClrMapping/>
-  </p:clrMapOvr>
   <p:timing>
     <p:tnLst>
       <p:par>
-        <p:cTn id="1" dur="indefinite" restart="never" nodeType="tmRoot">
+        <p:cTn id="11" dur="indefinite" restart="never" nodeType="tmRoot">
           <p:childTnLst>
             <p:seq>
-              <p:cTn id="2" nodeType="mainSeq"/>
+              <p:cTn id="12" nodeType="mainSeq"/>
               <p:prevCondLst>
-                <p:cond evt="onPrev" delay="0">
+                <p:cond delay="0" evt="onPrev">
                   <p:tgtEl>
                     <p:sldTgt/>
                   </p:tgtEl>
                 </p:cond>
               </p:prevCondLst>
               <p:nextCondLst>
-                <p:cond evt="onNext" delay="0">
+                <p:cond delay="0" evt="onNext">
                   <p:tgtEl>
                     <p:sldTgt/>
                   </p:tgtEl>
@@ -7495,7 +7239,7 @@
 </file>
 
 <file path=ppt/slides/slide7.xml><?xml version="1.0" encoding="utf-8"?>
-<p:sld xmlns:a="http://schemas.openxmlformats.org/drawingml/2006/main" xmlns:r="http://schemas.openxmlformats.org/officeDocument/2006/relationships" xmlns:p="http://schemas.openxmlformats.org/presentationml/2006/main">
+<p:sld xmlns:a="http://schemas.openxmlformats.org/drawingml/2006/main" xmlns:p="http://schemas.openxmlformats.org/presentationml/2006/main" xmlns:r="http://schemas.openxmlformats.org/officeDocument/2006/relationships" xmlns:p14="http://schemas.microsoft.com/office/powerpoint/2010/main" xmlns:p15="http://schemas.microsoft.com/office/powerpoint/2012/main" xmlns:mc="http://schemas.openxmlformats.org/markup-compatibility/2006">
   <p:cSld>
     <p:spTree>
       <p:nvGrpSpPr>
@@ -7513,7 +7257,30 @@
       </p:grpSpPr>
       <p:pic>
         <p:nvPicPr>
-          <p:cNvPr id="95" name="Picture 9"/>
+          <p:cNvPr id="93" name="Picture 9" descr=""/>
+          <p:cNvPicPr/>
+          <p:nvPr/>
+        </p:nvPicPr>
+        <p:blipFill>
+          <a:blip r:embed="rId1"/>
+          <a:stretch/>
+        </p:blipFill>
+        <p:spPr>
+          <a:xfrm>
+            <a:off x="7215120" y="0"/>
+            <a:ext cx="1927800" cy="2524680"/>
+          </a:xfrm>
+          <a:prstGeom prst="rect">
+            <a:avLst/>
+          </a:prstGeom>
+          <a:ln w="9360">
+            <a:noFill/>
+          </a:ln>
+        </p:spPr>
+      </p:pic>
+      <p:pic>
+        <p:nvPicPr>
+          <p:cNvPr id="94" name="Picture 9" descr=""/>
           <p:cNvPicPr/>
           <p:nvPr/>
         </p:nvPicPr>
@@ -7523,8 +7290,8 @@
         </p:blipFill>
         <p:spPr>
           <a:xfrm>
-            <a:off x="7215120" y="0"/>
-            <a:ext cx="1928520" cy="2525400"/>
+            <a:off x="0" y="4786200"/>
+            <a:ext cx="1570680" cy="2056320"/>
           </a:xfrm>
           <a:prstGeom prst="rect">
             <a:avLst/>
@@ -7534,39 +7301,16 @@
           </a:ln>
         </p:spPr>
       </p:pic>
-      <p:pic>
-        <p:nvPicPr>
-          <p:cNvPr id="96" name="Picture 9"/>
-          <p:cNvPicPr/>
-          <p:nvPr/>
-        </p:nvPicPr>
-        <p:blipFill>
-          <a:blip r:embed="rId3"/>
-          <a:stretch/>
-        </p:blipFill>
-        <p:spPr>
-          <a:xfrm>
-            <a:off x="0" y="4786200"/>
-            <a:ext cx="1571400" cy="2057040"/>
-          </a:xfrm>
-          <a:prstGeom prst="rect">
-            <a:avLst/>
-          </a:prstGeom>
-          <a:ln w="9360">
-            <a:noFill/>
-          </a:ln>
-        </p:spPr>
-      </p:pic>
-      <p:sp>
-        <p:nvSpPr>
-          <p:cNvPr id="97" name="CustomShape 1"/>
+      <p:sp>
+        <p:nvSpPr>
+          <p:cNvPr id="95" name="CustomShape 1"/>
           <p:cNvSpPr/>
           <p:nvPr/>
         </p:nvSpPr>
         <p:spPr>
           <a:xfrm>
             <a:off x="0" y="0"/>
-            <a:ext cx="9143640" cy="6857640"/>
+            <a:ext cx="9142920" cy="6856920"/>
           </a:xfrm>
           <a:prstGeom prst="rect">
             <a:avLst/>
@@ -7598,14 +7342,14 @@
       </p:sp>
       <p:sp>
         <p:nvSpPr>
-          <p:cNvPr id="98" name="TextShape 2"/>
-          <p:cNvSpPr txBox="1"/>
+          <p:cNvPr id="96" name="CustomShape 2"/>
+          <p:cNvSpPr/>
           <p:nvPr/>
         </p:nvSpPr>
         <p:spPr>
           <a:xfrm>
             <a:off x="142920" y="1785960"/>
-            <a:ext cx="7572240" cy="2928600"/>
+            <a:ext cx="7571520" cy="2927880"/>
           </a:xfrm>
           <a:prstGeom prst="rect">
             <a:avLst/>
@@ -7615,35 +7359,23 @@
             <a:noFill/>
           </a:ln>
         </p:spPr>
-        <p:txBody>
-          <a:bodyPr/>
-          <a:lstStyle/>
-          <a:p>
-            <a:pPr algn="ctr"/>
-            <a:endParaRPr lang="pt-BR" sz="3200" b="0" strike="noStrike" spc="-1">
-              <a:solidFill>
-                <a:srgbClr val="000000"/>
-              </a:solidFill>
-              <a:uFill>
-                <a:solidFill>
-                  <a:srgbClr val="FFFFFF"/>
-                </a:solidFill>
-              </a:uFill>
-              <a:latin typeface="Arial"/>
-            </a:endParaRPr>
-          </a:p>
-        </p:txBody>
-      </p:sp>
-      <p:sp>
-        <p:nvSpPr>
-          <p:cNvPr id="99" name="CustomShape 3"/>
+        <p:style>
+          <a:lnRef idx="0"/>
+          <a:fillRef idx="0"/>
+          <a:effectRef idx="0"/>
+          <a:fontRef idx="minor"/>
+        </p:style>
+      </p:sp>
+      <p:sp>
+        <p:nvSpPr>
+          <p:cNvPr id="97" name="CustomShape 3"/>
           <p:cNvSpPr/>
           <p:nvPr/>
         </p:nvSpPr>
         <p:spPr>
           <a:xfrm>
             <a:off x="100800" y="285840"/>
-            <a:ext cx="7399800" cy="999720"/>
+            <a:ext cx="7399080" cy="999000"/>
           </a:xfrm>
           <a:prstGeom prst="homePlate">
             <a:avLst>
@@ -7651,7 +7383,7 @@
             </a:avLst>
           </a:prstGeom>
           <a:solidFill>
-            <a:srgbClr val="06BA8F"/>
+            <a:srgbClr val="06ba8f"/>
           </a:solidFill>
           <a:ln>
             <a:round/>
@@ -7674,19 +7406,19 @@
       </p:sp>
       <p:pic>
         <p:nvPicPr>
-          <p:cNvPr id="100" name="Imagem 8"/>
+          <p:cNvPr id="98" name="Imagem 8" descr=""/>
           <p:cNvPicPr/>
           <p:nvPr/>
         </p:nvPicPr>
         <p:blipFill>
-          <a:blip r:embed="rId4"/>
-          <a:srcRect l="6879" r="6879"/>
+          <a:blip r:embed="rId3"/>
+          <a:srcRect l="6879" t="0" r="6879" b="0"/>
           <a:stretch/>
         </p:blipFill>
         <p:spPr>
           <a:xfrm>
             <a:off x="123120" y="142920"/>
-            <a:ext cx="1519560" cy="1285560"/>
+            <a:ext cx="1518840" cy="1284840"/>
           </a:xfrm>
           <a:prstGeom prst="rect">
             <a:avLst/>
@@ -7698,14 +7430,14 @@
       </p:pic>
       <p:sp>
         <p:nvSpPr>
-          <p:cNvPr id="101" name="CustomShape 4"/>
+          <p:cNvPr id="99" name="CustomShape 4"/>
           <p:cNvSpPr/>
           <p:nvPr/>
         </p:nvSpPr>
         <p:spPr>
           <a:xfrm>
             <a:off x="1428840" y="428760"/>
-            <a:ext cx="5643360" cy="713880"/>
+            <a:ext cx="5642640" cy="713160"/>
           </a:xfrm>
           <a:prstGeom prst="rect">
             <a:avLst/>
@@ -7716,22 +7448,15 @@
           </a:ln>
         </p:spPr>
         <p:style>
-          <a:lnRef idx="0">
-            <a:scrgbClr r="0" g="0" b="0"/>
-          </a:lnRef>
-          <a:fillRef idx="0">
-            <a:scrgbClr r="0" g="0" b="0"/>
-          </a:fillRef>
-          <a:effectRef idx="0">
-            <a:scrgbClr r="0" g="0" b="0"/>
-          </a:effectRef>
+          <a:lnRef idx="0"/>
+          <a:fillRef idx="0"/>
+          <a:effectRef idx="0"/>
           <a:fontRef idx="minor"/>
         </p:style>
         <p:txBody>
-          <a:bodyPr anchor="ctr">
-            <a:normAutofit fontScale="92500" lnSpcReduction="10000"/>
+          <a:bodyPr lIns="90000" rIns="90000" tIns="45000" bIns="45000" anchor="ctr">
+            <a:normAutofit/>
           </a:bodyPr>
-          <a:lstStyle/>
           <a:p>
             <a:pPr>
               <a:lnSpc>
@@ -7739,26 +7464,27 @@
               </a:lnSpc>
             </a:pPr>
             <a:r>
-              <a:rPr lang="pt-BR" sz="4400" b="1" strike="noStrike" spc="-1" dirty="0" smtClean="0">
+              <a:rPr b="1" lang="pt-BR" sz="4400" spc="-1" strike="noStrike">
                 <a:solidFill>
                   <a:srgbClr val="000000"/>
                 </a:solidFill>
                 <a:uFill>
                   <a:solidFill>
-                    <a:srgbClr val="FFFFFF"/>
+                    <a:srgbClr val="ffffff"/>
                   </a:solidFill>
                 </a:uFill>
                 <a:latin typeface="Times New Roman"/>
+                <a:ea typeface="DejaVu Sans"/>
               </a:rPr>
               <a:t>Exemplos</a:t>
             </a:r>
-            <a:endParaRPr lang="pt-BR" sz="4400" b="0" strike="noStrike" spc="-1" dirty="0">
+            <a:endParaRPr b="0" lang="pt-BR" sz="4400" spc="-1" strike="noStrike">
               <a:solidFill>
                 <a:srgbClr val="000000"/>
               </a:solidFill>
               <a:uFill>
                 <a:solidFill>
-                  <a:srgbClr val="FFFFFF"/>
+                  <a:srgbClr val="ffffff"/>
                 </a:solidFill>
               </a:uFill>
               <a:latin typeface="Arial"/>
@@ -7768,82 +7494,69 @@
       </p:sp>
       <p:pic>
         <p:nvPicPr>
-          <p:cNvPr id="102" name="Imagem 16"/>
+          <p:cNvPr id="100" name="Imagem 16" descr=""/>
+          <p:cNvPicPr/>
+          <p:nvPr/>
+        </p:nvPicPr>
+        <p:blipFill>
+          <a:blip r:embed="rId4"/>
+          <a:srcRect l="3124" t="69614" r="3124" b="8995"/>
+          <a:stretch/>
+        </p:blipFill>
+        <p:spPr>
+          <a:xfrm>
+            <a:off x="1571760" y="5929200"/>
+            <a:ext cx="7513920" cy="856080"/>
+          </a:xfrm>
+          <a:prstGeom prst="rect">
+            <a:avLst/>
+          </a:prstGeom>
+          <a:ln>
+            <a:noFill/>
+          </a:ln>
+        </p:spPr>
+      </p:pic>
+      <p:pic>
+        <p:nvPicPr>
+          <p:cNvPr id="101" name="Picture 2" descr=""/>
           <p:cNvPicPr/>
           <p:nvPr/>
         </p:nvPicPr>
         <p:blipFill>
           <a:blip r:embed="rId5"/>
-          <a:srcRect l="3124" t="69614" r="3124" b="8995"/>
           <a:stretch/>
         </p:blipFill>
         <p:spPr>
           <a:xfrm>
-            <a:off x="1571760" y="5929200"/>
-            <a:ext cx="7514640" cy="856800"/>
-          </a:xfrm>
-          <a:prstGeom prst="rect">
-            <a:avLst/>
-          </a:prstGeom>
-          <a:ln>
-            <a:noFill/>
-          </a:ln>
-        </p:spPr>
-      </p:pic>
-      <p:pic>
-        <p:nvPicPr>
-          <p:cNvPr id="2050" name="Picture 2"/>
-          <p:cNvPicPr>
-            <a:picLocks noChangeAspect="1" noChangeArrowheads="1"/>
-          </p:cNvPicPr>
-          <p:nvPr/>
-        </p:nvPicPr>
-        <p:blipFill>
-          <a:blip r:embed="rId6"/>
-          <a:srcRect b="2273"/>
-          <a:stretch>
-            <a:fillRect/>
-          </a:stretch>
-        </p:blipFill>
-        <p:spPr bwMode="auto">
-          <a:xfrm>
-            <a:off x="571472" y="1785926"/>
-            <a:ext cx="7143800" cy="3143272"/>
-          </a:xfrm>
-          <a:prstGeom prst="rect">
-            <a:avLst/>
-          </a:prstGeom>
-          <a:noFill/>
-          <a:ln w="9525">
-            <a:noFill/>
-            <a:miter lim="800000"/>
-            <a:headEnd/>
-            <a:tailEnd/>
-          </a:ln>
-          <a:effectLst/>
+            <a:off x="571320" y="1643040"/>
+            <a:ext cx="7143120" cy="3928320"/>
+          </a:xfrm>
+          <a:prstGeom prst="rect">
+            <a:avLst/>
+          </a:prstGeom>
+          <a:ln w="9360">
+            <a:noFill/>
+          </a:ln>
         </p:spPr>
       </p:pic>
     </p:spTree>
   </p:cSld>
-  <p:clrMapOvr>
-    <a:masterClrMapping/>
-  </p:clrMapOvr>
   <p:timing>
     <p:tnLst>
       <p:par>
-        <p:cTn id="1" dur="indefinite" restart="never" nodeType="tmRoot">
+        <p:cTn id="13" dur="indefinite" restart="never" nodeType="tmRoot">
           <p:childTnLst>
             <p:seq>
-              <p:cTn id="2" nodeType="mainSeq"/>
+              <p:cTn id="14" nodeType="mainSeq"/>
               <p:prevCondLst>
-                <p:cond evt="onPrev" delay="0">
+                <p:cond delay="0" evt="onPrev">
                   <p:tgtEl>
                     <p:sldTgt/>
                   </p:tgtEl>
                 </p:cond>
               </p:prevCondLst>
               <p:nextCondLst>
-                <p:cond evt="onNext" delay="0">
+                <p:cond delay="0" evt="onNext">
                   <p:tgtEl>
                     <p:sldTgt/>
                   </p:tgtEl>
@@ -7859,7 +7572,7 @@
 </file>
 
 <file path=ppt/slides/slide8.xml><?xml version="1.0" encoding="utf-8"?>
-<p:sld xmlns:a="http://schemas.openxmlformats.org/drawingml/2006/main" xmlns:r="http://schemas.openxmlformats.org/officeDocument/2006/relationships" xmlns:p="http://schemas.openxmlformats.org/presentationml/2006/main">
+<p:sld xmlns:a="http://schemas.openxmlformats.org/drawingml/2006/main" xmlns:p="http://schemas.openxmlformats.org/presentationml/2006/main" xmlns:r="http://schemas.openxmlformats.org/officeDocument/2006/relationships" xmlns:p14="http://schemas.microsoft.com/office/powerpoint/2010/main" xmlns:p15="http://schemas.microsoft.com/office/powerpoint/2012/main" xmlns:mc="http://schemas.openxmlformats.org/markup-compatibility/2006">
   <p:cSld>
     <p:spTree>
       <p:nvGrpSpPr>
@@ -7877,7 +7590,30 @@
       </p:grpSpPr>
       <p:pic>
         <p:nvPicPr>
-          <p:cNvPr id="95" name="Picture 9"/>
+          <p:cNvPr id="102" name="Picture 9" descr=""/>
+          <p:cNvPicPr/>
+          <p:nvPr/>
+        </p:nvPicPr>
+        <p:blipFill>
+          <a:blip r:embed="rId1"/>
+          <a:stretch/>
+        </p:blipFill>
+        <p:spPr>
+          <a:xfrm>
+            <a:off x="7215120" y="0"/>
+            <a:ext cx="1927800" cy="2524680"/>
+          </a:xfrm>
+          <a:prstGeom prst="rect">
+            <a:avLst/>
+          </a:prstGeom>
+          <a:ln w="9360">
+            <a:noFill/>
+          </a:ln>
+        </p:spPr>
+      </p:pic>
+      <p:pic>
+        <p:nvPicPr>
+          <p:cNvPr id="103" name="Picture 9" descr=""/>
           <p:cNvPicPr/>
           <p:nvPr/>
         </p:nvPicPr>
@@ -7887,8 +7623,8 @@
         </p:blipFill>
         <p:spPr>
           <a:xfrm>
-            <a:off x="7215120" y="0"/>
-            <a:ext cx="1928520" cy="2525400"/>
+            <a:off x="0" y="4786200"/>
+            <a:ext cx="1570680" cy="2056320"/>
           </a:xfrm>
           <a:prstGeom prst="rect">
             <a:avLst/>
@@ -7898,39 +7634,16 @@
           </a:ln>
         </p:spPr>
       </p:pic>
-      <p:pic>
-        <p:nvPicPr>
-          <p:cNvPr id="96" name="Picture 9"/>
-          <p:cNvPicPr/>
-          <p:nvPr/>
-        </p:nvPicPr>
-        <p:blipFill>
-          <a:blip r:embed="rId3"/>
-          <a:stretch/>
-        </p:blipFill>
-        <p:spPr>
-          <a:xfrm>
-            <a:off x="0" y="4786200"/>
-            <a:ext cx="1571400" cy="2057040"/>
-          </a:xfrm>
-          <a:prstGeom prst="rect">
-            <a:avLst/>
-          </a:prstGeom>
-          <a:ln w="9360">
-            <a:noFill/>
-          </a:ln>
-        </p:spPr>
-      </p:pic>
-      <p:sp>
-        <p:nvSpPr>
-          <p:cNvPr id="97" name="CustomShape 1"/>
+      <p:sp>
+        <p:nvSpPr>
+          <p:cNvPr id="104" name="CustomShape 1"/>
           <p:cNvSpPr/>
           <p:nvPr/>
         </p:nvSpPr>
         <p:spPr>
           <a:xfrm>
             <a:off x="0" y="0"/>
-            <a:ext cx="9143640" cy="6857640"/>
+            <a:ext cx="9142920" cy="6856920"/>
           </a:xfrm>
           <a:prstGeom prst="rect">
             <a:avLst/>
@@ -7962,14 +7675,14 @@
       </p:sp>
       <p:sp>
         <p:nvSpPr>
-          <p:cNvPr id="98" name="TextShape 2"/>
-          <p:cNvSpPr txBox="1"/>
+          <p:cNvPr id="105" name="CustomShape 2"/>
+          <p:cNvSpPr/>
           <p:nvPr/>
         </p:nvSpPr>
         <p:spPr>
           <a:xfrm>
             <a:off x="142920" y="1785960"/>
-            <a:ext cx="7572240" cy="2928600"/>
+            <a:ext cx="7571520" cy="2927880"/>
           </a:xfrm>
           <a:prstGeom prst="rect">
             <a:avLst/>
@@ -7979,35 +7692,23 @@
             <a:noFill/>
           </a:ln>
         </p:spPr>
-        <p:txBody>
-          <a:bodyPr/>
-          <a:lstStyle/>
-          <a:p>
-            <a:pPr algn="ctr"/>
-            <a:endParaRPr lang="pt-BR" sz="3200" b="0" strike="noStrike" spc="-1">
-              <a:solidFill>
-                <a:srgbClr val="000000"/>
-              </a:solidFill>
-              <a:uFill>
-                <a:solidFill>
-                  <a:srgbClr val="FFFFFF"/>
-                </a:solidFill>
-              </a:uFill>
-              <a:latin typeface="Arial"/>
-            </a:endParaRPr>
-          </a:p>
-        </p:txBody>
-      </p:sp>
-      <p:sp>
-        <p:nvSpPr>
-          <p:cNvPr id="99" name="CustomShape 3"/>
+        <p:style>
+          <a:lnRef idx="0"/>
+          <a:fillRef idx="0"/>
+          <a:effectRef idx="0"/>
+          <a:fontRef idx="minor"/>
+        </p:style>
+      </p:sp>
+      <p:sp>
+        <p:nvSpPr>
+          <p:cNvPr id="106" name="CustomShape 3"/>
           <p:cNvSpPr/>
           <p:nvPr/>
         </p:nvSpPr>
         <p:spPr>
           <a:xfrm>
             <a:off x="100800" y="285840"/>
-            <a:ext cx="7399800" cy="999720"/>
+            <a:ext cx="7399080" cy="999000"/>
           </a:xfrm>
           <a:prstGeom prst="homePlate">
             <a:avLst>
@@ -8015,7 +7716,7 @@
             </a:avLst>
           </a:prstGeom>
           <a:solidFill>
-            <a:srgbClr val="06BA8F"/>
+            <a:srgbClr val="06ba8f"/>
           </a:solidFill>
           <a:ln>
             <a:round/>
@@ -8038,19 +7739,19 @@
       </p:sp>
       <p:pic>
         <p:nvPicPr>
-          <p:cNvPr id="100" name="Imagem 8"/>
+          <p:cNvPr id="107" name="Imagem 8" descr=""/>
           <p:cNvPicPr/>
           <p:nvPr/>
         </p:nvPicPr>
         <p:blipFill>
-          <a:blip r:embed="rId4"/>
-          <a:srcRect l="6879" r="6879"/>
+          <a:blip r:embed="rId3"/>
+          <a:srcRect l="6879" t="0" r="6879" b="0"/>
           <a:stretch/>
         </p:blipFill>
         <p:spPr>
           <a:xfrm>
             <a:off x="123120" y="142920"/>
-            <a:ext cx="1519560" cy="1285560"/>
+            <a:ext cx="1518840" cy="1284840"/>
           </a:xfrm>
           <a:prstGeom prst="rect">
             <a:avLst/>
@@ -8062,14 +7763,14 @@
       </p:pic>
       <p:sp>
         <p:nvSpPr>
-          <p:cNvPr id="101" name="CustomShape 4"/>
+          <p:cNvPr id="108" name="CustomShape 4"/>
           <p:cNvSpPr/>
           <p:nvPr/>
         </p:nvSpPr>
         <p:spPr>
           <a:xfrm>
             <a:off x="1428840" y="428760"/>
-            <a:ext cx="5643360" cy="713880"/>
+            <a:ext cx="5642640" cy="713160"/>
           </a:xfrm>
           <a:prstGeom prst="rect">
             <a:avLst/>
@@ -8080,22 +7781,15 @@
           </a:ln>
         </p:spPr>
         <p:style>
-          <a:lnRef idx="0">
-            <a:scrgbClr r="0" g="0" b="0"/>
-          </a:lnRef>
-          <a:fillRef idx="0">
-            <a:scrgbClr r="0" g="0" b="0"/>
-          </a:fillRef>
-          <a:effectRef idx="0">
-            <a:scrgbClr r="0" g="0" b="0"/>
-          </a:effectRef>
+          <a:lnRef idx="0"/>
+          <a:fillRef idx="0"/>
+          <a:effectRef idx="0"/>
           <a:fontRef idx="minor"/>
         </p:style>
         <p:txBody>
-          <a:bodyPr anchor="ctr">
-            <a:normAutofit fontScale="92500" lnSpcReduction="10000"/>
+          <a:bodyPr lIns="90000" rIns="90000" tIns="45000" bIns="45000" anchor="ctr">
+            <a:normAutofit/>
           </a:bodyPr>
-          <a:lstStyle/>
           <a:p>
             <a:pPr>
               <a:lnSpc>
@@ -8103,26 +7797,27 @@
               </a:lnSpc>
             </a:pPr>
             <a:r>
-              <a:rPr lang="pt-BR" sz="4400" b="1" strike="noStrike" spc="-1" dirty="0" smtClean="0">
+              <a:rPr b="1" lang="pt-BR" sz="4400" spc="-1" strike="noStrike">
                 <a:solidFill>
                   <a:srgbClr val="000000"/>
                 </a:solidFill>
                 <a:uFill>
                   <a:solidFill>
-                    <a:srgbClr val="FFFFFF"/>
+                    <a:srgbClr val="ffffff"/>
                   </a:solidFill>
                 </a:uFill>
                 <a:latin typeface="Times New Roman"/>
+                <a:ea typeface="DejaVu Sans"/>
               </a:rPr>
               <a:t>Exemplos</a:t>
             </a:r>
-            <a:endParaRPr lang="pt-BR" sz="4400" b="0" strike="noStrike" spc="-1" dirty="0">
+            <a:endParaRPr b="0" lang="pt-BR" sz="4400" spc="-1" strike="noStrike">
               <a:solidFill>
                 <a:srgbClr val="000000"/>
               </a:solidFill>
               <a:uFill>
                 <a:solidFill>
-                  <a:srgbClr val="FFFFFF"/>
+                  <a:srgbClr val="ffffff"/>
                 </a:solidFill>
               </a:uFill>
               <a:latin typeface="Arial"/>
@@ -8132,82 +7827,70 @@
       </p:sp>
       <p:pic>
         <p:nvPicPr>
-          <p:cNvPr id="102" name="Imagem 16"/>
+          <p:cNvPr id="109" name="Imagem 16" descr=""/>
+          <p:cNvPicPr/>
+          <p:nvPr/>
+        </p:nvPicPr>
+        <p:blipFill>
+          <a:blip r:embed="rId4"/>
+          <a:srcRect l="3124" t="69614" r="3124" b="8995"/>
+          <a:stretch/>
+        </p:blipFill>
+        <p:spPr>
+          <a:xfrm>
+            <a:off x="1571760" y="5929200"/>
+            <a:ext cx="7513920" cy="856080"/>
+          </a:xfrm>
+          <a:prstGeom prst="rect">
+            <a:avLst/>
+          </a:prstGeom>
+          <a:ln>
+            <a:noFill/>
+          </a:ln>
+        </p:spPr>
+      </p:pic>
+      <p:pic>
+        <p:nvPicPr>
+          <p:cNvPr id="110" name="Picture 2" descr=""/>
           <p:cNvPicPr/>
           <p:nvPr/>
         </p:nvPicPr>
         <p:blipFill>
           <a:blip r:embed="rId5"/>
-          <a:srcRect l="3124" t="69614" r="3124" b="8995"/>
+          <a:srcRect l="0" t="0" r="0" b="2268"/>
           <a:stretch/>
         </p:blipFill>
         <p:spPr>
           <a:xfrm>
-            <a:off x="1571760" y="5929200"/>
-            <a:ext cx="7514640" cy="856800"/>
-          </a:xfrm>
-          <a:prstGeom prst="rect">
-            <a:avLst/>
-          </a:prstGeom>
-          <a:ln>
-            <a:noFill/>
-          </a:ln>
-        </p:spPr>
-      </p:pic>
-      <p:pic>
-        <p:nvPicPr>
-          <p:cNvPr id="3074" name="Picture 2"/>
-          <p:cNvPicPr>
-            <a:picLocks noChangeAspect="1" noChangeArrowheads="1"/>
-          </p:cNvPicPr>
-          <p:nvPr/>
-        </p:nvPicPr>
-        <p:blipFill>
-          <a:blip r:embed="rId6"/>
-          <a:srcRect/>
-          <a:stretch>
-            <a:fillRect/>
-          </a:stretch>
-        </p:blipFill>
-        <p:spPr bwMode="auto">
-          <a:xfrm>
-            <a:off x="571472" y="1643050"/>
-            <a:ext cx="7143800" cy="3929090"/>
-          </a:xfrm>
-          <a:prstGeom prst="rect">
-            <a:avLst/>
-          </a:prstGeom>
-          <a:noFill/>
-          <a:ln w="9525">
-            <a:noFill/>
-            <a:miter lim="800000"/>
-            <a:headEnd/>
-            <a:tailEnd/>
-          </a:ln>
-          <a:effectLst/>
+            <a:off x="571320" y="1785960"/>
+            <a:ext cx="7143120" cy="3142440"/>
+          </a:xfrm>
+          <a:prstGeom prst="rect">
+            <a:avLst/>
+          </a:prstGeom>
+          <a:ln w="9360">
+            <a:noFill/>
+          </a:ln>
         </p:spPr>
       </p:pic>
     </p:spTree>
   </p:cSld>
-  <p:clrMapOvr>
-    <a:masterClrMapping/>
-  </p:clrMapOvr>
   <p:timing>
     <p:tnLst>
       <p:par>
-        <p:cTn id="1" dur="indefinite" restart="never" nodeType="tmRoot">
+        <p:cTn id="15" dur="indefinite" restart="never" nodeType="tmRoot">
           <p:childTnLst>
             <p:seq>
-              <p:cTn id="2" nodeType="mainSeq"/>
+              <p:cTn id="16" nodeType="mainSeq"/>
               <p:prevCondLst>
-                <p:cond evt="onPrev" delay="0">
+                <p:cond delay="0" evt="onPrev">
                   <p:tgtEl>
                     <p:sldTgt/>
                   </p:tgtEl>
                 </p:cond>
               </p:prevCondLst>
               <p:nextCondLst>
-                <p:cond evt="onNext" delay="0">
+                <p:cond delay="0" evt="onNext">
                   <p:tgtEl>
                     <p:sldTgt/>
                   </p:tgtEl>
@@ -8223,7 +7906,7 @@
 </file>
 
 <file path=ppt/slides/slide9.xml><?xml version="1.0" encoding="utf-8"?>
-<p:sld xmlns:a="http://schemas.openxmlformats.org/drawingml/2006/main" xmlns:r="http://schemas.openxmlformats.org/officeDocument/2006/relationships" xmlns:p="http://schemas.openxmlformats.org/presentationml/2006/main">
+<p:sld xmlns:a="http://schemas.openxmlformats.org/drawingml/2006/main" xmlns:p="http://schemas.openxmlformats.org/presentationml/2006/main" xmlns:r="http://schemas.openxmlformats.org/officeDocument/2006/relationships" xmlns:p14="http://schemas.microsoft.com/office/powerpoint/2010/main" xmlns:p15="http://schemas.microsoft.com/office/powerpoint/2012/main" xmlns:mc="http://schemas.openxmlformats.org/markup-compatibility/2006">
   <p:cSld>
     <p:spTree>
       <p:nvGrpSpPr>
@@ -8241,7 +7924,30 @@
       </p:grpSpPr>
       <p:pic>
         <p:nvPicPr>
-          <p:cNvPr id="103" name="Picture 9"/>
+          <p:cNvPr id="111" name="Picture 9" descr=""/>
+          <p:cNvPicPr/>
+          <p:nvPr/>
+        </p:nvPicPr>
+        <p:blipFill>
+          <a:blip r:embed="rId1"/>
+          <a:stretch/>
+        </p:blipFill>
+        <p:spPr>
+          <a:xfrm>
+            <a:off x="7215120" y="0"/>
+            <a:ext cx="1927800" cy="2524680"/>
+          </a:xfrm>
+          <a:prstGeom prst="rect">
+            <a:avLst/>
+          </a:prstGeom>
+          <a:ln w="9360">
+            <a:noFill/>
+          </a:ln>
+        </p:spPr>
+      </p:pic>
+      <p:pic>
+        <p:nvPicPr>
+          <p:cNvPr id="112" name="Picture 9" descr=""/>
           <p:cNvPicPr/>
           <p:nvPr/>
         </p:nvPicPr>
@@ -8251,8 +7957,8 @@
         </p:blipFill>
         <p:spPr>
           <a:xfrm>
-            <a:off x="7215120" y="0"/>
-            <a:ext cx="1928520" cy="2525400"/>
+            <a:off x="0" y="4786200"/>
+            <a:ext cx="1570680" cy="2056320"/>
           </a:xfrm>
           <a:prstGeom prst="rect">
             <a:avLst/>
@@ -8262,39 +7968,16 @@
           </a:ln>
         </p:spPr>
       </p:pic>
-      <p:pic>
-        <p:nvPicPr>
-          <p:cNvPr id="104" name="Picture 9"/>
-          <p:cNvPicPr/>
-          <p:nvPr/>
-        </p:nvPicPr>
-        <p:blipFill>
-          <a:blip r:embed="rId3"/>
-          <a:stretch/>
-        </p:blipFill>
-        <p:spPr>
-          <a:xfrm>
-            <a:off x="0" y="4786200"/>
-            <a:ext cx="1571400" cy="2057040"/>
-          </a:xfrm>
-          <a:prstGeom prst="rect">
-            <a:avLst/>
-          </a:prstGeom>
-          <a:ln w="9360">
-            <a:noFill/>
-          </a:ln>
-        </p:spPr>
-      </p:pic>
-      <p:sp>
-        <p:nvSpPr>
-          <p:cNvPr id="105" name="CustomShape 1"/>
+      <p:sp>
+        <p:nvSpPr>
+          <p:cNvPr id="113" name="CustomShape 1"/>
           <p:cNvSpPr/>
           <p:nvPr/>
         </p:nvSpPr>
         <p:spPr>
           <a:xfrm>
             <a:off x="0" y="0"/>
-            <a:ext cx="9143640" cy="6857640"/>
+            <a:ext cx="9142920" cy="6856920"/>
           </a:xfrm>
           <a:prstGeom prst="rect">
             <a:avLst/>
@@ -8326,14 +8009,14 @@
       </p:sp>
       <p:sp>
         <p:nvSpPr>
-          <p:cNvPr id="106" name="TextShape 2"/>
-          <p:cNvSpPr txBox="1"/>
-          <p:nvPr/>
-        </p:nvSpPr>
-        <p:spPr>
-          <a:xfrm>
-            <a:off x="142844" y="1643050"/>
-            <a:ext cx="7572240" cy="2928600"/>
+          <p:cNvPr id="114" name="CustomShape 2"/>
+          <p:cNvSpPr/>
+          <p:nvPr/>
+        </p:nvSpPr>
+        <p:spPr>
+          <a:xfrm>
+            <a:off x="142920" y="1643040"/>
+            <a:ext cx="7571520" cy="2927880"/>
           </a:xfrm>
           <a:prstGeom prst="rect">
             <a:avLst/>
@@ -8343,9 +8026,14 @@
             <a:noFill/>
           </a:ln>
         </p:spPr>
+        <p:style>
+          <a:lnRef idx="0"/>
+          <a:fillRef idx="0"/>
+          <a:effectRef idx="0"/>
+          <a:fontRef idx="minor"/>
+        </p:style>
         <p:txBody>
-          <a:bodyPr/>
-          <a:lstStyle/>
+          <a:bodyPr lIns="90000" rIns="90000" tIns="45000" bIns="45000"/>
           <a:p>
             <a:pPr algn="just">
               <a:lnSpc>
@@ -8356,80 +8044,72 @@
               </a:spcBef>
             </a:pPr>
             <a:r>
-              <a:rPr lang="pt-BR" sz="3200" b="0" strike="noStrike" spc="-1" dirty="0">
+              <a:rPr b="0" lang="pt-BR" sz="3200" spc="-1" strike="noStrike">
                 <a:solidFill>
                   <a:srgbClr val="000000"/>
                 </a:solidFill>
                 <a:uFill>
                   <a:solidFill>
-                    <a:srgbClr val="FFFFFF"/>
+                    <a:srgbClr val="ffffff"/>
                   </a:solidFill>
                 </a:uFill>
                 <a:latin typeface="Calibri"/>
+                <a:ea typeface="DejaVu Sans"/>
               </a:rPr>
               <a:t>	</a:t>
             </a:r>
             <a:r>
-              <a:rPr lang="pt-BR" sz="3200" dirty="0"/>
-              <a:t>O </a:t>
+              <a:rPr b="0" lang="pt-BR" sz="3200" spc="-1" strike="noStrike">
+                <a:solidFill>
+                  <a:srgbClr val="000000"/>
+                </a:solidFill>
+                <a:uFill>
+                  <a:solidFill>
+                    <a:srgbClr val="ffffff"/>
+                  </a:solidFill>
+                </a:uFill>
+                <a:latin typeface="Arial"/>
+                <a:ea typeface="DejaVu Sans"/>
+              </a:rPr>
+              <a:t>O computer properties e o watchers são diferentes mesmo trazendo o mesmo resultado.</a:t>
             </a:r>
             <a:r>
-              <a:rPr lang="pt-BR" sz="3200" dirty="0" err="1"/>
-              <a:t>computer</a:t>
-            </a:r>
-            <a:r>
-              <a:rPr lang="pt-BR" sz="3200" dirty="0"/>
-              <a:t> </a:t>
-            </a:r>
-            <a:r>
-              <a:rPr lang="pt-BR" sz="3200" dirty="0" err="1"/>
-              <a:t>properties</a:t>
-            </a:r>
-            <a:r>
-              <a:rPr lang="pt-BR" sz="3200" dirty="0"/>
-              <a:t> e o </a:t>
-            </a:r>
-            <a:r>
-              <a:rPr lang="pt-BR" sz="3200" dirty="0" err="1"/>
-              <a:t>watchers</a:t>
-            </a:r>
-            <a:r>
-              <a:rPr lang="pt-BR" sz="3200" dirty="0"/>
-              <a:t> são diferentes mesmo trazendo o mesmo resultado.</a:t>
-            </a:r>
-            <a:r>
-              <a:rPr lang="pt-BR" sz="3200" b="0" strike="noStrike" spc="-1" dirty="0">
+              <a:rPr b="0" lang="pt-BR" sz="3200" spc="-1" strike="noStrike">
                 <a:solidFill>
                   <a:srgbClr val="000000"/>
                 </a:solidFill>
                 <a:uFill>
                   <a:solidFill>
-                    <a:srgbClr val="FFFFFF"/>
+                    <a:srgbClr val="ffffff"/>
                   </a:solidFill>
                 </a:uFill>
                 <a:latin typeface="Calibri"/>
+                <a:ea typeface="DejaVu Sans"/>
               </a:rPr>
               <a:t> </a:t>
             </a:r>
             <a:r>
-              <a:rPr lang="pt-BR" sz="3200" dirty="0"/>
-              <a:t>Quando se tem alguns dados que necessitam mudar com base na alteração de outros dados, é tentador usar excessivamente o </a:t>
+              <a:rPr b="0" lang="pt-BR" sz="3200" spc="-1" strike="noStrike">
+                <a:solidFill>
+                  <a:srgbClr val="000000"/>
+                </a:solidFill>
+                <a:uFill>
+                  <a:solidFill>
+                    <a:srgbClr val="ffffff"/>
+                  </a:solidFill>
+                </a:uFill>
+                <a:latin typeface="Arial"/>
+                <a:ea typeface="DejaVu Sans"/>
+              </a:rPr>
+              <a:t>Quando se tem alguns dados que necessitam mudar com base na alteração de outros dados, é tentador usar excessivamente o watch.</a:t>
             </a:r>
-            <a:r>
-              <a:rPr lang="pt-BR" sz="3200" dirty="0" err="1" smtClean="0"/>
-              <a:t>watch</a:t>
-            </a:r>
-            <a:r>
-              <a:rPr lang="pt-BR" sz="3200" dirty="0" smtClean="0"/>
-              <a:t>.</a:t>
-            </a:r>
-            <a:endParaRPr lang="pt-BR" sz="3200" b="0" strike="noStrike" spc="-1" dirty="0">
+            <a:endParaRPr b="0" lang="pt-BR" sz="3200" spc="-1" strike="noStrike">
               <a:solidFill>
                 <a:srgbClr val="000000"/>
               </a:solidFill>
               <a:uFill>
                 <a:solidFill>
-                  <a:srgbClr val="FFFFFF"/>
+                  <a:srgbClr val="ffffff"/>
                 </a:solidFill>
               </a:uFill>
               <a:latin typeface="Arial"/>
@@ -8439,14 +8119,14 @@
       </p:sp>
       <p:sp>
         <p:nvSpPr>
-          <p:cNvPr id="107" name="CustomShape 3"/>
+          <p:cNvPr id="115" name="CustomShape 3"/>
           <p:cNvSpPr/>
           <p:nvPr/>
         </p:nvSpPr>
         <p:spPr>
           <a:xfrm>
             <a:off x="100800" y="285840"/>
-            <a:ext cx="7399800" cy="999720"/>
+            <a:ext cx="7399080" cy="999000"/>
           </a:xfrm>
           <a:prstGeom prst="homePlate">
             <a:avLst>
@@ -8454,7 +8134,7 @@
             </a:avLst>
           </a:prstGeom>
           <a:solidFill>
-            <a:srgbClr val="06BA8F"/>
+            <a:srgbClr val="06ba8f"/>
           </a:solidFill>
           <a:ln>
             <a:round/>
@@ -8477,19 +8157,19 @@
       </p:sp>
       <p:pic>
         <p:nvPicPr>
-          <p:cNvPr id="108" name="Imagem 8"/>
+          <p:cNvPr id="116" name="Imagem 8" descr=""/>
           <p:cNvPicPr/>
           <p:nvPr/>
         </p:nvPicPr>
         <p:blipFill>
-          <a:blip r:embed="rId4"/>
-          <a:srcRect l="6879" r="6879"/>
+          <a:blip r:embed="rId3"/>
+          <a:srcRect l="6879" t="0" r="6879" b="0"/>
           <a:stretch/>
         </p:blipFill>
         <p:spPr>
           <a:xfrm>
             <a:off x="123120" y="142920"/>
-            <a:ext cx="1519560" cy="1285560"/>
+            <a:ext cx="1518840" cy="1284840"/>
           </a:xfrm>
           <a:prstGeom prst="rect">
             <a:avLst/>
@@ -8501,14 +8181,14 @@
       </p:pic>
       <p:sp>
         <p:nvSpPr>
-          <p:cNvPr id="109" name="CustomShape 4"/>
+          <p:cNvPr id="117" name="CustomShape 4"/>
           <p:cNvSpPr/>
           <p:nvPr/>
         </p:nvSpPr>
         <p:spPr>
           <a:xfrm>
             <a:off x="1428840" y="428760"/>
-            <a:ext cx="5643360" cy="713880"/>
+            <a:ext cx="5642640" cy="713160"/>
           </a:xfrm>
           <a:prstGeom prst="rect">
             <a:avLst/>
@@ -8519,22 +8199,15 @@
           </a:ln>
         </p:spPr>
         <p:style>
-          <a:lnRef idx="0">
-            <a:scrgbClr r="0" g="0" b="0"/>
-          </a:lnRef>
-          <a:fillRef idx="0">
-            <a:scrgbClr r="0" g="0" b="0"/>
-          </a:fillRef>
-          <a:effectRef idx="0">
-            <a:scrgbClr r="0" g="0" b="0"/>
-          </a:effectRef>
+          <a:lnRef idx="0"/>
+          <a:fillRef idx="0"/>
+          <a:effectRef idx="0"/>
           <a:fontRef idx="minor"/>
         </p:style>
         <p:txBody>
-          <a:bodyPr anchor="ctr">
-            <a:normAutofit lnSpcReduction="10000"/>
+          <a:bodyPr lIns="90000" rIns="90000" tIns="45000" bIns="45000" anchor="ctr">
+            <a:normAutofit/>
           </a:bodyPr>
-          <a:lstStyle/>
           <a:p>
             <a:pPr>
               <a:lnSpc>
@@ -8542,26 +8215,27 @@
               </a:lnSpc>
             </a:pPr>
             <a:r>
-              <a:rPr lang="pt-BR" sz="4400" b="1" strike="noStrike" spc="-1">
+              <a:rPr b="1" lang="pt-BR" sz="4400" spc="-1" strike="noStrike">
                 <a:solidFill>
                   <a:srgbClr val="000000"/>
                 </a:solidFill>
                 <a:uFill>
                   <a:solidFill>
-                    <a:srgbClr val="FFFFFF"/>
+                    <a:srgbClr val="ffffff"/>
                   </a:solidFill>
                 </a:uFill>
                 <a:latin typeface="Times New Roman"/>
+                <a:ea typeface="DejaVu Sans"/>
               </a:rPr>
               <a:t>Comparando...</a:t>
             </a:r>
-            <a:endParaRPr lang="pt-BR" sz="4400" b="0" strike="noStrike" spc="-1">
+            <a:endParaRPr b="0" lang="pt-BR" sz="4400" spc="-1" strike="noStrike">
               <a:solidFill>
                 <a:srgbClr val="000000"/>
               </a:solidFill>
               <a:uFill>
                 <a:solidFill>
-                  <a:srgbClr val="FFFFFF"/>
+                  <a:srgbClr val="ffffff"/>
                 </a:solidFill>
               </a:uFill>
               <a:latin typeface="Arial"/>
@@ -8571,19 +8245,19 @@
       </p:sp>
       <p:pic>
         <p:nvPicPr>
-          <p:cNvPr id="110" name="Imagem 16"/>
+          <p:cNvPr id="118" name="Imagem 16" descr=""/>
           <p:cNvPicPr/>
           <p:nvPr/>
         </p:nvPicPr>
         <p:blipFill>
-          <a:blip r:embed="rId5"/>
+          <a:blip r:embed="rId4"/>
           <a:srcRect l="3124" t="69614" r="3124" b="8995"/>
           <a:stretch/>
         </p:blipFill>
         <p:spPr>
           <a:xfrm>
             <a:off x="1571760" y="5929200"/>
-            <a:ext cx="7514640" cy="856800"/>
+            <a:ext cx="7513920" cy="856080"/>
           </a:xfrm>
           <a:prstGeom prst="rect">
             <a:avLst/>
@@ -8595,14 +8269,14 @@
       </p:pic>
       <p:sp>
         <p:nvSpPr>
-          <p:cNvPr id="10" name="TextShape 2"/>
-          <p:cNvSpPr txBox="1"/>
-          <p:nvPr/>
-        </p:nvSpPr>
-        <p:spPr>
-          <a:xfrm>
-            <a:off x="1214602" y="4572008"/>
-            <a:ext cx="6429232" cy="1571636"/>
+          <p:cNvPr id="119" name="CustomShape 5"/>
+          <p:cNvSpPr/>
+          <p:nvPr/>
+        </p:nvSpPr>
+        <p:spPr>
+          <a:xfrm>
+            <a:off x="1214640" y="4572000"/>
+            <a:ext cx="6428520" cy="1571040"/>
           </a:xfrm>
           <a:prstGeom prst="rect">
             <a:avLst/>
@@ -8612,9 +8286,14 @@
             <a:noFill/>
           </a:ln>
         </p:spPr>
+        <p:style>
+          <a:lnRef idx="0"/>
+          <a:fillRef idx="0"/>
+          <a:effectRef idx="0"/>
+          <a:fontRef idx="minor"/>
+        </p:style>
         <p:txBody>
-          <a:bodyPr/>
-          <a:lstStyle/>
+          <a:bodyPr lIns="90000" rIns="90000" tIns="45000" bIns="45000"/>
           <a:p>
             <a:pPr algn="just">
               <a:lnSpc>
@@ -8625,46 +8304,42 @@
               </a:spcBef>
             </a:pPr>
             <a:r>
-              <a:rPr lang="pt-BR" sz="3200" b="0" strike="noStrike" spc="-1" dirty="0">
+              <a:rPr b="0" lang="pt-BR" sz="3200" spc="-1" strike="noStrike">
                 <a:solidFill>
                   <a:srgbClr val="000000"/>
                 </a:solidFill>
                 <a:uFill>
                   <a:solidFill>
-                    <a:srgbClr val="FFFFFF"/>
+                    <a:srgbClr val="ffffff"/>
                   </a:solidFill>
                 </a:uFill>
                 <a:latin typeface="Calibri"/>
+                <a:ea typeface="DejaVu Sans"/>
               </a:rPr>
               <a:t>	</a:t>
             </a:r>
             <a:r>
-              <a:rPr lang="pt-BR" sz="3200" dirty="0"/>
-              <a:t>No entanto, </a:t>
+              <a:rPr b="0" lang="pt-BR" sz="3200" spc="-1" strike="noStrike">
+                <a:solidFill>
+                  <a:srgbClr val="000000"/>
+                </a:solidFill>
+                <a:uFill>
+                  <a:solidFill>
+                    <a:srgbClr val="ffffff"/>
+                  </a:solidFill>
+                </a:uFill>
+                <a:latin typeface="Arial"/>
+                <a:ea typeface="DejaVu Sans"/>
+              </a:rPr>
+              <a:t>No entanto, frequentemente é melhor usar um dado computado em vez do watch.</a:t>
             </a:r>
-            <a:r>
-              <a:rPr lang="pt-BR" sz="3200" dirty="0" err="1"/>
-              <a:t>frequentemente</a:t>
-            </a:r>
-            <a:r>
-              <a:rPr lang="pt-BR" sz="3200" dirty="0"/>
-              <a:t> é melhor usar um dado computado em vez do </a:t>
-            </a:r>
-            <a:r>
-              <a:rPr lang="pt-BR" sz="3200" dirty="0" err="1" smtClean="0"/>
-              <a:t>watch</a:t>
-            </a:r>
-            <a:r>
-              <a:rPr lang="pt-BR" sz="3200" dirty="0" smtClean="0"/>
-              <a:t>.</a:t>
-            </a:r>
-            <a:endParaRPr lang="pt-BR" sz="3200" b="0" strike="noStrike" spc="-1" dirty="0">
+            <a:endParaRPr b="0" lang="pt-BR" sz="3200" spc="-1" strike="noStrike">
               <a:solidFill>
                 <a:srgbClr val="000000"/>
               </a:solidFill>
               <a:uFill>
                 <a:solidFill>
-                  <a:srgbClr val="FFFFFF"/>
+                  <a:srgbClr val="ffffff"/>
                 </a:solidFill>
               </a:uFill>
               <a:latin typeface="Arial"/>
@@ -8674,25 +8349,22 @@
       </p:sp>
     </p:spTree>
   </p:cSld>
-  <p:clrMapOvr>
-    <a:masterClrMapping/>
-  </p:clrMapOvr>
   <p:timing>
     <p:tnLst>
       <p:par>
-        <p:cTn id="1" dur="indefinite" restart="never" nodeType="tmRoot">
+        <p:cTn id="17" dur="indefinite" restart="never" nodeType="tmRoot">
           <p:childTnLst>
             <p:seq>
-              <p:cTn id="2" nodeType="mainSeq"/>
+              <p:cTn id="18" nodeType="mainSeq"/>
               <p:prevCondLst>
-                <p:cond evt="onPrev" delay="0">
+                <p:cond delay="0" evt="onPrev">
                   <p:tgtEl>
                     <p:sldTgt/>
                   </p:tgtEl>
                 </p:cond>
               </p:prevCondLst>
               <p:nextCondLst>
-                <p:cond evt="onNext" delay="0">
+                <p:cond delay="0" evt="onNext">
                   <p:tgtEl>
                     <p:sldTgt/>
                   </p:tgtEl>
@@ -8927,7 +8599,5 @@
       </a:bgFillStyleLst>
     </a:fmtScheme>
   </a:themeElements>
-  <a:objectDefaults/>
-  <a:extraClrSchemeLst/>
 </a:theme>
 </file>